--- a/1.pptx
+++ b/1.pptx
@@ -9,14 +9,39 @@
     <p:sldId id="257" r:id="rId3"/>
     <p:sldId id="258" r:id="rId4"/>
     <p:sldId id="259" r:id="rId5"/>
-    <p:sldId id="260" r:id="rId6"/>
-    <p:sldId id="261" r:id="rId7"/>
-    <p:sldId id="262" r:id="rId8"/>
-    <p:sldId id="263" r:id="rId9"/>
-    <p:sldId id="264" r:id="rId10"/>
-    <p:sldId id="265" r:id="rId11"/>
-    <p:sldId id="266" r:id="rId12"/>
-    <p:sldId id="267" r:id="rId13"/>
+    <p:sldId id="268" r:id="rId6"/>
+    <p:sldId id="293" r:id="rId7"/>
+    <p:sldId id="288" r:id="rId8"/>
+    <p:sldId id="287" r:id="rId9"/>
+    <p:sldId id="289" r:id="rId10"/>
+    <p:sldId id="269" r:id="rId11"/>
+    <p:sldId id="270" r:id="rId12"/>
+    <p:sldId id="272" r:id="rId13"/>
+    <p:sldId id="260" r:id="rId14"/>
+    <p:sldId id="261" r:id="rId15"/>
+    <p:sldId id="262" r:id="rId16"/>
+    <p:sldId id="263" r:id="rId17"/>
+    <p:sldId id="264" r:id="rId18"/>
+    <p:sldId id="265" r:id="rId19"/>
+    <p:sldId id="266" r:id="rId20"/>
+    <p:sldId id="267" r:id="rId21"/>
+    <p:sldId id="280" r:id="rId22"/>
+    <p:sldId id="273" r:id="rId23"/>
+    <p:sldId id="274" r:id="rId24"/>
+    <p:sldId id="275" r:id="rId25"/>
+    <p:sldId id="276" r:id="rId26"/>
+    <p:sldId id="277" r:id="rId27"/>
+    <p:sldId id="278" r:id="rId28"/>
+    <p:sldId id="281" r:id="rId29"/>
+    <p:sldId id="279" r:id="rId30"/>
+    <p:sldId id="282" r:id="rId31"/>
+    <p:sldId id="283" r:id="rId32"/>
+    <p:sldId id="284" r:id="rId33"/>
+    <p:sldId id="292" r:id="rId34"/>
+    <p:sldId id="291" r:id="rId35"/>
+    <p:sldId id="285" r:id="rId36"/>
+    <p:sldId id="286" r:id="rId37"/>
+    <p:sldId id="290" r:id="rId38"/>
   </p:sldIdLst>
   <p:sldSz cx="12192000" cy="6858000"/>
   <p:notesSz cx="6858000" cy="9144000"/>
@@ -270,7 +295,7 @@
           <a:p>
             <a:fld id="{76969C88-B244-455D-A017-012B25B1ACDD}" type="datetimeFigureOut">
               <a:rPr lang="en-US" smtClean="0"/>
-              <a:t>1/24/2024</a:t>
+              <a:t>1/29/2024</a:t>
             </a:fld>
             <a:endParaRPr lang="en-US"/>
           </a:p>
@@ -484,7 +509,7 @@
           <a:p>
             <a:fld id="{76969C88-B244-455D-A017-012B25B1ACDD}" type="datetimeFigureOut">
               <a:rPr lang="en-US" smtClean="0"/>
-              <a:t>1/24/2024</a:t>
+              <a:t>1/29/2024</a:t>
             </a:fld>
             <a:endParaRPr lang="en-US"/>
           </a:p>
@@ -708,7 +733,7 @@
           <a:p>
             <a:fld id="{76969C88-B244-455D-A017-012B25B1ACDD}" type="datetimeFigureOut">
               <a:rPr lang="en-US" smtClean="0"/>
-              <a:t>1/24/2024</a:t>
+              <a:t>1/29/2024</a:t>
             </a:fld>
             <a:endParaRPr lang="en-US"/>
           </a:p>
@@ -948,7 +973,7 @@
           <a:p>
             <a:fld id="{76969C88-B244-455D-A017-012B25B1ACDD}" type="datetimeFigureOut">
               <a:rPr lang="en-US" smtClean="0"/>
-              <a:t>1/24/2024</a:t>
+              <a:t>1/29/2024</a:t>
             </a:fld>
             <a:endParaRPr lang="en-US" dirty="0"/>
           </a:p>
@@ -1169,7 +1194,7 @@
           <a:p>
             <a:fld id="{76969C88-B244-455D-A017-012B25B1ACDD}" type="datetimeFigureOut">
               <a:rPr lang="en-US" smtClean="0"/>
-              <a:t>1/24/2024</a:t>
+              <a:t>1/29/2024</a:t>
             </a:fld>
             <a:endParaRPr lang="en-US"/>
           </a:p>
@@ -1459,7 +1484,7 @@
           <a:p>
             <a:fld id="{76969C88-B244-455D-A017-012B25B1ACDD}" type="datetimeFigureOut">
               <a:rPr lang="en-US" smtClean="0"/>
-              <a:t>1/24/2024</a:t>
+              <a:t>1/29/2024</a:t>
             </a:fld>
             <a:endParaRPr lang="en-US"/>
           </a:p>
@@ -1817,7 +1842,7 @@
           <a:p>
             <a:fld id="{76969C88-B244-455D-A017-012B25B1ACDD}" type="datetimeFigureOut">
               <a:rPr lang="en-US" smtClean="0"/>
-              <a:t>1/24/2024</a:t>
+              <a:t>1/29/2024</a:t>
             </a:fld>
             <a:endParaRPr lang="en-US"/>
           </a:p>
@@ -1983,7 +2008,7 @@
           <a:p>
             <a:fld id="{76969C88-B244-455D-A017-012B25B1ACDD}" type="datetimeFigureOut">
               <a:rPr lang="en-US" smtClean="0"/>
-              <a:t>1/24/2024</a:t>
+              <a:t>1/29/2024</a:t>
             </a:fld>
             <a:endParaRPr lang="en-US"/>
           </a:p>
@@ -2042,7 +2067,7 @@
           <a:p>
             <a:fld id="{76969C88-B244-455D-A017-012B25B1ACDD}" type="datetimeFigureOut">
               <a:rPr lang="en-US" smtClean="0"/>
-              <a:t>1/24/2024</a:t>
+              <a:t>1/29/2024</a:t>
             </a:fld>
             <a:endParaRPr lang="en-US"/>
           </a:p>
@@ -2370,7 +2395,7 @@
           <a:p>
             <a:fld id="{76969C88-B244-455D-A017-012B25B1ACDD}" type="datetimeFigureOut">
               <a:rPr lang="en-US" smtClean="0"/>
-              <a:t>1/24/2024</a:t>
+              <a:t>1/29/2024</a:t>
             </a:fld>
             <a:endParaRPr lang="en-US"/>
           </a:p>
@@ -2677,7 +2702,7 @@
           <a:p>
             <a:fld id="{76969C88-B244-455D-A017-012B25B1ACDD}" type="datetimeFigureOut">
               <a:rPr lang="en-US" smtClean="0"/>
-              <a:t>1/24/2024</a:t>
+              <a:t>1/29/2024</a:t>
             </a:fld>
             <a:endParaRPr lang="en-US"/>
           </a:p>
@@ -3443,7 +3468,7 @@
             <a:fld id="{76969C88-B244-455D-A017-012B25B1ACDD}" type="datetimeFigureOut">
               <a:rPr lang="en-US" smtClean="0"/>
               <a:pPr/>
-              <a:t>1/24/2024</a:t>
+              <a:t>1/29/2024</a:t>
             </a:fld>
             <a:endParaRPr lang="en-US"/>
           </a:p>
@@ -3500,7 +3525,7 @@
         </a:spcBef>
         <a:buFont typeface="Arial" panose="020B0604020202020204" pitchFamily="34" charset="0"/>
         <a:buChar char="•"/>
-        <a:defRPr sz="2000" kern="1200" spc="10">
+        <a:defRPr sz="1600" kern="1200" spc="10">
           <a:solidFill>
             <a:schemeClr val="tx1">
               <a:alpha val="70000"/>
@@ -3520,7 +3545,7 @@
         </a:spcBef>
         <a:buFont typeface="Arial" panose="020B0604020202020204" pitchFamily="34" charset="0"/>
         <a:buChar char="•"/>
-        <a:defRPr sz="1600" kern="1200" spc="10">
+        <a:defRPr sz="1200" kern="1200" spc="10">
           <a:solidFill>
             <a:schemeClr val="tx1">
               <a:alpha val="70000"/>
@@ -3540,7 +3565,7 @@
         </a:spcBef>
         <a:buFont typeface="Arial" panose="020B0604020202020204" pitchFamily="34" charset="0"/>
         <a:buChar char="•"/>
-        <a:defRPr sz="1600" kern="1200" spc="10">
+        <a:defRPr sz="1200" kern="1200" spc="10">
           <a:solidFill>
             <a:schemeClr val="tx1">
               <a:alpha val="70000"/>
@@ -3560,7 +3585,7 @@
         </a:spcBef>
         <a:buFont typeface="Arial" panose="020B0604020202020204" pitchFamily="34" charset="0"/>
         <a:buChar char="•"/>
-        <a:defRPr sz="1600" kern="1200" spc="10">
+        <a:defRPr sz="1200" kern="1200" spc="10">
           <a:solidFill>
             <a:schemeClr val="tx1">
               <a:alpha val="70000"/>
@@ -3580,7 +3605,7 @@
         </a:spcBef>
         <a:buFont typeface="Arial" panose="020B0604020202020204" pitchFamily="34" charset="0"/>
         <a:buChar char="•"/>
-        <a:defRPr sz="1600" kern="1200" spc="10">
+        <a:defRPr sz="1200" kern="1200" spc="10">
           <a:solidFill>
             <a:schemeClr val="tx1">
               <a:alpha val="70000"/>
@@ -4426,7 +4451,7 @@
           <p:cNvPr id="2" name="제목 1">
             <a:extLst>
               <a:ext uri="{FF2B5EF4-FFF2-40B4-BE49-F238E27FC236}">
-                <a16:creationId xmlns:a16="http://schemas.microsoft.com/office/drawing/2014/main" id="{C645E12B-5EFB-D96E-0CC5-ADB586761102}"/>
+                <a16:creationId xmlns:a16="http://schemas.microsoft.com/office/drawing/2014/main" id="{35F748C5-E00C-E6AC-842D-A3893AB03FB3}"/>
               </a:ext>
             </a:extLst>
           </p:cNvPr>
@@ -4444,7 +4469,7 @@
           <a:p>
             <a:r>
               <a:rPr lang="en-US" altLang="ko-KR" dirty="0"/>
-              <a:t>Layer 3 (Network)</a:t>
+              <a:t>Switch</a:t>
             </a:r>
             <a:endParaRPr lang="ko-KR" altLang="en-US" dirty="0"/>
           </a:p>
@@ -4455,7 +4480,7 @@
           <p:cNvPr id="3" name="내용 개체 틀 2">
             <a:extLst>
               <a:ext uri="{FF2B5EF4-FFF2-40B4-BE49-F238E27FC236}">
-                <a16:creationId xmlns:a16="http://schemas.microsoft.com/office/drawing/2014/main" id="{E6B52B2C-3844-B0DA-A883-533969868E74}"/>
+                <a16:creationId xmlns:a16="http://schemas.microsoft.com/office/drawing/2014/main" id="{87563046-891A-44C9-7953-1235CBE94F2F}"/>
               </a:ext>
             </a:extLst>
           </p:cNvPr>
@@ -4471,14 +4496,361 @@
           <a:bodyPr/>
           <a:lstStyle/>
           <a:p>
-            <a:endParaRPr lang="ko-KR" altLang="en-US"/>
+            <a:r>
+              <a:rPr lang="en-US" altLang="ko-KR" sz="1600" dirty="0"/>
+              <a:t>Hub</a:t>
+            </a:r>
+            <a:r>
+              <a:rPr lang="ko-KR" altLang="en-US" sz="1600" dirty="0"/>
+              <a:t>는 랜 선을 묶는 장치로 </a:t>
+            </a:r>
+            <a:r>
+              <a:rPr lang="en-US" altLang="ko-KR" sz="1600" dirty="0"/>
+              <a:t>“</a:t>
+            </a:r>
+            <a:r>
+              <a:rPr lang="ko-KR" altLang="en-US" sz="1600" dirty="0"/>
+              <a:t>입 출력</a:t>
+            </a:r>
+            <a:r>
+              <a:rPr lang="en-US" altLang="ko-KR" sz="1600" dirty="0"/>
+              <a:t>”</a:t>
+            </a:r>
+            <a:r>
+              <a:rPr lang="ko-KR" altLang="en-US" sz="1600" dirty="0"/>
+              <a:t>이 뚜렷하지 않고</a:t>
+            </a:r>
+            <a:r>
+              <a:rPr lang="en-US" altLang="ko-KR" sz="1600" dirty="0"/>
+              <a:t>,</a:t>
+            </a:r>
+            <a:br>
+              <a:rPr lang="en-US" altLang="ko-KR" sz="1600" dirty="0"/>
+            </a:br>
+            <a:r>
+              <a:rPr lang="ko-KR" altLang="en-US" sz="1600" dirty="0"/>
+              <a:t>모든 랜 선이 </a:t>
+            </a:r>
+            <a:r>
+              <a:rPr lang="en-US" altLang="ko-KR" sz="1600" dirty="0"/>
+              <a:t>“</a:t>
+            </a:r>
+            <a:r>
+              <a:rPr lang="ko-KR" altLang="en-US" sz="1600" dirty="0"/>
+              <a:t>동등한</a:t>
+            </a:r>
+            <a:r>
+              <a:rPr lang="en-US" altLang="ko-KR" sz="1600" dirty="0"/>
+              <a:t>”</a:t>
+            </a:r>
+            <a:r>
+              <a:rPr lang="ko-KR" altLang="en-US" sz="1600" dirty="0"/>
+              <a:t>데이터를 받는 것이 특징인 네트워크 장치입니다</a:t>
+            </a:r>
+            <a:endParaRPr lang="en-US" altLang="ko-KR" sz="1600" dirty="0"/>
+          </a:p>
+          <a:p>
+            <a:r>
+              <a:rPr lang="en-US" altLang="ko-KR" sz="1600" dirty="0"/>
+              <a:t>Switch</a:t>
+            </a:r>
+            <a:r>
+              <a:rPr lang="ko-KR" altLang="en-US" sz="1600" dirty="0"/>
+              <a:t>는 </a:t>
+            </a:r>
+            <a:r>
+              <a:rPr lang="en-US" altLang="ko-KR" sz="1600" dirty="0"/>
+              <a:t>Hub</a:t>
+            </a:r>
+            <a:r>
+              <a:rPr lang="ko-KR" altLang="en-US" sz="1600" dirty="0"/>
+              <a:t>에서 하나의 랜 선이 모든 랜 선으로 전달하는 </a:t>
+            </a:r>
+            <a:r>
+              <a:rPr lang="en-US" altLang="ko-KR" sz="1600" dirty="0"/>
+              <a:t>(</a:t>
+            </a:r>
+            <a:r>
+              <a:rPr lang="ko-KR" altLang="en-US" sz="1600" dirty="0"/>
+              <a:t>마치 </a:t>
+            </a:r>
+            <a:r>
+              <a:rPr lang="en-US" altLang="ko-KR" sz="1600" dirty="0" err="1"/>
+              <a:t>Boardcast</a:t>
+            </a:r>
+            <a:r>
+              <a:rPr lang="ko-KR" altLang="en-US" sz="1600" dirty="0"/>
+              <a:t> 처럼</a:t>
+            </a:r>
+            <a:r>
+              <a:rPr lang="en-US" altLang="ko-KR" sz="1600" dirty="0"/>
+              <a:t>)</a:t>
+            </a:r>
+            <a:r>
+              <a:rPr lang="ko-KR" altLang="en-US" sz="1600" dirty="0"/>
+              <a:t>방식을 개선하여</a:t>
+            </a:r>
+            <a:r>
+              <a:rPr lang="en-US" altLang="ko-KR" sz="1600" dirty="0"/>
+              <a:t>,</a:t>
+            </a:r>
+            <a:br>
+              <a:rPr lang="en-US" altLang="ko-KR" sz="1600" dirty="0"/>
+            </a:br>
+            <a:r>
+              <a:rPr lang="en-US" altLang="ko-KR" sz="1600" dirty="0"/>
+              <a:t>“</a:t>
+            </a:r>
+            <a:r>
+              <a:rPr lang="ko-KR" altLang="en-US" sz="1600" dirty="0"/>
+              <a:t>정확히 데이터를 원하는</a:t>
+            </a:r>
+            <a:r>
+              <a:rPr lang="en-US" altLang="ko-KR" sz="1600" dirty="0"/>
+              <a:t>”</a:t>
+            </a:r>
+            <a:r>
+              <a:rPr lang="ko-KR" altLang="en-US" sz="1600" dirty="0"/>
+              <a:t> 랜 선으로만 전달하도록 중재해주는 네트워크 장치입니다</a:t>
+            </a:r>
+            <a:endParaRPr lang="en-US" altLang="ko-KR" sz="1600" dirty="0"/>
+          </a:p>
+          <a:p>
+            <a:r>
+              <a:rPr lang="ko-KR" altLang="en-US" sz="1600" dirty="0"/>
+              <a:t>이로 인해</a:t>
+            </a:r>
+            <a:r>
+              <a:rPr lang="en-US" altLang="ko-KR" sz="1600" dirty="0"/>
+              <a:t>, Hub</a:t>
+            </a:r>
+            <a:r>
+              <a:rPr lang="ko-KR" altLang="en-US" sz="1600" dirty="0"/>
+              <a:t>에 비해 </a:t>
+            </a:r>
+            <a:r>
+              <a:rPr lang="en-US" altLang="ko-KR" sz="1600" dirty="0"/>
+              <a:t>Switch</a:t>
+            </a:r>
+            <a:r>
+              <a:rPr lang="ko-KR" altLang="en-US" sz="1600" dirty="0"/>
+              <a:t>는 네트워크 부하를 줄여주는 역할도 수행하고</a:t>
+            </a:r>
+            <a:r>
+              <a:rPr lang="en-US" altLang="ko-KR" sz="1600" dirty="0"/>
+              <a:t>,</a:t>
+            </a:r>
+            <a:br>
+              <a:rPr lang="en-US" altLang="ko-KR" sz="1600" dirty="0"/>
+            </a:br>
+            <a:r>
+              <a:rPr lang="en-US" altLang="ko-KR" sz="1600" dirty="0"/>
+              <a:t>Unicast</a:t>
+            </a:r>
+            <a:r>
+              <a:rPr lang="ko-KR" altLang="en-US" sz="1600" dirty="0"/>
+              <a:t>처럼 동작하기에 내부망에서 보안도 챙길 수 있으며</a:t>
+            </a:r>
+            <a:r>
+              <a:rPr lang="en-US" altLang="ko-KR" sz="1600" dirty="0"/>
+              <a:t>,</a:t>
+            </a:r>
+            <a:br>
+              <a:rPr lang="en-US" altLang="ko-KR" sz="1600" dirty="0"/>
+            </a:br>
+            <a:r>
+              <a:rPr lang="ko-KR" altLang="en-US" sz="1600" dirty="0"/>
+              <a:t>여러 요청에 대한 데이터 충돌도 어느정도 줄여주는 효과가 있습니다</a:t>
+            </a:r>
+            <a:endParaRPr lang="en-US" altLang="ko-KR" sz="1600" dirty="0"/>
+          </a:p>
+          <a:p>
+            <a:r>
+              <a:rPr lang="en-US" altLang="ko-KR" sz="1600" dirty="0"/>
+              <a:t>Switch</a:t>
+            </a:r>
+            <a:r>
+              <a:rPr lang="ko-KR" altLang="en-US" sz="1600" dirty="0"/>
+              <a:t>는 정확히 데이터를 원하는 랜 선을 빠르게 찾아내기 위해서 랜 선의 </a:t>
+            </a:r>
+            <a:r>
+              <a:rPr lang="en-US" altLang="ko-KR" sz="1600" dirty="0"/>
+              <a:t>MAC</a:t>
+            </a:r>
+            <a:r>
+              <a:rPr lang="ko-KR" altLang="en-US" sz="1600" dirty="0"/>
+              <a:t>주소를 소지하여</a:t>
+            </a:r>
+            <a:r>
+              <a:rPr lang="en-US" altLang="ko-KR" sz="1600" dirty="0"/>
+              <a:t>,</a:t>
+            </a:r>
+            <a:br>
+              <a:rPr lang="en-US" altLang="ko-KR" sz="1600" dirty="0"/>
+            </a:br>
+            <a:r>
+              <a:rPr lang="en-US" altLang="ko-KR" sz="1600" dirty="0"/>
+              <a:t>L2</a:t>
+            </a:r>
+            <a:r>
+              <a:rPr lang="ko-KR" altLang="en-US" sz="1600" dirty="0"/>
+              <a:t>패킷의 </a:t>
+            </a:r>
+            <a:r>
+              <a:rPr lang="en-US" altLang="ko-KR" sz="1600" dirty="0"/>
+              <a:t>MAC</a:t>
+            </a:r>
+            <a:r>
+              <a:rPr lang="ko-KR" altLang="en-US" sz="1600" dirty="0"/>
+              <a:t>주소를 조작하는 형태로 통신을 수행하기 때문에</a:t>
+            </a:r>
+            <a:r>
+              <a:rPr lang="en-US" altLang="ko-KR" sz="1600" dirty="0"/>
+              <a:t>,</a:t>
+            </a:r>
+            <a:br>
+              <a:rPr lang="en-US" altLang="ko-KR" sz="1600" dirty="0"/>
+            </a:br>
+            <a:r>
+              <a:rPr lang="ko-KR" altLang="en-US" sz="1600" dirty="0"/>
+              <a:t>내부에서는 </a:t>
+            </a:r>
+            <a:r>
+              <a:rPr lang="en-US" altLang="ko-KR" sz="1600" dirty="0"/>
+              <a:t>MAC(ARP)Table</a:t>
+            </a:r>
+            <a:r>
+              <a:rPr lang="ko-KR" altLang="en-US" sz="1600" dirty="0"/>
+              <a:t>을 소지하여</a:t>
+            </a:r>
+            <a:r>
+              <a:rPr lang="en-US" altLang="ko-KR" sz="1600" dirty="0"/>
+              <a:t> </a:t>
+            </a:r>
+            <a:r>
+              <a:rPr lang="ko-KR" altLang="en-US" sz="1600" dirty="0"/>
+              <a:t>이를 통해 빠른 속도로 찾아낼 수 있습니다</a:t>
+            </a:r>
+            <a:endParaRPr lang="en-US" altLang="ko-KR" sz="1600" dirty="0"/>
+          </a:p>
+          <a:p>
+            <a:r>
+              <a:rPr lang="ko-KR" altLang="en-US" sz="1600" dirty="0"/>
+              <a:t>그래서 </a:t>
+            </a:r>
+            <a:r>
+              <a:rPr lang="en-US" altLang="ko-KR" sz="1600" dirty="0"/>
+              <a:t>Switch</a:t>
+            </a:r>
+            <a:r>
+              <a:rPr lang="ko-KR" altLang="en-US" sz="1600" dirty="0"/>
+              <a:t>는 </a:t>
+            </a:r>
+            <a:r>
+              <a:rPr lang="en-US" altLang="ko-KR" sz="1600" dirty="0"/>
+              <a:t>L2 Switch</a:t>
+            </a:r>
+            <a:r>
+              <a:rPr lang="ko-KR" altLang="en-US" sz="1600" dirty="0"/>
+              <a:t>로도 부르기도 합니다만</a:t>
+            </a:r>
+            <a:r>
+              <a:rPr lang="en-US" altLang="ko-KR" sz="1600" dirty="0"/>
+              <a:t>, </a:t>
+            </a:r>
+            <a:r>
+              <a:rPr lang="ko-KR" altLang="en-US" sz="1600" dirty="0"/>
+              <a:t>오늘날 스위치와 라우터의 경계는 옅어 진 추세라서</a:t>
+            </a:r>
+            <a:br>
+              <a:rPr lang="en-US" altLang="ko-KR" sz="1600" dirty="0"/>
+            </a:br>
+            <a:r>
+              <a:rPr lang="ko-KR" altLang="en-US" sz="1600" dirty="0"/>
+              <a:t>공유기</a:t>
+            </a:r>
+            <a:r>
+              <a:rPr lang="en-US" altLang="ko-KR" sz="1600" dirty="0"/>
+              <a:t>(AP)</a:t>
+            </a:r>
+            <a:r>
+              <a:rPr lang="ko-KR" altLang="en-US" sz="1600" dirty="0"/>
+              <a:t>가 </a:t>
+            </a:r>
+            <a:r>
+              <a:rPr lang="en-US" altLang="ko-KR" sz="1600" dirty="0"/>
+              <a:t>L2</a:t>
+            </a:r>
+            <a:r>
+              <a:rPr lang="ko-KR" altLang="en-US" sz="1600" dirty="0"/>
+              <a:t>스위치 </a:t>
+            </a:r>
+            <a:r>
+              <a:rPr lang="en-US" altLang="ko-KR" sz="1600" dirty="0"/>
+              <a:t>+ L3</a:t>
+            </a:r>
+            <a:r>
+              <a:rPr lang="ko-KR" altLang="en-US" sz="1600" dirty="0"/>
+              <a:t>스위치</a:t>
+            </a:r>
+            <a:r>
+              <a:rPr lang="en-US" altLang="ko-KR" sz="1600" dirty="0"/>
+              <a:t>(</a:t>
+            </a:r>
+            <a:r>
+              <a:rPr lang="ko-KR" altLang="en-US" sz="1600" dirty="0"/>
+              <a:t>라우터</a:t>
+            </a:r>
+            <a:r>
+              <a:rPr lang="en-US" altLang="ko-KR" sz="1600" dirty="0"/>
+              <a:t>) </a:t>
+            </a:r>
+            <a:r>
+              <a:rPr lang="ko-KR" altLang="en-US" sz="1600" dirty="0"/>
+              <a:t>기능을 하는 장치도 가끔씩 볼 수 있습니다</a:t>
+            </a:r>
+            <a:endParaRPr lang="en-US" altLang="ko-KR" sz="1600" dirty="0"/>
+          </a:p>
+          <a:p>
+            <a:r>
+              <a:rPr lang="ko-KR" altLang="en-US" sz="1600" dirty="0"/>
+              <a:t>오늘날 </a:t>
+            </a:r>
+            <a:r>
+              <a:rPr lang="en-US" altLang="ko-KR" sz="1600" dirty="0"/>
+              <a:t>L4, L7</a:t>
+            </a:r>
+            <a:r>
+              <a:rPr lang="ko-KR" altLang="en-US" sz="1600" dirty="0"/>
+              <a:t>스위치라는 용어도 존재하지만</a:t>
+            </a:r>
+            <a:r>
+              <a:rPr lang="en-US" altLang="ko-KR" sz="1600" dirty="0"/>
+              <a:t>,</a:t>
+            </a:r>
+            <a:br>
+              <a:rPr lang="en-US" altLang="ko-KR" sz="1600" dirty="0"/>
+            </a:br>
+            <a:r>
+              <a:rPr lang="ko-KR" altLang="en-US" sz="1600" dirty="0"/>
+              <a:t>이는 정확히는 </a:t>
+            </a:r>
+            <a:r>
+              <a:rPr lang="en-US" altLang="ko-KR" sz="1600" dirty="0"/>
+              <a:t>ADC(Application Delivery Controller)</a:t>
+            </a:r>
+            <a:r>
+              <a:rPr lang="ko-KR" altLang="en-US" sz="1600" dirty="0"/>
+              <a:t>라고 볼 수 있습니다</a:t>
+            </a:r>
+            <a:endParaRPr lang="en-US" altLang="ko-KR" dirty="0"/>
           </a:p>
         </p:txBody>
       </p:sp>
     </p:spTree>
     <p:extLst>
       <p:ext uri="{BB962C8B-B14F-4D97-AF65-F5344CB8AC3E}">
-        <p14:creationId xmlns:p14="http://schemas.microsoft.com/office/powerpoint/2010/main" val="1037610153"/>
+        <p14:creationId xmlns:p14="http://schemas.microsoft.com/office/powerpoint/2010/main" val="3479510537"/>
       </p:ext>
     </p:extLst>
   </p:cSld>
@@ -4510,7 +4882,7 @@
           <p:cNvPr id="2" name="제목 1">
             <a:extLst>
               <a:ext uri="{FF2B5EF4-FFF2-40B4-BE49-F238E27FC236}">
-                <a16:creationId xmlns:a16="http://schemas.microsoft.com/office/drawing/2014/main" id="{4ACE4ECD-1B54-2461-1F71-4DF8B0F4ECD1}"/>
+                <a16:creationId xmlns:a16="http://schemas.microsoft.com/office/drawing/2014/main" id="{D0511478-00AF-3742-A2C1-4B694C1E492F}"/>
               </a:ext>
             </a:extLst>
           </p:cNvPr>
@@ -4528,7 +4900,7 @@
           <a:p>
             <a:r>
               <a:rPr lang="en-US" altLang="ko-KR" dirty="0"/>
-              <a:t>Layer 4 (Transport)</a:t>
+              <a:t>ISP</a:t>
             </a:r>
             <a:endParaRPr lang="ko-KR" altLang="en-US" dirty="0"/>
           </a:p>
@@ -4539,7 +4911,7 @@
           <p:cNvPr id="3" name="내용 개체 틀 2">
             <a:extLst>
               <a:ext uri="{FF2B5EF4-FFF2-40B4-BE49-F238E27FC236}">
-                <a16:creationId xmlns:a16="http://schemas.microsoft.com/office/drawing/2014/main" id="{F59CC6ED-3E9A-BC51-02BB-707B86469E74}"/>
+                <a16:creationId xmlns:a16="http://schemas.microsoft.com/office/drawing/2014/main" id="{6C8BD112-B34A-48F4-74DA-6AC735481736}"/>
               </a:ext>
             </a:extLst>
           </p:cNvPr>
@@ -4555,14 +4927,357 @@
           <a:bodyPr/>
           <a:lstStyle/>
           <a:p>
-            <a:endParaRPr lang="ko-KR" altLang="en-US"/>
+            <a:r>
+              <a:rPr lang="en-US" altLang="ko-KR" sz="1600" dirty="0"/>
+              <a:t>ISP(Internet Service Provider): </a:t>
+            </a:r>
+            <a:r>
+              <a:rPr lang="ko-KR" altLang="en-US" sz="1600" dirty="0"/>
+              <a:t>여러 호스트나 하위사용자들을 서로 매개 해주는 역할을 하는 거대한 규모의 인터넷 서비스 제공자 입니다</a:t>
+            </a:r>
+            <a:endParaRPr lang="en-US" altLang="ko-KR" sz="1600" dirty="0"/>
+          </a:p>
+          <a:p>
+            <a:r>
+              <a:rPr lang="en-US" altLang="ko-KR" sz="1600" dirty="0"/>
+              <a:t>ISP</a:t>
+            </a:r>
+            <a:r>
+              <a:rPr lang="ko-KR" altLang="en-US" sz="1600" dirty="0"/>
+              <a:t>는 호스트끼리 연결을 담당하기 때문에 회선을 깔거나</a:t>
+            </a:r>
+            <a:r>
+              <a:rPr lang="en-US" altLang="ko-KR" sz="1600" dirty="0"/>
+              <a:t>,</a:t>
+            </a:r>
+            <a:br>
+              <a:rPr lang="en-US" altLang="ko-KR" sz="1600" dirty="0"/>
+            </a:br>
+            <a:r>
+              <a:rPr lang="ko-KR" altLang="en-US" sz="1600" dirty="0"/>
+              <a:t>네트워크 장비등을 설치하여 물리적으로 먼 거리에 있는 호스트를 연결해주는 역할을 수행합니다</a:t>
+            </a:r>
+            <a:endParaRPr lang="en-US" altLang="ko-KR" sz="1600" dirty="0"/>
+          </a:p>
+          <a:p>
+            <a:r>
+              <a:rPr lang="en-US" altLang="ko-KR" sz="1600" dirty="0"/>
+              <a:t>ISP</a:t>
+            </a:r>
+            <a:r>
+              <a:rPr lang="ko-KR" altLang="en-US" sz="1600" dirty="0"/>
+              <a:t>는 </a:t>
+            </a:r>
+            <a:r>
+              <a:rPr lang="en-US" altLang="ko-KR" sz="1600" dirty="0"/>
+              <a:t>Tier</a:t>
+            </a:r>
+            <a:r>
+              <a:rPr lang="ko-KR" altLang="en-US" sz="1600" dirty="0"/>
+              <a:t>의 개념이 존재하여</a:t>
+            </a:r>
+            <a:r>
+              <a:rPr lang="en-US" altLang="ko-KR" sz="1600" dirty="0"/>
+              <a:t>, </a:t>
+            </a:r>
+            <a:r>
+              <a:rPr lang="ko-KR" altLang="en-US" sz="1600" dirty="0"/>
+              <a:t>계층적</a:t>
+            </a:r>
+            <a:r>
+              <a:rPr lang="en-US" altLang="ko-KR" sz="1600" dirty="0"/>
+              <a:t>(Hierarchical)</a:t>
+            </a:r>
+            <a:r>
+              <a:rPr lang="ko-KR" altLang="en-US" sz="1600" dirty="0"/>
+              <a:t>으로 인터넷을 접근하는 구조인데</a:t>
+            </a:r>
+            <a:r>
+              <a:rPr lang="en-US" altLang="ko-KR" sz="1600" dirty="0"/>
+              <a:t>,</a:t>
+            </a:r>
+            <a:br>
+              <a:rPr lang="en-US" altLang="ko-KR" sz="1600" dirty="0"/>
+            </a:br>
+            <a:r>
+              <a:rPr lang="ko-KR" altLang="en-US" sz="1600" dirty="0"/>
+              <a:t>각 호스트는 접속 </a:t>
+            </a:r>
+            <a:r>
+              <a:rPr lang="en-US" altLang="ko-KR" sz="1600" dirty="0"/>
+              <a:t>ISP(Access ISP)</a:t>
+            </a:r>
+            <a:r>
+              <a:rPr lang="ko-KR" altLang="en-US" sz="1600" dirty="0"/>
+              <a:t>에</a:t>
+            </a:r>
+            <a:r>
+              <a:rPr lang="en-US" altLang="ko-KR" sz="1600" dirty="0"/>
+              <a:t>, </a:t>
+            </a:r>
+            <a:r>
+              <a:rPr lang="ko-KR" altLang="en-US" sz="1600" dirty="0"/>
+              <a:t>접속</a:t>
+            </a:r>
+            <a:r>
+              <a:rPr lang="en-US" altLang="ko-KR" sz="1600" dirty="0"/>
+              <a:t>ISP</a:t>
+            </a:r>
+            <a:r>
+              <a:rPr lang="ko-KR" altLang="en-US" sz="1600" dirty="0"/>
+              <a:t>는 지역</a:t>
+            </a:r>
+            <a:r>
+              <a:rPr lang="en-US" altLang="ko-KR" sz="1600" dirty="0"/>
+              <a:t>ISP(Legion ISP)</a:t>
+            </a:r>
+            <a:r>
+              <a:rPr lang="ko-KR" altLang="en-US" sz="1600" dirty="0"/>
+              <a:t>에 접근하고</a:t>
+            </a:r>
+            <a:r>
+              <a:rPr lang="en-US" altLang="ko-KR" sz="1600" dirty="0"/>
+              <a:t>,</a:t>
+            </a:r>
+            <a:br>
+              <a:rPr lang="en-US" altLang="ko-KR" sz="1600" dirty="0"/>
+            </a:br>
+            <a:r>
+              <a:rPr lang="ko-KR" altLang="en-US" sz="1600" dirty="0"/>
+              <a:t>지역 </a:t>
+            </a:r>
+            <a:r>
+              <a:rPr lang="en-US" altLang="ko-KR" sz="1600" dirty="0"/>
+              <a:t>ISP</a:t>
+            </a:r>
+            <a:r>
+              <a:rPr lang="ko-KR" altLang="en-US" sz="1600" dirty="0"/>
+              <a:t>끼리 통신하여 최종적으로 원하는 패킷이 정확하게 도달하는 구조를 가집니다</a:t>
+            </a:r>
+            <a:endParaRPr lang="en-US" altLang="ko-KR" sz="1600" dirty="0"/>
+          </a:p>
+          <a:p>
+            <a:r>
+              <a:rPr lang="ko-KR" altLang="en-US" sz="1600" dirty="0"/>
+              <a:t>이때</a:t>
+            </a:r>
+            <a:r>
+              <a:rPr lang="en-US" altLang="ko-KR" sz="1600" dirty="0"/>
+              <a:t>, </a:t>
+            </a:r>
+            <a:r>
+              <a:rPr lang="ko-KR" altLang="en-US" sz="1600" dirty="0"/>
+              <a:t>지역</a:t>
+            </a:r>
+            <a:r>
+              <a:rPr lang="en-US" altLang="ko-KR" sz="1600" dirty="0"/>
+              <a:t>ISP</a:t>
+            </a:r>
+            <a:r>
+              <a:rPr lang="ko-KR" altLang="en-US" sz="1600" dirty="0"/>
+              <a:t>끼리 </a:t>
+            </a:r>
+            <a:r>
+              <a:rPr lang="en-US" altLang="ko-KR" sz="1600" dirty="0"/>
+              <a:t>Tier</a:t>
+            </a:r>
+            <a:r>
+              <a:rPr lang="ko-KR" altLang="en-US" sz="1600" dirty="0"/>
+              <a:t>가 같은 경우에는 </a:t>
+            </a:r>
+            <a:r>
+              <a:rPr lang="ko-KR" altLang="en-US" sz="1600" dirty="0" err="1"/>
+              <a:t>피어링</a:t>
+            </a:r>
+            <a:r>
+              <a:rPr lang="en-US" altLang="ko-KR" sz="1600" dirty="0"/>
+              <a:t>(Peering)</a:t>
+            </a:r>
+            <a:r>
+              <a:rPr lang="ko-KR" altLang="en-US" sz="1600" dirty="0"/>
+              <a:t>을 하여 통신한다고 표현하고</a:t>
+            </a:r>
+            <a:r>
+              <a:rPr lang="en-US" altLang="ko-KR" sz="1600" dirty="0"/>
+              <a:t>,</a:t>
+            </a:r>
+            <a:br>
+              <a:rPr lang="en-US" altLang="ko-KR" sz="1600" dirty="0"/>
+            </a:br>
+            <a:r>
+              <a:rPr lang="ko-KR" altLang="en-US" sz="1600" dirty="0"/>
+              <a:t>낮은 지역 </a:t>
+            </a:r>
+            <a:r>
+              <a:rPr lang="en-US" altLang="ko-KR" sz="1600" dirty="0"/>
+              <a:t>ISP</a:t>
+            </a:r>
+            <a:r>
+              <a:rPr lang="ko-KR" altLang="en-US" sz="1600" dirty="0"/>
+              <a:t>가 상위 지역 </a:t>
+            </a:r>
+            <a:r>
+              <a:rPr lang="en-US" altLang="ko-KR" sz="1600" dirty="0"/>
+              <a:t>ISP</a:t>
+            </a:r>
+            <a:r>
+              <a:rPr lang="ko-KR" altLang="en-US" sz="1600" dirty="0"/>
+              <a:t>에 통신을 요청하는 경우에는 </a:t>
+            </a:r>
+            <a:r>
+              <a:rPr lang="ko-KR" altLang="en-US" sz="1600" dirty="0" err="1"/>
+              <a:t>호밍</a:t>
+            </a:r>
+            <a:r>
+              <a:rPr lang="en-US" altLang="ko-KR" sz="1600" dirty="0"/>
+              <a:t>(Homing)</a:t>
+            </a:r>
+            <a:r>
+              <a:rPr lang="ko-KR" altLang="en-US" sz="1600" dirty="0"/>
+              <a:t>을 하여</a:t>
+            </a:r>
+            <a:br>
+              <a:rPr lang="en-US" altLang="ko-KR" sz="1600" dirty="0"/>
+            </a:br>
+            <a:r>
+              <a:rPr lang="ko-KR" altLang="en-US" sz="1600" dirty="0"/>
+              <a:t>통신한다고 표현합니다</a:t>
+            </a:r>
+            <a:endParaRPr lang="en-US" altLang="ko-KR" sz="1600" dirty="0"/>
+          </a:p>
+          <a:p>
+            <a:r>
+              <a:rPr lang="ko-KR" altLang="en-US" sz="1600" dirty="0" err="1"/>
+              <a:t>호밍의</a:t>
+            </a:r>
+            <a:r>
+              <a:rPr lang="ko-KR" altLang="en-US" sz="1600" dirty="0"/>
+              <a:t> 경우에는 </a:t>
+            </a:r>
+            <a:r>
+              <a:rPr lang="ko-KR" altLang="en-US" sz="1600" dirty="0" err="1"/>
+              <a:t>트랜짓</a:t>
+            </a:r>
+            <a:r>
+              <a:rPr lang="ko-KR" altLang="en-US" sz="1600" dirty="0"/>
+              <a:t> 비용</a:t>
+            </a:r>
+            <a:r>
+              <a:rPr lang="en-US" altLang="ko-KR" sz="1600" dirty="0"/>
+              <a:t>(</a:t>
+            </a:r>
+            <a:r>
+              <a:rPr lang="en-US" altLang="ko-KR" sz="1600" dirty="0" err="1"/>
+              <a:t>TransitCost</a:t>
+            </a:r>
+            <a:r>
+              <a:rPr lang="en-US" altLang="ko-KR" sz="1600" dirty="0"/>
+              <a:t>)</a:t>
+            </a:r>
+            <a:r>
+              <a:rPr lang="ko-KR" altLang="en-US" sz="1600" dirty="0"/>
+              <a:t>을 내고</a:t>
+            </a:r>
+            <a:r>
+              <a:rPr lang="en-US" altLang="ko-KR" sz="1600" dirty="0"/>
+              <a:t>, </a:t>
+            </a:r>
+            <a:r>
+              <a:rPr lang="ko-KR" altLang="en-US" sz="1600" dirty="0"/>
+              <a:t>상위 </a:t>
+            </a:r>
+            <a:r>
+              <a:rPr lang="en-US" altLang="ko-KR" sz="1600" dirty="0"/>
+              <a:t>Tier</a:t>
+            </a:r>
+            <a:r>
+              <a:rPr lang="ko-KR" altLang="en-US" sz="1600" dirty="0"/>
+              <a:t>를 사용하기 때문에</a:t>
+            </a:r>
+            <a:r>
+              <a:rPr lang="en-US" altLang="ko-KR" sz="1600" dirty="0"/>
+              <a:t>,</a:t>
+            </a:r>
+            <a:br>
+              <a:rPr lang="en-US" altLang="ko-KR" sz="1600" dirty="0"/>
+            </a:br>
+            <a:r>
+              <a:rPr lang="ko-KR" altLang="en-US" sz="1600" dirty="0"/>
+              <a:t>가급적이면 </a:t>
+            </a:r>
+            <a:r>
+              <a:rPr lang="ko-KR" altLang="en-US" sz="1600" dirty="0" err="1"/>
+              <a:t>피어링을</a:t>
+            </a:r>
+            <a:r>
+              <a:rPr lang="ko-KR" altLang="en-US" sz="1600" dirty="0"/>
+              <a:t> 쓰는 것이 비용측면에서 좋지만</a:t>
+            </a:r>
+            <a:r>
+              <a:rPr lang="en-US" altLang="ko-KR" sz="1600" dirty="0"/>
+              <a:t>,</a:t>
+            </a:r>
+            <a:br>
+              <a:rPr lang="en-US" altLang="ko-KR" sz="1600" dirty="0"/>
+            </a:br>
+            <a:r>
+              <a:rPr lang="ko-KR" altLang="en-US" sz="1600" dirty="0"/>
+              <a:t>네트워크 메시의 구조는 생각보다 복잡하게 얽혀 있기 때문에</a:t>
+            </a:r>
+            <a:r>
+              <a:rPr lang="en-US" altLang="ko-KR" sz="1600" dirty="0"/>
+              <a:t>,</a:t>
+            </a:r>
+            <a:br>
+              <a:rPr lang="en-US" altLang="ko-KR" sz="1600" dirty="0"/>
+            </a:br>
+            <a:r>
+              <a:rPr lang="ko-KR" altLang="en-US" sz="1600" dirty="0"/>
+              <a:t>상위 </a:t>
+            </a:r>
+            <a:r>
+              <a:rPr lang="en-US" altLang="ko-KR" sz="1600" dirty="0"/>
+              <a:t>Tier</a:t>
+            </a:r>
+            <a:r>
+              <a:rPr lang="ko-KR" altLang="en-US" sz="1600" dirty="0"/>
+              <a:t>의 정보를 쓰는 것이 빠르다고 판단하면</a:t>
+            </a:r>
+            <a:r>
+              <a:rPr lang="en-US" altLang="ko-KR" sz="1600" dirty="0"/>
+              <a:t>(</a:t>
+            </a:r>
+            <a:r>
+              <a:rPr lang="ko-KR" altLang="en-US" sz="1600" dirty="0"/>
+              <a:t>라우팅 알고리즘 등으로</a:t>
+            </a:r>
+            <a:r>
+              <a:rPr lang="en-US" altLang="ko-KR" sz="1600" dirty="0"/>
+              <a:t>),</a:t>
+            </a:r>
+            <a:br>
+              <a:rPr lang="en-US" altLang="ko-KR" sz="1600" dirty="0"/>
+            </a:br>
+            <a:r>
+              <a:rPr lang="ko-KR" altLang="en-US" sz="1600" dirty="0"/>
+              <a:t>일반적으로 </a:t>
+            </a:r>
+            <a:r>
+              <a:rPr lang="ko-KR" altLang="en-US" sz="1600" dirty="0" err="1"/>
+              <a:t>트랜짓비용을</a:t>
+            </a:r>
+            <a:r>
+              <a:rPr lang="ko-KR" altLang="en-US" sz="1600" dirty="0"/>
+              <a:t> 내고 정보를 가져오는 편입니다</a:t>
+            </a:r>
+            <a:endParaRPr lang="en-US" altLang="ko-KR" sz="1600" dirty="0"/>
           </a:p>
         </p:txBody>
       </p:sp>
     </p:spTree>
     <p:extLst>
       <p:ext uri="{BB962C8B-B14F-4D97-AF65-F5344CB8AC3E}">
-        <p14:creationId xmlns:p14="http://schemas.microsoft.com/office/powerpoint/2010/main" val="593725746"/>
+        <p14:creationId xmlns:p14="http://schemas.microsoft.com/office/powerpoint/2010/main" val="2817439787"/>
       </p:ext>
     </p:extLst>
   </p:cSld>
@@ -4594,7 +5309,7 @@
           <p:cNvPr id="2" name="제목 1">
             <a:extLst>
               <a:ext uri="{FF2B5EF4-FFF2-40B4-BE49-F238E27FC236}">
-                <a16:creationId xmlns:a16="http://schemas.microsoft.com/office/drawing/2014/main" id="{A6CC69B4-70AC-3967-1993-364D114AB4CB}"/>
+                <a16:creationId xmlns:a16="http://schemas.microsoft.com/office/drawing/2014/main" id="{92A29D9B-FB2D-89A1-45F6-27223EA57AE2}"/>
               </a:ext>
             </a:extLst>
           </p:cNvPr>
@@ -4612,7 +5327,7 @@
           <a:p>
             <a:r>
               <a:rPr lang="en-US" altLang="ko-KR" dirty="0"/>
-              <a:t>Layer 5 (Application)</a:t>
+              <a:t>BGP, ASN</a:t>
             </a:r>
             <a:endParaRPr lang="ko-KR" altLang="en-US" dirty="0"/>
           </a:p>
@@ -4623,7 +5338,7 @@
           <p:cNvPr id="3" name="내용 개체 틀 2">
             <a:extLst>
               <a:ext uri="{FF2B5EF4-FFF2-40B4-BE49-F238E27FC236}">
-                <a16:creationId xmlns:a16="http://schemas.microsoft.com/office/drawing/2014/main" id="{64E2DF04-6663-F2FD-2679-9C0928B463AA}"/>
+                <a16:creationId xmlns:a16="http://schemas.microsoft.com/office/drawing/2014/main" id="{4F9D29A4-5A59-BA4E-FF7F-4139DC7CE7CC}"/>
               </a:ext>
             </a:extLst>
           </p:cNvPr>
@@ -4646,7 +5361,594 @@
     </p:spTree>
     <p:extLst>
       <p:ext uri="{BB962C8B-B14F-4D97-AF65-F5344CB8AC3E}">
-        <p14:creationId xmlns:p14="http://schemas.microsoft.com/office/powerpoint/2010/main" val="2070513958"/>
+        <p14:creationId xmlns:p14="http://schemas.microsoft.com/office/powerpoint/2010/main" val="995610473"/>
+      </p:ext>
+    </p:extLst>
+  </p:cSld>
+  <p:clrMapOvr>
+    <a:masterClrMapping/>
+  </p:clrMapOvr>
+</p:sld>
+</file>
+
+<file path=ppt/slides/slide13.xml><?xml version="1.0" encoding="utf-8"?>
+<p:sld xmlns:a="http://schemas.openxmlformats.org/drawingml/2006/main" xmlns:r="http://schemas.openxmlformats.org/officeDocument/2006/relationships" xmlns:p="http://schemas.openxmlformats.org/presentationml/2006/main">
+  <p:cSld>
+    <p:spTree>
+      <p:nvGrpSpPr>
+        <p:cNvPr id="1" name=""/>
+        <p:cNvGrpSpPr/>
+        <p:nvPr/>
+      </p:nvGrpSpPr>
+      <p:grpSpPr>
+        <a:xfrm>
+          <a:off x="0" y="0"/>
+          <a:ext cx="0" cy="0"/>
+          <a:chOff x="0" y="0"/>
+          <a:chExt cx="0" cy="0"/>
+        </a:xfrm>
+      </p:grpSpPr>
+      <p:sp>
+        <p:nvSpPr>
+          <p:cNvPr id="2" name="제목 1">
+            <a:extLst>
+              <a:ext uri="{FF2B5EF4-FFF2-40B4-BE49-F238E27FC236}">
+                <a16:creationId xmlns:a16="http://schemas.microsoft.com/office/drawing/2014/main" id="{BC8F948C-9CE4-8195-1422-343A4CC0FBDE}"/>
+              </a:ext>
+            </a:extLst>
+          </p:cNvPr>
+          <p:cNvSpPr>
+            <a:spLocks noGrp="1"/>
+          </p:cNvSpPr>
+          <p:nvPr>
+            <p:ph type="title"/>
+          </p:nvPr>
+        </p:nvSpPr>
+        <p:spPr/>
+        <p:txBody>
+          <a:bodyPr/>
+          <a:lstStyle/>
+          <a:p>
+            <a:r>
+              <a:rPr lang="ko-KR" altLang="en-US" dirty="0"/>
+              <a:t>다양한 네트워크의 형태</a:t>
+            </a:r>
+          </a:p>
+        </p:txBody>
+      </p:sp>
+      <p:sp>
+        <p:nvSpPr>
+          <p:cNvPr id="3" name="내용 개체 틀 2">
+            <a:extLst>
+              <a:ext uri="{FF2B5EF4-FFF2-40B4-BE49-F238E27FC236}">
+                <a16:creationId xmlns:a16="http://schemas.microsoft.com/office/drawing/2014/main" id="{D85C52DF-1558-7DCC-2101-20A7E121D4AD}"/>
+              </a:ext>
+            </a:extLst>
+          </p:cNvPr>
+          <p:cNvSpPr>
+            <a:spLocks noGrp="1"/>
+          </p:cNvSpPr>
+          <p:nvPr>
+            <p:ph idx="1"/>
+          </p:nvPr>
+        </p:nvSpPr>
+        <p:spPr/>
+        <p:txBody>
+          <a:bodyPr/>
+          <a:lstStyle/>
+          <a:p>
+            <a:endParaRPr lang="ko-KR" altLang="en-US" sz="1600" dirty="0"/>
+          </a:p>
+        </p:txBody>
+      </p:sp>
+    </p:spTree>
+    <p:extLst>
+      <p:ext uri="{BB962C8B-B14F-4D97-AF65-F5344CB8AC3E}">
+        <p14:creationId xmlns:p14="http://schemas.microsoft.com/office/powerpoint/2010/main" val="916418138"/>
+      </p:ext>
+    </p:extLst>
+  </p:cSld>
+  <p:clrMapOvr>
+    <a:masterClrMapping/>
+  </p:clrMapOvr>
+</p:sld>
+</file>
+
+<file path=ppt/slides/slide14.xml><?xml version="1.0" encoding="utf-8"?>
+<p:sld xmlns:a="http://schemas.openxmlformats.org/drawingml/2006/main" xmlns:r="http://schemas.openxmlformats.org/officeDocument/2006/relationships" xmlns:p="http://schemas.openxmlformats.org/presentationml/2006/main">
+  <p:cSld>
+    <p:spTree>
+      <p:nvGrpSpPr>
+        <p:cNvPr id="1" name=""/>
+        <p:cNvGrpSpPr/>
+        <p:nvPr/>
+      </p:nvGrpSpPr>
+      <p:grpSpPr>
+        <a:xfrm>
+          <a:off x="0" y="0"/>
+          <a:ext cx="0" cy="0"/>
+          <a:chOff x="0" y="0"/>
+          <a:chExt cx="0" cy="0"/>
+        </a:xfrm>
+      </p:grpSpPr>
+      <p:sp>
+        <p:nvSpPr>
+          <p:cNvPr id="2" name="제목 1">
+            <a:extLst>
+              <a:ext uri="{FF2B5EF4-FFF2-40B4-BE49-F238E27FC236}">
+                <a16:creationId xmlns:a16="http://schemas.microsoft.com/office/drawing/2014/main" id="{4CD2956C-BC27-231C-311C-96284257B6C4}"/>
+              </a:ext>
+            </a:extLst>
+          </p:cNvPr>
+          <p:cNvSpPr>
+            <a:spLocks noGrp="1"/>
+          </p:cNvSpPr>
+          <p:nvPr>
+            <p:ph type="title"/>
+          </p:nvPr>
+        </p:nvSpPr>
+        <p:spPr/>
+        <p:txBody>
+          <a:bodyPr/>
+          <a:lstStyle/>
+          <a:p>
+            <a:r>
+              <a:rPr lang="en-US" altLang="ko-KR" dirty="0"/>
+              <a:t>Protocol</a:t>
+            </a:r>
+            <a:endParaRPr lang="ko-KR" altLang="en-US" dirty="0"/>
+          </a:p>
+        </p:txBody>
+      </p:sp>
+      <p:sp>
+        <p:nvSpPr>
+          <p:cNvPr id="3" name="내용 개체 틀 2">
+            <a:extLst>
+              <a:ext uri="{FF2B5EF4-FFF2-40B4-BE49-F238E27FC236}">
+                <a16:creationId xmlns:a16="http://schemas.microsoft.com/office/drawing/2014/main" id="{475888B9-5AAA-804D-4EF6-582D574EA2F6}"/>
+              </a:ext>
+            </a:extLst>
+          </p:cNvPr>
+          <p:cNvSpPr>
+            <a:spLocks noGrp="1"/>
+          </p:cNvSpPr>
+          <p:nvPr>
+            <p:ph idx="1"/>
+          </p:nvPr>
+        </p:nvSpPr>
+        <p:spPr/>
+        <p:txBody>
+          <a:bodyPr/>
+          <a:lstStyle/>
+          <a:p>
+            <a:endParaRPr lang="ko-KR" altLang="en-US" sz="1600" dirty="0"/>
+          </a:p>
+        </p:txBody>
+      </p:sp>
+    </p:spTree>
+    <p:extLst>
+      <p:ext uri="{BB962C8B-B14F-4D97-AF65-F5344CB8AC3E}">
+        <p14:creationId xmlns:p14="http://schemas.microsoft.com/office/powerpoint/2010/main" val="1152109919"/>
+      </p:ext>
+    </p:extLst>
+  </p:cSld>
+  <p:clrMapOvr>
+    <a:masterClrMapping/>
+  </p:clrMapOvr>
+</p:sld>
+</file>
+
+<file path=ppt/slides/slide15.xml><?xml version="1.0" encoding="utf-8"?>
+<p:sld xmlns:a="http://schemas.openxmlformats.org/drawingml/2006/main" xmlns:r="http://schemas.openxmlformats.org/officeDocument/2006/relationships" xmlns:p="http://schemas.openxmlformats.org/presentationml/2006/main">
+  <p:cSld>
+    <p:spTree>
+      <p:nvGrpSpPr>
+        <p:cNvPr id="1" name=""/>
+        <p:cNvGrpSpPr/>
+        <p:nvPr/>
+      </p:nvGrpSpPr>
+      <p:grpSpPr>
+        <a:xfrm>
+          <a:off x="0" y="0"/>
+          <a:ext cx="0" cy="0"/>
+          <a:chOff x="0" y="0"/>
+          <a:chExt cx="0" cy="0"/>
+        </a:xfrm>
+      </p:grpSpPr>
+      <p:sp>
+        <p:nvSpPr>
+          <p:cNvPr id="2" name="제목 1">
+            <a:extLst>
+              <a:ext uri="{FF2B5EF4-FFF2-40B4-BE49-F238E27FC236}">
+                <a16:creationId xmlns:a16="http://schemas.microsoft.com/office/drawing/2014/main" id="{13B554B4-F2DB-FE01-2609-1396C62FC703}"/>
+              </a:ext>
+            </a:extLst>
+          </p:cNvPr>
+          <p:cNvSpPr>
+            <a:spLocks noGrp="1"/>
+          </p:cNvSpPr>
+          <p:nvPr>
+            <p:ph type="title"/>
+          </p:nvPr>
+        </p:nvSpPr>
+        <p:spPr/>
+        <p:txBody>
+          <a:bodyPr/>
+          <a:lstStyle/>
+          <a:p>
+            <a:r>
+              <a:rPr lang="en-US" altLang="ko-KR" dirty="0"/>
+              <a:t>Layer (OSI 7)</a:t>
+            </a:r>
+            <a:endParaRPr lang="ko-KR" altLang="en-US" dirty="0"/>
+          </a:p>
+        </p:txBody>
+      </p:sp>
+      <p:sp>
+        <p:nvSpPr>
+          <p:cNvPr id="3" name="내용 개체 틀 2">
+            <a:extLst>
+              <a:ext uri="{FF2B5EF4-FFF2-40B4-BE49-F238E27FC236}">
+                <a16:creationId xmlns:a16="http://schemas.microsoft.com/office/drawing/2014/main" id="{3D9A757A-BE5B-C755-75F8-7081E04B4930}"/>
+              </a:ext>
+            </a:extLst>
+          </p:cNvPr>
+          <p:cNvSpPr>
+            <a:spLocks noGrp="1"/>
+          </p:cNvSpPr>
+          <p:nvPr>
+            <p:ph idx="1"/>
+          </p:nvPr>
+        </p:nvSpPr>
+        <p:spPr/>
+        <p:txBody>
+          <a:bodyPr/>
+          <a:lstStyle/>
+          <a:p>
+            <a:endParaRPr lang="ko-KR" altLang="en-US" sz="1600" dirty="0"/>
+          </a:p>
+        </p:txBody>
+      </p:sp>
+    </p:spTree>
+    <p:extLst>
+      <p:ext uri="{BB962C8B-B14F-4D97-AF65-F5344CB8AC3E}">
+        <p14:creationId xmlns:p14="http://schemas.microsoft.com/office/powerpoint/2010/main" val="2497710173"/>
+      </p:ext>
+    </p:extLst>
+  </p:cSld>
+  <p:clrMapOvr>
+    <a:masterClrMapping/>
+  </p:clrMapOvr>
+</p:sld>
+</file>
+
+<file path=ppt/slides/slide16.xml><?xml version="1.0" encoding="utf-8"?>
+<p:sld xmlns:a="http://schemas.openxmlformats.org/drawingml/2006/main" xmlns:r="http://schemas.openxmlformats.org/officeDocument/2006/relationships" xmlns:p="http://schemas.openxmlformats.org/presentationml/2006/main">
+  <p:cSld>
+    <p:spTree>
+      <p:nvGrpSpPr>
+        <p:cNvPr id="1" name=""/>
+        <p:cNvGrpSpPr/>
+        <p:nvPr/>
+      </p:nvGrpSpPr>
+      <p:grpSpPr>
+        <a:xfrm>
+          <a:off x="0" y="0"/>
+          <a:ext cx="0" cy="0"/>
+          <a:chOff x="0" y="0"/>
+          <a:chExt cx="0" cy="0"/>
+        </a:xfrm>
+      </p:grpSpPr>
+      <p:sp>
+        <p:nvSpPr>
+          <p:cNvPr id="2" name="제목 1">
+            <a:extLst>
+              <a:ext uri="{FF2B5EF4-FFF2-40B4-BE49-F238E27FC236}">
+                <a16:creationId xmlns:a16="http://schemas.microsoft.com/office/drawing/2014/main" id="{AA81B9AE-B83B-AD87-FFBF-4F640EDD81BE}"/>
+              </a:ext>
+            </a:extLst>
+          </p:cNvPr>
+          <p:cNvSpPr>
+            <a:spLocks noGrp="1"/>
+          </p:cNvSpPr>
+          <p:nvPr>
+            <p:ph type="title"/>
+          </p:nvPr>
+        </p:nvSpPr>
+        <p:spPr/>
+        <p:txBody>
+          <a:bodyPr/>
+          <a:lstStyle/>
+          <a:p>
+            <a:r>
+              <a:rPr lang="en-US" altLang="ko-KR" dirty="0"/>
+              <a:t>Layer 1 (Physical)</a:t>
+            </a:r>
+            <a:endParaRPr lang="ko-KR" altLang="en-US" dirty="0"/>
+          </a:p>
+        </p:txBody>
+      </p:sp>
+      <p:sp>
+        <p:nvSpPr>
+          <p:cNvPr id="3" name="내용 개체 틀 2">
+            <a:extLst>
+              <a:ext uri="{FF2B5EF4-FFF2-40B4-BE49-F238E27FC236}">
+                <a16:creationId xmlns:a16="http://schemas.microsoft.com/office/drawing/2014/main" id="{FE81CCD3-766A-7659-24A3-2BA7FA688E87}"/>
+              </a:ext>
+            </a:extLst>
+          </p:cNvPr>
+          <p:cNvSpPr>
+            <a:spLocks noGrp="1"/>
+          </p:cNvSpPr>
+          <p:nvPr>
+            <p:ph idx="1"/>
+          </p:nvPr>
+        </p:nvSpPr>
+        <p:spPr/>
+        <p:txBody>
+          <a:bodyPr/>
+          <a:lstStyle/>
+          <a:p>
+            <a:endParaRPr lang="ko-KR" altLang="en-US" sz="1600" dirty="0"/>
+          </a:p>
+        </p:txBody>
+      </p:sp>
+    </p:spTree>
+    <p:extLst>
+      <p:ext uri="{BB962C8B-B14F-4D97-AF65-F5344CB8AC3E}">
+        <p14:creationId xmlns:p14="http://schemas.microsoft.com/office/powerpoint/2010/main" val="2864952801"/>
+      </p:ext>
+    </p:extLst>
+  </p:cSld>
+  <p:clrMapOvr>
+    <a:masterClrMapping/>
+  </p:clrMapOvr>
+</p:sld>
+</file>
+
+<file path=ppt/slides/slide17.xml><?xml version="1.0" encoding="utf-8"?>
+<p:sld xmlns:a="http://schemas.openxmlformats.org/drawingml/2006/main" xmlns:r="http://schemas.openxmlformats.org/officeDocument/2006/relationships" xmlns:p="http://schemas.openxmlformats.org/presentationml/2006/main">
+  <p:cSld>
+    <p:spTree>
+      <p:nvGrpSpPr>
+        <p:cNvPr id="1" name=""/>
+        <p:cNvGrpSpPr/>
+        <p:nvPr/>
+      </p:nvGrpSpPr>
+      <p:grpSpPr>
+        <a:xfrm>
+          <a:off x="0" y="0"/>
+          <a:ext cx="0" cy="0"/>
+          <a:chOff x="0" y="0"/>
+          <a:chExt cx="0" cy="0"/>
+        </a:xfrm>
+      </p:grpSpPr>
+      <p:sp>
+        <p:nvSpPr>
+          <p:cNvPr id="2" name="제목 1">
+            <a:extLst>
+              <a:ext uri="{FF2B5EF4-FFF2-40B4-BE49-F238E27FC236}">
+                <a16:creationId xmlns:a16="http://schemas.microsoft.com/office/drawing/2014/main" id="{5F83E545-A2D4-A77D-EAEE-09BD405B530B}"/>
+              </a:ext>
+            </a:extLst>
+          </p:cNvPr>
+          <p:cNvSpPr>
+            <a:spLocks noGrp="1"/>
+          </p:cNvSpPr>
+          <p:nvPr>
+            <p:ph type="title"/>
+          </p:nvPr>
+        </p:nvSpPr>
+        <p:spPr/>
+        <p:txBody>
+          <a:bodyPr/>
+          <a:lstStyle/>
+          <a:p>
+            <a:r>
+              <a:rPr lang="en-US" altLang="ko-KR" dirty="0"/>
+              <a:t>Layer 2 (Data Link)</a:t>
+            </a:r>
+            <a:endParaRPr lang="ko-KR" altLang="en-US" dirty="0"/>
+          </a:p>
+        </p:txBody>
+      </p:sp>
+      <p:sp>
+        <p:nvSpPr>
+          <p:cNvPr id="3" name="내용 개체 틀 2">
+            <a:extLst>
+              <a:ext uri="{FF2B5EF4-FFF2-40B4-BE49-F238E27FC236}">
+                <a16:creationId xmlns:a16="http://schemas.microsoft.com/office/drawing/2014/main" id="{3CE5A161-055E-6010-546E-8E5EF611C9BF}"/>
+              </a:ext>
+            </a:extLst>
+          </p:cNvPr>
+          <p:cNvSpPr>
+            <a:spLocks noGrp="1"/>
+          </p:cNvSpPr>
+          <p:nvPr>
+            <p:ph idx="1"/>
+          </p:nvPr>
+        </p:nvSpPr>
+        <p:spPr/>
+        <p:txBody>
+          <a:bodyPr/>
+          <a:lstStyle/>
+          <a:p>
+            <a:endParaRPr lang="ko-KR" altLang="en-US" sz="1600" dirty="0"/>
+          </a:p>
+        </p:txBody>
+      </p:sp>
+    </p:spTree>
+    <p:extLst>
+      <p:ext uri="{BB962C8B-B14F-4D97-AF65-F5344CB8AC3E}">
+        <p14:creationId xmlns:p14="http://schemas.microsoft.com/office/powerpoint/2010/main" val="2216825392"/>
+      </p:ext>
+    </p:extLst>
+  </p:cSld>
+  <p:clrMapOvr>
+    <a:masterClrMapping/>
+  </p:clrMapOvr>
+</p:sld>
+</file>
+
+<file path=ppt/slides/slide18.xml><?xml version="1.0" encoding="utf-8"?>
+<p:sld xmlns:a="http://schemas.openxmlformats.org/drawingml/2006/main" xmlns:r="http://schemas.openxmlformats.org/officeDocument/2006/relationships" xmlns:p="http://schemas.openxmlformats.org/presentationml/2006/main">
+  <p:cSld>
+    <p:spTree>
+      <p:nvGrpSpPr>
+        <p:cNvPr id="1" name=""/>
+        <p:cNvGrpSpPr/>
+        <p:nvPr/>
+      </p:nvGrpSpPr>
+      <p:grpSpPr>
+        <a:xfrm>
+          <a:off x="0" y="0"/>
+          <a:ext cx="0" cy="0"/>
+          <a:chOff x="0" y="0"/>
+          <a:chExt cx="0" cy="0"/>
+        </a:xfrm>
+      </p:grpSpPr>
+      <p:sp>
+        <p:nvSpPr>
+          <p:cNvPr id="2" name="제목 1">
+            <a:extLst>
+              <a:ext uri="{FF2B5EF4-FFF2-40B4-BE49-F238E27FC236}">
+                <a16:creationId xmlns:a16="http://schemas.microsoft.com/office/drawing/2014/main" id="{C645E12B-5EFB-D96E-0CC5-ADB586761102}"/>
+              </a:ext>
+            </a:extLst>
+          </p:cNvPr>
+          <p:cNvSpPr>
+            <a:spLocks noGrp="1"/>
+          </p:cNvSpPr>
+          <p:nvPr>
+            <p:ph type="title"/>
+          </p:nvPr>
+        </p:nvSpPr>
+        <p:spPr/>
+        <p:txBody>
+          <a:bodyPr/>
+          <a:lstStyle/>
+          <a:p>
+            <a:r>
+              <a:rPr lang="en-US" altLang="ko-KR" dirty="0"/>
+              <a:t>Layer 3 (Network)</a:t>
+            </a:r>
+            <a:endParaRPr lang="ko-KR" altLang="en-US" dirty="0"/>
+          </a:p>
+        </p:txBody>
+      </p:sp>
+      <p:sp>
+        <p:nvSpPr>
+          <p:cNvPr id="3" name="내용 개체 틀 2">
+            <a:extLst>
+              <a:ext uri="{FF2B5EF4-FFF2-40B4-BE49-F238E27FC236}">
+                <a16:creationId xmlns:a16="http://schemas.microsoft.com/office/drawing/2014/main" id="{E6B52B2C-3844-B0DA-A883-533969868E74}"/>
+              </a:ext>
+            </a:extLst>
+          </p:cNvPr>
+          <p:cNvSpPr>
+            <a:spLocks noGrp="1"/>
+          </p:cNvSpPr>
+          <p:nvPr>
+            <p:ph idx="1"/>
+          </p:nvPr>
+        </p:nvSpPr>
+        <p:spPr/>
+        <p:txBody>
+          <a:bodyPr/>
+          <a:lstStyle/>
+          <a:p>
+            <a:endParaRPr lang="ko-KR" altLang="en-US" sz="1600" dirty="0"/>
+          </a:p>
+        </p:txBody>
+      </p:sp>
+    </p:spTree>
+    <p:extLst>
+      <p:ext uri="{BB962C8B-B14F-4D97-AF65-F5344CB8AC3E}">
+        <p14:creationId xmlns:p14="http://schemas.microsoft.com/office/powerpoint/2010/main" val="1037610153"/>
+      </p:ext>
+    </p:extLst>
+  </p:cSld>
+  <p:clrMapOvr>
+    <a:masterClrMapping/>
+  </p:clrMapOvr>
+</p:sld>
+</file>
+
+<file path=ppt/slides/slide19.xml><?xml version="1.0" encoding="utf-8"?>
+<p:sld xmlns:a="http://schemas.openxmlformats.org/drawingml/2006/main" xmlns:r="http://schemas.openxmlformats.org/officeDocument/2006/relationships" xmlns:p="http://schemas.openxmlformats.org/presentationml/2006/main">
+  <p:cSld>
+    <p:spTree>
+      <p:nvGrpSpPr>
+        <p:cNvPr id="1" name=""/>
+        <p:cNvGrpSpPr/>
+        <p:nvPr/>
+      </p:nvGrpSpPr>
+      <p:grpSpPr>
+        <a:xfrm>
+          <a:off x="0" y="0"/>
+          <a:ext cx="0" cy="0"/>
+          <a:chOff x="0" y="0"/>
+          <a:chExt cx="0" cy="0"/>
+        </a:xfrm>
+      </p:grpSpPr>
+      <p:sp>
+        <p:nvSpPr>
+          <p:cNvPr id="2" name="제목 1">
+            <a:extLst>
+              <a:ext uri="{FF2B5EF4-FFF2-40B4-BE49-F238E27FC236}">
+                <a16:creationId xmlns:a16="http://schemas.microsoft.com/office/drawing/2014/main" id="{4ACE4ECD-1B54-2461-1F71-4DF8B0F4ECD1}"/>
+              </a:ext>
+            </a:extLst>
+          </p:cNvPr>
+          <p:cNvSpPr>
+            <a:spLocks noGrp="1"/>
+          </p:cNvSpPr>
+          <p:nvPr>
+            <p:ph type="title"/>
+          </p:nvPr>
+        </p:nvSpPr>
+        <p:spPr/>
+        <p:txBody>
+          <a:bodyPr/>
+          <a:lstStyle/>
+          <a:p>
+            <a:r>
+              <a:rPr lang="en-US" altLang="ko-KR" dirty="0"/>
+              <a:t>Layer 4 (Transport)</a:t>
+            </a:r>
+            <a:endParaRPr lang="ko-KR" altLang="en-US" dirty="0"/>
+          </a:p>
+        </p:txBody>
+      </p:sp>
+      <p:sp>
+        <p:nvSpPr>
+          <p:cNvPr id="3" name="내용 개체 틀 2">
+            <a:extLst>
+              <a:ext uri="{FF2B5EF4-FFF2-40B4-BE49-F238E27FC236}">
+                <a16:creationId xmlns:a16="http://schemas.microsoft.com/office/drawing/2014/main" id="{F59CC6ED-3E9A-BC51-02BB-707B86469E74}"/>
+              </a:ext>
+            </a:extLst>
+          </p:cNvPr>
+          <p:cNvSpPr>
+            <a:spLocks noGrp="1"/>
+          </p:cNvSpPr>
+          <p:nvPr>
+            <p:ph idx="1"/>
+          </p:nvPr>
+        </p:nvSpPr>
+        <p:spPr/>
+        <p:txBody>
+          <a:bodyPr/>
+          <a:lstStyle/>
+          <a:p>
+            <a:endParaRPr lang="ko-KR" altLang="en-US" sz="1600" dirty="0"/>
+          </a:p>
+        </p:txBody>
+      </p:sp>
+    </p:spTree>
+    <p:extLst>
+      <p:ext uri="{BB962C8B-B14F-4D97-AF65-F5344CB8AC3E}">
+        <p14:creationId xmlns:p14="http://schemas.microsoft.com/office/powerpoint/2010/main" val="593725746"/>
       </p:ext>
     </p:extLst>
   </p:cSld>
@@ -4743,6 +6045,871 @@
 </p:sld>
 </file>
 
+<file path=ppt/slides/slide20.xml><?xml version="1.0" encoding="utf-8"?>
+<p:sld xmlns:a="http://schemas.openxmlformats.org/drawingml/2006/main" xmlns:r="http://schemas.openxmlformats.org/officeDocument/2006/relationships" xmlns:p="http://schemas.openxmlformats.org/presentationml/2006/main">
+  <p:cSld>
+    <p:spTree>
+      <p:nvGrpSpPr>
+        <p:cNvPr id="1" name=""/>
+        <p:cNvGrpSpPr/>
+        <p:nvPr/>
+      </p:nvGrpSpPr>
+      <p:grpSpPr>
+        <a:xfrm>
+          <a:off x="0" y="0"/>
+          <a:ext cx="0" cy="0"/>
+          <a:chOff x="0" y="0"/>
+          <a:chExt cx="0" cy="0"/>
+        </a:xfrm>
+      </p:grpSpPr>
+      <p:sp>
+        <p:nvSpPr>
+          <p:cNvPr id="2" name="제목 1">
+            <a:extLst>
+              <a:ext uri="{FF2B5EF4-FFF2-40B4-BE49-F238E27FC236}">
+                <a16:creationId xmlns:a16="http://schemas.microsoft.com/office/drawing/2014/main" id="{A6CC69B4-70AC-3967-1993-364D114AB4CB}"/>
+              </a:ext>
+            </a:extLst>
+          </p:cNvPr>
+          <p:cNvSpPr>
+            <a:spLocks noGrp="1"/>
+          </p:cNvSpPr>
+          <p:nvPr>
+            <p:ph type="title"/>
+          </p:nvPr>
+        </p:nvSpPr>
+        <p:spPr/>
+        <p:txBody>
+          <a:bodyPr/>
+          <a:lstStyle/>
+          <a:p>
+            <a:r>
+              <a:rPr lang="en-US" altLang="ko-KR" dirty="0"/>
+              <a:t>Layer 5 (Application)</a:t>
+            </a:r>
+            <a:endParaRPr lang="ko-KR" altLang="en-US" dirty="0"/>
+          </a:p>
+        </p:txBody>
+      </p:sp>
+      <p:sp>
+        <p:nvSpPr>
+          <p:cNvPr id="3" name="내용 개체 틀 2">
+            <a:extLst>
+              <a:ext uri="{FF2B5EF4-FFF2-40B4-BE49-F238E27FC236}">
+                <a16:creationId xmlns:a16="http://schemas.microsoft.com/office/drawing/2014/main" id="{64E2DF04-6663-F2FD-2679-9C0928B463AA}"/>
+              </a:ext>
+            </a:extLst>
+          </p:cNvPr>
+          <p:cNvSpPr>
+            <a:spLocks noGrp="1"/>
+          </p:cNvSpPr>
+          <p:nvPr>
+            <p:ph idx="1"/>
+          </p:nvPr>
+        </p:nvSpPr>
+        <p:spPr/>
+        <p:txBody>
+          <a:bodyPr/>
+          <a:lstStyle/>
+          <a:p>
+            <a:endParaRPr lang="ko-KR" altLang="en-US" sz="1600" dirty="0"/>
+          </a:p>
+        </p:txBody>
+      </p:sp>
+    </p:spTree>
+    <p:extLst>
+      <p:ext uri="{BB962C8B-B14F-4D97-AF65-F5344CB8AC3E}">
+        <p14:creationId xmlns:p14="http://schemas.microsoft.com/office/powerpoint/2010/main" val="2070513958"/>
+      </p:ext>
+    </p:extLst>
+  </p:cSld>
+  <p:clrMapOvr>
+    <a:masterClrMapping/>
+  </p:clrMapOvr>
+</p:sld>
+</file>
+
+<file path=ppt/slides/slide21.xml><?xml version="1.0" encoding="utf-8"?>
+<p:sld xmlns:a="http://schemas.openxmlformats.org/drawingml/2006/main" xmlns:r="http://schemas.openxmlformats.org/officeDocument/2006/relationships" xmlns:p="http://schemas.openxmlformats.org/presentationml/2006/main">
+  <p:cSld>
+    <p:spTree>
+      <p:nvGrpSpPr>
+        <p:cNvPr id="1" name=""/>
+        <p:cNvGrpSpPr/>
+        <p:nvPr/>
+      </p:nvGrpSpPr>
+      <p:grpSpPr>
+        <a:xfrm>
+          <a:off x="0" y="0"/>
+          <a:ext cx="0" cy="0"/>
+          <a:chOff x="0" y="0"/>
+          <a:chExt cx="0" cy="0"/>
+        </a:xfrm>
+      </p:grpSpPr>
+      <p:sp>
+        <p:nvSpPr>
+          <p:cNvPr id="6" name="제목 5">
+            <a:extLst>
+              <a:ext uri="{FF2B5EF4-FFF2-40B4-BE49-F238E27FC236}">
+                <a16:creationId xmlns:a16="http://schemas.microsoft.com/office/drawing/2014/main" id="{F826D273-7332-66DA-9DCE-2EDFAAD4D461}"/>
+              </a:ext>
+            </a:extLst>
+          </p:cNvPr>
+          <p:cNvSpPr>
+            <a:spLocks noGrp="1"/>
+          </p:cNvSpPr>
+          <p:nvPr>
+            <p:ph type="ctrTitle"/>
+          </p:nvPr>
+        </p:nvSpPr>
+        <p:spPr/>
+        <p:txBody>
+          <a:bodyPr/>
+          <a:lstStyle/>
+          <a:p>
+            <a:r>
+              <a:rPr lang="en-US" altLang="ko-KR" dirty="0"/>
+              <a:t>Layer 5 </a:t>
+            </a:r>
+            <a:endParaRPr lang="ko-KR" altLang="en-US" dirty="0"/>
+          </a:p>
+        </p:txBody>
+      </p:sp>
+      <p:sp>
+        <p:nvSpPr>
+          <p:cNvPr id="7" name="부제목 6">
+            <a:extLst>
+              <a:ext uri="{FF2B5EF4-FFF2-40B4-BE49-F238E27FC236}">
+                <a16:creationId xmlns:a16="http://schemas.microsoft.com/office/drawing/2014/main" id="{4FD3139D-811E-04AA-6A66-753832B7229B}"/>
+              </a:ext>
+            </a:extLst>
+          </p:cNvPr>
+          <p:cNvSpPr>
+            <a:spLocks noGrp="1"/>
+          </p:cNvSpPr>
+          <p:nvPr>
+            <p:ph type="subTitle" idx="1"/>
+          </p:nvPr>
+        </p:nvSpPr>
+        <p:spPr/>
+        <p:txBody>
+          <a:bodyPr/>
+          <a:lstStyle/>
+          <a:p>
+            <a:r>
+              <a:rPr lang="ko-KR" altLang="en-US" dirty="0"/>
+              <a:t>응용 계층</a:t>
+            </a:r>
+            <a:br>
+              <a:rPr lang="en-US" altLang="ko-KR" dirty="0"/>
+            </a:br>
+            <a:r>
+              <a:rPr lang="en-US" altLang="ko-KR" dirty="0"/>
+              <a:t>(Application Layer)</a:t>
+            </a:r>
+            <a:endParaRPr lang="ko-KR" altLang="en-US" dirty="0"/>
+          </a:p>
+        </p:txBody>
+      </p:sp>
+    </p:spTree>
+    <p:extLst>
+      <p:ext uri="{BB962C8B-B14F-4D97-AF65-F5344CB8AC3E}">
+        <p14:creationId xmlns:p14="http://schemas.microsoft.com/office/powerpoint/2010/main" val="3390344442"/>
+      </p:ext>
+    </p:extLst>
+  </p:cSld>
+  <p:clrMapOvr>
+    <a:masterClrMapping/>
+  </p:clrMapOvr>
+</p:sld>
+</file>
+
+<file path=ppt/slides/slide22.xml><?xml version="1.0" encoding="utf-8"?>
+<p:sld xmlns:a="http://schemas.openxmlformats.org/drawingml/2006/main" xmlns:r="http://schemas.openxmlformats.org/officeDocument/2006/relationships" xmlns:p="http://schemas.openxmlformats.org/presentationml/2006/main">
+  <p:cSld>
+    <p:spTree>
+      <p:nvGrpSpPr>
+        <p:cNvPr id="1" name=""/>
+        <p:cNvGrpSpPr/>
+        <p:nvPr/>
+      </p:nvGrpSpPr>
+      <p:grpSpPr>
+        <a:xfrm>
+          <a:off x="0" y="0"/>
+          <a:ext cx="0" cy="0"/>
+          <a:chOff x="0" y="0"/>
+          <a:chExt cx="0" cy="0"/>
+        </a:xfrm>
+      </p:grpSpPr>
+      <p:sp>
+        <p:nvSpPr>
+          <p:cNvPr id="2" name="제목 1">
+            <a:extLst>
+              <a:ext uri="{FF2B5EF4-FFF2-40B4-BE49-F238E27FC236}">
+                <a16:creationId xmlns:a16="http://schemas.microsoft.com/office/drawing/2014/main" id="{76D0ABAE-E876-D144-FA9C-E7DF0D34820A}"/>
+              </a:ext>
+            </a:extLst>
+          </p:cNvPr>
+          <p:cNvSpPr>
+            <a:spLocks noGrp="1"/>
+          </p:cNvSpPr>
+          <p:nvPr>
+            <p:ph type="title"/>
+          </p:nvPr>
+        </p:nvSpPr>
+        <p:spPr/>
+        <p:txBody>
+          <a:bodyPr/>
+          <a:lstStyle/>
+          <a:p>
+            <a:r>
+              <a:rPr lang="en-US" altLang="ko-KR" dirty="0"/>
+              <a:t>Client-Server, P2P</a:t>
+            </a:r>
+            <a:endParaRPr lang="ko-KR" altLang="en-US" dirty="0"/>
+          </a:p>
+        </p:txBody>
+      </p:sp>
+      <p:sp>
+        <p:nvSpPr>
+          <p:cNvPr id="3" name="내용 개체 틀 2">
+            <a:extLst>
+              <a:ext uri="{FF2B5EF4-FFF2-40B4-BE49-F238E27FC236}">
+                <a16:creationId xmlns:a16="http://schemas.microsoft.com/office/drawing/2014/main" id="{59AC28B8-EA4A-FDE5-94F6-DEB28A23B87D}"/>
+              </a:ext>
+            </a:extLst>
+          </p:cNvPr>
+          <p:cNvSpPr>
+            <a:spLocks noGrp="1"/>
+          </p:cNvSpPr>
+          <p:nvPr>
+            <p:ph idx="1"/>
+          </p:nvPr>
+        </p:nvSpPr>
+        <p:spPr/>
+        <p:txBody>
+          <a:bodyPr/>
+          <a:lstStyle/>
+          <a:p>
+            <a:endParaRPr lang="ko-KR" altLang="en-US"/>
+          </a:p>
+        </p:txBody>
+      </p:sp>
+    </p:spTree>
+    <p:extLst>
+      <p:ext uri="{BB962C8B-B14F-4D97-AF65-F5344CB8AC3E}">
+        <p14:creationId xmlns:p14="http://schemas.microsoft.com/office/powerpoint/2010/main" val="4247482639"/>
+      </p:ext>
+    </p:extLst>
+  </p:cSld>
+  <p:clrMapOvr>
+    <a:masterClrMapping/>
+  </p:clrMapOvr>
+</p:sld>
+</file>
+
+<file path=ppt/slides/slide23.xml><?xml version="1.0" encoding="utf-8"?>
+<p:sld xmlns:a="http://schemas.openxmlformats.org/drawingml/2006/main" xmlns:r="http://schemas.openxmlformats.org/officeDocument/2006/relationships" xmlns:p="http://schemas.openxmlformats.org/presentationml/2006/main">
+  <p:cSld>
+    <p:spTree>
+      <p:nvGrpSpPr>
+        <p:cNvPr id="1" name=""/>
+        <p:cNvGrpSpPr/>
+        <p:nvPr/>
+      </p:nvGrpSpPr>
+      <p:grpSpPr>
+        <a:xfrm>
+          <a:off x="0" y="0"/>
+          <a:ext cx="0" cy="0"/>
+          <a:chOff x="0" y="0"/>
+          <a:chExt cx="0" cy="0"/>
+        </a:xfrm>
+      </p:grpSpPr>
+      <p:sp>
+        <p:nvSpPr>
+          <p:cNvPr id="2" name="제목 1">
+            <a:extLst>
+              <a:ext uri="{FF2B5EF4-FFF2-40B4-BE49-F238E27FC236}">
+                <a16:creationId xmlns:a16="http://schemas.microsoft.com/office/drawing/2014/main" id="{1F24500C-809A-F0E9-9691-10F422AC3593}"/>
+              </a:ext>
+            </a:extLst>
+          </p:cNvPr>
+          <p:cNvSpPr>
+            <a:spLocks noGrp="1"/>
+          </p:cNvSpPr>
+          <p:nvPr>
+            <p:ph type="title"/>
+          </p:nvPr>
+        </p:nvSpPr>
+        <p:spPr/>
+        <p:txBody>
+          <a:bodyPr/>
+          <a:lstStyle/>
+          <a:p>
+            <a:r>
+              <a:rPr lang="en-US" altLang="ko-KR" dirty="0"/>
+              <a:t>Socket Programming</a:t>
+            </a:r>
+            <a:endParaRPr lang="ko-KR" altLang="en-US" dirty="0"/>
+          </a:p>
+        </p:txBody>
+      </p:sp>
+      <p:sp>
+        <p:nvSpPr>
+          <p:cNvPr id="3" name="내용 개체 틀 2">
+            <a:extLst>
+              <a:ext uri="{FF2B5EF4-FFF2-40B4-BE49-F238E27FC236}">
+                <a16:creationId xmlns:a16="http://schemas.microsoft.com/office/drawing/2014/main" id="{D7BD2A55-8DEF-0A86-EAD7-44F305811F57}"/>
+              </a:ext>
+            </a:extLst>
+          </p:cNvPr>
+          <p:cNvSpPr>
+            <a:spLocks noGrp="1"/>
+          </p:cNvSpPr>
+          <p:nvPr>
+            <p:ph idx="1"/>
+          </p:nvPr>
+        </p:nvSpPr>
+        <p:spPr/>
+        <p:txBody>
+          <a:bodyPr/>
+          <a:lstStyle/>
+          <a:p>
+            <a:endParaRPr lang="ko-KR" altLang="en-US"/>
+          </a:p>
+        </p:txBody>
+      </p:sp>
+    </p:spTree>
+    <p:extLst>
+      <p:ext uri="{BB962C8B-B14F-4D97-AF65-F5344CB8AC3E}">
+        <p14:creationId xmlns:p14="http://schemas.microsoft.com/office/powerpoint/2010/main" val="4013919212"/>
+      </p:ext>
+    </p:extLst>
+  </p:cSld>
+  <p:clrMapOvr>
+    <a:masterClrMapping/>
+  </p:clrMapOvr>
+</p:sld>
+</file>
+
+<file path=ppt/slides/slide24.xml><?xml version="1.0" encoding="utf-8"?>
+<p:sld xmlns:a="http://schemas.openxmlformats.org/drawingml/2006/main" xmlns:r="http://schemas.openxmlformats.org/officeDocument/2006/relationships" xmlns:p="http://schemas.openxmlformats.org/presentationml/2006/main">
+  <p:cSld>
+    <p:spTree>
+      <p:nvGrpSpPr>
+        <p:cNvPr id="1" name=""/>
+        <p:cNvGrpSpPr/>
+        <p:nvPr/>
+      </p:nvGrpSpPr>
+      <p:grpSpPr>
+        <a:xfrm>
+          <a:off x="0" y="0"/>
+          <a:ext cx="0" cy="0"/>
+          <a:chOff x="0" y="0"/>
+          <a:chExt cx="0" cy="0"/>
+        </a:xfrm>
+      </p:grpSpPr>
+      <p:sp>
+        <p:nvSpPr>
+          <p:cNvPr id="2" name="제목 1">
+            <a:extLst>
+              <a:ext uri="{FF2B5EF4-FFF2-40B4-BE49-F238E27FC236}">
+                <a16:creationId xmlns:a16="http://schemas.microsoft.com/office/drawing/2014/main" id="{B104DE48-9F10-4CE9-B75D-3C20C2E75834}"/>
+              </a:ext>
+            </a:extLst>
+          </p:cNvPr>
+          <p:cNvSpPr>
+            <a:spLocks noGrp="1"/>
+          </p:cNvSpPr>
+          <p:nvPr>
+            <p:ph type="title"/>
+          </p:nvPr>
+        </p:nvSpPr>
+        <p:spPr/>
+        <p:txBody>
+          <a:bodyPr/>
+          <a:lstStyle/>
+          <a:p>
+            <a:r>
+              <a:rPr lang="en-US" altLang="ko-KR" dirty="0"/>
+              <a:t>HTTP(HTTPS)</a:t>
+            </a:r>
+            <a:endParaRPr lang="ko-KR" altLang="en-US" dirty="0"/>
+          </a:p>
+        </p:txBody>
+      </p:sp>
+      <p:sp>
+        <p:nvSpPr>
+          <p:cNvPr id="3" name="내용 개체 틀 2">
+            <a:extLst>
+              <a:ext uri="{FF2B5EF4-FFF2-40B4-BE49-F238E27FC236}">
+                <a16:creationId xmlns:a16="http://schemas.microsoft.com/office/drawing/2014/main" id="{854FFAD6-E0DB-65E1-60A7-19AF78357BFB}"/>
+              </a:ext>
+            </a:extLst>
+          </p:cNvPr>
+          <p:cNvSpPr>
+            <a:spLocks noGrp="1"/>
+          </p:cNvSpPr>
+          <p:nvPr>
+            <p:ph idx="1"/>
+          </p:nvPr>
+        </p:nvSpPr>
+        <p:spPr/>
+        <p:txBody>
+          <a:bodyPr/>
+          <a:lstStyle/>
+          <a:p>
+            <a:endParaRPr lang="ko-KR" altLang="en-US"/>
+          </a:p>
+        </p:txBody>
+      </p:sp>
+    </p:spTree>
+    <p:extLst>
+      <p:ext uri="{BB962C8B-B14F-4D97-AF65-F5344CB8AC3E}">
+        <p14:creationId xmlns:p14="http://schemas.microsoft.com/office/powerpoint/2010/main" val="386906352"/>
+      </p:ext>
+    </p:extLst>
+  </p:cSld>
+  <p:clrMapOvr>
+    <a:masterClrMapping/>
+  </p:clrMapOvr>
+</p:sld>
+</file>
+
+<file path=ppt/slides/slide25.xml><?xml version="1.0" encoding="utf-8"?>
+<p:sld xmlns:a="http://schemas.openxmlformats.org/drawingml/2006/main" xmlns:r="http://schemas.openxmlformats.org/officeDocument/2006/relationships" xmlns:p="http://schemas.openxmlformats.org/presentationml/2006/main">
+  <p:cSld>
+    <p:spTree>
+      <p:nvGrpSpPr>
+        <p:cNvPr id="1" name=""/>
+        <p:cNvGrpSpPr/>
+        <p:nvPr/>
+      </p:nvGrpSpPr>
+      <p:grpSpPr>
+        <a:xfrm>
+          <a:off x="0" y="0"/>
+          <a:ext cx="0" cy="0"/>
+          <a:chOff x="0" y="0"/>
+          <a:chExt cx="0" cy="0"/>
+        </a:xfrm>
+      </p:grpSpPr>
+      <p:sp>
+        <p:nvSpPr>
+          <p:cNvPr id="2" name="제목 1">
+            <a:extLst>
+              <a:ext uri="{FF2B5EF4-FFF2-40B4-BE49-F238E27FC236}">
+                <a16:creationId xmlns:a16="http://schemas.microsoft.com/office/drawing/2014/main" id="{47FE7501-20CB-1BEE-61B8-AC319A44F6B1}"/>
+              </a:ext>
+            </a:extLst>
+          </p:cNvPr>
+          <p:cNvSpPr>
+            <a:spLocks noGrp="1"/>
+          </p:cNvSpPr>
+          <p:nvPr>
+            <p:ph type="title"/>
+          </p:nvPr>
+        </p:nvSpPr>
+        <p:spPr/>
+        <p:txBody>
+          <a:bodyPr/>
+          <a:lstStyle/>
+          <a:p>
+            <a:r>
+              <a:rPr lang="en-US" altLang="ko-KR" dirty="0"/>
+              <a:t>DNS</a:t>
+            </a:r>
+            <a:endParaRPr lang="ko-KR" altLang="en-US" dirty="0"/>
+          </a:p>
+        </p:txBody>
+      </p:sp>
+      <p:sp>
+        <p:nvSpPr>
+          <p:cNvPr id="3" name="내용 개체 틀 2">
+            <a:extLst>
+              <a:ext uri="{FF2B5EF4-FFF2-40B4-BE49-F238E27FC236}">
+                <a16:creationId xmlns:a16="http://schemas.microsoft.com/office/drawing/2014/main" id="{3374D280-62FE-79B3-D90E-CDD9BB7121C1}"/>
+              </a:ext>
+            </a:extLst>
+          </p:cNvPr>
+          <p:cNvSpPr>
+            <a:spLocks noGrp="1"/>
+          </p:cNvSpPr>
+          <p:nvPr>
+            <p:ph idx="1"/>
+          </p:nvPr>
+        </p:nvSpPr>
+        <p:spPr/>
+        <p:txBody>
+          <a:bodyPr/>
+          <a:lstStyle/>
+          <a:p>
+            <a:endParaRPr lang="ko-KR" altLang="en-US"/>
+          </a:p>
+        </p:txBody>
+      </p:sp>
+    </p:spTree>
+    <p:extLst>
+      <p:ext uri="{BB962C8B-B14F-4D97-AF65-F5344CB8AC3E}">
+        <p14:creationId xmlns:p14="http://schemas.microsoft.com/office/powerpoint/2010/main" val="1869338853"/>
+      </p:ext>
+    </p:extLst>
+  </p:cSld>
+  <p:clrMapOvr>
+    <a:masterClrMapping/>
+  </p:clrMapOvr>
+</p:sld>
+</file>
+
+<file path=ppt/slides/slide26.xml><?xml version="1.0" encoding="utf-8"?>
+<p:sld xmlns:a="http://schemas.openxmlformats.org/drawingml/2006/main" xmlns:r="http://schemas.openxmlformats.org/officeDocument/2006/relationships" xmlns:p="http://schemas.openxmlformats.org/presentationml/2006/main">
+  <p:cSld>
+    <p:spTree>
+      <p:nvGrpSpPr>
+        <p:cNvPr id="1" name=""/>
+        <p:cNvGrpSpPr/>
+        <p:nvPr/>
+      </p:nvGrpSpPr>
+      <p:grpSpPr>
+        <a:xfrm>
+          <a:off x="0" y="0"/>
+          <a:ext cx="0" cy="0"/>
+          <a:chOff x="0" y="0"/>
+          <a:chExt cx="0" cy="0"/>
+        </a:xfrm>
+      </p:grpSpPr>
+      <p:sp>
+        <p:nvSpPr>
+          <p:cNvPr id="2" name="제목 1">
+            <a:extLst>
+              <a:ext uri="{FF2B5EF4-FFF2-40B4-BE49-F238E27FC236}">
+                <a16:creationId xmlns:a16="http://schemas.microsoft.com/office/drawing/2014/main" id="{4E1E04E3-2E90-0985-3937-CDDF453FA418}"/>
+              </a:ext>
+            </a:extLst>
+          </p:cNvPr>
+          <p:cNvSpPr>
+            <a:spLocks noGrp="1"/>
+          </p:cNvSpPr>
+          <p:nvPr>
+            <p:ph type="title"/>
+          </p:nvPr>
+        </p:nvSpPr>
+        <p:spPr/>
+        <p:txBody>
+          <a:bodyPr/>
+          <a:lstStyle/>
+          <a:p>
+            <a:r>
+              <a:rPr lang="en-US" altLang="ko-KR" dirty="0"/>
+              <a:t>SMTP</a:t>
+            </a:r>
+            <a:endParaRPr lang="ko-KR" altLang="en-US" dirty="0"/>
+          </a:p>
+        </p:txBody>
+      </p:sp>
+      <p:sp>
+        <p:nvSpPr>
+          <p:cNvPr id="3" name="내용 개체 틀 2">
+            <a:extLst>
+              <a:ext uri="{FF2B5EF4-FFF2-40B4-BE49-F238E27FC236}">
+                <a16:creationId xmlns:a16="http://schemas.microsoft.com/office/drawing/2014/main" id="{E7980131-F03C-7E79-FA2F-6F8A3D70C722}"/>
+              </a:ext>
+            </a:extLst>
+          </p:cNvPr>
+          <p:cNvSpPr>
+            <a:spLocks noGrp="1"/>
+          </p:cNvSpPr>
+          <p:nvPr>
+            <p:ph idx="1"/>
+          </p:nvPr>
+        </p:nvSpPr>
+        <p:spPr/>
+        <p:txBody>
+          <a:bodyPr/>
+          <a:lstStyle/>
+          <a:p>
+            <a:endParaRPr lang="ko-KR" altLang="en-US"/>
+          </a:p>
+        </p:txBody>
+      </p:sp>
+    </p:spTree>
+    <p:extLst>
+      <p:ext uri="{BB962C8B-B14F-4D97-AF65-F5344CB8AC3E}">
+        <p14:creationId xmlns:p14="http://schemas.microsoft.com/office/powerpoint/2010/main" val="2841385823"/>
+      </p:ext>
+    </p:extLst>
+  </p:cSld>
+  <p:clrMapOvr>
+    <a:masterClrMapping/>
+  </p:clrMapOvr>
+</p:sld>
+</file>
+
+<file path=ppt/slides/slide27.xml><?xml version="1.0" encoding="utf-8"?>
+<p:sld xmlns:a="http://schemas.openxmlformats.org/drawingml/2006/main" xmlns:r="http://schemas.openxmlformats.org/officeDocument/2006/relationships" xmlns:p="http://schemas.openxmlformats.org/presentationml/2006/main">
+  <p:cSld>
+    <p:spTree>
+      <p:nvGrpSpPr>
+        <p:cNvPr id="1" name=""/>
+        <p:cNvGrpSpPr/>
+        <p:nvPr/>
+      </p:nvGrpSpPr>
+      <p:grpSpPr>
+        <a:xfrm>
+          <a:off x="0" y="0"/>
+          <a:ext cx="0" cy="0"/>
+          <a:chOff x="0" y="0"/>
+          <a:chExt cx="0" cy="0"/>
+        </a:xfrm>
+      </p:grpSpPr>
+      <p:sp>
+        <p:nvSpPr>
+          <p:cNvPr id="2" name="제목 1">
+            <a:extLst>
+              <a:ext uri="{FF2B5EF4-FFF2-40B4-BE49-F238E27FC236}">
+                <a16:creationId xmlns:a16="http://schemas.microsoft.com/office/drawing/2014/main" id="{EE22F5D4-DC91-153A-22B7-9F56D8759358}"/>
+              </a:ext>
+            </a:extLst>
+          </p:cNvPr>
+          <p:cNvSpPr>
+            <a:spLocks noGrp="1"/>
+          </p:cNvSpPr>
+          <p:nvPr>
+            <p:ph type="title"/>
+          </p:nvPr>
+        </p:nvSpPr>
+        <p:spPr/>
+        <p:txBody>
+          <a:bodyPr/>
+          <a:lstStyle/>
+          <a:p>
+            <a:r>
+              <a:rPr lang="en-US" altLang="ko-KR" dirty="0"/>
+              <a:t>Telnet, FTP -&gt; SSH, SFTP</a:t>
+            </a:r>
+            <a:endParaRPr lang="ko-KR" altLang="en-US" dirty="0"/>
+          </a:p>
+        </p:txBody>
+      </p:sp>
+      <p:sp>
+        <p:nvSpPr>
+          <p:cNvPr id="3" name="내용 개체 틀 2">
+            <a:extLst>
+              <a:ext uri="{FF2B5EF4-FFF2-40B4-BE49-F238E27FC236}">
+                <a16:creationId xmlns:a16="http://schemas.microsoft.com/office/drawing/2014/main" id="{DA134574-9508-405A-3E78-84B298F0621C}"/>
+              </a:ext>
+            </a:extLst>
+          </p:cNvPr>
+          <p:cNvSpPr>
+            <a:spLocks noGrp="1"/>
+          </p:cNvSpPr>
+          <p:nvPr>
+            <p:ph idx="1"/>
+          </p:nvPr>
+        </p:nvSpPr>
+        <p:spPr/>
+        <p:txBody>
+          <a:bodyPr/>
+          <a:lstStyle/>
+          <a:p>
+            <a:endParaRPr lang="ko-KR" altLang="en-US"/>
+          </a:p>
+        </p:txBody>
+      </p:sp>
+    </p:spTree>
+    <p:extLst>
+      <p:ext uri="{BB962C8B-B14F-4D97-AF65-F5344CB8AC3E}">
+        <p14:creationId xmlns:p14="http://schemas.microsoft.com/office/powerpoint/2010/main" val="1016130752"/>
+      </p:ext>
+    </p:extLst>
+  </p:cSld>
+  <p:clrMapOvr>
+    <a:masterClrMapping/>
+  </p:clrMapOvr>
+</p:sld>
+</file>
+
+<file path=ppt/slides/slide28.xml><?xml version="1.0" encoding="utf-8"?>
+<p:sld xmlns:a="http://schemas.openxmlformats.org/drawingml/2006/main" xmlns:r="http://schemas.openxmlformats.org/officeDocument/2006/relationships" xmlns:p="http://schemas.openxmlformats.org/presentationml/2006/main">
+  <p:cSld>
+    <p:spTree>
+      <p:nvGrpSpPr>
+        <p:cNvPr id="1" name=""/>
+        <p:cNvGrpSpPr/>
+        <p:nvPr/>
+      </p:nvGrpSpPr>
+      <p:grpSpPr>
+        <a:xfrm>
+          <a:off x="0" y="0"/>
+          <a:ext cx="0" cy="0"/>
+          <a:chOff x="0" y="0"/>
+          <a:chExt cx="0" cy="0"/>
+        </a:xfrm>
+      </p:grpSpPr>
+      <p:sp>
+        <p:nvSpPr>
+          <p:cNvPr id="6" name="제목 5">
+            <a:extLst>
+              <a:ext uri="{FF2B5EF4-FFF2-40B4-BE49-F238E27FC236}">
+                <a16:creationId xmlns:a16="http://schemas.microsoft.com/office/drawing/2014/main" id="{F826D273-7332-66DA-9DCE-2EDFAAD4D461}"/>
+              </a:ext>
+            </a:extLst>
+          </p:cNvPr>
+          <p:cNvSpPr>
+            <a:spLocks noGrp="1"/>
+          </p:cNvSpPr>
+          <p:nvPr>
+            <p:ph type="ctrTitle"/>
+          </p:nvPr>
+        </p:nvSpPr>
+        <p:spPr/>
+        <p:txBody>
+          <a:bodyPr/>
+          <a:lstStyle/>
+          <a:p>
+            <a:r>
+              <a:rPr lang="en-US" altLang="ko-KR" dirty="0"/>
+              <a:t>Layer 4 </a:t>
+            </a:r>
+            <a:endParaRPr lang="ko-KR" altLang="en-US" dirty="0"/>
+          </a:p>
+        </p:txBody>
+      </p:sp>
+      <p:sp>
+        <p:nvSpPr>
+          <p:cNvPr id="7" name="부제목 6">
+            <a:extLst>
+              <a:ext uri="{FF2B5EF4-FFF2-40B4-BE49-F238E27FC236}">
+                <a16:creationId xmlns:a16="http://schemas.microsoft.com/office/drawing/2014/main" id="{4FD3139D-811E-04AA-6A66-753832B7229B}"/>
+              </a:ext>
+            </a:extLst>
+          </p:cNvPr>
+          <p:cNvSpPr>
+            <a:spLocks noGrp="1"/>
+          </p:cNvSpPr>
+          <p:nvPr>
+            <p:ph type="subTitle" idx="1"/>
+          </p:nvPr>
+        </p:nvSpPr>
+        <p:spPr/>
+        <p:txBody>
+          <a:bodyPr/>
+          <a:lstStyle/>
+          <a:p>
+            <a:r>
+              <a:rPr lang="ko-KR" altLang="en-US" dirty="0"/>
+              <a:t>전송 계층</a:t>
+            </a:r>
+            <a:br>
+              <a:rPr lang="en-US" altLang="ko-KR" dirty="0"/>
+            </a:br>
+            <a:r>
+              <a:rPr lang="en-US" altLang="ko-KR" dirty="0"/>
+              <a:t>(Transport Layer)</a:t>
+            </a:r>
+            <a:endParaRPr lang="ko-KR" altLang="en-US" dirty="0"/>
+          </a:p>
+          <a:p>
+            <a:endParaRPr lang="ko-KR" altLang="en-US" dirty="0"/>
+          </a:p>
+        </p:txBody>
+      </p:sp>
+    </p:spTree>
+    <p:extLst>
+      <p:ext uri="{BB962C8B-B14F-4D97-AF65-F5344CB8AC3E}">
+        <p14:creationId xmlns:p14="http://schemas.microsoft.com/office/powerpoint/2010/main" val="2716938437"/>
+      </p:ext>
+    </p:extLst>
+  </p:cSld>
+  <p:clrMapOvr>
+    <a:masterClrMapping/>
+  </p:clrMapOvr>
+</p:sld>
+</file>
+
+<file path=ppt/slides/slide29.xml><?xml version="1.0" encoding="utf-8"?>
+<p:sld xmlns:a="http://schemas.openxmlformats.org/drawingml/2006/main" xmlns:r="http://schemas.openxmlformats.org/officeDocument/2006/relationships" xmlns:p="http://schemas.openxmlformats.org/presentationml/2006/main">
+  <p:cSld>
+    <p:spTree>
+      <p:nvGrpSpPr>
+        <p:cNvPr id="1" name=""/>
+        <p:cNvGrpSpPr/>
+        <p:nvPr/>
+      </p:nvGrpSpPr>
+      <p:grpSpPr>
+        <a:xfrm>
+          <a:off x="0" y="0"/>
+          <a:ext cx="0" cy="0"/>
+          <a:chOff x="0" y="0"/>
+          <a:chExt cx="0" cy="0"/>
+        </a:xfrm>
+      </p:grpSpPr>
+      <p:sp>
+        <p:nvSpPr>
+          <p:cNvPr id="2" name="제목 1">
+            <a:extLst>
+              <a:ext uri="{FF2B5EF4-FFF2-40B4-BE49-F238E27FC236}">
+                <a16:creationId xmlns:a16="http://schemas.microsoft.com/office/drawing/2014/main" id="{688F8AFE-AB90-4513-A9E7-9CFD60B8F046}"/>
+              </a:ext>
+            </a:extLst>
+          </p:cNvPr>
+          <p:cNvSpPr>
+            <a:spLocks noGrp="1"/>
+          </p:cNvSpPr>
+          <p:nvPr>
+            <p:ph type="title"/>
+          </p:nvPr>
+        </p:nvSpPr>
+        <p:spPr/>
+        <p:txBody>
+          <a:bodyPr/>
+          <a:lstStyle/>
+          <a:p>
+            <a:r>
+              <a:rPr lang="en-US" altLang="ko-KR" dirty="0"/>
+              <a:t>TCP, UDP</a:t>
+            </a:r>
+            <a:endParaRPr lang="ko-KR" altLang="en-US" dirty="0"/>
+          </a:p>
+        </p:txBody>
+      </p:sp>
+      <p:sp>
+        <p:nvSpPr>
+          <p:cNvPr id="3" name="내용 개체 틀 2">
+            <a:extLst>
+              <a:ext uri="{FF2B5EF4-FFF2-40B4-BE49-F238E27FC236}">
+                <a16:creationId xmlns:a16="http://schemas.microsoft.com/office/drawing/2014/main" id="{7172BADE-34CA-2014-3FA5-33B81DE09ADD}"/>
+              </a:ext>
+            </a:extLst>
+          </p:cNvPr>
+          <p:cNvSpPr>
+            <a:spLocks noGrp="1"/>
+          </p:cNvSpPr>
+          <p:nvPr>
+            <p:ph idx="1"/>
+          </p:nvPr>
+        </p:nvSpPr>
+        <p:spPr/>
+        <p:txBody>
+          <a:bodyPr/>
+          <a:lstStyle/>
+          <a:p>
+            <a:endParaRPr lang="ko-KR" altLang="en-US"/>
+          </a:p>
+        </p:txBody>
+      </p:sp>
+    </p:spTree>
+    <p:extLst>
+      <p:ext uri="{BB962C8B-B14F-4D97-AF65-F5344CB8AC3E}">
+        <p14:creationId xmlns:p14="http://schemas.microsoft.com/office/powerpoint/2010/main" val="3109474038"/>
+      </p:ext>
+    </p:extLst>
+  </p:cSld>
+  <p:clrMapOvr>
+    <a:masterClrMapping/>
+  </p:clrMapOvr>
+</p:sld>
+</file>
+
 <file path=ppt/slides/slide3.xml><?xml version="1.0" encoding="utf-8"?>
 <p:sld xmlns:a="http://schemas.openxmlformats.org/drawingml/2006/main" xmlns:r="http://schemas.openxmlformats.org/officeDocument/2006/relationships" xmlns:p="http://schemas.openxmlformats.org/presentationml/2006/main">
   <p:cSld>
@@ -4812,7 +6979,304 @@
           <a:bodyPr/>
           <a:lstStyle/>
           <a:p>
-            <a:endParaRPr lang="ko-KR" altLang="en-US"/>
+            <a:r>
+              <a:rPr lang="ko-KR" altLang="en-US" sz="1400" dirty="0"/>
+              <a:t>“인터넷”</a:t>
+            </a:r>
+            <a:r>
+              <a:rPr lang="en-US" altLang="ko-KR" sz="1400" dirty="0"/>
+              <a:t>(Internet)</a:t>
+            </a:r>
+            <a:r>
+              <a:rPr lang="ko-KR" altLang="en-US" sz="1400" dirty="0"/>
+              <a:t>은 전세계 컴퓨팅 장치들을 연결하는 컴퓨터 네트워크 입니다</a:t>
+            </a:r>
+            <a:endParaRPr lang="en-US" altLang="ko-KR" sz="1400" dirty="0"/>
+          </a:p>
+          <a:p>
+            <a:r>
+              <a:rPr lang="ko-KR" altLang="en-US" sz="1400" dirty="0"/>
+              <a:t>인터넷의 구성요소는 다양하게 있지만</a:t>
+            </a:r>
+            <a:r>
+              <a:rPr lang="en-US" altLang="ko-KR" sz="1400" dirty="0"/>
+              <a:t>, </a:t>
+            </a:r>
+            <a:r>
+              <a:rPr lang="ko-KR" altLang="en-US" sz="1400" dirty="0"/>
+              <a:t>크게 네 가지 규모로 분류하는 것이 이해에 도움이 될 것입니다</a:t>
+            </a:r>
+            <a:endParaRPr lang="en-US" altLang="ko-KR" sz="1400" dirty="0"/>
+          </a:p>
+          <a:p>
+            <a:pPr marL="342900" indent="-342900">
+              <a:buFont typeface="+mj-lt"/>
+              <a:buAutoNum type="arabicPeriod"/>
+            </a:pPr>
+            <a:r>
+              <a:rPr lang="ko-KR" altLang="en-US" sz="1400" dirty="0"/>
+              <a:t>“호스트”</a:t>
+            </a:r>
+            <a:r>
+              <a:rPr lang="en-US" altLang="ko-KR" sz="1400" dirty="0"/>
+              <a:t>(Host) </a:t>
+            </a:r>
+            <a:r>
+              <a:rPr lang="ko-KR" altLang="en-US" sz="1400" dirty="0"/>
+              <a:t>또는 “종단 시스템”</a:t>
+            </a:r>
+            <a:r>
+              <a:rPr lang="en-US" altLang="ko-KR" sz="1400" dirty="0"/>
+              <a:t>(End system) :</a:t>
+            </a:r>
+            <a:br>
+              <a:rPr lang="en-US" altLang="ko-KR" sz="1400" dirty="0"/>
+            </a:br>
+            <a:r>
+              <a:rPr lang="ko-KR" altLang="en-US" sz="1400" dirty="0"/>
+              <a:t>네트워크 시스템의 끝단으로 우리가 가장 흔하게 보는 스마트폰이나 컴퓨터 장치 등이 여기에 속합니다</a:t>
+            </a:r>
+            <a:endParaRPr lang="en-US" altLang="ko-KR" sz="1400" dirty="0"/>
+          </a:p>
+          <a:p>
+            <a:pPr marL="342900" indent="-342900">
+              <a:buFont typeface="+mj-lt"/>
+              <a:buAutoNum type="arabicPeriod"/>
+            </a:pPr>
+            <a:r>
+              <a:rPr lang="ko-KR" altLang="en-US" sz="1400" dirty="0"/>
+              <a:t>“통신 링크”</a:t>
+            </a:r>
+            <a:r>
+              <a:rPr lang="en-US" altLang="ko-KR" sz="1400" dirty="0"/>
+              <a:t>(Communication Link </a:t>
+            </a:r>
+            <a:r>
+              <a:rPr lang="ko-KR" altLang="en-US" sz="1400" dirty="0"/>
+              <a:t>또는 전송 매체</a:t>
+            </a:r>
+            <a:r>
+              <a:rPr lang="en-US" altLang="ko-KR" sz="1400" dirty="0"/>
+              <a:t>) :</a:t>
+            </a:r>
+            <a:br>
+              <a:rPr lang="en-US" altLang="ko-KR" sz="1400" dirty="0"/>
+            </a:br>
+            <a:r>
+              <a:rPr lang="ko-KR" altLang="en-US" sz="1400" dirty="0"/>
+              <a:t>서로 다른 장치가 정보를 전달하기 위한 수단</a:t>
+            </a:r>
+            <a:r>
+              <a:rPr lang="en-US" altLang="ko-KR" sz="1400" dirty="0"/>
+              <a:t>(</a:t>
+            </a:r>
+            <a:r>
+              <a:rPr lang="ko-KR" altLang="en-US" sz="1400" dirty="0"/>
+              <a:t>경로</a:t>
+            </a:r>
+            <a:r>
+              <a:rPr lang="en-US" altLang="ko-KR" sz="1400" dirty="0"/>
+              <a:t>)</a:t>
+            </a:r>
+            <a:r>
+              <a:rPr lang="ko-KR" altLang="en-US" sz="1400" dirty="0"/>
+              <a:t>을 통칭하는 용어 입니다</a:t>
+            </a:r>
+            <a:endParaRPr lang="en-US" altLang="ko-KR" sz="1400" dirty="0"/>
+          </a:p>
+          <a:p>
+            <a:pPr marL="342900" indent="-342900">
+              <a:buFont typeface="+mj-lt"/>
+              <a:buAutoNum type="arabicPeriod"/>
+            </a:pPr>
+            <a:r>
+              <a:rPr lang="en-US" altLang="ko-KR" sz="1400" dirty="0"/>
+              <a:t>“ISP”(Internet Service Provider) : </a:t>
+            </a:r>
+            <a:r>
+              <a:rPr lang="ko-KR" altLang="en-US" sz="1400" dirty="0"/>
+              <a:t>호스트</a:t>
+            </a:r>
+            <a:r>
+              <a:rPr lang="en-US" altLang="ko-KR" sz="1400" dirty="0"/>
+              <a:t>(End system)</a:t>
+            </a:r>
+            <a:r>
+              <a:rPr lang="ko-KR" altLang="en-US" sz="1400" dirty="0"/>
+              <a:t>끼리 정보를 매개 하거나</a:t>
+            </a:r>
+            <a:r>
+              <a:rPr lang="en-US" altLang="ko-KR" sz="1400" dirty="0"/>
+              <a:t>,</a:t>
+            </a:r>
+            <a:br>
+              <a:rPr lang="en-US" altLang="ko-KR" sz="1400" dirty="0"/>
+            </a:br>
+            <a:r>
+              <a:rPr lang="en-US" altLang="ko-KR" sz="1400" dirty="0"/>
+              <a:t>CP(Contents Provider)</a:t>
+            </a:r>
+            <a:r>
+              <a:rPr lang="ko-KR" altLang="en-US" sz="1400" dirty="0"/>
+              <a:t>로 부터 호스트가 정보를 받아볼 수 있도록 정보를 전달하는 역할을 하는</a:t>
+            </a:r>
+            <a:br>
+              <a:rPr lang="en-US" altLang="ko-KR" sz="1400" dirty="0"/>
+            </a:br>
+            <a:r>
+              <a:rPr lang="ko-KR" altLang="en-US" sz="1400" dirty="0"/>
+              <a:t>가장 거대한 규모의 네트워크 망 서비스 제공자 입니다</a:t>
+            </a:r>
+            <a:endParaRPr lang="en-US" altLang="ko-KR" sz="1400" dirty="0"/>
+          </a:p>
+          <a:p>
+            <a:pPr marL="342900" indent="-342900">
+              <a:buFont typeface="+mj-lt"/>
+              <a:buAutoNum type="arabicPeriod"/>
+            </a:pPr>
+            <a:r>
+              <a:rPr lang="ko-KR" altLang="en-US" sz="1400" dirty="0"/>
+              <a:t>“패킷 스위치”</a:t>
+            </a:r>
+            <a:r>
+              <a:rPr lang="en-US" altLang="ko-KR" sz="1400" dirty="0"/>
+              <a:t>(Packet Switch </a:t>
+            </a:r>
+            <a:r>
+              <a:rPr lang="ko-KR" altLang="en-US" sz="1400" dirty="0"/>
+              <a:t>또는 접속 장치</a:t>
+            </a:r>
+            <a:r>
+              <a:rPr lang="en-US" altLang="ko-KR" sz="1400" dirty="0"/>
+              <a:t>) : ISP</a:t>
+            </a:r>
+            <a:r>
+              <a:rPr lang="ko-KR" altLang="en-US" sz="1400" dirty="0"/>
+              <a:t>와 호스트를 연결하는 물리적인 장치를 의미합니다</a:t>
+            </a:r>
+            <a:br>
+              <a:rPr lang="en-US" altLang="ko-KR" sz="1400" dirty="0"/>
+            </a:br>
+            <a:r>
+              <a:rPr lang="ko-KR" altLang="en-US" sz="1400" dirty="0"/>
+              <a:t>대표적으로 라우터와 스위치가 있습니다</a:t>
+            </a:r>
+            <a:endParaRPr lang="en-US" altLang="ko-KR" sz="1600" dirty="0"/>
+          </a:p>
+          <a:p>
+            <a:r>
+              <a:rPr lang="en-US" altLang="ko-KR" sz="1200" dirty="0"/>
+              <a:t>“IETF”(Internet Engineering Task Force </a:t>
+            </a:r>
+            <a:r>
+              <a:rPr lang="ko-KR" altLang="en-US" sz="1200" dirty="0"/>
+              <a:t>또는 국제 인터넷 표준화 기구</a:t>
+            </a:r>
+            <a:r>
+              <a:rPr lang="en-US" altLang="ko-KR" sz="1200" dirty="0"/>
+              <a:t>) </a:t>
+            </a:r>
+            <a:r>
+              <a:rPr lang="ko-KR" altLang="en-US" sz="1200" dirty="0"/>
+              <a:t>는 인터넷의 운영</a:t>
+            </a:r>
+            <a:r>
+              <a:rPr lang="en-US" altLang="ko-KR" sz="1200" dirty="0"/>
+              <a:t>, </a:t>
+            </a:r>
+            <a:r>
+              <a:rPr lang="ko-KR" altLang="en-US" sz="1200" dirty="0"/>
+              <a:t>관리</a:t>
+            </a:r>
+            <a:r>
+              <a:rPr lang="en-US" altLang="ko-KR" sz="1200" dirty="0"/>
+              <a:t>, </a:t>
+            </a:r>
+            <a:r>
+              <a:rPr lang="ko-KR" altLang="en-US" sz="1200" dirty="0"/>
+              <a:t>개발에 대해 협의하고</a:t>
+            </a:r>
+            <a:r>
+              <a:rPr lang="en-US" altLang="ko-KR" sz="1200" dirty="0"/>
+              <a:t>,</a:t>
+            </a:r>
+            <a:br>
+              <a:rPr lang="en-US" altLang="ko-KR" sz="1200" dirty="0"/>
+            </a:br>
+            <a:r>
+              <a:rPr lang="ko-KR" altLang="en-US" sz="1200" dirty="0"/>
+              <a:t>프로토콜과 구조적인 사안들을 분석하는 인터넷 표준화 작업기구 입니다</a:t>
+            </a:r>
+            <a:endParaRPr lang="en-US" altLang="ko-KR" sz="1200" dirty="0"/>
+          </a:p>
+          <a:p>
+            <a:r>
+              <a:rPr lang="en-US" altLang="ko-KR" sz="1200" dirty="0"/>
+              <a:t>“RFC”(Request For Comments) </a:t>
+            </a:r>
+            <a:r>
+              <a:rPr lang="ko-KR" altLang="en-US" sz="1200" dirty="0"/>
+              <a:t>는 </a:t>
+            </a:r>
+            <a:r>
+              <a:rPr lang="en-US" altLang="ko-KR" sz="1200" dirty="0"/>
+              <a:t>IETF</a:t>
+            </a:r>
+            <a:r>
+              <a:rPr lang="ko-KR" altLang="en-US" sz="1200" dirty="0"/>
+              <a:t>에서 출판되는 인터넷 관련 문서 입니다</a:t>
+            </a:r>
+            <a:endParaRPr lang="en-US" altLang="ko-KR" sz="1200" dirty="0"/>
+          </a:p>
+          <a:p>
+            <a:r>
+              <a:rPr lang="en-US" altLang="ko-KR" sz="1200" dirty="0"/>
+              <a:t>“IEEE”(Institute of Electrical and Electronics Engineers </a:t>
+            </a:r>
+            <a:r>
+              <a:rPr lang="ko-KR" altLang="en-US" sz="1200" dirty="0"/>
+              <a:t>또는 전기 전자 공학자 협회</a:t>
+            </a:r>
+            <a:r>
+              <a:rPr lang="en-US" altLang="ko-KR" sz="1200" dirty="0"/>
+              <a:t>) </a:t>
+            </a:r>
+            <a:r>
+              <a:rPr lang="ko-KR" altLang="en-US" sz="1200" dirty="0"/>
+              <a:t>는 전기</a:t>
+            </a:r>
+            <a:r>
+              <a:rPr lang="en-US" altLang="ko-KR" sz="1200" dirty="0"/>
+              <a:t>/</a:t>
+            </a:r>
+            <a:r>
+              <a:rPr lang="ko-KR" altLang="en-US" sz="1200" dirty="0"/>
+              <a:t>전자</a:t>
+            </a:r>
+            <a:r>
+              <a:rPr lang="en-US" altLang="ko-KR" sz="1200" dirty="0"/>
+              <a:t>/</a:t>
+            </a:r>
+            <a:r>
+              <a:rPr lang="ko-KR" altLang="en-US" sz="1200" dirty="0"/>
+              <a:t>전산 관련 국제 학회입니다</a:t>
+            </a:r>
+            <a:br>
+              <a:rPr lang="en-US" altLang="ko-KR" sz="1200" dirty="0"/>
+            </a:br>
+            <a:r>
+              <a:rPr lang="ko-KR" altLang="en-US" sz="1200" dirty="0"/>
+              <a:t>주로 무선 통신 </a:t>
+            </a:r>
+            <a:r>
+              <a:rPr lang="en-US" altLang="ko-KR" sz="1200" dirty="0"/>
+              <a:t>IEEE802 Series</a:t>
+            </a:r>
+            <a:r>
+              <a:rPr lang="ko-KR" altLang="en-US" sz="1200" dirty="0"/>
+              <a:t>가 오늘날 많이 쓰이는 무선 프로토콜 표준으로 사용됩니다</a:t>
+            </a:r>
+            <a:endParaRPr lang="en-US" altLang="ko-KR" sz="1400" dirty="0"/>
           </a:p>
         </p:txBody>
       </p:sp>
@@ -4820,6 +7284,691 @@
     <p:extLst>
       <p:ext uri="{BB962C8B-B14F-4D97-AF65-F5344CB8AC3E}">
         <p14:creationId xmlns:p14="http://schemas.microsoft.com/office/powerpoint/2010/main" val="762231998"/>
+      </p:ext>
+    </p:extLst>
+  </p:cSld>
+  <p:clrMapOvr>
+    <a:masterClrMapping/>
+  </p:clrMapOvr>
+</p:sld>
+</file>
+
+<file path=ppt/slides/slide30.xml><?xml version="1.0" encoding="utf-8"?>
+<p:sld xmlns:a="http://schemas.openxmlformats.org/drawingml/2006/main" xmlns:r="http://schemas.openxmlformats.org/officeDocument/2006/relationships" xmlns:p="http://schemas.openxmlformats.org/presentationml/2006/main">
+  <p:cSld>
+    <p:spTree>
+      <p:nvGrpSpPr>
+        <p:cNvPr id="1" name=""/>
+        <p:cNvGrpSpPr/>
+        <p:nvPr/>
+      </p:nvGrpSpPr>
+      <p:grpSpPr>
+        <a:xfrm>
+          <a:off x="0" y="0"/>
+          <a:ext cx="0" cy="0"/>
+          <a:chOff x="0" y="0"/>
+          <a:chExt cx="0" cy="0"/>
+        </a:xfrm>
+      </p:grpSpPr>
+      <p:sp>
+        <p:nvSpPr>
+          <p:cNvPr id="2" name="제목 1">
+            <a:extLst>
+              <a:ext uri="{FF2B5EF4-FFF2-40B4-BE49-F238E27FC236}">
+                <a16:creationId xmlns:a16="http://schemas.microsoft.com/office/drawing/2014/main" id="{5D94D8BA-380F-3F19-F393-99B71E767CB2}"/>
+              </a:ext>
+            </a:extLst>
+          </p:cNvPr>
+          <p:cNvSpPr>
+            <a:spLocks noGrp="1"/>
+          </p:cNvSpPr>
+          <p:nvPr>
+            <p:ph type="title"/>
+          </p:nvPr>
+        </p:nvSpPr>
+        <p:spPr/>
+        <p:txBody>
+          <a:bodyPr/>
+          <a:lstStyle/>
+          <a:p>
+            <a:r>
+              <a:rPr lang="en-US" altLang="ko-KR" dirty="0"/>
+              <a:t>Port</a:t>
+            </a:r>
+            <a:endParaRPr lang="ko-KR" altLang="en-US" dirty="0"/>
+          </a:p>
+        </p:txBody>
+      </p:sp>
+      <p:sp>
+        <p:nvSpPr>
+          <p:cNvPr id="3" name="내용 개체 틀 2">
+            <a:extLst>
+              <a:ext uri="{FF2B5EF4-FFF2-40B4-BE49-F238E27FC236}">
+                <a16:creationId xmlns:a16="http://schemas.microsoft.com/office/drawing/2014/main" id="{6D759395-EC2C-0445-27C4-B64B70643168}"/>
+              </a:ext>
+            </a:extLst>
+          </p:cNvPr>
+          <p:cNvSpPr>
+            <a:spLocks noGrp="1"/>
+          </p:cNvSpPr>
+          <p:nvPr>
+            <p:ph idx="1"/>
+          </p:nvPr>
+        </p:nvSpPr>
+        <p:spPr/>
+        <p:txBody>
+          <a:bodyPr/>
+          <a:lstStyle/>
+          <a:p>
+            <a:endParaRPr lang="ko-KR" altLang="en-US"/>
+          </a:p>
+        </p:txBody>
+      </p:sp>
+    </p:spTree>
+    <p:extLst>
+      <p:ext uri="{BB962C8B-B14F-4D97-AF65-F5344CB8AC3E}">
+        <p14:creationId xmlns:p14="http://schemas.microsoft.com/office/powerpoint/2010/main" val="3323394360"/>
+      </p:ext>
+    </p:extLst>
+  </p:cSld>
+  <p:clrMapOvr>
+    <a:masterClrMapping/>
+  </p:clrMapOvr>
+</p:sld>
+</file>
+
+<file path=ppt/slides/slide31.xml><?xml version="1.0" encoding="utf-8"?>
+<p:sld xmlns:a="http://schemas.openxmlformats.org/drawingml/2006/main" xmlns:r="http://schemas.openxmlformats.org/officeDocument/2006/relationships" xmlns:p="http://schemas.openxmlformats.org/presentationml/2006/main">
+  <p:cSld>
+    <p:spTree>
+      <p:nvGrpSpPr>
+        <p:cNvPr id="1" name=""/>
+        <p:cNvGrpSpPr/>
+        <p:nvPr/>
+      </p:nvGrpSpPr>
+      <p:grpSpPr>
+        <a:xfrm>
+          <a:off x="0" y="0"/>
+          <a:ext cx="0" cy="0"/>
+          <a:chOff x="0" y="0"/>
+          <a:chExt cx="0" cy="0"/>
+        </a:xfrm>
+      </p:grpSpPr>
+      <p:sp>
+        <p:nvSpPr>
+          <p:cNvPr id="2" name="제목 1">
+            <a:extLst>
+              <a:ext uri="{FF2B5EF4-FFF2-40B4-BE49-F238E27FC236}">
+                <a16:creationId xmlns:a16="http://schemas.microsoft.com/office/drawing/2014/main" id="{75DE5EB4-8537-5130-69BD-1FECD267B475}"/>
+              </a:ext>
+            </a:extLst>
+          </p:cNvPr>
+          <p:cNvSpPr>
+            <a:spLocks noGrp="1"/>
+          </p:cNvSpPr>
+          <p:nvPr>
+            <p:ph type="title"/>
+          </p:nvPr>
+        </p:nvSpPr>
+        <p:spPr/>
+        <p:txBody>
+          <a:bodyPr/>
+          <a:lstStyle/>
+          <a:p>
+            <a:r>
+              <a:rPr lang="en-US" altLang="ko-KR" dirty="0"/>
+              <a:t>Multiplexing</a:t>
+            </a:r>
+            <a:endParaRPr lang="ko-KR" altLang="en-US" dirty="0"/>
+          </a:p>
+        </p:txBody>
+      </p:sp>
+      <p:sp>
+        <p:nvSpPr>
+          <p:cNvPr id="3" name="내용 개체 틀 2">
+            <a:extLst>
+              <a:ext uri="{FF2B5EF4-FFF2-40B4-BE49-F238E27FC236}">
+                <a16:creationId xmlns:a16="http://schemas.microsoft.com/office/drawing/2014/main" id="{AF38E50B-71DB-100E-AC1C-022AE5C3E79E}"/>
+              </a:ext>
+            </a:extLst>
+          </p:cNvPr>
+          <p:cNvSpPr>
+            <a:spLocks noGrp="1"/>
+          </p:cNvSpPr>
+          <p:nvPr>
+            <p:ph idx="1"/>
+          </p:nvPr>
+        </p:nvSpPr>
+        <p:spPr/>
+        <p:txBody>
+          <a:bodyPr/>
+          <a:lstStyle/>
+          <a:p>
+            <a:endParaRPr lang="ko-KR" altLang="en-US"/>
+          </a:p>
+        </p:txBody>
+      </p:sp>
+    </p:spTree>
+    <p:extLst>
+      <p:ext uri="{BB962C8B-B14F-4D97-AF65-F5344CB8AC3E}">
+        <p14:creationId xmlns:p14="http://schemas.microsoft.com/office/powerpoint/2010/main" val="2113554795"/>
+      </p:ext>
+    </p:extLst>
+  </p:cSld>
+  <p:clrMapOvr>
+    <a:masterClrMapping/>
+  </p:clrMapOvr>
+</p:sld>
+</file>
+
+<file path=ppt/slides/slide32.xml><?xml version="1.0" encoding="utf-8"?>
+<p:sld xmlns:a="http://schemas.openxmlformats.org/drawingml/2006/main" xmlns:r="http://schemas.openxmlformats.org/officeDocument/2006/relationships" xmlns:p="http://schemas.openxmlformats.org/presentationml/2006/main">
+  <p:cSld>
+    <p:spTree>
+      <p:nvGrpSpPr>
+        <p:cNvPr id="1" name=""/>
+        <p:cNvGrpSpPr/>
+        <p:nvPr/>
+      </p:nvGrpSpPr>
+      <p:grpSpPr>
+        <a:xfrm>
+          <a:off x="0" y="0"/>
+          <a:ext cx="0" cy="0"/>
+          <a:chOff x="0" y="0"/>
+          <a:chExt cx="0" cy="0"/>
+        </a:xfrm>
+      </p:grpSpPr>
+      <p:sp>
+        <p:nvSpPr>
+          <p:cNvPr id="2" name="제목 1">
+            <a:extLst>
+              <a:ext uri="{FF2B5EF4-FFF2-40B4-BE49-F238E27FC236}">
+                <a16:creationId xmlns:a16="http://schemas.microsoft.com/office/drawing/2014/main" id="{F52BD87A-4D8D-C603-EB8D-673068AB8E10}"/>
+              </a:ext>
+            </a:extLst>
+          </p:cNvPr>
+          <p:cNvSpPr>
+            <a:spLocks noGrp="1"/>
+          </p:cNvSpPr>
+          <p:nvPr>
+            <p:ph type="title"/>
+          </p:nvPr>
+        </p:nvSpPr>
+        <p:spPr/>
+        <p:txBody>
+          <a:bodyPr/>
+          <a:lstStyle/>
+          <a:p>
+            <a:r>
+              <a:rPr lang="en-US" altLang="ko-KR" dirty="0"/>
+              <a:t>TCP </a:t>
+            </a:r>
+            <a:r>
+              <a:rPr lang="ko-KR" altLang="en-US" dirty="0"/>
+              <a:t>구조</a:t>
+            </a:r>
+          </a:p>
+        </p:txBody>
+      </p:sp>
+      <p:sp>
+        <p:nvSpPr>
+          <p:cNvPr id="3" name="내용 개체 틀 2">
+            <a:extLst>
+              <a:ext uri="{FF2B5EF4-FFF2-40B4-BE49-F238E27FC236}">
+                <a16:creationId xmlns:a16="http://schemas.microsoft.com/office/drawing/2014/main" id="{B220F792-916D-0047-E121-C8239CC4A160}"/>
+              </a:ext>
+            </a:extLst>
+          </p:cNvPr>
+          <p:cNvSpPr>
+            <a:spLocks noGrp="1"/>
+          </p:cNvSpPr>
+          <p:nvPr>
+            <p:ph idx="1"/>
+          </p:nvPr>
+        </p:nvSpPr>
+        <p:spPr/>
+        <p:txBody>
+          <a:bodyPr/>
+          <a:lstStyle/>
+          <a:p>
+            <a:endParaRPr lang="ko-KR" altLang="en-US"/>
+          </a:p>
+        </p:txBody>
+      </p:sp>
+    </p:spTree>
+    <p:extLst>
+      <p:ext uri="{BB962C8B-B14F-4D97-AF65-F5344CB8AC3E}">
+        <p14:creationId xmlns:p14="http://schemas.microsoft.com/office/powerpoint/2010/main" val="2002850493"/>
+      </p:ext>
+    </p:extLst>
+  </p:cSld>
+  <p:clrMapOvr>
+    <a:masterClrMapping/>
+  </p:clrMapOvr>
+</p:sld>
+</file>
+
+<file path=ppt/slides/slide33.xml><?xml version="1.0" encoding="utf-8"?>
+<p:sld xmlns:a="http://schemas.openxmlformats.org/drawingml/2006/main" xmlns:r="http://schemas.openxmlformats.org/officeDocument/2006/relationships" xmlns:p="http://schemas.openxmlformats.org/presentationml/2006/main">
+  <p:cSld>
+    <p:spTree>
+      <p:nvGrpSpPr>
+        <p:cNvPr id="1" name=""/>
+        <p:cNvGrpSpPr/>
+        <p:nvPr/>
+      </p:nvGrpSpPr>
+      <p:grpSpPr>
+        <a:xfrm>
+          <a:off x="0" y="0"/>
+          <a:ext cx="0" cy="0"/>
+          <a:chOff x="0" y="0"/>
+          <a:chExt cx="0" cy="0"/>
+        </a:xfrm>
+      </p:grpSpPr>
+      <p:sp>
+        <p:nvSpPr>
+          <p:cNvPr id="2" name="제목 1">
+            <a:extLst>
+              <a:ext uri="{FF2B5EF4-FFF2-40B4-BE49-F238E27FC236}">
+                <a16:creationId xmlns:a16="http://schemas.microsoft.com/office/drawing/2014/main" id="{43D38F18-6FA0-0B1E-2019-1597F08872FF}"/>
+              </a:ext>
+            </a:extLst>
+          </p:cNvPr>
+          <p:cNvSpPr>
+            <a:spLocks noGrp="1"/>
+          </p:cNvSpPr>
+          <p:nvPr>
+            <p:ph type="title"/>
+          </p:nvPr>
+        </p:nvSpPr>
+        <p:spPr/>
+        <p:txBody>
+          <a:bodyPr/>
+          <a:lstStyle/>
+          <a:p>
+            <a:r>
+              <a:rPr lang="en-US" altLang="ko-KR" dirty="0"/>
+              <a:t>UDP</a:t>
+            </a:r>
+            <a:r>
+              <a:rPr lang="ko-KR" altLang="en-US" dirty="0"/>
+              <a:t> 구조</a:t>
+            </a:r>
+          </a:p>
+        </p:txBody>
+      </p:sp>
+      <p:sp>
+        <p:nvSpPr>
+          <p:cNvPr id="3" name="내용 개체 틀 2">
+            <a:extLst>
+              <a:ext uri="{FF2B5EF4-FFF2-40B4-BE49-F238E27FC236}">
+                <a16:creationId xmlns:a16="http://schemas.microsoft.com/office/drawing/2014/main" id="{E219FBED-2F1A-E107-7238-972DF2A80D97}"/>
+              </a:ext>
+            </a:extLst>
+          </p:cNvPr>
+          <p:cNvSpPr>
+            <a:spLocks noGrp="1"/>
+          </p:cNvSpPr>
+          <p:nvPr>
+            <p:ph idx="1"/>
+          </p:nvPr>
+        </p:nvSpPr>
+        <p:spPr/>
+        <p:txBody>
+          <a:bodyPr/>
+          <a:lstStyle/>
+          <a:p>
+            <a:endParaRPr lang="ko-KR" altLang="en-US"/>
+          </a:p>
+        </p:txBody>
+      </p:sp>
+    </p:spTree>
+    <p:extLst>
+      <p:ext uri="{BB962C8B-B14F-4D97-AF65-F5344CB8AC3E}">
+        <p14:creationId xmlns:p14="http://schemas.microsoft.com/office/powerpoint/2010/main" val="1614672160"/>
+      </p:ext>
+    </p:extLst>
+  </p:cSld>
+  <p:clrMapOvr>
+    <a:masterClrMapping/>
+  </p:clrMapOvr>
+</p:sld>
+</file>
+
+<file path=ppt/slides/slide34.xml><?xml version="1.0" encoding="utf-8"?>
+<p:sld xmlns:a="http://schemas.openxmlformats.org/drawingml/2006/main" xmlns:r="http://schemas.openxmlformats.org/officeDocument/2006/relationships" xmlns:p="http://schemas.openxmlformats.org/presentationml/2006/main">
+  <p:cSld>
+    <p:spTree>
+      <p:nvGrpSpPr>
+        <p:cNvPr id="1" name=""/>
+        <p:cNvGrpSpPr/>
+        <p:nvPr/>
+      </p:nvGrpSpPr>
+      <p:grpSpPr>
+        <a:xfrm>
+          <a:off x="0" y="0"/>
+          <a:ext cx="0" cy="0"/>
+          <a:chOff x="0" y="0"/>
+          <a:chExt cx="0" cy="0"/>
+        </a:xfrm>
+      </p:grpSpPr>
+      <p:sp>
+        <p:nvSpPr>
+          <p:cNvPr id="2" name="제목 1">
+            <a:extLst>
+              <a:ext uri="{FF2B5EF4-FFF2-40B4-BE49-F238E27FC236}">
+                <a16:creationId xmlns:a16="http://schemas.microsoft.com/office/drawing/2014/main" id="{9683C281-FEF9-3C44-E7C0-5C739AD4BFC0}"/>
+              </a:ext>
+            </a:extLst>
+          </p:cNvPr>
+          <p:cNvSpPr>
+            <a:spLocks noGrp="1"/>
+          </p:cNvSpPr>
+          <p:nvPr>
+            <p:ph type="title"/>
+          </p:nvPr>
+        </p:nvSpPr>
+        <p:spPr/>
+        <p:txBody>
+          <a:bodyPr/>
+          <a:lstStyle/>
+          <a:p>
+            <a:r>
+              <a:rPr lang="ko-KR" altLang="en-US" dirty="0"/>
+              <a:t>흐름제어</a:t>
+            </a:r>
+            <a:r>
+              <a:rPr lang="en-US" altLang="ko-KR" dirty="0"/>
+              <a:t>, </a:t>
+            </a:r>
+            <a:r>
+              <a:rPr lang="ko-KR" altLang="en-US" dirty="0"/>
+              <a:t>혼잡제어</a:t>
+            </a:r>
+          </a:p>
+        </p:txBody>
+      </p:sp>
+      <p:sp>
+        <p:nvSpPr>
+          <p:cNvPr id="3" name="내용 개체 틀 2">
+            <a:extLst>
+              <a:ext uri="{FF2B5EF4-FFF2-40B4-BE49-F238E27FC236}">
+                <a16:creationId xmlns:a16="http://schemas.microsoft.com/office/drawing/2014/main" id="{C2A9C482-02F9-76FC-47DC-F5E54241D9EF}"/>
+              </a:ext>
+            </a:extLst>
+          </p:cNvPr>
+          <p:cNvSpPr>
+            <a:spLocks noGrp="1"/>
+          </p:cNvSpPr>
+          <p:nvPr>
+            <p:ph idx="1"/>
+          </p:nvPr>
+        </p:nvSpPr>
+        <p:spPr/>
+        <p:txBody>
+          <a:bodyPr/>
+          <a:lstStyle/>
+          <a:p>
+            <a:endParaRPr lang="ko-KR" altLang="en-US"/>
+          </a:p>
+        </p:txBody>
+      </p:sp>
+    </p:spTree>
+    <p:extLst>
+      <p:ext uri="{BB962C8B-B14F-4D97-AF65-F5344CB8AC3E}">
+        <p14:creationId xmlns:p14="http://schemas.microsoft.com/office/powerpoint/2010/main" val="682097685"/>
+      </p:ext>
+    </p:extLst>
+  </p:cSld>
+  <p:clrMapOvr>
+    <a:masterClrMapping/>
+  </p:clrMapOvr>
+</p:sld>
+</file>
+
+<file path=ppt/slides/slide35.xml><?xml version="1.0" encoding="utf-8"?>
+<p:sld xmlns:a="http://schemas.openxmlformats.org/drawingml/2006/main" xmlns:r="http://schemas.openxmlformats.org/officeDocument/2006/relationships" xmlns:p="http://schemas.openxmlformats.org/presentationml/2006/main">
+  <p:cSld>
+    <p:spTree>
+      <p:nvGrpSpPr>
+        <p:cNvPr id="1" name=""/>
+        <p:cNvGrpSpPr/>
+        <p:nvPr/>
+      </p:nvGrpSpPr>
+      <p:grpSpPr>
+        <a:xfrm>
+          <a:off x="0" y="0"/>
+          <a:ext cx="0" cy="0"/>
+          <a:chOff x="0" y="0"/>
+          <a:chExt cx="0" cy="0"/>
+        </a:xfrm>
+      </p:grpSpPr>
+      <p:sp>
+        <p:nvSpPr>
+          <p:cNvPr id="2" name="제목 1">
+            <a:extLst>
+              <a:ext uri="{FF2B5EF4-FFF2-40B4-BE49-F238E27FC236}">
+                <a16:creationId xmlns:a16="http://schemas.microsoft.com/office/drawing/2014/main" id="{33211138-9519-6CAD-1576-9825CBE35950}"/>
+              </a:ext>
+            </a:extLst>
+          </p:cNvPr>
+          <p:cNvSpPr>
+            <a:spLocks noGrp="1"/>
+          </p:cNvSpPr>
+          <p:nvPr>
+            <p:ph type="title"/>
+          </p:nvPr>
+        </p:nvSpPr>
+        <p:spPr/>
+        <p:txBody>
+          <a:bodyPr/>
+          <a:lstStyle/>
+          <a:p>
+            <a:r>
+              <a:rPr lang="en-US" altLang="ko-KR" dirty="0"/>
+              <a:t>3-way handshake</a:t>
+            </a:r>
+            <a:endParaRPr lang="ko-KR" altLang="en-US" dirty="0"/>
+          </a:p>
+        </p:txBody>
+      </p:sp>
+      <p:sp>
+        <p:nvSpPr>
+          <p:cNvPr id="3" name="내용 개체 틀 2">
+            <a:extLst>
+              <a:ext uri="{FF2B5EF4-FFF2-40B4-BE49-F238E27FC236}">
+                <a16:creationId xmlns:a16="http://schemas.microsoft.com/office/drawing/2014/main" id="{9E12239F-5F9B-1D22-1636-FBD447E17DC3}"/>
+              </a:ext>
+            </a:extLst>
+          </p:cNvPr>
+          <p:cNvSpPr>
+            <a:spLocks noGrp="1"/>
+          </p:cNvSpPr>
+          <p:nvPr>
+            <p:ph idx="1"/>
+          </p:nvPr>
+        </p:nvSpPr>
+        <p:spPr/>
+        <p:txBody>
+          <a:bodyPr/>
+          <a:lstStyle/>
+          <a:p>
+            <a:endParaRPr lang="ko-KR" altLang="en-US"/>
+          </a:p>
+        </p:txBody>
+      </p:sp>
+    </p:spTree>
+    <p:extLst>
+      <p:ext uri="{BB962C8B-B14F-4D97-AF65-F5344CB8AC3E}">
+        <p14:creationId xmlns:p14="http://schemas.microsoft.com/office/powerpoint/2010/main" val="1863395007"/>
+      </p:ext>
+    </p:extLst>
+  </p:cSld>
+  <p:clrMapOvr>
+    <a:masterClrMapping/>
+  </p:clrMapOvr>
+</p:sld>
+</file>
+
+<file path=ppt/slides/slide36.xml><?xml version="1.0" encoding="utf-8"?>
+<p:sld xmlns:a="http://schemas.openxmlformats.org/drawingml/2006/main" xmlns:r="http://schemas.openxmlformats.org/officeDocument/2006/relationships" xmlns:p="http://schemas.openxmlformats.org/presentationml/2006/main">
+  <p:cSld>
+    <p:spTree>
+      <p:nvGrpSpPr>
+        <p:cNvPr id="1" name=""/>
+        <p:cNvGrpSpPr/>
+        <p:nvPr/>
+      </p:nvGrpSpPr>
+      <p:grpSpPr>
+        <a:xfrm>
+          <a:off x="0" y="0"/>
+          <a:ext cx="0" cy="0"/>
+          <a:chOff x="0" y="0"/>
+          <a:chExt cx="0" cy="0"/>
+        </a:xfrm>
+      </p:grpSpPr>
+      <p:sp>
+        <p:nvSpPr>
+          <p:cNvPr id="2" name="제목 1">
+            <a:extLst>
+              <a:ext uri="{FF2B5EF4-FFF2-40B4-BE49-F238E27FC236}">
+                <a16:creationId xmlns:a16="http://schemas.microsoft.com/office/drawing/2014/main" id="{670DEDD6-BC34-52C6-25A9-24DD26A736A0}"/>
+              </a:ext>
+            </a:extLst>
+          </p:cNvPr>
+          <p:cNvSpPr>
+            <a:spLocks noGrp="1"/>
+          </p:cNvSpPr>
+          <p:nvPr>
+            <p:ph type="title"/>
+          </p:nvPr>
+        </p:nvSpPr>
+        <p:spPr/>
+        <p:txBody>
+          <a:bodyPr/>
+          <a:lstStyle/>
+          <a:p>
+            <a:r>
+              <a:rPr lang="en-US" altLang="ko-KR" dirty="0"/>
+              <a:t>4-way handshake, RST</a:t>
+            </a:r>
+            <a:endParaRPr lang="ko-KR" altLang="en-US" dirty="0"/>
+          </a:p>
+        </p:txBody>
+      </p:sp>
+      <p:sp>
+        <p:nvSpPr>
+          <p:cNvPr id="3" name="내용 개체 틀 2">
+            <a:extLst>
+              <a:ext uri="{FF2B5EF4-FFF2-40B4-BE49-F238E27FC236}">
+                <a16:creationId xmlns:a16="http://schemas.microsoft.com/office/drawing/2014/main" id="{22438CC3-7BB7-D691-7670-DEC124DCD6DB}"/>
+              </a:ext>
+            </a:extLst>
+          </p:cNvPr>
+          <p:cNvSpPr>
+            <a:spLocks noGrp="1"/>
+          </p:cNvSpPr>
+          <p:nvPr>
+            <p:ph idx="1"/>
+          </p:nvPr>
+        </p:nvSpPr>
+        <p:spPr/>
+        <p:txBody>
+          <a:bodyPr/>
+          <a:lstStyle/>
+          <a:p>
+            <a:endParaRPr lang="ko-KR" altLang="en-US"/>
+          </a:p>
+        </p:txBody>
+      </p:sp>
+    </p:spTree>
+    <p:extLst>
+      <p:ext uri="{BB962C8B-B14F-4D97-AF65-F5344CB8AC3E}">
+        <p14:creationId xmlns:p14="http://schemas.microsoft.com/office/powerpoint/2010/main" val="1933519205"/>
+      </p:ext>
+    </p:extLst>
+  </p:cSld>
+  <p:clrMapOvr>
+    <a:masterClrMapping/>
+  </p:clrMapOvr>
+</p:sld>
+</file>
+
+<file path=ppt/slides/slide37.xml><?xml version="1.0" encoding="utf-8"?>
+<p:sld xmlns:a="http://schemas.openxmlformats.org/drawingml/2006/main" xmlns:r="http://schemas.openxmlformats.org/officeDocument/2006/relationships" xmlns:p="http://schemas.openxmlformats.org/presentationml/2006/main">
+  <p:cSld>
+    <p:spTree>
+      <p:nvGrpSpPr>
+        <p:cNvPr id="1" name=""/>
+        <p:cNvGrpSpPr/>
+        <p:nvPr/>
+      </p:nvGrpSpPr>
+      <p:grpSpPr>
+        <a:xfrm>
+          <a:off x="0" y="0"/>
+          <a:ext cx="0" cy="0"/>
+          <a:chOff x="0" y="0"/>
+          <a:chExt cx="0" cy="0"/>
+        </a:xfrm>
+      </p:grpSpPr>
+      <p:sp>
+        <p:nvSpPr>
+          <p:cNvPr id="2" name="제목 1">
+            <a:extLst>
+              <a:ext uri="{FF2B5EF4-FFF2-40B4-BE49-F238E27FC236}">
+                <a16:creationId xmlns:a16="http://schemas.microsoft.com/office/drawing/2014/main" id="{F6968FF8-7B0F-3FBA-A4B6-C24AA00BBB6A}"/>
+              </a:ext>
+            </a:extLst>
+          </p:cNvPr>
+          <p:cNvSpPr>
+            <a:spLocks noGrp="1"/>
+          </p:cNvSpPr>
+          <p:nvPr>
+            <p:ph type="title"/>
+          </p:nvPr>
+        </p:nvSpPr>
+        <p:spPr/>
+        <p:txBody>
+          <a:bodyPr/>
+          <a:lstStyle/>
+          <a:p>
+            <a:r>
+              <a:rPr lang="en-US" altLang="ko-KR" dirty="0"/>
+              <a:t>ARQ Protocol</a:t>
+            </a:r>
+            <a:endParaRPr lang="ko-KR" altLang="en-US" dirty="0"/>
+          </a:p>
+        </p:txBody>
+      </p:sp>
+      <p:sp>
+        <p:nvSpPr>
+          <p:cNvPr id="3" name="내용 개체 틀 2">
+            <a:extLst>
+              <a:ext uri="{FF2B5EF4-FFF2-40B4-BE49-F238E27FC236}">
+                <a16:creationId xmlns:a16="http://schemas.microsoft.com/office/drawing/2014/main" id="{9E27041D-6E2D-DC48-84A1-DEF306E202DF}"/>
+              </a:ext>
+            </a:extLst>
+          </p:cNvPr>
+          <p:cNvSpPr>
+            <a:spLocks noGrp="1"/>
+          </p:cNvSpPr>
+          <p:nvPr>
+            <p:ph idx="1"/>
+          </p:nvPr>
+        </p:nvSpPr>
+        <p:spPr/>
+        <p:txBody>
+          <a:bodyPr/>
+          <a:lstStyle/>
+          <a:p>
+            <a:endParaRPr lang="ko-KR" altLang="en-US"/>
+          </a:p>
+        </p:txBody>
+      </p:sp>
+    </p:spTree>
+    <p:extLst>
+      <p:ext uri="{BB962C8B-B14F-4D97-AF65-F5344CB8AC3E}">
+        <p14:creationId xmlns:p14="http://schemas.microsoft.com/office/powerpoint/2010/main" val="1436977935"/>
       </p:ext>
     </p:extLst>
   </p:cSld>
@@ -4896,7 +8045,342 @@
           <a:bodyPr/>
           <a:lstStyle/>
           <a:p>
-            <a:endParaRPr lang="ko-KR" altLang="en-US"/>
+            <a:r>
+              <a:rPr lang="ko-KR" altLang="en-US" sz="1600" dirty="0"/>
+              <a:t>호스트</a:t>
+            </a:r>
+            <a:r>
+              <a:rPr lang="en-US" altLang="ko-KR" sz="1600" dirty="0"/>
+              <a:t>(Host)</a:t>
+            </a:r>
+            <a:r>
+              <a:rPr lang="ko-KR" altLang="en-US" sz="1600" dirty="0"/>
+              <a:t> 및 종단시스템</a:t>
+            </a:r>
+            <a:r>
+              <a:rPr lang="en-US" altLang="ko-KR" sz="1600" dirty="0"/>
+              <a:t>(</a:t>
+            </a:r>
+            <a:r>
+              <a:rPr lang="en-US" altLang="ko-KR" sz="1600" dirty="0" err="1"/>
+              <a:t>EndSystem</a:t>
+            </a:r>
+            <a:r>
+              <a:rPr lang="en-US" altLang="ko-KR" sz="1600" dirty="0"/>
+              <a:t>)</a:t>
+            </a:r>
+            <a:r>
+              <a:rPr lang="ko-KR" altLang="en-US" sz="1600" dirty="0"/>
+              <a:t>은</a:t>
+            </a:r>
+            <a:br>
+              <a:rPr lang="en-US" altLang="ko-KR" sz="1600" dirty="0"/>
+            </a:br>
+            <a:r>
+              <a:rPr lang="ko-KR" altLang="en-US" sz="1600" dirty="0"/>
+              <a:t>스마트폰</a:t>
+            </a:r>
+            <a:r>
+              <a:rPr lang="en-US" altLang="ko-KR" sz="1600" dirty="0"/>
+              <a:t>, </a:t>
+            </a:r>
+            <a:r>
+              <a:rPr lang="ko-KR" altLang="en-US" sz="1600" dirty="0"/>
+              <a:t>컴퓨터</a:t>
+            </a:r>
+            <a:r>
+              <a:rPr lang="en-US" altLang="ko-KR" sz="1600" dirty="0"/>
+              <a:t>(+</a:t>
+            </a:r>
+            <a:r>
+              <a:rPr lang="ko-KR" altLang="en-US" sz="1600" dirty="0"/>
+              <a:t>서버</a:t>
+            </a:r>
+            <a:r>
+              <a:rPr lang="en-US" altLang="ko-KR" sz="1600" dirty="0"/>
+              <a:t>)</a:t>
+            </a:r>
+            <a:r>
+              <a:rPr lang="ko-KR" altLang="en-US" sz="1600" dirty="0"/>
+              <a:t>등의 오늘날 사용하는 대부분의 장치를 일컬어 부르는 용어입니다</a:t>
+            </a:r>
+            <a:endParaRPr lang="en-US" altLang="ko-KR" sz="1600" dirty="0"/>
+          </a:p>
+          <a:p>
+            <a:r>
+              <a:rPr lang="ko-KR" altLang="en-US" sz="1600" dirty="0"/>
+              <a:t>호스트는 크게 </a:t>
+            </a:r>
+            <a:r>
+              <a:rPr lang="en-US" altLang="ko-KR" sz="1600" dirty="0"/>
+              <a:t>Client</a:t>
+            </a:r>
+            <a:r>
+              <a:rPr lang="ko-KR" altLang="en-US" sz="1600" dirty="0"/>
+              <a:t>와 </a:t>
+            </a:r>
+            <a:r>
+              <a:rPr lang="en-US" altLang="ko-KR" sz="1600" dirty="0"/>
+              <a:t>Server</a:t>
+            </a:r>
+            <a:r>
+              <a:rPr lang="ko-KR" altLang="en-US" sz="1600" dirty="0"/>
+              <a:t>구조로 되어 있으며</a:t>
+            </a:r>
+            <a:r>
+              <a:rPr lang="en-US" altLang="ko-KR" sz="1600" dirty="0"/>
+              <a:t>,</a:t>
+            </a:r>
+            <a:br>
+              <a:rPr lang="en-US" altLang="ko-KR" sz="1600" dirty="0"/>
+            </a:br>
+            <a:r>
+              <a:rPr lang="ko-KR" altLang="en-US" sz="1600" dirty="0"/>
+              <a:t>소켓이라는 이름의 논리적 모델로 프로그래밍하여 상호 통신으로 정보를 주고 받는 형태입니다</a:t>
+            </a:r>
+            <a:endParaRPr lang="en-US" altLang="ko-KR" sz="1600" dirty="0"/>
+          </a:p>
+          <a:p>
+            <a:r>
+              <a:rPr lang="ko-KR" altLang="en-US" sz="1600" dirty="0"/>
+              <a:t>호스트의 통신방식은 다양하게 존재합니다</a:t>
+            </a:r>
+            <a:endParaRPr lang="en-US" altLang="ko-KR" sz="1600" dirty="0"/>
+          </a:p>
+          <a:p>
+            <a:pPr marL="342900" indent="-342900">
+              <a:buFont typeface="+mj-lt"/>
+              <a:buAutoNum type="arabicPeriod"/>
+            </a:pPr>
+            <a:r>
+              <a:rPr lang="ko-KR" altLang="en-US" sz="1400" dirty="0"/>
+              <a:t>“</a:t>
+            </a:r>
+            <a:r>
+              <a:rPr lang="ko-KR" altLang="en-US" sz="1400" dirty="0" err="1"/>
+              <a:t>유니캐스트</a:t>
+            </a:r>
+            <a:r>
+              <a:rPr lang="ko-KR" altLang="en-US" sz="1400" dirty="0"/>
+              <a:t>”</a:t>
+            </a:r>
+            <a:r>
+              <a:rPr lang="en-US" altLang="ko-KR" sz="1400" dirty="0"/>
+              <a:t>(Unicast) : </a:t>
+            </a:r>
+            <a:r>
+              <a:rPr lang="ko-KR" altLang="en-US" sz="1400" dirty="0"/>
+              <a:t>발신지와 수신지가 </a:t>
+            </a:r>
+            <a:r>
+              <a:rPr lang="en-US" altLang="ko-KR" sz="1400" dirty="0"/>
+              <a:t>1:1(one-to-one)</a:t>
+            </a:r>
+            <a:r>
+              <a:rPr lang="ko-KR" altLang="en-US" sz="1400" dirty="0"/>
+              <a:t>으로 데이터를 전송하는 방식입니다</a:t>
+            </a:r>
+            <a:br>
+              <a:rPr lang="en-US" altLang="ko-KR" sz="1400" dirty="0"/>
+            </a:br>
+            <a:r>
+              <a:rPr lang="ko-KR" altLang="en-US" sz="1400" dirty="0"/>
+              <a:t>대부분의 통신은 </a:t>
+            </a:r>
+            <a:r>
+              <a:rPr lang="ko-KR" altLang="en-US" sz="1400" dirty="0" err="1"/>
+              <a:t>유니캐스트</a:t>
+            </a:r>
+            <a:r>
+              <a:rPr lang="ko-KR" altLang="en-US" sz="1400" dirty="0"/>
+              <a:t> 방식이라 볼 수 있으며</a:t>
+            </a:r>
+            <a:r>
+              <a:rPr lang="en-US" altLang="ko-KR" sz="1400" dirty="0"/>
+              <a:t>(</a:t>
+            </a:r>
+            <a:r>
+              <a:rPr lang="ko-KR" altLang="en-US" sz="1400" dirty="0"/>
+              <a:t>클라이언트</a:t>
+            </a:r>
+            <a:r>
+              <a:rPr lang="en-US" altLang="ko-KR" sz="1400" dirty="0"/>
+              <a:t>-</a:t>
+            </a:r>
+            <a:r>
+              <a:rPr lang="ko-KR" altLang="en-US" sz="1400" dirty="0"/>
+              <a:t>서버 구조</a:t>
+            </a:r>
+            <a:r>
+              <a:rPr lang="en-US" altLang="ko-KR" sz="1400" dirty="0"/>
+              <a:t>, </a:t>
+            </a:r>
+            <a:r>
+              <a:rPr lang="ko-KR" altLang="en-US" sz="1400" dirty="0"/>
+              <a:t>웹</a:t>
+            </a:r>
+            <a:r>
+              <a:rPr lang="en-US" altLang="ko-KR" sz="1400" dirty="0"/>
+              <a:t>, Dedicate </a:t>
+            </a:r>
+            <a:r>
+              <a:rPr lang="ko-KR" altLang="en-US" sz="1400" dirty="0"/>
+              <a:t>게임 서버</a:t>
+            </a:r>
+            <a:r>
+              <a:rPr lang="en-US" altLang="ko-KR" sz="1400" dirty="0"/>
+              <a:t>),</a:t>
+            </a:r>
+            <a:br>
+              <a:rPr lang="en-US" altLang="ko-KR" sz="1400" dirty="0"/>
+            </a:br>
+            <a:r>
+              <a:rPr lang="ko-KR" altLang="en-US" sz="1400" dirty="0"/>
+              <a:t>소켓 프로그래밍의 대부분은 일대일을 염두해두고 설계를 하는 편입니다</a:t>
+            </a:r>
+            <a:endParaRPr lang="en-US" altLang="ko-KR" sz="1400" dirty="0"/>
+          </a:p>
+          <a:p>
+            <a:pPr marL="342900" indent="-342900">
+              <a:buFont typeface="+mj-lt"/>
+              <a:buAutoNum type="arabicPeriod"/>
+            </a:pPr>
+            <a:r>
+              <a:rPr lang="ko-KR" altLang="en-US" sz="1400" dirty="0"/>
+              <a:t> “</a:t>
+            </a:r>
+            <a:r>
+              <a:rPr lang="ko-KR" altLang="en-US" sz="1400" dirty="0" err="1"/>
+              <a:t>브로드캐스트</a:t>
+            </a:r>
+            <a:r>
+              <a:rPr lang="ko-KR" altLang="en-US" sz="1400" dirty="0"/>
+              <a:t>”</a:t>
+            </a:r>
+            <a:r>
+              <a:rPr lang="en-US" altLang="ko-KR" sz="1400" dirty="0"/>
+              <a:t>(Broadcast) : </a:t>
+            </a:r>
+            <a:r>
+              <a:rPr lang="ko-KR" altLang="en-US" sz="1400" dirty="0"/>
+              <a:t>발신지에서 모든 가능한 수신지로 </a:t>
+            </a:r>
+            <a:r>
+              <a:rPr lang="en-US" altLang="ko-KR" sz="1400" dirty="0"/>
+              <a:t>1:All </a:t>
+            </a:r>
+            <a:r>
+              <a:rPr lang="ko-KR" altLang="en-US" sz="1400" dirty="0"/>
+              <a:t>로 데이터를 전송하는 방식입니다</a:t>
+            </a:r>
+            <a:br>
+              <a:rPr lang="en-US" altLang="ko-KR" sz="1400" dirty="0"/>
+            </a:br>
+            <a:r>
+              <a:rPr lang="ko-KR" altLang="en-US" sz="1400" dirty="0"/>
+              <a:t>일반적으로 쓰이지 않지만</a:t>
+            </a:r>
+            <a:r>
+              <a:rPr lang="en-US" altLang="ko-KR" sz="1400" dirty="0"/>
+              <a:t>, </a:t>
+            </a:r>
+            <a:r>
+              <a:rPr lang="ko-KR" altLang="en-US" sz="1400" dirty="0"/>
+              <a:t>예를 들어 송신 가능한 모든 휴대전화에 메시지를 보내는 재난문자 등의 여기에 해당됩니다</a:t>
+            </a:r>
+            <a:endParaRPr lang="en-US" altLang="ko-KR" sz="1400" dirty="0"/>
+          </a:p>
+          <a:p>
+            <a:pPr marL="342900" indent="-342900">
+              <a:buFont typeface="+mj-lt"/>
+              <a:buAutoNum type="arabicPeriod"/>
+            </a:pPr>
+            <a:r>
+              <a:rPr lang="ko-KR" altLang="en-US" sz="1400" dirty="0"/>
+              <a:t> “멀티캐스트”</a:t>
+            </a:r>
+            <a:r>
+              <a:rPr lang="en-US" altLang="ko-KR" sz="1400" dirty="0"/>
+              <a:t>(Multicast) : </a:t>
+            </a:r>
+            <a:r>
+              <a:rPr lang="ko-KR" altLang="en-US" sz="1400" dirty="0"/>
+              <a:t>발신지에서 수신지로 </a:t>
+            </a:r>
+            <a:r>
+              <a:rPr lang="en-US" altLang="ko-KR" sz="1400" dirty="0"/>
+              <a:t>1:m(one-to-many) </a:t>
+            </a:r>
+            <a:r>
+              <a:rPr lang="ko-KR" altLang="en-US" sz="1400" dirty="0"/>
+              <a:t>로 데이터를 전송하는 방식입니다</a:t>
+            </a:r>
+            <a:br>
+              <a:rPr lang="en-US" altLang="ko-KR" sz="1400" dirty="0"/>
+            </a:br>
+            <a:r>
+              <a:rPr lang="ko-KR" altLang="en-US" sz="1400" dirty="0"/>
+              <a:t>일반적으로 쓰이지 않지만</a:t>
+            </a:r>
+            <a:r>
+              <a:rPr lang="en-US" altLang="ko-KR" sz="1400" dirty="0"/>
+              <a:t>, </a:t>
+            </a:r>
+            <a:r>
+              <a:rPr lang="ko-KR" altLang="en-US" sz="1400" dirty="0"/>
+              <a:t>예를 들어 사내 </a:t>
+            </a:r>
+            <a:r>
+              <a:rPr lang="en-US" altLang="ko-KR" sz="1400" dirty="0" err="1"/>
+              <a:t>vpn</a:t>
+            </a:r>
+            <a:r>
+              <a:rPr lang="ko-KR" altLang="en-US" sz="1400" dirty="0"/>
+              <a:t>으로 받는 이메일이나 긴급정보 등이 해당 될 수 있습니다</a:t>
+            </a:r>
+            <a:endParaRPr lang="en-US" altLang="ko-KR" sz="1400" dirty="0"/>
+          </a:p>
+          <a:p>
+            <a:pPr marL="342900" indent="-342900">
+              <a:buFont typeface="+mj-lt"/>
+              <a:buAutoNum type="arabicPeriod"/>
+            </a:pPr>
+            <a:r>
+              <a:rPr lang="ko-KR" altLang="en-US" sz="1400" dirty="0"/>
+              <a:t> “</a:t>
+            </a:r>
+            <a:r>
+              <a:rPr lang="ko-KR" altLang="en-US" sz="1400" dirty="0" err="1"/>
+              <a:t>애니캐스트</a:t>
+            </a:r>
+            <a:r>
+              <a:rPr lang="ko-KR" altLang="en-US" sz="1400" dirty="0"/>
+              <a:t>”</a:t>
+            </a:r>
+            <a:r>
+              <a:rPr lang="en-US" altLang="ko-KR" sz="1400" dirty="0"/>
+              <a:t>(Anycast) : </a:t>
+            </a:r>
+            <a:r>
+              <a:rPr lang="ko-KR" altLang="en-US" sz="1400" dirty="0"/>
+              <a:t>발신지에서 가장 가까운 하나의 수신지로 데이터를 전송하는 방식입니다</a:t>
+            </a:r>
+            <a:br>
+              <a:rPr lang="en-US" altLang="ko-KR" sz="1400" dirty="0"/>
+            </a:br>
+            <a:r>
+              <a:rPr lang="ko-KR" altLang="en-US" sz="1400" dirty="0"/>
+              <a:t>대표적으로 </a:t>
+            </a:r>
+            <a:r>
+              <a:rPr lang="en-US" altLang="ko-KR" sz="1400" dirty="0"/>
+              <a:t>DNS </a:t>
+            </a:r>
+            <a:r>
+              <a:rPr lang="ko-KR" altLang="en-US" sz="1400" dirty="0"/>
+              <a:t>루트 네임 서버가 여기에 해당됩니다</a:t>
+            </a:r>
+            <a:endParaRPr lang="en-US" altLang="ko-KR" sz="1400" dirty="0"/>
           </a:p>
         </p:txBody>
       </p:sp>
@@ -4935,7 +8419,7 @@
           <p:cNvPr id="2" name="제목 1">
             <a:extLst>
               <a:ext uri="{FF2B5EF4-FFF2-40B4-BE49-F238E27FC236}">
-                <a16:creationId xmlns:a16="http://schemas.microsoft.com/office/drawing/2014/main" id="{BC8F948C-9CE4-8195-1422-343A4CC0FBDE}"/>
+                <a16:creationId xmlns:a16="http://schemas.microsoft.com/office/drawing/2014/main" id="{57408D42-4CB2-A828-84AA-8B641A630220}"/>
               </a:ext>
             </a:extLst>
           </p:cNvPr>
@@ -4952,9 +8436,10 @@
           <a:lstStyle/>
           <a:p>
             <a:r>
-              <a:rPr lang="ko-KR" altLang="en-US" dirty="0"/>
-              <a:t>다양한 네트워크의 형태</a:t>
-            </a:r>
+              <a:rPr lang="en-US" altLang="ko-KR" dirty="0"/>
+              <a:t>Router</a:t>
+            </a:r>
+            <a:endParaRPr lang="ko-KR" altLang="en-US" dirty="0"/>
           </a:p>
         </p:txBody>
       </p:sp>
@@ -4963,7 +8448,7 @@
           <p:cNvPr id="3" name="내용 개체 틀 2">
             <a:extLst>
               <a:ext uri="{FF2B5EF4-FFF2-40B4-BE49-F238E27FC236}">
-                <a16:creationId xmlns:a16="http://schemas.microsoft.com/office/drawing/2014/main" id="{D85C52DF-1558-7DCC-2101-20A7E121D4AD}"/>
+                <a16:creationId xmlns:a16="http://schemas.microsoft.com/office/drawing/2014/main" id="{1CAA0788-E8F0-F604-A067-2D8324682518}"/>
               </a:ext>
             </a:extLst>
           </p:cNvPr>
@@ -4979,14 +8464,273 @@
           <a:bodyPr/>
           <a:lstStyle/>
           <a:p>
-            <a:endParaRPr lang="ko-KR" altLang="en-US"/>
+            <a:r>
+              <a:rPr lang="ko-KR" altLang="en-US" sz="1600" dirty="0"/>
+              <a:t>“라우터”</a:t>
+            </a:r>
+            <a:r>
+              <a:rPr lang="en-US" altLang="ko-KR" sz="1600" dirty="0"/>
+              <a:t>(Router)</a:t>
+            </a:r>
+            <a:r>
+              <a:rPr lang="ko-KR" altLang="en-US" sz="1600" dirty="0"/>
+              <a:t>는 둘 이상의 라우터와 호스트를 연결하여 컴퓨터 네트워크를 이루는 장치로</a:t>
+            </a:r>
+            <a:r>
+              <a:rPr lang="en-US" altLang="ko-KR" sz="1600" dirty="0"/>
+              <a:t>,</a:t>
+            </a:r>
+            <a:br>
+              <a:rPr lang="en-US" altLang="ko-KR" sz="1600" dirty="0"/>
+            </a:br>
+            <a:r>
+              <a:rPr lang="ko-KR" altLang="en-US" sz="1600" dirty="0"/>
+              <a:t>연결된 호스트의 </a:t>
+            </a:r>
+            <a:r>
+              <a:rPr lang="en-US" altLang="ko-KR" sz="1600" dirty="0"/>
+              <a:t>IP</a:t>
+            </a:r>
+            <a:r>
+              <a:rPr lang="ko-KR" altLang="en-US" sz="1600" dirty="0"/>
+              <a:t>주소를 받아 다른 라우터끼리 </a:t>
+            </a:r>
+            <a:r>
+              <a:rPr lang="en-US" altLang="ko-KR" sz="1600" dirty="0"/>
+              <a:t>IP</a:t>
+            </a:r>
+            <a:r>
+              <a:rPr lang="ko-KR" altLang="en-US" sz="1600" dirty="0"/>
+              <a:t>주소를 이용하여</a:t>
+            </a:r>
+            <a:r>
+              <a:rPr lang="en-US" altLang="ko-KR" sz="1600" dirty="0"/>
+              <a:t>,</a:t>
+            </a:r>
+            <a:r>
+              <a:rPr lang="ko-KR" altLang="en-US" sz="1600" dirty="0"/>
+              <a:t> </a:t>
+            </a:r>
+            <a:br>
+              <a:rPr lang="en-US" altLang="ko-KR" sz="1600" dirty="0"/>
+            </a:br>
+            <a:r>
+              <a:rPr lang="ko-KR" altLang="en-US" sz="1600" dirty="0"/>
+              <a:t>각 호스트까지 정보를 전달하는 매개체라 볼 수 있습니다</a:t>
+            </a:r>
+            <a:endParaRPr lang="en-US" altLang="ko-KR" sz="1600" dirty="0"/>
+          </a:p>
+          <a:p>
+            <a:r>
+              <a:rPr lang="ko-KR" altLang="en-US" sz="1600" dirty="0"/>
+              <a:t>라우터는 </a:t>
+            </a:r>
+            <a:r>
+              <a:rPr lang="en-US" altLang="ko-KR" sz="1600" dirty="0"/>
+              <a:t>L3(Layer 3)</a:t>
+            </a:r>
+            <a:r>
+              <a:rPr lang="ko-KR" altLang="en-US" sz="1600" dirty="0"/>
+              <a:t>를 매개하는 물리장치이기도 하고 오늘날 </a:t>
+            </a:r>
+            <a:r>
+              <a:rPr lang="en-US" altLang="ko-KR" sz="1600" dirty="0"/>
+              <a:t>L3 </a:t>
+            </a:r>
+            <a:r>
+              <a:rPr lang="ko-KR" altLang="en-US" sz="1600" dirty="0"/>
+              <a:t>스위치와 경계가 많이 허물어져</a:t>
+            </a:r>
+            <a:br>
+              <a:rPr lang="en-US" altLang="ko-KR" sz="1600" dirty="0"/>
+            </a:br>
+            <a:r>
+              <a:rPr lang="en-US" altLang="ko-KR" sz="1600" dirty="0"/>
+              <a:t>L3 </a:t>
+            </a:r>
+            <a:r>
+              <a:rPr lang="ko-KR" altLang="en-US" sz="1600" dirty="0"/>
+              <a:t>스위치로 통칭하기도 합니다</a:t>
+            </a:r>
+            <a:r>
+              <a:rPr lang="en-US" altLang="ko-KR" sz="1600" dirty="0"/>
+              <a:t>.</a:t>
+            </a:r>
+          </a:p>
+          <a:p>
+            <a:r>
+              <a:rPr lang="ko-KR" altLang="en-US" sz="1600" dirty="0"/>
+              <a:t>라우터가 해주는 일은 다양하지만</a:t>
+            </a:r>
+            <a:r>
+              <a:rPr lang="en-US" altLang="ko-KR" sz="1600" dirty="0"/>
+              <a:t>, </a:t>
+            </a:r>
+            <a:r>
+              <a:rPr lang="ko-KR" altLang="en-US" sz="1600" dirty="0"/>
+              <a:t>크게 네 가지 정도가 있습니다</a:t>
+            </a:r>
+            <a:endParaRPr lang="en-US" altLang="ko-KR" sz="1600" dirty="0"/>
+          </a:p>
+          <a:p>
+            <a:pPr marL="342900" indent="-342900">
+              <a:buFont typeface="+mj-lt"/>
+              <a:buAutoNum type="arabicPeriod"/>
+            </a:pPr>
+            <a:r>
+              <a:rPr lang="ko-KR" altLang="en-US" sz="1600" dirty="0"/>
+              <a:t>“</a:t>
+            </a:r>
+            <a:r>
+              <a:rPr lang="en-US" altLang="ko-KR" sz="1600" dirty="0"/>
+              <a:t>DHCP”(Dynamic Host Configuration Protocol)</a:t>
+            </a:r>
+            <a:r>
+              <a:rPr lang="ko-KR" altLang="en-US" sz="1600" dirty="0"/>
+              <a:t>는 네트워크에 연결된 호스트들에게 </a:t>
+            </a:r>
+            <a:r>
+              <a:rPr lang="en-US" altLang="ko-KR" sz="1600" dirty="0"/>
+              <a:t>“</a:t>
+            </a:r>
+            <a:r>
+              <a:rPr lang="ko-KR" altLang="en-US" sz="1600" dirty="0"/>
+              <a:t>동적</a:t>
+            </a:r>
+            <a:r>
+              <a:rPr lang="en-US" altLang="ko-KR" sz="1600" dirty="0"/>
+              <a:t>”</a:t>
+            </a:r>
+            <a:r>
+              <a:rPr lang="ko-KR" altLang="en-US" sz="1600" dirty="0"/>
+              <a:t>으로 </a:t>
+            </a:r>
+            <a:r>
+              <a:rPr lang="en-US" altLang="ko-KR" sz="1600" dirty="0"/>
+              <a:t>IP</a:t>
+            </a:r>
+            <a:r>
+              <a:rPr lang="ko-KR" altLang="en-US" sz="1600" dirty="0"/>
+              <a:t>주소와 관련된 네트워크 설정 및 정보들을 할당해주는 프로토콜입니다</a:t>
+            </a:r>
+            <a:endParaRPr lang="en-US" altLang="ko-KR" sz="1600" dirty="0"/>
+          </a:p>
+          <a:p>
+            <a:pPr marL="342900" indent="-342900">
+              <a:buFont typeface="+mj-lt"/>
+              <a:buAutoNum type="arabicPeriod"/>
+            </a:pPr>
+            <a:r>
+              <a:rPr lang="ko-KR" altLang="en-US" sz="1600" dirty="0"/>
+              <a:t>“</a:t>
+            </a:r>
+            <a:r>
+              <a:rPr lang="en-US" altLang="ko-KR" sz="1600" dirty="0"/>
+              <a:t>NAT”(Network Address Translation)</a:t>
+            </a:r>
+            <a:r>
+              <a:rPr lang="ko-KR" altLang="en-US" sz="1600" dirty="0"/>
+              <a:t>은 사설 </a:t>
+            </a:r>
+            <a:r>
+              <a:rPr lang="en-US" altLang="ko-KR" sz="1600" dirty="0"/>
+              <a:t>IP </a:t>
+            </a:r>
+            <a:r>
+              <a:rPr lang="ko-KR" altLang="en-US" sz="1600" dirty="0"/>
+              <a:t>주소를 공인 </a:t>
+            </a:r>
+            <a:r>
+              <a:rPr lang="en-US" altLang="ko-KR" sz="1600" dirty="0"/>
+              <a:t>IP </a:t>
+            </a:r>
+            <a:r>
+              <a:rPr lang="ko-KR" altLang="en-US" sz="1600" dirty="0"/>
+              <a:t>주소로 변환하거나</a:t>
+            </a:r>
+            <a:br>
+              <a:rPr lang="en-US" altLang="ko-KR" sz="1600" dirty="0"/>
+            </a:br>
+            <a:r>
+              <a:rPr lang="ko-KR" altLang="en-US" sz="1600" dirty="0"/>
+              <a:t>역으로 변환하는 장치입니다</a:t>
+            </a:r>
+            <a:endParaRPr lang="en-US" altLang="ko-KR" sz="1600" dirty="0"/>
+          </a:p>
+          <a:p>
+            <a:pPr marL="342900" indent="-342900">
+              <a:buFont typeface="+mj-lt"/>
+              <a:buAutoNum type="arabicPeriod"/>
+            </a:pPr>
+            <a:r>
+              <a:rPr lang="en-US" altLang="ko-KR" sz="1600" dirty="0"/>
+              <a:t>“VPN”(Virtual Private Network)</a:t>
+            </a:r>
+            <a:r>
+              <a:rPr lang="ko-KR" altLang="en-US" sz="1600" dirty="0"/>
+              <a:t>은 가상 사설망으로</a:t>
+            </a:r>
+            <a:r>
+              <a:rPr lang="en-US" altLang="ko-KR" sz="1600" dirty="0"/>
+              <a:t>,</a:t>
+            </a:r>
+            <a:br>
+              <a:rPr lang="en-US" altLang="ko-KR" sz="1600" dirty="0"/>
+            </a:br>
+            <a:r>
+              <a:rPr lang="ko-KR" altLang="en-US" sz="1600" dirty="0"/>
+              <a:t>사설</a:t>
+            </a:r>
+            <a:r>
+              <a:rPr lang="en-US" altLang="ko-KR" sz="1600" dirty="0"/>
+              <a:t>IP</a:t>
+            </a:r>
+            <a:r>
+              <a:rPr lang="ko-KR" altLang="en-US" sz="1600" dirty="0"/>
+              <a:t> 주소만을 사용하여 장치끼리 통신 가능하도록 해주는 네트워크 망을 통칭합니다</a:t>
+            </a:r>
+            <a:endParaRPr lang="en-US" altLang="ko-KR" sz="1600" dirty="0"/>
+          </a:p>
+          <a:p>
+            <a:pPr marL="342900" indent="-342900">
+              <a:buFont typeface="+mj-lt"/>
+              <a:buAutoNum type="arabicPeriod"/>
+            </a:pPr>
+            <a:r>
+              <a:rPr lang="en-US" altLang="ko-KR" sz="1600" dirty="0"/>
+              <a:t>“</a:t>
+            </a:r>
+            <a:r>
+              <a:rPr lang="en-US" altLang="ko-KR" sz="1600" dirty="0" err="1"/>
+              <a:t>FireWall</a:t>
+            </a:r>
+            <a:r>
+              <a:rPr lang="en-US" altLang="ko-KR" sz="1600" dirty="0"/>
+              <a:t>”</a:t>
+            </a:r>
+            <a:r>
+              <a:rPr lang="ko-KR" altLang="en-US" sz="1600" dirty="0"/>
+              <a:t>은 방화벽으로 보안규칙을 세우고</a:t>
+            </a:r>
+            <a:r>
+              <a:rPr lang="en-US" altLang="ko-KR" sz="1600" dirty="0"/>
+              <a:t>,</a:t>
+            </a:r>
+            <a:br>
+              <a:rPr lang="en-US" altLang="ko-KR" sz="1600" dirty="0"/>
+            </a:br>
+            <a:r>
+              <a:rPr lang="ko-KR" altLang="en-US" sz="1600" dirty="0"/>
+              <a:t>해당 규칙에 맞도록 네트워크 트래픽을 조절하는 기능을 수행합니다</a:t>
+            </a:r>
+            <a:endParaRPr lang="en-US" altLang="ko-KR" sz="1600" dirty="0"/>
           </a:p>
         </p:txBody>
       </p:sp>
     </p:spTree>
     <p:extLst>
       <p:ext uri="{BB962C8B-B14F-4D97-AF65-F5344CB8AC3E}">
-        <p14:creationId xmlns:p14="http://schemas.microsoft.com/office/powerpoint/2010/main" val="916418138"/>
+        <p14:creationId xmlns:p14="http://schemas.microsoft.com/office/powerpoint/2010/main" val="138949442"/>
       </p:ext>
     </p:extLst>
   </p:cSld>
@@ -5018,7 +8762,7 @@
           <p:cNvPr id="2" name="제목 1">
             <a:extLst>
               <a:ext uri="{FF2B5EF4-FFF2-40B4-BE49-F238E27FC236}">
-                <a16:creationId xmlns:a16="http://schemas.microsoft.com/office/drawing/2014/main" id="{4CD2956C-BC27-231C-311C-96284257B6C4}"/>
+                <a16:creationId xmlns:a16="http://schemas.microsoft.com/office/drawing/2014/main" id="{27E97C08-F867-8ACF-B97D-D8AD2211DD73}"/>
               </a:ext>
             </a:extLst>
           </p:cNvPr>
@@ -5035,8 +8779,8 @@
           <a:lstStyle/>
           <a:p>
             <a:r>
-              <a:rPr lang="en-US" altLang="ko-KR" dirty="0"/>
-              <a:t>Protocol</a:t>
+              <a:rPr lang="en-US" altLang="ko-KR" sz="4400" dirty="0"/>
+              <a:t>Black Hole Router</a:t>
             </a:r>
             <a:endParaRPr lang="ko-KR" altLang="en-US" dirty="0"/>
           </a:p>
@@ -5047,7 +8791,7 @@
           <p:cNvPr id="3" name="내용 개체 틀 2">
             <a:extLst>
               <a:ext uri="{FF2B5EF4-FFF2-40B4-BE49-F238E27FC236}">
-                <a16:creationId xmlns:a16="http://schemas.microsoft.com/office/drawing/2014/main" id="{475888B9-5AAA-804D-4EF6-582D574EA2F6}"/>
+                <a16:creationId xmlns:a16="http://schemas.microsoft.com/office/drawing/2014/main" id="{A50BA0AF-A458-7A6E-DD6D-DC282772D095}"/>
               </a:ext>
             </a:extLst>
           </p:cNvPr>
@@ -5063,14 +8807,225 @@
           <a:bodyPr/>
           <a:lstStyle/>
           <a:p>
-            <a:endParaRPr lang="ko-KR" altLang="en-US"/>
+            <a:r>
+              <a:rPr lang="ko-KR" altLang="en-US" sz="1600" dirty="0"/>
+              <a:t>모든 요청은 결국 라우팅을 타고</a:t>
+            </a:r>
+            <a:r>
+              <a:rPr lang="en-US" altLang="ko-KR" sz="1600" dirty="0"/>
+              <a:t>, </a:t>
+            </a:r>
+            <a:r>
+              <a:rPr lang="ko-KR" altLang="en-US" sz="1600" dirty="0"/>
+              <a:t>서버로 향하는 구조일 것입니다</a:t>
+            </a:r>
+            <a:endParaRPr lang="en-US" altLang="ko-KR" sz="1600" dirty="0"/>
+          </a:p>
+          <a:p>
+            <a:r>
+              <a:rPr lang="ko-KR" altLang="en-US" sz="1600" dirty="0"/>
+              <a:t>대부분의 요청은 정상적으로 처리가 되겠지만</a:t>
+            </a:r>
+            <a:r>
+              <a:rPr lang="en-US" altLang="ko-KR" sz="1600" dirty="0"/>
+              <a:t>,</a:t>
+            </a:r>
+            <a:br>
+              <a:rPr lang="en-US" altLang="ko-KR" sz="1600" dirty="0"/>
+            </a:br>
+            <a:r>
+              <a:rPr lang="en-US" altLang="ko-KR" sz="1600" dirty="0"/>
+              <a:t>DDoS</a:t>
+            </a:r>
+            <a:r>
+              <a:rPr lang="ko-KR" altLang="en-US" sz="1600" dirty="0"/>
+              <a:t>나 패킷 조작 등으로 인한 공격이 들어올 수도 있게 되는데</a:t>
+            </a:r>
+            <a:r>
+              <a:rPr lang="en-US" altLang="ko-KR" sz="1600" dirty="0"/>
+              <a:t>, </a:t>
+            </a:r>
+            <a:br>
+              <a:rPr lang="en-US" altLang="ko-KR" sz="1600" dirty="0"/>
+            </a:br>
+            <a:r>
+              <a:rPr lang="ko-KR" altLang="en-US" sz="1600" dirty="0"/>
+              <a:t>라우팅의 부하를 줄이면서도 공격을 막아내는 방법이 있을까요</a:t>
+            </a:r>
+            <a:r>
+              <a:rPr lang="en-US" altLang="ko-KR" sz="1600" dirty="0"/>
+              <a:t>?</a:t>
+            </a:r>
+          </a:p>
+          <a:p>
+            <a:r>
+              <a:rPr lang="en-US" altLang="ko-KR" sz="1600" dirty="0"/>
+              <a:t>Black</a:t>
+            </a:r>
+            <a:r>
+              <a:rPr lang="ko-KR" altLang="en-US" sz="1600" dirty="0"/>
+              <a:t> </a:t>
+            </a:r>
+            <a:r>
+              <a:rPr lang="en-US" altLang="ko-KR" sz="1600" dirty="0"/>
+              <a:t>Hole</a:t>
+            </a:r>
+            <a:r>
+              <a:rPr lang="ko-KR" altLang="en-US" sz="1600" dirty="0"/>
+              <a:t> </a:t>
+            </a:r>
+            <a:r>
+              <a:rPr lang="en-US" altLang="ko-KR" sz="1600" dirty="0"/>
+              <a:t>Routing</a:t>
+            </a:r>
+            <a:r>
+              <a:rPr lang="ko-KR" altLang="en-US" sz="1600" dirty="0"/>
+              <a:t>은 일반적인 라우팅의 목적과 다른 세 가지 특징을 가집니다</a:t>
+            </a:r>
+            <a:endParaRPr lang="en-US" altLang="ko-KR" sz="1600" dirty="0"/>
+          </a:p>
+          <a:p>
+            <a:pPr marL="342900" indent="-342900">
+              <a:buFont typeface="+mj-lt"/>
+              <a:buAutoNum type="arabicPeriod"/>
+            </a:pPr>
+            <a:r>
+              <a:rPr lang="ko-KR" altLang="en-US" sz="1600" dirty="0"/>
+              <a:t>사건의 지평선 너머는 알 수 없다</a:t>
+            </a:r>
+            <a:r>
+              <a:rPr lang="en-US" altLang="ko-KR" sz="1600" dirty="0"/>
+              <a:t>: </a:t>
+            </a:r>
+            <a:r>
+              <a:rPr lang="ko-KR" altLang="en-US" sz="1600" dirty="0"/>
+              <a:t>한 번 보내진 패킷은 다시 추적할 수 없습니다</a:t>
+            </a:r>
+            <a:endParaRPr lang="en-US" altLang="ko-KR" sz="1600" dirty="0"/>
+          </a:p>
+          <a:p>
+            <a:pPr marL="342900" indent="-342900">
+              <a:buFont typeface="+mj-lt"/>
+              <a:buAutoNum type="arabicPeriod"/>
+            </a:pPr>
+            <a:r>
+              <a:rPr lang="ko-KR" altLang="en-US" sz="1600" dirty="0"/>
+              <a:t>블랙홀은 모든 것을 빨아들인다</a:t>
+            </a:r>
+            <a:r>
+              <a:rPr lang="en-US" altLang="ko-KR" sz="1600" dirty="0"/>
+              <a:t>: </a:t>
+            </a:r>
+            <a:r>
+              <a:rPr lang="ko-KR" altLang="en-US" sz="1600" dirty="0"/>
+              <a:t>패킷의 종류에 관계 없이 받습니다</a:t>
+            </a:r>
+            <a:endParaRPr lang="en-US" altLang="ko-KR" sz="1600" dirty="0"/>
+          </a:p>
+          <a:p>
+            <a:pPr marL="342900" indent="-342900">
+              <a:buFont typeface="+mj-lt"/>
+              <a:buAutoNum type="arabicPeriod"/>
+            </a:pPr>
+            <a:r>
+              <a:rPr lang="ko-KR" altLang="en-US" sz="1600" dirty="0"/>
+              <a:t>블랙홀에 들어간 정보는 사라진다</a:t>
+            </a:r>
+            <a:r>
+              <a:rPr lang="en-US" altLang="ko-KR" sz="1600" dirty="0"/>
+              <a:t>: </a:t>
+            </a:r>
+            <a:r>
+              <a:rPr lang="ko-KR" altLang="en-US" sz="1600" dirty="0"/>
+              <a:t>한 번 들어간 패킷은 즉시 소멸 됩니다</a:t>
+            </a:r>
+            <a:endParaRPr lang="en-US" altLang="ko-KR" sz="1600" dirty="0"/>
+          </a:p>
+          <a:p>
+            <a:pPr marL="342900" indent="-342900">
+              <a:buFont typeface="+mj-lt"/>
+              <a:buAutoNum type="arabicPeriod"/>
+            </a:pPr>
+            <a:endParaRPr lang="en-US" altLang="ko-KR" sz="1600" dirty="0"/>
+          </a:p>
+          <a:p>
+            <a:r>
+              <a:rPr lang="en-US" altLang="ko-KR" sz="1600" dirty="0"/>
+              <a:t>DDoS</a:t>
+            </a:r>
+            <a:r>
+              <a:rPr lang="ko-KR" altLang="en-US" sz="1600" dirty="0"/>
+              <a:t>나 악성 패킷을 받을 때 비정상 처리를 해도 되지만</a:t>
+            </a:r>
+            <a:r>
+              <a:rPr lang="en-US" altLang="ko-KR" sz="1600" dirty="0"/>
+              <a:t>,</a:t>
+            </a:r>
+            <a:br>
+              <a:rPr lang="en-US" altLang="ko-KR" sz="1600" dirty="0"/>
+            </a:br>
+            <a:r>
+              <a:rPr lang="ko-KR" altLang="en-US" sz="1600" dirty="0"/>
+              <a:t>그것보다 </a:t>
+            </a:r>
+            <a:r>
+              <a:rPr lang="en-US" altLang="ko-KR" sz="1600" dirty="0"/>
+              <a:t>Black</a:t>
+            </a:r>
+            <a:r>
+              <a:rPr lang="ko-KR" altLang="en-US" sz="1600" dirty="0"/>
+              <a:t> </a:t>
+            </a:r>
+            <a:r>
+              <a:rPr lang="en-US" altLang="ko-KR" sz="1600" dirty="0"/>
+              <a:t>Hole</a:t>
+            </a:r>
+            <a:r>
+              <a:rPr lang="ko-KR" altLang="en-US" sz="1600" dirty="0"/>
+              <a:t> </a:t>
+            </a:r>
+            <a:r>
+              <a:rPr lang="en-US" altLang="ko-KR" sz="1600" dirty="0"/>
+              <a:t>Routing</a:t>
+            </a:r>
+            <a:r>
+              <a:rPr lang="ko-KR" altLang="en-US" sz="1600" dirty="0"/>
+              <a:t>의 특징을 잘 이용해서 라우팅을 넘겨주면</a:t>
+            </a:r>
+            <a:r>
+              <a:rPr lang="en-US" altLang="ko-KR" sz="1600" dirty="0"/>
+              <a:t>,</a:t>
+            </a:r>
+            <a:br>
+              <a:rPr lang="en-US" altLang="ko-KR" sz="1600" dirty="0"/>
+            </a:br>
+            <a:r>
+              <a:rPr lang="ko-KR" altLang="en-US" sz="1600" dirty="0"/>
+              <a:t>훨씬 더 효율적으로 네트워크를 관리 할 수도 있습니다</a:t>
+            </a:r>
+            <a:endParaRPr lang="en-US" altLang="ko-KR" sz="1600" dirty="0"/>
+          </a:p>
+          <a:p>
+            <a:r>
+              <a:rPr lang="ko-KR" altLang="en-US" sz="1600" dirty="0"/>
+              <a:t>이를 </a:t>
+            </a:r>
+            <a:r>
+              <a:rPr lang="en-US" altLang="ko-KR" sz="1600" dirty="0"/>
+              <a:t>Null0 </a:t>
+            </a:r>
+            <a:r>
+              <a:rPr lang="ko-KR" altLang="en-US" sz="1600" dirty="0"/>
+              <a:t>라우팅이라고 부르기도 합니다</a:t>
+            </a:r>
+            <a:endParaRPr lang="en-US" altLang="ko-KR" sz="1600" dirty="0"/>
           </a:p>
         </p:txBody>
       </p:sp>
     </p:spTree>
     <p:extLst>
       <p:ext uri="{BB962C8B-B14F-4D97-AF65-F5344CB8AC3E}">
-        <p14:creationId xmlns:p14="http://schemas.microsoft.com/office/powerpoint/2010/main" val="1152109919"/>
+        <p14:creationId xmlns:p14="http://schemas.microsoft.com/office/powerpoint/2010/main" val="1135265761"/>
       </p:ext>
     </p:extLst>
   </p:cSld>
@@ -5102,7 +9057,7 @@
           <p:cNvPr id="2" name="제목 1">
             <a:extLst>
               <a:ext uri="{FF2B5EF4-FFF2-40B4-BE49-F238E27FC236}">
-                <a16:creationId xmlns:a16="http://schemas.microsoft.com/office/drawing/2014/main" id="{13B554B4-F2DB-FE01-2609-1396C62FC703}"/>
+                <a16:creationId xmlns:a16="http://schemas.microsoft.com/office/drawing/2014/main" id="{F0198353-B31C-35E7-8765-3F895B9B5C5F}"/>
               </a:ext>
             </a:extLst>
           </p:cNvPr>
@@ -5120,7 +9075,7 @@
           <a:p>
             <a:r>
               <a:rPr lang="en-US" altLang="ko-KR" dirty="0"/>
-              <a:t>Layer (OSI 7)</a:t>
+              <a:t>DHCP</a:t>
             </a:r>
             <a:endParaRPr lang="ko-KR" altLang="en-US" dirty="0"/>
           </a:p>
@@ -5131,7 +9086,7 @@
           <p:cNvPr id="3" name="내용 개체 틀 2">
             <a:extLst>
               <a:ext uri="{FF2B5EF4-FFF2-40B4-BE49-F238E27FC236}">
-                <a16:creationId xmlns:a16="http://schemas.microsoft.com/office/drawing/2014/main" id="{3D9A757A-BE5B-C755-75F8-7081E04B4930}"/>
+                <a16:creationId xmlns:a16="http://schemas.microsoft.com/office/drawing/2014/main" id="{2B36D04C-071C-0E25-594C-24E0895E0E18}"/>
               </a:ext>
             </a:extLst>
           </p:cNvPr>
@@ -5147,14 +9102,446 @@
           <a:bodyPr/>
           <a:lstStyle/>
           <a:p>
-            <a:endParaRPr lang="ko-KR" altLang="en-US"/>
+            <a:r>
+              <a:rPr lang="en-US" altLang="ko-KR" sz="1600" dirty="0"/>
+              <a:t>DHCP(Dynamic Host Configuration Protocol)</a:t>
+            </a:r>
+            <a:r>
+              <a:rPr lang="ko-KR" altLang="en-US" sz="1600" dirty="0"/>
+              <a:t>는 네트워크에 연결된 호스트들에게</a:t>
+            </a:r>
+            <a:br>
+              <a:rPr lang="en-US" altLang="ko-KR" sz="1600" dirty="0"/>
+            </a:br>
+            <a:r>
+              <a:rPr lang="ko-KR" altLang="en-US" sz="1600" dirty="0"/>
+              <a:t>동적으로 </a:t>
+            </a:r>
+            <a:r>
+              <a:rPr lang="en-US" altLang="ko-KR" sz="1600" dirty="0"/>
+              <a:t>IP</a:t>
+            </a:r>
+            <a:r>
+              <a:rPr lang="ko-KR" altLang="en-US" sz="1600" dirty="0"/>
+              <a:t>주소와 관련된 네트워크 설정 및 정보들을 할당해주는 프로토콜입니다</a:t>
+            </a:r>
+            <a:endParaRPr lang="en-US" altLang="ko-KR" sz="1600" dirty="0"/>
+          </a:p>
+          <a:p>
+            <a:r>
+              <a:rPr lang="en-US" altLang="ko-KR" sz="1600" dirty="0"/>
+              <a:t>DHCP</a:t>
+            </a:r>
+            <a:r>
+              <a:rPr lang="ko-KR" altLang="en-US" sz="1600" dirty="0"/>
+              <a:t>를 사용하면</a:t>
+            </a:r>
+            <a:r>
+              <a:rPr lang="en-US" altLang="ko-KR" sz="1600" dirty="0"/>
+              <a:t>, </a:t>
+            </a:r>
+            <a:r>
+              <a:rPr lang="ko-KR" altLang="en-US" sz="1600" dirty="0"/>
+              <a:t>네트워크 관리자가 수동으로 각 장비에 </a:t>
+            </a:r>
+            <a:r>
+              <a:rPr lang="en-US" altLang="ko-KR" sz="1600" dirty="0"/>
+              <a:t>IP</a:t>
+            </a:r>
+            <a:r>
+              <a:rPr lang="ko-KR" altLang="en-US" sz="1600" dirty="0"/>
+              <a:t>를 할당할 필요 없이</a:t>
+            </a:r>
+            <a:r>
+              <a:rPr lang="en-US" altLang="ko-KR" sz="1600" dirty="0"/>
+              <a:t>,</a:t>
+            </a:r>
+            <a:br>
+              <a:rPr lang="en-US" altLang="ko-KR" sz="1600" dirty="0"/>
+            </a:br>
+            <a:r>
+              <a:rPr lang="ko-KR" altLang="en-US" sz="1600" dirty="0"/>
+              <a:t>하나의 서버가 연결된 장치의 </a:t>
+            </a:r>
+            <a:r>
+              <a:rPr lang="en-US" altLang="ko-KR" sz="1600" dirty="0"/>
+              <a:t>IP</a:t>
+            </a:r>
+            <a:r>
+              <a:rPr lang="ko-KR" altLang="en-US" sz="1600" dirty="0"/>
+              <a:t>주소를 관리 및 자동화 할 수 있습니다</a:t>
+            </a:r>
+            <a:endParaRPr lang="en-US" altLang="ko-KR" sz="1600" dirty="0"/>
+          </a:p>
+          <a:p>
+            <a:r>
+              <a:rPr lang="en-US" altLang="ko-KR" sz="1600" dirty="0"/>
+              <a:t>DHCP</a:t>
+            </a:r>
+            <a:r>
+              <a:rPr lang="ko-KR" altLang="en-US" sz="1600" dirty="0"/>
+              <a:t> 범위에 들어온 </a:t>
+            </a:r>
+            <a:r>
+              <a:rPr lang="ko-KR" altLang="en-US" sz="1600" dirty="0" err="1"/>
+              <a:t>서브넷</a:t>
+            </a:r>
+            <a:r>
+              <a:rPr lang="ko-KR" altLang="en-US" sz="1600" dirty="0"/>
+              <a:t> 장치들은 다음 다섯 가지를 </a:t>
+            </a:r>
+            <a:r>
+              <a:rPr lang="en-US" altLang="ko-KR" sz="1600" dirty="0"/>
+              <a:t>DHCP</a:t>
+            </a:r>
+            <a:r>
+              <a:rPr lang="ko-KR" altLang="en-US" sz="1600" dirty="0"/>
+              <a:t>서버로 부터 자동으로 할당 받습니다</a:t>
+            </a:r>
+            <a:endParaRPr lang="en-US" altLang="ko-KR" sz="1600" dirty="0"/>
+          </a:p>
+          <a:p>
+            <a:pPr marL="342900" indent="-342900">
+              <a:buFont typeface="+mj-lt"/>
+              <a:buAutoNum type="arabicPeriod"/>
+            </a:pPr>
+            <a:r>
+              <a:rPr lang="ko-KR" altLang="en-US" sz="1200" dirty="0"/>
+              <a:t>사설 </a:t>
+            </a:r>
+            <a:r>
+              <a:rPr lang="en-US" altLang="ko-KR" sz="1200" dirty="0"/>
+              <a:t>IP </a:t>
+            </a:r>
+            <a:r>
+              <a:rPr lang="ko-KR" altLang="en-US" sz="1200" dirty="0"/>
+              <a:t>주소</a:t>
+            </a:r>
+            <a:r>
+              <a:rPr lang="en-US" altLang="ko-KR" sz="1200" dirty="0"/>
+              <a:t>: DHCP</a:t>
+            </a:r>
+            <a:r>
+              <a:rPr lang="ko-KR" altLang="en-US" sz="1200" dirty="0"/>
+              <a:t>서버 하에 있는 장치가 </a:t>
+            </a:r>
+            <a:r>
+              <a:rPr lang="en-US" altLang="ko-KR" sz="1200" dirty="0"/>
+              <a:t>DHCP</a:t>
+            </a:r>
+            <a:r>
+              <a:rPr lang="ko-KR" altLang="en-US" sz="1200" dirty="0"/>
+              <a:t>서버를 통해서 통신하기 위한 사설 주소입니다</a:t>
+            </a:r>
+            <a:endParaRPr lang="en-US" altLang="ko-KR" sz="1200" dirty="0"/>
+          </a:p>
+          <a:p>
+            <a:pPr marL="342900" indent="-342900">
+              <a:buFont typeface="+mj-lt"/>
+              <a:buAutoNum type="arabicPeriod"/>
+            </a:pPr>
+            <a:r>
+              <a:rPr lang="ko-KR" altLang="en-US" sz="1200" dirty="0" err="1"/>
+              <a:t>서브넷</a:t>
+            </a:r>
+            <a:r>
+              <a:rPr lang="ko-KR" altLang="en-US" sz="1200" dirty="0"/>
+              <a:t> 마스크</a:t>
+            </a:r>
+            <a:r>
+              <a:rPr lang="en-US" altLang="ko-KR" sz="1200" dirty="0"/>
+              <a:t>(Subnet</a:t>
+            </a:r>
+            <a:r>
+              <a:rPr lang="ko-KR" altLang="en-US" sz="1200" dirty="0"/>
+              <a:t> </a:t>
+            </a:r>
+            <a:r>
+              <a:rPr lang="en-US" altLang="ko-KR" sz="1200" dirty="0"/>
+              <a:t>Mask): IP</a:t>
+            </a:r>
+            <a:r>
+              <a:rPr lang="ko-KR" altLang="en-US" sz="1200" dirty="0"/>
+              <a:t>주소와 논리 게이트를 하여 </a:t>
+            </a:r>
+            <a:r>
+              <a:rPr lang="ko-KR" altLang="en-US" sz="1200" dirty="0" err="1"/>
+              <a:t>서브넷</a:t>
+            </a:r>
+            <a:r>
+              <a:rPr lang="ko-KR" altLang="en-US" sz="1200" dirty="0"/>
+              <a:t> 범위를 알리기 위한 마스크 값입니다</a:t>
+            </a:r>
+            <a:endParaRPr lang="en-US" altLang="ko-KR" sz="1200" dirty="0"/>
+          </a:p>
+          <a:p>
+            <a:pPr marL="342900" indent="-342900">
+              <a:buFont typeface="+mj-lt"/>
+              <a:buAutoNum type="arabicPeriod"/>
+            </a:pPr>
+            <a:r>
+              <a:rPr lang="ko-KR" altLang="en-US" sz="1200" dirty="0"/>
+              <a:t>기본 게이트웨이</a:t>
+            </a:r>
+            <a:r>
+              <a:rPr lang="en-US" altLang="ko-KR" sz="1200" dirty="0"/>
+              <a:t>(Default Gateway)</a:t>
+            </a:r>
+            <a:r>
+              <a:rPr lang="ko-KR" altLang="en-US" sz="1200" dirty="0"/>
+              <a:t>주소</a:t>
+            </a:r>
+            <a:r>
+              <a:rPr lang="en-US" altLang="ko-KR" sz="1200" dirty="0"/>
+              <a:t>: </a:t>
+            </a:r>
+            <a:r>
+              <a:rPr lang="ko-KR" altLang="en-US" sz="1200" dirty="0"/>
+              <a:t>즉</a:t>
+            </a:r>
+            <a:r>
+              <a:rPr lang="en-US" altLang="ko-KR" sz="1200" dirty="0"/>
+              <a:t>, DHCP</a:t>
+            </a:r>
+            <a:r>
+              <a:rPr lang="ko-KR" altLang="en-US" sz="1200" dirty="0"/>
+              <a:t>호스트의 라우터</a:t>
+            </a:r>
+            <a:r>
+              <a:rPr lang="en-US" altLang="ko-KR" sz="1200" dirty="0"/>
+              <a:t>(</a:t>
+            </a:r>
+            <a:r>
+              <a:rPr lang="ko-KR" altLang="en-US" sz="1200" dirty="0"/>
+              <a:t>홉</a:t>
+            </a:r>
+            <a:r>
+              <a:rPr lang="en-US" altLang="ko-KR" sz="1200" dirty="0"/>
+              <a:t>) </a:t>
+            </a:r>
+            <a:r>
+              <a:rPr lang="ko-KR" altLang="en-US" sz="1200" dirty="0"/>
+              <a:t>접속 주소입니다</a:t>
+            </a:r>
+            <a:endParaRPr lang="en-US" altLang="ko-KR" sz="1200" dirty="0"/>
+          </a:p>
+          <a:p>
+            <a:pPr marL="342900" indent="-342900">
+              <a:buFont typeface="+mj-lt"/>
+              <a:buAutoNum type="arabicPeriod"/>
+            </a:pPr>
+            <a:r>
+              <a:rPr lang="ko-KR" altLang="en-US" sz="1200" dirty="0"/>
+              <a:t>로컬 </a:t>
+            </a:r>
+            <a:r>
+              <a:rPr lang="en-US" altLang="ko-KR" sz="1200" dirty="0"/>
+              <a:t>DNS </a:t>
+            </a:r>
+            <a:r>
+              <a:rPr lang="ko-KR" altLang="en-US" sz="1200" dirty="0"/>
+              <a:t>서버 주소</a:t>
+            </a:r>
+            <a:r>
+              <a:rPr lang="en-US" altLang="ko-KR" sz="1200" dirty="0"/>
+              <a:t>: DHCP</a:t>
+            </a:r>
+            <a:r>
+              <a:rPr lang="ko-KR" altLang="en-US" sz="1200" dirty="0"/>
+              <a:t>서버의 주소입니다</a:t>
+            </a:r>
+            <a:r>
+              <a:rPr lang="en-US" altLang="ko-KR" sz="1200" dirty="0"/>
+              <a:t>.</a:t>
+            </a:r>
+            <a:r>
+              <a:rPr lang="ko-KR" altLang="en-US" sz="1200" dirty="0"/>
+              <a:t> 보통은 </a:t>
+            </a:r>
+            <a:r>
+              <a:rPr lang="en-US" altLang="ko-KR" sz="1200" dirty="0"/>
+              <a:t>DHCP</a:t>
+            </a:r>
+            <a:r>
+              <a:rPr lang="ko-KR" altLang="en-US" sz="1200" dirty="0"/>
+              <a:t>가 라우터 단에서 해주는 경우가 많지만</a:t>
+            </a:r>
+            <a:r>
+              <a:rPr lang="en-US" altLang="ko-KR" sz="1200" dirty="0"/>
+              <a:t>,</a:t>
+            </a:r>
+            <a:br>
+              <a:rPr lang="en-US" altLang="ko-KR" sz="1200" dirty="0"/>
+            </a:br>
+            <a:r>
+              <a:rPr lang="ko-KR" altLang="en-US" sz="1200" dirty="0"/>
+              <a:t>라우터 내부의 특정 서버가 </a:t>
+            </a:r>
+            <a:r>
+              <a:rPr lang="en-US" altLang="ko-KR" sz="1200" dirty="0"/>
+              <a:t>DHCP</a:t>
+            </a:r>
+            <a:r>
+              <a:rPr lang="ko-KR" altLang="en-US" sz="1200" dirty="0"/>
+              <a:t>서버를 행할 수도 있기 때문에 해당 주소도 필요합니다</a:t>
+            </a:r>
+            <a:endParaRPr lang="en-US" altLang="ko-KR" sz="1200" dirty="0"/>
+          </a:p>
+          <a:p>
+            <a:pPr marL="342900" indent="-342900">
+              <a:buFont typeface="+mj-lt"/>
+              <a:buAutoNum type="arabicPeriod"/>
+            </a:pPr>
+            <a:r>
+              <a:rPr lang="en-US" altLang="ko-KR" sz="1200" dirty="0"/>
+              <a:t>IP </a:t>
+            </a:r>
+            <a:r>
+              <a:rPr lang="ko-KR" altLang="en-US" sz="1200" dirty="0"/>
+              <a:t>임대 시간</a:t>
+            </a:r>
+            <a:r>
+              <a:rPr lang="en-US" altLang="ko-KR" sz="1200" dirty="0"/>
+              <a:t>: </a:t>
+            </a:r>
+            <a:r>
+              <a:rPr lang="ko-KR" altLang="en-US" sz="1200" dirty="0"/>
+              <a:t>사설 </a:t>
+            </a:r>
+            <a:r>
+              <a:rPr lang="en-US" altLang="ko-KR" sz="1200" dirty="0"/>
+              <a:t>IP </a:t>
+            </a:r>
+            <a:r>
+              <a:rPr lang="ko-KR" altLang="en-US" sz="1200" dirty="0"/>
+              <a:t>주소는 해당 임대 시간</a:t>
+            </a:r>
+            <a:r>
+              <a:rPr lang="en-US" altLang="ko-KR" sz="1200" dirty="0"/>
+              <a:t>(</a:t>
+            </a:r>
+            <a:r>
+              <a:rPr lang="ko-KR" altLang="en-US" sz="1200" dirty="0"/>
+              <a:t>만료 시간</a:t>
+            </a:r>
+            <a:r>
+              <a:rPr lang="en-US" altLang="ko-KR" sz="1200" dirty="0"/>
+              <a:t>)</a:t>
+            </a:r>
+            <a:r>
+              <a:rPr lang="ko-KR" altLang="en-US" sz="1200" dirty="0"/>
+              <a:t>을 가지고 사용하다가 임대 시간이 지나면</a:t>
+            </a:r>
+            <a:br>
+              <a:rPr lang="en-US" altLang="ko-KR" sz="1200" dirty="0"/>
+            </a:br>
+            <a:r>
+              <a:rPr lang="ko-KR" altLang="en-US" sz="1200" dirty="0"/>
+              <a:t>새로운 </a:t>
+            </a:r>
+            <a:r>
+              <a:rPr lang="en-US" altLang="ko-KR" sz="1200" dirty="0"/>
+              <a:t>IP</a:t>
+            </a:r>
+            <a:r>
+              <a:rPr lang="ko-KR" altLang="en-US" sz="1200" dirty="0"/>
+              <a:t>를 요청 받도록 할 수 있습니다</a:t>
+            </a:r>
+            <a:endParaRPr lang="en-US" altLang="ko-KR" sz="1200" dirty="0"/>
+          </a:p>
+          <a:p>
+            <a:r>
+              <a:rPr lang="en-US" altLang="ko-KR" sz="1600" dirty="0"/>
+              <a:t>DHCP</a:t>
+            </a:r>
+            <a:r>
+              <a:rPr lang="ko-KR" altLang="en-US" sz="1600" dirty="0"/>
+              <a:t>는 </a:t>
+            </a:r>
+            <a:r>
+              <a:rPr lang="en-US" altLang="ko-KR" sz="1600" dirty="0"/>
+              <a:t>UDP</a:t>
+            </a:r>
+            <a:r>
+              <a:rPr lang="ko-KR" altLang="en-US" sz="1600" dirty="0"/>
+              <a:t>통신을 사용하고</a:t>
+            </a:r>
+            <a:r>
+              <a:rPr lang="en-US" altLang="ko-KR" sz="1600" dirty="0"/>
+              <a:t>,</a:t>
+            </a:r>
+            <a:br>
+              <a:rPr lang="en-US" altLang="ko-KR" sz="1600" dirty="0"/>
+            </a:br>
+            <a:r>
+              <a:rPr lang="en-US" altLang="ko-KR" sz="1600" dirty="0"/>
+              <a:t>DHCP</a:t>
+            </a:r>
+            <a:r>
+              <a:rPr lang="ko-KR" altLang="en-US" sz="1600" dirty="0"/>
+              <a:t>서버를 사용하지만 수동으로 </a:t>
+            </a:r>
+            <a:r>
+              <a:rPr lang="en-US" altLang="ko-KR" sz="1600" dirty="0"/>
+              <a:t>IP</a:t>
+            </a:r>
+            <a:r>
+              <a:rPr lang="ko-KR" altLang="en-US" sz="1600" dirty="0"/>
+              <a:t>를 주거나 </a:t>
+            </a:r>
+            <a:r>
+              <a:rPr lang="en-US" altLang="ko-KR" sz="1600" dirty="0"/>
+              <a:t>IP</a:t>
+            </a:r>
+            <a:r>
+              <a:rPr lang="ko-KR" altLang="en-US" sz="1600" dirty="0"/>
+              <a:t>를 변경할 수 있습니다</a:t>
+            </a:r>
+            <a:r>
+              <a:rPr lang="en-US" altLang="ko-KR" sz="1600" dirty="0"/>
+              <a:t>.</a:t>
+            </a:r>
+            <a:r>
+              <a:rPr lang="ko-KR" altLang="en-US" sz="1600" dirty="0"/>
+              <a:t> 수동 할당</a:t>
+            </a:r>
+            <a:r>
+              <a:rPr lang="en-US" altLang="ko-KR" sz="1600" dirty="0"/>
+              <a:t>(</a:t>
+            </a:r>
+            <a:r>
+              <a:rPr lang="en-US" altLang="ko-KR" sz="1400" dirty="0"/>
+              <a:t>Manual allocation</a:t>
+            </a:r>
+            <a:r>
+              <a:rPr lang="en-US" altLang="ko-KR" sz="1600" dirty="0"/>
+              <a:t>)</a:t>
+            </a:r>
+          </a:p>
+          <a:p>
+            <a:r>
+              <a:rPr lang="ko-KR" altLang="en-US" sz="1600" dirty="0"/>
+              <a:t>동적 할당</a:t>
+            </a:r>
+            <a:r>
+              <a:rPr lang="en-US" altLang="ko-KR" sz="1600" dirty="0"/>
+              <a:t>(Dynamic Allocation), </a:t>
+            </a:r>
+            <a:r>
+              <a:rPr lang="ko-KR" altLang="en-US" sz="1600" dirty="0"/>
+              <a:t>자동 할당</a:t>
+            </a:r>
+            <a:r>
+              <a:rPr lang="en-US" altLang="ko-KR" sz="1600" dirty="0"/>
+              <a:t>(Automatic allocation)</a:t>
+            </a:r>
           </a:p>
         </p:txBody>
       </p:sp>
     </p:spTree>
     <p:extLst>
       <p:ext uri="{BB962C8B-B14F-4D97-AF65-F5344CB8AC3E}">
-        <p14:creationId xmlns:p14="http://schemas.microsoft.com/office/powerpoint/2010/main" val="2497710173"/>
+        <p14:creationId xmlns:p14="http://schemas.microsoft.com/office/powerpoint/2010/main" val="2819645624"/>
       </p:ext>
     </p:extLst>
   </p:cSld>
@@ -5186,7 +9573,7 @@
           <p:cNvPr id="2" name="제목 1">
             <a:extLst>
               <a:ext uri="{FF2B5EF4-FFF2-40B4-BE49-F238E27FC236}">
-                <a16:creationId xmlns:a16="http://schemas.microsoft.com/office/drawing/2014/main" id="{AA81B9AE-B83B-AD87-FFBF-4F640EDD81BE}"/>
+                <a16:creationId xmlns:a16="http://schemas.microsoft.com/office/drawing/2014/main" id="{80D37CEE-BF3E-7708-6CF0-BC5956E71C6E}"/>
               </a:ext>
             </a:extLst>
           </p:cNvPr>
@@ -5204,7 +9591,7 @@
           <a:p>
             <a:r>
               <a:rPr lang="en-US" altLang="ko-KR" dirty="0"/>
-              <a:t>Layer 1 (Physical)</a:t>
+              <a:t>NAT</a:t>
             </a:r>
             <a:endParaRPr lang="ko-KR" altLang="en-US" dirty="0"/>
           </a:p>
@@ -5215,7 +9602,7 @@
           <p:cNvPr id="3" name="내용 개체 틀 2">
             <a:extLst>
               <a:ext uri="{FF2B5EF4-FFF2-40B4-BE49-F238E27FC236}">
-                <a16:creationId xmlns:a16="http://schemas.microsoft.com/office/drawing/2014/main" id="{FE81CCD3-766A-7659-24A3-2BA7FA688E87}"/>
+                <a16:creationId xmlns:a16="http://schemas.microsoft.com/office/drawing/2014/main" id="{65E3CCE2-CB78-8EC0-D93A-A709044D96F6}"/>
               </a:ext>
             </a:extLst>
           </p:cNvPr>
@@ -5231,14 +9618,405 @@
           <a:bodyPr/>
           <a:lstStyle/>
           <a:p>
-            <a:endParaRPr lang="ko-KR" altLang="en-US"/>
+            <a:r>
+              <a:rPr lang="en-US" altLang="ko-KR" sz="1600" dirty="0"/>
+              <a:t>NAT(Network Address Translation)</a:t>
+            </a:r>
+            <a:r>
+              <a:rPr lang="ko-KR" altLang="en-US" sz="1600" dirty="0"/>
+              <a:t>은 사설 </a:t>
+            </a:r>
+            <a:r>
+              <a:rPr lang="en-US" altLang="ko-KR" sz="1600" dirty="0"/>
+              <a:t>IP </a:t>
+            </a:r>
+            <a:r>
+              <a:rPr lang="ko-KR" altLang="en-US" sz="1600" dirty="0"/>
+              <a:t>주소를 공인 </a:t>
+            </a:r>
+            <a:r>
+              <a:rPr lang="en-US" altLang="ko-KR" sz="1600" dirty="0"/>
+              <a:t>IP </a:t>
+            </a:r>
+            <a:r>
+              <a:rPr lang="ko-KR" altLang="en-US" sz="1600" dirty="0"/>
+              <a:t>주소로 변환하거나</a:t>
+            </a:r>
+            <a:br>
+              <a:rPr lang="en-US" altLang="ko-KR" sz="1600" dirty="0"/>
+            </a:br>
+            <a:r>
+              <a:rPr lang="ko-KR" altLang="en-US" sz="1600" dirty="0"/>
+              <a:t>역으로 변환하는 장치입니다</a:t>
+            </a:r>
+            <a:endParaRPr lang="en-US" altLang="ko-KR" sz="1600" dirty="0"/>
+          </a:p>
+          <a:p>
+            <a:r>
+              <a:rPr lang="ko-KR" altLang="en-US" sz="1600" dirty="0"/>
+              <a:t>오늘날 </a:t>
+            </a:r>
+            <a:r>
+              <a:rPr lang="en-US" altLang="ko-KR" sz="1600" dirty="0"/>
+              <a:t>NAT</a:t>
+            </a:r>
+            <a:r>
+              <a:rPr lang="ko-KR" altLang="en-US" sz="1600" dirty="0"/>
+              <a:t>을 쓰는 이유는 대부분 하나의 공인 </a:t>
+            </a:r>
+            <a:r>
+              <a:rPr lang="en-US" altLang="ko-KR" sz="1600" dirty="0"/>
+              <a:t>IPv4</a:t>
+            </a:r>
+            <a:r>
+              <a:rPr lang="ko-KR" altLang="en-US" sz="1600" dirty="0"/>
+              <a:t>를 나누어서 쓰는 구조일 때 자주 쓰는데</a:t>
+            </a:r>
+            <a:r>
+              <a:rPr lang="en-US" altLang="ko-KR" sz="1600" dirty="0"/>
+              <a:t>,</a:t>
+            </a:r>
+            <a:br>
+              <a:rPr lang="en-US" altLang="ko-KR" sz="1600" dirty="0"/>
+            </a:br>
+            <a:r>
+              <a:rPr lang="ko-KR" altLang="en-US" sz="1600" dirty="0"/>
+              <a:t>아파트 및</a:t>
+            </a:r>
+            <a:r>
+              <a:rPr lang="en-US" altLang="ko-KR" sz="1600" dirty="0"/>
+              <a:t> </a:t>
+            </a:r>
+            <a:r>
+              <a:rPr lang="ko-KR" altLang="en-US" sz="1600" dirty="0"/>
+              <a:t>주택</a:t>
+            </a:r>
+            <a:r>
+              <a:rPr lang="en-US" altLang="ko-KR" sz="1600" dirty="0"/>
+              <a:t>, </a:t>
+            </a:r>
+            <a:r>
+              <a:rPr lang="ko-KR" altLang="en-US" sz="1600" dirty="0"/>
+              <a:t>회사에서 쓰는 이더넷 방식이나 사설망을 구성한다면</a:t>
+            </a:r>
+            <a:r>
+              <a:rPr lang="en-US" altLang="ko-KR" sz="1600" dirty="0"/>
+              <a:t>,</a:t>
+            </a:r>
+            <a:br>
+              <a:rPr lang="en-US" altLang="ko-KR" sz="1600" dirty="0"/>
+            </a:br>
+            <a:r>
+              <a:rPr lang="ko-KR" altLang="en-US" sz="1600" dirty="0"/>
+              <a:t>위에 언급한 방식으로 통신하기 때문에</a:t>
+            </a:r>
+            <a:r>
+              <a:rPr lang="en-US" altLang="ko-KR" sz="1600" dirty="0"/>
+              <a:t>, NAT</a:t>
+            </a:r>
+            <a:r>
+              <a:rPr lang="ko-KR" altLang="en-US" sz="1600" dirty="0"/>
+              <a:t>가 필수적이라 볼 수 있습니다</a:t>
+            </a:r>
+            <a:endParaRPr lang="en-US" altLang="ko-KR" sz="1600" dirty="0"/>
+          </a:p>
+          <a:p>
+            <a:r>
+              <a:rPr lang="en-US" altLang="ko-KR" sz="1600" dirty="0"/>
+              <a:t>NAT</a:t>
+            </a:r>
+            <a:r>
+              <a:rPr lang="ko-KR" altLang="en-US" sz="1600" dirty="0"/>
+              <a:t>의 종류는 공식적으로 세 가지가 있지만</a:t>
+            </a:r>
+            <a:r>
+              <a:rPr lang="en-US" altLang="ko-KR" sz="1600" dirty="0"/>
+              <a:t>, Type</a:t>
+            </a:r>
+            <a:r>
+              <a:rPr lang="ko-KR" altLang="en-US" sz="1600" dirty="0"/>
+              <a:t>이라는 용어로 비공식적으로 네 가지도 있습니다</a:t>
+            </a:r>
+            <a:endParaRPr lang="en-US" altLang="ko-KR" sz="1600" dirty="0"/>
+          </a:p>
+          <a:p>
+            <a:pPr marL="342900" indent="-342900">
+              <a:buFont typeface="+mj-lt"/>
+              <a:buAutoNum type="arabicPeriod"/>
+            </a:pPr>
+            <a:r>
+              <a:rPr lang="ko-KR" altLang="en-US" sz="1200" dirty="0"/>
+              <a:t>“정적 </a:t>
+            </a:r>
+            <a:r>
+              <a:rPr lang="en-US" altLang="ko-KR" sz="1200" dirty="0"/>
+              <a:t>NAT”(Static NAT): </a:t>
+            </a:r>
+            <a:r>
+              <a:rPr lang="ko-KR" altLang="en-US" sz="1200" dirty="0"/>
+              <a:t>사설 </a:t>
+            </a:r>
+            <a:r>
+              <a:rPr lang="en-US" altLang="ko-KR" sz="1200" dirty="0"/>
+              <a:t>IP </a:t>
+            </a:r>
+            <a:r>
+              <a:rPr lang="ko-KR" altLang="en-US" sz="1200" dirty="0"/>
+              <a:t>주소와 공인 </a:t>
+            </a:r>
+            <a:r>
+              <a:rPr lang="en-US" altLang="ko-KR" sz="1200" dirty="0"/>
+              <a:t>IP </a:t>
+            </a:r>
+            <a:r>
+              <a:rPr lang="ko-KR" altLang="en-US" sz="1200" dirty="0"/>
+              <a:t>주소 간 </a:t>
+            </a:r>
+            <a:r>
+              <a:rPr lang="en-US" altLang="ko-KR" sz="1200" dirty="0"/>
+              <a:t>1:1</a:t>
+            </a:r>
+            <a:r>
+              <a:rPr lang="ko-KR" altLang="en-US" sz="1200" dirty="0"/>
+              <a:t>로 고정된 관계를 설정하는 </a:t>
+            </a:r>
+            <a:r>
+              <a:rPr lang="en-US" altLang="ko-KR" sz="1200" dirty="0"/>
+              <a:t>NAT </a:t>
+            </a:r>
+            <a:r>
+              <a:rPr lang="ko-KR" altLang="en-US" sz="1200" dirty="0"/>
+              <a:t>방식입니다</a:t>
+            </a:r>
+            <a:r>
+              <a:rPr lang="en-US" altLang="ko-KR" sz="1200" dirty="0"/>
+              <a:t>.</a:t>
+            </a:r>
+          </a:p>
+          <a:p>
+            <a:pPr marL="342900" indent="-342900">
+              <a:buFont typeface="+mj-lt"/>
+              <a:buAutoNum type="arabicPeriod"/>
+            </a:pPr>
+            <a:r>
+              <a:rPr lang="ko-KR" altLang="en-US" sz="1200" dirty="0"/>
+              <a:t>“동적 </a:t>
+            </a:r>
+            <a:r>
+              <a:rPr lang="en-US" altLang="ko-KR" sz="1200" dirty="0"/>
+              <a:t>NAT”(Dynamic NAT): </a:t>
+            </a:r>
+            <a:r>
+              <a:rPr lang="ko-KR" altLang="en-US" sz="1200" dirty="0"/>
+              <a:t>사설 </a:t>
+            </a:r>
+            <a:r>
+              <a:rPr lang="en-US" altLang="ko-KR" sz="1200" dirty="0"/>
+              <a:t>IP </a:t>
+            </a:r>
+            <a:r>
+              <a:rPr lang="ko-KR" altLang="en-US" sz="1200" dirty="0"/>
+              <a:t>주소와 공인 </a:t>
+            </a:r>
+            <a:r>
+              <a:rPr lang="en-US" altLang="ko-KR" sz="1200" dirty="0"/>
+              <a:t>IP </a:t>
+            </a:r>
+            <a:r>
+              <a:rPr lang="ko-KR" altLang="en-US" sz="1200" dirty="0"/>
+              <a:t>주소를 동적으로 변환하는 방식으로</a:t>
+            </a:r>
+            <a:r>
+              <a:rPr lang="en-US" altLang="ko-KR" sz="1200" dirty="0"/>
+              <a:t>,</a:t>
+            </a:r>
+            <a:br>
+              <a:rPr lang="en-US" altLang="ko-KR" sz="1200" dirty="0"/>
+            </a:br>
+            <a:r>
+              <a:rPr lang="ko-KR" altLang="en-US" sz="1200" dirty="0"/>
+              <a:t>주로 특정 </a:t>
+            </a:r>
+            <a:r>
+              <a:rPr lang="en-US" altLang="ko-KR" sz="1200" dirty="0"/>
+              <a:t>IP </a:t>
+            </a:r>
+            <a:r>
+              <a:rPr lang="ko-KR" altLang="en-US" sz="1200" dirty="0"/>
+              <a:t>주소 풀에 대해 동적 </a:t>
+            </a:r>
+            <a:r>
+              <a:rPr lang="en-US" altLang="ko-KR" sz="1200" dirty="0"/>
+              <a:t>NAT </a:t>
+            </a:r>
+            <a:r>
+              <a:rPr lang="ko-KR" altLang="en-US" sz="1200" dirty="0"/>
+              <a:t>규칙이 설정됩니다</a:t>
+            </a:r>
+            <a:r>
+              <a:rPr lang="en-US" altLang="ko-KR" sz="1200" dirty="0"/>
+              <a:t>.</a:t>
+            </a:r>
+          </a:p>
+          <a:p>
+            <a:pPr marL="342900" indent="-342900">
+              <a:buFont typeface="+mj-lt"/>
+              <a:buAutoNum type="arabicPeriod"/>
+            </a:pPr>
+            <a:r>
+              <a:rPr lang="ko-KR" altLang="en-US" sz="1200" dirty="0"/>
+              <a:t>“포트 주소 변환”</a:t>
+            </a:r>
+            <a:r>
+              <a:rPr lang="en-US" altLang="ko-KR" sz="1200" dirty="0"/>
+              <a:t>(PAT, Port Address Translation): </a:t>
+            </a:r>
+            <a:r>
+              <a:rPr lang="ko-KR" altLang="en-US" sz="1200" dirty="0"/>
+              <a:t>사설 </a:t>
+            </a:r>
+            <a:r>
+              <a:rPr lang="en-US" altLang="ko-KR" sz="1200" dirty="0"/>
+              <a:t>IP </a:t>
+            </a:r>
+            <a:r>
+              <a:rPr lang="ko-KR" altLang="en-US" sz="1200" dirty="0"/>
+              <a:t>주소와 포트 번호를 두 개를 가지고</a:t>
+            </a:r>
+            <a:br>
+              <a:rPr lang="en-US" altLang="ko-KR" sz="1200" dirty="0"/>
+            </a:br>
+            <a:r>
+              <a:rPr lang="ko-KR" altLang="en-US" sz="1200" dirty="0"/>
+              <a:t>공인 </a:t>
+            </a:r>
+            <a:r>
+              <a:rPr lang="en-US" altLang="ko-KR" sz="1200" dirty="0"/>
+              <a:t>IP </a:t>
+            </a:r>
+            <a:r>
+              <a:rPr lang="ko-KR" altLang="en-US" sz="1200" dirty="0"/>
+              <a:t>주소와 포트 번호로 변환하는 방식입니다</a:t>
+            </a:r>
+            <a:r>
+              <a:rPr lang="en-US" altLang="ko-KR" sz="1200" dirty="0"/>
+              <a:t>.</a:t>
+            </a:r>
+          </a:p>
+          <a:p>
+            <a:pPr marL="0" indent="0">
+              <a:buNone/>
+            </a:pPr>
+            <a:r>
+              <a:rPr lang="en-US" altLang="ko-KR" sz="1200" dirty="0"/>
+              <a:t>1. Type A: </a:t>
+            </a:r>
+            <a:r>
+              <a:rPr lang="ko-KR" altLang="en-US" sz="1200" dirty="0"/>
+              <a:t>이 타입은 네트워크에 자유롭게 접근할 수 있음을 의미합니다</a:t>
+            </a:r>
+            <a:r>
+              <a:rPr lang="en-US" altLang="ko-KR" sz="1200" dirty="0"/>
+              <a:t>(</a:t>
+            </a:r>
+            <a:r>
+              <a:rPr lang="ko-KR" altLang="en-US" sz="1200" dirty="0"/>
+              <a:t>모든 형태의 통신이 가능합니다</a:t>
+            </a:r>
+            <a:r>
+              <a:rPr lang="en-US" altLang="ko-KR" sz="1200" dirty="0"/>
+              <a:t>)</a:t>
+            </a:r>
+          </a:p>
+          <a:p>
+            <a:pPr marL="0" indent="0">
+              <a:buNone/>
+            </a:pPr>
+            <a:r>
+              <a:rPr lang="en-US" altLang="ko-KR" sz="1200" dirty="0"/>
+              <a:t>2. Type B: </a:t>
+            </a:r>
+            <a:r>
+              <a:rPr lang="ko-KR" altLang="en-US" sz="1200" dirty="0"/>
+              <a:t>이 타입은 일부 제한이 있지만 대부분의 시스템과 통신할 수 있습니다</a:t>
+            </a:r>
+            <a:r>
+              <a:rPr lang="en-US" altLang="ko-KR" sz="1200" dirty="0"/>
+              <a:t>(</a:t>
+            </a:r>
+            <a:r>
+              <a:rPr lang="ko-KR" altLang="en-US" sz="1200" dirty="0"/>
+              <a:t>예를 들어 </a:t>
+            </a:r>
+            <a:r>
+              <a:rPr lang="en-US" altLang="ko-KR" sz="1200" dirty="0"/>
+              <a:t>Type C, D</a:t>
+            </a:r>
+            <a:r>
+              <a:rPr lang="ko-KR" altLang="en-US" sz="1200" dirty="0"/>
+              <a:t>와는 통신이 불가합니다</a:t>
+            </a:r>
+            <a:r>
+              <a:rPr lang="en-US" altLang="ko-KR" sz="1200" dirty="0"/>
+              <a:t>)</a:t>
+            </a:r>
+          </a:p>
+          <a:p>
+            <a:pPr marL="0" indent="0">
+              <a:buNone/>
+            </a:pPr>
+            <a:r>
+              <a:rPr lang="en-US" altLang="ko-KR" sz="1200" dirty="0"/>
+              <a:t>3. Type C: </a:t>
+            </a:r>
+            <a:r>
+              <a:rPr lang="ko-KR" altLang="en-US" sz="1200" dirty="0"/>
+              <a:t>이 타입은 네트워크 접근에 많은 제한이 있습니다</a:t>
+            </a:r>
+            <a:r>
+              <a:rPr lang="en-US" altLang="ko-KR" sz="1200" dirty="0"/>
+              <a:t>(Type A</a:t>
+            </a:r>
+            <a:r>
+              <a:rPr lang="ko-KR" altLang="en-US" sz="1200" dirty="0"/>
+              <a:t>인 시스템만 통신이 가능합니다</a:t>
+            </a:r>
+            <a:r>
+              <a:rPr lang="en-US" altLang="ko-KR" sz="1200" dirty="0"/>
+              <a:t>)</a:t>
+            </a:r>
+          </a:p>
+          <a:p>
+            <a:pPr marL="0" indent="0">
+              <a:buNone/>
+            </a:pPr>
+            <a:r>
+              <a:rPr lang="en-US" altLang="ko-KR" sz="1200" dirty="0"/>
+              <a:t>4. Type D: </a:t>
+            </a:r>
+            <a:r>
+              <a:rPr lang="ko-KR" altLang="en-US" sz="1200" dirty="0"/>
+              <a:t>이 타입은 거의 모든 연결이 불가능한 상태를 의미합니다</a:t>
+            </a:r>
+            <a:r>
+              <a:rPr lang="en-US" altLang="ko-KR" sz="1200" dirty="0"/>
+              <a:t>(</a:t>
+            </a:r>
+            <a:r>
+              <a:rPr lang="ko-KR" altLang="en-US" sz="1200" dirty="0"/>
+              <a:t>모든 형태의 통신이 불가합니다</a:t>
+            </a:r>
+            <a:r>
+              <a:rPr lang="en-US" altLang="ko-KR" sz="1200" dirty="0"/>
+              <a:t>)</a:t>
+            </a:r>
           </a:p>
         </p:txBody>
       </p:sp>
     </p:spTree>
     <p:extLst>
       <p:ext uri="{BB962C8B-B14F-4D97-AF65-F5344CB8AC3E}">
-        <p14:creationId xmlns:p14="http://schemas.microsoft.com/office/powerpoint/2010/main" val="2864952801"/>
+        <p14:creationId xmlns:p14="http://schemas.microsoft.com/office/powerpoint/2010/main" val="1371469199"/>
       </p:ext>
     </p:extLst>
   </p:cSld>
@@ -5270,7 +10048,7 @@
           <p:cNvPr id="2" name="제목 1">
             <a:extLst>
               <a:ext uri="{FF2B5EF4-FFF2-40B4-BE49-F238E27FC236}">
-                <a16:creationId xmlns:a16="http://schemas.microsoft.com/office/drawing/2014/main" id="{5F83E545-A2D4-A77D-EAEE-09BD405B530B}"/>
+                <a16:creationId xmlns:a16="http://schemas.microsoft.com/office/drawing/2014/main" id="{1CD6B06D-9308-6541-70B1-5CED60893976}"/>
               </a:ext>
             </a:extLst>
           </p:cNvPr>
@@ -5288,7 +10066,7 @@
           <a:p>
             <a:r>
               <a:rPr lang="en-US" altLang="ko-KR" dirty="0"/>
-              <a:t>Layer 2 (Data Link)</a:t>
+              <a:t>VPN</a:t>
             </a:r>
             <a:endParaRPr lang="ko-KR" altLang="en-US" dirty="0"/>
           </a:p>
@@ -5299,7 +10077,7 @@
           <p:cNvPr id="3" name="내용 개체 틀 2">
             <a:extLst>
               <a:ext uri="{FF2B5EF4-FFF2-40B4-BE49-F238E27FC236}">
-                <a16:creationId xmlns:a16="http://schemas.microsoft.com/office/drawing/2014/main" id="{3CE5A161-055E-6010-546E-8E5EF611C9BF}"/>
+                <a16:creationId xmlns:a16="http://schemas.microsoft.com/office/drawing/2014/main" id="{CDC05FA1-2A1B-6AA6-A74A-8929CEB8CA54}"/>
               </a:ext>
             </a:extLst>
           </p:cNvPr>
@@ -5310,19 +10088,410 @@
             <p:ph idx="1"/>
           </p:nvPr>
         </p:nvSpPr>
-        <p:spPr/>
-        <p:txBody>
-          <a:bodyPr/>
-          <a:lstStyle/>
-          <a:p>
-            <a:endParaRPr lang="ko-KR" altLang="en-US"/>
+        <p:spPr>
+          <a:xfrm>
+            <a:off x="762000" y="1765139"/>
+            <a:ext cx="10668000" cy="5013220"/>
+          </a:xfrm>
+        </p:spPr>
+        <p:txBody>
+          <a:bodyPr/>
+          <a:lstStyle/>
+          <a:p>
+            <a:r>
+              <a:rPr lang="en-US" altLang="ko-KR" sz="1600" dirty="0"/>
+              <a:t>VPN(Virtual Private Network)</a:t>
+            </a:r>
+            <a:r>
+              <a:rPr lang="ko-KR" altLang="en-US" sz="1600" dirty="0"/>
+              <a:t>은 가상 사설망으로 외부의 거대한 인터넷 망과 직접적인 연결이 아닌</a:t>
+            </a:r>
+            <a:r>
+              <a:rPr lang="en-US" altLang="ko-KR" sz="1600" dirty="0"/>
+              <a:t>,</a:t>
+            </a:r>
+            <a:br>
+              <a:rPr lang="en-US" altLang="ko-KR" sz="1600" dirty="0"/>
+            </a:br>
+            <a:r>
+              <a:rPr lang="ko-KR" altLang="en-US" sz="1600" dirty="0"/>
+              <a:t>특정 사설을 만들어 그 들끼리 통신하는 인트라넷을 통칭합니다</a:t>
+            </a:r>
+            <a:endParaRPr lang="en-US" altLang="ko-KR" sz="1600" dirty="0"/>
+          </a:p>
+          <a:p>
+            <a:r>
+              <a:rPr lang="ko-KR" altLang="en-US" sz="1600" dirty="0"/>
+              <a:t>넓은 의미로는 </a:t>
+            </a:r>
+            <a:r>
+              <a:rPr lang="en-US" altLang="ko-KR" sz="1600" dirty="0"/>
+              <a:t>DHCP</a:t>
+            </a:r>
+            <a:r>
+              <a:rPr lang="ko-KR" altLang="en-US" sz="1600" dirty="0"/>
+              <a:t>나 사설 </a:t>
+            </a:r>
+            <a:r>
+              <a:rPr lang="en-US" altLang="ko-KR" sz="1600" dirty="0"/>
+              <a:t>IP</a:t>
+            </a:r>
+            <a:r>
+              <a:rPr lang="ko-KR" altLang="en-US" sz="1600" dirty="0"/>
+              <a:t>를 쓰는 시스템</a:t>
+            </a:r>
+            <a:r>
+              <a:rPr lang="en-US" altLang="ko-KR" sz="1600" dirty="0"/>
+              <a:t>, </a:t>
+            </a:r>
+            <a:r>
+              <a:rPr lang="ko-KR" altLang="en-US" sz="1600" dirty="0"/>
+              <a:t>사내 망</a:t>
+            </a:r>
+            <a:r>
+              <a:rPr lang="en-US" altLang="ko-KR" sz="1600" dirty="0"/>
+              <a:t>, </a:t>
+            </a:r>
+            <a:r>
+              <a:rPr lang="ko-KR" altLang="en-US" sz="1600" dirty="0"/>
+              <a:t>군대 인트라넷 등의 모든 사설망을 지칭하지만</a:t>
+            </a:r>
+            <a:r>
+              <a:rPr lang="en-US" altLang="ko-KR" sz="1600" dirty="0"/>
+              <a:t>,</a:t>
+            </a:r>
+            <a:br>
+              <a:rPr lang="en-US" altLang="ko-KR" sz="1600" dirty="0"/>
+            </a:br>
+            <a:r>
+              <a:rPr lang="ko-KR" altLang="en-US" sz="1600" dirty="0"/>
+              <a:t>오늘날 </a:t>
+            </a:r>
+            <a:r>
+              <a:rPr lang="en-US" altLang="ko-KR" sz="1600" dirty="0"/>
+              <a:t>VPN</a:t>
+            </a:r>
+            <a:r>
+              <a:rPr lang="ko-KR" altLang="en-US" sz="1600" dirty="0"/>
+              <a:t>은 </a:t>
+            </a:r>
+            <a:r>
+              <a:rPr lang="en-US" altLang="ko-KR" sz="1600" dirty="0"/>
+              <a:t>IP</a:t>
+            </a:r>
+            <a:r>
+              <a:rPr lang="ko-KR" altLang="en-US" sz="1600" dirty="0"/>
+              <a:t>를 우회하고 정보은닉을 위해 사용하는 사람도 많을 정도로 다양하게 쓰입니다</a:t>
+            </a:r>
+            <a:endParaRPr lang="en-US" altLang="ko-KR" sz="1600" dirty="0"/>
+          </a:p>
+          <a:p>
+            <a:r>
+              <a:rPr lang="en-US" altLang="ko-KR" sz="1600" dirty="0"/>
+              <a:t>VPN</a:t>
+            </a:r>
+            <a:r>
+              <a:rPr lang="ko-KR" altLang="en-US" sz="1600" dirty="0"/>
+              <a:t>은 소프트웨어로도 동작 가능하지만</a:t>
+            </a:r>
+            <a:r>
+              <a:rPr lang="en-US" altLang="ko-KR" sz="1600" dirty="0"/>
+              <a:t>,</a:t>
+            </a:r>
+            <a:br>
+              <a:rPr lang="en-US" altLang="ko-KR" sz="1600" dirty="0"/>
+            </a:br>
+            <a:r>
+              <a:rPr lang="ko-KR" altLang="en-US" sz="1600" dirty="0"/>
+              <a:t>아예 </a:t>
+            </a:r>
+            <a:r>
+              <a:rPr lang="en-US" altLang="ko-KR" sz="1600" dirty="0"/>
+              <a:t>VPN</a:t>
+            </a:r>
+            <a:r>
+              <a:rPr lang="ko-KR" altLang="en-US" sz="1600" dirty="0"/>
+              <a:t> 클라이언트 라우터를 사용해서 모든 패킷을 </a:t>
+            </a:r>
+            <a:r>
+              <a:rPr lang="en-US" altLang="ko-KR" sz="1600" dirty="0"/>
+              <a:t>VPN</a:t>
+            </a:r>
+            <a:r>
+              <a:rPr lang="ko-KR" altLang="en-US" sz="1600" dirty="0"/>
+              <a:t>으로 받을 수도 있습니다</a:t>
+            </a:r>
+            <a:br>
+              <a:rPr lang="en-US" altLang="ko-KR" sz="1600" dirty="0"/>
+            </a:br>
+            <a:r>
+              <a:rPr lang="en-US" altLang="ko-KR" sz="1600" dirty="0"/>
+              <a:t>(</a:t>
+            </a:r>
+            <a:r>
+              <a:rPr lang="ko-KR" altLang="en-US" sz="1600" dirty="0"/>
+              <a:t>중국 내에서는 황금방패 단속으로 들어오는 모든 패킷을 감청해서 검열을 하는데</a:t>
+            </a:r>
+            <a:r>
+              <a:rPr lang="en-US" altLang="ko-KR" sz="1600" dirty="0"/>
+              <a:t>,</a:t>
+            </a:r>
+            <a:br>
+              <a:rPr lang="en-US" altLang="ko-KR" sz="1600" dirty="0"/>
+            </a:br>
+            <a:r>
+              <a:rPr lang="ko-KR" altLang="en-US" sz="1600" dirty="0"/>
+              <a:t>이를 피해서 해외 사이트에 접속을 하기 위해 </a:t>
+            </a:r>
+            <a:r>
+              <a:rPr lang="en-US" altLang="ko-KR" sz="1600" dirty="0"/>
+              <a:t>VPN </a:t>
+            </a:r>
+            <a:r>
+              <a:rPr lang="ko-KR" altLang="en-US" sz="1600" dirty="0"/>
+              <a:t>라우터를 공수해서</a:t>
+            </a:r>
+            <a:br>
+              <a:rPr lang="en-US" altLang="ko-KR" sz="1600" dirty="0"/>
+            </a:br>
+            <a:r>
+              <a:rPr lang="ko-KR" altLang="en-US" sz="1600" dirty="0"/>
+              <a:t>한국</a:t>
+            </a:r>
+            <a:r>
+              <a:rPr lang="en-US" altLang="ko-KR" sz="1600" dirty="0"/>
+              <a:t>/</a:t>
+            </a:r>
+            <a:r>
+              <a:rPr lang="ko-KR" altLang="en-US" sz="1600" dirty="0"/>
+              <a:t>일본</a:t>
+            </a:r>
+            <a:r>
+              <a:rPr lang="en-US" altLang="ko-KR" sz="1600" dirty="0"/>
+              <a:t>IP</a:t>
+            </a:r>
+            <a:r>
+              <a:rPr lang="ko-KR" altLang="en-US" sz="1600" dirty="0"/>
+              <a:t>를 쓰는 경우가 많습니다만</a:t>
+            </a:r>
+            <a:r>
+              <a:rPr lang="en-US" altLang="ko-KR" sz="1600" dirty="0"/>
+              <a:t>, </a:t>
+            </a:r>
+            <a:r>
+              <a:rPr lang="ko-KR" altLang="en-US" sz="1600" dirty="0"/>
+              <a:t>이것도 단속이 심해지긴 했다고 합니다</a:t>
+            </a:r>
+            <a:r>
+              <a:rPr lang="en-US" altLang="ko-KR" sz="1600" dirty="0"/>
+              <a:t>)</a:t>
+            </a:r>
+          </a:p>
+          <a:p>
+            <a:r>
+              <a:rPr lang="en-US" altLang="ko-KR" sz="1200" dirty="0"/>
+              <a:t>PPTP (Point to Point Tunneling Protocol):</a:t>
+            </a:r>
+            <a:br>
+              <a:rPr lang="en-US" altLang="ko-KR" sz="1200" dirty="0"/>
+            </a:br>
+            <a:r>
+              <a:rPr lang="en-US" altLang="ko-KR" sz="1200" dirty="0"/>
+              <a:t>PPP(Point-to-Point Protocol)</a:t>
+            </a:r>
+            <a:r>
+              <a:rPr lang="ko-KR" altLang="en-US" sz="1200" dirty="0"/>
+              <a:t>기술을 확장해서 만든 규격으로 터널링만 해주는 프로토콜입니다</a:t>
+            </a:r>
+            <a:endParaRPr lang="en-US" altLang="ko-KR" sz="1200" dirty="0"/>
+          </a:p>
+          <a:p>
+            <a:r>
+              <a:rPr lang="en-US" altLang="ko-KR" sz="1200" dirty="0"/>
+              <a:t>L2TP (Layer 2 Tunneling Protocol):</a:t>
+            </a:r>
+            <a:br>
+              <a:rPr lang="en-US" altLang="ko-KR" sz="1200" dirty="0"/>
+            </a:br>
+            <a:r>
+              <a:rPr lang="en-US" altLang="ko-KR" sz="1200" dirty="0"/>
+              <a:t>L2F</a:t>
+            </a:r>
+            <a:r>
+              <a:rPr lang="ko-KR" altLang="en-US" sz="1200" dirty="0"/>
+              <a:t>와 </a:t>
+            </a:r>
+            <a:r>
+              <a:rPr lang="en-US" altLang="ko-KR" sz="1200" dirty="0"/>
+              <a:t>PPTP </a:t>
+            </a:r>
+            <a:r>
+              <a:rPr lang="ko-KR" altLang="en-US" sz="1200" dirty="0"/>
+              <a:t>프로토콜을 결합하여 만든 규격이기 때문에 </a:t>
+            </a:r>
+            <a:r>
+              <a:rPr lang="en-US" altLang="ko-KR" sz="1200" dirty="0"/>
+              <a:t>PPP</a:t>
+            </a:r>
+            <a:r>
+              <a:rPr lang="ko-KR" altLang="en-US" sz="1200" dirty="0"/>
+              <a:t>를 지원하고</a:t>
+            </a:r>
+            <a:r>
+              <a:rPr lang="en-US" altLang="ko-KR" sz="1200" dirty="0"/>
+              <a:t>, </a:t>
+            </a:r>
+            <a:r>
+              <a:rPr lang="ko-KR" altLang="en-US" sz="1200" dirty="0"/>
+              <a:t>동일하게 터널링만 해주는 프로토콜입니다</a:t>
+            </a:r>
+            <a:endParaRPr lang="en-US" altLang="ko-KR" sz="1200" dirty="0"/>
+          </a:p>
+          <a:p>
+            <a:r>
+              <a:rPr lang="en-US" altLang="ko-KR" sz="1200" dirty="0"/>
+              <a:t>OpenVPN: </a:t>
+            </a:r>
+            <a:r>
+              <a:rPr lang="ko-KR" altLang="en-US" sz="1200" dirty="0"/>
+              <a:t>오픈소스</a:t>
+            </a:r>
+            <a:r>
+              <a:rPr lang="en-US" altLang="ko-KR" sz="1200" dirty="0"/>
+              <a:t>VPN</a:t>
+            </a:r>
+            <a:r>
+              <a:rPr lang="ko-KR" altLang="en-US" sz="1200" dirty="0"/>
+              <a:t>으로 </a:t>
+            </a:r>
+            <a:r>
+              <a:rPr lang="en-US" altLang="ko-KR" sz="1200" dirty="0"/>
+              <a:t>L2TP</a:t>
+            </a:r>
+            <a:r>
+              <a:rPr lang="ko-KR" altLang="en-US" sz="1200" dirty="0"/>
+              <a:t>를 기초로 하지만 세 단계의 </a:t>
+            </a:r>
+            <a:r>
+              <a:rPr lang="en-US" altLang="ko-KR" sz="1200" dirty="0"/>
+              <a:t>Layer</a:t>
+            </a:r>
+            <a:r>
+              <a:rPr lang="ko-KR" altLang="en-US" sz="1200" dirty="0"/>
+              <a:t>를 만들어 사용할 수 있습니다</a:t>
+            </a:r>
+            <a:br>
+              <a:rPr lang="en-US" altLang="ko-KR" sz="1200" dirty="0"/>
+            </a:br>
+            <a:r>
+              <a:rPr lang="ko-KR" altLang="en-US" sz="1200" dirty="0"/>
+              <a:t>또한</a:t>
+            </a:r>
+            <a:r>
+              <a:rPr lang="en-US" altLang="ko-KR" sz="1200" dirty="0"/>
+              <a:t>, VPN</a:t>
+            </a:r>
+            <a:r>
+              <a:rPr lang="ko-KR" altLang="en-US" sz="1200" dirty="0"/>
+              <a:t>추가 장비 없이 모든 과정을 소프트웨어 단에서 사용 가능합니다</a:t>
+            </a:r>
+            <a:r>
+              <a:rPr lang="en-US" altLang="ko-KR" sz="1200" dirty="0"/>
+              <a:t>(</a:t>
+            </a:r>
+            <a:r>
+              <a:rPr lang="ko-KR" altLang="en-US" sz="1200" dirty="0"/>
+              <a:t>오늘날 </a:t>
+            </a:r>
+            <a:r>
+              <a:rPr lang="en-US" altLang="ko-KR" sz="1200" dirty="0"/>
+              <a:t>VPN</a:t>
+            </a:r>
+            <a:r>
+              <a:rPr lang="ko-KR" altLang="en-US" sz="1200" dirty="0"/>
+              <a:t>프로그램의 원조 격</a:t>
+            </a:r>
+            <a:r>
+              <a:rPr lang="en-US" altLang="ko-KR" sz="1200" dirty="0"/>
+              <a:t>)</a:t>
+            </a:r>
+          </a:p>
+          <a:p>
+            <a:r>
+              <a:rPr lang="en-US" altLang="ko-KR" sz="1200" dirty="0" err="1"/>
+              <a:t>WireGuard</a:t>
+            </a:r>
+            <a:r>
+              <a:rPr lang="en-US" altLang="ko-KR" sz="1200" dirty="0"/>
+              <a:t>: </a:t>
+            </a:r>
+            <a:r>
+              <a:rPr lang="ko-KR" altLang="en-US" sz="1200" dirty="0"/>
+              <a:t>무료 오픈소스</a:t>
+            </a:r>
+            <a:r>
+              <a:rPr lang="en-US" altLang="ko-KR" sz="1200" dirty="0"/>
+              <a:t>VPN</a:t>
+            </a:r>
+            <a:r>
+              <a:rPr lang="ko-KR" altLang="en-US" sz="1200" dirty="0"/>
+              <a:t>으로 </a:t>
+            </a:r>
+            <a:r>
+              <a:rPr lang="ko-KR" altLang="en-US" sz="1200" dirty="0" err="1"/>
+              <a:t>터널링</a:t>
+            </a:r>
+            <a:r>
+              <a:rPr lang="ko-KR" altLang="en-US" sz="1200" dirty="0"/>
+              <a:t> 구조는 굉장히 깔끔하면서 최신 타원곡선계열 암호 등을 사용하고</a:t>
+            </a:r>
+            <a:r>
+              <a:rPr lang="en-US" altLang="ko-KR" sz="1200" dirty="0"/>
+              <a:t>,</a:t>
+            </a:r>
+            <a:br>
+              <a:rPr lang="en-US" altLang="ko-KR" sz="1200" dirty="0"/>
+            </a:br>
+            <a:r>
+              <a:rPr lang="en-US" altLang="ko-KR" sz="1200" dirty="0"/>
+              <a:t>OpenVPN</a:t>
+            </a:r>
+            <a:r>
+              <a:rPr lang="ko-KR" altLang="en-US" sz="1200" dirty="0"/>
+              <a:t>의 단점인 싱글 쓰레드 기반을 깨고</a:t>
+            </a:r>
+            <a:r>
+              <a:rPr lang="en-US" altLang="ko-KR" sz="1200" dirty="0"/>
+              <a:t>, </a:t>
+            </a:r>
+            <a:r>
+              <a:rPr lang="ko-KR" altLang="en-US" sz="1200" dirty="0"/>
+              <a:t>멀티 쓰레드 기반을 채택하여 성능이 최대 </a:t>
+            </a:r>
+            <a:r>
+              <a:rPr lang="en-US" altLang="ko-KR" sz="1200" dirty="0"/>
+              <a:t>40% </a:t>
+            </a:r>
+            <a:r>
+              <a:rPr lang="ko-KR" altLang="en-US" sz="1200" dirty="0"/>
+              <a:t>향상된 </a:t>
+            </a:r>
+            <a:r>
+              <a:rPr lang="en-US" altLang="ko-KR" sz="1200" dirty="0"/>
+              <a:t>VPN</a:t>
+            </a:r>
+            <a:r>
+              <a:rPr lang="ko-KR" altLang="en-US" sz="1200" dirty="0"/>
+              <a:t>으로 평가 받습니다</a:t>
+            </a:r>
+            <a:endParaRPr lang="en-US" altLang="ko-KR" sz="1200" dirty="0"/>
           </a:p>
         </p:txBody>
       </p:sp>
     </p:spTree>
     <p:extLst>
       <p:ext uri="{BB962C8B-B14F-4D97-AF65-F5344CB8AC3E}">
-        <p14:creationId xmlns:p14="http://schemas.microsoft.com/office/powerpoint/2010/main" val="2216825392"/>
+        <p14:creationId xmlns:p14="http://schemas.microsoft.com/office/powerpoint/2010/main" val="2320292964"/>
       </p:ext>
     </p:extLst>
   </p:cSld>

--- a/1.pptx
+++ b/1.pptx
@@ -25,23 +25,22 @@
     <p:sldId id="265" r:id="rId19"/>
     <p:sldId id="266" r:id="rId20"/>
     <p:sldId id="267" r:id="rId21"/>
-    <p:sldId id="280" r:id="rId22"/>
-    <p:sldId id="273" r:id="rId23"/>
-    <p:sldId id="274" r:id="rId24"/>
+    <p:sldId id="274" r:id="rId22"/>
+    <p:sldId id="280" r:id="rId23"/>
+    <p:sldId id="273" r:id="rId24"/>
     <p:sldId id="275" r:id="rId25"/>
-    <p:sldId id="276" r:id="rId26"/>
-    <p:sldId id="277" r:id="rId27"/>
-    <p:sldId id="278" r:id="rId28"/>
-    <p:sldId id="281" r:id="rId29"/>
-    <p:sldId id="279" r:id="rId30"/>
-    <p:sldId id="282" r:id="rId31"/>
-    <p:sldId id="283" r:id="rId32"/>
-    <p:sldId id="284" r:id="rId33"/>
-    <p:sldId id="292" r:id="rId34"/>
-    <p:sldId id="291" r:id="rId35"/>
-    <p:sldId id="285" r:id="rId36"/>
-    <p:sldId id="286" r:id="rId37"/>
-    <p:sldId id="290" r:id="rId38"/>
+    <p:sldId id="297" r:id="rId26"/>
+    <p:sldId id="304" r:id="rId27"/>
+    <p:sldId id="298" r:id="rId28"/>
+    <p:sldId id="299" r:id="rId29"/>
+    <p:sldId id="276" r:id="rId30"/>
+    <p:sldId id="300" r:id="rId31"/>
+    <p:sldId id="305" r:id="rId32"/>
+    <p:sldId id="301" r:id="rId33"/>
+    <p:sldId id="277" r:id="rId34"/>
+    <p:sldId id="303" r:id="rId35"/>
+    <p:sldId id="278" r:id="rId36"/>
+    <p:sldId id="302" r:id="rId37"/>
   </p:sldIdLst>
   <p:sldSz cx="12192000" cy="6858000"/>
   <p:notesSz cx="6858000" cy="9144000"/>
@@ -295,7 +294,7 @@
           <a:p>
             <a:fld id="{76969C88-B244-455D-A017-012B25B1ACDD}" type="datetimeFigureOut">
               <a:rPr lang="en-US" smtClean="0"/>
-              <a:t>1/29/2024</a:t>
+              <a:t>1/30/2024</a:t>
             </a:fld>
             <a:endParaRPr lang="en-US"/>
           </a:p>
@@ -509,7 +508,7 @@
           <a:p>
             <a:fld id="{76969C88-B244-455D-A017-012B25B1ACDD}" type="datetimeFigureOut">
               <a:rPr lang="en-US" smtClean="0"/>
-              <a:t>1/29/2024</a:t>
+              <a:t>1/30/2024</a:t>
             </a:fld>
             <a:endParaRPr lang="en-US"/>
           </a:p>
@@ -733,7 +732,7 @@
           <a:p>
             <a:fld id="{76969C88-B244-455D-A017-012B25B1ACDD}" type="datetimeFigureOut">
               <a:rPr lang="en-US" smtClean="0"/>
-              <a:t>1/29/2024</a:t>
+              <a:t>1/30/2024</a:t>
             </a:fld>
             <a:endParaRPr lang="en-US"/>
           </a:p>
@@ -973,7 +972,7 @@
           <a:p>
             <a:fld id="{76969C88-B244-455D-A017-012B25B1ACDD}" type="datetimeFigureOut">
               <a:rPr lang="en-US" smtClean="0"/>
-              <a:t>1/29/2024</a:t>
+              <a:t>1/30/2024</a:t>
             </a:fld>
             <a:endParaRPr lang="en-US" dirty="0"/>
           </a:p>
@@ -1194,7 +1193,7 @@
           <a:p>
             <a:fld id="{76969C88-B244-455D-A017-012B25B1ACDD}" type="datetimeFigureOut">
               <a:rPr lang="en-US" smtClean="0"/>
-              <a:t>1/29/2024</a:t>
+              <a:t>1/30/2024</a:t>
             </a:fld>
             <a:endParaRPr lang="en-US"/>
           </a:p>
@@ -1484,7 +1483,7 @@
           <a:p>
             <a:fld id="{76969C88-B244-455D-A017-012B25B1ACDD}" type="datetimeFigureOut">
               <a:rPr lang="en-US" smtClean="0"/>
-              <a:t>1/29/2024</a:t>
+              <a:t>1/30/2024</a:t>
             </a:fld>
             <a:endParaRPr lang="en-US"/>
           </a:p>
@@ -1842,7 +1841,7 @@
           <a:p>
             <a:fld id="{76969C88-B244-455D-A017-012B25B1ACDD}" type="datetimeFigureOut">
               <a:rPr lang="en-US" smtClean="0"/>
-              <a:t>1/29/2024</a:t>
+              <a:t>1/30/2024</a:t>
             </a:fld>
             <a:endParaRPr lang="en-US"/>
           </a:p>
@@ -2008,7 +2007,7 @@
           <a:p>
             <a:fld id="{76969C88-B244-455D-A017-012B25B1ACDD}" type="datetimeFigureOut">
               <a:rPr lang="en-US" smtClean="0"/>
-              <a:t>1/29/2024</a:t>
+              <a:t>1/30/2024</a:t>
             </a:fld>
             <a:endParaRPr lang="en-US"/>
           </a:p>
@@ -2067,7 +2066,7 @@
           <a:p>
             <a:fld id="{76969C88-B244-455D-A017-012B25B1ACDD}" type="datetimeFigureOut">
               <a:rPr lang="en-US" smtClean="0"/>
-              <a:t>1/29/2024</a:t>
+              <a:t>1/30/2024</a:t>
             </a:fld>
             <a:endParaRPr lang="en-US"/>
           </a:p>
@@ -2395,7 +2394,7 @@
           <a:p>
             <a:fld id="{76969C88-B244-455D-A017-012B25B1ACDD}" type="datetimeFigureOut">
               <a:rPr lang="en-US" smtClean="0"/>
-              <a:t>1/29/2024</a:t>
+              <a:t>1/30/2024</a:t>
             </a:fld>
             <a:endParaRPr lang="en-US"/>
           </a:p>
@@ -2702,7 +2701,7 @@
           <a:p>
             <a:fld id="{76969C88-B244-455D-A017-012B25B1ACDD}" type="datetimeFigureOut">
               <a:rPr lang="en-US" smtClean="0"/>
-              <a:t>1/29/2024</a:t>
+              <a:t>1/30/2024</a:t>
             </a:fld>
             <a:endParaRPr lang="en-US"/>
           </a:p>
@@ -3468,7 +3467,7 @@
             <a:fld id="{76969C88-B244-455D-A017-012B25B1ACDD}" type="datetimeFigureOut">
               <a:rPr lang="en-US" smtClean="0"/>
               <a:pPr/>
-              <a:t>1/29/2024</a:t>
+              <a:t>1/30/2024</a:t>
             </a:fld>
             <a:endParaRPr lang="en-US"/>
           </a:p>
@@ -5164,15 +5163,7 @@
             </a:r>
             <a:r>
               <a:rPr lang="en-US" altLang="ko-KR" sz="1600" dirty="0"/>
-              <a:t>(</a:t>
-            </a:r>
-            <a:r>
-              <a:rPr lang="en-US" altLang="ko-KR" sz="1600" dirty="0" err="1"/>
-              <a:t>TransitCost</a:t>
-            </a:r>
-            <a:r>
-              <a:rPr lang="en-US" altLang="ko-KR" sz="1600" dirty="0"/>
-              <a:t>)</a:t>
+              <a:t>(Transit Cost)</a:t>
             </a:r>
             <a:r>
               <a:rPr lang="ko-KR" altLang="en-US" sz="1600" dirty="0"/>
@@ -5327,7 +5318,7 @@
           <a:p>
             <a:r>
               <a:rPr lang="en-US" altLang="ko-KR" dirty="0"/>
-              <a:t>BGP, ASN</a:t>
+              <a:t>ASN, BGP</a:t>
             </a:r>
             <a:endParaRPr lang="ko-KR" altLang="en-US" dirty="0"/>
           </a:p>
@@ -5349,15 +5340,412 @@
             <p:ph idx="1"/>
           </p:nvPr>
         </p:nvSpPr>
-        <p:spPr/>
+        <p:spPr>
+          <a:xfrm>
+            <a:off x="762000" y="1765139"/>
+            <a:ext cx="10668000" cy="5014484"/>
+          </a:xfrm>
+        </p:spPr>
         <p:txBody>
           <a:bodyPr/>
           <a:lstStyle/>
           <a:p>
-            <a:endParaRPr lang="ko-KR" altLang="en-US"/>
+            <a:r>
+              <a:rPr lang="en-US" altLang="ko-KR" sz="1600" dirty="0"/>
+              <a:t>AS(Autonomous System)</a:t>
+            </a:r>
+            <a:r>
+              <a:rPr lang="ko-KR" altLang="en-US" sz="1600" dirty="0"/>
+              <a:t>는 자율시스템으로 상호 라우팅으로 되어 있는</a:t>
+            </a:r>
+            <a:br>
+              <a:rPr lang="en-US" altLang="ko-KR" sz="1600" dirty="0"/>
+            </a:br>
+            <a:r>
+              <a:rPr lang="ko-KR" altLang="en-US" sz="1600" dirty="0"/>
+              <a:t>대규모 네트워크 망의 한 단위 입니다</a:t>
+            </a:r>
+            <a:br>
+              <a:rPr lang="en-US" altLang="ko-KR" sz="1600" dirty="0"/>
+            </a:br>
+            <a:r>
+              <a:rPr lang="ko-KR" altLang="en-US" sz="1600" dirty="0"/>
+              <a:t>대부분의 사업체는 하나의 </a:t>
+            </a:r>
+            <a:r>
+              <a:rPr lang="en-US" altLang="ko-KR" sz="1600" dirty="0"/>
+              <a:t>AS</a:t>
+            </a:r>
+            <a:r>
+              <a:rPr lang="ko-KR" altLang="en-US" sz="1600" dirty="0"/>
+              <a:t>를 가지고 있다고 얘기할 수 있습니다</a:t>
+            </a:r>
+            <a:endParaRPr lang="en-US" altLang="ko-KR" sz="1600" dirty="0"/>
+          </a:p>
+          <a:p>
+            <a:r>
+              <a:rPr lang="en-US" altLang="ko-KR" sz="1600" dirty="0"/>
+              <a:t>ASN(Autonomous System Number)</a:t>
+            </a:r>
+            <a:r>
+              <a:rPr lang="ko-KR" altLang="en-US" sz="1600" dirty="0"/>
+              <a:t>는 한 </a:t>
+            </a:r>
+            <a:r>
+              <a:rPr lang="en-US" altLang="ko-KR" sz="1600" dirty="0"/>
+              <a:t>AS</a:t>
+            </a:r>
+            <a:r>
+              <a:rPr lang="ko-KR" altLang="en-US" sz="1600" dirty="0"/>
+              <a:t>의 식별번호를 말합니다</a:t>
+            </a:r>
+            <a:br>
+              <a:rPr lang="en-US" altLang="ko-KR" sz="1600" dirty="0"/>
+            </a:br>
+            <a:r>
+              <a:rPr lang="ko-KR" altLang="en-US" sz="1600" dirty="0"/>
+              <a:t>예를 들어 경성대학교 </a:t>
+            </a:r>
+            <a:r>
+              <a:rPr lang="en-US" altLang="ko-KR" sz="1600" dirty="0"/>
+              <a:t>AS</a:t>
+            </a:r>
+            <a:r>
+              <a:rPr lang="ko-KR" altLang="en-US" sz="1600" dirty="0"/>
+              <a:t>의 </a:t>
+            </a:r>
+            <a:r>
+              <a:rPr lang="en-US" altLang="ko-KR" sz="1600" dirty="0"/>
+              <a:t>ASN</a:t>
+            </a:r>
+            <a:r>
+              <a:rPr lang="ko-KR" altLang="en-US" sz="1600" dirty="0"/>
+              <a:t>은 </a:t>
+            </a:r>
+            <a:r>
+              <a:rPr lang="en-US" altLang="ko-KR" sz="1600" dirty="0"/>
+              <a:t>9691</a:t>
+            </a:r>
+            <a:r>
+              <a:rPr lang="ko-KR" altLang="en-US" sz="1600" dirty="0"/>
+              <a:t>입니다</a:t>
+            </a:r>
+            <a:endParaRPr lang="en-US" altLang="ko-KR" sz="1600" dirty="0"/>
+          </a:p>
+          <a:p>
+            <a:r>
+              <a:rPr lang="en-US" altLang="ko-KR" sz="1600" dirty="0"/>
+              <a:t>BGP(Border Gateway Protocol)</a:t>
+            </a:r>
+            <a:r>
+              <a:rPr lang="ko-KR" altLang="en-US" sz="1600" dirty="0"/>
+              <a:t>는 서로 다른 네트워크 집단</a:t>
+            </a:r>
+            <a:r>
+              <a:rPr lang="en-US" altLang="ko-KR" sz="1600" dirty="0"/>
+              <a:t>(AS)</a:t>
+            </a:r>
+            <a:r>
+              <a:rPr lang="ko-KR" altLang="en-US" sz="1600" dirty="0"/>
+              <a:t>을 연결할 때</a:t>
+            </a:r>
+            <a:r>
+              <a:rPr lang="en-US" altLang="ko-KR" sz="1600" dirty="0"/>
+              <a:t>,</a:t>
+            </a:r>
+            <a:br>
+              <a:rPr lang="en-US" altLang="ko-KR" sz="1600" dirty="0"/>
+            </a:br>
+            <a:r>
+              <a:rPr lang="ko-KR" altLang="en-US" sz="1600" dirty="0"/>
+              <a:t>사용하는 프로토콜 입니다</a:t>
+            </a:r>
+            <a:br>
+              <a:rPr lang="en-US" altLang="ko-KR" sz="1600" dirty="0"/>
+            </a:br>
+            <a:r>
+              <a:rPr lang="en-US" altLang="ko-KR" sz="1600" dirty="0"/>
+              <a:t>BGP</a:t>
+            </a:r>
+            <a:r>
+              <a:rPr lang="ko-KR" altLang="en-US" sz="1600" dirty="0"/>
+              <a:t>는 </a:t>
+            </a:r>
+            <a:r>
+              <a:rPr lang="en-US" altLang="ko-KR" sz="1600" dirty="0"/>
+              <a:t>AS</a:t>
+            </a:r>
+            <a:r>
+              <a:rPr lang="ko-KR" altLang="en-US" sz="1600" dirty="0"/>
+              <a:t>끼리 통신을 할 때</a:t>
+            </a:r>
+            <a:r>
+              <a:rPr lang="en-US" altLang="ko-KR" sz="1600" dirty="0"/>
+              <a:t> BGP</a:t>
+            </a:r>
+            <a:r>
+              <a:rPr lang="ko-KR" altLang="en-US" sz="1600" dirty="0"/>
+              <a:t>라우터라는 것을 사용하여</a:t>
+            </a:r>
+            <a:r>
+              <a:rPr lang="en-US" altLang="ko-KR" sz="1600" dirty="0"/>
+              <a:t> </a:t>
+            </a:r>
+            <a:r>
+              <a:rPr lang="ko-KR" altLang="en-US" sz="1600" dirty="0"/>
+              <a:t>라우팅 테이블</a:t>
+            </a:r>
+            <a:r>
+              <a:rPr lang="en-US" altLang="ko-KR" sz="1600" dirty="0"/>
+              <a:t>(AS</a:t>
+            </a:r>
+            <a:r>
+              <a:rPr lang="ko-KR" altLang="en-US" sz="1600" dirty="0"/>
+              <a:t>관련</a:t>
+            </a:r>
+            <a:r>
+              <a:rPr lang="en-US" altLang="ko-KR" sz="1600" dirty="0"/>
+              <a:t>)</a:t>
+            </a:r>
+            <a:r>
+              <a:rPr lang="ko-KR" altLang="en-US" sz="1600" dirty="0"/>
+              <a:t>을</a:t>
+            </a:r>
+            <a:r>
+              <a:rPr lang="en-US" altLang="ko-KR" sz="1600" dirty="0"/>
+              <a:t> </a:t>
+            </a:r>
+            <a:r>
+              <a:rPr lang="ko-KR" altLang="en-US" sz="1600" dirty="0"/>
+              <a:t>작성하고</a:t>
+            </a:r>
+            <a:r>
+              <a:rPr lang="en-US" altLang="ko-KR" sz="1600" dirty="0"/>
+              <a:t>,</a:t>
+            </a:r>
+            <a:br>
+              <a:rPr lang="en-US" altLang="ko-KR" sz="1600" dirty="0"/>
+            </a:br>
+            <a:r>
+              <a:rPr lang="ko-KR" altLang="en-US" sz="1600" dirty="0"/>
+              <a:t>이 정보를 통해 원하는 </a:t>
+            </a:r>
+            <a:r>
+              <a:rPr lang="en-US" altLang="ko-KR" sz="1600" dirty="0"/>
+              <a:t>AS</a:t>
+            </a:r>
+            <a:r>
+              <a:rPr lang="ko-KR" altLang="en-US" sz="1600" dirty="0"/>
+              <a:t>까지의 최단경로를</a:t>
+            </a:r>
+            <a:r>
+              <a:rPr lang="en-US" altLang="ko-KR" sz="1600" dirty="0"/>
+              <a:t> </a:t>
+            </a:r>
+            <a:r>
+              <a:rPr lang="ko-KR" altLang="en-US" sz="1600" dirty="0"/>
+              <a:t>신속하게 찾아내도록 합니다</a:t>
+            </a:r>
+            <a:endParaRPr lang="en-US" altLang="ko-KR" sz="1600" dirty="0"/>
+          </a:p>
+          <a:p>
+            <a:r>
+              <a:rPr lang="en-US" altLang="ko-KR" sz="1600" dirty="0"/>
+              <a:t>BGP</a:t>
+            </a:r>
+            <a:r>
+              <a:rPr lang="ko-KR" altLang="en-US" sz="1600" dirty="0"/>
+              <a:t>라우팅은 </a:t>
+            </a:r>
+            <a:r>
+              <a:rPr lang="en-US" altLang="ko-KR" sz="1600" dirty="0"/>
+              <a:t>Hot Potato Routing(</a:t>
+            </a:r>
+            <a:r>
+              <a:rPr lang="ko-KR" altLang="en-US" sz="1600" dirty="0"/>
+              <a:t>뜨거운 감자</a:t>
+            </a:r>
+            <a:r>
+              <a:rPr lang="en-US" altLang="ko-KR" sz="1600" dirty="0"/>
+              <a:t>)</a:t>
+            </a:r>
+            <a:r>
+              <a:rPr lang="ko-KR" altLang="en-US" sz="1600" dirty="0"/>
+              <a:t>알고리즘을 사용하는데</a:t>
+            </a:r>
+            <a:r>
+              <a:rPr lang="en-US" altLang="ko-KR" sz="1600" dirty="0"/>
+              <a:t>,</a:t>
+            </a:r>
+            <a:br>
+              <a:rPr lang="en-US" altLang="ko-KR" sz="1600" dirty="0"/>
+            </a:br>
+            <a:r>
+              <a:rPr lang="ko-KR" altLang="en-US" sz="1600" dirty="0"/>
+              <a:t>이 알고리즘은 최단경로를 </a:t>
+            </a:r>
+            <a:r>
+              <a:rPr lang="ko-KR" altLang="en-US" sz="1600" dirty="0" err="1"/>
+              <a:t>그리디</a:t>
+            </a:r>
+            <a:r>
+              <a:rPr lang="ko-KR" altLang="en-US" sz="1600" dirty="0"/>
+              <a:t> 방식으로 </a:t>
+            </a:r>
+            <a:r>
+              <a:rPr lang="en-US" altLang="ko-KR" sz="1600" dirty="0"/>
+              <a:t>AS</a:t>
+            </a:r>
+            <a:r>
+              <a:rPr lang="ko-KR" altLang="en-US" sz="1600" dirty="0"/>
+              <a:t>를 선택하여 도착지점에 도달하는 방식을 사용합니다 </a:t>
+            </a:r>
+            <a:endParaRPr lang="en-US" altLang="ko-KR" sz="1600" dirty="0"/>
+          </a:p>
+          <a:p>
+            <a:r>
+              <a:rPr lang="en-US" altLang="ko-KR" sz="1600" dirty="0"/>
+              <a:t>AS</a:t>
+            </a:r>
+            <a:r>
+              <a:rPr lang="ko-KR" altLang="en-US" sz="1600" dirty="0"/>
+              <a:t>는 전세계 스케일의 시스템이고</a:t>
+            </a:r>
+            <a:r>
+              <a:rPr lang="en-US" altLang="ko-KR" sz="1600" dirty="0"/>
+              <a:t> </a:t>
+            </a:r>
+            <a:r>
+              <a:rPr lang="ko-KR" altLang="en-US" sz="1600" dirty="0"/>
+              <a:t>사업체 단위의 시스템이기 때문에</a:t>
+            </a:r>
+            <a:r>
+              <a:rPr lang="en-US" altLang="ko-KR" sz="1600" dirty="0"/>
+              <a:t> </a:t>
+            </a:r>
+            <a:r>
+              <a:rPr lang="ko-KR" altLang="en-US" sz="1600" dirty="0"/>
+              <a:t>굉장히 많으며 계속 생성되기 때문에</a:t>
+            </a:r>
+            <a:r>
+              <a:rPr lang="en-US" altLang="ko-KR" sz="1600" dirty="0"/>
+              <a:t>,</a:t>
+            </a:r>
+            <a:br>
+              <a:rPr lang="en-US" altLang="ko-KR" sz="1600" dirty="0"/>
+            </a:br>
+            <a:r>
+              <a:rPr lang="ko-KR" altLang="en-US" sz="1600" dirty="0" err="1"/>
+              <a:t>점대점</a:t>
+            </a:r>
+            <a:r>
+              <a:rPr lang="en-US" altLang="ko-KR" sz="1600" dirty="0"/>
+              <a:t>(1:1)</a:t>
+            </a:r>
+            <a:r>
+              <a:rPr lang="ko-KR" altLang="en-US" sz="1600" dirty="0"/>
+              <a:t>통신을 즉각적으로 수행할 확률은 굉장히 낮을 수 밖에 없고</a:t>
+            </a:r>
+            <a:r>
+              <a:rPr lang="en-US" altLang="ko-KR" sz="1600" dirty="0"/>
+              <a:t>,</a:t>
+            </a:r>
+            <a:br>
+              <a:rPr lang="en-US" altLang="ko-KR" sz="1600" dirty="0"/>
+            </a:br>
+            <a:r>
+              <a:rPr lang="ko-KR" altLang="en-US" sz="1600" dirty="0"/>
+              <a:t>라우팅 테이블을 사용한 최단경로라고 해도</a:t>
+            </a:r>
+            <a:r>
+              <a:rPr lang="en-US" altLang="ko-KR" sz="1600" dirty="0"/>
+              <a:t>, </a:t>
+            </a:r>
+            <a:r>
+              <a:rPr lang="ko-KR" altLang="en-US" sz="1600" dirty="0"/>
+              <a:t>실제 최단경로가 아닐 확률도 높은 구조입니다</a:t>
+            </a:r>
+            <a:br>
+              <a:rPr lang="en-US" altLang="ko-KR" sz="1600" dirty="0"/>
+            </a:br>
+            <a:r>
+              <a:rPr lang="en-US" altLang="ko-KR" sz="1600" dirty="0"/>
+              <a:t>(</a:t>
+            </a:r>
+            <a:r>
+              <a:rPr lang="ko-KR" altLang="en-US" sz="1600" dirty="0"/>
+              <a:t>이는 모든 </a:t>
+            </a:r>
+            <a:r>
+              <a:rPr lang="en-US" altLang="ko-KR" sz="1600" dirty="0"/>
+              <a:t>AS</a:t>
+            </a:r>
+            <a:r>
+              <a:rPr lang="ko-KR" altLang="en-US" sz="1600" dirty="0"/>
+              <a:t>가 서로 다른 모든 </a:t>
+            </a:r>
+            <a:r>
+              <a:rPr lang="en-US" altLang="ko-KR" sz="1600" dirty="0"/>
+              <a:t>ASN</a:t>
+            </a:r>
+            <a:r>
+              <a:rPr lang="ko-KR" altLang="en-US" sz="1600" dirty="0"/>
+              <a:t>을 들고 있는 것이 아니라면</a:t>
+            </a:r>
+            <a:r>
+              <a:rPr lang="en-US" altLang="ko-KR" sz="1600" dirty="0"/>
+              <a:t>,</a:t>
+            </a:r>
+            <a:br>
+              <a:rPr lang="en-US" altLang="ko-KR" sz="1600" dirty="0"/>
+            </a:br>
+            <a:r>
+              <a:rPr lang="ko-KR" altLang="en-US" sz="1600" dirty="0"/>
+              <a:t>결국 정보를 거쳐가는 과정이 실제 최단경로가 아닐 수 있기 때문</a:t>
+            </a:r>
+            <a:r>
+              <a:rPr lang="en-US" altLang="ko-KR" sz="1600" dirty="0"/>
+              <a:t>)</a:t>
+            </a:r>
           </a:p>
         </p:txBody>
       </p:sp>
+      <p:pic>
+        <p:nvPicPr>
+          <p:cNvPr id="5" name="그림 4" descr="도표, 원, 스크린샷이(가) 표시된 사진&#10;&#10;자동 생성된 설명">
+            <a:extLst>
+              <a:ext uri="{FF2B5EF4-FFF2-40B4-BE49-F238E27FC236}">
+                <a16:creationId xmlns:a16="http://schemas.microsoft.com/office/drawing/2014/main" id="{55B904B4-B66B-BEFE-03D0-CC2D3789ADEC}"/>
+              </a:ext>
+            </a:extLst>
+          </p:cNvPr>
+          <p:cNvPicPr>
+            <a:picLocks noChangeAspect="1"/>
+          </p:cNvPicPr>
+          <p:nvPr/>
+        </p:nvPicPr>
+        <p:blipFill>
+          <a:blip r:embed="rId2">
+            <a:extLst>
+              <a:ext uri="{28A0092B-C50C-407E-A947-70E740481C1C}">
+                <a14:useLocalDpi xmlns:a14="http://schemas.microsoft.com/office/drawing/2010/main" val="0"/>
+              </a:ext>
+            </a:extLst>
+          </a:blip>
+          <a:stretch>
+            <a:fillRect/>
+          </a:stretch>
+        </p:blipFill>
+        <p:spPr>
+          <a:xfrm>
+            <a:off x="7962554" y="1823922"/>
+            <a:ext cx="4175041" cy="1657329"/>
+          </a:xfrm>
+          <a:prstGeom prst="rect">
+            <a:avLst/>
+          </a:prstGeom>
+        </p:spPr>
+      </p:pic>
     </p:spTree>
     <p:extLst>
       <p:ext uri="{BB962C8B-B14F-4D97-AF65-F5344CB8AC3E}">
@@ -5432,12 +5820,326 @@
             <p:ph idx="1"/>
           </p:nvPr>
         </p:nvSpPr>
-        <p:spPr/>
+        <p:spPr>
+          <a:xfrm>
+            <a:off x="762000" y="1765139"/>
+            <a:ext cx="10668000" cy="5048616"/>
+          </a:xfrm>
+        </p:spPr>
         <p:txBody>
           <a:bodyPr/>
           <a:lstStyle/>
           <a:p>
-            <a:endParaRPr lang="ko-KR" altLang="en-US" sz="1600" dirty="0"/>
+            <a:r>
+              <a:rPr lang="en-US" altLang="ko-KR" sz="1600" dirty="0"/>
+              <a:t>ISP</a:t>
+            </a:r>
+            <a:r>
+              <a:rPr lang="ko-KR" altLang="en-US" sz="1600" dirty="0"/>
+              <a:t>는 </a:t>
+            </a:r>
+            <a:r>
+              <a:rPr lang="en-US" altLang="ko-KR" sz="1600" dirty="0"/>
+              <a:t>Tier</a:t>
+            </a:r>
+            <a:r>
+              <a:rPr lang="ko-KR" altLang="en-US" sz="1600" dirty="0"/>
+              <a:t>와 함께 계층적인 연결을 지향하지만</a:t>
+            </a:r>
+            <a:r>
+              <a:rPr lang="en-US" altLang="ko-KR" sz="1600" dirty="0"/>
+              <a:t>, </a:t>
+            </a:r>
+            <a:r>
+              <a:rPr lang="ko-KR" altLang="en-US" sz="1600" dirty="0"/>
+              <a:t>반드시 순차적으로 연결하지는 않습니다</a:t>
+            </a:r>
+            <a:br>
+              <a:rPr lang="en-US" altLang="ko-KR" sz="1600" dirty="0"/>
+            </a:br>
+            <a:r>
+              <a:rPr lang="ko-KR" altLang="en-US" sz="1600" dirty="0"/>
+              <a:t>멀티</a:t>
+            </a:r>
+            <a:r>
+              <a:rPr lang="en-US" altLang="ko-KR" sz="1600" dirty="0"/>
+              <a:t>-</a:t>
+            </a:r>
+            <a:r>
+              <a:rPr lang="ko-KR" altLang="en-US" sz="1600" dirty="0"/>
+              <a:t>홈</a:t>
+            </a:r>
+            <a:r>
+              <a:rPr lang="en-US" altLang="ko-KR" sz="1600" dirty="0"/>
+              <a:t>(Multi-Homing)</a:t>
+            </a:r>
+            <a:r>
+              <a:rPr lang="ko-KR" altLang="en-US" sz="1600" dirty="0"/>
+              <a:t>은 상위 </a:t>
+            </a:r>
+            <a:r>
+              <a:rPr lang="en-US" altLang="ko-KR" sz="1600" dirty="0"/>
+              <a:t>Tier ISP</a:t>
+            </a:r>
+            <a:r>
+              <a:rPr lang="ko-KR" altLang="en-US" sz="1600" dirty="0"/>
+              <a:t>를 둘 이상 연결하는 것을 말합니다</a:t>
+            </a:r>
+            <a:endParaRPr lang="en-US" altLang="ko-KR" sz="1600" dirty="0"/>
+          </a:p>
+          <a:p>
+            <a:r>
+              <a:rPr lang="en-US" altLang="ko-KR" sz="1600" dirty="0"/>
+              <a:t>ISP </a:t>
+            </a:r>
+            <a:r>
+              <a:rPr lang="ko-KR" altLang="en-US" sz="1600" dirty="0"/>
+              <a:t>또는 </a:t>
+            </a:r>
+            <a:r>
+              <a:rPr lang="en-US" altLang="ko-KR" sz="1600" dirty="0"/>
+              <a:t>AS</a:t>
+            </a:r>
+            <a:r>
+              <a:rPr lang="ko-KR" altLang="en-US" sz="1600" dirty="0"/>
+              <a:t>는 서로 다른 </a:t>
+            </a:r>
+            <a:r>
+              <a:rPr lang="en-US" altLang="ko-KR" sz="1600" dirty="0"/>
+              <a:t>ISP </a:t>
+            </a:r>
+            <a:r>
+              <a:rPr lang="ko-KR" altLang="en-US" sz="1600" dirty="0"/>
+              <a:t>및 </a:t>
+            </a:r>
+            <a:r>
+              <a:rPr lang="en-US" altLang="ko-KR" sz="1600" dirty="0"/>
+              <a:t>AS</a:t>
+            </a:r>
+            <a:r>
+              <a:rPr lang="ko-KR" altLang="en-US" sz="1600" dirty="0"/>
+              <a:t>는 각자의 최단경로 알고리즘으로 위치를 찾아가는 편이지만</a:t>
+            </a:r>
+            <a:r>
+              <a:rPr lang="en-US" altLang="ko-KR" sz="1600" dirty="0"/>
+              <a:t>,</a:t>
+            </a:r>
+            <a:br>
+              <a:rPr lang="en-US" altLang="ko-KR" sz="1600" dirty="0"/>
+            </a:br>
+            <a:r>
+              <a:rPr lang="ko-KR" altLang="en-US" sz="1600" dirty="0"/>
+              <a:t>전체 규모가 크고 다양하며 물리적인 위치차이도 있기 때문에</a:t>
+            </a:r>
+            <a:r>
+              <a:rPr lang="en-US" altLang="ko-KR" sz="1600" dirty="0"/>
+              <a:t>,</a:t>
+            </a:r>
+            <a:br>
+              <a:rPr lang="en-US" altLang="ko-KR" sz="1600" dirty="0"/>
+            </a:br>
+            <a:r>
+              <a:rPr lang="ko-KR" altLang="en-US" sz="1600" dirty="0"/>
+              <a:t>여전히 최단경로 알고리즘으로만 해결하기에는 문제가 있을 수 있을 것입니다</a:t>
+            </a:r>
+            <a:br>
+              <a:rPr lang="en-US" altLang="ko-KR" sz="1600" dirty="0"/>
+            </a:br>
+            <a:r>
+              <a:rPr lang="en-US" altLang="ko-KR" sz="1600" dirty="0" err="1"/>
+              <a:t>IxP</a:t>
+            </a:r>
+            <a:r>
+              <a:rPr lang="en-US" altLang="ko-KR" sz="1600" dirty="0"/>
+              <a:t>(Internet exchange Point)</a:t>
+            </a:r>
+            <a:r>
+              <a:rPr lang="ko-KR" altLang="en-US" sz="1600" dirty="0"/>
+              <a:t>는 이들을 연결하는 것 만을 중점으로 처리하는 서비스를 말합니다</a:t>
+            </a:r>
+            <a:endParaRPr lang="en-US" altLang="ko-KR" sz="1600" dirty="0"/>
+          </a:p>
+          <a:p>
+            <a:r>
+              <a:rPr lang="en-US" altLang="ko-KR" sz="1600" dirty="0" err="1"/>
+              <a:t>IxP</a:t>
+            </a:r>
+            <a:r>
+              <a:rPr lang="ko-KR" altLang="en-US" sz="1600" dirty="0"/>
+              <a:t>를 사용한다면</a:t>
+            </a:r>
+            <a:r>
+              <a:rPr lang="en-US" altLang="ko-KR" sz="1600" dirty="0"/>
+              <a:t>, </a:t>
+            </a:r>
+            <a:r>
+              <a:rPr lang="en-US" altLang="ko-KR" sz="1600" dirty="0" err="1"/>
+              <a:t>IxP</a:t>
+            </a:r>
+            <a:r>
+              <a:rPr lang="ko-KR" altLang="en-US" sz="1600" dirty="0"/>
+              <a:t>가 </a:t>
+            </a:r>
+            <a:r>
+              <a:rPr lang="en-US" altLang="ko-KR" sz="1600" dirty="0"/>
+              <a:t>AS</a:t>
+            </a:r>
+            <a:r>
+              <a:rPr lang="ko-KR" altLang="en-US" sz="1600" dirty="0"/>
+              <a:t>를 가지고 있다는 전제하에 거의 </a:t>
+            </a:r>
+            <a:r>
+              <a:rPr lang="ko-KR" altLang="en-US" sz="1600" dirty="0" err="1"/>
+              <a:t>점대점</a:t>
+            </a:r>
+            <a:r>
+              <a:rPr lang="ko-KR" altLang="en-US" sz="1600" dirty="0"/>
+              <a:t> 통신을 가능하게 도와줄 수 있으며</a:t>
+            </a:r>
+            <a:r>
+              <a:rPr lang="en-US" altLang="ko-KR" sz="1600" dirty="0"/>
+              <a:t>,</a:t>
+            </a:r>
+            <a:br>
+              <a:rPr lang="en-US" altLang="ko-KR" sz="1600" dirty="0"/>
+            </a:br>
+            <a:r>
+              <a:rPr lang="ko-KR" altLang="en-US" sz="1600" dirty="0"/>
+              <a:t>이는 반응시간의 이점도 있지만</a:t>
+            </a:r>
+            <a:r>
+              <a:rPr lang="en-US" altLang="ko-KR" sz="1600" dirty="0"/>
+              <a:t>, </a:t>
+            </a:r>
+            <a:r>
+              <a:rPr lang="ko-KR" altLang="en-US" sz="1600" dirty="0"/>
+              <a:t>전반적인 트래픽 부하를 굉장히 줄여주는 이점도 있습니다</a:t>
+            </a:r>
+            <a:endParaRPr lang="en-US" altLang="ko-KR" sz="1600" dirty="0"/>
+          </a:p>
+          <a:p>
+            <a:endParaRPr lang="en-US" altLang="ko-KR" sz="1600" dirty="0"/>
+          </a:p>
+          <a:p>
+            <a:r>
+              <a:rPr lang="en-US" altLang="ko-KR" sz="1600" dirty="0"/>
+              <a:t>MPLS(Multi Protocol Label Switching)</a:t>
+            </a:r>
+            <a:r>
+              <a:rPr lang="ko-KR" altLang="en-US" sz="1600" dirty="0"/>
+              <a:t>는 기존 라우팅 방식인 헤더 검사 </a:t>
+            </a:r>
+            <a:r>
+              <a:rPr lang="en-US" altLang="ko-KR" sz="1600" dirty="0"/>
+              <a:t>– </a:t>
+            </a:r>
+            <a:r>
+              <a:rPr lang="ko-KR" altLang="en-US" sz="1600" dirty="0"/>
+              <a:t>라우팅 테이블 참조 구조의</a:t>
+            </a:r>
+            <a:br>
+              <a:rPr lang="en-US" altLang="ko-KR" sz="1600" dirty="0"/>
+            </a:br>
+            <a:r>
+              <a:rPr lang="ko-KR" altLang="en-US" sz="1600" dirty="0"/>
+              <a:t>태생적인 한계</a:t>
+            </a:r>
+            <a:r>
+              <a:rPr lang="en-US" altLang="ko-KR" sz="1600" dirty="0"/>
+              <a:t>(</a:t>
+            </a:r>
+            <a:r>
+              <a:rPr lang="ko-KR" altLang="en-US" sz="1600" dirty="0"/>
+              <a:t>속도 자원의 부하</a:t>
+            </a:r>
+            <a:r>
+              <a:rPr lang="en-US" altLang="ko-KR" sz="1600" dirty="0"/>
+              <a:t>)</a:t>
+            </a:r>
+            <a:r>
+              <a:rPr lang="ko-KR" altLang="en-US" sz="1600" dirty="0"/>
+              <a:t>로 인해 더 빠르게 패킷을 처리하기 위한 대안입니다</a:t>
+            </a:r>
+            <a:endParaRPr lang="en-US" altLang="ko-KR" sz="1600" dirty="0"/>
+          </a:p>
+          <a:p>
+            <a:r>
+              <a:rPr lang="en-US" altLang="ko-KR" sz="1600" dirty="0"/>
+              <a:t>MPLS</a:t>
+            </a:r>
+            <a:r>
+              <a:rPr lang="ko-KR" altLang="en-US" sz="1600" dirty="0"/>
+              <a:t>는 </a:t>
+            </a:r>
+            <a:r>
+              <a:rPr lang="en-US" altLang="ko-KR" sz="1600" dirty="0"/>
+              <a:t>MPLS</a:t>
+            </a:r>
+            <a:r>
+              <a:rPr lang="ko-KR" altLang="en-US" sz="1600" dirty="0"/>
+              <a:t>망을 사용하여 내부에서는 고속이동이 보장되지만</a:t>
+            </a:r>
+            <a:r>
+              <a:rPr lang="en-US" altLang="ko-KR" sz="1600" dirty="0"/>
+              <a:t>,</a:t>
+            </a:r>
+            <a:br>
+              <a:rPr lang="en-US" altLang="ko-KR" sz="1600" dirty="0"/>
+            </a:br>
+            <a:r>
+              <a:rPr lang="ko-KR" altLang="en-US" sz="1600" dirty="0"/>
+              <a:t>입구와 출구 두 개의 라우터를 거친 이후는 기존의 라우팅 방식을 사용하기 때문에</a:t>
+            </a:r>
+            <a:r>
+              <a:rPr lang="en-US" altLang="ko-KR" sz="1600" dirty="0"/>
+              <a:t>,</a:t>
+            </a:r>
+            <a:br>
+              <a:rPr lang="en-US" altLang="ko-KR" sz="1600" dirty="0"/>
+            </a:br>
+            <a:r>
+              <a:rPr lang="ko-KR" altLang="en-US" sz="1600" dirty="0"/>
+              <a:t>코어 네트워크</a:t>
+            </a:r>
+            <a:r>
+              <a:rPr lang="en-US" altLang="ko-KR" sz="1600" dirty="0"/>
+              <a:t>(</a:t>
+            </a:r>
+            <a:r>
+              <a:rPr lang="ko-KR" altLang="en-US" sz="1600" dirty="0"/>
+              <a:t>주로 대규모 백본</a:t>
+            </a:r>
+            <a:r>
+              <a:rPr lang="en-US" altLang="ko-KR" sz="1600" dirty="0"/>
+              <a:t>)</a:t>
+            </a:r>
+            <a:r>
+              <a:rPr lang="ko-KR" altLang="en-US" sz="1600" dirty="0"/>
+              <a:t>에서 사용되는 기술입니다</a:t>
+            </a:r>
+            <a:endParaRPr lang="en-US" altLang="ko-KR" sz="1600" dirty="0"/>
+          </a:p>
+          <a:p>
+            <a:r>
+              <a:rPr lang="ko-KR" altLang="en-US" sz="1600" dirty="0"/>
+              <a:t>오늘날에는 </a:t>
+            </a:r>
+            <a:r>
+              <a:rPr lang="en-US" altLang="ko-KR" sz="1600" dirty="0"/>
+              <a:t>MPLS</a:t>
+            </a:r>
+            <a:r>
+              <a:rPr lang="ko-KR" altLang="en-US" sz="1600" dirty="0"/>
+              <a:t>와 </a:t>
+            </a:r>
+            <a:r>
+              <a:rPr lang="en-US" altLang="ko-KR" sz="1600" dirty="0"/>
+              <a:t>SD-WAN(Software-Defined Wide Area Network)</a:t>
+            </a:r>
+            <a:r>
+              <a:rPr lang="ko-KR" altLang="en-US" sz="1600" dirty="0"/>
+              <a:t>을 자주 사용하는 편입니다</a:t>
+            </a:r>
           </a:p>
         </p:txBody>
       </p:sp>
@@ -5516,12 +6218,270 @@
             <p:ph idx="1"/>
           </p:nvPr>
         </p:nvSpPr>
-        <p:spPr/>
+        <p:spPr>
+          <a:xfrm>
+            <a:off x="762000" y="1765139"/>
+            <a:ext cx="10668000" cy="5030918"/>
+          </a:xfrm>
+        </p:spPr>
         <p:txBody>
           <a:bodyPr/>
           <a:lstStyle/>
           <a:p>
-            <a:endParaRPr lang="ko-KR" altLang="en-US" sz="1600" dirty="0"/>
+            <a:r>
+              <a:rPr lang="ko-KR" altLang="en-US" sz="1600" dirty="0"/>
+              <a:t>네트워크는 이렇게 다양한 집단부터 세세한 호스트까지 통신이 자유자재로 이루어져야 하기 때문에</a:t>
+            </a:r>
+            <a:r>
+              <a:rPr lang="en-US" altLang="ko-KR" sz="1600" dirty="0"/>
+              <a:t>,</a:t>
+            </a:r>
+            <a:br>
+              <a:rPr lang="en-US" altLang="ko-KR" sz="1600" dirty="0"/>
+            </a:br>
+            <a:r>
+              <a:rPr lang="ko-KR" altLang="en-US" sz="1600" dirty="0"/>
+              <a:t>데이터 포맷 같은 상위 계층의 규칙부터</a:t>
+            </a:r>
+            <a:r>
+              <a:rPr lang="en-US" altLang="ko-KR" sz="1600" dirty="0"/>
+              <a:t>, </a:t>
+            </a:r>
+            <a:r>
+              <a:rPr lang="ko-KR" altLang="en-US" sz="1600" dirty="0"/>
+              <a:t>네트워크 통신에 필요한 패킷의 규칙들도</a:t>
+            </a:r>
+            <a:br>
+              <a:rPr lang="en-US" altLang="ko-KR" sz="1600" dirty="0"/>
+            </a:br>
+            <a:r>
+              <a:rPr lang="ko-KR" altLang="en-US" sz="1600" dirty="0"/>
+              <a:t>매우 중요하게 사용될 것입니다</a:t>
+            </a:r>
+            <a:endParaRPr lang="en-US" altLang="ko-KR" sz="1600" dirty="0"/>
+          </a:p>
+          <a:p>
+            <a:r>
+              <a:rPr lang="ko-KR" altLang="en-US" sz="1600" dirty="0"/>
+              <a:t>프로토콜</a:t>
+            </a:r>
+            <a:r>
+              <a:rPr lang="en-US" altLang="ko-KR" sz="1600" dirty="0"/>
+              <a:t>(Protocol)</a:t>
+            </a:r>
+            <a:r>
+              <a:rPr lang="ko-KR" altLang="en-US" sz="1600" dirty="0"/>
+              <a:t>은 네트워크에서 규약을 의미하는 단어로</a:t>
+            </a:r>
+            <a:br>
+              <a:rPr lang="en-US" altLang="ko-KR" sz="1600" dirty="0"/>
+            </a:br>
+            <a:r>
+              <a:rPr lang="ko-KR" altLang="en-US" sz="1600" dirty="0"/>
+              <a:t>네트워크 통신을 </a:t>
+            </a:r>
+            <a:r>
+              <a:rPr lang="en-US" altLang="ko-KR" sz="1600" dirty="0"/>
+              <a:t>Layer</a:t>
+            </a:r>
+            <a:r>
+              <a:rPr lang="ko-KR" altLang="en-US" sz="1600" dirty="0"/>
+              <a:t>의 개념으로 단계를 나누고</a:t>
+            </a:r>
+            <a:r>
+              <a:rPr lang="en-US" altLang="ko-KR" sz="1600" dirty="0"/>
+              <a:t> </a:t>
+            </a:r>
+            <a:r>
+              <a:rPr lang="ko-KR" altLang="en-US" sz="1600" dirty="0"/>
+              <a:t>각 </a:t>
+            </a:r>
+            <a:r>
+              <a:rPr lang="en-US" altLang="ko-KR" sz="1600" dirty="0"/>
+              <a:t>Layer</a:t>
+            </a:r>
+            <a:r>
+              <a:rPr lang="ko-KR" altLang="en-US" sz="1600" dirty="0"/>
+              <a:t>의 통신 표준 규칙을 만들며</a:t>
+            </a:r>
+            <a:r>
+              <a:rPr lang="en-US" altLang="ko-KR" sz="1600" dirty="0"/>
+              <a:t>,</a:t>
+            </a:r>
+            <a:br>
+              <a:rPr lang="en-US" altLang="ko-KR" sz="1600" dirty="0"/>
+            </a:br>
+            <a:r>
+              <a:rPr lang="ko-KR" altLang="en-US" sz="1600" dirty="0"/>
+              <a:t>해당 규칙을 준수한 패킷은 온전하게 전달되도록 보장해주는 시스템 기반을 고안하는</a:t>
+            </a:r>
+            <a:br>
+              <a:rPr lang="en-US" altLang="ko-KR" sz="1600" dirty="0"/>
+            </a:br>
+            <a:r>
+              <a:rPr lang="ko-KR" altLang="en-US" sz="1600" dirty="0"/>
+              <a:t>일련의 규약을 통칭합니다</a:t>
+            </a:r>
+            <a:endParaRPr lang="en-US" altLang="ko-KR" sz="1600" dirty="0"/>
+          </a:p>
+          <a:p>
+            <a:r>
+              <a:rPr lang="ko-KR" altLang="en-US" sz="1600" dirty="0"/>
+              <a:t>오늘날 프로토콜은 종류가 굉장히 많고</a:t>
+            </a:r>
+            <a:r>
+              <a:rPr lang="en-US" altLang="ko-KR" sz="1600" dirty="0"/>
+              <a:t>, </a:t>
+            </a:r>
+            <a:r>
+              <a:rPr lang="ko-KR" altLang="en-US" sz="1600" dirty="0"/>
+              <a:t>보안이 약한 규약부터</a:t>
+            </a:r>
+            <a:br>
+              <a:rPr lang="en-US" altLang="ko-KR" sz="1600" dirty="0"/>
+            </a:br>
+            <a:r>
+              <a:rPr lang="ko-KR" altLang="en-US" sz="1600" dirty="0"/>
+              <a:t>이를 해결하기 위한 보안이 뛰어난 규약까지 다양하게 사용되고 있습니다</a:t>
+            </a:r>
+            <a:endParaRPr lang="en-US" altLang="ko-KR" sz="1600" dirty="0"/>
+          </a:p>
+          <a:p>
+            <a:r>
+              <a:rPr lang="ko-KR" altLang="en-US" sz="1600" dirty="0"/>
+              <a:t>대표적으로 사용되는 프로토콜에는 </a:t>
+            </a:r>
+            <a:r>
+              <a:rPr lang="en-US" altLang="ko-KR" sz="1600" dirty="0"/>
+              <a:t>HTTP(S), DNS, IP, TCP/UDP, SSH, RDP, DHCP, SMTP</a:t>
+            </a:r>
+            <a:r>
+              <a:rPr lang="ko-KR" altLang="en-US" sz="1600" dirty="0"/>
+              <a:t>등이 있습니다</a:t>
+            </a:r>
+            <a:endParaRPr lang="en-US" altLang="ko-KR" sz="1600" dirty="0"/>
+          </a:p>
+          <a:p>
+            <a:r>
+              <a:rPr lang="en-US" altLang="ko-KR" sz="1600" dirty="0"/>
+              <a:t>OSI</a:t>
+            </a:r>
+            <a:r>
+              <a:rPr lang="ko-KR" altLang="en-US" sz="1600" dirty="0"/>
+              <a:t> </a:t>
+            </a:r>
+            <a:r>
+              <a:rPr lang="en-US" altLang="ko-KR" sz="1600" dirty="0"/>
+              <a:t>7</a:t>
+            </a:r>
+            <a:r>
+              <a:rPr lang="ko-KR" altLang="en-US" sz="1600" dirty="0"/>
+              <a:t> </a:t>
+            </a:r>
+            <a:r>
+              <a:rPr lang="en-US" altLang="ko-KR" sz="1600" dirty="0"/>
+              <a:t>Layer</a:t>
+            </a:r>
+            <a:r>
+              <a:rPr lang="ko-KR" altLang="en-US" sz="1600" dirty="0"/>
+              <a:t>는 통신 </a:t>
+            </a:r>
+            <a:r>
+              <a:rPr lang="en-US" altLang="ko-KR" sz="1600" dirty="0"/>
+              <a:t>Layer </a:t>
+            </a:r>
+            <a:r>
+              <a:rPr lang="ko-KR" altLang="en-US" sz="1600" dirty="0"/>
+              <a:t>개념 중에서 가장 표준화 된 개념으로</a:t>
+            </a:r>
+            <a:br>
+              <a:rPr lang="en-US" altLang="ko-KR" sz="1600" dirty="0"/>
+            </a:br>
+            <a:r>
+              <a:rPr lang="ko-KR" altLang="en-US" sz="1600" dirty="0"/>
+              <a:t>모든 네트워크 통신을 </a:t>
+            </a:r>
+            <a:r>
+              <a:rPr lang="en-US" altLang="ko-KR" sz="1600" dirty="0"/>
+              <a:t>7</a:t>
+            </a:r>
+            <a:r>
+              <a:rPr lang="ko-KR" altLang="en-US" sz="1600" dirty="0"/>
+              <a:t>계층으로 분류하여 각 계층의 규약을 정의하고</a:t>
+            </a:r>
+            <a:r>
+              <a:rPr lang="en-US" altLang="ko-KR" sz="1600" dirty="0"/>
+              <a:t> </a:t>
+            </a:r>
+            <a:r>
+              <a:rPr lang="ko-KR" altLang="en-US" sz="1600" dirty="0"/>
+              <a:t>있습니다</a:t>
+            </a:r>
+            <a:endParaRPr lang="en-US" altLang="ko-KR" sz="1600" dirty="0"/>
+          </a:p>
+          <a:p>
+            <a:r>
+              <a:rPr lang="ko-KR" altLang="en-US" sz="1600" dirty="0"/>
+              <a:t>오늘날에는 각 계층의 할 일이나 특징</a:t>
+            </a:r>
+            <a:r>
+              <a:rPr lang="en-US" altLang="ko-KR" sz="1600" dirty="0"/>
+              <a:t>, </a:t>
+            </a:r>
+            <a:r>
+              <a:rPr lang="ko-KR" altLang="en-US" sz="1600" dirty="0"/>
+              <a:t>다양한 기술 등을 </a:t>
+            </a:r>
+            <a:r>
+              <a:rPr lang="en-US" altLang="ko-KR" sz="1600" dirty="0"/>
+              <a:t>OSI</a:t>
+            </a:r>
+            <a:r>
+              <a:rPr lang="ko-KR" altLang="en-US" sz="1600" dirty="0"/>
+              <a:t>를 표준으로 작성하는 경우가 많습니다</a:t>
+            </a:r>
+            <a:endParaRPr lang="en-US" altLang="ko-KR" sz="1600" dirty="0"/>
+          </a:p>
+          <a:p>
+            <a:r>
+              <a:rPr lang="en-US" altLang="ko-KR" sz="1600" dirty="0"/>
+              <a:t>PDU(Protocol Data Unit)</a:t>
+            </a:r>
+            <a:r>
+              <a:rPr lang="ko-KR" altLang="en-US" sz="1600" dirty="0"/>
+              <a:t>는 각 계층에서 주고 받을 수 있는 정보의 단위를 말합니다</a:t>
+            </a:r>
+            <a:br>
+              <a:rPr lang="en-US" altLang="ko-KR" sz="1600" dirty="0"/>
+            </a:br>
+            <a:r>
+              <a:rPr lang="ko-KR" altLang="en-US" sz="1600" dirty="0"/>
+              <a:t>일반적으로 </a:t>
+            </a:r>
+            <a:r>
+              <a:rPr lang="en-US" altLang="ko-KR" sz="1600" dirty="0"/>
+              <a:t>PDU</a:t>
+            </a:r>
+            <a:r>
+              <a:rPr lang="ko-KR" altLang="en-US" sz="1600" dirty="0"/>
+              <a:t>는 헤더</a:t>
+            </a:r>
+            <a:r>
+              <a:rPr lang="en-US" altLang="ko-KR" sz="1600" dirty="0"/>
+              <a:t>(Header)</a:t>
+            </a:r>
+            <a:r>
+              <a:rPr lang="ko-KR" altLang="en-US" sz="1600" dirty="0"/>
+              <a:t>필드 와 페이로드</a:t>
+            </a:r>
+            <a:r>
+              <a:rPr lang="en-US" altLang="ko-KR" sz="1600" dirty="0"/>
+              <a:t>(Payload)</a:t>
+            </a:r>
+            <a:r>
+              <a:rPr lang="ko-KR" altLang="en-US" sz="1600" dirty="0"/>
+              <a:t>필드로 구성되어 있습니다</a:t>
+            </a:r>
           </a:p>
         </p:txBody>
       </p:sp>
@@ -5600,15 +6560,380 @@
             <p:ph idx="1"/>
           </p:nvPr>
         </p:nvSpPr>
-        <p:spPr/>
+        <p:spPr>
+          <a:xfrm>
+            <a:off x="761999" y="1734410"/>
+            <a:ext cx="10965917" cy="5123590"/>
+          </a:xfrm>
+        </p:spPr>
         <p:txBody>
           <a:bodyPr/>
           <a:lstStyle/>
           <a:p>
-            <a:endParaRPr lang="ko-KR" altLang="en-US" sz="1600" dirty="0"/>
+            <a:r>
+              <a:rPr lang="ko-KR" altLang="en-US" sz="1600" dirty="0"/>
+              <a:t>각 계층의 내용은 다음과 같습니다</a:t>
+            </a:r>
+            <a:endParaRPr lang="en-US" altLang="ko-KR" sz="1600" dirty="0"/>
+          </a:p>
+          <a:p>
+            <a:pPr marL="342900" indent="-342900">
+              <a:buFont typeface="+mj-lt"/>
+              <a:buAutoNum type="arabicPeriod"/>
+            </a:pPr>
+            <a:r>
+              <a:rPr lang="ko-KR" altLang="en-US" sz="1600" dirty="0"/>
+              <a:t>물리계층</a:t>
+            </a:r>
+            <a:r>
+              <a:rPr lang="en-US" altLang="ko-KR" sz="1600" dirty="0"/>
+              <a:t>(Physical Layer): </a:t>
+            </a:r>
+            <a:r>
+              <a:rPr lang="ko-KR" altLang="en-US" sz="1600" dirty="0"/>
+              <a:t>최 하단 계층으로</a:t>
+            </a:r>
+            <a:br>
+              <a:rPr lang="en-US" altLang="ko-KR" sz="1600" dirty="0"/>
+            </a:br>
+            <a:r>
+              <a:rPr lang="ko-KR" altLang="en-US" sz="1600" dirty="0"/>
+              <a:t>물리적인 선 또는 매체를 사용해서 프레임을</a:t>
+            </a:r>
+            <a:r>
+              <a:rPr lang="en-US" altLang="ko-KR" sz="1600" dirty="0"/>
+              <a:t> Bit</a:t>
+            </a:r>
+            <a:r>
+              <a:rPr lang="ko-KR" altLang="en-US" sz="1600" dirty="0"/>
+              <a:t>단위로</a:t>
+            </a:r>
+            <a:br>
+              <a:rPr lang="en-US" altLang="ko-KR" sz="1600" dirty="0"/>
+            </a:br>
+            <a:r>
+              <a:rPr lang="ko-KR" altLang="en-US" sz="1600" dirty="0"/>
+              <a:t>전송하는 계층입니다</a:t>
+            </a:r>
+            <a:endParaRPr lang="en-US" altLang="ko-KR" sz="1600" dirty="0"/>
+          </a:p>
+          <a:p>
+            <a:pPr marL="342900" indent="-342900">
+              <a:buFont typeface="+mj-lt"/>
+              <a:buAutoNum type="arabicPeriod"/>
+            </a:pPr>
+            <a:r>
+              <a:rPr lang="ko-KR" altLang="en-US" sz="1600" dirty="0"/>
+              <a:t>링크계층</a:t>
+            </a:r>
+            <a:r>
+              <a:rPr lang="en-US" altLang="ko-KR" sz="1600" dirty="0"/>
+              <a:t>(Datalink Layer): L2 </a:t>
+            </a:r>
+            <a:r>
+              <a:rPr lang="ko-KR" altLang="en-US" sz="1600" dirty="0"/>
+              <a:t>계층으로</a:t>
+            </a:r>
+            <a:br>
+              <a:rPr lang="en-US" altLang="ko-KR" sz="1600" dirty="0"/>
+            </a:br>
+            <a:r>
+              <a:rPr lang="en-US" altLang="ko-KR" sz="1600" dirty="0"/>
+              <a:t>PDU</a:t>
+            </a:r>
+            <a:r>
+              <a:rPr lang="ko-KR" altLang="en-US" sz="1600" dirty="0"/>
+              <a:t>는 프레임</a:t>
+            </a:r>
+            <a:r>
+              <a:rPr lang="en-US" altLang="ko-KR" sz="1600" dirty="0"/>
+              <a:t>(Frame)</a:t>
+            </a:r>
+            <a:r>
+              <a:rPr lang="ko-KR" altLang="en-US" sz="1600" dirty="0"/>
+              <a:t>을 사용하여 </a:t>
+            </a:r>
+            <a:r>
+              <a:rPr lang="en-US" altLang="ko-KR" sz="1600" dirty="0"/>
+              <a:t>L3 </a:t>
+            </a:r>
+            <a:r>
+              <a:rPr lang="ko-KR" altLang="en-US" sz="1600" dirty="0"/>
+              <a:t>데이터 그램을</a:t>
+            </a:r>
+            <a:br>
+              <a:rPr lang="en-US" altLang="ko-KR" sz="1600" dirty="0"/>
+            </a:br>
+            <a:r>
+              <a:rPr lang="ko-KR" altLang="en-US" sz="1600" dirty="0"/>
+              <a:t>물리장치로부터 정보를 송수신하는 계층입니다</a:t>
+            </a:r>
+            <a:endParaRPr lang="en-US" altLang="ko-KR" sz="1600" dirty="0"/>
+          </a:p>
+          <a:p>
+            <a:pPr marL="342900" indent="-342900">
+              <a:buFont typeface="+mj-lt"/>
+              <a:buAutoNum type="arabicPeriod"/>
+            </a:pPr>
+            <a:r>
+              <a:rPr lang="ko-KR" altLang="en-US" sz="1600" dirty="0"/>
+              <a:t>네트워크계층</a:t>
+            </a:r>
+            <a:r>
+              <a:rPr lang="en-US" altLang="ko-KR" sz="1600" dirty="0"/>
+              <a:t>(Network</a:t>
+            </a:r>
+            <a:r>
+              <a:rPr lang="ko-KR" altLang="en-US" sz="1600" dirty="0"/>
+              <a:t> </a:t>
+            </a:r>
+            <a:r>
+              <a:rPr lang="en-US" altLang="ko-KR" sz="1600" dirty="0"/>
+              <a:t>Layer): L3 </a:t>
+            </a:r>
+            <a:r>
+              <a:rPr lang="ko-KR" altLang="en-US" sz="1600" dirty="0"/>
+              <a:t>계층으로</a:t>
+            </a:r>
+            <a:br>
+              <a:rPr lang="en-US" altLang="ko-KR" sz="1600" dirty="0"/>
+            </a:br>
+            <a:r>
+              <a:rPr lang="en-US" altLang="ko-KR" sz="1600" dirty="0"/>
+              <a:t>PDU</a:t>
+            </a:r>
+            <a:r>
+              <a:rPr lang="ko-KR" altLang="en-US" sz="1600" dirty="0"/>
+              <a:t>는 데이터 그램</a:t>
+            </a:r>
+            <a:r>
+              <a:rPr lang="en-US" altLang="ko-KR" sz="1600" dirty="0"/>
+              <a:t>(Datagram)</a:t>
+            </a:r>
+            <a:r>
+              <a:rPr lang="ko-KR" altLang="en-US" sz="1600" dirty="0"/>
+              <a:t>을 사용하여 </a:t>
+            </a:r>
+            <a:r>
+              <a:rPr lang="en-US" altLang="ko-KR" sz="1600" dirty="0"/>
+              <a:t>L4 </a:t>
+            </a:r>
+            <a:r>
+              <a:rPr lang="ko-KR" altLang="en-US" sz="1600" dirty="0"/>
+              <a:t>세그먼트를</a:t>
+            </a:r>
+            <a:br>
+              <a:rPr lang="en-US" altLang="ko-KR" sz="1600" dirty="0"/>
+            </a:br>
+            <a:r>
+              <a:rPr lang="ko-KR" altLang="en-US" sz="1600" dirty="0"/>
+              <a:t>상대의 호스트</a:t>
+            </a:r>
+            <a:r>
+              <a:rPr lang="en-US" altLang="ko-KR" sz="1600" dirty="0"/>
+              <a:t>(IP)</a:t>
+            </a:r>
+            <a:r>
+              <a:rPr lang="ko-KR" altLang="en-US" sz="1600" dirty="0"/>
+              <a:t>로 송수신 하도록 매개해주는 계층입니다</a:t>
+            </a:r>
+            <a:endParaRPr lang="en-US" altLang="ko-KR" sz="1600" dirty="0"/>
+          </a:p>
+          <a:p>
+            <a:pPr marL="342900" indent="-342900">
+              <a:buFont typeface="+mj-lt"/>
+              <a:buAutoNum type="arabicPeriod"/>
+            </a:pPr>
+            <a:r>
+              <a:rPr lang="ko-KR" altLang="en-US" sz="1600" dirty="0"/>
+              <a:t>트랜스포트계층</a:t>
+            </a:r>
+            <a:r>
+              <a:rPr lang="en-US" altLang="ko-KR" sz="1600" dirty="0"/>
+              <a:t>(Transport</a:t>
+            </a:r>
+            <a:r>
+              <a:rPr lang="ko-KR" altLang="en-US" sz="1600" dirty="0"/>
+              <a:t> </a:t>
+            </a:r>
+            <a:r>
+              <a:rPr lang="en-US" altLang="ko-KR" sz="1600" dirty="0"/>
+              <a:t>Layer): L4 </a:t>
+            </a:r>
+            <a:r>
+              <a:rPr lang="ko-KR" altLang="en-US" sz="1600" dirty="0"/>
+              <a:t>계층으로</a:t>
+            </a:r>
+            <a:br>
+              <a:rPr lang="en-US" altLang="ko-KR" sz="1600" dirty="0"/>
+            </a:br>
+            <a:r>
+              <a:rPr lang="en-US" altLang="ko-KR" sz="1600" dirty="0"/>
+              <a:t>PDU</a:t>
+            </a:r>
+            <a:r>
+              <a:rPr lang="ko-KR" altLang="en-US" sz="1600" dirty="0"/>
+              <a:t>는 세그먼트</a:t>
+            </a:r>
+            <a:r>
+              <a:rPr lang="en-US" altLang="ko-KR" sz="1600" dirty="0"/>
+              <a:t>(Segment)</a:t>
+            </a:r>
+            <a:r>
+              <a:rPr lang="ko-KR" altLang="en-US" sz="1600" dirty="0"/>
+              <a:t>을 사용하여 </a:t>
+            </a:r>
+            <a:r>
+              <a:rPr lang="en-US" altLang="ko-KR" sz="1600" dirty="0"/>
+              <a:t>L5 </a:t>
+            </a:r>
+            <a:r>
+              <a:rPr lang="ko-KR" altLang="en-US" sz="1600" dirty="0"/>
+              <a:t>메시지를</a:t>
+            </a:r>
+            <a:br>
+              <a:rPr lang="en-US" altLang="ko-KR" sz="1600" dirty="0"/>
+            </a:br>
+            <a:r>
+              <a:rPr lang="en-US" altLang="ko-KR" sz="1600" dirty="0"/>
+              <a:t>TCP/UDP(</a:t>
+            </a:r>
+            <a:r>
+              <a:rPr lang="ko-KR" altLang="en-US" sz="1600" dirty="0"/>
+              <a:t>소켓</a:t>
+            </a:r>
+            <a:r>
+              <a:rPr lang="en-US" altLang="ko-KR" sz="1600" dirty="0"/>
+              <a:t>)</a:t>
+            </a:r>
+            <a:r>
+              <a:rPr lang="ko-KR" altLang="en-US" sz="1600" dirty="0"/>
+              <a:t>로 송수신 하도록 매개해주는 계층입니다</a:t>
+            </a:r>
+            <a:endParaRPr lang="en-US" altLang="ko-KR" sz="1600" dirty="0"/>
+          </a:p>
+          <a:p>
+            <a:pPr marL="342900" indent="-342900">
+              <a:buFont typeface="+mj-lt"/>
+              <a:buAutoNum type="arabicPeriod"/>
+            </a:pPr>
+            <a:r>
+              <a:rPr lang="ko-KR" altLang="en-US" sz="1600" dirty="0"/>
+              <a:t>응용계층</a:t>
+            </a:r>
+            <a:r>
+              <a:rPr lang="en-US" altLang="ko-KR" sz="1600" dirty="0"/>
+              <a:t>(Application Layer): L5 </a:t>
+            </a:r>
+            <a:r>
+              <a:rPr lang="ko-KR" altLang="en-US" sz="1600" dirty="0"/>
+              <a:t>계층으로</a:t>
+            </a:r>
+            <a:br>
+              <a:rPr lang="en-US" altLang="ko-KR" sz="1600" dirty="0"/>
+            </a:br>
+            <a:r>
+              <a:rPr lang="en-US" altLang="ko-KR" sz="1600" dirty="0"/>
+              <a:t>PDU</a:t>
+            </a:r>
+            <a:r>
+              <a:rPr lang="ko-KR" altLang="en-US" sz="1600" dirty="0"/>
+              <a:t>는 메시지</a:t>
+            </a:r>
+            <a:r>
+              <a:rPr lang="en-US" altLang="ko-KR" sz="1600" dirty="0"/>
+              <a:t>(Message)</a:t>
+            </a:r>
+            <a:r>
+              <a:rPr lang="ko-KR" altLang="en-US" sz="1600" dirty="0"/>
+              <a:t>를 사용하여 사용자가 사용 가능하도록</a:t>
+            </a:r>
+            <a:r>
+              <a:rPr lang="en-US" altLang="ko-KR" sz="1600" dirty="0"/>
+              <a:t> </a:t>
+            </a:r>
+            <a:r>
+              <a:rPr lang="ko-KR" altLang="en-US" sz="1600" dirty="0"/>
+              <a:t>정보의 송수신 및 처리를 해주는 계층입니다</a:t>
+            </a:r>
+            <a:br>
+              <a:rPr lang="en-US" altLang="ko-KR" sz="1600" dirty="0"/>
+            </a:br>
+            <a:r>
+              <a:rPr lang="en-US" altLang="ko-KR" sz="1600" dirty="0"/>
+              <a:t>(</a:t>
+            </a:r>
+            <a:r>
+              <a:rPr lang="ko-KR" altLang="en-US" sz="1600" dirty="0"/>
+              <a:t>표현계층</a:t>
+            </a:r>
+            <a:r>
+              <a:rPr lang="en-US" altLang="ko-KR" sz="1600" dirty="0"/>
+              <a:t>(Presentation Layer)</a:t>
+            </a:r>
+            <a:r>
+              <a:rPr lang="ko-KR" altLang="en-US" sz="1600" dirty="0"/>
+              <a:t>과 세션계층</a:t>
+            </a:r>
+            <a:r>
+              <a:rPr lang="en-US" altLang="ko-KR" sz="1600" dirty="0"/>
+              <a:t>(Session</a:t>
+            </a:r>
+            <a:r>
+              <a:rPr lang="ko-KR" altLang="en-US" sz="1600" dirty="0"/>
+              <a:t> </a:t>
+            </a:r>
+            <a:r>
+              <a:rPr lang="en-US" altLang="ko-KR" sz="1600" dirty="0"/>
+              <a:t>Layer)</a:t>
+            </a:r>
+            <a:r>
+              <a:rPr lang="ko-KR" altLang="en-US" sz="1600" dirty="0"/>
+              <a:t>은 응용계층에 포함되는 세부 계층입니다</a:t>
+            </a:r>
+            <a:r>
+              <a:rPr lang="en-US" altLang="ko-KR" sz="1600" dirty="0"/>
+              <a:t>)</a:t>
+            </a:r>
           </a:p>
         </p:txBody>
       </p:sp>
+      <p:pic>
+        <p:nvPicPr>
+          <p:cNvPr id="5" name="그림 4" descr="텍스트, 스크린샷, 소프트웨어, 웹 페이지이(가) 표시된 사진&#10;&#10;자동 생성된 설명">
+            <a:extLst>
+              <a:ext uri="{FF2B5EF4-FFF2-40B4-BE49-F238E27FC236}">
+                <a16:creationId xmlns:a16="http://schemas.microsoft.com/office/drawing/2014/main" id="{294BB25D-374F-BAF8-4533-FBF4E1AFC112}"/>
+              </a:ext>
+            </a:extLst>
+          </p:cNvPr>
+          <p:cNvPicPr>
+            <a:picLocks noChangeAspect="1"/>
+          </p:cNvPicPr>
+          <p:nvPr/>
+        </p:nvPicPr>
+        <p:blipFill>
+          <a:blip r:embed="rId2">
+            <a:extLst>
+              <a:ext uri="{28A0092B-C50C-407E-A947-70E740481C1C}">
+                <a14:useLocalDpi xmlns:a14="http://schemas.microsoft.com/office/drawing/2010/main" val="0"/>
+              </a:ext>
+            </a:extLst>
+          </a:blip>
+          <a:stretch>
+            <a:fillRect/>
+          </a:stretch>
+        </p:blipFill>
+        <p:spPr>
+          <a:xfrm>
+            <a:off x="6974248" y="2155372"/>
+            <a:ext cx="5152991" cy="3962260"/>
+          </a:xfrm>
+          <a:prstGeom prst="rect">
+            <a:avLst/>
+          </a:prstGeom>
+        </p:spPr>
+      </p:pic>
     </p:spTree>
     <p:extLst>
       <p:ext uri="{BB962C8B-B14F-4D97-AF65-F5344CB8AC3E}">
@@ -5684,12 +7009,337 @@
             <p:ph idx="1"/>
           </p:nvPr>
         </p:nvSpPr>
-        <p:spPr/>
+        <p:spPr>
+          <a:xfrm>
+            <a:off x="762000" y="1765139"/>
+            <a:ext cx="10668000" cy="4977824"/>
+          </a:xfrm>
+        </p:spPr>
         <p:txBody>
           <a:bodyPr/>
           <a:lstStyle/>
           <a:p>
-            <a:endParaRPr lang="ko-KR" altLang="en-US" sz="1600" dirty="0"/>
+            <a:r>
+              <a:rPr lang="ko-KR" altLang="en-US" sz="1600" dirty="0"/>
+              <a:t>물리 계층</a:t>
+            </a:r>
+            <a:r>
+              <a:rPr lang="en-US" altLang="ko-KR" sz="1600" dirty="0"/>
+              <a:t>(Physical Layer)</a:t>
+            </a:r>
+            <a:r>
+              <a:rPr lang="ko-KR" altLang="en-US" sz="1600" dirty="0"/>
+              <a:t>은 네트워크 통신에 필수적인 물리매체를 나타낸 계층입니다</a:t>
+            </a:r>
+            <a:br>
+              <a:rPr lang="en-US" altLang="ko-KR" sz="1600" dirty="0"/>
+            </a:br>
+            <a:r>
+              <a:rPr lang="ko-KR" altLang="en-US" sz="1600" dirty="0"/>
+              <a:t>정보를 전달하는 매체에 따라 유도매체와 비유도매체로 구별되고 세부내용은 다음과 같습니다</a:t>
+            </a:r>
+            <a:endParaRPr lang="en-US" altLang="ko-KR" sz="1600" dirty="0"/>
+          </a:p>
+          <a:p>
+            <a:r>
+              <a:rPr lang="ko-KR" altLang="en-US" sz="1600" dirty="0"/>
+              <a:t>유도매체로는 </a:t>
+            </a:r>
+            <a:r>
+              <a:rPr lang="ko-KR" altLang="en-US" sz="1600" dirty="0" err="1"/>
+              <a:t>꼬임쌍선</a:t>
+            </a:r>
+            <a:r>
+              <a:rPr lang="en-US" altLang="ko-KR" sz="1600" dirty="0"/>
+              <a:t>(Twisted-Pair): 2</a:t>
+            </a:r>
+            <a:r>
+              <a:rPr lang="ko-KR" altLang="en-US" sz="1600" dirty="0"/>
+              <a:t>개의 절연체를 꼬아서 전기간섭을 최소화 한 선입니다</a:t>
+            </a:r>
+            <a:endParaRPr lang="en-US" altLang="ko-KR" sz="1600" dirty="0"/>
+          </a:p>
+          <a:p>
+            <a:r>
+              <a:rPr lang="en-US" altLang="ko-KR" sz="1600" dirty="0"/>
+              <a:t>UTP(Unshielded Twisted Pair)</a:t>
+            </a:r>
+            <a:r>
+              <a:rPr lang="ko-KR" altLang="en-US" sz="1600" dirty="0"/>
+              <a:t>는 금속으로 보호하지 않은</a:t>
+            </a:r>
+            <a:r>
+              <a:rPr lang="en-US" altLang="ko-KR" sz="1600" dirty="0"/>
+              <a:t>(</a:t>
+            </a:r>
+            <a:r>
+              <a:rPr lang="ko-KR" altLang="en-US" sz="1600" dirty="0"/>
+              <a:t>즉</a:t>
+            </a:r>
+            <a:r>
+              <a:rPr lang="en-US" altLang="ko-KR" sz="1600" dirty="0"/>
+              <a:t>, </a:t>
+            </a:r>
+            <a:r>
+              <a:rPr lang="ko-KR" altLang="en-US" sz="1600" dirty="0"/>
+              <a:t>전선 두 가닥을 단순히 꼬아서 만든</a:t>
+            </a:r>
+            <a:r>
+              <a:rPr lang="en-US" altLang="ko-KR" sz="1600" dirty="0"/>
+              <a:t>)</a:t>
+            </a:r>
+            <a:br>
+              <a:rPr lang="en-US" altLang="ko-KR" sz="1600" dirty="0"/>
+            </a:br>
+            <a:r>
+              <a:rPr lang="ko-KR" altLang="en-US" sz="1600" dirty="0"/>
+              <a:t>선을 말합니다</a:t>
+            </a:r>
+            <a:r>
+              <a:rPr lang="en-US" altLang="ko-KR" sz="1600" dirty="0"/>
+              <a:t>. </a:t>
+            </a:r>
+            <a:r>
+              <a:rPr lang="ko-KR" altLang="en-US" sz="1600" dirty="0"/>
+              <a:t>오늘날 랜 선은 대부분 </a:t>
+            </a:r>
+            <a:r>
+              <a:rPr lang="en-US" altLang="ko-KR" sz="1600" dirty="0"/>
+              <a:t>UTP</a:t>
+            </a:r>
+            <a:r>
+              <a:rPr lang="ko-KR" altLang="en-US" sz="1600" dirty="0"/>
+              <a:t>를 사용합니다</a:t>
+            </a:r>
+            <a:endParaRPr lang="en-US" altLang="ko-KR" sz="1600" dirty="0"/>
+          </a:p>
+          <a:p>
+            <a:r>
+              <a:rPr lang="en-US" altLang="ko-KR" sz="1600" dirty="0"/>
+              <a:t>STP(Shielded Twisted Pair)</a:t>
+            </a:r>
+            <a:r>
+              <a:rPr lang="ko-KR" altLang="en-US" sz="1600" dirty="0"/>
+              <a:t>는 금속으로 보호해서 차폐를 한 선을 말합니다</a:t>
+            </a:r>
+            <a:br>
+              <a:rPr lang="en-US" altLang="ko-KR" sz="1600" dirty="0"/>
+            </a:br>
+            <a:r>
+              <a:rPr lang="ko-KR" altLang="en-US" sz="1600" dirty="0"/>
+              <a:t>기업에서는 랜 선의 전기간섭도 치명적일 수 있기 때문에</a:t>
+            </a:r>
+            <a:r>
+              <a:rPr lang="en-US" altLang="ko-KR" sz="1600" dirty="0"/>
+              <a:t>, STP</a:t>
+            </a:r>
+            <a:r>
+              <a:rPr lang="ko-KR" altLang="en-US" sz="1600" dirty="0"/>
+              <a:t>를 사용하는 편입니다</a:t>
+            </a:r>
+            <a:endParaRPr lang="en-US" altLang="ko-KR" sz="1600" dirty="0"/>
+          </a:p>
+          <a:p>
+            <a:r>
+              <a:rPr lang="ko-KR" altLang="en-US" sz="1600" dirty="0"/>
+              <a:t>이외에도 </a:t>
+            </a:r>
+            <a:r>
+              <a:rPr lang="ko-KR" altLang="en-US" sz="1600" dirty="0" err="1"/>
+              <a:t>동축</a:t>
+            </a:r>
+            <a:r>
+              <a:rPr lang="ko-KR" altLang="en-US" sz="1600" dirty="0"/>
+              <a:t> 케이블</a:t>
+            </a:r>
+            <a:r>
+              <a:rPr lang="en-US" altLang="ko-KR" sz="1600" dirty="0"/>
+              <a:t>(Coaxial Cable), </a:t>
+            </a:r>
+            <a:r>
+              <a:rPr lang="ko-KR" altLang="en-US" sz="1600" dirty="0"/>
+              <a:t>광섬유</a:t>
+            </a:r>
+            <a:r>
+              <a:rPr lang="en-US" altLang="ko-KR" sz="1600" dirty="0"/>
+              <a:t>(Fiber Optics)</a:t>
+            </a:r>
+            <a:r>
+              <a:rPr lang="ko-KR" altLang="en-US" sz="1600" dirty="0"/>
+              <a:t>도 자주 사용되며</a:t>
+            </a:r>
+            <a:r>
+              <a:rPr lang="en-US" altLang="ko-KR" sz="1600" dirty="0"/>
+              <a:t>,</a:t>
+            </a:r>
+            <a:br>
+              <a:rPr lang="en-US" altLang="ko-KR" sz="1600" dirty="0"/>
+            </a:br>
+            <a:r>
+              <a:rPr lang="ko-KR" altLang="en-US" sz="1600" dirty="0"/>
+              <a:t>해저 케이블은 속도와 보안의 측면때문에</a:t>
+            </a:r>
+            <a:r>
+              <a:rPr lang="en-US" altLang="ko-KR" sz="1600" dirty="0"/>
+              <a:t>, </a:t>
+            </a:r>
+            <a:r>
+              <a:rPr lang="ko-KR" altLang="en-US" sz="1600" dirty="0"/>
+              <a:t>고속 광섬유에 금속막을 </a:t>
+            </a:r>
+            <a:r>
+              <a:rPr lang="ko-KR" altLang="en-US" sz="1600" dirty="0" err="1"/>
+              <a:t>수십겹을</a:t>
+            </a:r>
+            <a:r>
+              <a:rPr lang="ko-KR" altLang="en-US" sz="1600" dirty="0"/>
+              <a:t> 덧대서 사용합니다</a:t>
+            </a:r>
+            <a:endParaRPr lang="en-US" altLang="ko-KR" sz="1600" dirty="0"/>
+          </a:p>
+          <a:p>
+            <a:r>
+              <a:rPr lang="en-US" altLang="ko-KR" sz="1600" dirty="0"/>
+              <a:t>TP</a:t>
+            </a:r>
+            <a:r>
+              <a:rPr lang="ko-KR" altLang="en-US" sz="1600" dirty="0"/>
+              <a:t>는 전송속도와 대역폭으로 카테고리</a:t>
+            </a:r>
+            <a:r>
+              <a:rPr lang="en-US" altLang="ko-KR" sz="1600" dirty="0"/>
+              <a:t>(CAT)</a:t>
+            </a:r>
+            <a:r>
+              <a:rPr lang="ko-KR" altLang="en-US" sz="1600" dirty="0"/>
+              <a:t>를 나누어 사용되고 있습니다</a:t>
+            </a:r>
+            <a:r>
+              <a:rPr lang="en-US" altLang="ko-KR" sz="1600" dirty="0"/>
+              <a:t>(CAT.5, CAT.5e, CAT.6</a:t>
+            </a:r>
+            <a:r>
+              <a:rPr lang="ko-KR" altLang="en-US" sz="1600" dirty="0"/>
+              <a:t>등</a:t>
+            </a:r>
+            <a:r>
+              <a:rPr lang="en-US" altLang="ko-KR" sz="1600" dirty="0"/>
+              <a:t>)</a:t>
+            </a:r>
+          </a:p>
+          <a:p>
+            <a:r>
+              <a:rPr lang="ko-KR" altLang="en-US" sz="1600" dirty="0"/>
+              <a:t>비유도매체로는 전파</a:t>
+            </a:r>
+            <a:r>
+              <a:rPr lang="en-US" altLang="ko-KR" sz="1600" dirty="0"/>
+              <a:t>(Radio Wave)</a:t>
+            </a:r>
+            <a:r>
+              <a:rPr lang="ko-KR" altLang="en-US" sz="1600" dirty="0"/>
+              <a:t>를 사용하는</a:t>
+            </a:r>
+            <a:br>
+              <a:rPr lang="en-US" altLang="ko-KR" sz="1600" dirty="0"/>
+            </a:br>
+            <a:r>
+              <a:rPr lang="en-US" altLang="ko-KR" sz="1600" dirty="0"/>
+              <a:t>Radio Channel(</a:t>
+            </a:r>
+            <a:r>
+              <a:rPr lang="ko-KR" altLang="en-US" sz="1600" dirty="0"/>
+              <a:t>라디오 및 무선 전화</a:t>
+            </a:r>
+            <a:r>
+              <a:rPr lang="en-US" altLang="ko-KR" sz="1600" dirty="0"/>
+              <a:t>) </a:t>
+            </a:r>
+            <a:r>
+              <a:rPr lang="ko-KR" altLang="en-US" sz="1600" dirty="0"/>
+              <a:t>및</a:t>
+            </a:r>
+            <a:r>
+              <a:rPr lang="en-US" altLang="ko-KR" sz="1600" dirty="0"/>
+              <a:t> Wi-Fi Channel</a:t>
+            </a:r>
+            <a:r>
+              <a:rPr lang="ko-KR" altLang="en-US" sz="1600" dirty="0"/>
+              <a:t>이 있습니다</a:t>
+            </a:r>
+            <a:br>
+              <a:rPr lang="en-US" altLang="ko-KR" sz="1600" dirty="0"/>
+            </a:br>
+            <a:r>
+              <a:rPr lang="ko-KR" altLang="en-US" sz="1600" dirty="0"/>
+              <a:t>일반적으로 장파</a:t>
+            </a:r>
+            <a:r>
+              <a:rPr lang="en-US" altLang="ko-KR" sz="1600" dirty="0"/>
+              <a:t>(</a:t>
+            </a:r>
+            <a:r>
+              <a:rPr lang="ko-KR" altLang="en-US" sz="1600" dirty="0"/>
+              <a:t>주기가 긴 전파</a:t>
+            </a:r>
+            <a:r>
+              <a:rPr lang="en-US" altLang="ko-KR" sz="1600" dirty="0"/>
+              <a:t>)</a:t>
+            </a:r>
+            <a:r>
+              <a:rPr lang="ko-KR" altLang="en-US" sz="1600" dirty="0"/>
+              <a:t>는 에너지 손실이 적어 </a:t>
+            </a:r>
+            <a:r>
+              <a:rPr lang="ko-KR" altLang="en-US" sz="1600" dirty="0" err="1"/>
+              <a:t>멀리까지</a:t>
+            </a:r>
+            <a:r>
+              <a:rPr lang="ko-KR" altLang="en-US" sz="1600" dirty="0"/>
+              <a:t> 전송되지만</a:t>
+            </a:r>
+            <a:r>
+              <a:rPr lang="en-US" altLang="ko-KR" sz="1600" dirty="0"/>
+              <a:t> </a:t>
+            </a:r>
+            <a:r>
+              <a:rPr lang="ko-KR" altLang="en-US" sz="1600" dirty="0"/>
+              <a:t>전송 량이 적은 대신에</a:t>
+            </a:r>
+            <a:br>
+              <a:rPr lang="en-US" altLang="ko-KR" sz="1600" dirty="0"/>
+            </a:br>
+            <a:r>
+              <a:rPr lang="ko-KR" altLang="en-US" sz="1600" dirty="0"/>
+              <a:t>단파</a:t>
+            </a:r>
+            <a:r>
+              <a:rPr lang="en-US" altLang="ko-KR" sz="1600" dirty="0"/>
+              <a:t>(</a:t>
+            </a:r>
+            <a:r>
+              <a:rPr lang="ko-KR" altLang="en-US" sz="1600" dirty="0"/>
+              <a:t>주기가 짧은 전파</a:t>
+            </a:r>
+            <a:r>
+              <a:rPr lang="en-US" altLang="ko-KR" sz="1600" dirty="0"/>
+              <a:t>)</a:t>
+            </a:r>
+            <a:r>
+              <a:rPr lang="ko-KR" altLang="en-US" sz="1600" dirty="0"/>
+              <a:t>는 빠르게 에너지 손실이 일어나 거리가 짧아지지만</a:t>
+            </a:r>
+            <a:br>
+              <a:rPr lang="en-US" altLang="ko-KR" sz="1600" dirty="0"/>
+            </a:br>
+            <a:r>
+              <a:rPr lang="ko-KR" altLang="en-US" sz="1600" dirty="0"/>
+              <a:t>전송 량이 높아서 최신 기술은 이 둘의 장점을 다양하게 활용하여 고속 전송 기술을 고안하고 있습니다</a:t>
+            </a:r>
+            <a:r>
+              <a:rPr lang="en-US" altLang="ko-KR" sz="1600" dirty="0"/>
+              <a:t> </a:t>
+            </a:r>
           </a:p>
         </p:txBody>
       </p:sp>
@@ -5768,12 +7418,335 @@
             <p:ph idx="1"/>
           </p:nvPr>
         </p:nvSpPr>
-        <p:spPr/>
+        <p:spPr>
+          <a:xfrm>
+            <a:off x="762000" y="1765139"/>
+            <a:ext cx="10668000" cy="5013220"/>
+          </a:xfrm>
+        </p:spPr>
         <p:txBody>
           <a:bodyPr/>
           <a:lstStyle/>
           <a:p>
-            <a:endParaRPr lang="ko-KR" altLang="en-US" sz="1600" dirty="0"/>
+            <a:r>
+              <a:rPr lang="ko-KR" altLang="en-US" sz="1600" dirty="0"/>
+              <a:t>링크 계층</a:t>
+            </a:r>
+            <a:r>
+              <a:rPr lang="en-US" altLang="ko-KR" sz="1600" dirty="0"/>
+              <a:t>(Link Layer)</a:t>
+            </a:r>
+            <a:r>
+              <a:rPr lang="ko-KR" altLang="en-US" sz="1600" dirty="0"/>
+              <a:t>은 물리 계층과 네트워크 계층을 연결하는 계층으로</a:t>
+            </a:r>
+            <a:br>
+              <a:rPr lang="en-US" altLang="ko-KR" sz="1600" dirty="0"/>
+            </a:br>
+            <a:r>
+              <a:rPr lang="ko-KR" altLang="en-US" sz="1600" dirty="0"/>
+              <a:t>물리적으로 연결된 두 장치의 통신을 가장 </a:t>
+            </a:r>
+            <a:r>
+              <a:rPr lang="en-US" altLang="ko-KR" sz="1600" dirty="0" err="1"/>
+              <a:t>LowLevel</a:t>
+            </a:r>
+            <a:r>
+              <a:rPr lang="ko-KR" altLang="en-US" sz="1600" dirty="0"/>
+              <a:t>로 수행하는 계층이라 볼 수 있습니다</a:t>
+            </a:r>
+            <a:endParaRPr lang="en-US" altLang="ko-KR" sz="1600" dirty="0"/>
+          </a:p>
+          <a:p>
+            <a:r>
+              <a:rPr lang="ko-KR" altLang="en-US" sz="1600" dirty="0"/>
+              <a:t>링크 계층의 </a:t>
+            </a:r>
+            <a:r>
+              <a:rPr lang="en-US" altLang="ko-KR" sz="1600" dirty="0"/>
+              <a:t>PDU</a:t>
+            </a:r>
+            <a:r>
+              <a:rPr lang="ko-KR" altLang="en-US" sz="1600" dirty="0"/>
+              <a:t>는 프레임</a:t>
+            </a:r>
+            <a:r>
+              <a:rPr lang="en-US" altLang="ko-KR" sz="1600" dirty="0"/>
+              <a:t>(Frame)</a:t>
+            </a:r>
+            <a:r>
+              <a:rPr lang="ko-KR" altLang="en-US" sz="1600" dirty="0"/>
+              <a:t>으로 대표적인 프로토콜로는 </a:t>
+            </a:r>
+            <a:r>
+              <a:rPr lang="en-US" altLang="ko-KR" sz="1600" dirty="0"/>
+              <a:t>Ethernet, Wi-Fi</a:t>
+            </a:r>
+            <a:r>
+              <a:rPr lang="ko-KR" altLang="en-US" sz="1600" dirty="0"/>
+              <a:t>가 있습니다</a:t>
+            </a:r>
+            <a:endParaRPr lang="en-US" altLang="ko-KR" sz="1600" dirty="0"/>
+          </a:p>
+          <a:p>
+            <a:r>
+              <a:rPr lang="ko-KR" altLang="en-US" sz="1600" dirty="0"/>
+              <a:t>링크 계층이 가지는 채널로는 다음 네 가지가 있습니다</a:t>
+            </a:r>
+            <a:endParaRPr lang="en-US" altLang="ko-KR" sz="1600" dirty="0"/>
+          </a:p>
+          <a:p>
+            <a:pPr marL="342900" indent="-342900">
+              <a:buFont typeface="+mj-lt"/>
+              <a:buAutoNum type="arabicPeriod"/>
+            </a:pPr>
+            <a:r>
+              <a:rPr lang="ko-KR" altLang="en-US" sz="1400" dirty="0" err="1"/>
+              <a:t>브로드캐스트</a:t>
+            </a:r>
+            <a:r>
+              <a:rPr lang="ko-KR" altLang="en-US" sz="1400" dirty="0"/>
+              <a:t> 채널</a:t>
+            </a:r>
+            <a:r>
+              <a:rPr lang="en-US" altLang="ko-KR" sz="1400" dirty="0"/>
+              <a:t>(Broadcast Channel): </a:t>
+            </a:r>
+            <a:r>
+              <a:rPr lang="ko-KR" altLang="en-US" sz="1400" dirty="0"/>
+              <a:t>하나의 송신자가 여러 수신자에게 데이터를 전송하는 방식입니다</a:t>
+            </a:r>
+            <a:br>
+              <a:rPr lang="en-US" altLang="ko-KR" sz="1400" dirty="0"/>
+            </a:br>
+            <a:r>
+              <a:rPr lang="ko-KR" altLang="en-US" sz="1400" dirty="0" err="1"/>
+              <a:t>브로드캐스트</a:t>
+            </a:r>
+            <a:r>
+              <a:rPr lang="ko-KR" altLang="en-US" sz="1400" dirty="0"/>
+              <a:t> 프레임은 연결된 모든 장치에 전파되며</a:t>
+            </a:r>
+            <a:r>
+              <a:rPr lang="en-US" altLang="ko-KR" sz="1400" dirty="0"/>
+              <a:t>, </a:t>
+            </a:r>
+            <a:r>
+              <a:rPr lang="ko-KR" altLang="en-US" sz="1400" dirty="0"/>
+              <a:t>각 </a:t>
+            </a:r>
+            <a:r>
+              <a:rPr lang="en-US" altLang="ko-KR" sz="1400" dirty="0"/>
+              <a:t>L2</a:t>
+            </a:r>
+            <a:r>
+              <a:rPr lang="ko-KR" altLang="en-US" sz="1400" dirty="0"/>
+              <a:t>수신자는 자신에게 해당된 프레임이라 판단되면</a:t>
+            </a:r>
+            <a:br>
+              <a:rPr lang="en-US" altLang="ko-KR" sz="1400" dirty="0"/>
+            </a:br>
+            <a:r>
+              <a:rPr lang="ko-KR" altLang="en-US" sz="1400" dirty="0"/>
+              <a:t>받아서 넘기거나 처리하고</a:t>
+            </a:r>
+            <a:r>
+              <a:rPr lang="en-US" altLang="ko-KR" sz="1400" dirty="0"/>
+              <a:t> </a:t>
+            </a:r>
+            <a:r>
+              <a:rPr lang="ko-KR" altLang="en-US" sz="1400" dirty="0"/>
+              <a:t>아니면</a:t>
+            </a:r>
+            <a:r>
+              <a:rPr lang="en-US" altLang="ko-KR" sz="1400" dirty="0"/>
+              <a:t>,</a:t>
+            </a:r>
+            <a:r>
+              <a:rPr lang="ko-KR" altLang="en-US" sz="1400" dirty="0"/>
+              <a:t> 폐기하는 방식을 사용합니다</a:t>
+            </a:r>
+            <a:endParaRPr lang="en-US" altLang="ko-KR" sz="1400" dirty="0"/>
+          </a:p>
+          <a:p>
+            <a:pPr marL="342900" indent="-342900">
+              <a:buFont typeface="+mj-lt"/>
+              <a:buAutoNum type="arabicPeriod"/>
+            </a:pPr>
+            <a:r>
+              <a:rPr lang="ko-KR" altLang="en-US" sz="1400" dirty="0" err="1"/>
+              <a:t>점대점</a:t>
+            </a:r>
+            <a:r>
+              <a:rPr lang="ko-KR" altLang="en-US" sz="1400" dirty="0"/>
+              <a:t> 통신 링크</a:t>
+            </a:r>
+            <a:r>
+              <a:rPr lang="en-US" altLang="ko-KR" sz="1400" dirty="0"/>
+              <a:t>(Point-to-Point Communication Link): </a:t>
+            </a:r>
+            <a:r>
+              <a:rPr lang="ko-KR" altLang="en-US" sz="1400" dirty="0"/>
+              <a:t>하나의 송신자가 하나의 수신자에게</a:t>
+            </a:r>
+            <a:br>
+              <a:rPr lang="en-US" altLang="ko-KR" sz="1400" dirty="0"/>
+            </a:br>
+            <a:r>
+              <a:rPr lang="ko-KR" altLang="en-US" sz="1400" dirty="0"/>
+              <a:t>데이터를 전송하는 방식입니다</a:t>
+            </a:r>
+            <a:r>
+              <a:rPr lang="en-US" altLang="ko-KR" sz="1400" dirty="0"/>
+              <a:t>. </a:t>
+            </a:r>
+            <a:r>
+              <a:rPr lang="ko-KR" altLang="en-US" sz="1400" dirty="0"/>
+              <a:t>둘 사이의 전용채널을 구성</a:t>
+            </a:r>
+            <a:r>
+              <a:rPr lang="en-US" altLang="ko-KR" sz="1400" dirty="0"/>
+              <a:t>/</a:t>
+            </a:r>
+            <a:r>
+              <a:rPr lang="ko-KR" altLang="en-US" sz="1400" dirty="0"/>
+              <a:t>사용하는 구조이기 때문에</a:t>
+            </a:r>
+            <a:r>
+              <a:rPr lang="en-US" altLang="ko-KR" sz="1400" dirty="0"/>
+              <a:t> </a:t>
+            </a:r>
+            <a:r>
+              <a:rPr lang="ko-KR" altLang="en-US" sz="1400" dirty="0"/>
+              <a:t>독립적이고</a:t>
+            </a:r>
+            <a:r>
+              <a:rPr lang="en-US" altLang="ko-KR" sz="1400" dirty="0"/>
+              <a:t>,</a:t>
+            </a:r>
+            <a:br>
+              <a:rPr lang="en-US" altLang="ko-KR" sz="1400" dirty="0"/>
+            </a:br>
+            <a:r>
+              <a:rPr lang="ko-KR" altLang="en-US" sz="1400" dirty="0"/>
+              <a:t>높은 안정성과 신뢰성을 가집니다</a:t>
+            </a:r>
+            <a:r>
+              <a:rPr lang="en-US" altLang="ko-KR" sz="1400" dirty="0"/>
+              <a:t>.</a:t>
+            </a:r>
+            <a:r>
+              <a:rPr lang="ko-KR" altLang="en-US" sz="1400" dirty="0"/>
+              <a:t> </a:t>
+            </a:r>
+            <a:r>
+              <a:rPr lang="ko-KR" altLang="en-US" sz="1400" dirty="0" err="1"/>
+              <a:t>점대점</a:t>
+            </a:r>
+            <a:r>
+              <a:rPr lang="ko-KR" altLang="en-US" sz="1400" dirty="0"/>
+              <a:t> 연결은 </a:t>
+            </a:r>
+            <a:r>
+              <a:rPr lang="en-US" altLang="ko-KR" sz="1400" dirty="0"/>
+              <a:t>PPP, PPTP, L2TP</a:t>
+            </a:r>
+            <a:r>
+              <a:rPr lang="ko-KR" altLang="en-US" sz="1400" dirty="0"/>
+              <a:t>등의 프로토콜로 주로 </a:t>
+            </a:r>
+            <a:r>
+              <a:rPr lang="en-US" altLang="ko-KR" sz="1400" dirty="0"/>
+              <a:t>VPN</a:t>
+            </a:r>
+            <a:r>
+              <a:rPr lang="ko-KR" altLang="en-US" sz="1400" dirty="0"/>
+              <a:t>에 사용됩니다</a:t>
+            </a:r>
+            <a:endParaRPr lang="en-US" altLang="ko-KR" sz="1400" dirty="0"/>
+          </a:p>
+          <a:p>
+            <a:pPr marL="342900" indent="-342900">
+              <a:buFont typeface="+mj-lt"/>
+              <a:buAutoNum type="arabicPeriod"/>
+            </a:pPr>
+            <a:r>
+              <a:rPr lang="ko-KR" altLang="en-US" sz="1400" dirty="0"/>
+              <a:t>멀티캐스트 채널</a:t>
+            </a:r>
+            <a:r>
+              <a:rPr lang="en-US" altLang="ko-KR" sz="1400" dirty="0"/>
+              <a:t>(Multicast Channel): </a:t>
+            </a:r>
+            <a:r>
+              <a:rPr lang="ko-KR" altLang="en-US" sz="1400" dirty="0"/>
+              <a:t>하나의 송신자가 특정한 수신자 집단에 데이터를 전송하는 방식입니다</a:t>
+            </a:r>
+            <a:endParaRPr lang="en-US" altLang="ko-KR" sz="1400" dirty="0"/>
+          </a:p>
+          <a:p>
+            <a:pPr marL="342900" indent="-342900">
+              <a:buFont typeface="+mj-lt"/>
+              <a:buAutoNum type="arabicPeriod"/>
+            </a:pPr>
+            <a:r>
+              <a:rPr lang="ko-KR" altLang="en-US" sz="1400" dirty="0" err="1"/>
+              <a:t>애니캐스트</a:t>
+            </a:r>
+            <a:r>
+              <a:rPr lang="ko-KR" altLang="en-US" sz="1400" dirty="0"/>
+              <a:t> 채널</a:t>
+            </a:r>
+            <a:r>
+              <a:rPr lang="en-US" altLang="ko-KR" sz="1400" dirty="0"/>
+              <a:t>(Anycast Channel): </a:t>
+            </a:r>
+            <a:r>
+              <a:rPr lang="ko-KR" altLang="en-US" sz="1400" dirty="0"/>
+              <a:t>하나의 송신자가 가장 가까운 수신자에게만 데이터를 전송하는 방식입니다</a:t>
+            </a:r>
+            <a:endParaRPr lang="en-US" altLang="ko-KR" sz="1400" dirty="0"/>
+          </a:p>
+          <a:p>
+            <a:pPr marL="342900" indent="-342900">
+              <a:buFont typeface="+mj-lt"/>
+              <a:buAutoNum type="arabicPeriod"/>
+            </a:pPr>
+            <a:endParaRPr lang="en-US" altLang="ko-KR" sz="1400" dirty="0"/>
+          </a:p>
+          <a:p>
+            <a:r>
+              <a:rPr lang="ko-KR" altLang="en-US" sz="1600" dirty="0"/>
+              <a:t>링크계층 프로토콜을 사용하는 장치들을 노드</a:t>
+            </a:r>
+            <a:r>
+              <a:rPr lang="en-US" altLang="ko-KR" sz="1600" dirty="0"/>
+              <a:t>(Node)</a:t>
+            </a:r>
+            <a:r>
+              <a:rPr lang="ko-KR" altLang="en-US" sz="1600" dirty="0"/>
+              <a:t>라고 표현하고</a:t>
+            </a:r>
+            <a:r>
+              <a:rPr lang="en-US" altLang="ko-KR" sz="1600" dirty="0"/>
+              <a:t>,</a:t>
+            </a:r>
+            <a:br>
+              <a:rPr lang="en-US" altLang="ko-KR" sz="1600" dirty="0"/>
+            </a:br>
+            <a:r>
+              <a:rPr lang="ko-KR" altLang="en-US" sz="1600" dirty="0"/>
+              <a:t>노드를 연결하는 통신채널을 링크</a:t>
+            </a:r>
+            <a:r>
+              <a:rPr lang="en-US" altLang="ko-KR" sz="1600" dirty="0"/>
+              <a:t>(Link)</a:t>
+            </a:r>
+            <a:r>
+              <a:rPr lang="ko-KR" altLang="en-US" sz="1600" dirty="0"/>
+              <a:t>라고 표현합니다</a:t>
+            </a:r>
+            <a:endParaRPr lang="en-US" altLang="ko-KR" sz="1600" dirty="0"/>
           </a:p>
         </p:txBody>
       </p:sp>
@@ -5852,12 +7825,457 @@
             <p:ph idx="1"/>
           </p:nvPr>
         </p:nvSpPr>
-        <p:spPr/>
+        <p:spPr>
+          <a:xfrm>
+            <a:off x="761999" y="1765139"/>
+            <a:ext cx="10954119" cy="4898541"/>
+          </a:xfrm>
+        </p:spPr>
         <p:txBody>
           <a:bodyPr/>
           <a:lstStyle/>
           <a:p>
-            <a:endParaRPr lang="ko-KR" altLang="en-US" sz="1600" dirty="0"/>
+            <a:r>
+              <a:rPr lang="ko-KR" altLang="en-US" sz="1600" dirty="0"/>
+              <a:t>네트워크 계층</a:t>
+            </a:r>
+            <a:r>
+              <a:rPr lang="en-US" altLang="ko-KR" sz="1600" dirty="0"/>
+              <a:t>(Network Layer)</a:t>
+            </a:r>
+            <a:r>
+              <a:rPr lang="ko-KR" altLang="en-US" sz="1600" dirty="0"/>
+              <a:t>은 호스트를 구별하는 프로토콜인 </a:t>
+            </a:r>
+            <a:r>
+              <a:rPr lang="en-US" altLang="ko-KR" sz="1600" dirty="0"/>
+              <a:t>IP</a:t>
+            </a:r>
+            <a:r>
+              <a:rPr lang="ko-KR" altLang="en-US" sz="1600" dirty="0"/>
+              <a:t>를 사용하여</a:t>
+            </a:r>
+            <a:br>
+              <a:rPr lang="en-US" altLang="ko-KR" sz="1600" dirty="0"/>
+            </a:br>
+            <a:r>
+              <a:rPr lang="ko-KR" altLang="en-US" sz="1600" dirty="0"/>
+              <a:t>둘 이상의 호스트가 상호 통신이 가능하도록 연결해서</a:t>
+            </a:r>
+            <a:br>
+              <a:rPr lang="en-US" altLang="ko-KR" sz="1600" dirty="0"/>
+            </a:br>
+            <a:r>
+              <a:rPr lang="en-US" altLang="ko-KR" sz="1600" dirty="0"/>
+              <a:t>TCP/UDP</a:t>
+            </a:r>
+            <a:r>
+              <a:rPr lang="ko-KR" altLang="en-US" sz="1600" dirty="0"/>
+              <a:t> 소켓을 효율적으로 사용할 수 있도록 해주는 계층입니다 </a:t>
+            </a:r>
+            <a:endParaRPr lang="en-US" altLang="ko-KR" sz="1600" dirty="0"/>
+          </a:p>
+          <a:p>
+            <a:r>
+              <a:rPr lang="ko-KR" altLang="en-US" sz="1600" dirty="0"/>
+              <a:t>네트워크 계층의 </a:t>
+            </a:r>
+            <a:r>
+              <a:rPr lang="en-US" altLang="ko-KR" sz="1600" dirty="0"/>
+              <a:t>PDU</a:t>
+            </a:r>
+            <a:r>
+              <a:rPr lang="ko-KR" altLang="en-US" sz="1600" dirty="0"/>
+              <a:t>는 데이터 그램</a:t>
+            </a:r>
+            <a:r>
+              <a:rPr lang="en-US" altLang="ko-KR" sz="1600" dirty="0"/>
+              <a:t>(Data</a:t>
+            </a:r>
+            <a:r>
+              <a:rPr lang="ko-KR" altLang="en-US" sz="1600" dirty="0"/>
+              <a:t> </a:t>
+            </a:r>
+            <a:r>
+              <a:rPr lang="en-US" altLang="ko-KR" sz="1600" dirty="0"/>
+              <a:t>Gram)</a:t>
+            </a:r>
+            <a:r>
+              <a:rPr lang="ko-KR" altLang="en-US" sz="1600" dirty="0"/>
+              <a:t>으로 대표적인 프로토콜은 </a:t>
+            </a:r>
+            <a:r>
+              <a:rPr lang="en-US" altLang="ko-KR" sz="1600" dirty="0"/>
+              <a:t>IPv4, IPv6</a:t>
+            </a:r>
+            <a:r>
+              <a:rPr lang="ko-KR" altLang="en-US" sz="1600" dirty="0"/>
+              <a:t>가 있습니다</a:t>
+            </a:r>
+            <a:endParaRPr lang="en-US" altLang="ko-KR" sz="1600" dirty="0"/>
+          </a:p>
+          <a:p>
+            <a:r>
+              <a:rPr lang="en-US" altLang="ko-KR" sz="1600" dirty="0"/>
+              <a:t>L1</a:t>
+            </a:r>
+            <a:r>
+              <a:rPr lang="ko-KR" altLang="en-US" sz="1600" dirty="0"/>
+              <a:t>과 </a:t>
+            </a:r>
+            <a:r>
+              <a:rPr lang="en-US" altLang="ko-KR" sz="1600" dirty="0"/>
+              <a:t>L2</a:t>
+            </a:r>
+            <a:r>
+              <a:rPr lang="ko-KR" altLang="en-US" sz="1600" dirty="0"/>
+              <a:t>계층은 랜 선과 랜 카드에 가까운 물리적인 연산을 수행하지만</a:t>
+            </a:r>
+            <a:r>
+              <a:rPr lang="en-US" altLang="ko-KR" sz="1600" dirty="0"/>
+              <a:t>,</a:t>
+            </a:r>
+            <a:br>
+              <a:rPr lang="en-US" altLang="ko-KR" sz="1600" dirty="0"/>
+            </a:br>
+            <a:r>
+              <a:rPr lang="en-US" altLang="ko-KR" sz="1600" dirty="0"/>
+              <a:t>L3</a:t>
+            </a:r>
+            <a:r>
+              <a:rPr lang="ko-KR" altLang="en-US" sz="1600" dirty="0"/>
+              <a:t>계층은 이 보다는 조금 더 소켓에 가까운 프로그래밍을 수행 할 수 있고</a:t>
+            </a:r>
+            <a:r>
+              <a:rPr lang="en-US" altLang="ko-KR" sz="1600" dirty="0"/>
+              <a:t>,</a:t>
+            </a:r>
+            <a:br>
+              <a:rPr lang="en-US" altLang="ko-KR" sz="1600" dirty="0"/>
+            </a:br>
+            <a:r>
+              <a:rPr lang="ko-KR" altLang="en-US" sz="1600" dirty="0"/>
+              <a:t>모든 호스트를</a:t>
+            </a:r>
+            <a:r>
+              <a:rPr lang="en-US" altLang="ko-KR" sz="1600" dirty="0"/>
+              <a:t>(IP</a:t>
+            </a:r>
+            <a:r>
+              <a:rPr lang="ko-KR" altLang="en-US" sz="1600" dirty="0"/>
+              <a:t>를 통해</a:t>
+            </a:r>
+            <a:r>
+              <a:rPr lang="en-US" altLang="ko-KR" sz="1600" dirty="0"/>
+              <a:t>)</a:t>
+            </a:r>
+            <a:r>
+              <a:rPr lang="ko-KR" altLang="en-US" sz="1600" dirty="0"/>
+              <a:t> 구별 할 수 있는 가장 낮은 </a:t>
+            </a:r>
+            <a:r>
+              <a:rPr lang="en-US" altLang="ko-KR" sz="1600" dirty="0"/>
+              <a:t>Layer</a:t>
+            </a:r>
+            <a:r>
+              <a:rPr lang="ko-KR" altLang="en-US" sz="1600" dirty="0"/>
+              <a:t>입니다</a:t>
+            </a:r>
+            <a:endParaRPr lang="en-US" altLang="ko-KR" sz="1600" dirty="0"/>
+          </a:p>
+          <a:p>
+            <a:r>
+              <a:rPr lang="en-US" altLang="ko-KR" sz="1600" dirty="0"/>
+              <a:t>IPv4</a:t>
+            </a:r>
+            <a:r>
+              <a:rPr lang="ko-KR" altLang="en-US" sz="1600" dirty="0"/>
+              <a:t>는 </a:t>
+            </a:r>
+            <a:r>
+              <a:rPr lang="en-US" altLang="ko-KR" sz="1600" dirty="0"/>
+              <a:t>(10</a:t>
+            </a:r>
+            <a:r>
+              <a:rPr lang="ko-KR" altLang="en-US" sz="1600" dirty="0"/>
+              <a:t>진법 </a:t>
+            </a:r>
+            <a:r>
+              <a:rPr lang="en-US" altLang="ko-KR" sz="1600" dirty="0"/>
+              <a:t>0 ~ 255) </a:t>
+            </a:r>
+            <a:r>
+              <a:rPr lang="ko-KR" altLang="en-US" sz="1600" dirty="0"/>
+              <a:t>세 자리</a:t>
+            </a:r>
+            <a:r>
+              <a:rPr lang="en-US" altLang="ko-KR" sz="1600" dirty="0"/>
+              <a:t>(8</a:t>
+            </a:r>
+            <a:r>
+              <a:rPr lang="ko-KR" altLang="en-US" sz="1600" dirty="0"/>
+              <a:t>비트</a:t>
+            </a:r>
+            <a:r>
+              <a:rPr lang="en-US" altLang="ko-KR" sz="1600" dirty="0"/>
+              <a:t>) * 4 </a:t>
+            </a:r>
+            <a:r>
+              <a:rPr lang="ko-KR" altLang="en-US" sz="1600" dirty="0"/>
+              <a:t>로 구성되어 총 </a:t>
+            </a:r>
+            <a:r>
+              <a:rPr lang="en-US" altLang="ko-KR" sz="1600" dirty="0"/>
+              <a:t>32</a:t>
+            </a:r>
+            <a:r>
+              <a:rPr lang="ko-KR" altLang="en-US" sz="1600" dirty="0"/>
+              <a:t>비트 길이입니다 </a:t>
+            </a:r>
+            <a:r>
+              <a:rPr lang="en-US" altLang="ko-KR" sz="1600" dirty="0"/>
+              <a:t>(</a:t>
+            </a:r>
+            <a:r>
+              <a:rPr lang="ko-KR" altLang="en-US" sz="1600" dirty="0"/>
+              <a:t>대략 </a:t>
+            </a:r>
+            <a:r>
+              <a:rPr lang="en-US" altLang="ko-KR" sz="1600" dirty="0"/>
+              <a:t>43</a:t>
+            </a:r>
+            <a:r>
+              <a:rPr lang="ko-KR" altLang="en-US" sz="1600" dirty="0"/>
+              <a:t>억 개</a:t>
+            </a:r>
+            <a:r>
+              <a:rPr lang="en-US" altLang="ko-KR" sz="1600" dirty="0"/>
+              <a:t>)</a:t>
+            </a:r>
+            <a:br>
+              <a:rPr lang="en-US" altLang="ko-KR" sz="1600" dirty="0"/>
+            </a:br>
+            <a:r>
+              <a:rPr lang="ko-KR" altLang="en-US" sz="1600" dirty="0"/>
+              <a:t>이 중에서 </a:t>
+            </a:r>
+            <a:r>
+              <a:rPr lang="en-US" altLang="ko-KR" sz="1600" dirty="0"/>
+              <a:t>192.168.X </a:t>
+            </a:r>
+            <a:r>
+              <a:rPr lang="ko-KR" altLang="en-US" sz="1600" dirty="0"/>
+              <a:t>나 </a:t>
+            </a:r>
+            <a:r>
+              <a:rPr lang="en-US" altLang="ko-KR" sz="1600" dirty="0"/>
+              <a:t>127.0.0.1, 0.0.0.0</a:t>
+            </a:r>
+            <a:r>
+              <a:rPr lang="ko-KR" altLang="en-US" sz="1600" dirty="0"/>
+              <a:t>등의 선 정의된 </a:t>
+            </a:r>
+            <a:r>
+              <a:rPr lang="en-US" altLang="ko-KR" sz="1600" dirty="0"/>
+              <a:t>IP</a:t>
+            </a:r>
+            <a:r>
+              <a:rPr lang="ko-KR" altLang="en-US" sz="1600" dirty="0"/>
+              <a:t>들이 이미 있거나</a:t>
+            </a:r>
+            <a:br>
+              <a:rPr lang="en-US" altLang="ko-KR" sz="1600" dirty="0"/>
+            </a:br>
+            <a:r>
+              <a:rPr lang="ko-KR" altLang="en-US" sz="1600" dirty="0"/>
+              <a:t>여타 규칙으로 인한 사용불가 </a:t>
+            </a:r>
+            <a:r>
+              <a:rPr lang="en-US" altLang="ko-KR" sz="1600" dirty="0"/>
+              <a:t>IP</a:t>
+            </a:r>
+            <a:r>
+              <a:rPr lang="ko-KR" altLang="en-US" sz="1600" dirty="0"/>
+              <a:t>들이 있기 때문에</a:t>
+            </a:r>
+            <a:r>
+              <a:rPr lang="en-US" altLang="ko-KR" sz="1600" dirty="0"/>
+              <a:t>,</a:t>
+            </a:r>
+            <a:br>
+              <a:rPr lang="en-US" altLang="ko-KR" sz="1600" dirty="0"/>
+            </a:br>
+            <a:r>
+              <a:rPr lang="ko-KR" altLang="en-US" sz="1600" dirty="0"/>
+              <a:t>공인</a:t>
+            </a:r>
+            <a:r>
+              <a:rPr lang="en-US" altLang="ko-KR" sz="1600" dirty="0"/>
+              <a:t>IP</a:t>
+            </a:r>
+            <a:r>
+              <a:rPr lang="ko-KR" altLang="en-US" sz="1600" dirty="0"/>
+              <a:t>로 할당가능한 경우의 수는 조금 더 줄어들어 모든 장치마다 하나씩 할당하기에는 무리가 있어</a:t>
+            </a:r>
+            <a:br>
+              <a:rPr lang="en-US" altLang="ko-KR" sz="1600" dirty="0"/>
+            </a:br>
+            <a:r>
+              <a:rPr lang="ko-KR" altLang="en-US" sz="1600" dirty="0"/>
+              <a:t>오늘날에는 </a:t>
+            </a:r>
+            <a:r>
+              <a:rPr lang="en-US" altLang="ko-KR" sz="1600" dirty="0"/>
+              <a:t>IPv6</a:t>
+            </a:r>
+            <a:r>
+              <a:rPr lang="ko-KR" altLang="en-US" sz="1600" dirty="0"/>
+              <a:t>나 </a:t>
+            </a:r>
+            <a:r>
+              <a:rPr lang="en-US" altLang="ko-KR" sz="1600" dirty="0"/>
+              <a:t>DHCP</a:t>
+            </a:r>
+            <a:r>
+              <a:rPr lang="ko-KR" altLang="en-US" sz="1600" dirty="0"/>
+              <a:t>등을 적절히 활용하는 편입니다</a:t>
+            </a:r>
+            <a:endParaRPr lang="en-US" altLang="ko-KR" sz="1600" dirty="0"/>
+          </a:p>
+          <a:p>
+            <a:r>
+              <a:rPr lang="en-US" altLang="ko-KR" sz="1600" dirty="0"/>
+              <a:t>IPv6</a:t>
+            </a:r>
+            <a:r>
+              <a:rPr lang="ko-KR" altLang="en-US" sz="1600" dirty="0"/>
+              <a:t>는 </a:t>
+            </a:r>
+            <a:r>
+              <a:rPr lang="en-US" altLang="ko-KR" sz="1600" dirty="0"/>
+              <a:t>(16</a:t>
+            </a:r>
+            <a:r>
+              <a:rPr lang="ko-KR" altLang="en-US" sz="1600" dirty="0"/>
+              <a:t>진법 </a:t>
+            </a:r>
+            <a:r>
+              <a:rPr lang="en-US" altLang="ko-KR" sz="1600" dirty="0"/>
+              <a:t>0 ~ FFFF) </a:t>
+            </a:r>
+            <a:r>
+              <a:rPr lang="ko-KR" altLang="en-US" sz="1600" dirty="0"/>
+              <a:t>네 자리</a:t>
+            </a:r>
+            <a:r>
+              <a:rPr lang="en-US" altLang="ko-KR" sz="1600" dirty="0"/>
+              <a:t>(16</a:t>
+            </a:r>
+            <a:r>
+              <a:rPr lang="ko-KR" altLang="en-US" sz="1600" dirty="0"/>
+              <a:t>비트</a:t>
+            </a:r>
+            <a:r>
+              <a:rPr lang="en-US" altLang="ko-KR" sz="1600" dirty="0"/>
+              <a:t>) * 8 </a:t>
+            </a:r>
+            <a:r>
+              <a:rPr lang="ko-KR" altLang="en-US" sz="1600" dirty="0"/>
+              <a:t>로 구성되어 총 </a:t>
+            </a:r>
+            <a:r>
+              <a:rPr lang="en-US" altLang="ko-KR" sz="1600" dirty="0"/>
+              <a:t>128</a:t>
+            </a:r>
+            <a:r>
+              <a:rPr lang="ko-KR" altLang="en-US" sz="1600" dirty="0"/>
+              <a:t>비트 길이입니다 </a:t>
+            </a:r>
+            <a:r>
+              <a:rPr lang="en-US" altLang="ko-KR" sz="1600" dirty="0"/>
+              <a:t>(</a:t>
+            </a:r>
+            <a:r>
+              <a:rPr lang="ko-KR" altLang="en-US" sz="1600" dirty="0"/>
+              <a:t>대략 </a:t>
+            </a:r>
+            <a:r>
+              <a:rPr lang="en-US" altLang="ko-KR" sz="1600" dirty="0"/>
+              <a:t>43</a:t>
+            </a:r>
+            <a:r>
+              <a:rPr lang="ko-KR" altLang="en-US" sz="1600" dirty="0"/>
+              <a:t>억의 </a:t>
+            </a:r>
+            <a:r>
+              <a:rPr lang="en-US" altLang="ko-KR" sz="1600" dirty="0"/>
+              <a:t>4</a:t>
+            </a:r>
+            <a:r>
+              <a:rPr lang="ko-KR" altLang="en-US" sz="1600" dirty="0"/>
+              <a:t>승 개</a:t>
+            </a:r>
+            <a:r>
+              <a:rPr lang="en-US" altLang="ko-KR" sz="1600" dirty="0"/>
+              <a:t>)</a:t>
+            </a:r>
+          </a:p>
+          <a:p>
+            <a:r>
+              <a:rPr lang="en-US" altLang="ko-KR" sz="1600" dirty="0"/>
+              <a:t>DHCP</a:t>
+            </a:r>
+            <a:r>
+              <a:rPr lang="ko-KR" altLang="en-US" sz="1600" dirty="0"/>
+              <a:t>는 </a:t>
+            </a:r>
+            <a:r>
+              <a:rPr lang="en-US" altLang="ko-KR" sz="1600" dirty="0"/>
+              <a:t>L3</a:t>
+            </a:r>
+            <a:r>
+              <a:rPr lang="ko-KR" altLang="en-US" sz="1600" dirty="0"/>
+              <a:t>에서 </a:t>
+            </a:r>
+            <a:r>
+              <a:rPr lang="en-US" altLang="ko-KR" sz="1600" dirty="0"/>
+              <a:t>IP</a:t>
+            </a:r>
+            <a:r>
+              <a:rPr lang="ko-KR" altLang="en-US" sz="1600" dirty="0"/>
+              <a:t>를 편하게 관리</a:t>
+            </a:r>
+            <a:r>
+              <a:rPr lang="en-US" altLang="ko-KR" sz="1600" dirty="0"/>
+              <a:t>(</a:t>
+            </a:r>
+            <a:r>
+              <a:rPr lang="ko-KR" altLang="en-US" sz="1600" dirty="0"/>
+              <a:t>할당 및 연결</a:t>
+            </a:r>
+            <a:r>
+              <a:rPr lang="en-US" altLang="ko-KR" sz="1600" dirty="0"/>
+              <a:t>)</a:t>
+            </a:r>
+            <a:r>
+              <a:rPr lang="ko-KR" altLang="en-US" sz="1600" dirty="0"/>
+              <a:t>를 수행해주는 프로토콜로</a:t>
+            </a:r>
+            <a:br>
+              <a:rPr lang="en-US" altLang="ko-KR" sz="1600" dirty="0"/>
+            </a:br>
+            <a:r>
+              <a:rPr lang="ko-KR" altLang="en-US" sz="1600" dirty="0"/>
+              <a:t>오늘날 </a:t>
+            </a:r>
+            <a:r>
+              <a:rPr lang="en-US" altLang="ko-KR" sz="1600" dirty="0"/>
+              <a:t>IPv4</a:t>
+            </a:r>
+            <a:r>
+              <a:rPr lang="ko-KR" altLang="en-US" sz="1600" dirty="0"/>
+              <a:t>의 한계점이 눈에 띄게 보이면서 점점 더 사용비중이 늘어나는 네트워크 프로토콜입니다</a:t>
+            </a:r>
           </a:p>
         </p:txBody>
       </p:sp>
@@ -5936,12 +8354,314 @@
             <p:ph idx="1"/>
           </p:nvPr>
         </p:nvSpPr>
-        <p:spPr/>
+        <p:spPr>
+          <a:xfrm>
+            <a:off x="762000" y="1765139"/>
+            <a:ext cx="10668000" cy="5036817"/>
+          </a:xfrm>
+        </p:spPr>
         <p:txBody>
           <a:bodyPr/>
           <a:lstStyle/>
           <a:p>
-            <a:endParaRPr lang="ko-KR" altLang="en-US" sz="1600" dirty="0"/>
+            <a:r>
+              <a:rPr lang="ko-KR" altLang="en-US" sz="1600" dirty="0"/>
+              <a:t>트랜스포트 계층</a:t>
+            </a:r>
+            <a:r>
+              <a:rPr lang="en-US" altLang="ko-KR" sz="1600" dirty="0"/>
+              <a:t>(Transport</a:t>
+            </a:r>
+            <a:r>
+              <a:rPr lang="ko-KR" altLang="en-US" sz="1600" dirty="0"/>
+              <a:t> </a:t>
+            </a:r>
+            <a:r>
+              <a:rPr lang="en-US" altLang="ko-KR" sz="1600" dirty="0"/>
+              <a:t>Layer)</a:t>
+            </a:r>
+            <a:r>
+              <a:rPr lang="ko-KR" altLang="en-US" sz="1600" dirty="0"/>
+              <a:t>은 서로 다른 호스트에서 동작하는 응용 계층 프로세스들 간의</a:t>
+            </a:r>
+            <a:br>
+              <a:rPr lang="en-US" altLang="ko-KR" sz="1600" dirty="0"/>
+            </a:br>
+            <a:r>
+              <a:rPr lang="ko-KR" altLang="en-US" sz="1600" dirty="0"/>
+              <a:t>논리적 통신을 제공해주는 계층입니다</a:t>
+            </a:r>
+            <a:endParaRPr lang="en-US" altLang="ko-KR" sz="1600" dirty="0"/>
+          </a:p>
+          <a:p>
+            <a:r>
+              <a:rPr lang="en-US" altLang="ko-KR" sz="1600" dirty="0"/>
+              <a:t>L1, L2, L3</a:t>
+            </a:r>
+            <a:r>
+              <a:rPr lang="ko-KR" altLang="en-US" sz="1600" dirty="0"/>
+              <a:t>까지는 물리적 </a:t>
+            </a:r>
+            <a:r>
+              <a:rPr lang="en-US" altLang="ko-KR" sz="1600" dirty="0"/>
+              <a:t>~ </a:t>
+            </a:r>
+            <a:r>
+              <a:rPr lang="ko-KR" altLang="en-US" sz="1600" dirty="0"/>
+              <a:t>호스트 특정까지 수행해주기 때문에</a:t>
+            </a:r>
+            <a:r>
+              <a:rPr lang="en-US" altLang="ko-KR" sz="1600" dirty="0"/>
+              <a:t>,</a:t>
+            </a:r>
+            <a:br>
+              <a:rPr lang="en-US" altLang="ko-KR" sz="1600" dirty="0"/>
+            </a:br>
+            <a:r>
+              <a:rPr lang="en-US" altLang="ko-KR" sz="1600" dirty="0"/>
+              <a:t>L4</a:t>
+            </a:r>
+            <a:r>
+              <a:rPr lang="ko-KR" altLang="en-US" sz="1600" dirty="0"/>
+              <a:t>계층은 실질적인 논리 통신을 수행하게 해주는 계층이라 볼 수 있습니다</a:t>
+            </a:r>
+            <a:endParaRPr lang="en-US" altLang="ko-KR" sz="1600" dirty="0"/>
+          </a:p>
+          <a:p>
+            <a:r>
+              <a:rPr lang="en-US" altLang="ko-KR" sz="1600" dirty="0"/>
+              <a:t>L3</a:t>
+            </a:r>
+            <a:r>
+              <a:rPr lang="ko-KR" altLang="en-US" sz="1600" dirty="0"/>
+              <a:t>까지는 최선형</a:t>
+            </a:r>
+            <a:r>
+              <a:rPr lang="en-US" altLang="ko-KR" sz="1600" dirty="0"/>
+              <a:t>(Best-effort) = </a:t>
+            </a:r>
+            <a:r>
+              <a:rPr lang="ko-KR" altLang="en-US" sz="1600" dirty="0"/>
+              <a:t>즉</a:t>
+            </a:r>
+            <a:r>
+              <a:rPr lang="en-US" altLang="ko-KR" sz="1600" dirty="0"/>
+              <a:t> </a:t>
+            </a:r>
+            <a:r>
+              <a:rPr lang="ko-KR" altLang="en-US" sz="1600" dirty="0"/>
+              <a:t>안전한 통신을 </a:t>
+            </a:r>
+            <a:r>
+              <a:rPr lang="ko-KR" altLang="en-US" sz="1600" dirty="0" err="1"/>
+              <a:t>노오력</a:t>
+            </a:r>
+            <a:r>
+              <a:rPr lang="ko-KR" altLang="en-US" sz="1600" dirty="0"/>
+              <a:t> 하지만</a:t>
+            </a:r>
+            <a:r>
+              <a:rPr lang="en-US" altLang="ko-KR" sz="1600" dirty="0"/>
+              <a:t> </a:t>
+            </a:r>
+            <a:r>
+              <a:rPr lang="ko-KR" altLang="en-US" sz="1600" dirty="0"/>
+              <a:t>보증은 못하는 프로토콜이기 때문에</a:t>
+            </a:r>
+            <a:r>
+              <a:rPr lang="en-US" altLang="ko-KR" sz="1600" dirty="0"/>
+              <a:t>,</a:t>
+            </a:r>
+            <a:br>
+              <a:rPr lang="en-US" altLang="ko-KR" sz="1600" dirty="0"/>
+            </a:br>
+            <a:r>
+              <a:rPr lang="en-US" altLang="ko-KR" sz="1600" dirty="0"/>
+              <a:t>L4</a:t>
+            </a:r>
+            <a:r>
+              <a:rPr lang="ko-KR" altLang="en-US" sz="1600" dirty="0"/>
+              <a:t>계층에서는 이를 완전하게 보장하도록 프로토콜을 설계합니다</a:t>
+            </a:r>
+            <a:r>
+              <a:rPr lang="en-US" altLang="ko-KR" sz="1600" dirty="0"/>
+              <a:t>(</a:t>
+            </a:r>
+            <a:r>
+              <a:rPr lang="ko-KR" altLang="en-US" sz="1600" dirty="0"/>
+              <a:t>신뢰적 전달 보장이라고 표현함</a:t>
+            </a:r>
+            <a:r>
+              <a:rPr lang="en-US" altLang="ko-KR" sz="1600" dirty="0"/>
+              <a:t>)</a:t>
+            </a:r>
+          </a:p>
+          <a:p>
+            <a:r>
+              <a:rPr lang="ko-KR" altLang="en-US" sz="1600" dirty="0"/>
+              <a:t>트랜스포트 계층의 </a:t>
+            </a:r>
+            <a:r>
+              <a:rPr lang="en-US" altLang="ko-KR" sz="1600" dirty="0"/>
+              <a:t>PDU</a:t>
+            </a:r>
+            <a:r>
+              <a:rPr lang="ko-KR" altLang="en-US" sz="1600" dirty="0"/>
+              <a:t>는 세그먼트</a:t>
+            </a:r>
+            <a:r>
+              <a:rPr lang="en-US" altLang="ko-KR" sz="1600" dirty="0"/>
+              <a:t>(Segment)</a:t>
+            </a:r>
+            <a:r>
+              <a:rPr lang="ko-KR" altLang="en-US" sz="1600" dirty="0"/>
+              <a:t>로 대표적인 프로토콜은 </a:t>
+            </a:r>
+            <a:r>
+              <a:rPr lang="en-US" altLang="ko-KR" sz="1600" dirty="0"/>
+              <a:t>TCP, UDP</a:t>
+            </a:r>
+            <a:r>
+              <a:rPr lang="ko-KR" altLang="en-US" sz="1600" dirty="0"/>
+              <a:t>가 있습니다</a:t>
+            </a:r>
+            <a:endParaRPr lang="en-US" altLang="ko-KR" sz="1600" dirty="0"/>
+          </a:p>
+          <a:p>
+            <a:r>
+              <a:rPr lang="en-US" altLang="ko-KR" sz="1600" dirty="0"/>
+              <a:t>TCP(Transmission Control Protocol)</a:t>
+            </a:r>
+            <a:r>
+              <a:rPr lang="ko-KR" altLang="en-US" sz="1600" dirty="0"/>
+              <a:t>는 전송제어 프로토콜의 표준으로</a:t>
+            </a:r>
+            <a:br>
+              <a:rPr lang="en-US" altLang="ko-KR" sz="1600" dirty="0"/>
+            </a:br>
+            <a:r>
+              <a:rPr lang="en-US" altLang="ko-KR" sz="1600" dirty="0"/>
+              <a:t>L4</a:t>
+            </a:r>
+            <a:r>
+              <a:rPr lang="ko-KR" altLang="en-US" sz="1600" dirty="0"/>
+              <a:t>계층에서 신뢰적 전달을 보장하는 프로토콜이기에</a:t>
+            </a:r>
+            <a:r>
+              <a:rPr lang="en-US" altLang="ko-KR" sz="1600" dirty="0"/>
+              <a:t>,</a:t>
+            </a:r>
+            <a:r>
+              <a:rPr lang="ko-KR" altLang="en-US" sz="1600" dirty="0"/>
+              <a:t> 대부분의 통신이 </a:t>
+            </a:r>
+            <a:r>
+              <a:rPr lang="en-US" altLang="ko-KR" sz="1600" dirty="0"/>
+              <a:t>TCP</a:t>
+            </a:r>
+            <a:r>
+              <a:rPr lang="ko-KR" altLang="en-US" sz="1600" dirty="0"/>
+              <a:t>를 사용하는 편입니다</a:t>
+            </a:r>
+            <a:endParaRPr lang="en-US" altLang="ko-KR" sz="1600" dirty="0"/>
+          </a:p>
+          <a:p>
+            <a:r>
+              <a:rPr lang="en-US" altLang="ko-KR" sz="1600" dirty="0"/>
+              <a:t>UDP(User Datagram Protocol)</a:t>
+            </a:r>
+            <a:r>
+              <a:rPr lang="ko-KR" altLang="en-US" sz="1600" dirty="0"/>
+              <a:t>는 사용자 데이터 그램 프로토콜로</a:t>
+            </a:r>
+            <a:br>
+              <a:rPr lang="en-US" altLang="ko-KR" sz="1600" dirty="0"/>
+            </a:br>
+            <a:r>
+              <a:rPr lang="en-US" altLang="ko-KR" sz="1600" dirty="0"/>
+              <a:t>L3</a:t>
+            </a:r>
+            <a:r>
+              <a:rPr lang="ko-KR" altLang="en-US" sz="1600" dirty="0"/>
+              <a:t>계층의 데이터 그램을 거의 그대로 넘기는 것에 초점을 맞춘 프로토콜이기에</a:t>
+            </a:r>
+            <a:r>
+              <a:rPr lang="en-US" altLang="ko-KR" sz="1600" dirty="0"/>
+              <a:t>,</a:t>
+            </a:r>
+            <a:br>
+              <a:rPr lang="en-US" altLang="ko-KR" sz="1600" dirty="0"/>
+            </a:br>
+            <a:r>
+              <a:rPr lang="en-US" altLang="ko-KR" sz="1600" dirty="0"/>
+              <a:t>PDU</a:t>
+            </a:r>
+            <a:r>
+              <a:rPr lang="ko-KR" altLang="en-US" sz="1600" dirty="0"/>
+              <a:t>의 크기가 보다 작고</a:t>
+            </a:r>
+            <a:r>
+              <a:rPr lang="en-US" altLang="ko-KR" sz="1600" dirty="0"/>
+              <a:t>(</a:t>
+            </a:r>
+            <a:r>
+              <a:rPr lang="ko-KR" altLang="en-US" sz="1600" dirty="0"/>
+              <a:t>헤더가 작고</a:t>
+            </a:r>
+            <a:r>
+              <a:rPr lang="en-US" altLang="ko-KR" sz="1600" dirty="0"/>
+              <a:t>) </a:t>
+            </a:r>
+            <a:r>
+              <a:rPr lang="ko-KR" altLang="en-US" sz="1600" dirty="0"/>
+              <a:t>비 신뢰적 전달 프로토콜의 특성을 지녀서</a:t>
+            </a:r>
+            <a:br>
+              <a:rPr lang="en-US" altLang="ko-KR" sz="1600" dirty="0"/>
+            </a:br>
+            <a:r>
+              <a:rPr lang="ko-KR" altLang="en-US" sz="1600" dirty="0"/>
+              <a:t>데이터를 빠르게 보내는 경우나 안정적인 네트워크 통신이 보장된 경우</a:t>
+            </a:r>
+            <a:r>
+              <a:rPr lang="en-US" altLang="ko-KR" sz="1600" dirty="0"/>
+              <a:t>,</a:t>
+            </a:r>
+            <a:br>
+              <a:rPr lang="en-US" altLang="ko-KR" sz="1600" dirty="0"/>
+            </a:br>
+            <a:r>
+              <a:rPr lang="ko-KR" altLang="en-US" sz="1600" dirty="0"/>
+              <a:t>실시간</a:t>
+            </a:r>
+            <a:r>
+              <a:rPr lang="en-US" altLang="ko-KR" sz="1600" dirty="0"/>
+              <a:t>(</a:t>
+            </a:r>
+            <a:r>
+              <a:rPr lang="ko-KR" altLang="en-US" sz="1600" dirty="0"/>
+              <a:t>시간 민감</a:t>
+            </a:r>
+            <a:r>
+              <a:rPr lang="en-US" altLang="ko-KR" sz="1600" dirty="0"/>
+              <a:t>)</a:t>
+            </a:r>
+            <a:r>
+              <a:rPr lang="ko-KR" altLang="en-US" sz="1600" dirty="0"/>
+              <a:t>정보를 받아와야 하는 경우에 많이 사용합니다</a:t>
+            </a:r>
+            <a:endParaRPr lang="en-US" altLang="ko-KR" sz="1600" dirty="0"/>
+          </a:p>
+          <a:p>
+            <a:r>
+              <a:rPr lang="en-US" altLang="ko-KR" sz="1600" dirty="0"/>
+              <a:t>L4</a:t>
+            </a:r>
+            <a:r>
+              <a:rPr lang="ko-KR" altLang="en-US" sz="1600" dirty="0"/>
+              <a:t>계층 부터는 소켓이라는 논리구조를 가지고 프로그래밍 할 수 있는 계층입니다</a:t>
+            </a:r>
+            <a:endParaRPr lang="en-US" altLang="ko-KR" sz="1600" dirty="0"/>
           </a:p>
         </p:txBody>
       </p:sp>
@@ -6107,12 +8827,406 @@
             <p:ph idx="1"/>
           </p:nvPr>
         </p:nvSpPr>
-        <p:spPr/>
+        <p:spPr>
+          <a:xfrm>
+            <a:off x="761999" y="1765139"/>
+            <a:ext cx="11172396" cy="5092861"/>
+          </a:xfrm>
+        </p:spPr>
         <p:txBody>
           <a:bodyPr/>
           <a:lstStyle/>
           <a:p>
-            <a:endParaRPr lang="ko-KR" altLang="en-US" sz="1600" dirty="0"/>
+            <a:r>
+              <a:rPr lang="ko-KR" altLang="en-US" sz="1600" dirty="0"/>
+              <a:t>응용 계층</a:t>
+            </a:r>
+            <a:r>
+              <a:rPr lang="en-US" altLang="ko-KR" sz="1600" dirty="0"/>
+              <a:t>(Application Layer)</a:t>
+            </a:r>
+            <a:r>
+              <a:rPr lang="ko-KR" altLang="en-US" sz="1600" dirty="0"/>
+              <a:t>은 호스트가 사용하는 프로그램이 해당 정보를 사용가능 하도록</a:t>
+            </a:r>
+            <a:r>
+              <a:rPr lang="en-US" altLang="ko-KR" sz="1600" dirty="0"/>
+              <a:t>,</a:t>
+            </a:r>
+            <a:br>
+              <a:rPr lang="en-US" altLang="ko-KR" sz="1600" dirty="0"/>
+            </a:br>
+            <a:r>
+              <a:rPr lang="ko-KR" altLang="en-US" sz="1600" dirty="0"/>
+              <a:t>또는</a:t>
+            </a:r>
+            <a:r>
+              <a:rPr lang="en-US" altLang="ko-KR" sz="1600" dirty="0"/>
+              <a:t> </a:t>
+            </a:r>
+            <a:r>
+              <a:rPr lang="ko-KR" altLang="en-US" sz="1600" dirty="0"/>
+              <a:t>정보를 사용하는 규칙을 정하는 계층입니다</a:t>
+            </a:r>
+            <a:endParaRPr lang="en-US" altLang="ko-KR" sz="1600" dirty="0"/>
+          </a:p>
+          <a:p>
+            <a:r>
+              <a:rPr lang="en-US" altLang="ko-KR" sz="1600" dirty="0"/>
+              <a:t>L4</a:t>
+            </a:r>
+            <a:r>
+              <a:rPr lang="ko-KR" altLang="en-US" sz="1600" dirty="0"/>
+              <a:t>까지는 신뢰적 전달이 보장되고 데이터는 바로 사용가능한 상태로 올 것이기 때문에</a:t>
+            </a:r>
+            <a:r>
+              <a:rPr lang="en-US" altLang="ko-KR" sz="1600" dirty="0"/>
+              <a:t>,</a:t>
+            </a:r>
+            <a:br>
+              <a:rPr lang="en-US" altLang="ko-KR" sz="1600" dirty="0"/>
+            </a:br>
+            <a:r>
+              <a:rPr lang="en-US" altLang="ko-KR" sz="1600" dirty="0"/>
+              <a:t>L5</a:t>
+            </a:r>
+            <a:r>
+              <a:rPr lang="ko-KR" altLang="en-US" sz="1600" dirty="0"/>
+              <a:t>는 데이터 포맷</a:t>
+            </a:r>
+            <a:r>
+              <a:rPr lang="en-US" altLang="ko-KR" sz="1600" dirty="0"/>
+              <a:t>(</a:t>
+            </a:r>
+            <a:r>
+              <a:rPr lang="ko-KR" altLang="en-US" sz="1600" dirty="0"/>
+              <a:t>형식</a:t>
+            </a:r>
+            <a:r>
+              <a:rPr lang="en-US" altLang="ko-KR" sz="1600" dirty="0"/>
+              <a:t>)</a:t>
+            </a:r>
+            <a:r>
+              <a:rPr lang="ko-KR" altLang="en-US" sz="1600" dirty="0"/>
+              <a:t>을 정하는 규약이라 볼 수도 있습니다</a:t>
+            </a:r>
+            <a:endParaRPr lang="en-US" altLang="ko-KR" sz="1600" dirty="0"/>
+          </a:p>
+          <a:p>
+            <a:r>
+              <a:rPr lang="ko-KR" altLang="en-US" sz="1600" dirty="0"/>
+              <a:t>응용 계층의 </a:t>
+            </a:r>
+            <a:r>
+              <a:rPr lang="en-US" altLang="ko-KR" sz="1600" dirty="0"/>
+              <a:t>PDU</a:t>
+            </a:r>
+            <a:r>
+              <a:rPr lang="ko-KR" altLang="en-US" sz="1600" dirty="0"/>
+              <a:t>는 메시지</a:t>
+            </a:r>
+            <a:r>
+              <a:rPr lang="en-US" altLang="ko-KR" sz="1600" dirty="0"/>
+              <a:t>(Message)</a:t>
+            </a:r>
+            <a:r>
+              <a:rPr lang="ko-KR" altLang="en-US" sz="1600" dirty="0"/>
+              <a:t>로</a:t>
+            </a:r>
+            <a:br>
+              <a:rPr lang="en-US" altLang="ko-KR" sz="1600" dirty="0"/>
+            </a:br>
+            <a:r>
+              <a:rPr lang="ko-KR" altLang="en-US" sz="1600" dirty="0"/>
+              <a:t>대표적인 프로토콜에는 </a:t>
+            </a:r>
+            <a:r>
+              <a:rPr lang="en-US" altLang="ko-KR" sz="1600" dirty="0"/>
+              <a:t>HTTP(S), DNS, SSH, (S)FTP, SMTP</a:t>
+            </a:r>
+            <a:r>
+              <a:rPr lang="ko-KR" altLang="en-US" sz="1600" dirty="0"/>
+              <a:t>등이 있습니다</a:t>
+            </a:r>
+            <a:endParaRPr lang="en-US" altLang="ko-KR" sz="1600" dirty="0"/>
+          </a:p>
+          <a:p>
+            <a:pPr marL="342900" indent="-342900">
+              <a:buFont typeface="+mj-lt"/>
+              <a:buAutoNum type="arabicPeriod"/>
+            </a:pPr>
+            <a:r>
+              <a:rPr lang="en-US" altLang="ko-KR" sz="1400" dirty="0"/>
+              <a:t>HTTP(Hyper Text Transfer Protocol)</a:t>
+            </a:r>
+            <a:r>
+              <a:rPr lang="ko-KR" altLang="en-US" sz="1400" dirty="0"/>
+              <a:t>는 오늘날 웹 프로토콜로 유명한 </a:t>
+            </a:r>
+            <a:r>
+              <a:rPr lang="en-US" altLang="ko-KR" sz="1400" dirty="0"/>
+              <a:t>HTTP/1.1</a:t>
+            </a:r>
+            <a:r>
+              <a:rPr lang="ko-KR" altLang="en-US" sz="1400" dirty="0"/>
+              <a:t>으로</a:t>
+            </a:r>
+            <a:br>
+              <a:rPr lang="en-US" altLang="ko-KR" sz="1400" dirty="0"/>
+            </a:br>
+            <a:r>
+              <a:rPr lang="ko-KR" altLang="en-US" sz="1400" dirty="0"/>
+              <a:t>요청 메소드</a:t>
+            </a:r>
+            <a:r>
+              <a:rPr lang="en-US" altLang="ko-KR" sz="1400" dirty="0"/>
+              <a:t>(GET,POST,PUT,DELETE)</a:t>
+            </a:r>
+            <a:r>
+              <a:rPr lang="ko-KR" altLang="en-US" sz="1400" dirty="0"/>
+              <a:t>와 헤더</a:t>
+            </a:r>
+            <a:r>
+              <a:rPr lang="en-US" altLang="ko-KR" sz="1400" dirty="0"/>
+              <a:t>(Header), </a:t>
+            </a:r>
+            <a:r>
+              <a:rPr lang="ko-KR" altLang="en-US" sz="1400" dirty="0"/>
+              <a:t>바디</a:t>
+            </a:r>
+            <a:r>
+              <a:rPr lang="en-US" altLang="ko-KR" sz="1400" dirty="0"/>
+              <a:t>(Body)</a:t>
+            </a:r>
+            <a:r>
+              <a:rPr lang="ko-KR" altLang="en-US" sz="1400" dirty="0"/>
+              <a:t>로 구성되며</a:t>
+            </a:r>
+            <a:br>
+              <a:rPr lang="en-US" altLang="ko-KR" sz="1400" dirty="0"/>
+            </a:br>
+            <a:r>
+              <a:rPr lang="ko-KR" altLang="en-US" sz="1400" dirty="0"/>
+              <a:t>주로 사용하는 </a:t>
+            </a:r>
+            <a:r>
+              <a:rPr lang="en-US" altLang="ko-KR" sz="1400" dirty="0"/>
+              <a:t>Json</a:t>
+            </a:r>
+            <a:r>
+              <a:rPr lang="ko-KR" altLang="en-US" sz="1400" dirty="0"/>
+              <a:t>데이터 및 </a:t>
+            </a:r>
+            <a:r>
+              <a:rPr lang="en-US" altLang="ko-KR" sz="1400" dirty="0"/>
+              <a:t>HTML</a:t>
+            </a:r>
+            <a:r>
+              <a:rPr lang="ko-KR" altLang="en-US" sz="1400" dirty="0"/>
+              <a:t>내용은 바디에 들어가고 쿠키는 헤더에 넣고 요청을 보냅니다</a:t>
+            </a:r>
+            <a:endParaRPr lang="en-US" altLang="ko-KR" sz="1400" dirty="0"/>
+          </a:p>
+          <a:p>
+            <a:pPr marL="342900" indent="-342900">
+              <a:buFont typeface="+mj-lt"/>
+              <a:buAutoNum type="arabicPeriod"/>
+            </a:pPr>
+            <a:r>
+              <a:rPr lang="en-US" altLang="ko-KR" sz="1400" dirty="0"/>
+              <a:t>DNS(Domain Name System)</a:t>
+            </a:r>
+            <a:r>
+              <a:rPr lang="ko-KR" altLang="en-US" sz="1400" dirty="0"/>
+              <a:t>는 호스트의 </a:t>
+            </a:r>
+            <a:r>
+              <a:rPr lang="en-US" altLang="ko-KR" sz="1400" dirty="0"/>
+              <a:t>IP</a:t>
+            </a:r>
+            <a:r>
+              <a:rPr lang="ko-KR" altLang="en-US" sz="1400" dirty="0"/>
+              <a:t>식별을 도메인</a:t>
+            </a:r>
+            <a:r>
+              <a:rPr lang="en-US" altLang="ko-KR" sz="1400" dirty="0"/>
+              <a:t>(</a:t>
+            </a:r>
+            <a:r>
+              <a:rPr lang="ko-KR" altLang="en-US" sz="1400" dirty="0"/>
+              <a:t>별칭</a:t>
+            </a:r>
+            <a:r>
+              <a:rPr lang="en-US" altLang="ko-KR" sz="1400" dirty="0"/>
+              <a:t>)</a:t>
+            </a:r>
+            <a:r>
+              <a:rPr lang="ko-KR" altLang="en-US" sz="1400" dirty="0"/>
+              <a:t>으로도 사용 가능하도록</a:t>
+            </a:r>
+            <a:r>
+              <a:rPr lang="en-US" altLang="ko-KR" sz="1400" dirty="0"/>
+              <a:t>,</a:t>
+            </a:r>
+            <a:br>
+              <a:rPr lang="en-US" altLang="ko-KR" sz="1400" dirty="0"/>
+            </a:br>
+            <a:r>
+              <a:rPr lang="ko-KR" altLang="en-US" sz="1400" dirty="0"/>
+              <a:t>일대일 대응 시켜주는 프로토콜입니다</a:t>
+            </a:r>
+            <a:endParaRPr lang="en-US" altLang="ko-KR" sz="1400" dirty="0"/>
+          </a:p>
+          <a:p>
+            <a:pPr marL="342900" indent="-342900">
+              <a:buFont typeface="+mj-lt"/>
+              <a:buAutoNum type="arabicPeriod"/>
+            </a:pPr>
+            <a:r>
+              <a:rPr lang="en-US" altLang="ko-KR" sz="1400" dirty="0"/>
+              <a:t>SSH(Secure </a:t>
+            </a:r>
+            <a:r>
+              <a:rPr lang="en-US" altLang="ko-KR" sz="1400" dirty="0" err="1"/>
+              <a:t>SHell</a:t>
+            </a:r>
+            <a:r>
+              <a:rPr lang="en-US" altLang="ko-KR" sz="1400" dirty="0"/>
+              <a:t>)</a:t>
+            </a:r>
+            <a:r>
+              <a:rPr lang="ko-KR" altLang="en-US" sz="1400" dirty="0"/>
+              <a:t>은 기존 원격 쉘에 사용한 프로토콜인 </a:t>
+            </a:r>
+            <a:r>
+              <a:rPr lang="en-US" altLang="ko-KR" sz="1400" dirty="0"/>
+              <a:t>Telnet</a:t>
+            </a:r>
+            <a:r>
+              <a:rPr lang="ko-KR" altLang="en-US" sz="1400" dirty="0"/>
+              <a:t>의 보안 취약점</a:t>
+            </a:r>
+            <a:r>
+              <a:rPr lang="en-US" altLang="ko-KR" sz="1400" dirty="0"/>
+              <a:t>(</a:t>
+            </a:r>
+            <a:r>
+              <a:rPr lang="ko-KR" altLang="en-US" sz="1400" dirty="0"/>
+              <a:t>리버스 쉘</a:t>
+            </a:r>
+            <a:r>
+              <a:rPr lang="en-US" altLang="ko-KR" sz="1400" dirty="0"/>
+              <a:t>, MITM</a:t>
+            </a:r>
+            <a:r>
+              <a:rPr lang="ko-KR" altLang="en-US" sz="1400" dirty="0"/>
+              <a:t>공격</a:t>
+            </a:r>
+            <a:r>
+              <a:rPr lang="en-US" altLang="ko-KR" sz="1400" dirty="0"/>
+              <a:t>)</a:t>
+            </a:r>
+            <a:r>
+              <a:rPr lang="ko-KR" altLang="en-US" sz="1400" dirty="0"/>
+              <a:t>등에 의해</a:t>
+            </a:r>
+            <a:br>
+              <a:rPr lang="en-US" altLang="ko-KR" sz="1400" dirty="0"/>
+            </a:br>
+            <a:r>
+              <a:rPr lang="ko-KR" altLang="en-US" sz="1400" dirty="0"/>
+              <a:t>키 페어를 사용한 암호접근과 </a:t>
+            </a:r>
+            <a:r>
+              <a:rPr lang="en-US" altLang="ko-KR" sz="1400" dirty="0"/>
+              <a:t>SL(Secure Layer)</a:t>
+            </a:r>
+            <a:r>
+              <a:rPr lang="ko-KR" altLang="en-US" sz="1400" dirty="0"/>
+              <a:t>등을 첨가하여 보안을 강화한 원격 쉘 전용 프로토콜입니다</a:t>
+            </a:r>
+            <a:endParaRPr lang="en-US" altLang="ko-KR" sz="1400" dirty="0"/>
+          </a:p>
+          <a:p>
+            <a:pPr marL="342900" indent="-342900">
+              <a:buFont typeface="+mj-lt"/>
+              <a:buAutoNum type="arabicPeriod"/>
+            </a:pPr>
+            <a:r>
+              <a:rPr lang="en-US" altLang="ko-KR" sz="1400" dirty="0"/>
+              <a:t>SFTP(Secure File Transfer Protocol)</a:t>
+            </a:r>
+            <a:r>
+              <a:rPr lang="ko-KR" altLang="en-US" sz="1400" dirty="0"/>
+              <a:t>은 기존 파일 전송 프로토콜</a:t>
+            </a:r>
+            <a:r>
+              <a:rPr lang="en-US" altLang="ko-KR" sz="1400" dirty="0"/>
+              <a:t>(FTP)</a:t>
+            </a:r>
+            <a:r>
+              <a:rPr lang="ko-KR" altLang="en-US" sz="1400" dirty="0"/>
+              <a:t>의 보안 취약점</a:t>
+            </a:r>
+            <a:r>
+              <a:rPr lang="en-US" altLang="ko-KR" sz="1400" dirty="0"/>
+              <a:t>(MITM</a:t>
+            </a:r>
+            <a:r>
+              <a:rPr lang="ko-KR" altLang="en-US" sz="1400" dirty="0"/>
+              <a:t>공격</a:t>
+            </a:r>
+            <a:r>
+              <a:rPr lang="en-US" altLang="ko-KR" sz="1400" dirty="0"/>
+              <a:t>, </a:t>
+            </a:r>
+            <a:r>
+              <a:rPr lang="ko-KR" altLang="en-US" sz="1400" dirty="0"/>
+              <a:t>방화벽 우회</a:t>
+            </a:r>
+            <a:r>
+              <a:rPr lang="en-US" altLang="ko-KR" sz="1400" dirty="0"/>
+              <a:t>)</a:t>
+            </a:r>
+            <a:r>
+              <a:rPr lang="ko-KR" altLang="en-US" sz="1400" dirty="0"/>
+              <a:t>등에 의해</a:t>
+            </a:r>
+            <a:br>
+              <a:rPr lang="en-US" altLang="ko-KR" sz="1400" dirty="0"/>
+            </a:br>
+            <a:r>
+              <a:rPr lang="en-US" altLang="ko-KR" sz="1400" dirty="0"/>
+              <a:t>SSH</a:t>
+            </a:r>
+            <a:r>
+              <a:rPr lang="ko-KR" altLang="en-US" sz="1400" dirty="0"/>
+              <a:t>프로토콜의 힘을 일부 빌려 보안을 강화한 파일 전송 전용 프로토콜입니다</a:t>
+            </a:r>
+            <a:endParaRPr lang="en-US" altLang="ko-KR" sz="1400" dirty="0"/>
+          </a:p>
+          <a:p>
+            <a:pPr marL="342900" indent="-342900">
+              <a:buFont typeface="+mj-lt"/>
+              <a:buAutoNum type="arabicPeriod"/>
+            </a:pPr>
+            <a:r>
+              <a:rPr lang="en-US" altLang="ko-KR" sz="1400" dirty="0"/>
+              <a:t>SMTP(Simple Mail Transfer Protocol)</a:t>
+            </a:r>
+            <a:r>
+              <a:rPr lang="ko-KR" altLang="en-US" sz="1400" dirty="0"/>
+              <a:t>은 메일 전용 프로토콜로 </a:t>
+            </a:r>
+            <a:r>
+              <a:rPr lang="en-US" altLang="ko-KR" sz="1400" dirty="0"/>
+              <a:t>HELO, MAIL FROM, RCPT TO </a:t>
+            </a:r>
+            <a:r>
+              <a:rPr lang="ko-KR" altLang="en-US" sz="1400" dirty="0"/>
+              <a:t>등의 요청을 보냅니다</a:t>
+            </a:r>
+            <a:endParaRPr lang="en-US" altLang="ko-KR" sz="1400" dirty="0"/>
           </a:p>
         </p:txBody>
       </p:sp>
@@ -6130,6 +9244,390 @@
 </file>
 
 <file path=ppt/slides/slide21.xml><?xml version="1.0" encoding="utf-8"?>
+<p:sld xmlns:a="http://schemas.openxmlformats.org/drawingml/2006/main" xmlns:r="http://schemas.openxmlformats.org/officeDocument/2006/relationships" xmlns:p="http://schemas.openxmlformats.org/presentationml/2006/main">
+  <p:cSld>
+    <p:spTree>
+      <p:nvGrpSpPr>
+        <p:cNvPr id="1" name=""/>
+        <p:cNvGrpSpPr/>
+        <p:nvPr/>
+      </p:nvGrpSpPr>
+      <p:grpSpPr>
+        <a:xfrm>
+          <a:off x="0" y="0"/>
+          <a:ext cx="0" cy="0"/>
+          <a:chOff x="0" y="0"/>
+          <a:chExt cx="0" cy="0"/>
+        </a:xfrm>
+      </p:grpSpPr>
+      <p:sp>
+        <p:nvSpPr>
+          <p:cNvPr id="2" name="제목 1">
+            <a:extLst>
+              <a:ext uri="{FF2B5EF4-FFF2-40B4-BE49-F238E27FC236}">
+                <a16:creationId xmlns:a16="http://schemas.microsoft.com/office/drawing/2014/main" id="{1F24500C-809A-F0E9-9691-10F422AC3593}"/>
+              </a:ext>
+            </a:extLst>
+          </p:cNvPr>
+          <p:cNvSpPr>
+            <a:spLocks noGrp="1"/>
+          </p:cNvSpPr>
+          <p:nvPr>
+            <p:ph type="title"/>
+          </p:nvPr>
+        </p:nvSpPr>
+        <p:spPr/>
+        <p:txBody>
+          <a:bodyPr/>
+          <a:lstStyle/>
+          <a:p>
+            <a:r>
+              <a:rPr lang="en-US" altLang="ko-KR" dirty="0"/>
+              <a:t>Socket Programming</a:t>
+            </a:r>
+            <a:endParaRPr lang="ko-KR" altLang="en-US" dirty="0"/>
+          </a:p>
+        </p:txBody>
+      </p:sp>
+      <p:sp>
+        <p:nvSpPr>
+          <p:cNvPr id="3" name="내용 개체 틀 2">
+            <a:extLst>
+              <a:ext uri="{FF2B5EF4-FFF2-40B4-BE49-F238E27FC236}">
+                <a16:creationId xmlns:a16="http://schemas.microsoft.com/office/drawing/2014/main" id="{D7BD2A55-8DEF-0A86-EAD7-44F305811F57}"/>
+              </a:ext>
+            </a:extLst>
+          </p:cNvPr>
+          <p:cNvSpPr>
+            <a:spLocks noGrp="1"/>
+          </p:cNvSpPr>
+          <p:nvPr>
+            <p:ph idx="1"/>
+          </p:nvPr>
+        </p:nvSpPr>
+        <p:spPr>
+          <a:xfrm>
+            <a:off x="762000" y="1765139"/>
+            <a:ext cx="10668000" cy="5048616"/>
+          </a:xfrm>
+        </p:spPr>
+        <p:txBody>
+          <a:bodyPr/>
+          <a:lstStyle/>
+          <a:p>
+            <a:r>
+              <a:rPr lang="ko-KR" altLang="en-US" sz="1600" dirty="0"/>
+              <a:t>소켓 프로그래밍은 </a:t>
+            </a:r>
+            <a:r>
+              <a:rPr lang="en-US" altLang="ko-KR" sz="1600" dirty="0"/>
+              <a:t>L4 </a:t>
+            </a:r>
+            <a:r>
+              <a:rPr lang="ko-KR" altLang="en-US" sz="1600" dirty="0"/>
+              <a:t>세그먼트와 </a:t>
+            </a:r>
+            <a:r>
+              <a:rPr lang="en-US" altLang="ko-KR" sz="1600" dirty="0"/>
+              <a:t>L3</a:t>
+            </a:r>
+            <a:r>
+              <a:rPr lang="ko-KR" altLang="en-US" sz="1600" dirty="0"/>
+              <a:t>의 데이터 그램을 추상</a:t>
+            </a:r>
+            <a:r>
+              <a:rPr lang="en-US" altLang="ko-KR" sz="1600" dirty="0"/>
+              <a:t>(</a:t>
+            </a:r>
+            <a:r>
+              <a:rPr lang="ko-KR" altLang="en-US" sz="1600" dirty="0"/>
+              <a:t>논리</a:t>
+            </a:r>
+            <a:r>
+              <a:rPr lang="en-US" altLang="ko-KR" sz="1600" dirty="0"/>
+              <a:t>)</a:t>
+            </a:r>
+            <a:r>
+              <a:rPr lang="ko-KR" altLang="en-US" sz="1600" dirty="0"/>
+              <a:t>화하여 사용하는 프로그래밍 방법으로</a:t>
+            </a:r>
+            <a:br>
+              <a:rPr lang="en-US" altLang="ko-KR" sz="1600" dirty="0"/>
+            </a:br>
+            <a:r>
+              <a:rPr lang="ko-KR" altLang="en-US" sz="1600" dirty="0"/>
+              <a:t>언어에서 제공하는 소켓관련 함수들을 잘 활용해서 </a:t>
+            </a:r>
+            <a:r>
+              <a:rPr lang="en-US" altLang="ko-KR" sz="1600" dirty="0"/>
+              <a:t>L3, L4</a:t>
+            </a:r>
+            <a:r>
+              <a:rPr lang="ko-KR" altLang="en-US" sz="1600" dirty="0"/>
+              <a:t>를 비교적 간단하게 조작하며</a:t>
+            </a:r>
+            <a:r>
+              <a:rPr lang="en-US" altLang="ko-KR" sz="1600" dirty="0"/>
+              <a:t>,</a:t>
+            </a:r>
+            <a:br>
+              <a:rPr lang="en-US" altLang="ko-KR" sz="1600" dirty="0"/>
+            </a:br>
+            <a:r>
+              <a:rPr lang="en-US" altLang="ko-KR" sz="1600" dirty="0"/>
+              <a:t>L5</a:t>
+            </a:r>
+            <a:r>
+              <a:rPr lang="ko-KR" altLang="en-US" sz="1600" dirty="0"/>
+              <a:t>의 메시지를 작성하거나 읽을 수 있도록 할 수도 있습니다</a:t>
+            </a:r>
+            <a:endParaRPr lang="en-US" altLang="ko-KR" sz="1600" dirty="0"/>
+          </a:p>
+          <a:p>
+            <a:r>
+              <a:rPr lang="ko-KR" altLang="en-US" sz="1600" dirty="0"/>
+              <a:t>소켓 프로그래밍은 크게 네 가지로 추상화 해볼 수 있습니다</a:t>
+            </a:r>
+            <a:endParaRPr lang="en-US" altLang="ko-KR" sz="1600" dirty="0"/>
+          </a:p>
+          <a:p>
+            <a:pPr marL="342900" indent="-342900">
+              <a:buFont typeface="+mj-lt"/>
+              <a:buAutoNum type="arabicPeriod"/>
+            </a:pPr>
+            <a:r>
+              <a:rPr lang="ko-KR" altLang="en-US" sz="1400" dirty="0"/>
+              <a:t>소켓을 생성</a:t>
+            </a:r>
+            <a:r>
+              <a:rPr lang="en-US" altLang="ko-KR" sz="1400" dirty="0"/>
+              <a:t>(Create): </a:t>
+            </a:r>
+            <a:r>
+              <a:rPr lang="ko-KR" altLang="en-US" sz="1400" dirty="0"/>
+              <a:t>소켓파일을 생성합니다</a:t>
+            </a:r>
+            <a:endParaRPr lang="en-US" altLang="ko-KR" sz="1400" dirty="0"/>
+          </a:p>
+          <a:p>
+            <a:pPr marL="342900" indent="-342900">
+              <a:buFont typeface="+mj-lt"/>
+              <a:buAutoNum type="arabicPeriod"/>
+            </a:pPr>
+            <a:r>
+              <a:rPr lang="ko-KR" altLang="en-US" sz="1400" dirty="0"/>
+              <a:t>소켓을 실제 커널</a:t>
+            </a:r>
+            <a:r>
+              <a:rPr lang="en-US" altLang="ko-KR" sz="1400" dirty="0"/>
+              <a:t>(</a:t>
+            </a:r>
+            <a:r>
+              <a:rPr lang="en-US" altLang="ko-KR" sz="1400" dirty="0" err="1"/>
+              <a:t>IP:Port</a:t>
+            </a:r>
+            <a:r>
+              <a:rPr lang="en-US" altLang="ko-KR" sz="1400" dirty="0"/>
+              <a:t>)</a:t>
+            </a:r>
+            <a:r>
+              <a:rPr lang="ko-KR" altLang="en-US" sz="1400" dirty="0"/>
+              <a:t>에 빙의</a:t>
+            </a:r>
+            <a:r>
+              <a:rPr lang="en-US" altLang="ko-KR" sz="1400" dirty="0"/>
+              <a:t>(Bind):</a:t>
+            </a:r>
+            <a:br>
+              <a:rPr lang="en-US" altLang="ko-KR" sz="1400" dirty="0"/>
+            </a:br>
+            <a:r>
+              <a:rPr lang="ko-KR" altLang="en-US" sz="1400" dirty="0"/>
+              <a:t>커널을 직접 만질 수는 없기 때문에 소켓을 빙의 하도록</a:t>
+            </a:r>
+            <a:br>
+              <a:rPr lang="en-US" altLang="ko-KR" sz="1400" dirty="0"/>
+            </a:br>
+            <a:r>
+              <a:rPr lang="ko-KR" altLang="en-US" sz="1400" dirty="0"/>
+              <a:t>요청을 보냅니다</a:t>
+            </a:r>
+            <a:endParaRPr lang="en-US" altLang="ko-KR" sz="1400" dirty="0"/>
+          </a:p>
+          <a:p>
+            <a:pPr marL="342900" indent="-342900">
+              <a:buFont typeface="+mj-lt"/>
+              <a:buAutoNum type="arabicPeriod"/>
+            </a:pPr>
+            <a:r>
+              <a:rPr lang="ko-KR" altLang="en-US" sz="1400" dirty="0"/>
+              <a:t>타인의 소켓을 내 커널에 부착</a:t>
+            </a:r>
+            <a:r>
+              <a:rPr lang="en-US" altLang="ko-KR" sz="1400" dirty="0"/>
+              <a:t>(Accept):</a:t>
+            </a:r>
+            <a:br>
+              <a:rPr lang="en-US" altLang="ko-KR" sz="1400" dirty="0"/>
+            </a:br>
+            <a:r>
+              <a:rPr lang="en-US" altLang="ko-KR" sz="1400" dirty="0"/>
+              <a:t>	Listen</a:t>
+            </a:r>
+            <a:r>
+              <a:rPr lang="ko-KR" altLang="en-US" sz="1400" dirty="0"/>
+              <a:t>을 통해 무한대기를 타다가 타인이 다가오면</a:t>
+            </a:r>
+            <a:r>
+              <a:rPr lang="en-US" altLang="ko-KR" sz="1400" dirty="0"/>
+              <a:t>,</a:t>
+            </a:r>
+            <a:br>
+              <a:rPr lang="en-US" altLang="ko-KR" sz="1400" dirty="0"/>
+            </a:br>
+            <a:r>
+              <a:rPr lang="en-US" altLang="ko-KR" sz="1400" dirty="0"/>
+              <a:t>	</a:t>
+            </a:r>
+            <a:r>
+              <a:rPr lang="ko-KR" altLang="en-US" sz="1400" dirty="0"/>
+              <a:t>빙의 한 커널에 데이터가 보내지도록 세팅합니다</a:t>
+            </a:r>
+            <a:br>
+              <a:rPr lang="en-US" altLang="ko-KR" sz="1400" dirty="0"/>
+            </a:br>
+            <a:r>
+              <a:rPr lang="ko-KR" altLang="en-US" sz="1400" dirty="0"/>
+              <a:t>또는 내 소켓을 타인의 소켓에 부착</a:t>
+            </a:r>
+            <a:r>
+              <a:rPr lang="en-US" altLang="ko-KR" sz="1400" dirty="0"/>
+              <a:t>(Connect):</a:t>
+            </a:r>
+            <a:br>
+              <a:rPr lang="en-US" altLang="ko-KR" sz="1400" dirty="0"/>
+            </a:br>
+            <a:r>
+              <a:rPr lang="en-US" altLang="ko-KR" sz="1400" dirty="0"/>
+              <a:t>	Listen</a:t>
+            </a:r>
+            <a:r>
+              <a:rPr lang="ko-KR" altLang="en-US" sz="1400" dirty="0"/>
+              <a:t>중인 서버 소켓에 접속해서 연결상태로 만듭니다</a:t>
+            </a:r>
+            <a:endParaRPr lang="en-US" altLang="ko-KR" sz="1400" dirty="0"/>
+          </a:p>
+          <a:p>
+            <a:pPr marL="342900" indent="-342900">
+              <a:buFont typeface="+mj-lt"/>
+              <a:buAutoNum type="arabicPeriod"/>
+            </a:pPr>
+            <a:r>
+              <a:rPr lang="ko-KR" altLang="en-US" sz="1400" dirty="0"/>
+              <a:t>소켓을 통한 정보 송수신</a:t>
+            </a:r>
+            <a:r>
+              <a:rPr lang="en-US" altLang="ko-KR" sz="1400" dirty="0"/>
+              <a:t>(Send/</a:t>
+            </a:r>
+            <a:r>
+              <a:rPr lang="en-US" altLang="ko-KR" sz="1400" dirty="0" err="1"/>
+              <a:t>Recv</a:t>
+            </a:r>
+            <a:r>
+              <a:rPr lang="en-US" altLang="ko-KR" sz="1400" dirty="0"/>
+              <a:t>):</a:t>
+            </a:r>
+            <a:br>
+              <a:rPr lang="en-US" altLang="ko-KR" sz="1400" dirty="0"/>
+            </a:br>
+            <a:r>
+              <a:rPr lang="ko-KR" altLang="en-US" sz="1400" dirty="0"/>
+              <a:t>연결된 두 소켓을 파일 입출력 방식으로 정보를 송수신 합니다</a:t>
+            </a:r>
+            <a:endParaRPr lang="en-US" altLang="ko-KR" sz="1400" dirty="0"/>
+          </a:p>
+          <a:p>
+            <a:pPr marL="342900" indent="-342900">
+              <a:buFont typeface="+mj-lt"/>
+              <a:buAutoNum type="arabicPeriod"/>
+            </a:pPr>
+            <a:r>
+              <a:rPr lang="ko-KR" altLang="en-US" sz="1400" dirty="0"/>
+              <a:t>소켓을 소멸</a:t>
+            </a:r>
+            <a:r>
+              <a:rPr lang="en-US" altLang="ko-KR" sz="1400" dirty="0"/>
+              <a:t>(Close): </a:t>
+            </a:r>
+            <a:r>
+              <a:rPr lang="ko-KR" altLang="en-US" sz="1400" dirty="0"/>
+              <a:t>다 쓴 소켓을 커널로부터 분리시키고 제거합니다</a:t>
+            </a:r>
+          </a:p>
+        </p:txBody>
+      </p:sp>
+      <p:pic>
+        <p:nvPicPr>
+          <p:cNvPr id="4" name="Picture 2" descr="소켓 API 실행 흐름">
+            <a:extLst>
+              <a:ext uri="{FF2B5EF4-FFF2-40B4-BE49-F238E27FC236}">
+                <a16:creationId xmlns:a16="http://schemas.microsoft.com/office/drawing/2014/main" id="{1BA7DA7D-A675-335D-5BE3-9C3EE358EDC3}"/>
+              </a:ext>
+            </a:extLst>
+          </p:cNvPr>
+          <p:cNvPicPr>
+            <a:picLocks noChangeAspect="1" noChangeArrowheads="1"/>
+          </p:cNvPicPr>
+          <p:nvPr/>
+        </p:nvPicPr>
+        <p:blipFill>
+          <a:blip r:embed="rId2">
+            <a:extLst>
+              <a:ext uri="{28A0092B-C50C-407E-A947-70E740481C1C}">
+                <a14:useLocalDpi xmlns:a14="http://schemas.microsoft.com/office/drawing/2010/main" val="0"/>
+              </a:ext>
+            </a:extLst>
+          </a:blip>
+          <a:srcRect/>
+          <a:stretch>
+            <a:fillRect/>
+          </a:stretch>
+        </p:blipFill>
+        <p:spPr bwMode="auto">
+          <a:xfrm>
+            <a:off x="6987993" y="2853268"/>
+            <a:ext cx="5047469" cy="3439490"/>
+          </a:xfrm>
+          <a:prstGeom prst="rect">
+            <a:avLst/>
+          </a:prstGeom>
+          <a:noFill/>
+          <a:extLst>
+            <a:ext uri="{909E8E84-426E-40DD-AFC4-6F175D3DCCD1}">
+              <a14:hiddenFill xmlns:a14="http://schemas.microsoft.com/office/drawing/2010/main">
+                <a:solidFill>
+                  <a:srgbClr val="FFFFFF"/>
+                </a:solidFill>
+              </a14:hiddenFill>
+            </a:ext>
+          </a:extLst>
+        </p:spPr>
+      </p:pic>
+    </p:spTree>
+    <p:extLst>
+      <p:ext uri="{BB962C8B-B14F-4D97-AF65-F5344CB8AC3E}">
+        <p14:creationId xmlns:p14="http://schemas.microsoft.com/office/powerpoint/2010/main" val="4013919212"/>
+      </p:ext>
+    </p:extLst>
+  </p:cSld>
+  <p:clrMapOvr>
+    <a:masterClrMapping/>
+  </p:clrMapOvr>
+</p:sld>
+</file>
+
+<file path=ppt/slides/slide22.xml><?xml version="1.0" encoding="utf-8"?>
 <p:sld xmlns:a="http://schemas.openxmlformats.org/drawingml/2006/main" xmlns:r="http://schemas.openxmlformats.org/officeDocument/2006/relationships" xmlns:p="http://schemas.openxmlformats.org/presentationml/2006/main">
   <p:cSld>
     <p:spTree>
@@ -6224,7 +9722,7 @@
 </p:sld>
 </file>
 
-<file path=ppt/slides/slide22.xml><?xml version="1.0" encoding="utf-8"?>
+<file path=ppt/slides/slide23.xml><?xml version="1.0" encoding="utf-8"?>
 <p:sld xmlns:a="http://schemas.openxmlformats.org/drawingml/2006/main" xmlns:r="http://schemas.openxmlformats.org/officeDocument/2006/relationships" xmlns:p="http://schemas.openxmlformats.org/presentationml/2006/main">
   <p:cSld>
     <p:spTree>
@@ -6286,12 +9784,370 @@
             <p:ph idx="1"/>
           </p:nvPr>
         </p:nvSpPr>
-        <p:spPr/>
+        <p:spPr>
+          <a:xfrm>
+            <a:off x="762000" y="1765139"/>
+            <a:ext cx="10668000" cy="4966025"/>
+          </a:xfrm>
+        </p:spPr>
         <p:txBody>
           <a:bodyPr/>
           <a:lstStyle/>
           <a:p>
-            <a:endParaRPr lang="ko-KR" altLang="en-US"/>
+            <a:r>
+              <a:rPr lang="en-US" altLang="ko-KR" sz="1600" dirty="0"/>
+              <a:t>Client-Server</a:t>
+            </a:r>
+            <a:r>
+              <a:rPr lang="ko-KR" altLang="en-US" sz="1600" dirty="0"/>
+              <a:t>구조</a:t>
+            </a:r>
+            <a:r>
+              <a:rPr lang="en-US" altLang="ko-KR" sz="1600" dirty="0"/>
+              <a:t>: </a:t>
+            </a:r>
+            <a:r>
+              <a:rPr lang="ko-KR" altLang="en-US" sz="1600" dirty="0"/>
+              <a:t>서버 호스트는 상시 켜져 있으며</a:t>
+            </a:r>
+            <a:r>
+              <a:rPr lang="en-US" altLang="ko-KR" sz="1600" dirty="0"/>
+              <a:t>, </a:t>
+            </a:r>
+            <a:r>
+              <a:rPr lang="ko-KR" altLang="en-US" sz="1600" dirty="0"/>
+              <a:t>고정된 </a:t>
+            </a:r>
+            <a:r>
+              <a:rPr lang="en-US" altLang="ko-KR" sz="1600" dirty="0"/>
+              <a:t>IP</a:t>
+            </a:r>
+            <a:r>
+              <a:rPr lang="ko-KR" altLang="en-US" sz="1600" dirty="0"/>
+              <a:t>를 가지고 있습니다</a:t>
+            </a:r>
+            <a:br>
+              <a:rPr lang="en-US" altLang="ko-KR" sz="1600" dirty="0"/>
+            </a:br>
+            <a:r>
+              <a:rPr lang="ko-KR" altLang="en-US" sz="1600" dirty="0"/>
+              <a:t>클라이언트 호스트들은 서버에 서비스를 요청하고 서버는 서비스 요청에 응답하는 방식으로 이루어집니다</a:t>
+            </a:r>
+            <a:endParaRPr lang="en-US" altLang="ko-KR" sz="1600" dirty="0"/>
+          </a:p>
+          <a:p>
+            <a:r>
+              <a:rPr lang="en-US" altLang="ko-KR" sz="1600" dirty="0"/>
+              <a:t>P2P</a:t>
+            </a:r>
+            <a:r>
+              <a:rPr lang="ko-KR" altLang="en-US" sz="1600" dirty="0"/>
+              <a:t>구조</a:t>
+            </a:r>
+            <a:r>
+              <a:rPr lang="en-US" altLang="ko-KR" sz="1600" dirty="0"/>
+              <a:t>: </a:t>
+            </a:r>
+            <a:r>
+              <a:rPr lang="ko-KR" altLang="en-US" sz="1600" dirty="0"/>
+              <a:t>상시 켜져 있는 독립서버를 사용하기 보다는 피어</a:t>
+            </a:r>
+            <a:r>
+              <a:rPr lang="en-US" altLang="ko-KR" sz="1600" dirty="0"/>
+              <a:t>(Peer)</a:t>
+            </a:r>
+            <a:r>
+              <a:rPr lang="ko-KR" altLang="en-US" sz="1600" dirty="0"/>
+              <a:t>들 끼리 모여서</a:t>
+            </a:r>
+            <a:br>
+              <a:rPr lang="en-US" altLang="ko-KR" sz="1600" dirty="0"/>
+            </a:br>
+            <a:r>
+              <a:rPr lang="ko-KR" altLang="en-US" sz="1600" dirty="0"/>
+              <a:t>서로 직접 통신하여</a:t>
+            </a:r>
+            <a:r>
+              <a:rPr lang="en-US" altLang="ko-KR" sz="1600" dirty="0"/>
+              <a:t> </a:t>
+            </a:r>
+            <a:r>
+              <a:rPr lang="ko-KR" altLang="en-US" sz="1600" dirty="0"/>
+              <a:t>서비스를 주고 받는 방식입니다</a:t>
+            </a:r>
+            <a:endParaRPr lang="en-US" altLang="ko-KR" sz="1600" dirty="0"/>
+          </a:p>
+          <a:p>
+            <a:r>
+              <a:rPr lang="ko-KR" altLang="en-US" sz="1600" dirty="0"/>
+              <a:t>소켓 프로그래밍은 기본적으로 </a:t>
+            </a:r>
+            <a:r>
+              <a:rPr lang="en-US" altLang="ko-KR" sz="1600" dirty="0"/>
+              <a:t>Client-Server</a:t>
+            </a:r>
+            <a:r>
+              <a:rPr lang="ko-KR" altLang="en-US" sz="1600" dirty="0"/>
+              <a:t>구조를 가지기 때문에</a:t>
+            </a:r>
+            <a:r>
+              <a:rPr lang="en-US" altLang="ko-KR" sz="1600" dirty="0"/>
+              <a:t>,</a:t>
+            </a:r>
+            <a:br>
+              <a:rPr lang="en-US" altLang="ko-KR" sz="1600" dirty="0"/>
+            </a:br>
+            <a:r>
+              <a:rPr lang="en-US" altLang="ko-KR" sz="1600" dirty="0"/>
+              <a:t>P2P</a:t>
+            </a:r>
+            <a:r>
+              <a:rPr lang="ko-KR" altLang="en-US" sz="1600" dirty="0"/>
+              <a:t>는 상호가 서버이자 클라이언트로 연결을 맺는 구조로 하거나</a:t>
+            </a:r>
+            <a:r>
+              <a:rPr lang="en-US" altLang="ko-KR" sz="1600" dirty="0"/>
+              <a:t>,</a:t>
+            </a:r>
+            <a:br>
+              <a:rPr lang="en-US" altLang="ko-KR" sz="1600" dirty="0"/>
+            </a:br>
+            <a:r>
+              <a:rPr lang="ko-KR" altLang="en-US" sz="1600" dirty="0"/>
+              <a:t>순간 특정 인원이 </a:t>
+            </a:r>
+            <a:r>
+              <a:rPr lang="en-US" altLang="ko-KR" sz="1600" dirty="0"/>
+              <a:t>Listen</a:t>
+            </a:r>
+            <a:r>
+              <a:rPr lang="ko-KR" altLang="en-US" sz="1600" dirty="0"/>
+              <a:t>서버를 켜면</a:t>
+            </a:r>
+            <a:r>
+              <a:rPr lang="en-US" altLang="ko-KR" sz="1600" dirty="0"/>
+              <a:t> </a:t>
+            </a:r>
+            <a:r>
+              <a:rPr lang="ko-KR" altLang="en-US" sz="1600" dirty="0"/>
+              <a:t>불특정 다수가 클라이언트로 동작하는 구조 중에 하나를 사용합니다</a:t>
+            </a:r>
+            <a:endParaRPr lang="en-US" altLang="ko-KR" sz="1600" dirty="0"/>
+          </a:p>
+          <a:p>
+            <a:r>
+              <a:rPr lang="ko-KR" altLang="en-US" sz="1600" dirty="0"/>
+              <a:t>오늘날에는 대부분의 서비스를 </a:t>
+            </a:r>
+            <a:r>
+              <a:rPr lang="en-US" altLang="ko-KR" sz="1600" dirty="0"/>
+              <a:t>Client-Server</a:t>
+            </a:r>
+            <a:r>
+              <a:rPr lang="ko-KR" altLang="en-US" sz="1600" dirty="0"/>
+              <a:t>구조로 동작 시킵니다</a:t>
+            </a:r>
+            <a:br>
+              <a:rPr lang="en-US" altLang="ko-KR" sz="1600" dirty="0"/>
+            </a:br>
+            <a:r>
+              <a:rPr lang="ko-KR" altLang="en-US" sz="1600" dirty="0"/>
+              <a:t>웹</a:t>
+            </a:r>
+            <a:r>
+              <a:rPr lang="en-US" altLang="ko-KR" sz="1600" dirty="0"/>
+              <a:t>, </a:t>
+            </a:r>
+            <a:r>
+              <a:rPr lang="ko-KR" altLang="en-US" sz="1600" dirty="0"/>
+              <a:t>도메인서버</a:t>
+            </a:r>
+            <a:r>
+              <a:rPr lang="en-US" altLang="ko-KR" sz="1600" dirty="0"/>
+              <a:t>, </a:t>
+            </a:r>
+            <a:r>
+              <a:rPr lang="ko-KR" altLang="en-US" sz="1600" dirty="0"/>
+              <a:t>메일서버</a:t>
+            </a:r>
+            <a:r>
+              <a:rPr lang="en-US" altLang="ko-KR" sz="1600" dirty="0"/>
+              <a:t>, DHCP</a:t>
+            </a:r>
+            <a:r>
+              <a:rPr lang="ko-KR" altLang="en-US" sz="1600" dirty="0"/>
+              <a:t>서버</a:t>
+            </a:r>
+            <a:r>
+              <a:rPr lang="en-US" altLang="ko-KR" sz="1600" dirty="0"/>
+              <a:t>, </a:t>
+            </a:r>
+            <a:r>
+              <a:rPr lang="ko-KR" altLang="en-US" sz="1600" dirty="0"/>
+              <a:t>게임 </a:t>
+            </a:r>
+            <a:r>
+              <a:rPr lang="en-US" altLang="ko-KR" sz="1600" dirty="0"/>
+              <a:t>Dedicate</a:t>
+            </a:r>
+            <a:r>
+              <a:rPr lang="ko-KR" altLang="en-US" sz="1600" dirty="0"/>
+              <a:t>서버들은 대표적인 </a:t>
+            </a:r>
+            <a:r>
+              <a:rPr lang="en-US" altLang="ko-KR" sz="1600" dirty="0"/>
+              <a:t>Client-Server</a:t>
+            </a:r>
+            <a:r>
+              <a:rPr lang="ko-KR" altLang="en-US" sz="1600" dirty="0"/>
+              <a:t>구조입니다</a:t>
+            </a:r>
+            <a:endParaRPr lang="en-US" altLang="ko-KR" sz="1600" dirty="0"/>
+          </a:p>
+          <a:p>
+            <a:r>
+              <a:rPr lang="en-US" altLang="ko-KR" sz="1600" dirty="0"/>
+              <a:t>P2P</a:t>
+            </a:r>
+            <a:r>
+              <a:rPr lang="ko-KR" altLang="en-US" sz="1600" dirty="0"/>
+              <a:t>보다 부하가 많이 걸리면서도 비효율 일 것 같아 보이지만</a:t>
+            </a:r>
+            <a:r>
+              <a:rPr lang="en-US" altLang="ko-KR" sz="1600" dirty="0"/>
+              <a:t>,</a:t>
+            </a:r>
+            <a:br>
+              <a:rPr lang="en-US" altLang="ko-KR" sz="1600" dirty="0"/>
+            </a:br>
+            <a:r>
+              <a:rPr lang="ko-KR" altLang="en-US" sz="1600" dirty="0"/>
+              <a:t>그럼에도 해당 구조를 고수할 수밖에 없는 이유는 보안과 심플한 구조가 너무 중요하기 때문입니다</a:t>
+            </a:r>
+            <a:endParaRPr lang="en-US" altLang="ko-KR" sz="1600" dirty="0"/>
+          </a:p>
+          <a:p>
+            <a:r>
+              <a:rPr lang="ko-KR" altLang="en-US" sz="1600" dirty="0"/>
+              <a:t>물론 </a:t>
+            </a:r>
+            <a:r>
+              <a:rPr lang="en-US" altLang="ko-KR" sz="1600" dirty="0"/>
+              <a:t>P2P</a:t>
+            </a:r>
+            <a:r>
+              <a:rPr lang="ko-KR" altLang="en-US" sz="1600" dirty="0"/>
+              <a:t>를 전혀 안 쓰는 것은 아닙니다 </a:t>
+            </a:r>
+            <a:r>
+              <a:rPr lang="en-US" altLang="ko-KR" sz="1600" dirty="0"/>
+              <a:t>(</a:t>
+            </a:r>
+            <a:r>
+              <a:rPr lang="ko-KR" altLang="en-US" sz="1600" dirty="0"/>
+              <a:t>다만</a:t>
+            </a:r>
+            <a:r>
+              <a:rPr lang="en-US" altLang="ko-KR" sz="1600" dirty="0"/>
+              <a:t>, </a:t>
+            </a:r>
+            <a:r>
+              <a:rPr lang="ko-KR" altLang="en-US" sz="1600" dirty="0"/>
+              <a:t>이는 보안에 심각할 수 있어 주의가 필요합니다</a:t>
+            </a:r>
+            <a:r>
+              <a:rPr lang="en-US" altLang="ko-KR" sz="1600" dirty="0"/>
+              <a:t>)</a:t>
+            </a:r>
+            <a:br>
+              <a:rPr lang="en-US" altLang="ko-KR" sz="1600" dirty="0"/>
+            </a:br>
+            <a:r>
+              <a:rPr lang="en-US" altLang="ko-KR" sz="1600" dirty="0"/>
+              <a:t>uTorrent</a:t>
+            </a:r>
+            <a:r>
+              <a:rPr lang="ko-KR" altLang="en-US" sz="1600" dirty="0"/>
+              <a:t>나 </a:t>
+            </a:r>
+            <a:r>
+              <a:rPr lang="en-US" altLang="ko-KR" sz="1600" dirty="0" err="1"/>
+              <a:t>Peer_Upload</a:t>
+            </a:r>
+            <a:r>
+              <a:rPr lang="en-US" altLang="ko-KR" sz="1600" dirty="0"/>
+              <a:t> </a:t>
+            </a:r>
+            <a:r>
+              <a:rPr lang="ko-KR" altLang="en-US" sz="1600" dirty="0"/>
+              <a:t>프로그램은 복잡한 구조와 추적의 난해함을 이용하면서도</a:t>
+            </a:r>
+            <a:br>
+              <a:rPr lang="en-US" altLang="ko-KR" sz="1600" dirty="0"/>
+            </a:br>
+            <a:r>
+              <a:rPr lang="ko-KR" altLang="en-US" sz="1600" dirty="0"/>
+              <a:t>무거운 파일의 빠른 이동</a:t>
+            </a:r>
+            <a:r>
+              <a:rPr lang="en-US" altLang="ko-KR" sz="1600" dirty="0"/>
+              <a:t>(</a:t>
+            </a:r>
+            <a:r>
+              <a:rPr lang="ko-KR" altLang="en-US" sz="1600" dirty="0"/>
+              <a:t>높은 대역폭</a:t>
+            </a:r>
+            <a:r>
+              <a:rPr lang="en-US" altLang="ko-KR" sz="1600" dirty="0"/>
+              <a:t>)</a:t>
+            </a:r>
+            <a:r>
+              <a:rPr lang="ko-KR" altLang="en-US" sz="1600" dirty="0"/>
+              <a:t>을 이점으로 사용하고 있고</a:t>
+            </a:r>
+            <a:r>
+              <a:rPr lang="en-US" altLang="ko-KR" sz="1600" dirty="0"/>
+              <a:t>,</a:t>
+            </a:r>
+            <a:br>
+              <a:rPr lang="en-US" altLang="ko-KR" sz="1600" dirty="0"/>
+            </a:br>
+            <a:r>
+              <a:rPr lang="ko-KR" altLang="en-US" sz="1600" dirty="0"/>
+              <a:t>게임 </a:t>
+            </a:r>
+            <a:r>
+              <a:rPr lang="en-US" altLang="ko-KR" sz="1600" dirty="0"/>
+              <a:t>Listen</a:t>
+            </a:r>
+            <a:r>
+              <a:rPr lang="ko-KR" altLang="en-US" sz="1600" dirty="0"/>
+              <a:t>서버는 게임사에서 서버관리 자원</a:t>
+            </a:r>
+            <a:r>
+              <a:rPr lang="en-US" altLang="ko-KR" sz="1600" dirty="0"/>
+              <a:t>(</a:t>
+            </a:r>
+            <a:r>
+              <a:rPr lang="ko-KR" altLang="en-US" sz="1600" dirty="0"/>
+              <a:t>인적</a:t>
+            </a:r>
+            <a:r>
+              <a:rPr lang="en-US" altLang="ko-KR" sz="1600" dirty="0"/>
+              <a:t>, </a:t>
+            </a:r>
+            <a:r>
+              <a:rPr lang="ko-KR" altLang="en-US" sz="1600" dirty="0"/>
+              <a:t>물적</a:t>
+            </a:r>
+            <a:r>
+              <a:rPr lang="en-US" altLang="ko-KR" sz="1600" dirty="0"/>
+              <a:t>)</a:t>
+            </a:r>
+            <a:r>
+              <a:rPr lang="ko-KR" altLang="en-US" sz="1600" dirty="0"/>
+              <a:t>이 부족한 경우에 자주 사용하는 방식입니다</a:t>
+            </a:r>
           </a:p>
         </p:txBody>
       </p:sp>
@@ -6299,90 +10155,6 @@
     <p:extLst>
       <p:ext uri="{BB962C8B-B14F-4D97-AF65-F5344CB8AC3E}">
         <p14:creationId xmlns:p14="http://schemas.microsoft.com/office/powerpoint/2010/main" val="4247482639"/>
-      </p:ext>
-    </p:extLst>
-  </p:cSld>
-  <p:clrMapOvr>
-    <a:masterClrMapping/>
-  </p:clrMapOvr>
-</p:sld>
-</file>
-
-<file path=ppt/slides/slide23.xml><?xml version="1.0" encoding="utf-8"?>
-<p:sld xmlns:a="http://schemas.openxmlformats.org/drawingml/2006/main" xmlns:r="http://schemas.openxmlformats.org/officeDocument/2006/relationships" xmlns:p="http://schemas.openxmlformats.org/presentationml/2006/main">
-  <p:cSld>
-    <p:spTree>
-      <p:nvGrpSpPr>
-        <p:cNvPr id="1" name=""/>
-        <p:cNvGrpSpPr/>
-        <p:nvPr/>
-      </p:nvGrpSpPr>
-      <p:grpSpPr>
-        <a:xfrm>
-          <a:off x="0" y="0"/>
-          <a:ext cx="0" cy="0"/>
-          <a:chOff x="0" y="0"/>
-          <a:chExt cx="0" cy="0"/>
-        </a:xfrm>
-      </p:grpSpPr>
-      <p:sp>
-        <p:nvSpPr>
-          <p:cNvPr id="2" name="제목 1">
-            <a:extLst>
-              <a:ext uri="{FF2B5EF4-FFF2-40B4-BE49-F238E27FC236}">
-                <a16:creationId xmlns:a16="http://schemas.microsoft.com/office/drawing/2014/main" id="{1F24500C-809A-F0E9-9691-10F422AC3593}"/>
-              </a:ext>
-            </a:extLst>
-          </p:cNvPr>
-          <p:cNvSpPr>
-            <a:spLocks noGrp="1"/>
-          </p:cNvSpPr>
-          <p:nvPr>
-            <p:ph type="title"/>
-          </p:nvPr>
-        </p:nvSpPr>
-        <p:spPr/>
-        <p:txBody>
-          <a:bodyPr/>
-          <a:lstStyle/>
-          <a:p>
-            <a:r>
-              <a:rPr lang="en-US" altLang="ko-KR" dirty="0"/>
-              <a:t>Socket Programming</a:t>
-            </a:r>
-            <a:endParaRPr lang="ko-KR" altLang="en-US" dirty="0"/>
-          </a:p>
-        </p:txBody>
-      </p:sp>
-      <p:sp>
-        <p:nvSpPr>
-          <p:cNvPr id="3" name="내용 개체 틀 2">
-            <a:extLst>
-              <a:ext uri="{FF2B5EF4-FFF2-40B4-BE49-F238E27FC236}">
-                <a16:creationId xmlns:a16="http://schemas.microsoft.com/office/drawing/2014/main" id="{D7BD2A55-8DEF-0A86-EAD7-44F305811F57}"/>
-              </a:ext>
-            </a:extLst>
-          </p:cNvPr>
-          <p:cNvSpPr>
-            <a:spLocks noGrp="1"/>
-          </p:cNvSpPr>
-          <p:nvPr>
-            <p:ph idx="1"/>
-          </p:nvPr>
-        </p:nvSpPr>
-        <p:spPr/>
-        <p:txBody>
-          <a:bodyPr/>
-          <a:lstStyle/>
-          <a:p>
-            <a:endParaRPr lang="ko-KR" altLang="en-US"/>
-          </a:p>
-        </p:txBody>
-      </p:sp>
-    </p:spTree>
-    <p:extLst>
-      <p:ext uri="{BB962C8B-B14F-4D97-AF65-F5344CB8AC3E}">
-        <p14:creationId xmlns:p14="http://schemas.microsoft.com/office/powerpoint/2010/main" val="4013919212"/>
       </p:ext>
     </p:extLst>
   </p:cSld>
@@ -6432,9 +10204,12 @@
           <a:p>
             <a:r>
               <a:rPr lang="en-US" altLang="ko-KR" dirty="0"/>
-              <a:t>HTTP(HTTPS)</a:t>
-            </a:r>
-            <a:endParaRPr lang="ko-KR" altLang="en-US" dirty="0"/>
+              <a:t>HTTP </a:t>
+            </a:r>
+            <a:r>
+              <a:rPr lang="ko-KR" altLang="en-US" dirty="0"/>
+              <a:t>개요</a:t>
+            </a:r>
           </a:p>
         </p:txBody>
       </p:sp>
@@ -6454,12 +10229,337 @@
             <p:ph idx="1"/>
           </p:nvPr>
         </p:nvSpPr>
-        <p:spPr/>
+        <p:spPr>
+          <a:xfrm>
+            <a:off x="762000" y="1765139"/>
+            <a:ext cx="10668000" cy="5048616"/>
+          </a:xfrm>
+        </p:spPr>
         <p:txBody>
           <a:bodyPr/>
           <a:lstStyle/>
           <a:p>
-            <a:endParaRPr lang="ko-KR" altLang="en-US"/>
+            <a:r>
+              <a:rPr lang="en-US" altLang="ko-KR" sz="1600" dirty="0"/>
+              <a:t>HTTP(Hyper Text Transfer Protocol)</a:t>
+            </a:r>
+            <a:r>
+              <a:rPr lang="ko-KR" altLang="en-US" sz="1600" dirty="0"/>
+              <a:t>은 </a:t>
+            </a:r>
+            <a:r>
+              <a:rPr lang="en-US" altLang="ko-KR" sz="1600" dirty="0"/>
+              <a:t>HT(Hyper Text)</a:t>
+            </a:r>
+            <a:r>
+              <a:rPr lang="ko-KR" altLang="en-US" sz="1600" dirty="0"/>
+              <a:t>를 전송하는 프로토콜로</a:t>
+            </a:r>
+            <a:br>
+              <a:rPr lang="en-US" altLang="ko-KR" sz="1600" dirty="0"/>
+            </a:br>
+            <a:r>
+              <a:rPr lang="en-US" altLang="ko-KR" sz="1600" dirty="0"/>
+              <a:t>HTML(Hyper Text Markup Language)</a:t>
+            </a:r>
+            <a:r>
+              <a:rPr lang="ko-KR" altLang="en-US" sz="1600" dirty="0"/>
+              <a:t>는 대표적인 </a:t>
+            </a:r>
+            <a:r>
+              <a:rPr lang="ko-KR" altLang="en-US" sz="1600" dirty="0" err="1"/>
+              <a:t>하이퍼</a:t>
+            </a:r>
+            <a:r>
+              <a:rPr lang="ko-KR" altLang="en-US" sz="1600" dirty="0"/>
+              <a:t> 텍스트이기 때문에</a:t>
+            </a:r>
+            <a:r>
+              <a:rPr lang="en-US" altLang="ko-KR" sz="1600" dirty="0"/>
+              <a:t>,</a:t>
+            </a:r>
+            <a:br>
+              <a:rPr lang="en-US" altLang="ko-KR" sz="1600" dirty="0"/>
+            </a:br>
+            <a:r>
+              <a:rPr lang="ko-KR" altLang="en-US" sz="1600" dirty="0"/>
+              <a:t>모든 </a:t>
+            </a:r>
+            <a:r>
+              <a:rPr lang="en-US" altLang="ko-KR" sz="1600" dirty="0"/>
+              <a:t>HTML</a:t>
+            </a:r>
+            <a:r>
+              <a:rPr lang="ko-KR" altLang="en-US" sz="1600" dirty="0"/>
+              <a:t>웹 사이트는 </a:t>
+            </a:r>
+            <a:r>
+              <a:rPr lang="en-US" altLang="ko-KR" sz="1600" dirty="0"/>
+              <a:t>HTTP</a:t>
+            </a:r>
+            <a:r>
+              <a:rPr lang="ko-KR" altLang="en-US" sz="1600" dirty="0"/>
+              <a:t>로 통신을 주고 받습니다</a:t>
+            </a:r>
+            <a:endParaRPr lang="en-US" altLang="ko-KR" sz="1600" dirty="0"/>
+          </a:p>
+          <a:p>
+            <a:r>
+              <a:rPr lang="en-US" altLang="ko-KR" sz="1600" dirty="0"/>
+              <a:t>HTTP</a:t>
+            </a:r>
+            <a:r>
+              <a:rPr lang="ko-KR" altLang="en-US" sz="1600" dirty="0"/>
+              <a:t>는 </a:t>
+            </a:r>
+            <a:r>
+              <a:rPr lang="en-US" altLang="ko-KR" sz="1600" dirty="0"/>
+              <a:t>TCP</a:t>
+            </a:r>
+            <a:r>
+              <a:rPr lang="ko-KR" altLang="en-US" sz="1600" dirty="0"/>
+              <a:t>를 사용하여 신뢰적 전달의 혜택을 받고</a:t>
+            </a:r>
+            <a:r>
+              <a:rPr lang="en-US" altLang="ko-KR" sz="1600" dirty="0"/>
+              <a:t>,</a:t>
+            </a:r>
+            <a:br>
+              <a:rPr lang="en-US" altLang="ko-KR" sz="1600" dirty="0"/>
+            </a:br>
+            <a:r>
+              <a:rPr lang="ko-KR" altLang="en-US" sz="1600" dirty="0"/>
+              <a:t>비 상태</a:t>
+            </a:r>
+            <a:r>
+              <a:rPr lang="en-US" altLang="ko-KR" sz="1600" dirty="0"/>
+              <a:t>(Stateless) </a:t>
+            </a:r>
+            <a:r>
+              <a:rPr lang="ko-KR" altLang="en-US" sz="1600" dirty="0"/>
+              <a:t>프로토콜로써 같은 </a:t>
+            </a:r>
+            <a:r>
+              <a:rPr lang="en-US" altLang="ko-KR" sz="1600" dirty="0"/>
+              <a:t>URL</a:t>
+            </a:r>
+            <a:r>
+              <a:rPr lang="ko-KR" altLang="en-US" sz="1600" dirty="0"/>
+              <a:t>이면</a:t>
+            </a:r>
+            <a:r>
+              <a:rPr lang="en-US" altLang="ko-KR" sz="1600" dirty="0"/>
+              <a:t>, </a:t>
+            </a:r>
+            <a:r>
+              <a:rPr lang="ko-KR" altLang="en-US" sz="1600" dirty="0"/>
+              <a:t>같은 내용이 원칙인 구조를 가지고 있습니다</a:t>
+            </a:r>
+            <a:br>
+              <a:rPr lang="en-US" altLang="ko-KR" sz="1600" dirty="0"/>
+            </a:br>
+            <a:r>
+              <a:rPr lang="en-US" altLang="ko-KR" sz="1600" dirty="0"/>
+              <a:t>( URL(Uniform Resource Locator)</a:t>
+            </a:r>
+            <a:r>
+              <a:rPr lang="ko-KR" altLang="en-US" sz="1600" dirty="0"/>
+              <a:t>은 </a:t>
+            </a:r>
+            <a:r>
+              <a:rPr lang="en-US" altLang="ko-KR" sz="1600" dirty="0"/>
+              <a:t>URI(Uniform Resource Identifier)</a:t>
+            </a:r>
+            <a:r>
+              <a:rPr lang="ko-KR" altLang="en-US" sz="1600" dirty="0"/>
+              <a:t>의 하위 구조로</a:t>
+            </a:r>
+            <a:br>
+              <a:rPr lang="en-US" altLang="ko-KR" sz="1600" dirty="0"/>
+            </a:br>
+            <a:r>
+              <a:rPr lang="ko-KR" altLang="en-US" sz="1600" dirty="0"/>
+              <a:t>인터넷 자원</a:t>
+            </a:r>
+            <a:r>
+              <a:rPr lang="en-US" altLang="ko-KR" sz="1600" dirty="0"/>
+              <a:t>(URI=</a:t>
+            </a:r>
+            <a:r>
+              <a:rPr lang="ko-KR" altLang="en-US" sz="1600" dirty="0"/>
+              <a:t>식별자</a:t>
+            </a:r>
+            <a:r>
+              <a:rPr lang="en-US" altLang="ko-KR" sz="1600" dirty="0"/>
+              <a:t>)</a:t>
+            </a:r>
+            <a:r>
+              <a:rPr lang="ko-KR" altLang="en-US" sz="1600" dirty="0"/>
+              <a:t>의 일부분인 자원의 주소</a:t>
+            </a:r>
+            <a:r>
+              <a:rPr lang="en-US" altLang="ko-KR" sz="1600" dirty="0"/>
+              <a:t>(URL)</a:t>
+            </a:r>
+            <a:r>
+              <a:rPr lang="ko-KR" altLang="en-US" sz="1600" dirty="0"/>
+              <a:t>를 말합니다 </a:t>
+            </a:r>
+            <a:r>
+              <a:rPr lang="en-US" altLang="ko-KR" sz="1600" dirty="0"/>
+              <a:t>)</a:t>
+            </a:r>
+          </a:p>
+          <a:p>
+            <a:r>
+              <a:rPr lang="en-US" altLang="ko-KR" sz="1600" dirty="0"/>
+              <a:t>HTTP</a:t>
+            </a:r>
+            <a:r>
+              <a:rPr lang="ko-KR" altLang="en-US" sz="1600" dirty="0"/>
+              <a:t>는 신뢰적 전달 </a:t>
+            </a:r>
+            <a:r>
+              <a:rPr lang="en-US" altLang="ko-KR" sz="1600" dirty="0"/>
+              <a:t>+ </a:t>
+            </a:r>
+            <a:r>
+              <a:rPr lang="ko-KR" altLang="en-US" sz="1600" dirty="0"/>
+              <a:t>비상태를 사용해서 얻는 간단한 구조가 장점이 되어 상당히 많은 곳에서</a:t>
+            </a:r>
+            <a:br>
+              <a:rPr lang="en-US" altLang="ko-KR" sz="1600" dirty="0"/>
+            </a:br>
+            <a:r>
+              <a:rPr lang="ko-KR" altLang="en-US" sz="1600" dirty="0"/>
+              <a:t>편리하게 쓰이는 규약이지만</a:t>
+            </a:r>
+            <a:r>
+              <a:rPr lang="en-US" altLang="ko-KR" sz="1600" dirty="0"/>
+              <a:t>, </a:t>
+            </a:r>
+            <a:r>
+              <a:rPr lang="ko-KR" altLang="en-US" sz="1600" dirty="0"/>
+              <a:t>이는 태생적인 한계를 나타내기도 합니다</a:t>
+            </a:r>
+            <a:endParaRPr lang="en-US" altLang="ko-KR" sz="1600" dirty="0"/>
+          </a:p>
+          <a:p>
+            <a:pPr marL="342900" indent="-342900">
+              <a:buFont typeface="+mj-lt"/>
+              <a:buAutoNum type="arabicPeriod"/>
+            </a:pPr>
+            <a:r>
+              <a:rPr lang="en-US" altLang="ko-KR" sz="1600" dirty="0"/>
+              <a:t>TCP</a:t>
+            </a:r>
+            <a:r>
+              <a:rPr lang="ko-KR" altLang="en-US" sz="1600" dirty="0"/>
+              <a:t>를 고정한다는 것은 속도와 한계와 트래픽 요구량의 증가가 생긴다는 단점이 있고</a:t>
+            </a:r>
+            <a:r>
+              <a:rPr lang="en-US" altLang="ko-KR" sz="1600" dirty="0"/>
+              <a:t>,</a:t>
+            </a:r>
+          </a:p>
+          <a:p>
+            <a:pPr marL="342900" indent="-342900">
+              <a:buFont typeface="+mj-lt"/>
+              <a:buAutoNum type="arabicPeriod"/>
+            </a:pPr>
+            <a:r>
+              <a:rPr lang="ko-KR" altLang="en-US" sz="1600" dirty="0"/>
+              <a:t>비 상태를 사용한다는 것은 클라이언트에 관계없이 페이지를 보여주기 때문에</a:t>
+            </a:r>
+            <a:br>
+              <a:rPr lang="en-US" altLang="ko-KR" sz="1600" dirty="0"/>
+            </a:br>
+            <a:r>
+              <a:rPr lang="ko-KR" altLang="en-US" sz="1600" dirty="0"/>
+              <a:t>로그인 같은 커스텀 상태나 </a:t>
+            </a:r>
+            <a:r>
+              <a:rPr lang="ko-KR" altLang="en-US" sz="1600" dirty="0" err="1"/>
+              <a:t>어드민</a:t>
+            </a:r>
+            <a:r>
+              <a:rPr lang="ko-KR" altLang="en-US" sz="1600" dirty="0"/>
+              <a:t> 페이지 등의 권한 상태 등을 검증하지 못한다는 의미가 됩니다</a:t>
+            </a:r>
+            <a:endParaRPr lang="en-US" altLang="ko-KR" sz="1600" dirty="0"/>
+          </a:p>
+          <a:p>
+            <a:r>
+              <a:rPr lang="ko-KR" altLang="en-US" sz="1600" dirty="0"/>
+              <a:t>물론</a:t>
+            </a:r>
+            <a:r>
+              <a:rPr lang="en-US" altLang="ko-KR" sz="1600" dirty="0"/>
+              <a:t>, </a:t>
+            </a:r>
+            <a:r>
+              <a:rPr lang="ko-KR" altLang="en-US" sz="1600" dirty="0"/>
+              <a:t>오늘날에는 이 두 가지 문제점을 최대한 해결하기 위한 기술들이 많이 탄생하여</a:t>
+            </a:r>
+            <a:br>
+              <a:rPr lang="en-US" altLang="ko-KR" sz="1600" dirty="0"/>
+            </a:br>
+            <a:r>
+              <a:rPr lang="ko-KR" altLang="en-US" sz="1600" dirty="0"/>
+              <a:t>사용되고 있지만</a:t>
+            </a:r>
+            <a:r>
+              <a:rPr lang="en-US" altLang="ko-KR" sz="1600" dirty="0"/>
+              <a:t> </a:t>
+            </a:r>
+            <a:r>
+              <a:rPr lang="ko-KR" altLang="en-US" sz="1600" dirty="0"/>
+              <a:t>이는 태생적인 </a:t>
+            </a:r>
+            <a:r>
+              <a:rPr lang="en-US" altLang="ko-KR" sz="1600" dirty="0"/>
+              <a:t>HTTP</a:t>
+            </a:r>
+            <a:r>
+              <a:rPr lang="ko-KR" altLang="en-US" sz="1600" dirty="0"/>
+              <a:t>의 특징 때문이라는 것을 기억해야 합니다</a:t>
+            </a:r>
+            <a:endParaRPr lang="en-US" altLang="ko-KR" sz="1600" dirty="0"/>
+          </a:p>
+          <a:p>
+            <a:r>
+              <a:rPr lang="en-US" altLang="ko-KR" sz="1600" dirty="0"/>
+              <a:t>HTTP/2, HTTP/3 </a:t>
+            </a:r>
+            <a:r>
+              <a:rPr lang="ko-KR" altLang="en-US" sz="1600" dirty="0"/>
+              <a:t>은 보안을 강화하거나</a:t>
+            </a:r>
+            <a:r>
+              <a:rPr lang="en-US" altLang="ko-KR" sz="1600" dirty="0"/>
+              <a:t>,</a:t>
+            </a:r>
+            <a:r>
+              <a:rPr lang="ko-KR" altLang="en-US" sz="1600" dirty="0"/>
+              <a:t> </a:t>
+            </a:r>
+            <a:r>
+              <a:rPr lang="en-US" altLang="ko-KR" sz="1600" dirty="0"/>
+              <a:t>QUIC(Reliable UDP</a:t>
+            </a:r>
+            <a:r>
+              <a:rPr lang="ko-KR" altLang="en-US" sz="1600" dirty="0"/>
+              <a:t>기반</a:t>
+            </a:r>
+            <a:r>
+              <a:rPr lang="en-US" altLang="ko-KR" sz="1600" dirty="0"/>
+              <a:t>)</a:t>
+            </a:r>
+            <a:r>
+              <a:rPr lang="ko-KR" altLang="en-US" sz="1600" dirty="0"/>
+              <a:t>를 사용한 최신 기술들 입니다</a:t>
+            </a:r>
+            <a:endParaRPr lang="en-US" altLang="ko-KR" sz="1600" dirty="0"/>
           </a:p>
         </p:txBody>
       </p:sp>
@@ -6498,7 +10598,7 @@
           <p:cNvPr id="2" name="제목 1">
             <a:extLst>
               <a:ext uri="{FF2B5EF4-FFF2-40B4-BE49-F238E27FC236}">
-                <a16:creationId xmlns:a16="http://schemas.microsoft.com/office/drawing/2014/main" id="{47FE7501-20CB-1BEE-61B8-AC319A44F6B1}"/>
+                <a16:creationId xmlns:a16="http://schemas.microsoft.com/office/drawing/2014/main" id="{B104DE48-9F10-4CE9-B75D-3C20C2E75834}"/>
               </a:ext>
             </a:extLst>
           </p:cNvPr>
@@ -6516,7 +10616,7 @@
           <a:p>
             <a:r>
               <a:rPr lang="en-US" altLang="ko-KR" dirty="0"/>
-              <a:t>DNS</a:t>
+              <a:t>HTTP Request(Format)</a:t>
             </a:r>
             <a:endParaRPr lang="ko-KR" altLang="en-US" dirty="0"/>
           </a:p>
@@ -6527,7 +10627,7 @@
           <p:cNvPr id="3" name="내용 개체 틀 2">
             <a:extLst>
               <a:ext uri="{FF2B5EF4-FFF2-40B4-BE49-F238E27FC236}">
-                <a16:creationId xmlns:a16="http://schemas.microsoft.com/office/drawing/2014/main" id="{3374D280-62FE-79B3-D90E-CDD9BB7121C1}"/>
+                <a16:creationId xmlns:a16="http://schemas.microsoft.com/office/drawing/2014/main" id="{854FFAD6-E0DB-65E1-60A7-19AF78357BFB}"/>
               </a:ext>
             </a:extLst>
           </p:cNvPr>
@@ -6543,14 +10643,329 @@
           <a:bodyPr/>
           <a:lstStyle/>
           <a:p>
-            <a:endParaRPr lang="ko-KR" altLang="en-US"/>
+            <a:r>
+              <a:rPr lang="ko-KR" altLang="en-US" sz="1600" dirty="0"/>
+              <a:t>처음 </a:t>
+            </a:r>
+            <a:r>
+              <a:rPr lang="en-US" altLang="ko-KR" sz="1600" dirty="0"/>
+              <a:t>HTTP</a:t>
+            </a:r>
+            <a:r>
+              <a:rPr lang="ko-KR" altLang="en-US" sz="1600" dirty="0"/>
+              <a:t>는 클라이언트가 먼저 </a:t>
+            </a:r>
+            <a:r>
+              <a:rPr lang="en-US" altLang="ko-KR" sz="1600" dirty="0"/>
+              <a:t>URL</a:t>
+            </a:r>
+            <a:r>
+              <a:rPr lang="ko-KR" altLang="en-US" sz="1600" dirty="0"/>
+              <a:t>로 요청을 보내야 시작이 됩니다</a:t>
+            </a:r>
+            <a:br>
+              <a:rPr lang="en-US" altLang="ko-KR" sz="1600" dirty="0"/>
+            </a:br>
+            <a:r>
+              <a:rPr lang="ko-KR" altLang="en-US" sz="1600" dirty="0"/>
+              <a:t>이때</a:t>
+            </a:r>
+            <a:r>
+              <a:rPr lang="en-US" altLang="ko-KR" sz="1600" dirty="0"/>
+              <a:t>, </a:t>
+            </a:r>
+            <a:r>
+              <a:rPr lang="ko-KR" altLang="en-US" sz="1600" dirty="0"/>
+              <a:t>웹 엔진은 사용자로 부터 </a:t>
+            </a:r>
+            <a:r>
+              <a:rPr lang="en-US" altLang="ko-KR" sz="1600" dirty="0"/>
+              <a:t>URL</a:t>
+            </a:r>
+            <a:r>
+              <a:rPr lang="ko-KR" altLang="en-US" sz="1600" dirty="0"/>
+              <a:t>를 받으면</a:t>
+            </a:r>
+            <a:r>
+              <a:rPr lang="en-US" altLang="ko-KR" sz="1600" dirty="0"/>
+              <a:t>,</a:t>
+            </a:r>
+            <a:br>
+              <a:rPr lang="en-US" altLang="ko-KR" sz="1600" dirty="0"/>
+            </a:br>
+            <a:r>
+              <a:rPr lang="en-US" altLang="ko-KR" sz="1600" dirty="0"/>
+              <a:t>URL</a:t>
+            </a:r>
+            <a:r>
+              <a:rPr lang="ko-KR" altLang="en-US" sz="1600" dirty="0"/>
+              <a:t>를 이용해서 요청라인을 작성한 뒤</a:t>
+            </a:r>
+            <a:r>
+              <a:rPr lang="en-US" altLang="ko-KR" sz="1600" dirty="0"/>
+              <a:t>(GET </a:t>
+            </a:r>
+            <a:r>
+              <a:rPr lang="ko-KR" altLang="en-US" sz="1600" dirty="0"/>
+              <a:t>고정</a:t>
+            </a:r>
+            <a:r>
+              <a:rPr lang="en-US" altLang="ko-KR" sz="1600" dirty="0"/>
+              <a:t>),</a:t>
+            </a:r>
+          </a:p>
+          <a:p>
+            <a:r>
+              <a:rPr lang="ko-KR" altLang="en-US" sz="1600" dirty="0"/>
+              <a:t>헤더라인에 도메인과 커넥션 상태</a:t>
+            </a:r>
+            <a:r>
+              <a:rPr lang="en-US" altLang="ko-KR" sz="1600" dirty="0"/>
+              <a:t>,</a:t>
+            </a:r>
+            <a:br>
+              <a:rPr lang="en-US" altLang="ko-KR" sz="1600" dirty="0"/>
+            </a:br>
+            <a:r>
+              <a:rPr lang="ko-KR" altLang="en-US" sz="1600" dirty="0"/>
+              <a:t>사용자가 사용하는 엔진과 버전</a:t>
+            </a:r>
+            <a:r>
+              <a:rPr lang="en-US" altLang="ko-KR" sz="1600" dirty="0"/>
+              <a:t>, </a:t>
+            </a:r>
+            <a:r>
+              <a:rPr lang="ko-KR" altLang="en-US" sz="1600" dirty="0"/>
+              <a:t>사용 언어 등등</a:t>
+            </a:r>
+            <a:br>
+              <a:rPr lang="en-US" altLang="ko-KR" sz="1600" dirty="0"/>
+            </a:br>
+            <a:r>
+              <a:rPr lang="ko-KR" altLang="en-US" sz="1600" dirty="0"/>
+              <a:t>다양한 내용을 기입합니다</a:t>
+            </a:r>
+            <a:endParaRPr lang="en-US" altLang="ko-KR" sz="1600" dirty="0"/>
+          </a:p>
+          <a:p>
+            <a:r>
+              <a:rPr lang="ko-KR" altLang="en-US" sz="1600" dirty="0"/>
+              <a:t>바디는 </a:t>
+            </a:r>
+            <a:r>
+              <a:rPr lang="en-US" altLang="ko-KR" sz="1600" dirty="0"/>
+              <a:t>URL</a:t>
+            </a:r>
+            <a:r>
+              <a:rPr lang="ko-KR" altLang="en-US" sz="1600" dirty="0"/>
+              <a:t>뒤에 </a:t>
+            </a:r>
+            <a:r>
+              <a:rPr lang="en-US" altLang="ko-KR" sz="1600" dirty="0"/>
+              <a:t>?</a:t>
+            </a:r>
+            <a:r>
+              <a:rPr lang="ko-KR" altLang="en-US" sz="1600" dirty="0"/>
+              <a:t>를 이용한 쿼리나 직접적인 값</a:t>
+            </a:r>
+            <a:r>
+              <a:rPr lang="en-US" altLang="ko-KR" sz="1600" dirty="0"/>
+              <a:t>(</a:t>
+            </a:r>
+            <a:r>
+              <a:rPr lang="ko-KR" altLang="en-US" sz="1600" dirty="0"/>
+              <a:t>페이로드</a:t>
+            </a:r>
+            <a:r>
+              <a:rPr lang="en-US" altLang="ko-KR" sz="1600" dirty="0"/>
+              <a:t>)</a:t>
+            </a:r>
+            <a:r>
+              <a:rPr lang="ko-KR" altLang="en-US" sz="1600" dirty="0"/>
+              <a:t>를</a:t>
+            </a:r>
+            <a:br>
+              <a:rPr lang="en-US" altLang="ko-KR" sz="1600" dirty="0"/>
+            </a:br>
+            <a:r>
+              <a:rPr lang="ko-KR" altLang="en-US" sz="1600" dirty="0"/>
+              <a:t>주면 추가적인 요청을 같이 보낼 수도 있습니다</a:t>
+            </a:r>
+            <a:endParaRPr lang="en-US" altLang="ko-KR" sz="1600" dirty="0"/>
+          </a:p>
+          <a:p>
+            <a:r>
+              <a:rPr lang="en-US" altLang="ko-KR" sz="1600" dirty="0"/>
+              <a:t>HTTP</a:t>
+            </a:r>
+            <a:r>
+              <a:rPr lang="ko-KR" altLang="en-US" sz="1600" dirty="0"/>
+              <a:t>요청은 반드시 </a:t>
+            </a:r>
+            <a:r>
+              <a:rPr lang="en-US" altLang="ko-KR" sz="1600" dirty="0"/>
+              <a:t>\r\n</a:t>
+            </a:r>
+            <a:r>
+              <a:rPr lang="ko-KR" altLang="en-US" sz="1600" dirty="0"/>
+              <a:t>을 붙여 데이터가 분리됨을</a:t>
+            </a:r>
+            <a:br>
+              <a:rPr lang="en-US" altLang="ko-KR" sz="1600" dirty="0"/>
+            </a:br>
+            <a:r>
+              <a:rPr lang="ko-KR" altLang="en-US" sz="1600" dirty="0"/>
+              <a:t>알려줘야 하고</a:t>
+            </a:r>
+            <a:r>
+              <a:rPr lang="en-US" altLang="ko-KR" sz="1600" dirty="0"/>
+              <a:t>, </a:t>
+            </a:r>
+            <a:r>
+              <a:rPr lang="ko-KR" altLang="en-US" sz="1600" dirty="0"/>
+              <a:t>마지막 라인 뒤에는 </a:t>
+            </a:r>
+            <a:r>
+              <a:rPr lang="en-US" altLang="ko-KR" sz="1600" dirty="0"/>
+              <a:t>\r\n\r\n</a:t>
+            </a:r>
+            <a:r>
+              <a:rPr lang="ko-KR" altLang="en-US" sz="1600" dirty="0"/>
+              <a:t>을 붙여</a:t>
+            </a:r>
+            <a:br>
+              <a:rPr lang="en-US" altLang="ko-KR" sz="1600" dirty="0"/>
+            </a:br>
+            <a:r>
+              <a:rPr lang="en-US" altLang="ko-KR" sz="1600" dirty="0"/>
+              <a:t>HTTP </a:t>
+            </a:r>
+            <a:r>
+              <a:rPr lang="ko-KR" altLang="en-US" sz="1600" dirty="0"/>
+              <a:t>요청 내용의 끝을 명시해야 합니다</a:t>
+            </a:r>
+            <a:endParaRPr lang="en-US" altLang="ko-KR" sz="1600" dirty="0"/>
+          </a:p>
+          <a:p>
+            <a:r>
+              <a:rPr lang="ko-KR" altLang="en-US" sz="1600" dirty="0"/>
+              <a:t>웹 엔진은 </a:t>
+            </a:r>
+            <a:r>
+              <a:rPr lang="en-US" altLang="ko-KR" sz="1600" dirty="0"/>
+              <a:t>GET</a:t>
+            </a:r>
+            <a:r>
+              <a:rPr lang="ko-KR" altLang="en-US" sz="1600" dirty="0"/>
+              <a:t>요청을 기본적으로 수행하며</a:t>
+            </a:r>
+            <a:r>
+              <a:rPr lang="en-US" altLang="ko-KR" sz="1600" dirty="0"/>
+              <a:t>,</a:t>
+            </a:r>
+            <a:br>
+              <a:rPr lang="en-US" altLang="ko-KR" sz="1600" dirty="0"/>
+            </a:br>
+            <a:r>
+              <a:rPr lang="en-US" altLang="ko-KR" sz="1600" dirty="0"/>
+              <a:t>POST, PUT, DELETE</a:t>
+            </a:r>
+            <a:r>
+              <a:rPr lang="ko-KR" altLang="en-US" sz="1600" dirty="0"/>
+              <a:t>요청을 보내려면</a:t>
+            </a:r>
+            <a:r>
+              <a:rPr lang="en-US" altLang="ko-KR" sz="1600" dirty="0"/>
+              <a:t> </a:t>
+            </a:r>
+            <a:r>
+              <a:rPr lang="ko-KR" altLang="en-US" sz="1600" dirty="0"/>
+              <a:t>개발자 도구에서 요청을 다시 보내기를 하거나</a:t>
+            </a:r>
+            <a:r>
+              <a:rPr lang="en-US" altLang="ko-KR" sz="1600" dirty="0"/>
+              <a:t>,</a:t>
+            </a:r>
+            <a:br>
+              <a:rPr lang="en-US" altLang="ko-KR" sz="1600" dirty="0"/>
+            </a:br>
+            <a:r>
+              <a:rPr lang="ko-KR" altLang="en-US" sz="1600" dirty="0"/>
+              <a:t>콘솔명령에서 </a:t>
+            </a:r>
+            <a:r>
+              <a:rPr lang="en-US" altLang="ko-KR" sz="1600" dirty="0"/>
+              <a:t>curl</a:t>
+            </a:r>
+            <a:r>
+              <a:rPr lang="ko-KR" altLang="en-US" sz="1600" dirty="0"/>
+              <a:t>를 사용하면 좀 더 세부적으로 작성 할 수 있습니다</a:t>
+            </a:r>
+            <a:endParaRPr lang="en-US" altLang="ko-KR" sz="1600" dirty="0"/>
+          </a:p>
+          <a:p>
+            <a:r>
+              <a:rPr lang="en-US" altLang="ko-KR" sz="1600" dirty="0" err="1"/>
+              <a:t>POSTMan</a:t>
+            </a:r>
+            <a:r>
+              <a:rPr lang="ko-KR" altLang="en-US" sz="1600" dirty="0"/>
+              <a:t>은 </a:t>
+            </a:r>
+            <a:r>
+              <a:rPr lang="en-US" altLang="ko-KR" sz="1600" dirty="0"/>
+              <a:t>curl</a:t>
+            </a:r>
+            <a:r>
+              <a:rPr lang="ko-KR" altLang="en-US" sz="1600" dirty="0"/>
+              <a:t>를 좀 더 사용하기 편하게 해주는 사이트로 </a:t>
+            </a:r>
+            <a:r>
+              <a:rPr lang="en-US" altLang="ko-KR" sz="1600" dirty="0"/>
+              <a:t>Dev-Ops</a:t>
+            </a:r>
+            <a:r>
+              <a:rPr lang="ko-KR" altLang="en-US" sz="1600" dirty="0"/>
+              <a:t>로도 자주 사용하는 툴사이트 입니다</a:t>
+            </a:r>
+            <a:endParaRPr lang="en-US" altLang="ko-KR" sz="1600" dirty="0"/>
           </a:p>
         </p:txBody>
       </p:sp>
+      <p:pic>
+        <p:nvPicPr>
+          <p:cNvPr id="5" name="그림 4">
+            <a:extLst>
+              <a:ext uri="{FF2B5EF4-FFF2-40B4-BE49-F238E27FC236}">
+                <a16:creationId xmlns:a16="http://schemas.microsoft.com/office/drawing/2014/main" id="{7B5EC3BD-AAF3-434D-8BD6-5577BE23AE2B}"/>
+              </a:ext>
+            </a:extLst>
+          </p:cNvPr>
+          <p:cNvPicPr>
+            <a:picLocks noChangeAspect="1"/>
+          </p:cNvPicPr>
+          <p:nvPr/>
+        </p:nvPicPr>
+        <p:blipFill>
+          <a:blip r:embed="rId2"/>
+          <a:stretch>
+            <a:fillRect/>
+          </a:stretch>
+        </p:blipFill>
+        <p:spPr>
+          <a:xfrm>
+            <a:off x="6961239" y="2181708"/>
+            <a:ext cx="5211404" cy="3268894"/>
+          </a:xfrm>
+          <a:prstGeom prst="rect">
+            <a:avLst/>
+          </a:prstGeom>
+        </p:spPr>
+      </p:pic>
     </p:spTree>
     <p:extLst>
       <p:ext uri="{BB962C8B-B14F-4D97-AF65-F5344CB8AC3E}">
-        <p14:creationId xmlns:p14="http://schemas.microsoft.com/office/powerpoint/2010/main" val="1869338853"/>
+        <p14:creationId xmlns:p14="http://schemas.microsoft.com/office/powerpoint/2010/main" val="2703086715"/>
       </p:ext>
     </p:extLst>
   </p:cSld>
@@ -6582,7 +10997,7 @@
           <p:cNvPr id="2" name="제목 1">
             <a:extLst>
               <a:ext uri="{FF2B5EF4-FFF2-40B4-BE49-F238E27FC236}">
-                <a16:creationId xmlns:a16="http://schemas.microsoft.com/office/drawing/2014/main" id="{4E1E04E3-2E90-0985-3937-CDDF453FA418}"/>
+                <a16:creationId xmlns:a16="http://schemas.microsoft.com/office/drawing/2014/main" id="{B104DE48-9F10-4CE9-B75D-3C20C2E75834}"/>
               </a:ext>
             </a:extLst>
           </p:cNvPr>
@@ -6600,7 +11015,7 @@
           <a:p>
             <a:r>
               <a:rPr lang="en-US" altLang="ko-KR" dirty="0"/>
-              <a:t>SMTP</a:t>
+              <a:t>HTTP Response(Format)</a:t>
             </a:r>
             <a:endParaRPr lang="ko-KR" altLang="en-US" dirty="0"/>
           </a:p>
@@ -6611,7 +11026,7 @@
           <p:cNvPr id="3" name="내용 개체 틀 2">
             <a:extLst>
               <a:ext uri="{FF2B5EF4-FFF2-40B4-BE49-F238E27FC236}">
-                <a16:creationId xmlns:a16="http://schemas.microsoft.com/office/drawing/2014/main" id="{E7980131-F03C-7E79-FA2F-6F8A3D70C722}"/>
+                <a16:creationId xmlns:a16="http://schemas.microsoft.com/office/drawing/2014/main" id="{854FFAD6-E0DB-65E1-60A7-19AF78357BFB}"/>
               </a:ext>
             </a:extLst>
           </p:cNvPr>
@@ -6622,19 +11037,347 @@
             <p:ph idx="1"/>
           </p:nvPr>
         </p:nvSpPr>
-        <p:spPr/>
+        <p:spPr>
+          <a:xfrm>
+            <a:off x="762000" y="1765139"/>
+            <a:ext cx="10668000" cy="5048616"/>
+          </a:xfrm>
+        </p:spPr>
         <p:txBody>
           <a:bodyPr/>
           <a:lstStyle/>
           <a:p>
-            <a:endParaRPr lang="ko-KR" altLang="en-US"/>
+            <a:r>
+              <a:rPr lang="ko-KR" altLang="en-US" sz="1600" dirty="0"/>
+              <a:t>서버는 클라이언트에 차별하지 않고</a:t>
+            </a:r>
+            <a:r>
+              <a:rPr lang="en-US" altLang="ko-KR" sz="1600" dirty="0"/>
+              <a:t>,</a:t>
+            </a:r>
+            <a:br>
+              <a:rPr lang="en-US" altLang="ko-KR" sz="1600" dirty="0"/>
+            </a:br>
+            <a:r>
+              <a:rPr lang="ko-KR" altLang="en-US" sz="1600" dirty="0"/>
+              <a:t>비 상태에 걸맞게</a:t>
+            </a:r>
+            <a:r>
+              <a:rPr lang="en-US" altLang="ko-KR" sz="1600" dirty="0"/>
+              <a:t> </a:t>
+            </a:r>
+            <a:r>
+              <a:rPr lang="ko-KR" altLang="en-US" sz="1600" dirty="0"/>
+              <a:t>응답을 해줘야 합니다</a:t>
+            </a:r>
+            <a:endParaRPr lang="en-US" altLang="ko-KR" sz="1600" dirty="0"/>
+          </a:p>
+          <a:p>
+            <a:r>
+              <a:rPr lang="ko-KR" altLang="en-US" sz="1600" dirty="0"/>
+              <a:t>상태라인은 응답의 결과를 넘버링으로 보여주고</a:t>
+            </a:r>
+            <a:r>
+              <a:rPr lang="en-US" altLang="ko-KR" sz="1600" dirty="0"/>
+              <a:t>,</a:t>
+            </a:r>
+            <a:br>
+              <a:rPr lang="en-US" altLang="ko-KR" sz="1600" dirty="0"/>
+            </a:br>
+            <a:r>
+              <a:rPr lang="ko-KR" altLang="en-US" sz="1600" dirty="0"/>
+              <a:t>간단한 스트링으로 세부내용을 넘겨줍니다</a:t>
+            </a:r>
+            <a:br>
+              <a:rPr lang="en-US" altLang="ko-KR" sz="1600" dirty="0"/>
+            </a:br>
+            <a:r>
+              <a:rPr lang="ko-KR" altLang="en-US" sz="1600" dirty="0"/>
+              <a:t>이를 상태코드라고 하고</a:t>
+            </a:r>
+            <a:r>
+              <a:rPr lang="en-US" altLang="ko-KR" sz="1600" dirty="0"/>
+              <a:t>,</a:t>
+            </a:r>
+            <a:br>
+              <a:rPr lang="en-US" altLang="ko-KR" sz="1600" dirty="0"/>
+            </a:br>
+            <a:r>
+              <a:rPr lang="en-US" altLang="ko-KR" sz="1600" dirty="0"/>
+              <a:t>100~109</a:t>
+            </a:r>
+            <a:r>
+              <a:rPr lang="ko-KR" altLang="en-US" sz="1600" dirty="0"/>
+              <a:t>는 메시지 정보</a:t>
+            </a:r>
+            <a:r>
+              <a:rPr lang="en-US" altLang="ko-KR" sz="1600" dirty="0"/>
+              <a:t>, 200~206</a:t>
+            </a:r>
+            <a:r>
+              <a:rPr lang="ko-KR" altLang="en-US" sz="1600" dirty="0"/>
+              <a:t>은 요청 성공</a:t>
+            </a:r>
+            <a:r>
+              <a:rPr lang="en-US" altLang="ko-KR" sz="1600" dirty="0"/>
+              <a:t>,</a:t>
+            </a:r>
+            <a:br>
+              <a:rPr lang="en-US" altLang="ko-KR" sz="1600" dirty="0"/>
+            </a:br>
+            <a:r>
+              <a:rPr lang="en-US" altLang="ko-KR" sz="1600" dirty="0"/>
+              <a:t>300~305</a:t>
+            </a:r>
+            <a:r>
+              <a:rPr lang="ko-KR" altLang="en-US" sz="1600" dirty="0"/>
+              <a:t>는 </a:t>
+            </a:r>
+            <a:r>
+              <a:rPr lang="en-US" altLang="ko-KR" sz="1600" dirty="0"/>
+              <a:t>Redirection, 400~415</a:t>
+            </a:r>
+            <a:r>
+              <a:rPr lang="ko-KR" altLang="en-US" sz="1600" dirty="0"/>
+              <a:t>는 </a:t>
+            </a:r>
+            <a:r>
+              <a:rPr lang="en-US" altLang="ko-KR" sz="1600" dirty="0" err="1"/>
+              <a:t>ClientError</a:t>
+            </a:r>
+            <a:r>
+              <a:rPr lang="en-US" altLang="ko-KR" sz="1600" dirty="0"/>
+              <a:t>,</a:t>
+            </a:r>
+            <a:br>
+              <a:rPr lang="en-US" altLang="ko-KR" sz="1600" dirty="0"/>
+            </a:br>
+            <a:r>
+              <a:rPr lang="en-US" altLang="ko-KR" sz="1600" dirty="0"/>
+              <a:t>500~505</a:t>
+            </a:r>
+            <a:r>
+              <a:rPr lang="ko-KR" altLang="en-US" sz="1600" dirty="0"/>
+              <a:t>는 </a:t>
+            </a:r>
+            <a:r>
+              <a:rPr lang="en-US" altLang="ko-KR" sz="1600" dirty="0" err="1"/>
+              <a:t>ServerError</a:t>
+            </a:r>
+            <a:r>
+              <a:rPr lang="en-US" altLang="ko-KR" sz="1600" dirty="0"/>
+              <a:t> </a:t>
+            </a:r>
+            <a:r>
+              <a:rPr lang="ko-KR" altLang="en-US" sz="1600" dirty="0"/>
+              <a:t>로 보시면 됩니다</a:t>
+            </a:r>
+            <a:endParaRPr lang="en-US" altLang="ko-KR" sz="1600" dirty="0"/>
+          </a:p>
+          <a:p>
+            <a:r>
+              <a:rPr lang="ko-KR" altLang="en-US" sz="1600" dirty="0"/>
+              <a:t>헤더라인은 요청과 비슷하게 서버정보</a:t>
+            </a:r>
+            <a:r>
+              <a:rPr lang="en-US" altLang="ko-KR" sz="1600" dirty="0"/>
+              <a:t>, </a:t>
+            </a:r>
+            <a:r>
+              <a:rPr lang="ko-KR" altLang="en-US" sz="1600" dirty="0"/>
+              <a:t>타임스탬프들과 함께</a:t>
+            </a:r>
+            <a:br>
+              <a:rPr lang="en-US" altLang="ko-KR" sz="1600" dirty="0"/>
+            </a:br>
+            <a:r>
+              <a:rPr lang="ko-KR" altLang="en-US" sz="1600" dirty="0"/>
+              <a:t>응답의 총 길이나 값의 형태를</a:t>
+            </a:r>
+            <a:r>
+              <a:rPr lang="en-US" altLang="ko-KR" sz="1600" dirty="0"/>
+              <a:t> </a:t>
+            </a:r>
+            <a:r>
+              <a:rPr lang="ko-KR" altLang="en-US" sz="1600" dirty="0"/>
+              <a:t>미리 언급하여</a:t>
+            </a:r>
+            <a:br>
+              <a:rPr lang="en-US" altLang="ko-KR" sz="1600" dirty="0"/>
+            </a:br>
+            <a:r>
+              <a:rPr lang="ko-KR" altLang="en-US" sz="1600" dirty="0"/>
+              <a:t>웹 엔진이 어떻게 파싱 하면 될 지</a:t>
+            </a:r>
+            <a:r>
+              <a:rPr lang="en-US" altLang="ko-KR" sz="1600" dirty="0"/>
+              <a:t> </a:t>
+            </a:r>
+            <a:r>
+              <a:rPr lang="ko-KR" altLang="en-US" sz="1600" dirty="0"/>
+              <a:t>알려줄 수도 있습니다</a:t>
+            </a:r>
+            <a:endParaRPr lang="en-US" altLang="ko-KR" sz="1600" dirty="0"/>
+          </a:p>
+          <a:p>
+            <a:r>
+              <a:rPr lang="ko-KR" altLang="en-US" sz="1600" dirty="0"/>
+              <a:t>공백라인은 요청과 동일하게 라인의 끝을 </a:t>
+            </a:r>
+            <a:r>
+              <a:rPr lang="en-US" altLang="ko-KR" sz="1600" dirty="0"/>
+              <a:t>\r\n</a:t>
+            </a:r>
+            <a:r>
+              <a:rPr lang="ko-KR" altLang="en-US" sz="1600" dirty="0"/>
+              <a:t>을 명시하고</a:t>
+            </a:r>
+            <a:r>
+              <a:rPr lang="en-US" altLang="ko-KR" sz="1600" dirty="0"/>
+              <a:t>,</a:t>
+            </a:r>
+            <a:br>
+              <a:rPr lang="en-US" altLang="ko-KR" sz="1600" dirty="0"/>
+            </a:br>
+            <a:r>
+              <a:rPr lang="ko-KR" altLang="en-US" sz="1600" dirty="0"/>
+              <a:t>응답의 끝에는 </a:t>
+            </a:r>
+            <a:r>
+              <a:rPr lang="en-US" altLang="ko-KR" sz="1600" dirty="0"/>
+              <a:t>\r\n\r\n</a:t>
+            </a:r>
+            <a:r>
+              <a:rPr lang="ko-KR" altLang="en-US" sz="1600" dirty="0"/>
+              <a:t>을 붙여 끝임을 명시해야 합니다</a:t>
+            </a:r>
+            <a:endParaRPr lang="en-US" altLang="ko-KR" sz="1600" dirty="0"/>
+          </a:p>
+          <a:p>
+            <a:r>
+              <a:rPr lang="ko-KR" altLang="en-US" sz="1600" dirty="0"/>
+              <a:t>요청을 받은 다음</a:t>
+            </a:r>
+            <a:r>
+              <a:rPr lang="en-US" altLang="ko-KR" sz="1600" dirty="0"/>
+              <a:t> </a:t>
+            </a:r>
+            <a:r>
+              <a:rPr lang="ko-KR" altLang="en-US" sz="1600" dirty="0"/>
+              <a:t>물리적으로 시간이 오래 지나면</a:t>
+            </a:r>
+            <a:r>
+              <a:rPr lang="en-US" altLang="ko-KR" sz="1600" dirty="0"/>
+              <a:t>, </a:t>
+            </a:r>
+            <a:r>
+              <a:rPr lang="ko-KR" altLang="en-US" sz="1600" dirty="0"/>
+              <a:t>내용을 업데이트 하기 위해 재 </a:t>
+            </a:r>
+            <a:r>
+              <a:rPr lang="en-US" altLang="ko-KR" sz="1600" dirty="0"/>
+              <a:t>GET</a:t>
+            </a:r>
+            <a:r>
+              <a:rPr lang="ko-KR" altLang="en-US" sz="1600" dirty="0"/>
+              <a:t>요청을</a:t>
+            </a:r>
+            <a:br>
+              <a:rPr lang="en-US" altLang="ko-KR" sz="1600" dirty="0"/>
+            </a:br>
+            <a:r>
+              <a:rPr lang="ko-KR" altLang="en-US" sz="1600" dirty="0"/>
+              <a:t>보낼 때가 있는데</a:t>
+            </a:r>
+            <a:r>
+              <a:rPr lang="en-US" altLang="ko-KR" sz="1600" dirty="0"/>
+              <a:t>, </a:t>
+            </a:r>
+            <a:r>
+              <a:rPr lang="ko-KR" altLang="en-US" sz="1600" dirty="0"/>
+              <a:t>이때</a:t>
+            </a:r>
+            <a:r>
+              <a:rPr lang="en-US" altLang="ko-KR" sz="1600" dirty="0"/>
+              <a:t> </a:t>
+            </a:r>
+            <a:r>
+              <a:rPr lang="ko-KR" altLang="en-US" sz="1600" dirty="0"/>
+              <a:t>여전히 바뀐 정보가 없다면</a:t>
+            </a:r>
+            <a:r>
+              <a:rPr lang="en-US" altLang="ko-KR" sz="1600" dirty="0"/>
+              <a:t>, </a:t>
+            </a:r>
+            <a:r>
+              <a:rPr lang="ko-KR" altLang="en-US" sz="1600" dirty="0"/>
+              <a:t>같은 정보를 두 번 주는 것 보다</a:t>
+            </a:r>
+            <a:br>
+              <a:rPr lang="en-US" altLang="ko-KR" sz="1600" dirty="0"/>
+            </a:br>
+            <a:r>
+              <a:rPr lang="en-US" altLang="ko-KR" sz="1600" dirty="0"/>
+              <a:t>300</a:t>
+            </a:r>
+            <a:r>
+              <a:rPr lang="ko-KR" altLang="en-US" sz="1600" dirty="0"/>
+              <a:t>계열의 </a:t>
+            </a:r>
+            <a:r>
+              <a:rPr lang="en-US" altLang="ko-KR" sz="1600" dirty="0"/>
+              <a:t>Redirection </a:t>
+            </a:r>
+            <a:r>
+              <a:rPr lang="ko-KR" altLang="en-US" sz="1600" dirty="0"/>
+              <a:t>코드를 주면</a:t>
+            </a:r>
+            <a:r>
+              <a:rPr lang="en-US" altLang="ko-KR" sz="1600" dirty="0"/>
+              <a:t> </a:t>
+            </a:r>
+            <a:r>
+              <a:rPr lang="ko-KR" altLang="en-US" sz="1600" dirty="0"/>
+              <a:t>정보를 보다 효율적으로 사용할 수 있을 것입니다</a:t>
+            </a:r>
+            <a:endParaRPr lang="en-US" altLang="ko-KR" sz="1600" dirty="0"/>
           </a:p>
         </p:txBody>
       </p:sp>
+      <p:pic>
+        <p:nvPicPr>
+          <p:cNvPr id="6" name="그림 5">
+            <a:extLst>
+              <a:ext uri="{FF2B5EF4-FFF2-40B4-BE49-F238E27FC236}">
+                <a16:creationId xmlns:a16="http://schemas.microsoft.com/office/drawing/2014/main" id="{664B63F2-E55E-385E-B612-68B4F9D199DB}"/>
+              </a:ext>
+            </a:extLst>
+          </p:cNvPr>
+          <p:cNvPicPr>
+            <a:picLocks noChangeAspect="1"/>
+          </p:cNvPicPr>
+          <p:nvPr/>
+        </p:nvPicPr>
+        <p:blipFill>
+          <a:blip r:embed="rId2"/>
+          <a:stretch>
+            <a:fillRect/>
+          </a:stretch>
+        </p:blipFill>
+        <p:spPr>
+          <a:xfrm>
+            <a:off x="6933719" y="2328197"/>
+            <a:ext cx="5173394" cy="3246694"/>
+          </a:xfrm>
+          <a:prstGeom prst="rect">
+            <a:avLst/>
+          </a:prstGeom>
+        </p:spPr>
+      </p:pic>
     </p:spTree>
     <p:extLst>
       <p:ext uri="{BB962C8B-B14F-4D97-AF65-F5344CB8AC3E}">
-        <p14:creationId xmlns:p14="http://schemas.microsoft.com/office/powerpoint/2010/main" val="2841385823"/>
+        <p14:creationId xmlns:p14="http://schemas.microsoft.com/office/powerpoint/2010/main" val="3067711281"/>
       </p:ext>
     </p:extLst>
   </p:cSld>
@@ -6666,7 +11409,7 @@
           <p:cNvPr id="2" name="제목 1">
             <a:extLst>
               <a:ext uri="{FF2B5EF4-FFF2-40B4-BE49-F238E27FC236}">
-                <a16:creationId xmlns:a16="http://schemas.microsoft.com/office/drawing/2014/main" id="{EE22F5D4-DC91-153A-22B7-9F56D8759358}"/>
+                <a16:creationId xmlns:a16="http://schemas.microsoft.com/office/drawing/2014/main" id="{B104DE48-9F10-4CE9-B75D-3C20C2E75834}"/>
               </a:ext>
             </a:extLst>
           </p:cNvPr>
@@ -6684,7 +11427,7 @@
           <a:p>
             <a:r>
               <a:rPr lang="en-US" altLang="ko-KR" dirty="0"/>
-              <a:t>Telnet, FTP -&gt; SSH, SFTP</a:t>
+              <a:t>HTTP Cookie</a:t>
             </a:r>
             <a:endParaRPr lang="ko-KR" altLang="en-US" dirty="0"/>
           </a:p>
@@ -6695,7 +11438,7 @@
           <p:cNvPr id="3" name="내용 개체 틀 2">
             <a:extLst>
               <a:ext uri="{FF2B5EF4-FFF2-40B4-BE49-F238E27FC236}">
-                <a16:creationId xmlns:a16="http://schemas.microsoft.com/office/drawing/2014/main" id="{DA134574-9508-405A-3E78-84B298F0621C}"/>
+                <a16:creationId xmlns:a16="http://schemas.microsoft.com/office/drawing/2014/main" id="{854FFAD6-E0DB-65E1-60A7-19AF78357BFB}"/>
               </a:ext>
             </a:extLst>
           </p:cNvPr>
@@ -6706,19 +11449,294 @@
             <p:ph idx="1"/>
           </p:nvPr>
         </p:nvSpPr>
-        <p:spPr/>
+        <p:spPr>
+          <a:xfrm>
+            <a:off x="762000" y="1765139"/>
+            <a:ext cx="10668000" cy="5008489"/>
+          </a:xfrm>
+        </p:spPr>
         <p:txBody>
           <a:bodyPr/>
           <a:lstStyle/>
           <a:p>
-            <a:endParaRPr lang="ko-KR" altLang="en-US"/>
+            <a:r>
+              <a:rPr lang="en-US" altLang="ko-KR" sz="1600" dirty="0"/>
+              <a:t>HTTP</a:t>
+            </a:r>
+            <a:r>
+              <a:rPr lang="ko-KR" altLang="en-US" sz="1600" dirty="0"/>
+              <a:t>는 비 상태 프로토콜입니다 이는 모든 클라이언트에게 무차별적으로 라우팅 된 내용을</a:t>
+            </a:r>
+            <a:br>
+              <a:rPr lang="en-US" altLang="ko-KR" sz="1600" dirty="0"/>
+            </a:br>
+            <a:r>
+              <a:rPr lang="ko-KR" altLang="en-US" sz="1600" dirty="0"/>
+              <a:t>보여줘야 한다는 뜻이 됩니다</a:t>
+            </a:r>
+            <a:endParaRPr lang="en-US" altLang="ko-KR" sz="1600" dirty="0"/>
+          </a:p>
+          <a:p>
+            <a:r>
+              <a:rPr lang="ko-KR" altLang="en-US" sz="1600" dirty="0"/>
+              <a:t>대부분의 경우는 문제가 없지만</a:t>
+            </a:r>
+            <a:r>
+              <a:rPr lang="en-US" altLang="ko-KR" sz="1600" dirty="0"/>
+              <a:t>, </a:t>
+            </a:r>
+            <a:r>
+              <a:rPr lang="ko-KR" altLang="en-US" sz="1600" dirty="0"/>
+              <a:t>로그인이나 개인정보를 저장</a:t>
+            </a:r>
+            <a:r>
+              <a:rPr lang="en-US" altLang="ko-KR" sz="1600" dirty="0"/>
+              <a:t>, </a:t>
+            </a:r>
+            <a:r>
+              <a:rPr lang="ko-KR" altLang="en-US" sz="1600" dirty="0" err="1"/>
+              <a:t>어드민</a:t>
+            </a:r>
+            <a:r>
+              <a:rPr lang="ko-KR" altLang="en-US" sz="1600" dirty="0"/>
+              <a:t> 권한의 작업을 수행하려는 경우</a:t>
+            </a:r>
+            <a:r>
+              <a:rPr lang="en-US" altLang="ko-KR" sz="1600" dirty="0"/>
+              <a:t>,</a:t>
+            </a:r>
+            <a:br>
+              <a:rPr lang="en-US" altLang="ko-KR" sz="1600" dirty="0"/>
+            </a:br>
+            <a:r>
+              <a:rPr lang="ko-KR" altLang="en-US" sz="1600" dirty="0"/>
+              <a:t>라우팅을 숨기는 방식의 보안처리를 할 수 밖에 없을 것입니다</a:t>
+            </a:r>
+            <a:endParaRPr lang="en-US" altLang="ko-KR" sz="1600" dirty="0"/>
+          </a:p>
+          <a:p>
+            <a:r>
+              <a:rPr lang="en-US" altLang="ko-KR" sz="1600" dirty="0"/>
+              <a:t>HTTP</a:t>
+            </a:r>
+            <a:r>
+              <a:rPr lang="ko-KR" altLang="en-US" sz="1600" dirty="0"/>
+              <a:t> </a:t>
+            </a:r>
+            <a:r>
+              <a:rPr lang="en-US" altLang="ko-KR" sz="1600" dirty="0"/>
+              <a:t>Cookie</a:t>
+            </a:r>
+            <a:r>
+              <a:rPr lang="ko-KR" altLang="en-US" sz="1600" dirty="0"/>
+              <a:t>는 서버로 통신하려는 클라이언트가 서버에게 특정상태임을 같이 보내는 것으로</a:t>
+            </a:r>
+            <a:br>
+              <a:rPr lang="en-US" altLang="ko-KR" sz="1600" dirty="0"/>
+            </a:br>
+            <a:r>
+              <a:rPr lang="ko-KR" altLang="en-US" sz="1600" dirty="0"/>
+              <a:t>이를 활용하면</a:t>
+            </a:r>
+            <a:r>
+              <a:rPr lang="en-US" altLang="ko-KR" sz="1600" dirty="0"/>
+              <a:t> </a:t>
+            </a:r>
+            <a:r>
+              <a:rPr lang="ko-KR" altLang="en-US" sz="1600" dirty="0"/>
+              <a:t>클라이언트의 로그인 상태를 유지하면서 웹 사이트를 사용하거나</a:t>
+            </a:r>
+            <a:r>
+              <a:rPr lang="en-US" altLang="ko-KR" sz="1600" dirty="0"/>
+              <a:t>,</a:t>
+            </a:r>
+            <a:br>
+              <a:rPr lang="en-US" altLang="ko-KR" sz="1600" dirty="0"/>
+            </a:br>
+            <a:r>
+              <a:rPr lang="ko-KR" altLang="en-US" sz="1600" dirty="0" err="1"/>
+              <a:t>어드민</a:t>
+            </a:r>
+            <a:r>
+              <a:rPr lang="ko-KR" altLang="en-US" sz="1600" dirty="0"/>
+              <a:t> 권한이 있는지 서버가 검증하여 조건부로 들여 보낼 수 있게 됩니다</a:t>
+            </a:r>
+            <a:endParaRPr lang="en-US" altLang="ko-KR" sz="1600" dirty="0"/>
+          </a:p>
+          <a:p>
+            <a:r>
+              <a:rPr lang="ko-KR" altLang="en-US" sz="1600" dirty="0"/>
+              <a:t>처음 클라이언트가 로그인을 수행한다면</a:t>
+            </a:r>
+            <a:r>
+              <a:rPr lang="en-US" altLang="ko-KR" sz="1600" dirty="0"/>
+              <a:t>, </a:t>
+            </a:r>
+            <a:r>
+              <a:rPr lang="ko-KR" altLang="en-US" sz="1600" dirty="0"/>
+              <a:t>서버는 클라이언트에게</a:t>
+            </a:r>
+            <a:br>
+              <a:rPr lang="en-US" altLang="ko-KR" sz="1600" dirty="0"/>
+            </a:br>
+            <a:r>
+              <a:rPr lang="en-US" altLang="ko-KR" sz="1600" dirty="0"/>
+              <a:t>Set-Cookie: ~~</a:t>
+            </a:r>
+            <a:r>
+              <a:rPr lang="ko-KR" altLang="en-US" sz="1600" dirty="0"/>
+              <a:t>의 내용으로 쿠키를 변경하라는 명령을</a:t>
+            </a:r>
+            <a:br>
+              <a:rPr lang="en-US" altLang="ko-KR" sz="1600" dirty="0"/>
+            </a:br>
+            <a:r>
+              <a:rPr lang="ko-KR" altLang="en-US" sz="1600" dirty="0"/>
+              <a:t>헤더로부터 받아</a:t>
+            </a:r>
+            <a:r>
+              <a:rPr lang="en-US" altLang="ko-KR" sz="1600" dirty="0"/>
+              <a:t> </a:t>
+            </a:r>
+            <a:r>
+              <a:rPr lang="ko-KR" altLang="en-US" sz="1600" dirty="0"/>
+              <a:t>처리한 뒤</a:t>
+            </a:r>
+            <a:r>
+              <a:rPr lang="en-US" altLang="ko-KR" sz="1600" dirty="0"/>
+              <a:t>(</a:t>
+            </a:r>
+            <a:r>
+              <a:rPr lang="ko-KR" altLang="en-US" sz="1600" dirty="0"/>
+              <a:t>쿠키 등록을 한 뒤</a:t>
+            </a:r>
+            <a:r>
+              <a:rPr lang="en-US" altLang="ko-KR" sz="1600" dirty="0"/>
+              <a:t>),</a:t>
+            </a:r>
+            <a:br>
+              <a:rPr lang="en-US" altLang="ko-KR" sz="1600" dirty="0"/>
+            </a:br>
+            <a:r>
+              <a:rPr lang="ko-KR" altLang="en-US" sz="1600" dirty="0"/>
+              <a:t>다음부터는 해당 쿠키를 요청 헤더에</a:t>
+            </a:r>
+            <a:br>
+              <a:rPr lang="en-US" altLang="ko-KR" sz="1600" dirty="0"/>
+            </a:br>
+            <a:r>
+              <a:rPr lang="en-US" altLang="ko-KR" sz="1600" dirty="0"/>
+              <a:t>Cookie</a:t>
+            </a:r>
+            <a:r>
+              <a:rPr lang="ko-KR" altLang="en-US" sz="1600" dirty="0"/>
+              <a:t>로 매번 보내어 로그인 과정을 건너뛰거나 페이지를 보기 위한</a:t>
+            </a:r>
+            <a:br>
+              <a:rPr lang="en-US" altLang="ko-KR" sz="1600" dirty="0"/>
+            </a:br>
+            <a:r>
+              <a:rPr lang="ko-KR" altLang="en-US" sz="1600" dirty="0"/>
+              <a:t>권한을</a:t>
+            </a:r>
+            <a:r>
+              <a:rPr lang="en-US" altLang="ko-KR" sz="1600" dirty="0"/>
+              <a:t> </a:t>
+            </a:r>
+            <a:r>
+              <a:rPr lang="ko-KR" altLang="en-US" sz="1600" dirty="0"/>
+              <a:t>획득하는 구조를 가지게 됩니다</a:t>
+            </a:r>
+            <a:endParaRPr lang="en-US" altLang="ko-KR" sz="1600" dirty="0"/>
+          </a:p>
+          <a:p>
+            <a:r>
+              <a:rPr lang="ko-KR" altLang="en-US" sz="1600" dirty="0"/>
+              <a:t>오늘날에는 단순한 쿠키 값을 사용해서는 보안의 문제가 될 수 있기 때문에</a:t>
+            </a:r>
+            <a:r>
+              <a:rPr lang="en-US" altLang="ko-KR" sz="1600" dirty="0"/>
+              <a:t>,</a:t>
+            </a:r>
+            <a:br>
+              <a:rPr lang="en-US" altLang="ko-KR" sz="1600" dirty="0"/>
+            </a:br>
+            <a:r>
+              <a:rPr lang="ko-KR" altLang="en-US" sz="1600" dirty="0"/>
+              <a:t>쿠키 값에 암호화 된 세션 값을 넣어 서버 측에서 반드시 검증해야 하는</a:t>
+            </a:r>
+            <a:br>
+              <a:rPr lang="en-US" altLang="ko-KR" sz="1600" dirty="0"/>
+            </a:br>
+            <a:r>
+              <a:rPr lang="ko-KR" altLang="en-US" sz="1600" dirty="0"/>
+              <a:t>구조로 이를 해결합니다 </a:t>
+            </a:r>
+            <a:r>
+              <a:rPr lang="en-US" altLang="ko-KR" sz="1600" dirty="0"/>
+              <a:t>(</a:t>
+            </a:r>
+            <a:r>
+              <a:rPr lang="ko-KR" altLang="en-US" sz="1600" dirty="0"/>
+              <a:t>주로 </a:t>
+            </a:r>
+            <a:r>
+              <a:rPr lang="en-US" altLang="ko-KR" sz="1600" dirty="0"/>
+              <a:t>Session</a:t>
+            </a:r>
+            <a:r>
+              <a:rPr lang="ko-KR" altLang="en-US" sz="1600" dirty="0"/>
+              <a:t>과 </a:t>
+            </a:r>
+            <a:r>
+              <a:rPr lang="en-US" altLang="ko-KR" sz="1600" dirty="0"/>
+              <a:t>Web Token</a:t>
+            </a:r>
+            <a:r>
+              <a:rPr lang="ko-KR" altLang="en-US" sz="1600" dirty="0"/>
+              <a:t>을 사용합니다</a:t>
+            </a:r>
+            <a:r>
+              <a:rPr lang="en-US" altLang="ko-KR" sz="1600" dirty="0"/>
+              <a:t>)</a:t>
+            </a:r>
           </a:p>
         </p:txBody>
       </p:sp>
+      <p:pic>
+        <p:nvPicPr>
+          <p:cNvPr id="5" name="그림 4">
+            <a:extLst>
+              <a:ext uri="{FF2B5EF4-FFF2-40B4-BE49-F238E27FC236}">
+                <a16:creationId xmlns:a16="http://schemas.microsoft.com/office/drawing/2014/main" id="{412E1C03-9A20-D558-4275-5866597B35A8}"/>
+              </a:ext>
+            </a:extLst>
+          </p:cNvPr>
+          <p:cNvPicPr>
+            <a:picLocks noChangeAspect="1"/>
+          </p:cNvPicPr>
+          <p:nvPr/>
+        </p:nvPicPr>
+        <p:blipFill>
+          <a:blip r:embed="rId2"/>
+          <a:stretch>
+            <a:fillRect/>
+          </a:stretch>
+        </p:blipFill>
+        <p:spPr>
+          <a:xfrm>
+            <a:off x="8549219" y="4122638"/>
+            <a:ext cx="3550019" cy="2650990"/>
+          </a:xfrm>
+          <a:prstGeom prst="rect">
+            <a:avLst/>
+          </a:prstGeom>
+        </p:spPr>
+      </p:pic>
     </p:spTree>
     <p:extLst>
       <p:ext uri="{BB962C8B-B14F-4D97-AF65-F5344CB8AC3E}">
-        <p14:creationId xmlns:p14="http://schemas.microsoft.com/office/powerpoint/2010/main" val="1016130752"/>
+        <p14:creationId xmlns:p14="http://schemas.microsoft.com/office/powerpoint/2010/main" val="2287587846"/>
       </p:ext>
     </p:extLst>
   </p:cSld>
@@ -6747,10 +11765,10 @@
       </p:grpSpPr>
       <p:sp>
         <p:nvSpPr>
-          <p:cNvPr id="6" name="제목 5">
+          <p:cNvPr id="2" name="제목 1">
             <a:extLst>
               <a:ext uri="{FF2B5EF4-FFF2-40B4-BE49-F238E27FC236}">
-                <a16:creationId xmlns:a16="http://schemas.microsoft.com/office/drawing/2014/main" id="{F826D273-7332-66DA-9DCE-2EDFAAD4D461}"/>
+                <a16:creationId xmlns:a16="http://schemas.microsoft.com/office/drawing/2014/main" id="{B104DE48-9F10-4CE9-B75D-3C20C2E75834}"/>
               </a:ext>
             </a:extLst>
           </p:cNvPr>
@@ -6758,7 +11776,7 @@
             <a:spLocks noGrp="1"/>
           </p:cNvSpPr>
           <p:nvPr>
-            <p:ph type="ctrTitle"/>
+            <p:ph type="title"/>
           </p:nvPr>
         </p:nvSpPr>
         <p:spPr/>
@@ -6768,7 +11786,7 @@
           <a:p>
             <a:r>
               <a:rPr lang="en-US" altLang="ko-KR" dirty="0"/>
-              <a:t>Layer 4 </a:t>
+              <a:t>HTTPS</a:t>
             </a:r>
             <a:endParaRPr lang="ko-KR" altLang="en-US" dirty="0"/>
           </a:p>
@@ -6776,10 +11794,10 @@
       </p:sp>
       <p:sp>
         <p:nvSpPr>
-          <p:cNvPr id="7" name="부제목 6">
+          <p:cNvPr id="3" name="내용 개체 틀 2">
             <a:extLst>
               <a:ext uri="{FF2B5EF4-FFF2-40B4-BE49-F238E27FC236}">
-                <a16:creationId xmlns:a16="http://schemas.microsoft.com/office/drawing/2014/main" id="{4FD3139D-811E-04AA-6A66-753832B7229B}"/>
+                <a16:creationId xmlns:a16="http://schemas.microsoft.com/office/drawing/2014/main" id="{854FFAD6-E0DB-65E1-60A7-19AF78357BFB}"/>
               </a:ext>
             </a:extLst>
           </p:cNvPr>
@@ -6787,36 +11805,298 @@
             <a:spLocks noGrp="1"/>
           </p:cNvSpPr>
           <p:nvPr>
-            <p:ph type="subTitle" idx="1"/>
+            <p:ph idx="1"/>
           </p:nvPr>
         </p:nvSpPr>
-        <p:spPr/>
+        <p:spPr>
+          <a:xfrm>
+            <a:off x="762000" y="1765139"/>
+            <a:ext cx="5575536" cy="4930114"/>
+          </a:xfrm>
+        </p:spPr>
         <p:txBody>
           <a:bodyPr/>
           <a:lstStyle/>
           <a:p>
             <a:r>
-              <a:rPr lang="ko-KR" altLang="en-US" dirty="0"/>
-              <a:t>전송 계층</a:t>
-            </a:r>
-            <a:br>
-              <a:rPr lang="en-US" altLang="ko-KR" dirty="0"/>
-            </a:br>
-            <a:r>
-              <a:rPr lang="en-US" altLang="ko-KR" dirty="0"/>
-              <a:t>(Transport Layer)</a:t>
-            </a:r>
-            <a:endParaRPr lang="ko-KR" altLang="en-US" dirty="0"/>
-          </a:p>
-          <a:p>
-            <a:endParaRPr lang="ko-KR" altLang="en-US" dirty="0"/>
+              <a:rPr lang="en-US" altLang="ko-KR" sz="1600" dirty="0"/>
+              <a:t>HTTP</a:t>
+            </a:r>
+            <a:r>
+              <a:rPr lang="ko-KR" altLang="en-US" sz="1600" dirty="0"/>
+              <a:t>는 </a:t>
+            </a:r>
+            <a:r>
+              <a:rPr lang="en-US" altLang="ko-KR" sz="1600" dirty="0"/>
+              <a:t>L5</a:t>
+            </a:r>
+            <a:r>
+              <a:rPr lang="ko-KR" altLang="en-US" sz="1600" dirty="0"/>
+              <a:t>계층의 프로토콜입니다</a:t>
+            </a:r>
+            <a:br>
+              <a:rPr lang="en-US" altLang="ko-KR" sz="1600" dirty="0"/>
+            </a:br>
+            <a:r>
+              <a:rPr lang="en-US" altLang="ko-KR" sz="1600" dirty="0"/>
+              <a:t>HTTP</a:t>
+            </a:r>
+            <a:r>
+              <a:rPr lang="ko-KR" altLang="en-US" sz="1600" dirty="0"/>
+              <a:t>의 통신내용은 패킷을 통해 분석이 가능하고</a:t>
+            </a:r>
+            <a:r>
+              <a:rPr lang="en-US" altLang="ko-KR" sz="1600" dirty="0"/>
+              <a:t>,</a:t>
+            </a:r>
+            <a:br>
+              <a:rPr lang="en-US" altLang="ko-KR" sz="1600" dirty="0"/>
+            </a:br>
+            <a:r>
+              <a:rPr lang="en-US" altLang="ko-KR" sz="1600" dirty="0"/>
+              <a:t>HTTP</a:t>
+            </a:r>
+            <a:r>
+              <a:rPr lang="ko-KR" altLang="en-US" sz="1600" dirty="0"/>
+              <a:t>는 통신의 과정에서 암호화가</a:t>
+            </a:r>
+            <a:br>
+              <a:rPr lang="en-US" altLang="ko-KR" sz="1600" dirty="0"/>
+            </a:br>
+            <a:r>
+              <a:rPr lang="ko-KR" altLang="en-US" sz="1600" dirty="0"/>
+              <a:t>전혀 진행되지 않기 때문에</a:t>
+            </a:r>
+            <a:r>
+              <a:rPr lang="en-US" altLang="ko-KR" sz="1600" dirty="0"/>
+              <a:t>,</a:t>
+            </a:r>
+            <a:br>
+              <a:rPr lang="en-US" altLang="ko-KR" sz="1600" dirty="0"/>
+            </a:br>
+            <a:r>
+              <a:rPr lang="en-US" altLang="ko-KR" sz="1600" dirty="0"/>
+              <a:t>MITM(Man In The Middle)</a:t>
+            </a:r>
+            <a:r>
+              <a:rPr lang="ko-KR" altLang="en-US" sz="1600" dirty="0"/>
+              <a:t>공격에</a:t>
+            </a:r>
+            <a:br>
+              <a:rPr lang="en-US" altLang="ko-KR" sz="1600" dirty="0"/>
+            </a:br>
+            <a:r>
+              <a:rPr lang="ko-KR" altLang="en-US" sz="1600" dirty="0"/>
+              <a:t>취약한 상태로 통신이 진행됩니다</a:t>
+            </a:r>
+            <a:endParaRPr lang="en-US" altLang="ko-KR" sz="1600" dirty="0"/>
+          </a:p>
+          <a:p>
+            <a:r>
+              <a:rPr lang="ko-KR" altLang="en-US" sz="1600" dirty="0"/>
+              <a:t>이를 막기 위해서는 </a:t>
+            </a:r>
+            <a:r>
+              <a:rPr lang="en-US" altLang="ko-KR" sz="1600" dirty="0"/>
+              <a:t>L4 </a:t>
+            </a:r>
+            <a:r>
+              <a:rPr lang="ko-KR" altLang="en-US" sz="1600" dirty="0"/>
+              <a:t>계층인 </a:t>
+            </a:r>
+            <a:r>
+              <a:rPr lang="en-US" altLang="ko-KR" sz="1600" dirty="0"/>
+              <a:t>TCP</a:t>
+            </a:r>
+            <a:r>
+              <a:rPr lang="ko-KR" altLang="en-US" sz="1600" dirty="0"/>
+              <a:t>로 가기전에</a:t>
+            </a:r>
+            <a:br>
+              <a:rPr lang="en-US" altLang="ko-KR" sz="1600" dirty="0"/>
+            </a:br>
+            <a:r>
+              <a:rPr lang="ko-KR" altLang="en-US" sz="1600" dirty="0"/>
+              <a:t>전체 문장을 암호화한 뒤</a:t>
+            </a:r>
+            <a:r>
+              <a:rPr lang="en-US" altLang="ko-KR" sz="1600" dirty="0"/>
+              <a:t> TCP</a:t>
+            </a:r>
+            <a:r>
+              <a:rPr lang="ko-KR" altLang="en-US" sz="1600" dirty="0"/>
+              <a:t>를 통해 도달 하고</a:t>
+            </a:r>
+            <a:r>
+              <a:rPr lang="en-US" altLang="ko-KR" sz="1600" dirty="0"/>
+              <a:t>,</a:t>
+            </a:r>
+            <a:br>
+              <a:rPr lang="en-US" altLang="ko-KR" sz="1600" dirty="0"/>
+            </a:br>
+            <a:r>
+              <a:rPr lang="ko-KR" altLang="en-US" sz="1600" dirty="0"/>
+              <a:t>도착지에서만 열수 있는 </a:t>
+            </a:r>
+            <a:r>
+              <a:rPr lang="ko-KR" altLang="en-US" sz="1600" dirty="0" err="1"/>
+              <a:t>복호문으로</a:t>
+            </a:r>
+            <a:r>
+              <a:rPr lang="ko-KR" altLang="en-US" sz="1600" dirty="0"/>
+              <a:t> </a:t>
+            </a:r>
+            <a:r>
+              <a:rPr lang="ko-KR" altLang="en-US" sz="1600" dirty="0" err="1"/>
+              <a:t>복호화해서</a:t>
+            </a:r>
+            <a:br>
+              <a:rPr lang="en-US" altLang="ko-KR" sz="1600" dirty="0"/>
+            </a:br>
+            <a:r>
+              <a:rPr lang="ko-KR" altLang="en-US" sz="1600" dirty="0"/>
+              <a:t>다시 원래의 </a:t>
+            </a:r>
+            <a:r>
+              <a:rPr lang="en-US" altLang="ko-KR" sz="1600" dirty="0"/>
+              <a:t>HTTP</a:t>
+            </a:r>
+            <a:r>
+              <a:rPr lang="ko-KR" altLang="en-US" sz="1600" dirty="0"/>
+              <a:t> 파일을 보는 방식을 사용합니다</a:t>
+            </a:r>
+            <a:endParaRPr lang="en-US" altLang="ko-KR" sz="1600" dirty="0"/>
+          </a:p>
+          <a:p>
+            <a:r>
+              <a:rPr lang="ko-KR" altLang="en-US" sz="1600" dirty="0"/>
+              <a:t>쉽게 </a:t>
+            </a:r>
+            <a:r>
+              <a:rPr lang="en-US" altLang="ko-KR" sz="1600" dirty="0"/>
+              <a:t>HTTP -&gt; SSL(</a:t>
+            </a:r>
+            <a:r>
+              <a:rPr lang="ko-KR" altLang="en-US" sz="1600" dirty="0"/>
+              <a:t>암호화</a:t>
+            </a:r>
+            <a:r>
+              <a:rPr lang="en-US" altLang="ko-KR" sz="1600" dirty="0"/>
+              <a:t>) -&gt; TCP -&gt; </a:t>
+            </a:r>
+            <a:r>
+              <a:rPr lang="ko-KR" altLang="en-US" sz="1600" dirty="0"/>
+              <a:t>네트워크</a:t>
+            </a:r>
+            <a:br>
+              <a:rPr lang="en-US" altLang="ko-KR" sz="1600" dirty="0"/>
+            </a:br>
+            <a:r>
+              <a:rPr lang="en-US" altLang="ko-KR" sz="1600" dirty="0"/>
+              <a:t>-&gt; TCP -&gt; SSL(</a:t>
+            </a:r>
+            <a:r>
+              <a:rPr lang="ko-KR" altLang="en-US" sz="1600" dirty="0"/>
+              <a:t>복호화</a:t>
+            </a:r>
+            <a:r>
+              <a:rPr lang="en-US" altLang="ko-KR" sz="1600" dirty="0"/>
+              <a:t>) -&gt; HTTP </a:t>
+            </a:r>
+            <a:r>
+              <a:rPr lang="ko-KR" altLang="en-US" sz="1600" dirty="0"/>
+              <a:t>순서로 진행되어</a:t>
+            </a:r>
+            <a:br>
+              <a:rPr lang="en-US" altLang="ko-KR" sz="1600" dirty="0"/>
+            </a:br>
+            <a:r>
+              <a:rPr lang="ko-KR" altLang="en-US" sz="1600" dirty="0"/>
+              <a:t>통신과정에서 가로채기 어렵게 만들 수 있습니다</a:t>
+            </a:r>
+            <a:endParaRPr lang="en-US" altLang="ko-KR" sz="1600" dirty="0"/>
+          </a:p>
+          <a:p>
+            <a:r>
+              <a:rPr lang="ko-KR" altLang="en-US" sz="1600" dirty="0"/>
+              <a:t>오늘날에는 </a:t>
+            </a:r>
+            <a:r>
+              <a:rPr lang="en-US" altLang="ko-KR" sz="1600" dirty="0"/>
+              <a:t>SSL</a:t>
+            </a:r>
+            <a:r>
+              <a:rPr lang="ko-KR" altLang="en-US" sz="1600" dirty="0"/>
+              <a:t>보다 성능이 더 뛰어난 </a:t>
+            </a:r>
+            <a:r>
+              <a:rPr lang="en-US" altLang="ko-KR" sz="1600" dirty="0"/>
+              <a:t>TLS1.x</a:t>
+            </a:r>
+            <a:r>
+              <a:rPr lang="ko-KR" altLang="en-US" sz="1600" dirty="0"/>
+              <a:t>를</a:t>
+            </a:r>
+            <a:br>
+              <a:rPr lang="en-US" altLang="ko-KR" sz="1600" dirty="0"/>
+            </a:br>
+            <a:r>
+              <a:rPr lang="ko-KR" altLang="en-US" sz="1600" dirty="0"/>
+              <a:t>사용하여 보안을 강화하고 있으며</a:t>
+            </a:r>
+            <a:r>
+              <a:rPr lang="en-US" altLang="ko-KR" sz="1600" dirty="0"/>
+              <a:t>,</a:t>
+            </a:r>
+            <a:br>
+              <a:rPr lang="en-US" altLang="ko-KR" sz="1600" dirty="0"/>
+            </a:br>
+            <a:r>
+              <a:rPr lang="en-US" altLang="ko-KR" sz="1600" dirty="0"/>
+              <a:t>SSL</a:t>
+            </a:r>
+            <a:r>
+              <a:rPr lang="ko-KR" altLang="en-US" sz="1600" dirty="0"/>
+              <a:t>의 기본 과정은 우측그림에 설명되어 있습니다</a:t>
+            </a:r>
+            <a:endParaRPr lang="en-US" altLang="ko-KR" sz="1600" dirty="0"/>
           </a:p>
         </p:txBody>
       </p:sp>
+      <p:pic>
+        <p:nvPicPr>
+          <p:cNvPr id="5" name="그림 4">
+            <a:extLst>
+              <a:ext uri="{FF2B5EF4-FFF2-40B4-BE49-F238E27FC236}">
+                <a16:creationId xmlns:a16="http://schemas.microsoft.com/office/drawing/2014/main" id="{6BE0EA12-5AA4-06C8-816B-C7E5A13F52A7}"/>
+              </a:ext>
+            </a:extLst>
+          </p:cNvPr>
+          <p:cNvPicPr>
+            <a:picLocks noChangeAspect="1"/>
+          </p:cNvPicPr>
+          <p:nvPr/>
+        </p:nvPicPr>
+        <p:blipFill>
+          <a:blip r:embed="rId2"/>
+          <a:stretch>
+            <a:fillRect/>
+          </a:stretch>
+        </p:blipFill>
+        <p:spPr>
+          <a:xfrm>
+            <a:off x="6331005" y="1796712"/>
+            <a:ext cx="5692442" cy="4898541"/>
+          </a:xfrm>
+          <a:prstGeom prst="rect">
+            <a:avLst/>
+          </a:prstGeom>
+        </p:spPr>
+      </p:pic>
     </p:spTree>
     <p:extLst>
       <p:ext uri="{BB962C8B-B14F-4D97-AF65-F5344CB8AC3E}">
-        <p14:creationId xmlns:p14="http://schemas.microsoft.com/office/powerpoint/2010/main" val="2716938437"/>
+        <p14:creationId xmlns:p14="http://schemas.microsoft.com/office/powerpoint/2010/main" val="3062884123"/>
       </p:ext>
     </p:extLst>
   </p:cSld>
@@ -6848,7 +12128,7 @@
           <p:cNvPr id="2" name="제목 1">
             <a:extLst>
               <a:ext uri="{FF2B5EF4-FFF2-40B4-BE49-F238E27FC236}">
-                <a16:creationId xmlns:a16="http://schemas.microsoft.com/office/drawing/2014/main" id="{688F8AFE-AB90-4513-A9E7-9CFD60B8F046}"/>
+                <a16:creationId xmlns:a16="http://schemas.microsoft.com/office/drawing/2014/main" id="{47FE7501-20CB-1BEE-61B8-AC319A44F6B1}"/>
               </a:ext>
             </a:extLst>
           </p:cNvPr>
@@ -6866,7 +12146,7 @@
           <a:p>
             <a:r>
               <a:rPr lang="en-US" altLang="ko-KR" dirty="0"/>
-              <a:t>TCP, UDP</a:t>
+              <a:t>DNS</a:t>
             </a:r>
             <a:endParaRPr lang="ko-KR" altLang="en-US" dirty="0"/>
           </a:p>
@@ -6877,7 +12157,7 @@
           <p:cNvPr id="3" name="내용 개체 틀 2">
             <a:extLst>
               <a:ext uri="{FF2B5EF4-FFF2-40B4-BE49-F238E27FC236}">
-                <a16:creationId xmlns:a16="http://schemas.microsoft.com/office/drawing/2014/main" id="{7172BADE-34CA-2014-3FA5-33B81DE09ADD}"/>
+                <a16:creationId xmlns:a16="http://schemas.microsoft.com/office/drawing/2014/main" id="{3374D280-62FE-79B3-D90E-CDD9BB7121C1}"/>
               </a:ext>
             </a:extLst>
           </p:cNvPr>
@@ -6888,19 +12168,449 @@
             <p:ph idx="1"/>
           </p:nvPr>
         </p:nvSpPr>
-        <p:spPr/>
+        <p:spPr>
+          <a:xfrm>
+            <a:off x="761999" y="1765139"/>
+            <a:ext cx="10729943" cy="5019119"/>
+          </a:xfrm>
+        </p:spPr>
         <p:txBody>
           <a:bodyPr/>
           <a:lstStyle/>
           <a:p>
-            <a:endParaRPr lang="ko-KR" altLang="en-US"/>
+            <a:r>
+              <a:rPr lang="en-US" altLang="ko-KR" sz="1600" dirty="0"/>
+              <a:t>DNS(Domain Name System)</a:t>
+            </a:r>
+            <a:r>
+              <a:rPr lang="ko-KR" altLang="en-US" sz="1600" dirty="0"/>
+              <a:t>는 </a:t>
+            </a:r>
+            <a:r>
+              <a:rPr lang="en-US" altLang="ko-KR" sz="1600" dirty="0"/>
+              <a:t>IP</a:t>
+            </a:r>
+            <a:r>
+              <a:rPr lang="ko-KR" altLang="en-US" sz="1600" dirty="0"/>
+              <a:t>를 사람들이 쓰기 쉬운 이름</a:t>
+            </a:r>
+            <a:r>
+              <a:rPr lang="en-US" altLang="ko-KR" sz="1600" dirty="0"/>
+              <a:t>(</a:t>
+            </a:r>
+            <a:r>
+              <a:rPr lang="ko-KR" altLang="en-US" sz="1600" dirty="0"/>
+              <a:t>별칭</a:t>
+            </a:r>
+            <a:r>
+              <a:rPr lang="en-US" altLang="ko-KR" sz="1600" dirty="0"/>
+              <a:t>)</a:t>
+            </a:r>
+            <a:r>
+              <a:rPr lang="ko-KR" altLang="en-US" sz="1600" dirty="0"/>
+              <a:t>으로 변환하여 사용하는 시스템입니다</a:t>
+            </a:r>
+            <a:endParaRPr lang="en-US" altLang="ko-KR" sz="1600" dirty="0"/>
+          </a:p>
+          <a:p>
+            <a:r>
+              <a:rPr lang="en-US" altLang="ko-KR" sz="1600" dirty="0"/>
+              <a:t>FQDN(Fully Qualified Domain Name)</a:t>
+            </a:r>
+            <a:r>
+              <a:rPr lang="ko-KR" altLang="en-US" sz="1600" dirty="0"/>
+              <a:t>은 도메인의 </a:t>
+            </a:r>
+            <a:r>
+              <a:rPr lang="ko-KR" altLang="en-US" sz="1600" dirty="0" err="1"/>
+              <a:t>풀네임으로</a:t>
+            </a:r>
+            <a:r>
+              <a:rPr lang="en-US" altLang="ko-KR" sz="1600" dirty="0"/>
+              <a:t>,</a:t>
+            </a:r>
+            <a:br>
+              <a:rPr lang="en-US" altLang="ko-KR" sz="1600" dirty="0"/>
+            </a:br>
+            <a:r>
+              <a:rPr lang="en-US" altLang="ko-KR" sz="1600" dirty="0"/>
+              <a:t>{</a:t>
+            </a:r>
+            <a:r>
+              <a:rPr lang="ko-KR" altLang="en-US" sz="1600" dirty="0"/>
+              <a:t>호스트 네임</a:t>
+            </a:r>
+            <a:r>
+              <a:rPr lang="en-US" altLang="ko-KR" sz="1600" dirty="0"/>
+              <a:t>}.{</a:t>
+            </a:r>
+            <a:r>
+              <a:rPr lang="ko-KR" altLang="en-US" sz="1600" dirty="0"/>
+              <a:t>도메인 네임</a:t>
+            </a:r>
+            <a:r>
+              <a:rPr lang="en-US" altLang="ko-KR" sz="1600" dirty="0"/>
+              <a:t>}</a:t>
+            </a:r>
+            <a:r>
+              <a:rPr lang="ko-KR" altLang="en-US" sz="1600" dirty="0"/>
+              <a:t>으로 구성된 것을 말합니다</a:t>
+            </a:r>
+            <a:br>
+              <a:rPr lang="en-US" altLang="ko-KR" sz="1600" dirty="0"/>
+            </a:br>
+            <a:r>
+              <a:rPr lang="ko-KR" altLang="en-US" sz="1600" dirty="0"/>
+              <a:t>예를 들어 </a:t>
+            </a:r>
+            <a:r>
+              <a:rPr lang="en-US" altLang="ko-KR" sz="1600" dirty="0"/>
+              <a:t>www.minuset.com</a:t>
+            </a:r>
+            <a:r>
+              <a:rPr lang="ko-KR" altLang="en-US" sz="1600" dirty="0"/>
+              <a:t>이면</a:t>
+            </a:r>
+            <a:r>
+              <a:rPr lang="en-US" altLang="ko-KR" sz="1600" dirty="0"/>
+              <a:t>, </a:t>
+            </a:r>
+            <a:r>
+              <a:rPr lang="ko-KR" altLang="en-US" sz="1600" dirty="0"/>
+              <a:t>호스트 네임은 </a:t>
+            </a:r>
+            <a:r>
+              <a:rPr lang="en-US" altLang="ko-KR" sz="1600" dirty="0"/>
+              <a:t>www</a:t>
+            </a:r>
+            <a:r>
+              <a:rPr lang="ko-KR" altLang="en-US" sz="1600" dirty="0"/>
+              <a:t>이고</a:t>
+            </a:r>
+            <a:r>
+              <a:rPr lang="en-US" altLang="ko-KR" sz="1600" dirty="0"/>
+              <a:t>, </a:t>
+            </a:r>
+            <a:r>
+              <a:rPr lang="ko-KR" altLang="en-US" sz="1600" dirty="0"/>
+              <a:t>도메인 네임은 </a:t>
+            </a:r>
+            <a:r>
+              <a:rPr lang="en-US" altLang="ko-KR" sz="1600" dirty="0"/>
+              <a:t>minuset.com</a:t>
+            </a:r>
+            <a:r>
+              <a:rPr lang="ko-KR" altLang="en-US" sz="1600" dirty="0"/>
+              <a:t>이 됩니다</a:t>
+            </a:r>
+            <a:endParaRPr lang="en-US" altLang="ko-KR" sz="1600" dirty="0"/>
+          </a:p>
+          <a:p>
+            <a:r>
+              <a:rPr lang="ko-KR" altLang="en-US" sz="1600" dirty="0"/>
+              <a:t>도메인의 시스템은 상위 도메인일수록 </a:t>
+            </a:r>
+            <a:r>
+              <a:rPr lang="en-US" altLang="ko-KR" sz="1600" dirty="0"/>
+              <a:t>.</a:t>
+            </a:r>
+            <a:r>
+              <a:rPr lang="ko-KR" altLang="en-US" sz="1600" dirty="0"/>
+              <a:t> 의 우측으로 가는 구조이고</a:t>
+            </a:r>
+            <a:r>
+              <a:rPr lang="en-US" altLang="ko-KR" sz="1600" dirty="0"/>
+              <a:t>,</a:t>
+            </a:r>
+            <a:br>
+              <a:rPr lang="en-US" altLang="ko-KR" sz="1600" dirty="0"/>
+            </a:br>
+            <a:r>
+              <a:rPr lang="ko-KR" altLang="en-US" sz="1600" dirty="0"/>
+              <a:t>하위 도메인일수록 </a:t>
+            </a:r>
+            <a:r>
+              <a:rPr lang="en-US" altLang="ko-KR" sz="1600" dirty="0"/>
+              <a:t>. </a:t>
+            </a:r>
+            <a:r>
+              <a:rPr lang="ko-KR" altLang="en-US" sz="1600" dirty="0"/>
+              <a:t>의 좌측으로 값이 추가되는 구조를 가집니다</a:t>
+            </a:r>
+            <a:r>
+              <a:rPr lang="en-US" altLang="ko-KR" sz="1600" dirty="0"/>
+              <a:t> (</a:t>
+            </a:r>
+            <a:r>
+              <a:rPr lang="ko-KR" altLang="en-US" sz="1600" dirty="0"/>
+              <a:t>즉</a:t>
+            </a:r>
+            <a:r>
+              <a:rPr lang="en-US" altLang="ko-KR" sz="1600" dirty="0"/>
+              <a:t>, minuset.com &gt; www.minuset.com)</a:t>
+            </a:r>
+          </a:p>
+          <a:p>
+            <a:r>
+              <a:rPr lang="en-US" altLang="ko-KR" sz="1600" dirty="0"/>
+              <a:t>TLD(Top Level Domain)</a:t>
+            </a:r>
+            <a:r>
+              <a:rPr lang="ko-KR" altLang="en-US" sz="1600" dirty="0"/>
+              <a:t>는 가장 오른쪽에 적힌 최상위 도메인 네임 입니다</a:t>
+            </a:r>
+            <a:endParaRPr lang="en-US" altLang="ko-KR" sz="1600" dirty="0"/>
+          </a:p>
+          <a:p>
+            <a:r>
+              <a:rPr lang="ko-KR" altLang="en-US" sz="1600" dirty="0"/>
+              <a:t>도메인의 계층은 실제로 </a:t>
+            </a:r>
+            <a:r>
+              <a:rPr lang="en-US" altLang="ko-KR" sz="1600" dirty="0"/>
+              <a:t>IP</a:t>
+            </a:r>
+            <a:r>
+              <a:rPr lang="ko-KR" altLang="en-US" sz="1600" dirty="0"/>
+              <a:t>로 변환할 때</a:t>
+            </a:r>
+            <a:r>
+              <a:rPr lang="en-US" altLang="ko-KR" sz="1600" dirty="0"/>
+              <a:t>, </a:t>
+            </a:r>
+            <a:r>
+              <a:rPr lang="ko-KR" altLang="en-US" sz="1600" dirty="0"/>
+              <a:t>보다 더 빠르게 찾아 낼 수 있도록 하는 원리도 있습니다</a:t>
+            </a:r>
+            <a:endParaRPr lang="en-US" altLang="ko-KR" sz="1600" dirty="0"/>
+          </a:p>
+          <a:p>
+            <a:r>
+              <a:rPr lang="ko-KR" altLang="en-US" sz="1600" dirty="0"/>
+              <a:t>최상위 도메인은 해당 도메인의 가장 높은 책임을 가지기 때문에</a:t>
+            </a:r>
+            <a:r>
+              <a:rPr lang="en-US" altLang="ko-KR" sz="1600" dirty="0"/>
+              <a:t>,</a:t>
+            </a:r>
+            <a:br>
+              <a:rPr lang="en-US" altLang="ko-KR" sz="1600" dirty="0"/>
+            </a:br>
+            <a:r>
+              <a:rPr lang="ko-KR" altLang="en-US" sz="1600" dirty="0"/>
+              <a:t>가장 먼저 도달해서 </a:t>
+            </a:r>
+            <a:r>
+              <a:rPr lang="en-US" altLang="ko-KR" sz="1600" dirty="0"/>
+              <a:t>IP</a:t>
+            </a:r>
+            <a:r>
+              <a:rPr lang="ko-KR" altLang="en-US" sz="1600" dirty="0"/>
+              <a:t>를 물어보고</a:t>
+            </a:r>
+            <a:r>
+              <a:rPr lang="en-US" altLang="ko-KR" sz="1600" dirty="0"/>
+              <a:t> </a:t>
+            </a:r>
+            <a:r>
+              <a:rPr lang="ko-KR" altLang="en-US" sz="1600" dirty="0"/>
+              <a:t>다음 하위 도메인 소유지로 가서 물어보고</a:t>
+            </a:r>
+            <a:br>
+              <a:rPr lang="en-US" altLang="ko-KR" sz="1600" dirty="0"/>
+            </a:br>
+            <a:r>
+              <a:rPr lang="ko-KR" altLang="en-US" sz="1600" dirty="0"/>
+              <a:t>도메인 네임에 대해서 관할</a:t>
+            </a:r>
+            <a:r>
+              <a:rPr lang="en-US" altLang="ko-KR" sz="1600" dirty="0"/>
+              <a:t>IP</a:t>
+            </a:r>
+            <a:r>
+              <a:rPr lang="ko-KR" altLang="en-US" sz="1600" dirty="0"/>
+              <a:t>를 찾고 나면</a:t>
+            </a:r>
+            <a:r>
+              <a:rPr lang="en-US" altLang="ko-KR" sz="1600" dirty="0"/>
+              <a:t>, </a:t>
+            </a:r>
+            <a:r>
+              <a:rPr lang="ko-KR" altLang="en-US" sz="1600" dirty="0"/>
+              <a:t>호스트 네임이 어떤 </a:t>
+            </a:r>
+            <a:r>
+              <a:rPr lang="en-US" altLang="ko-KR" sz="1600" dirty="0"/>
+              <a:t>IP</a:t>
+            </a:r>
+            <a:r>
+              <a:rPr lang="ko-KR" altLang="en-US" sz="1600" dirty="0"/>
+              <a:t>로 포워딩 되어 있는지 확인하여</a:t>
+            </a:r>
+            <a:br>
+              <a:rPr lang="en-US" altLang="ko-KR" sz="1600" dirty="0"/>
+            </a:br>
+            <a:r>
+              <a:rPr lang="ko-KR" altLang="en-US" sz="1600" dirty="0"/>
+              <a:t>최종적인 </a:t>
+            </a:r>
+            <a:r>
+              <a:rPr lang="en-US" altLang="ko-KR" sz="1600" dirty="0"/>
+              <a:t>IP</a:t>
+            </a:r>
+            <a:r>
+              <a:rPr lang="ko-KR" altLang="en-US" sz="1600" dirty="0"/>
+              <a:t>를 알아내는 과정을 거칩니다</a:t>
+            </a:r>
+            <a:endParaRPr lang="en-US" altLang="ko-KR" sz="1600" dirty="0"/>
+          </a:p>
+          <a:p>
+            <a:r>
+              <a:rPr lang="en-US" altLang="ko-KR" sz="1600" dirty="0"/>
+              <a:t>TLD</a:t>
+            </a:r>
+            <a:r>
+              <a:rPr lang="ko-KR" altLang="en-US" sz="1600" dirty="0"/>
+              <a:t>네임서버는 </a:t>
+            </a:r>
+            <a:r>
+              <a:rPr lang="en-US" altLang="ko-KR" sz="1600" dirty="0"/>
+              <a:t>IANA(Internet Assigned Numbers Authority)</a:t>
+            </a:r>
+            <a:r>
+              <a:rPr lang="ko-KR" altLang="en-US" sz="1600" dirty="0"/>
+              <a:t>가 관리하는데</a:t>
+            </a:r>
+            <a:r>
+              <a:rPr lang="en-US" altLang="ko-KR" sz="1600" dirty="0"/>
+              <a:t>,</a:t>
+            </a:r>
+            <a:br>
+              <a:rPr lang="en-US" altLang="ko-KR" sz="1600" dirty="0"/>
+            </a:br>
+            <a:r>
+              <a:rPr lang="en-US" altLang="ko-KR" sz="1600" dirty="0"/>
+              <a:t>IANA</a:t>
+            </a:r>
+            <a:r>
+              <a:rPr lang="ko-KR" altLang="en-US" sz="1600" dirty="0"/>
+              <a:t>는 </a:t>
+            </a:r>
+            <a:r>
+              <a:rPr lang="en-US" altLang="ko-KR" sz="1600" dirty="0"/>
+              <a:t>TLD</a:t>
+            </a:r>
+            <a:r>
+              <a:rPr lang="ko-KR" altLang="en-US" sz="1600" dirty="0"/>
+              <a:t>를 </a:t>
+            </a:r>
+            <a:r>
+              <a:rPr lang="en-US" altLang="ko-KR" sz="1600" dirty="0"/>
+              <a:t>1. </a:t>
+            </a:r>
+            <a:r>
+              <a:rPr lang="ko-KR" altLang="en-US" sz="1600" dirty="0"/>
+              <a:t>일반 최상위 도메인</a:t>
+            </a:r>
+            <a:r>
+              <a:rPr lang="en-US" altLang="ko-KR" sz="1600" dirty="0"/>
+              <a:t>(.com,</a:t>
+            </a:r>
+            <a:r>
+              <a:rPr lang="ko-KR" altLang="en-US" sz="1600" dirty="0"/>
+              <a:t> </a:t>
+            </a:r>
+            <a:r>
+              <a:rPr lang="en-US" altLang="ko-KR" sz="1600" dirty="0" err="1"/>
+              <a:t>.net</a:t>
+            </a:r>
+            <a:r>
+              <a:rPr lang="en-US" altLang="ko-KR" sz="1600" dirty="0"/>
+              <a:t>,</a:t>
+            </a:r>
+            <a:r>
+              <a:rPr lang="ko-KR" altLang="en-US" sz="1600" dirty="0"/>
+              <a:t> </a:t>
+            </a:r>
+            <a:r>
+              <a:rPr lang="en-US" altLang="ko-KR" sz="1600" dirty="0"/>
+              <a:t>.org </a:t>
+            </a:r>
+            <a:r>
+              <a:rPr lang="ko-KR" altLang="en-US" sz="1600" dirty="0"/>
+              <a:t>등</a:t>
+            </a:r>
+            <a:r>
+              <a:rPr lang="en-US" altLang="ko-KR" sz="1600" dirty="0"/>
+              <a:t>), 2. </a:t>
+            </a:r>
+            <a:r>
+              <a:rPr lang="ko-KR" altLang="en-US" sz="1600" dirty="0"/>
+              <a:t>국가 코드 도메인</a:t>
+            </a:r>
+            <a:r>
+              <a:rPr lang="en-US" altLang="ko-KR" sz="1600" dirty="0"/>
+              <a:t>(.</a:t>
+            </a:r>
+            <a:r>
+              <a:rPr lang="en-US" altLang="ko-KR" sz="1600" dirty="0" err="1"/>
+              <a:t>kr</a:t>
+            </a:r>
+            <a:r>
+              <a:rPr lang="en-US" altLang="ko-KR" sz="1600" dirty="0"/>
+              <a:t>,</a:t>
+            </a:r>
+            <a:r>
+              <a:rPr lang="ko-KR" altLang="en-US" sz="1600" dirty="0"/>
+              <a:t> </a:t>
+            </a:r>
+            <a:r>
+              <a:rPr lang="en-US" altLang="ko-KR" sz="1600" dirty="0"/>
+              <a:t>.</a:t>
+            </a:r>
+            <a:r>
+              <a:rPr lang="en-US" altLang="ko-KR" sz="1600" dirty="0" err="1"/>
+              <a:t>uk</a:t>
+            </a:r>
+            <a:r>
+              <a:rPr lang="en-US" altLang="ko-KR" sz="1600" dirty="0"/>
+              <a:t>,.us</a:t>
+            </a:r>
+            <a:r>
+              <a:rPr lang="ko-KR" altLang="en-US" sz="1600" dirty="0"/>
+              <a:t>등</a:t>
+            </a:r>
+            <a:r>
+              <a:rPr lang="en-US" altLang="ko-KR" sz="1600" dirty="0"/>
+              <a:t>)</a:t>
+            </a:r>
+            <a:br>
+              <a:rPr lang="en-US" altLang="ko-KR" sz="1600" dirty="0"/>
+            </a:br>
+            <a:r>
+              <a:rPr lang="ko-KR" altLang="en-US" sz="1600" dirty="0"/>
+              <a:t>두 가지로 구별합니다 </a:t>
+            </a:r>
+            <a:r>
+              <a:rPr lang="en-US" altLang="ko-KR" sz="1600" dirty="0"/>
+              <a:t>(</a:t>
+            </a:r>
+            <a:r>
+              <a:rPr lang="ko-KR" altLang="en-US" sz="1600" dirty="0"/>
+              <a:t>참고로 일반은 국가에 귀속되지 않은 도메인이라 볼 수 있습니다</a:t>
+            </a:r>
+            <a:r>
+              <a:rPr lang="en-US" altLang="ko-KR" sz="1600" dirty="0"/>
+              <a:t>)</a:t>
+            </a:r>
+            <a:endParaRPr lang="ko-KR" altLang="en-US" sz="1600" dirty="0"/>
           </a:p>
         </p:txBody>
       </p:sp>
     </p:spTree>
     <p:extLst>
       <p:ext uri="{BB962C8B-B14F-4D97-AF65-F5344CB8AC3E}">
-        <p14:creationId xmlns:p14="http://schemas.microsoft.com/office/powerpoint/2010/main" val="3109474038"/>
+        <p14:creationId xmlns:p14="http://schemas.microsoft.com/office/powerpoint/2010/main" val="1869338853"/>
       </p:ext>
     </p:extLst>
   </p:cSld>
@@ -7315,7 +13025,7 @@
           <p:cNvPr id="2" name="제목 1">
             <a:extLst>
               <a:ext uri="{FF2B5EF4-FFF2-40B4-BE49-F238E27FC236}">
-                <a16:creationId xmlns:a16="http://schemas.microsoft.com/office/drawing/2014/main" id="{5D94D8BA-380F-3F19-F393-99B71E767CB2}"/>
+                <a16:creationId xmlns:a16="http://schemas.microsoft.com/office/drawing/2014/main" id="{95D2A2C0-F62E-C5D4-ED9E-FC2A8F02F137}"/>
               </a:ext>
             </a:extLst>
           </p:cNvPr>
@@ -7333,7 +13043,7 @@
           <a:p>
             <a:r>
               <a:rPr lang="en-US" altLang="ko-KR" dirty="0"/>
-              <a:t>Port</a:t>
+              <a:t>Name Server</a:t>
             </a:r>
             <a:endParaRPr lang="ko-KR" altLang="en-US" dirty="0"/>
           </a:p>
@@ -7344,7 +13054,7 @@
           <p:cNvPr id="3" name="내용 개체 틀 2">
             <a:extLst>
               <a:ext uri="{FF2B5EF4-FFF2-40B4-BE49-F238E27FC236}">
-                <a16:creationId xmlns:a16="http://schemas.microsoft.com/office/drawing/2014/main" id="{6D759395-EC2C-0445-27C4-B64B70643168}"/>
+                <a16:creationId xmlns:a16="http://schemas.microsoft.com/office/drawing/2014/main" id="{16ECAB24-B364-B3A3-FFC6-38B5C243306F}"/>
               </a:ext>
             </a:extLst>
           </p:cNvPr>
@@ -7355,19 +13065,418 @@
             <p:ph idx="1"/>
           </p:nvPr>
         </p:nvSpPr>
-        <p:spPr/>
+        <p:spPr>
+          <a:xfrm>
+            <a:off x="762000" y="1765139"/>
+            <a:ext cx="10668000" cy="5034078"/>
+          </a:xfrm>
+        </p:spPr>
         <p:txBody>
           <a:bodyPr/>
           <a:lstStyle/>
           <a:p>
-            <a:endParaRPr lang="ko-KR" altLang="en-US"/>
+            <a:r>
+              <a:rPr lang="ko-KR" altLang="en-US" sz="1600" dirty="0"/>
+              <a:t>네임서버</a:t>
+            </a:r>
+            <a:r>
+              <a:rPr lang="en-US" altLang="ko-KR" sz="1600" dirty="0"/>
+              <a:t>(</a:t>
+            </a:r>
+            <a:r>
+              <a:rPr lang="en-US" altLang="ko-KR" sz="1600" dirty="0" err="1"/>
+              <a:t>NameServer</a:t>
+            </a:r>
+            <a:r>
+              <a:rPr lang="en-US" altLang="ko-KR" sz="1600" dirty="0"/>
+              <a:t>)</a:t>
+            </a:r>
+            <a:r>
+              <a:rPr lang="ko-KR" altLang="en-US" sz="1600" dirty="0"/>
+              <a:t>는 여러 </a:t>
+            </a:r>
+            <a:r>
+              <a:rPr lang="en-US" altLang="ko-KR" sz="1600" dirty="0"/>
+              <a:t>DNS</a:t>
+            </a:r>
+            <a:r>
+              <a:rPr lang="ko-KR" altLang="en-US" sz="1600" dirty="0"/>
+              <a:t>를 </a:t>
+            </a:r>
+            <a:r>
+              <a:rPr lang="en-US" altLang="ko-KR" sz="1600" dirty="0"/>
+              <a:t>IP</a:t>
+            </a:r>
+            <a:r>
+              <a:rPr lang="ko-KR" altLang="en-US" sz="1600" dirty="0"/>
+              <a:t>와 페어로 테이블의 형태로 들고 있는 서버로</a:t>
+            </a:r>
+            <a:br>
+              <a:rPr lang="en-US" altLang="ko-KR" sz="1600" dirty="0"/>
+            </a:br>
+            <a:r>
+              <a:rPr lang="en-US" altLang="ko-KR" sz="1600" dirty="0"/>
+              <a:t>UDP:53</a:t>
+            </a:r>
+            <a:r>
+              <a:rPr lang="ko-KR" altLang="en-US" sz="1600" dirty="0"/>
+              <a:t>을 사용하여 클라이언트가 원하는 도메인</a:t>
+            </a:r>
+            <a:r>
+              <a:rPr lang="en-US" altLang="ko-KR" sz="1600" dirty="0"/>
+              <a:t>, IP</a:t>
+            </a:r>
+            <a:r>
+              <a:rPr lang="ko-KR" altLang="en-US" sz="1600" dirty="0"/>
+              <a:t>주소를 자신의 테이블에서 조회하여 알려주거나</a:t>
+            </a:r>
+            <a:br>
+              <a:rPr lang="en-US" altLang="ko-KR" sz="1600" dirty="0"/>
+            </a:br>
+            <a:r>
+              <a:rPr lang="ko-KR" altLang="en-US" sz="1600" dirty="0"/>
+              <a:t>자신도 모르는 도메인이면</a:t>
+            </a:r>
+            <a:r>
+              <a:rPr lang="en-US" altLang="ko-KR" sz="1600" dirty="0"/>
+              <a:t> </a:t>
+            </a:r>
+            <a:r>
+              <a:rPr lang="ko-KR" altLang="en-US" sz="1600" dirty="0"/>
+              <a:t>수소문해주는 역할을 수행한 뒤</a:t>
+            </a:r>
+            <a:r>
+              <a:rPr lang="en-US" altLang="ko-KR" sz="1600" dirty="0"/>
+              <a:t>,</a:t>
+            </a:r>
+            <a:br>
+              <a:rPr lang="en-US" altLang="ko-KR" sz="1600" dirty="0"/>
+            </a:br>
+            <a:r>
+              <a:rPr lang="ko-KR" altLang="en-US" sz="1600" dirty="0"/>
+              <a:t>존재하는 </a:t>
+            </a:r>
+            <a:r>
+              <a:rPr lang="en-US" altLang="ko-KR" sz="1600" dirty="0"/>
+              <a:t>DNS</a:t>
+            </a:r>
+            <a:r>
+              <a:rPr lang="ko-KR" altLang="en-US" sz="1600" dirty="0"/>
+              <a:t>면 업데이트를 하면서</a:t>
+            </a:r>
+            <a:r>
+              <a:rPr lang="en-US" altLang="ko-KR" sz="1600" dirty="0"/>
+              <a:t> </a:t>
+            </a:r>
+            <a:r>
+              <a:rPr lang="ko-KR" altLang="en-US" sz="1600" dirty="0"/>
+              <a:t>알려주는 역할을 수행합니다</a:t>
+            </a:r>
+            <a:endParaRPr lang="en-US" altLang="ko-KR" sz="1600" dirty="0"/>
+          </a:p>
+          <a:p>
+            <a:r>
+              <a:rPr lang="ko-KR" altLang="en-US" sz="1600" dirty="0"/>
+              <a:t>클라이언트가 네임서버에게 물어보는 순서는</a:t>
+            </a:r>
+            <a:r>
+              <a:rPr lang="en-US" altLang="ko-KR" sz="1600" dirty="0"/>
+              <a:t> </a:t>
+            </a:r>
+            <a:r>
+              <a:rPr lang="ko-KR" altLang="en-US" sz="1600" dirty="0"/>
+              <a:t>다음과 같습니다</a:t>
+            </a:r>
+            <a:endParaRPr lang="en-US" altLang="ko-KR" sz="1600" dirty="0"/>
+          </a:p>
+          <a:p>
+            <a:pPr marL="342900" indent="-342900">
+              <a:buFont typeface="+mj-lt"/>
+              <a:buAutoNum type="arabicPeriod"/>
+            </a:pPr>
+            <a:r>
+              <a:rPr lang="ko-KR" altLang="en-US" sz="1600" dirty="0"/>
+              <a:t>클라이언트가 알고 있는 </a:t>
+            </a:r>
+            <a:r>
+              <a:rPr lang="en-US" altLang="ko-KR" sz="1600" dirty="0"/>
+              <a:t>DNS</a:t>
+            </a:r>
+            <a:r>
+              <a:rPr lang="ko-KR" altLang="en-US" sz="1600" dirty="0"/>
+              <a:t>서버에게 먼저</a:t>
+            </a:r>
+            <a:br>
+              <a:rPr lang="en-US" altLang="ko-KR" sz="1600" dirty="0"/>
+            </a:br>
+            <a:r>
+              <a:rPr lang="ko-KR" altLang="en-US" sz="1600" dirty="0"/>
+              <a:t>물어봅니다 </a:t>
+            </a:r>
+            <a:r>
+              <a:rPr lang="en-US" altLang="ko-KR" sz="1600" dirty="0"/>
+              <a:t>(Local</a:t>
+            </a:r>
+            <a:r>
+              <a:rPr lang="ko-KR" altLang="en-US" sz="1600" dirty="0"/>
+              <a:t> </a:t>
+            </a:r>
+            <a:r>
+              <a:rPr lang="en-US" altLang="ko-KR" sz="1600" dirty="0"/>
+              <a:t>DNS</a:t>
+            </a:r>
+            <a:r>
+              <a:rPr lang="ko-KR" altLang="en-US" sz="1600" dirty="0"/>
+              <a:t> </a:t>
+            </a:r>
+            <a:r>
+              <a:rPr lang="en-US" altLang="ko-KR" sz="1600" dirty="0"/>
+              <a:t>Server)</a:t>
+            </a:r>
+          </a:p>
+          <a:p>
+            <a:pPr marL="342900" indent="-342900">
+              <a:buFont typeface="+mj-lt"/>
+              <a:buAutoNum type="arabicPeriod"/>
+            </a:pPr>
+            <a:r>
+              <a:rPr lang="ko-KR" altLang="en-US" sz="1600" dirty="0"/>
+              <a:t>로컬</a:t>
+            </a:r>
+            <a:r>
+              <a:rPr lang="en-US" altLang="ko-KR" sz="1600" dirty="0"/>
+              <a:t>DNS</a:t>
+            </a:r>
+            <a:r>
+              <a:rPr lang="ko-KR" altLang="en-US" sz="1600" dirty="0"/>
+              <a:t>서버가 해당 </a:t>
+            </a:r>
+            <a:r>
+              <a:rPr lang="en-US" altLang="ko-KR" sz="1600" dirty="0"/>
+              <a:t>DNS</a:t>
+            </a:r>
+            <a:r>
+              <a:rPr lang="ko-KR" altLang="en-US" sz="1600" dirty="0"/>
+              <a:t>를 모르거나</a:t>
+            </a:r>
+            <a:r>
+              <a:rPr lang="en-US" altLang="ko-KR" sz="1600" dirty="0"/>
+              <a:t>,</a:t>
+            </a:r>
+            <a:br>
+              <a:rPr lang="en-US" altLang="ko-KR" sz="1600" dirty="0"/>
+            </a:br>
+            <a:r>
+              <a:rPr lang="ko-KR" altLang="en-US" sz="1600" dirty="0"/>
+              <a:t>장시간 물어보는 클라이언트가 없어</a:t>
+            </a:r>
+            <a:br>
+              <a:rPr lang="en-US" altLang="ko-KR" sz="1600" dirty="0"/>
+            </a:br>
+            <a:r>
+              <a:rPr lang="en-US" altLang="ko-KR" sz="1600" dirty="0"/>
+              <a:t>DNS</a:t>
+            </a:r>
+            <a:r>
+              <a:rPr lang="ko-KR" altLang="en-US" sz="1600" dirty="0"/>
+              <a:t>캐시에서 삭제가 되었으면</a:t>
+            </a:r>
+            <a:r>
+              <a:rPr lang="en-US" altLang="ko-KR" sz="1600" dirty="0"/>
+              <a:t>,</a:t>
+            </a:r>
+            <a:br>
+              <a:rPr lang="en-US" altLang="ko-KR" sz="1600" dirty="0"/>
+            </a:br>
+            <a:r>
+              <a:rPr lang="en-US" altLang="ko-KR" sz="1600" dirty="0"/>
+              <a:t>BGP(</a:t>
+            </a:r>
+            <a:r>
+              <a:rPr lang="en-US" altLang="ko-KR" sz="1600" dirty="0" err="1"/>
+              <a:t>AnyCast</a:t>
+            </a:r>
+            <a:r>
+              <a:rPr lang="en-US" altLang="ko-KR" sz="1600" dirty="0"/>
+              <a:t>)</a:t>
+            </a:r>
+            <a:r>
+              <a:rPr lang="ko-KR" altLang="en-US" sz="1600" dirty="0"/>
+              <a:t>를 통하여</a:t>
+            </a:r>
+            <a:r>
+              <a:rPr lang="en-US" altLang="ko-KR" sz="1600" dirty="0"/>
+              <a:t> </a:t>
+            </a:r>
+            <a:r>
+              <a:rPr lang="ko-KR" altLang="en-US" sz="1600" dirty="0"/>
+              <a:t>대신 </a:t>
+            </a:r>
+            <a:r>
+              <a:rPr lang="en-US" altLang="ko-KR" sz="1600" dirty="0"/>
+              <a:t>DNS</a:t>
+            </a:r>
+            <a:r>
+              <a:rPr lang="ko-KR" altLang="en-US" sz="1600" dirty="0"/>
+              <a:t>에 대한 수소문을 해줍니다</a:t>
+            </a:r>
+            <a:endParaRPr lang="en-US" altLang="ko-KR" sz="1600" dirty="0"/>
+          </a:p>
+          <a:p>
+            <a:pPr marL="342900" indent="-342900">
+              <a:buFont typeface="+mj-lt"/>
+              <a:buAutoNum type="arabicPeriod"/>
+            </a:pPr>
+            <a:r>
+              <a:rPr lang="ko-KR" altLang="en-US" sz="1600" dirty="0"/>
+              <a:t>수소문은 가장 효율적인 루트 네임 서버</a:t>
+            </a:r>
+            <a:r>
+              <a:rPr lang="en-US" altLang="ko-KR" sz="1600" dirty="0"/>
+              <a:t>(root-servers.org)</a:t>
+            </a:r>
+            <a:br>
+              <a:rPr lang="en-US" altLang="ko-KR" sz="1600" dirty="0"/>
+            </a:br>
+            <a:r>
+              <a:rPr lang="en-US" altLang="ko-KR" sz="1600" dirty="0"/>
+              <a:t>-&gt; TLD </a:t>
+            </a:r>
+            <a:r>
+              <a:rPr lang="ko-KR" altLang="en-US" sz="1600" dirty="0"/>
+              <a:t>네임 서버</a:t>
+            </a:r>
+            <a:r>
+              <a:rPr lang="en-US" altLang="ko-KR" sz="1600" dirty="0"/>
+              <a:t>(iana.org) -&gt; </a:t>
+            </a:r>
+            <a:r>
+              <a:rPr lang="ko-KR" altLang="en-US" sz="1600" dirty="0"/>
+              <a:t>책임 네임 서버</a:t>
+            </a:r>
+            <a:r>
+              <a:rPr lang="en-US" altLang="ko-KR" sz="1600" dirty="0"/>
+              <a:t>(</a:t>
+            </a:r>
+            <a:r>
+              <a:rPr lang="en-US" altLang="ko-KR" sz="1600" dirty="0" err="1"/>
+              <a:t>CloudFlare</a:t>
+            </a:r>
+            <a:r>
+              <a:rPr lang="ko-KR" altLang="en-US" sz="1600" dirty="0"/>
+              <a:t>나 </a:t>
+            </a:r>
+            <a:r>
+              <a:rPr lang="en-US" altLang="ko-KR" sz="1600" dirty="0"/>
+              <a:t>Hosting.kr, </a:t>
+            </a:r>
+            <a:r>
+              <a:rPr lang="en-US" altLang="ko-KR" sz="1600" dirty="0" err="1"/>
+              <a:t>Gabia</a:t>
+            </a:r>
+            <a:r>
+              <a:rPr lang="ko-KR" altLang="en-US" sz="1600" dirty="0"/>
+              <a:t>등</a:t>
+            </a:r>
+            <a:r>
+              <a:rPr lang="en-US" altLang="ko-KR" sz="1600" dirty="0"/>
+              <a:t>)</a:t>
+            </a:r>
+            <a:r>
+              <a:rPr lang="ko-KR" altLang="en-US" sz="1600" dirty="0"/>
+              <a:t>의 순서로</a:t>
+            </a:r>
+            <a:br>
+              <a:rPr lang="en-US" altLang="ko-KR" sz="1600" dirty="0"/>
+            </a:br>
+            <a:r>
+              <a:rPr lang="ko-KR" altLang="en-US" sz="1600" dirty="0"/>
+              <a:t>수행한 뒤 </a:t>
+            </a:r>
+            <a:r>
+              <a:rPr lang="en-US" altLang="ko-KR" sz="1600" dirty="0"/>
+              <a:t>DNS</a:t>
+            </a:r>
+            <a:r>
+              <a:rPr lang="ko-KR" altLang="en-US" sz="1600" dirty="0"/>
+              <a:t>를 찾아내면</a:t>
+            </a:r>
+            <a:r>
+              <a:rPr lang="en-US" altLang="ko-KR" sz="1600" dirty="0"/>
+              <a:t>, </a:t>
+            </a:r>
+            <a:r>
+              <a:rPr lang="ko-KR" altLang="en-US" sz="1600" dirty="0"/>
+              <a:t>연관된 모든 네임서버가 </a:t>
+            </a:r>
+            <a:r>
+              <a:rPr lang="en-US" altLang="ko-KR" sz="1600" dirty="0"/>
+              <a:t>DNS </a:t>
+            </a:r>
+            <a:r>
+              <a:rPr lang="ko-KR" altLang="en-US" sz="1600" dirty="0"/>
+              <a:t>캐시테이블에 해당 </a:t>
+            </a:r>
+            <a:r>
+              <a:rPr lang="en-US" altLang="ko-KR" sz="1600" dirty="0"/>
+              <a:t>DNS</a:t>
+            </a:r>
+            <a:r>
+              <a:rPr lang="ko-KR" altLang="en-US" sz="1600" dirty="0"/>
+              <a:t>를 추가합니다</a:t>
+            </a:r>
+            <a:endParaRPr lang="en-US" altLang="ko-KR" sz="1600" dirty="0"/>
+          </a:p>
+          <a:p>
+            <a:r>
+              <a:rPr lang="ko-KR" altLang="en-US" sz="1600" dirty="0"/>
+              <a:t>모든 네임서버의 </a:t>
+            </a:r>
+            <a:r>
+              <a:rPr lang="en-US" altLang="ko-KR" sz="1600" dirty="0"/>
+              <a:t>DNS</a:t>
+            </a:r>
+            <a:r>
+              <a:rPr lang="ko-KR" altLang="en-US" sz="1600" dirty="0"/>
+              <a:t>캐시는 일정 시간동안 호출하지 않으면 자동적으로 지워지는 특성을 가집니다</a:t>
+            </a:r>
+            <a:endParaRPr lang="en-US" altLang="ko-KR" sz="1600" dirty="0"/>
           </a:p>
         </p:txBody>
       </p:sp>
+      <p:pic>
+        <p:nvPicPr>
+          <p:cNvPr id="5" name="그림 4">
+            <a:extLst>
+              <a:ext uri="{FF2B5EF4-FFF2-40B4-BE49-F238E27FC236}">
+                <a16:creationId xmlns:a16="http://schemas.microsoft.com/office/drawing/2014/main" id="{AADC6D66-F452-5AC6-AC80-8BB14E209C13}"/>
+              </a:ext>
+            </a:extLst>
+          </p:cNvPr>
+          <p:cNvPicPr>
+            <a:picLocks noChangeAspect="1"/>
+          </p:cNvPicPr>
+          <p:nvPr/>
+        </p:nvPicPr>
+        <p:blipFill rotWithShape="1">
+          <a:blip r:embed="rId2"/>
+          <a:srcRect l="1066" t="1870" r="1665" b="1499"/>
+          <a:stretch/>
+        </p:blipFill>
+        <p:spPr>
+          <a:xfrm>
+            <a:off x="7278892" y="2495005"/>
+            <a:ext cx="4849971" cy="3089366"/>
+          </a:xfrm>
+          <a:prstGeom prst="rect">
+            <a:avLst/>
+          </a:prstGeom>
+        </p:spPr>
+      </p:pic>
     </p:spTree>
     <p:extLst>
       <p:ext uri="{BB962C8B-B14F-4D97-AF65-F5344CB8AC3E}">
-        <p14:creationId xmlns:p14="http://schemas.microsoft.com/office/powerpoint/2010/main" val="3323394360"/>
+        <p14:creationId xmlns:p14="http://schemas.microsoft.com/office/powerpoint/2010/main" val="4231220933"/>
       </p:ext>
     </p:extLst>
   </p:cSld>
@@ -7399,7 +13508,7 @@
           <p:cNvPr id="2" name="제목 1">
             <a:extLst>
               <a:ext uri="{FF2B5EF4-FFF2-40B4-BE49-F238E27FC236}">
-                <a16:creationId xmlns:a16="http://schemas.microsoft.com/office/drawing/2014/main" id="{75DE5EB4-8537-5130-69BD-1FECD267B475}"/>
+                <a16:creationId xmlns:a16="http://schemas.microsoft.com/office/drawing/2014/main" id="{95D2A2C0-F62E-C5D4-ED9E-FC2A8F02F137}"/>
               </a:ext>
             </a:extLst>
           </p:cNvPr>
@@ -7417,7 +13526,7 @@
           <a:p>
             <a:r>
               <a:rPr lang="en-US" altLang="ko-KR" dirty="0"/>
-              <a:t>Multiplexing</a:t>
+              <a:t>Name Server</a:t>
             </a:r>
             <a:endParaRPr lang="ko-KR" altLang="en-US" dirty="0"/>
           </a:p>
@@ -7428,7 +13537,7 @@
           <p:cNvPr id="3" name="내용 개체 틀 2">
             <a:extLst>
               <a:ext uri="{FF2B5EF4-FFF2-40B4-BE49-F238E27FC236}">
-                <a16:creationId xmlns:a16="http://schemas.microsoft.com/office/drawing/2014/main" id="{AF38E50B-71DB-100E-AC1C-022AE5C3E79E}"/>
+                <a16:creationId xmlns:a16="http://schemas.microsoft.com/office/drawing/2014/main" id="{16ECAB24-B364-B3A3-FFC6-38B5C243306F}"/>
               </a:ext>
             </a:extLst>
           </p:cNvPr>
@@ -7439,19 +13548,389 @@
             <p:ph idx="1"/>
           </p:nvPr>
         </p:nvSpPr>
-        <p:spPr/>
+        <p:spPr>
+          <a:xfrm>
+            <a:off x="761999" y="1765139"/>
+            <a:ext cx="11154697" cy="5034078"/>
+          </a:xfrm>
+        </p:spPr>
         <p:txBody>
           <a:bodyPr/>
           <a:lstStyle/>
           <a:p>
-            <a:endParaRPr lang="ko-KR" altLang="en-US"/>
+            <a:r>
+              <a:rPr lang="ko-KR" altLang="en-US" sz="1600" dirty="0"/>
+              <a:t>네임서버가 만약</a:t>
+            </a:r>
+            <a:r>
+              <a:rPr lang="en-US" altLang="ko-KR" sz="1600" dirty="0"/>
+              <a:t>, DNS</a:t>
+            </a:r>
+            <a:r>
+              <a:rPr lang="ko-KR" altLang="en-US" sz="1600" dirty="0"/>
+              <a:t>를 찾아낸 경우에는 </a:t>
+            </a:r>
+            <a:r>
+              <a:rPr lang="en-US" altLang="ko-KR" sz="1600" dirty="0"/>
+              <a:t>Authoritative answer</a:t>
+            </a:r>
+            <a:r>
+              <a:rPr lang="ko-KR" altLang="en-US" sz="1600" dirty="0"/>
+              <a:t>와 답</a:t>
+            </a:r>
+            <a:r>
+              <a:rPr lang="en-US" altLang="ko-KR" sz="1600" dirty="0"/>
+              <a:t>(</a:t>
+            </a:r>
+            <a:r>
+              <a:rPr lang="ko-KR" altLang="en-US" sz="1600" dirty="0"/>
+              <a:t>해당 </a:t>
+            </a:r>
+            <a:r>
+              <a:rPr lang="en-US" altLang="ko-KR" sz="1600" dirty="0"/>
+              <a:t>IP)</a:t>
+            </a:r>
+            <a:r>
+              <a:rPr lang="ko-KR" altLang="en-US" sz="1600" dirty="0"/>
+              <a:t>을 주지만</a:t>
+            </a:r>
+            <a:r>
+              <a:rPr lang="en-US" altLang="ko-KR" sz="1600" dirty="0"/>
+              <a:t>,</a:t>
+            </a:r>
+            <a:br>
+              <a:rPr lang="en-US" altLang="ko-KR" sz="1600" dirty="0"/>
+            </a:br>
+            <a:r>
+              <a:rPr lang="en-US" altLang="ko-KR" sz="1600" dirty="0" err="1"/>
+              <a:t>AnyCast</a:t>
+            </a:r>
+            <a:r>
+              <a:rPr lang="en-US" altLang="ko-KR" sz="1600" dirty="0"/>
+              <a:t>(</a:t>
+            </a:r>
+            <a:r>
+              <a:rPr lang="ko-KR" altLang="en-US" sz="1600" dirty="0"/>
+              <a:t>수소문</a:t>
+            </a:r>
+            <a:r>
+              <a:rPr lang="en-US" altLang="ko-KR" sz="1600" dirty="0"/>
+              <a:t>)</a:t>
+            </a:r>
+            <a:r>
+              <a:rPr lang="ko-KR" altLang="en-US" sz="1600" dirty="0"/>
+              <a:t>방식으로도 답을 도저히 못 찾은 경우에는</a:t>
+            </a:r>
+            <a:br>
+              <a:rPr lang="en-US" altLang="ko-KR" sz="1600" dirty="0"/>
+            </a:br>
+            <a:r>
+              <a:rPr lang="en-US" altLang="ko-KR" sz="1600" dirty="0"/>
+              <a:t>Non-authoritative answer</a:t>
+            </a:r>
+            <a:r>
+              <a:rPr lang="ko-KR" altLang="en-US" sz="1600" dirty="0"/>
+              <a:t>와</a:t>
+            </a:r>
+            <a:r>
+              <a:rPr lang="en-US" altLang="ko-KR" sz="1600" dirty="0"/>
+              <a:t> </a:t>
+            </a:r>
+            <a:r>
+              <a:rPr lang="ko-KR" altLang="en-US" sz="1600" dirty="0"/>
+              <a:t>응답 또는 실패 결과를 줍니다</a:t>
+            </a:r>
+            <a:endParaRPr lang="en-US" altLang="ko-KR" sz="1600" dirty="0"/>
+          </a:p>
+          <a:p>
+            <a:r>
+              <a:rPr lang="en-US" altLang="ko-KR" sz="1600" dirty="0"/>
+              <a:t>DNS</a:t>
+            </a:r>
+            <a:r>
+              <a:rPr lang="ko-KR" altLang="en-US" sz="1600" dirty="0"/>
+              <a:t>는 그저 </a:t>
+            </a:r>
+            <a:r>
+              <a:rPr lang="en-US" altLang="ko-KR" sz="1600" dirty="0"/>
+              <a:t>IP</a:t>
+            </a:r>
+            <a:r>
+              <a:rPr lang="ko-KR" altLang="en-US" sz="1600" dirty="0"/>
+              <a:t>를 일대일 대응하는 용도로만 쓰이지는 않습니다</a:t>
+            </a:r>
+            <a:endParaRPr lang="en-US" altLang="ko-KR" sz="1600" dirty="0"/>
+          </a:p>
+          <a:p>
+            <a:r>
+              <a:rPr lang="en-US" altLang="ko-KR" sz="1600" dirty="0"/>
+              <a:t>DNS</a:t>
+            </a:r>
+            <a:r>
+              <a:rPr lang="ko-KR" altLang="en-US" sz="1600" dirty="0"/>
+              <a:t>가 제공하는 서비스로는 다음 </a:t>
+            </a:r>
+            <a:r>
+              <a:rPr lang="en-US" altLang="ko-KR" sz="1600" dirty="0"/>
+              <a:t>4</a:t>
+            </a:r>
+            <a:r>
+              <a:rPr lang="ko-KR" altLang="en-US" sz="1600" dirty="0"/>
+              <a:t>가지가 있습니다</a:t>
+            </a:r>
+            <a:endParaRPr lang="en-US" altLang="ko-KR" sz="1600" dirty="0"/>
+          </a:p>
+          <a:p>
+            <a:pPr marL="342900" indent="-342900">
+              <a:buFont typeface="+mj-lt"/>
+              <a:buAutoNum type="arabicPeriod"/>
+            </a:pPr>
+            <a:r>
+              <a:rPr lang="en-US" altLang="ko-KR" sz="1600" dirty="0"/>
+              <a:t>Hostname to IP: </a:t>
+            </a:r>
+            <a:r>
+              <a:rPr lang="ko-KR" altLang="en-US" sz="1600" dirty="0"/>
+              <a:t>호스트 네임을 </a:t>
+            </a:r>
+            <a:r>
+              <a:rPr lang="en-US" altLang="ko-KR" sz="1600" dirty="0"/>
+              <a:t>IP</a:t>
+            </a:r>
+            <a:r>
+              <a:rPr lang="ko-KR" altLang="en-US" sz="1600" dirty="0"/>
+              <a:t>주소로 변환해줍니다</a:t>
+            </a:r>
+            <a:endParaRPr lang="en-US" altLang="ko-KR" sz="1600" dirty="0"/>
+          </a:p>
+          <a:p>
+            <a:pPr marL="342900" indent="-342900">
+              <a:buFont typeface="+mj-lt"/>
+              <a:buAutoNum type="arabicPeriod"/>
+            </a:pPr>
+            <a:r>
+              <a:rPr lang="en-US" altLang="ko-KR" sz="1600" dirty="0"/>
+              <a:t>Host aliasing: </a:t>
+            </a:r>
+            <a:r>
+              <a:rPr lang="ko-KR" altLang="en-US" sz="1600" dirty="0"/>
+              <a:t>간단한 별칭 네임으로</a:t>
+            </a:r>
+            <a:br>
+              <a:rPr lang="en-US" altLang="ko-KR" sz="1600" dirty="0"/>
+            </a:br>
+            <a:r>
+              <a:rPr lang="ko-KR" altLang="en-US" sz="1600" dirty="0"/>
+              <a:t>복잡한 호스트 네임을 갈 수 있게 해줍니다</a:t>
+            </a:r>
+            <a:r>
+              <a:rPr lang="en-US" altLang="ko-KR" sz="1600" dirty="0"/>
+              <a:t> (</a:t>
+            </a:r>
+            <a:r>
+              <a:rPr lang="ko-KR" altLang="en-US" sz="1600" dirty="0"/>
+              <a:t>즉</a:t>
+            </a:r>
+            <a:r>
+              <a:rPr lang="en-US" altLang="ko-KR" sz="1600" dirty="0"/>
+              <a:t>, </a:t>
+            </a:r>
+            <a:r>
+              <a:rPr lang="ko-KR" altLang="en-US" sz="1600" dirty="0"/>
+              <a:t>다대일 구조</a:t>
+            </a:r>
+            <a:r>
+              <a:rPr lang="en-US" altLang="ko-KR" sz="1600" dirty="0"/>
+              <a:t>)</a:t>
+            </a:r>
+          </a:p>
+          <a:p>
+            <a:pPr marL="342900" indent="-342900">
+              <a:buFont typeface="+mj-lt"/>
+              <a:buAutoNum type="arabicPeriod"/>
+            </a:pPr>
+            <a:r>
+              <a:rPr lang="en-US" altLang="ko-KR" sz="1600" dirty="0"/>
+              <a:t>Load distribution: </a:t>
+            </a:r>
+            <a:r>
+              <a:rPr lang="ko-KR" altLang="en-US" sz="1600" dirty="0"/>
+              <a:t>하나의 도메인으로</a:t>
+            </a:r>
+            <a:r>
+              <a:rPr lang="en-US" altLang="ko-KR" sz="1600" dirty="0"/>
+              <a:t> </a:t>
+            </a:r>
+            <a:r>
+              <a:rPr lang="ko-KR" altLang="en-US" sz="1600" dirty="0"/>
+              <a:t>여러 </a:t>
+            </a:r>
+            <a:r>
+              <a:rPr lang="en-US" altLang="ko-KR" sz="1600" dirty="0"/>
+              <a:t>IP</a:t>
+            </a:r>
+            <a:r>
+              <a:rPr lang="ko-KR" altLang="en-US" sz="1600" dirty="0"/>
+              <a:t>를 연결하여</a:t>
+            </a:r>
+            <a:br>
+              <a:rPr lang="en-US" altLang="ko-KR" sz="1600" dirty="0"/>
+            </a:br>
+            <a:r>
+              <a:rPr lang="ko-KR" altLang="en-US" sz="1600" dirty="0"/>
+              <a:t>분산 접속을 할 수 있게 해줍니다 </a:t>
+            </a:r>
+            <a:r>
+              <a:rPr lang="en-US" altLang="ko-KR" sz="1600" dirty="0"/>
+              <a:t>(</a:t>
+            </a:r>
+            <a:r>
+              <a:rPr lang="ko-KR" altLang="en-US" sz="1600" dirty="0"/>
+              <a:t>즉</a:t>
+            </a:r>
+            <a:r>
+              <a:rPr lang="en-US" altLang="ko-KR" sz="1600" dirty="0"/>
+              <a:t>, </a:t>
+            </a:r>
+            <a:r>
+              <a:rPr lang="ko-KR" altLang="en-US" sz="1600" dirty="0"/>
+              <a:t>일대다 구조</a:t>
+            </a:r>
+            <a:r>
+              <a:rPr lang="en-US" altLang="ko-KR" sz="1600" dirty="0"/>
+              <a:t>)</a:t>
+            </a:r>
+          </a:p>
+          <a:p>
+            <a:pPr marL="342900" indent="-342900">
+              <a:buFont typeface="+mj-lt"/>
+              <a:buAutoNum type="arabicPeriod"/>
+            </a:pPr>
+            <a:r>
+              <a:rPr lang="en-US" altLang="ko-KR" sz="1600" dirty="0"/>
+              <a:t>Mail server aliasing: </a:t>
+            </a:r>
+            <a:r>
+              <a:rPr lang="ko-KR" altLang="en-US" sz="1600" dirty="0"/>
+              <a:t>특정 메일 주소를 간단한 별칭 도메인으로 연결시켜 줍니다</a:t>
+            </a:r>
+            <a:endParaRPr lang="en-US" altLang="ko-KR" sz="1600" dirty="0"/>
+          </a:p>
+          <a:p>
+            <a:r>
+              <a:rPr lang="en-US" altLang="ko-KR" sz="1600" dirty="0"/>
+              <a:t>2</a:t>
+            </a:r>
+            <a:r>
+              <a:rPr lang="ko-KR" altLang="en-US" sz="1600" dirty="0"/>
+              <a:t>번의 경우 가상 호스팅</a:t>
+            </a:r>
+            <a:r>
+              <a:rPr lang="en-US" altLang="ko-KR" sz="1600" dirty="0"/>
+              <a:t>(virtual hosting)</a:t>
+            </a:r>
+            <a:r>
+              <a:rPr lang="ko-KR" altLang="en-US" sz="1600" dirty="0"/>
+              <a:t>을 통하여 서버 측에서 어떤 도메인으로 들어왔는지에 따라</a:t>
+            </a:r>
+            <a:br>
+              <a:rPr lang="en-US" altLang="ko-KR" sz="1600" dirty="0"/>
+            </a:br>
+            <a:r>
+              <a:rPr lang="ko-KR" altLang="en-US" sz="1600" dirty="0"/>
+              <a:t>다르게 값을 보여주도록 할 수도 있습니다 </a:t>
+            </a:r>
+            <a:r>
+              <a:rPr lang="en-US" altLang="ko-KR" sz="1600" dirty="0"/>
+              <a:t>(Nginx</a:t>
+            </a:r>
+            <a:r>
+              <a:rPr lang="ko-KR" altLang="en-US" sz="1600" dirty="0"/>
+              <a:t>등에서 </a:t>
+            </a:r>
+            <a:r>
+              <a:rPr lang="en-US" altLang="ko-KR" sz="1600" dirty="0" err="1"/>
+              <a:t>Server_name</a:t>
+            </a:r>
+            <a:r>
+              <a:rPr lang="ko-KR" altLang="en-US" sz="1600" dirty="0"/>
+              <a:t>이 해당됨</a:t>
+            </a:r>
+            <a:r>
+              <a:rPr lang="en-US" altLang="ko-KR" sz="1600" dirty="0"/>
+              <a:t>)</a:t>
+            </a:r>
+          </a:p>
+          <a:p>
+            <a:r>
+              <a:rPr lang="en-US" altLang="ko-KR" sz="1600" dirty="0"/>
+              <a:t>3</a:t>
+            </a:r>
+            <a:r>
+              <a:rPr lang="ko-KR" altLang="en-US" sz="1600" dirty="0"/>
+              <a:t>번의 경우를 </a:t>
+            </a:r>
+            <a:r>
+              <a:rPr lang="en-US" altLang="ko-KR" sz="1600" dirty="0"/>
+              <a:t>Round-robin DNS</a:t>
+            </a:r>
+            <a:r>
+              <a:rPr lang="ko-KR" altLang="en-US" sz="1600" dirty="0"/>
+              <a:t>로도 표현하며</a:t>
+            </a:r>
+            <a:r>
+              <a:rPr lang="en-US" altLang="ko-KR" sz="1600" dirty="0"/>
+              <a:t>, </a:t>
+            </a:r>
+            <a:r>
+              <a:rPr lang="ko-KR" altLang="en-US" sz="1600" dirty="0"/>
+              <a:t>부하가 많이 걸리는 곳에 </a:t>
+            </a:r>
+            <a:r>
+              <a:rPr lang="en-US" altLang="ko-KR" sz="1600" dirty="0"/>
+              <a:t>Scale Out</a:t>
+            </a:r>
+            <a:r>
+              <a:rPr lang="ko-KR" altLang="en-US" sz="1600" dirty="0"/>
+              <a:t>의 형태로 자주 사용됩니다 </a:t>
+            </a:r>
+            <a:endParaRPr lang="en-US" altLang="ko-KR" sz="1600" dirty="0"/>
           </a:p>
         </p:txBody>
       </p:sp>
+      <p:pic>
+        <p:nvPicPr>
+          <p:cNvPr id="5" name="그림 4">
+            <a:extLst>
+              <a:ext uri="{FF2B5EF4-FFF2-40B4-BE49-F238E27FC236}">
+                <a16:creationId xmlns:a16="http://schemas.microsoft.com/office/drawing/2014/main" id="{AADC6D66-F452-5AC6-AC80-8BB14E209C13}"/>
+              </a:ext>
+            </a:extLst>
+          </p:cNvPr>
+          <p:cNvPicPr>
+            <a:picLocks noChangeAspect="1"/>
+          </p:cNvPicPr>
+          <p:nvPr/>
+        </p:nvPicPr>
+        <p:blipFill rotWithShape="1">
+          <a:blip r:embed="rId2"/>
+          <a:srcRect l="1066" t="1870" r="1665" b="1499"/>
+          <a:stretch/>
+        </p:blipFill>
+        <p:spPr>
+          <a:xfrm>
+            <a:off x="7263394" y="2217173"/>
+            <a:ext cx="4835971" cy="3080448"/>
+          </a:xfrm>
+          <a:prstGeom prst="rect">
+            <a:avLst/>
+          </a:prstGeom>
+        </p:spPr>
+      </p:pic>
     </p:spTree>
     <p:extLst>
       <p:ext uri="{BB962C8B-B14F-4D97-AF65-F5344CB8AC3E}">
-        <p14:creationId xmlns:p14="http://schemas.microsoft.com/office/powerpoint/2010/main" val="2113554795"/>
+        <p14:creationId xmlns:p14="http://schemas.microsoft.com/office/powerpoint/2010/main" val="2642415797"/>
       </p:ext>
     </p:extLst>
   </p:cSld>
@@ -7483,7 +13962,7 @@
           <p:cNvPr id="2" name="제목 1">
             <a:extLst>
               <a:ext uri="{FF2B5EF4-FFF2-40B4-BE49-F238E27FC236}">
-                <a16:creationId xmlns:a16="http://schemas.microsoft.com/office/drawing/2014/main" id="{F52BD87A-4D8D-C603-EB8D-673068AB8E10}"/>
+                <a16:creationId xmlns:a16="http://schemas.microsoft.com/office/drawing/2014/main" id="{97A9F311-12E7-B282-8702-4C5F22B6AA96}"/>
               </a:ext>
             </a:extLst>
           </p:cNvPr>
@@ -7501,12 +13980,9 @@
           <a:p>
             <a:r>
               <a:rPr lang="en-US" altLang="ko-KR" dirty="0"/>
-              <a:t>TCP </a:t>
-            </a:r>
-            <a:r>
-              <a:rPr lang="ko-KR" altLang="en-US" dirty="0"/>
-              <a:t>구조</a:t>
-            </a:r>
+              <a:t>DNS Record</a:t>
+            </a:r>
+            <a:endParaRPr lang="ko-KR" altLang="en-US" dirty="0"/>
           </a:p>
         </p:txBody>
       </p:sp>
@@ -7515,7 +13991,7 @@
           <p:cNvPr id="3" name="내용 개체 틀 2">
             <a:extLst>
               <a:ext uri="{FF2B5EF4-FFF2-40B4-BE49-F238E27FC236}">
-                <a16:creationId xmlns:a16="http://schemas.microsoft.com/office/drawing/2014/main" id="{B220F792-916D-0047-E121-C8239CC4A160}"/>
+                <a16:creationId xmlns:a16="http://schemas.microsoft.com/office/drawing/2014/main" id="{F121C0FD-C440-CC93-BEE6-B56968D8111D}"/>
               </a:ext>
             </a:extLst>
           </p:cNvPr>
@@ -7531,14 +14007,23 @@
           <a:bodyPr/>
           <a:lstStyle/>
           <a:p>
-            <a:endParaRPr lang="ko-KR" altLang="en-US"/>
+            <a:r>
+              <a:rPr lang="en-US" altLang="ko-KR" sz="1600" dirty="0">
+                <a:hlinkClick r:id="rId2"/>
+              </a:rPr>
+              <a:t>https://www.stevenjlee.net/2020/07/08/%EC%9D%B4%ED%95%B4%ED%95%98%EA%B8%B0-dns-domain-name-server/</a:t>
+            </a:r>
+            <a:endParaRPr lang="en-US" altLang="ko-KR" sz="1600" dirty="0"/>
+          </a:p>
+          <a:p>
+            <a:endParaRPr lang="ko-KR" altLang="en-US" sz="1600" dirty="0"/>
           </a:p>
         </p:txBody>
       </p:sp>
     </p:spTree>
     <p:extLst>
       <p:ext uri="{BB962C8B-B14F-4D97-AF65-F5344CB8AC3E}">
-        <p14:creationId xmlns:p14="http://schemas.microsoft.com/office/powerpoint/2010/main" val="2002850493"/>
+        <p14:creationId xmlns:p14="http://schemas.microsoft.com/office/powerpoint/2010/main" val="1184660918"/>
       </p:ext>
     </p:extLst>
   </p:cSld>
@@ -7570,7 +14055,7 @@
           <p:cNvPr id="2" name="제목 1">
             <a:extLst>
               <a:ext uri="{FF2B5EF4-FFF2-40B4-BE49-F238E27FC236}">
-                <a16:creationId xmlns:a16="http://schemas.microsoft.com/office/drawing/2014/main" id="{43D38F18-6FA0-0B1E-2019-1597F08872FF}"/>
+                <a16:creationId xmlns:a16="http://schemas.microsoft.com/office/drawing/2014/main" id="{4E1E04E3-2E90-0985-3937-CDDF453FA418}"/>
               </a:ext>
             </a:extLst>
           </p:cNvPr>
@@ -7588,12 +14073,9 @@
           <a:p>
             <a:r>
               <a:rPr lang="en-US" altLang="ko-KR" dirty="0"/>
-              <a:t>UDP</a:t>
-            </a:r>
-            <a:r>
-              <a:rPr lang="ko-KR" altLang="en-US" dirty="0"/>
-              <a:t> 구조</a:t>
-            </a:r>
+              <a:t>SMTP</a:t>
+            </a:r>
+            <a:endParaRPr lang="ko-KR" altLang="en-US" dirty="0"/>
           </a:p>
         </p:txBody>
       </p:sp>
@@ -7602,7 +14084,7 @@
           <p:cNvPr id="3" name="내용 개체 틀 2">
             <a:extLst>
               <a:ext uri="{FF2B5EF4-FFF2-40B4-BE49-F238E27FC236}">
-                <a16:creationId xmlns:a16="http://schemas.microsoft.com/office/drawing/2014/main" id="{E219FBED-2F1A-E107-7238-972DF2A80D97}"/>
+                <a16:creationId xmlns:a16="http://schemas.microsoft.com/office/drawing/2014/main" id="{E7980131-F03C-7E79-FA2F-6F8A3D70C722}"/>
               </a:ext>
             </a:extLst>
           </p:cNvPr>
@@ -7625,7 +14107,7 @@
     </p:spTree>
     <p:extLst>
       <p:ext uri="{BB962C8B-B14F-4D97-AF65-F5344CB8AC3E}">
-        <p14:creationId xmlns:p14="http://schemas.microsoft.com/office/powerpoint/2010/main" val="1614672160"/>
+        <p14:creationId xmlns:p14="http://schemas.microsoft.com/office/powerpoint/2010/main" val="2841385823"/>
       </p:ext>
     </p:extLst>
   </p:cSld>
@@ -7657,7 +14139,7 @@
           <p:cNvPr id="2" name="제목 1">
             <a:extLst>
               <a:ext uri="{FF2B5EF4-FFF2-40B4-BE49-F238E27FC236}">
-                <a16:creationId xmlns:a16="http://schemas.microsoft.com/office/drawing/2014/main" id="{9683C281-FEF9-3C44-E7C0-5C739AD4BFC0}"/>
+                <a16:creationId xmlns:a16="http://schemas.microsoft.com/office/drawing/2014/main" id="{4E1E04E3-2E90-0985-3937-CDDF453FA418}"/>
               </a:ext>
             </a:extLst>
           </p:cNvPr>
@@ -7674,17 +14156,10 @@
           <a:lstStyle/>
           <a:p>
             <a:r>
-              <a:rPr lang="ko-KR" altLang="en-US" dirty="0"/>
-              <a:t>흐름제어</a:t>
-            </a:r>
-            <a:r>
               <a:rPr lang="en-US" altLang="ko-KR" dirty="0"/>
-              <a:t>, </a:t>
-            </a:r>
-            <a:r>
-              <a:rPr lang="ko-KR" altLang="en-US" dirty="0"/>
-              <a:t>혼잡제어</a:t>
-            </a:r>
+              <a:t>MSA, MTA, MDA</a:t>
+            </a:r>
+            <a:endParaRPr lang="ko-KR" altLang="en-US" dirty="0"/>
           </a:p>
         </p:txBody>
       </p:sp>
@@ -7693,7 +14168,7 @@
           <p:cNvPr id="3" name="내용 개체 틀 2">
             <a:extLst>
               <a:ext uri="{FF2B5EF4-FFF2-40B4-BE49-F238E27FC236}">
-                <a16:creationId xmlns:a16="http://schemas.microsoft.com/office/drawing/2014/main" id="{C2A9C482-02F9-76FC-47DC-F5E54241D9EF}"/>
+                <a16:creationId xmlns:a16="http://schemas.microsoft.com/office/drawing/2014/main" id="{E7980131-F03C-7E79-FA2F-6F8A3D70C722}"/>
               </a:ext>
             </a:extLst>
           </p:cNvPr>
@@ -7716,7 +14191,7 @@
     </p:spTree>
     <p:extLst>
       <p:ext uri="{BB962C8B-B14F-4D97-AF65-F5344CB8AC3E}">
-        <p14:creationId xmlns:p14="http://schemas.microsoft.com/office/powerpoint/2010/main" val="682097685"/>
+        <p14:creationId xmlns:p14="http://schemas.microsoft.com/office/powerpoint/2010/main" val="1075109166"/>
       </p:ext>
     </p:extLst>
   </p:cSld>
@@ -7748,7 +14223,7 @@
           <p:cNvPr id="2" name="제목 1">
             <a:extLst>
               <a:ext uri="{FF2B5EF4-FFF2-40B4-BE49-F238E27FC236}">
-                <a16:creationId xmlns:a16="http://schemas.microsoft.com/office/drawing/2014/main" id="{33211138-9519-6CAD-1576-9825CBE35950}"/>
+                <a16:creationId xmlns:a16="http://schemas.microsoft.com/office/drawing/2014/main" id="{EE22F5D4-DC91-153A-22B7-9F56D8759358}"/>
               </a:ext>
             </a:extLst>
           </p:cNvPr>
@@ -7766,7 +14241,7 @@
           <a:p>
             <a:r>
               <a:rPr lang="en-US" altLang="ko-KR" dirty="0"/>
-              <a:t>3-way handshake</a:t>
+              <a:t>Telnet, FTP</a:t>
             </a:r>
             <a:endParaRPr lang="ko-KR" altLang="en-US" dirty="0"/>
           </a:p>
@@ -7777,7 +14252,7 @@
           <p:cNvPr id="3" name="내용 개체 틀 2">
             <a:extLst>
               <a:ext uri="{FF2B5EF4-FFF2-40B4-BE49-F238E27FC236}">
-                <a16:creationId xmlns:a16="http://schemas.microsoft.com/office/drawing/2014/main" id="{9E12239F-5F9B-1D22-1636-FBD447E17DC3}"/>
+                <a16:creationId xmlns:a16="http://schemas.microsoft.com/office/drawing/2014/main" id="{DA134574-9508-405A-3E78-84B298F0621C}"/>
               </a:ext>
             </a:extLst>
           </p:cNvPr>
@@ -7800,7 +14275,7 @@
     </p:spTree>
     <p:extLst>
       <p:ext uri="{BB962C8B-B14F-4D97-AF65-F5344CB8AC3E}">
-        <p14:creationId xmlns:p14="http://schemas.microsoft.com/office/powerpoint/2010/main" val="1863395007"/>
+        <p14:creationId xmlns:p14="http://schemas.microsoft.com/office/powerpoint/2010/main" val="1016130752"/>
       </p:ext>
     </p:extLst>
   </p:cSld>
@@ -7832,7 +14307,7 @@
           <p:cNvPr id="2" name="제목 1">
             <a:extLst>
               <a:ext uri="{FF2B5EF4-FFF2-40B4-BE49-F238E27FC236}">
-                <a16:creationId xmlns:a16="http://schemas.microsoft.com/office/drawing/2014/main" id="{670DEDD6-BC34-52C6-25A9-24DD26A736A0}"/>
+                <a16:creationId xmlns:a16="http://schemas.microsoft.com/office/drawing/2014/main" id="{A0627AC5-17C9-8F33-C0C8-C6141DC4D3AF}"/>
               </a:ext>
             </a:extLst>
           </p:cNvPr>
@@ -7850,7 +14325,7 @@
           <a:p>
             <a:r>
               <a:rPr lang="en-US" altLang="ko-KR" dirty="0"/>
-              <a:t>4-way handshake, RST</a:t>
+              <a:t>SSH, SFTP</a:t>
             </a:r>
             <a:endParaRPr lang="ko-KR" altLang="en-US" dirty="0"/>
           </a:p>
@@ -7861,7 +14336,7 @@
           <p:cNvPr id="3" name="내용 개체 틀 2">
             <a:extLst>
               <a:ext uri="{FF2B5EF4-FFF2-40B4-BE49-F238E27FC236}">
-                <a16:creationId xmlns:a16="http://schemas.microsoft.com/office/drawing/2014/main" id="{22438CC3-7BB7-D691-7670-DEC124DCD6DB}"/>
+                <a16:creationId xmlns:a16="http://schemas.microsoft.com/office/drawing/2014/main" id="{5873E66C-D7B1-E2D3-8161-87D0ED88EEA4}"/>
               </a:ext>
             </a:extLst>
           </p:cNvPr>
@@ -7884,91 +14359,7 @@
     </p:spTree>
     <p:extLst>
       <p:ext uri="{BB962C8B-B14F-4D97-AF65-F5344CB8AC3E}">
-        <p14:creationId xmlns:p14="http://schemas.microsoft.com/office/powerpoint/2010/main" val="1933519205"/>
-      </p:ext>
-    </p:extLst>
-  </p:cSld>
-  <p:clrMapOvr>
-    <a:masterClrMapping/>
-  </p:clrMapOvr>
-</p:sld>
-</file>
-
-<file path=ppt/slides/slide37.xml><?xml version="1.0" encoding="utf-8"?>
-<p:sld xmlns:a="http://schemas.openxmlformats.org/drawingml/2006/main" xmlns:r="http://schemas.openxmlformats.org/officeDocument/2006/relationships" xmlns:p="http://schemas.openxmlformats.org/presentationml/2006/main">
-  <p:cSld>
-    <p:spTree>
-      <p:nvGrpSpPr>
-        <p:cNvPr id="1" name=""/>
-        <p:cNvGrpSpPr/>
-        <p:nvPr/>
-      </p:nvGrpSpPr>
-      <p:grpSpPr>
-        <a:xfrm>
-          <a:off x="0" y="0"/>
-          <a:ext cx="0" cy="0"/>
-          <a:chOff x="0" y="0"/>
-          <a:chExt cx="0" cy="0"/>
-        </a:xfrm>
-      </p:grpSpPr>
-      <p:sp>
-        <p:nvSpPr>
-          <p:cNvPr id="2" name="제목 1">
-            <a:extLst>
-              <a:ext uri="{FF2B5EF4-FFF2-40B4-BE49-F238E27FC236}">
-                <a16:creationId xmlns:a16="http://schemas.microsoft.com/office/drawing/2014/main" id="{F6968FF8-7B0F-3FBA-A4B6-C24AA00BBB6A}"/>
-              </a:ext>
-            </a:extLst>
-          </p:cNvPr>
-          <p:cNvSpPr>
-            <a:spLocks noGrp="1"/>
-          </p:cNvSpPr>
-          <p:nvPr>
-            <p:ph type="title"/>
-          </p:nvPr>
-        </p:nvSpPr>
-        <p:spPr/>
-        <p:txBody>
-          <a:bodyPr/>
-          <a:lstStyle/>
-          <a:p>
-            <a:r>
-              <a:rPr lang="en-US" altLang="ko-KR" dirty="0"/>
-              <a:t>ARQ Protocol</a:t>
-            </a:r>
-            <a:endParaRPr lang="ko-KR" altLang="en-US" dirty="0"/>
-          </a:p>
-        </p:txBody>
-      </p:sp>
-      <p:sp>
-        <p:nvSpPr>
-          <p:cNvPr id="3" name="내용 개체 틀 2">
-            <a:extLst>
-              <a:ext uri="{FF2B5EF4-FFF2-40B4-BE49-F238E27FC236}">
-                <a16:creationId xmlns:a16="http://schemas.microsoft.com/office/drawing/2014/main" id="{9E27041D-6E2D-DC48-84A1-DEF306E202DF}"/>
-              </a:ext>
-            </a:extLst>
-          </p:cNvPr>
-          <p:cNvSpPr>
-            <a:spLocks noGrp="1"/>
-          </p:cNvSpPr>
-          <p:nvPr>
-            <p:ph idx="1"/>
-          </p:nvPr>
-        </p:nvSpPr>
-        <p:spPr/>
-        <p:txBody>
-          <a:bodyPr/>
-          <a:lstStyle/>
-          <a:p>
-            <a:endParaRPr lang="ko-KR" altLang="en-US"/>
-          </a:p>
-        </p:txBody>
-      </p:sp>
-    </p:spTree>
-    <p:extLst>
-      <p:ext uri="{BB962C8B-B14F-4D97-AF65-F5344CB8AC3E}">
-        <p14:creationId xmlns:p14="http://schemas.microsoft.com/office/powerpoint/2010/main" val="1436977935"/>
+        <p14:creationId xmlns:p14="http://schemas.microsoft.com/office/powerpoint/2010/main" val="2829570985"/>
       </p:ext>
     </p:extLst>
   </p:cSld>
@@ -8185,23 +14576,15 @@
             </a:br>
             <a:r>
               <a:rPr lang="ko-KR" altLang="en-US" sz="1400" dirty="0"/>
-              <a:t>대부분의 통신은 </a:t>
-            </a:r>
-            <a:r>
-              <a:rPr lang="ko-KR" altLang="en-US" sz="1400" dirty="0" err="1"/>
-              <a:t>유니캐스트</a:t>
+              <a:t>대표적으로 </a:t>
+            </a:r>
+            <a:r>
+              <a:rPr lang="en-US" altLang="ko-KR" sz="1400" dirty="0"/>
+              <a:t>VPN</a:t>
             </a:r>
             <a:r>
               <a:rPr lang="ko-KR" altLang="en-US" sz="1400" dirty="0"/>
-              <a:t> 방식이라 볼 수 있으며</a:t>
-            </a:r>
-            <a:r>
-              <a:rPr lang="en-US" altLang="ko-KR" sz="1400" dirty="0"/>
-              <a:t>(</a:t>
-            </a:r>
-            <a:r>
-              <a:rPr lang="ko-KR" altLang="en-US" sz="1400" dirty="0"/>
-              <a:t>클라이언트</a:t>
+              <a:t>이나 단일 클라이언트</a:t>
             </a:r>
             <a:r>
               <a:rPr lang="en-US" altLang="ko-KR" sz="1400" dirty="0"/>
@@ -8209,34 +14592,23 @@
             </a:r>
             <a:r>
               <a:rPr lang="ko-KR" altLang="en-US" sz="1400" dirty="0"/>
-              <a:t>서버 구조</a:t>
+              <a:t>서버</a:t>
             </a:r>
             <a:r>
               <a:rPr lang="en-US" altLang="ko-KR" sz="1400" dirty="0"/>
-              <a:t>, </a:t>
+              <a:t>(P2P)</a:t>
             </a:r>
             <a:r>
               <a:rPr lang="ko-KR" altLang="en-US" sz="1400" dirty="0"/>
-              <a:t>웹</a:t>
+              <a:t>및 다중 클라이언트</a:t>
             </a:r>
             <a:r>
               <a:rPr lang="en-US" altLang="ko-KR" sz="1400" dirty="0"/>
-              <a:t>, Dedicate </a:t>
+              <a:t>-</a:t>
             </a:r>
             <a:r>
               <a:rPr lang="ko-KR" altLang="en-US" sz="1400" dirty="0"/>
-              <a:t>게임 서버</a:t>
-            </a:r>
-            <a:r>
-              <a:rPr lang="en-US" altLang="ko-KR" sz="1400" dirty="0"/>
-              <a:t>),</a:t>
-            </a:r>
-            <a:br>
-              <a:rPr lang="en-US" altLang="ko-KR" sz="1400" dirty="0"/>
-            </a:br>
-            <a:r>
-              <a:rPr lang="ko-KR" altLang="en-US" sz="1400" dirty="0"/>
-              <a:t>소켓 프로그래밍의 대부분은 일대일을 염두해두고 설계를 하는 편입니다</a:t>
+              <a:t>서버 구조를 할 때 자주 쓰이는 방식입니다</a:t>
             </a:r>
             <a:endParaRPr lang="en-US" altLang="ko-KR" sz="1400" dirty="0"/>
           </a:p>
@@ -8247,7 +14619,7 @@
             </a:pPr>
             <a:r>
               <a:rPr lang="ko-KR" altLang="en-US" sz="1400" dirty="0"/>
-              <a:t> “</a:t>
+              <a:t>“</a:t>
             </a:r>
             <a:r>
               <a:rPr lang="ko-KR" altLang="en-US" sz="1400" dirty="0" err="1"/>
@@ -8278,15 +14650,30 @@
             </a:br>
             <a:r>
               <a:rPr lang="ko-KR" altLang="en-US" sz="1400" dirty="0"/>
-              <a:t>일반적으로 쓰이지 않지만</a:t>
-            </a:r>
-            <a:r>
+              <a:t>예를 들어 송신 가능한 모든 휴대전화에 메시지를 보내는 재난문자 등의 여기에 해당됩니다</a:t>
+            </a:r>
+            <a:br>
               <a:rPr lang="en-US" altLang="ko-KR" sz="1400" dirty="0"/>
-              <a:t>, </a:t>
-            </a:r>
+            </a:br>
             <a:r>
               <a:rPr lang="ko-KR" altLang="en-US" sz="1400" dirty="0"/>
-              <a:t>예를 들어 송신 가능한 모든 휴대전화에 메시지를 보내는 재난문자 등의 여기에 해당됩니다</a:t>
+              <a:t>이더넷 등의 </a:t>
+            </a:r>
+            <a:r>
+              <a:rPr lang="en-US" altLang="ko-KR" sz="1400" dirty="0"/>
+              <a:t>L2</a:t>
+            </a:r>
+            <a:r>
+              <a:rPr lang="ko-KR" altLang="en-US" sz="1400" dirty="0"/>
+              <a:t>나 </a:t>
+            </a:r>
+            <a:r>
+              <a:rPr lang="en-US" altLang="ko-KR" sz="1400" dirty="0"/>
+              <a:t>L3</a:t>
+            </a:r>
+            <a:r>
+              <a:rPr lang="ko-KR" altLang="en-US" sz="1400" dirty="0"/>
+              <a:t>에서 정보를 전달하는 과정에서 자주 쓰이는 방식입니다</a:t>
             </a:r>
             <a:endParaRPr lang="en-US" altLang="ko-KR" sz="1400" dirty="0"/>
           </a:p>
@@ -8297,7 +14684,7 @@
             </a:pPr>
             <a:r>
               <a:rPr lang="ko-KR" altLang="en-US" sz="1400" dirty="0"/>
-              <a:t> “멀티캐스트”</a:t>
+              <a:t>“멀티캐스트”</a:t>
             </a:r>
             <a:r>
               <a:rPr lang="en-US" altLang="ko-KR" sz="1400" dirty="0"/>
@@ -8320,23 +14707,22 @@
             </a:br>
             <a:r>
               <a:rPr lang="ko-KR" altLang="en-US" sz="1400" dirty="0"/>
-              <a:t>일반적으로 쓰이지 않지만</a:t>
+              <a:t>예를 들어 사내 </a:t>
             </a:r>
             <a:r>
               <a:rPr lang="en-US" altLang="ko-KR" sz="1400" dirty="0"/>
-              <a:t>, </a:t>
-            </a:r>
-            <a:r>
-              <a:rPr lang="ko-KR" altLang="en-US" sz="1400" dirty="0"/>
-              <a:t>예를 들어 사내 </a:t>
-            </a:r>
-            <a:r>
-              <a:rPr lang="en-US" altLang="ko-KR" sz="1400" dirty="0" err="1"/>
-              <a:t>vpn</a:t>
+              <a:t>VPN</a:t>
             </a:r>
             <a:r>
               <a:rPr lang="ko-KR" altLang="en-US" sz="1400" dirty="0"/>
               <a:t>으로 받는 이메일이나 긴급정보 등이 해당 될 수 있습니다</a:t>
+            </a:r>
+            <a:br>
+              <a:rPr lang="en-US" altLang="ko-KR" sz="1400" dirty="0"/>
+            </a:br>
+            <a:r>
+              <a:rPr lang="ko-KR" altLang="en-US" sz="1400" dirty="0"/>
+              <a:t>동일한 데이터를 동시에 여러 곳에 보내는 실시간 스트리밍 사이트는 여기에 해당 될 수 있습니다</a:t>
             </a:r>
             <a:endParaRPr lang="en-US" altLang="ko-KR" sz="1400" dirty="0"/>
           </a:p>
@@ -8347,7 +14733,7 @@
             </a:pPr>
             <a:r>
               <a:rPr lang="ko-KR" altLang="en-US" sz="1400" dirty="0"/>
-              <a:t> “</a:t>
+              <a:t>“</a:t>
             </a:r>
             <a:r>
               <a:rPr lang="ko-KR" altLang="en-US" sz="1400" dirty="0" err="1"/>

--- a/1.pptx
+++ b/1.pptx
@@ -294,7 +294,7 @@
           <a:p>
             <a:fld id="{76969C88-B244-455D-A017-012B25B1ACDD}" type="datetimeFigureOut">
               <a:rPr lang="en-US" smtClean="0"/>
-              <a:t>1/30/2024</a:t>
+              <a:t>1/31/2024</a:t>
             </a:fld>
             <a:endParaRPr lang="en-US"/>
           </a:p>
@@ -508,7 +508,7 @@
           <a:p>
             <a:fld id="{76969C88-B244-455D-A017-012B25B1ACDD}" type="datetimeFigureOut">
               <a:rPr lang="en-US" smtClean="0"/>
-              <a:t>1/30/2024</a:t>
+              <a:t>1/31/2024</a:t>
             </a:fld>
             <a:endParaRPr lang="en-US"/>
           </a:p>
@@ -732,7 +732,7 @@
           <a:p>
             <a:fld id="{76969C88-B244-455D-A017-012B25B1ACDD}" type="datetimeFigureOut">
               <a:rPr lang="en-US" smtClean="0"/>
-              <a:t>1/30/2024</a:t>
+              <a:t>1/31/2024</a:t>
             </a:fld>
             <a:endParaRPr lang="en-US"/>
           </a:p>
@@ -972,7 +972,7 @@
           <a:p>
             <a:fld id="{76969C88-B244-455D-A017-012B25B1ACDD}" type="datetimeFigureOut">
               <a:rPr lang="en-US" smtClean="0"/>
-              <a:t>1/30/2024</a:t>
+              <a:t>1/31/2024</a:t>
             </a:fld>
             <a:endParaRPr lang="en-US" dirty="0"/>
           </a:p>
@@ -1193,7 +1193,7 @@
           <a:p>
             <a:fld id="{76969C88-B244-455D-A017-012B25B1ACDD}" type="datetimeFigureOut">
               <a:rPr lang="en-US" smtClean="0"/>
-              <a:t>1/30/2024</a:t>
+              <a:t>1/31/2024</a:t>
             </a:fld>
             <a:endParaRPr lang="en-US"/>
           </a:p>
@@ -1483,7 +1483,7 @@
           <a:p>
             <a:fld id="{76969C88-B244-455D-A017-012B25B1ACDD}" type="datetimeFigureOut">
               <a:rPr lang="en-US" smtClean="0"/>
-              <a:t>1/30/2024</a:t>
+              <a:t>1/31/2024</a:t>
             </a:fld>
             <a:endParaRPr lang="en-US"/>
           </a:p>
@@ -1841,7 +1841,7 @@
           <a:p>
             <a:fld id="{76969C88-B244-455D-A017-012B25B1ACDD}" type="datetimeFigureOut">
               <a:rPr lang="en-US" smtClean="0"/>
-              <a:t>1/30/2024</a:t>
+              <a:t>1/31/2024</a:t>
             </a:fld>
             <a:endParaRPr lang="en-US"/>
           </a:p>
@@ -2007,7 +2007,7 @@
           <a:p>
             <a:fld id="{76969C88-B244-455D-A017-012B25B1ACDD}" type="datetimeFigureOut">
               <a:rPr lang="en-US" smtClean="0"/>
-              <a:t>1/30/2024</a:t>
+              <a:t>1/31/2024</a:t>
             </a:fld>
             <a:endParaRPr lang="en-US"/>
           </a:p>
@@ -2066,7 +2066,7 @@
           <a:p>
             <a:fld id="{76969C88-B244-455D-A017-012B25B1ACDD}" type="datetimeFigureOut">
               <a:rPr lang="en-US" smtClean="0"/>
-              <a:t>1/30/2024</a:t>
+              <a:t>1/31/2024</a:t>
             </a:fld>
             <a:endParaRPr lang="en-US"/>
           </a:p>
@@ -2394,7 +2394,7 @@
           <a:p>
             <a:fld id="{76969C88-B244-455D-A017-012B25B1ACDD}" type="datetimeFigureOut">
               <a:rPr lang="en-US" smtClean="0"/>
-              <a:t>1/30/2024</a:t>
+              <a:t>1/31/2024</a:t>
             </a:fld>
             <a:endParaRPr lang="en-US"/>
           </a:p>
@@ -2701,7 +2701,7 @@
           <a:p>
             <a:fld id="{76969C88-B244-455D-A017-012B25B1ACDD}" type="datetimeFigureOut">
               <a:rPr lang="en-US" smtClean="0"/>
-              <a:t>1/30/2024</a:t>
+              <a:t>1/31/2024</a:t>
             </a:fld>
             <a:endParaRPr lang="en-US"/>
           </a:p>
@@ -3467,7 +3467,7 @@
             <a:fld id="{76969C88-B244-455D-A017-012B25B1ACDD}" type="datetimeFigureOut">
               <a:rPr lang="en-US" smtClean="0"/>
               <a:pPr/>
-              <a:t>1/30/2024</a:t>
+              <a:t>1/31/2024</a:t>
             </a:fld>
             <a:endParaRPr lang="en-US"/>
           </a:p>
@@ -8681,6 +8681,14 @@
 <file path=ppt/slides/slide2.xml><?xml version="1.0" encoding="utf-8"?>
 <p:sld xmlns:a="http://schemas.openxmlformats.org/drawingml/2006/main" xmlns:r="http://schemas.openxmlformats.org/officeDocument/2006/relationships" xmlns:p="http://schemas.openxmlformats.org/presentationml/2006/main">
   <p:cSld>
+    <p:bg>
+      <p:bgPr>
+        <a:solidFill>
+          <a:schemeClr val="bg2"/>
+        </a:solidFill>
+        <a:effectLst/>
+      </p:bgPr>
+    </p:bg>
     <p:spTree>
       <p:nvGrpSpPr>
         <p:cNvPr id="1" name=""/>
@@ -8695,31 +8703,338 @@
           <a:chExt cx="0" cy="0"/>
         </a:xfrm>
       </p:grpSpPr>
-      <p:sp>
+      <p:sp useBgFill="1">
         <p:nvSpPr>
-          <p:cNvPr id="2" name="제목 1">
+          <p:cNvPr id="9" name="Rectangle 8">
             <a:extLst>
               <a:ext uri="{FF2B5EF4-FFF2-40B4-BE49-F238E27FC236}">
-                <a16:creationId xmlns:a16="http://schemas.microsoft.com/office/drawing/2014/main" id="{E7A09945-111B-6696-B5D9-E52DF9208B85}"/>
+                <a16:creationId xmlns:a16="http://schemas.microsoft.com/office/drawing/2014/main" id="{987A0FBA-CC04-4256-A8EB-BB3C543E989C}"/>
+              </a:ext>
+              <a:ext uri="{C183D7F6-B498-43B3-948B-1728B52AA6E4}">
+                <adec:decorative xmlns:adec="http://schemas.microsoft.com/office/drawing/2017/decorative" val="1"/>
               </a:ext>
             </a:extLst>
           </p:cNvPr>
           <p:cNvSpPr>
-            <a:spLocks noGrp="1"/>
+            <a:spLocks noGrp="1" noRot="1" noChangeAspect="1" noMove="1" noResize="1" noEditPoints="1" noAdjustHandles="1" noChangeArrowheads="1" noChangeShapeType="1" noTextEdit="1"/>
           </p:cNvSpPr>
           <p:nvPr>
-            <p:ph type="title"/>
+            <p:extLst>
+              <p:ext uri="{386F3935-93C4-4BCD-93E2-E3B085C9AB24}">
+                <p16:designElem xmlns:p16="http://schemas.microsoft.com/office/powerpoint/2015/main" val="1"/>
+              </p:ext>
+            </p:extLst>
           </p:nvPr>
         </p:nvSpPr>
-        <p:spPr/>
+        <p:spPr>
+          <a:xfrm>
+            <a:off x="0" y="0"/>
+            <a:ext cx="12192000" cy="6858000"/>
+          </a:xfrm>
+          <a:prstGeom prst="rect">
+            <a:avLst/>
+          </a:prstGeom>
+          <a:ln w="12700" cap="flat" cmpd="sng" algn="ctr">
+            <a:noFill/>
+            <a:prstDash val="solid"/>
+            <a:miter lim="800000"/>
+          </a:ln>
+          <a:effectLst/>
+          <a:extLst>
+            <a:ext uri="{91240B29-F687-4F45-9708-019B960494DF}">
+              <a14:hiddenLine xmlns:a14="http://schemas.microsoft.com/office/drawing/2010/main" w="12700" cap="flat" cmpd="sng" algn="ctr">
+                <a:solidFill>
+                  <a:schemeClr val="accent1">
+                    <a:shade val="50000"/>
+                  </a:schemeClr>
+                </a:solidFill>
+                <a:prstDash val="solid"/>
+                <a:miter lim="800000"/>
+              </a14:hiddenLine>
+            </a:ext>
+          </a:extLst>
+        </p:spPr>
+        <p:style>
+          <a:lnRef idx="2">
+            <a:schemeClr val="accent1">
+              <a:shade val="50000"/>
+            </a:schemeClr>
+          </a:lnRef>
+          <a:fillRef idx="1">
+            <a:schemeClr val="accent1"/>
+          </a:fillRef>
+          <a:effectRef idx="0">
+            <a:schemeClr val="accent1"/>
+          </a:effectRef>
+          <a:fontRef idx="minor">
+            <a:schemeClr val="lt1"/>
+          </a:fontRef>
+        </p:style>
         <p:txBody>
-          <a:bodyPr/>
+          <a:bodyPr rtlCol="0" anchor="ctr"/>
           <a:lstStyle/>
           <a:p>
-            <a:r>
-              <a:rPr lang="ko-KR" altLang="en-US" dirty="0"/>
-              <a:t>목차</a:t>
-            </a:r>
+            <a:pPr algn="ctr"/>
+            <a:endParaRPr lang="en-US"/>
+          </a:p>
+        </p:txBody>
+      </p:sp>
+      <p:pic>
+        <p:nvPicPr>
+          <p:cNvPr id="5" name="Picture 4" descr="Colourful network cables">
+            <a:extLst>
+              <a:ext uri="{FF2B5EF4-FFF2-40B4-BE49-F238E27FC236}">
+                <a16:creationId xmlns:a16="http://schemas.microsoft.com/office/drawing/2014/main" id="{AC9DB2AD-B192-ABDA-D0BF-28E5AEB1F04B}"/>
+              </a:ext>
+            </a:extLst>
+          </p:cNvPr>
+          <p:cNvPicPr>
+            <a:picLocks noChangeAspect="1"/>
+          </p:cNvPicPr>
+          <p:nvPr/>
+        </p:nvPicPr>
+        <p:blipFill rotWithShape="1">
+          <a:blip r:embed="rId2"/>
+          <a:srcRect l="11738" r="26489" b="1"/>
+          <a:stretch/>
+        </p:blipFill>
+        <p:spPr>
+          <a:xfrm>
+            <a:off x="2" y="10"/>
+            <a:ext cx="5578823" cy="6028246"/>
+          </a:xfrm>
+          <a:custGeom>
+            <a:avLst/>
+            <a:gdLst/>
+            <a:ahLst/>
+            <a:cxnLst/>
+            <a:rect l="l" t="t" r="r" b="b"/>
+            <a:pathLst>
+              <a:path w="5578823" h="6028256">
+                <a:moveTo>
+                  <a:pt x="0" y="0"/>
+                </a:moveTo>
+                <a:lnTo>
+                  <a:pt x="3897606" y="0"/>
+                </a:lnTo>
+                <a:lnTo>
+                  <a:pt x="4274232" y="360545"/>
+                </a:lnTo>
+                <a:cubicBezTo>
+                  <a:pt x="4408856" y="488910"/>
+                  <a:pt x="4542134" y="615181"/>
+                  <a:pt x="4673934" y="738354"/>
+                </a:cubicBezTo>
+                <a:cubicBezTo>
+                  <a:pt x="5042663" y="1082881"/>
+                  <a:pt x="5282330" y="1428108"/>
+                  <a:pt x="5421862" y="1773839"/>
+                </a:cubicBezTo>
+                <a:cubicBezTo>
+                  <a:pt x="5631101" y="2292214"/>
+                  <a:pt x="5614731" y="2811325"/>
+                  <a:pt x="5469198" y="3329255"/>
+                </a:cubicBezTo>
+                <a:cubicBezTo>
+                  <a:pt x="5323662" y="3847185"/>
+                  <a:pt x="5048962" y="4363935"/>
+                  <a:pt x="4741546" y="4877588"/>
+                </a:cubicBezTo>
+                <a:cubicBezTo>
+                  <a:pt x="4027238" y="6071494"/>
+                  <a:pt x="2764972" y="6102970"/>
+                  <a:pt x="1325600" y="5980388"/>
+                </a:cubicBezTo>
+                <a:cubicBezTo>
+                  <a:pt x="903947" y="5944442"/>
+                  <a:pt x="499735" y="5907589"/>
+                  <a:pt x="137593" y="5804042"/>
+                </a:cubicBezTo>
+                <a:lnTo>
+                  <a:pt x="0" y="5760161"/>
+                </a:lnTo>
+                <a:close/>
+              </a:path>
+            </a:pathLst>
+          </a:custGeom>
+        </p:spPr>
+      </p:pic>
+      <p:sp>
+        <p:nvSpPr>
+          <p:cNvPr id="11" name="Freeform: Shape 10">
+            <a:extLst>
+              <a:ext uri="{FF2B5EF4-FFF2-40B4-BE49-F238E27FC236}">
+                <a16:creationId xmlns:a16="http://schemas.microsoft.com/office/drawing/2014/main" id="{E633B38B-B87A-4288-A20F-0223A6C27A5A}"/>
+              </a:ext>
+              <a:ext uri="{C183D7F6-B498-43B3-948B-1728B52AA6E4}">
+                <adec:decorative xmlns:adec="http://schemas.microsoft.com/office/drawing/2017/decorative" val="1"/>
+              </a:ext>
+            </a:extLst>
+          </p:cNvPr>
+          <p:cNvSpPr>
+            <a:spLocks noGrp="1" noRot="1" noChangeAspect="1" noMove="1" noResize="1" noEditPoints="1" noAdjustHandles="1" noChangeArrowheads="1" noChangeShapeType="1" noTextEdit="1"/>
+          </p:cNvSpPr>
+          <p:nvPr>
+            <p:extLst>
+              <p:ext uri="{386F3935-93C4-4BCD-93E2-E3B085C9AB24}">
+                <p16:designElem xmlns:p16="http://schemas.microsoft.com/office/powerpoint/2015/main" val="1"/>
+              </p:ext>
+            </p:extLst>
+          </p:nvPr>
+        </p:nvSpPr>
+        <p:spPr>
+          <a:xfrm>
+            <a:off x="-1" y="0"/>
+            <a:ext cx="5704117" cy="6096000"/>
+          </a:xfrm>
+          <a:custGeom>
+            <a:avLst/>
+            <a:gdLst>
+              <a:gd name="connsiteX0" fmla="*/ 0 w 5704117"/>
+              <a:gd name="connsiteY0" fmla="*/ 0 h 6096000"/>
+              <a:gd name="connsiteX1" fmla="*/ 4562795 w 5704117"/>
+              <a:gd name="connsiteY1" fmla="*/ 0 h 6096000"/>
+              <a:gd name="connsiteX2" fmla="*/ 4721192 w 5704117"/>
+              <a:gd name="connsiteY2" fmla="*/ 133595 h 6096000"/>
+              <a:gd name="connsiteX3" fmla="*/ 5467522 w 5704117"/>
+              <a:gd name="connsiteY3" fmla="*/ 1054328 h 6096000"/>
+              <a:gd name="connsiteX4" fmla="*/ 5538873 w 5704117"/>
+              <a:gd name="connsiteY4" fmla="*/ 2897564 h 6096000"/>
+              <a:gd name="connsiteX5" fmla="*/ 4442050 w 5704117"/>
+              <a:gd name="connsiteY5" fmla="*/ 4732407 h 6096000"/>
+              <a:gd name="connsiteX6" fmla="*/ 93046 w 5704117"/>
+              <a:gd name="connsiteY6" fmla="*/ 6082857 h 6096000"/>
+              <a:gd name="connsiteX7" fmla="*/ 0 w 5704117"/>
+              <a:gd name="connsiteY7" fmla="*/ 6078450 h 6096000"/>
+              <a:gd name="connsiteX0" fmla="*/ 4562795 w 5704117"/>
+              <a:gd name="connsiteY0" fmla="*/ 0 h 6096000"/>
+              <a:gd name="connsiteX1" fmla="*/ 4721192 w 5704117"/>
+              <a:gd name="connsiteY1" fmla="*/ 133595 h 6096000"/>
+              <a:gd name="connsiteX2" fmla="*/ 5467522 w 5704117"/>
+              <a:gd name="connsiteY2" fmla="*/ 1054328 h 6096000"/>
+              <a:gd name="connsiteX3" fmla="*/ 5538873 w 5704117"/>
+              <a:gd name="connsiteY3" fmla="*/ 2897564 h 6096000"/>
+              <a:gd name="connsiteX4" fmla="*/ 4442050 w 5704117"/>
+              <a:gd name="connsiteY4" fmla="*/ 4732407 h 6096000"/>
+              <a:gd name="connsiteX5" fmla="*/ 93046 w 5704117"/>
+              <a:gd name="connsiteY5" fmla="*/ 6082857 h 6096000"/>
+              <a:gd name="connsiteX6" fmla="*/ 0 w 5704117"/>
+              <a:gd name="connsiteY6" fmla="*/ 6078450 h 6096000"/>
+              <a:gd name="connsiteX7" fmla="*/ 91440 w 5704117"/>
+              <a:gd name="connsiteY7" fmla="*/ 91440 h 6096000"/>
+              <a:gd name="connsiteX0" fmla="*/ 4562795 w 5704117"/>
+              <a:gd name="connsiteY0" fmla="*/ 0 h 6096000"/>
+              <a:gd name="connsiteX1" fmla="*/ 4721192 w 5704117"/>
+              <a:gd name="connsiteY1" fmla="*/ 133595 h 6096000"/>
+              <a:gd name="connsiteX2" fmla="*/ 5467522 w 5704117"/>
+              <a:gd name="connsiteY2" fmla="*/ 1054328 h 6096000"/>
+              <a:gd name="connsiteX3" fmla="*/ 5538873 w 5704117"/>
+              <a:gd name="connsiteY3" fmla="*/ 2897564 h 6096000"/>
+              <a:gd name="connsiteX4" fmla="*/ 4442050 w 5704117"/>
+              <a:gd name="connsiteY4" fmla="*/ 4732407 h 6096000"/>
+              <a:gd name="connsiteX5" fmla="*/ 93046 w 5704117"/>
+              <a:gd name="connsiteY5" fmla="*/ 6082857 h 6096000"/>
+              <a:gd name="connsiteX6" fmla="*/ 0 w 5704117"/>
+              <a:gd name="connsiteY6" fmla="*/ 6078450 h 6096000"/>
+            </a:gdLst>
+            <a:ahLst/>
+            <a:cxnLst>
+              <a:cxn ang="0">
+                <a:pos x="connsiteX0" y="connsiteY0"/>
+              </a:cxn>
+              <a:cxn ang="0">
+                <a:pos x="connsiteX1" y="connsiteY1"/>
+              </a:cxn>
+              <a:cxn ang="0">
+                <a:pos x="connsiteX2" y="connsiteY2"/>
+              </a:cxn>
+              <a:cxn ang="0">
+                <a:pos x="connsiteX3" y="connsiteY3"/>
+              </a:cxn>
+              <a:cxn ang="0">
+                <a:pos x="connsiteX4" y="connsiteY4"/>
+              </a:cxn>
+              <a:cxn ang="0">
+                <a:pos x="connsiteX5" y="connsiteY5"/>
+              </a:cxn>
+              <a:cxn ang="0">
+                <a:pos x="connsiteX6" y="connsiteY6"/>
+              </a:cxn>
+            </a:cxnLst>
+            <a:rect l="l" t="t" r="r" b="b"/>
+            <a:pathLst>
+              <a:path w="5704117" h="6096000">
+                <a:moveTo>
+                  <a:pt x="4562795" y="0"/>
+                </a:moveTo>
+                <a:lnTo>
+                  <a:pt x="4721192" y="133595"/>
+                </a:lnTo>
+                <a:cubicBezTo>
+                  <a:pt x="5067135" y="440105"/>
+                  <a:pt x="5309779" y="747048"/>
+                  <a:pt x="5467522" y="1054328"/>
+                </a:cubicBezTo>
+                <a:cubicBezTo>
+                  <a:pt x="5782917" y="1668625"/>
+                  <a:pt x="5758242" y="2283795"/>
+                  <a:pt x="5538873" y="2897564"/>
+                </a:cubicBezTo>
+                <a:cubicBezTo>
+                  <a:pt x="5319500" y="3511334"/>
+                  <a:pt x="4905433" y="4123706"/>
+                  <a:pt x="4442050" y="4732407"/>
+                </a:cubicBezTo>
+                <a:cubicBezTo>
+                  <a:pt x="3499930" y="5970384"/>
+                  <a:pt x="1925433" y="6153690"/>
+                  <a:pt x="93046" y="6082857"/>
+                </a:cubicBezTo>
+                <a:lnTo>
+                  <a:pt x="0" y="6078450"/>
+                </a:lnTo>
+              </a:path>
+            </a:pathLst>
+          </a:custGeom>
+          <a:noFill/>
+          <a:ln w="19050">
+            <a:solidFill>
+              <a:schemeClr val="accent2">
+                <a:lumMod val="60000"/>
+                <a:lumOff val="40000"/>
+              </a:schemeClr>
+            </a:solidFill>
+          </a:ln>
+        </p:spPr>
+        <p:style>
+          <a:lnRef idx="2">
+            <a:schemeClr val="accent1">
+              <a:shade val="50000"/>
+            </a:schemeClr>
+          </a:lnRef>
+          <a:fillRef idx="1">
+            <a:schemeClr val="accent1"/>
+          </a:fillRef>
+          <a:effectRef idx="0">
+            <a:schemeClr val="accent1"/>
+          </a:effectRef>
+          <a:fontRef idx="minor">
+            <a:schemeClr val="lt1"/>
+          </a:fontRef>
+        </p:style>
+        <p:txBody>
+          <a:bodyPr wrap="square" rtlCol="0" anchor="ctr">
+            <a:noAutofit/>
+          </a:bodyPr>
+          <a:lstStyle/>
+          <a:p>
+            <a:pPr algn="ctr"/>
+            <a:endParaRPr lang="en-US">
+              <a:solidFill>
+                <a:prstClr val="white"/>
+              </a:solidFill>
+              <a:latin typeface="Avenir Next LT Pro Light"/>
+            </a:endParaRPr>
           </a:p>
         </p:txBody>
       </p:sp>
@@ -8739,16 +9054,177 @@
             <p:ph idx="1"/>
           </p:nvPr>
         </p:nvSpPr>
-        <p:spPr/>
+        <p:spPr>
+          <a:xfrm>
+            <a:off x="6095999" y="1682217"/>
+            <a:ext cx="5470113" cy="5004769"/>
+          </a:xfrm>
+        </p:spPr>
         <p:txBody>
-          <a:bodyPr/>
+          <a:bodyPr>
+            <a:noAutofit/>
+          </a:bodyPr>
           <a:lstStyle/>
           <a:p>
             <a:pPr marL="457200" indent="-457200">
+              <a:lnSpc>
+                <a:spcPct val="102000"/>
+              </a:lnSpc>
               <a:buFont typeface="+mj-lt"/>
               <a:buAutoNum type="arabicPeriod"/>
             </a:pPr>
-            <a:endParaRPr lang="ko-KR" altLang="en-US" dirty="0"/>
+            <a:r>
+              <a:rPr lang="en-US" altLang="ko-KR" sz="2400" dirty="0"/>
+              <a:t>End System – Router – Switch</a:t>
+            </a:r>
+          </a:p>
+          <a:p>
+            <a:pPr marL="457200" indent="-457200">
+              <a:lnSpc>
+                <a:spcPct val="102000"/>
+              </a:lnSpc>
+              <a:buFont typeface="+mj-lt"/>
+              <a:buAutoNum type="arabicPeriod"/>
+            </a:pPr>
+            <a:r>
+              <a:rPr lang="en-US" altLang="ko-KR" sz="2400" dirty="0"/>
+              <a:t>DHCP – NAT – VPN</a:t>
+            </a:r>
+          </a:p>
+          <a:p>
+            <a:pPr marL="457200" indent="-457200">
+              <a:lnSpc>
+                <a:spcPct val="102000"/>
+              </a:lnSpc>
+              <a:buFont typeface="+mj-lt"/>
+              <a:buAutoNum type="arabicPeriod"/>
+            </a:pPr>
+            <a:r>
+              <a:rPr lang="en-US" altLang="ko-KR" sz="2400" dirty="0"/>
+              <a:t>ISP – ASN – BGP</a:t>
+            </a:r>
+          </a:p>
+          <a:p>
+            <a:pPr marL="457200" indent="-457200">
+              <a:lnSpc>
+                <a:spcPct val="102000"/>
+              </a:lnSpc>
+              <a:buFont typeface="+mj-lt"/>
+              <a:buAutoNum type="arabicPeriod"/>
+            </a:pPr>
+            <a:r>
+              <a:rPr lang="en-US" altLang="ko-KR" sz="2400" dirty="0"/>
+              <a:t>OSI 7 Layer</a:t>
+            </a:r>
+          </a:p>
+          <a:p>
+            <a:pPr marL="457200" indent="-457200">
+              <a:lnSpc>
+                <a:spcPct val="102000"/>
+              </a:lnSpc>
+              <a:buFont typeface="+mj-lt"/>
+              <a:buAutoNum type="arabicPeriod"/>
+            </a:pPr>
+            <a:endParaRPr lang="en-US" altLang="ko-KR" sz="2400" dirty="0"/>
+          </a:p>
+          <a:p>
+            <a:pPr>
+              <a:lnSpc>
+                <a:spcPct val="102000"/>
+              </a:lnSpc>
+            </a:pPr>
+            <a:r>
+              <a:rPr lang="en-US" altLang="ko-KR" sz="2400" dirty="0"/>
+              <a:t>Layer 5</a:t>
+            </a:r>
+          </a:p>
+          <a:p>
+            <a:pPr marL="457200" indent="-457200">
+              <a:lnSpc>
+                <a:spcPct val="102000"/>
+              </a:lnSpc>
+              <a:buFont typeface="+mj-lt"/>
+              <a:buAutoNum type="arabicPeriod"/>
+            </a:pPr>
+            <a:r>
+              <a:rPr lang="en-US" altLang="ko-KR" sz="2400" dirty="0"/>
+              <a:t>HTTP</a:t>
+            </a:r>
+          </a:p>
+          <a:p>
+            <a:pPr marL="457200" indent="-457200">
+              <a:lnSpc>
+                <a:spcPct val="102000"/>
+              </a:lnSpc>
+              <a:buFont typeface="+mj-lt"/>
+              <a:buAutoNum type="arabicPeriod"/>
+            </a:pPr>
+            <a:r>
+              <a:rPr lang="en-US" altLang="ko-KR" sz="2400" dirty="0"/>
+              <a:t>DNS</a:t>
+            </a:r>
+          </a:p>
+          <a:p>
+            <a:pPr marL="457200" indent="-457200">
+              <a:lnSpc>
+                <a:spcPct val="102000"/>
+              </a:lnSpc>
+              <a:buFont typeface="+mj-lt"/>
+              <a:buAutoNum type="arabicPeriod"/>
+            </a:pPr>
+            <a:r>
+              <a:rPr lang="en-US" altLang="ko-KR" sz="2400" dirty="0"/>
+              <a:t>SMTP</a:t>
+            </a:r>
+          </a:p>
+          <a:p>
+            <a:pPr marL="457200" indent="-457200">
+              <a:lnSpc>
+                <a:spcPct val="102000"/>
+              </a:lnSpc>
+              <a:buFont typeface="+mj-lt"/>
+              <a:buAutoNum type="arabicPeriod"/>
+            </a:pPr>
+            <a:r>
+              <a:rPr lang="en-US" altLang="ko-KR" sz="2400" dirty="0"/>
+              <a:t>Telnet – FTP -&gt; SSH - SFTP</a:t>
+            </a:r>
+            <a:endParaRPr lang="ko-KR" altLang="en-US" sz="2400" dirty="0"/>
+          </a:p>
+        </p:txBody>
+      </p:sp>
+      <p:sp>
+        <p:nvSpPr>
+          <p:cNvPr id="2" name="제목 1">
+            <a:extLst>
+              <a:ext uri="{FF2B5EF4-FFF2-40B4-BE49-F238E27FC236}">
+                <a16:creationId xmlns:a16="http://schemas.microsoft.com/office/drawing/2014/main" id="{E7A09945-111B-6696-B5D9-E52DF9208B85}"/>
+              </a:ext>
+            </a:extLst>
+          </p:cNvPr>
+          <p:cNvSpPr>
+            <a:spLocks noGrp="1"/>
+          </p:cNvSpPr>
+          <p:nvPr>
+            <p:ph type="title"/>
+          </p:nvPr>
+        </p:nvSpPr>
+        <p:spPr>
+          <a:xfrm>
+            <a:off x="6096000" y="762000"/>
+            <a:ext cx="5334000" cy="1227344"/>
+          </a:xfrm>
+        </p:spPr>
+        <p:txBody>
+          <a:bodyPr>
+            <a:normAutofit/>
+          </a:bodyPr>
+          <a:lstStyle/>
+          <a:p>
+            <a:r>
+              <a:rPr lang="ko-KR" altLang="en-US" sz="3200" dirty="0"/>
+              <a:t>목차</a:t>
+            </a:r>
           </a:p>
         </p:txBody>
       </p:sp>
@@ -12691,7 +13167,7 @@
           <a:p>
             <a:r>
               <a:rPr lang="ko-KR" altLang="en-US" sz="1400" dirty="0"/>
-              <a:t>“인터넷”</a:t>
+              <a:t>인터넷</a:t>
             </a:r>
             <a:r>
               <a:rPr lang="en-US" altLang="ko-KR" sz="1400" dirty="0"/>
@@ -12725,7 +13201,7 @@
             </a:pPr>
             <a:r>
               <a:rPr lang="ko-KR" altLang="en-US" sz="1400" dirty="0"/>
-              <a:t>“호스트”</a:t>
+              <a:t>호스트</a:t>
             </a:r>
             <a:r>
               <a:rPr lang="en-US" altLang="ko-KR" sz="1400" dirty="0"/>
@@ -12733,7 +13209,7 @@
             </a:r>
             <a:r>
               <a:rPr lang="ko-KR" altLang="en-US" sz="1400" dirty="0"/>
-              <a:t>또는 “종단 시스템”</a:t>
+              <a:t>또는 종단 시스템</a:t>
             </a:r>
             <a:r>
               <a:rPr lang="en-US" altLang="ko-KR" sz="1400" dirty="0"/>
@@ -12755,7 +13231,7 @@
             </a:pPr>
             <a:r>
               <a:rPr lang="ko-KR" altLang="en-US" sz="1400" dirty="0"/>
-              <a:t>“통신 링크”</a:t>
+              <a:t>통신 링크</a:t>
             </a:r>
             <a:r>
               <a:rPr lang="en-US" altLang="ko-KR" sz="1400" dirty="0"/>
@@ -12801,7 +13277,7 @@
             </a:pPr>
             <a:r>
               <a:rPr lang="en-US" altLang="ko-KR" sz="1400" dirty="0"/>
-              <a:t>“ISP”(Internet Service Provider) : </a:t>
+              <a:t>ISP(Internet Service Provider) : </a:t>
             </a:r>
             <a:r>
               <a:rPr lang="ko-KR" altLang="en-US" sz="1400" dirty="0"/>
@@ -12846,7 +13322,7 @@
             </a:pPr>
             <a:r>
               <a:rPr lang="ko-KR" altLang="en-US" sz="1400" dirty="0"/>
-              <a:t>“패킷 스위치”</a:t>
+              <a:t>패킷 스위치</a:t>
             </a:r>
             <a:r>
               <a:rPr lang="en-US" altLang="ko-KR" sz="1400" dirty="0"/>
@@ -12876,7 +13352,7 @@
           <a:p>
             <a:r>
               <a:rPr lang="en-US" altLang="ko-KR" sz="1200" dirty="0"/>
-              <a:t>“IETF”(Internet Engineering Task Force </a:t>
+              <a:t>IETF(Internet Engineering Task Force </a:t>
             </a:r>
             <a:r>
               <a:rPr lang="ko-KR" altLang="en-US" sz="1200" dirty="0"/>
@@ -12922,7 +13398,7 @@
           <a:p>
             <a:r>
               <a:rPr lang="en-US" altLang="ko-KR" sz="1200" dirty="0"/>
-              <a:t>“RFC”(Request For Comments) </a:t>
+              <a:t>RFC(Request For Comments) </a:t>
             </a:r>
             <a:r>
               <a:rPr lang="ko-KR" altLang="en-US" sz="1200" dirty="0"/>
@@ -12941,7 +13417,7 @@
           <a:p>
             <a:r>
               <a:rPr lang="en-US" altLang="ko-KR" sz="1200" dirty="0"/>
-              <a:t>“IEEE”(Institute of Electrical and Electronics Engineers </a:t>
+              <a:t>IEEE(Institute of Electrical and Electronics Engineers </a:t>
             </a:r>
             <a:r>
               <a:rPr lang="ko-KR" altLang="en-US" sz="1200" dirty="0"/>
@@ -14008,15 +14484,303 @@
           <a:lstStyle/>
           <a:p>
             <a:r>
-              <a:rPr lang="en-US" altLang="ko-KR" sz="1600" dirty="0">
-                <a:hlinkClick r:id="rId2"/>
-              </a:rPr>
-              <a:t>https://www.stevenjlee.net/2020/07/08/%EC%9D%B4%ED%95%B4%ED%95%98%EA%B8%B0-dns-domain-name-server/</a:t>
+              <a:rPr lang="en-US" altLang="ko-KR" sz="1600" dirty="0"/>
+              <a:t>DNS Name Server</a:t>
+            </a:r>
+            <a:r>
+              <a:rPr lang="ko-KR" altLang="en-US" sz="1600" dirty="0"/>
+              <a:t>는 </a:t>
+            </a:r>
+            <a:r>
+              <a:rPr lang="en-US" altLang="ko-KR" sz="1600" dirty="0"/>
+              <a:t>DNS</a:t>
+            </a:r>
+            <a:r>
+              <a:rPr lang="ko-KR" altLang="en-US" sz="1600" dirty="0"/>
+              <a:t>레코드</a:t>
+            </a:r>
+            <a:r>
+              <a:rPr lang="en-US" altLang="ko-KR" sz="1600" dirty="0"/>
+              <a:t>(DNS Record)</a:t>
+            </a:r>
+            <a:r>
+              <a:rPr lang="ko-KR" altLang="en-US" sz="1600" dirty="0"/>
+              <a:t>를 가지고</a:t>
+            </a:r>
+            <a:r>
+              <a:rPr lang="en-US" altLang="ko-KR" sz="1600" dirty="0"/>
+              <a:t>, </a:t>
+            </a:r>
+            <a:r>
+              <a:rPr lang="ko-KR" altLang="en-US" sz="1600" dirty="0"/>
+              <a:t>해당 레코드에 맞게 </a:t>
+            </a:r>
+            <a:r>
+              <a:rPr lang="en-US" altLang="ko-KR" sz="1600" dirty="0"/>
+              <a:t>IP</a:t>
+            </a:r>
+            <a:r>
+              <a:rPr lang="ko-KR" altLang="en-US" sz="1600" dirty="0"/>
+              <a:t>를 알려줍니다</a:t>
             </a:r>
             <a:endParaRPr lang="en-US" altLang="ko-KR" sz="1600" dirty="0"/>
           </a:p>
           <a:p>
-            <a:endParaRPr lang="ko-KR" altLang="en-US" sz="1600" dirty="0"/>
+            <a:pPr marL="342900" indent="-342900">
+              <a:buFont typeface="+mj-lt"/>
+              <a:buAutoNum type="arabicPeriod"/>
+            </a:pPr>
+            <a:r>
+              <a:rPr lang="en-US" altLang="ko-KR" sz="1600" dirty="0"/>
+              <a:t>A Type: </a:t>
+            </a:r>
+            <a:r>
+              <a:rPr lang="ko-KR" altLang="en-US" sz="1600" dirty="0"/>
+              <a:t>도메인 주소를 </a:t>
+            </a:r>
+            <a:r>
+              <a:rPr lang="en-US" altLang="ko-KR" sz="1600" dirty="0"/>
+              <a:t>IPv4</a:t>
+            </a:r>
+            <a:r>
+              <a:rPr lang="ko-KR" altLang="en-US" sz="1600" dirty="0"/>
+              <a:t>로 변환하는 타입입니다</a:t>
+            </a:r>
+            <a:r>
+              <a:rPr lang="en-US" altLang="ko-KR" sz="1600" dirty="0"/>
+              <a:t>(type:1)</a:t>
+            </a:r>
+          </a:p>
+          <a:p>
+            <a:pPr marL="342900" indent="-342900">
+              <a:buFont typeface="+mj-lt"/>
+              <a:buAutoNum type="arabicPeriod"/>
+            </a:pPr>
+            <a:r>
+              <a:rPr lang="en-US" altLang="ko-KR" sz="1600" dirty="0"/>
+              <a:t>NS Type: </a:t>
+            </a:r>
+            <a:r>
+              <a:rPr lang="ko-KR" altLang="en-US" sz="1600" dirty="0"/>
+              <a:t>도메인 이름에 대한 책임 네임서버를 지정하는 타입입니다</a:t>
+            </a:r>
+            <a:r>
+              <a:rPr lang="en-US" altLang="ko-KR" sz="1600" dirty="0"/>
+              <a:t>(type:2)</a:t>
+            </a:r>
+          </a:p>
+          <a:p>
+            <a:pPr marL="342900" indent="-342900">
+              <a:buFont typeface="+mj-lt"/>
+              <a:buAutoNum type="arabicPeriod"/>
+            </a:pPr>
+            <a:r>
+              <a:rPr lang="en-US" altLang="ko-KR" sz="1600" dirty="0"/>
+              <a:t>CNAME(Canonical NAME) Type: </a:t>
+            </a:r>
+            <a:r>
+              <a:rPr lang="ko-KR" altLang="en-US" sz="1600" dirty="0"/>
+              <a:t>도메인의 별칭을 지정하는 타입입니다</a:t>
+            </a:r>
+            <a:r>
+              <a:rPr lang="en-US" altLang="ko-KR" sz="1600" dirty="0"/>
+              <a:t>(type:5)</a:t>
+            </a:r>
+          </a:p>
+          <a:p>
+            <a:pPr marL="342900" indent="-342900">
+              <a:buFont typeface="+mj-lt"/>
+              <a:buAutoNum type="arabicPeriod"/>
+            </a:pPr>
+            <a:r>
+              <a:rPr lang="en-US" altLang="ko-KR" sz="1600" dirty="0"/>
+              <a:t>SOA(Start Of Authority) Type: </a:t>
+            </a:r>
+            <a:r>
+              <a:rPr lang="ko-KR" altLang="en-US" sz="1600" dirty="0"/>
+              <a:t>도메인의 영역과 해당 영역의 대표 값을 지정하는 타입입니다</a:t>
+            </a:r>
+            <a:r>
+              <a:rPr lang="en-US" altLang="ko-KR" sz="1600" dirty="0"/>
+              <a:t>(type:6)</a:t>
+            </a:r>
+            <a:br>
+              <a:rPr lang="en-US" altLang="ko-KR" sz="1600" dirty="0"/>
+            </a:br>
+            <a:r>
+              <a:rPr lang="en-US" altLang="ko-KR" sz="1600" dirty="0"/>
+              <a:t>(SOA</a:t>
+            </a:r>
+            <a:r>
+              <a:rPr lang="ko-KR" altLang="en-US" sz="1600" dirty="0"/>
+              <a:t>를 사용하면</a:t>
+            </a:r>
+            <a:r>
+              <a:rPr lang="en-US" altLang="ko-KR" sz="1600" dirty="0"/>
+              <a:t>, </a:t>
+            </a:r>
+            <a:r>
+              <a:rPr lang="ko-KR" altLang="en-US" sz="1600" dirty="0"/>
+              <a:t>각 도메인에 대한 예외지정 없이 범위로 책임지역을 지정 할 수 있습니다</a:t>
+            </a:r>
+            <a:r>
+              <a:rPr lang="en-US" altLang="ko-KR" sz="1600" dirty="0"/>
+              <a:t>)</a:t>
+            </a:r>
+          </a:p>
+          <a:p>
+            <a:pPr marL="342900" indent="-342900">
+              <a:buFont typeface="+mj-lt"/>
+              <a:buAutoNum type="arabicPeriod"/>
+            </a:pPr>
+            <a:r>
+              <a:rPr lang="en-US" altLang="ko-KR" sz="1600" dirty="0"/>
+              <a:t>PTR(</a:t>
+            </a:r>
+            <a:r>
+              <a:rPr lang="en-US" altLang="ko-KR" sz="1600" dirty="0" err="1"/>
+              <a:t>PoinTeR</a:t>
+            </a:r>
+            <a:r>
+              <a:rPr lang="en-US" altLang="ko-KR" sz="1600" dirty="0"/>
+              <a:t>) Type: A</a:t>
+            </a:r>
+            <a:r>
+              <a:rPr lang="ko-KR" altLang="en-US" sz="1600" dirty="0"/>
+              <a:t>의 역인 </a:t>
+            </a:r>
+            <a:r>
+              <a:rPr lang="en-US" altLang="ko-KR" sz="1600" dirty="0"/>
+              <a:t>IP</a:t>
+            </a:r>
+            <a:r>
+              <a:rPr lang="ko-KR" altLang="en-US" sz="1600" dirty="0"/>
+              <a:t>를 지정하면 도메인 이름을 알려주는 타입입니다</a:t>
+            </a:r>
+            <a:r>
+              <a:rPr lang="en-US" altLang="ko-KR" sz="1600" dirty="0"/>
+              <a:t>(type:12)</a:t>
+            </a:r>
+          </a:p>
+          <a:p>
+            <a:pPr marL="342900" indent="-342900">
+              <a:buFont typeface="+mj-lt"/>
+              <a:buAutoNum type="arabicPeriod"/>
+            </a:pPr>
+            <a:r>
+              <a:rPr lang="en-US" altLang="ko-KR" sz="1600" dirty="0"/>
+              <a:t>MX(Mail </a:t>
+            </a:r>
+            <a:r>
+              <a:rPr lang="en-US" altLang="ko-KR" sz="1600" dirty="0" err="1"/>
+              <a:t>eXchanger</a:t>
+            </a:r>
+            <a:r>
+              <a:rPr lang="en-US" altLang="ko-KR" sz="1600" dirty="0"/>
+              <a:t>) Type: </a:t>
+            </a:r>
+            <a:r>
+              <a:rPr lang="ko-KR" altLang="en-US" sz="1600" dirty="0"/>
+              <a:t>도메인의 메일서버를 지정하는 타입입니다</a:t>
+            </a:r>
+            <a:r>
+              <a:rPr lang="en-US" altLang="ko-KR" sz="1600" dirty="0"/>
+              <a:t>(Type:15)</a:t>
+            </a:r>
+            <a:br>
+              <a:rPr lang="en-US" altLang="ko-KR" sz="1600" dirty="0"/>
+            </a:br>
+            <a:r>
+              <a:rPr lang="en-US" altLang="ko-KR" sz="1600" dirty="0"/>
+              <a:t>(</a:t>
+            </a:r>
+            <a:r>
+              <a:rPr lang="ko-KR" altLang="en-US" sz="1600" dirty="0"/>
+              <a:t>도메인이름으로 메일요청이 들어오면 해당 값으로 변환하여 메일서버의 </a:t>
+            </a:r>
+            <a:r>
+              <a:rPr lang="en-US" altLang="ko-KR" sz="1600" dirty="0"/>
+              <a:t>IP</a:t>
+            </a:r>
+            <a:r>
+              <a:rPr lang="ko-KR" altLang="en-US" sz="1600" dirty="0"/>
+              <a:t>주소를 알아내는 구조입니다</a:t>
+            </a:r>
+            <a:r>
+              <a:rPr lang="en-US" altLang="ko-KR" sz="1600" dirty="0"/>
+              <a:t>)</a:t>
+            </a:r>
+          </a:p>
+          <a:p>
+            <a:pPr marL="342900" indent="-342900">
+              <a:buFont typeface="+mj-lt"/>
+              <a:buAutoNum type="arabicPeriod"/>
+            </a:pPr>
+            <a:r>
+              <a:rPr lang="en-US" altLang="ko-KR" sz="1600" dirty="0"/>
+              <a:t>AAAA Type: </a:t>
+            </a:r>
+            <a:r>
+              <a:rPr lang="ko-KR" altLang="en-US" sz="1600" dirty="0"/>
+              <a:t>도메인 주소를 </a:t>
+            </a:r>
+            <a:r>
+              <a:rPr lang="en-US" altLang="ko-KR" sz="1600" dirty="0"/>
+              <a:t>IPv6</a:t>
+            </a:r>
+            <a:r>
+              <a:rPr lang="ko-KR" altLang="en-US" sz="1600" dirty="0"/>
+              <a:t>로 변환하는 타입입니다</a:t>
+            </a:r>
+            <a:r>
+              <a:rPr lang="en-US" altLang="ko-KR" sz="1600" dirty="0"/>
+              <a:t>(type:28)</a:t>
+            </a:r>
+          </a:p>
+          <a:p>
+            <a:pPr marL="342900" indent="-342900">
+              <a:buFont typeface="+mj-lt"/>
+              <a:buAutoNum type="arabicPeriod"/>
+            </a:pPr>
+            <a:r>
+              <a:rPr lang="ko-KR" altLang="en-US" sz="1600" dirty="0"/>
+              <a:t>이외에도</a:t>
+            </a:r>
+            <a:r>
+              <a:rPr lang="en-US" altLang="ko-KR" sz="1600" dirty="0"/>
+              <a:t>, SRV(</a:t>
+            </a:r>
+            <a:r>
+              <a:rPr lang="en-US" altLang="ko-KR" sz="1600" dirty="0" err="1"/>
+              <a:t>SeRVice</a:t>
+            </a:r>
+            <a:r>
+              <a:rPr lang="en-US" altLang="ko-KR" sz="1600" dirty="0"/>
+              <a:t>, 33), HTTPS(65), TXT(16), URI(256)</a:t>
+            </a:r>
+            <a:r>
+              <a:rPr lang="ko-KR" altLang="en-US" sz="1600" dirty="0"/>
+              <a:t>등의 포워딩 관련 타입과</a:t>
+            </a:r>
+            <a:br>
+              <a:rPr lang="en-US" altLang="ko-KR" sz="1600" dirty="0"/>
+            </a:br>
+            <a:r>
+              <a:rPr lang="en-US" altLang="ko-KR" sz="1600" dirty="0"/>
+              <a:t>CAA(Certification Authority Authorization, 257), CERT(37), DNSKEY(48), DS(43),</a:t>
+            </a:r>
+            <a:br>
+              <a:rPr lang="en-US" altLang="ko-KR" sz="1600" dirty="0"/>
+            </a:br>
+            <a:r>
+              <a:rPr lang="en-US" altLang="ko-KR" sz="1600" dirty="0"/>
+              <a:t>SSHFP(44), SMIMEA(53), TLSA(52) </a:t>
+            </a:r>
+            <a:r>
+              <a:rPr lang="ko-KR" altLang="en-US" sz="1600" dirty="0"/>
+              <a:t>등의 인증관련 타입도 많이 사용되고 있습니다</a:t>
+            </a:r>
+            <a:endParaRPr lang="en-US" altLang="ko-KR" sz="1600" dirty="0"/>
           </a:p>
         </p:txBody>
       </p:sp>
@@ -14100,10 +14864,319 @@
           <a:bodyPr/>
           <a:lstStyle/>
           <a:p>
-            <a:endParaRPr lang="ko-KR" altLang="en-US"/>
+            <a:r>
+              <a:rPr lang="en-US" altLang="ko-KR" sz="1600" dirty="0"/>
+              <a:t>SMTP(Simple Mail Transfer Protocol)</a:t>
+            </a:r>
+            <a:r>
+              <a:rPr lang="ko-KR" altLang="en-US" sz="1600" dirty="0"/>
+              <a:t>는 이메일을 보내거나 받는데 사용되는 프로토콜입니다</a:t>
+            </a:r>
+            <a:endParaRPr lang="en-US" altLang="ko-KR" sz="1600" dirty="0"/>
+          </a:p>
+          <a:p>
+            <a:r>
+              <a:rPr lang="ko-KR" altLang="en-US" sz="1600" dirty="0"/>
+              <a:t>구체적으로 다음 </a:t>
+            </a:r>
+            <a:r>
+              <a:rPr lang="en-US" altLang="ko-KR" sz="1600" dirty="0"/>
+              <a:t>7 </a:t>
+            </a:r>
+            <a:r>
+              <a:rPr lang="ko-KR" altLang="en-US" sz="1600" dirty="0"/>
+              <a:t>가지의 명령을 통해 </a:t>
+            </a:r>
+            <a:r>
+              <a:rPr lang="en-US" altLang="ko-KR" sz="1600" dirty="0"/>
+              <a:t>SMTP</a:t>
+            </a:r>
+            <a:r>
+              <a:rPr lang="ko-KR" altLang="en-US" sz="1600" dirty="0"/>
+              <a:t>를 사용하여 이메일을 보냅니다</a:t>
+            </a:r>
+            <a:endParaRPr lang="en-US" altLang="ko-KR" sz="1600" dirty="0"/>
+          </a:p>
+          <a:p>
+            <a:pPr marL="342900" indent="-342900">
+              <a:buFont typeface="+mj-lt"/>
+              <a:buAutoNum type="arabicPeriod"/>
+            </a:pPr>
+            <a:r>
+              <a:rPr lang="en-US" altLang="ko-KR" sz="1400" dirty="0"/>
+              <a:t>HELO </a:t>
+            </a:r>
+            <a:r>
+              <a:rPr lang="ko-KR" altLang="en-US" sz="1400" dirty="0"/>
+              <a:t>또는 </a:t>
+            </a:r>
+            <a:r>
+              <a:rPr lang="en-US" altLang="ko-KR" sz="1400" dirty="0"/>
+              <a:t>EHLO :</a:t>
+            </a:r>
+            <a:r>
+              <a:rPr lang="ko-KR" altLang="en-US" sz="1400" dirty="0"/>
+              <a:t> 클라이언트가 존재하는지</a:t>
+            </a:r>
+            <a:r>
+              <a:rPr lang="en-US" altLang="ko-KR" sz="1400" dirty="0"/>
+              <a:t> </a:t>
+            </a:r>
+            <a:r>
+              <a:rPr lang="ko-KR" altLang="en-US" sz="1400" dirty="0"/>
+              <a:t>확인하기 위해</a:t>
+            </a:r>
+            <a:r>
+              <a:rPr lang="en-US" altLang="ko-KR" sz="1400" dirty="0"/>
+              <a:t>,</a:t>
+            </a:r>
+            <a:br>
+              <a:rPr lang="en-US" altLang="ko-KR" sz="1400" dirty="0"/>
+            </a:br>
+            <a:r>
+              <a:rPr lang="ko-KR" altLang="en-US" sz="1400" dirty="0"/>
+              <a:t>첫 의사를 보낼 때</a:t>
+            </a:r>
+            <a:r>
+              <a:rPr lang="en-US" altLang="ko-KR" sz="1400" dirty="0"/>
+              <a:t> </a:t>
+            </a:r>
+            <a:r>
+              <a:rPr lang="ko-KR" altLang="en-US" sz="1400" dirty="0"/>
+              <a:t>사용됩니다</a:t>
+            </a:r>
+            <a:endParaRPr lang="en-US" altLang="ko-KR" sz="1400" dirty="0"/>
+          </a:p>
+          <a:p>
+            <a:pPr marL="342900" indent="-342900">
+              <a:buFont typeface="+mj-lt"/>
+              <a:buAutoNum type="arabicPeriod"/>
+            </a:pPr>
+            <a:r>
+              <a:rPr lang="en-US" altLang="ko-KR" sz="1400" dirty="0"/>
+              <a:t>MAIL FROM : </a:t>
+            </a:r>
+            <a:r>
+              <a:rPr lang="ko-KR" altLang="en-US" sz="1400" dirty="0"/>
+              <a:t>자신의 존재를 먼저 밝혀</a:t>
+            </a:r>
+            <a:r>
+              <a:rPr lang="en-US" altLang="ko-KR" sz="1400" dirty="0"/>
+              <a:t>,</a:t>
+            </a:r>
+            <a:br>
+              <a:rPr lang="en-US" altLang="ko-KR" sz="1400" dirty="0"/>
+            </a:br>
+            <a:r>
+              <a:rPr lang="ko-KR" altLang="en-US" sz="1400" dirty="0"/>
+              <a:t>보낸 사람</a:t>
+            </a:r>
+            <a:r>
+              <a:rPr lang="en-US" altLang="ko-KR" sz="1400" dirty="0"/>
+              <a:t>(</a:t>
+            </a:r>
+            <a:r>
+              <a:rPr lang="ko-KR" altLang="en-US" sz="1400" dirty="0"/>
+              <a:t>자신</a:t>
+            </a:r>
+            <a:r>
+              <a:rPr lang="en-US" altLang="ko-KR" sz="1400" dirty="0"/>
+              <a:t>)</a:t>
+            </a:r>
+            <a:r>
+              <a:rPr lang="ko-KR" altLang="en-US" sz="1400" dirty="0"/>
+              <a:t> 정보가 식별되도록 합니다</a:t>
+            </a:r>
+            <a:br>
+              <a:rPr lang="en-US" altLang="ko-KR" sz="1400" dirty="0"/>
+            </a:br>
+            <a:r>
+              <a:rPr lang="en-US" altLang="ko-KR" sz="1400" dirty="0"/>
+              <a:t>(</a:t>
+            </a:r>
+            <a:r>
+              <a:rPr lang="ko-KR" altLang="en-US" sz="1400" dirty="0"/>
+              <a:t>일반적으로 이 과정에서 </a:t>
+            </a:r>
+            <a:r>
+              <a:rPr lang="en-US" altLang="ko-KR" sz="1400" dirty="0"/>
+              <a:t>AUTH LOGIN</a:t>
+            </a:r>
+            <a:r>
+              <a:rPr lang="ko-KR" altLang="en-US" sz="1400" dirty="0"/>
+              <a:t>을 하여</a:t>
+            </a:r>
+            <a:br>
+              <a:rPr lang="en-US" altLang="ko-KR" sz="1400" dirty="0"/>
+            </a:br>
+            <a:r>
+              <a:rPr lang="ko-KR" altLang="en-US" sz="1400" dirty="0"/>
+              <a:t>자신의 이메일을 타인이 함부로 쓰지 못하도록 합니다</a:t>
+            </a:r>
+            <a:r>
+              <a:rPr lang="en-US" altLang="ko-KR" sz="1400" dirty="0"/>
+              <a:t>)</a:t>
+            </a:r>
+          </a:p>
+          <a:p>
+            <a:pPr marL="342900" indent="-342900">
+              <a:buFont typeface="+mj-lt"/>
+              <a:buAutoNum type="arabicPeriod"/>
+            </a:pPr>
+            <a:r>
+              <a:rPr lang="en-US" altLang="ko-KR" sz="1400" dirty="0"/>
+              <a:t>RCPT TO : </a:t>
+            </a:r>
+            <a:r>
+              <a:rPr lang="ko-KR" altLang="en-US" sz="1400" dirty="0"/>
+              <a:t>누구에게 보낼 지 밝혀</a:t>
+            </a:r>
+            <a:r>
+              <a:rPr lang="en-US" altLang="ko-KR" sz="1400" dirty="0"/>
+              <a:t>,</a:t>
+            </a:r>
+            <a:br>
+              <a:rPr lang="en-US" altLang="ko-KR" sz="1400" dirty="0"/>
+            </a:br>
+            <a:r>
+              <a:rPr lang="ko-KR" altLang="en-US" sz="1400" dirty="0"/>
+              <a:t>받는 사람</a:t>
+            </a:r>
+            <a:r>
+              <a:rPr lang="en-US" altLang="ko-KR" sz="1400" dirty="0"/>
+              <a:t>(</a:t>
+            </a:r>
+            <a:r>
+              <a:rPr lang="ko-KR" altLang="en-US" sz="1400" dirty="0"/>
+              <a:t>상대</a:t>
+            </a:r>
+            <a:r>
+              <a:rPr lang="en-US" altLang="ko-KR" sz="1400" dirty="0"/>
+              <a:t>) </a:t>
+            </a:r>
+            <a:r>
+              <a:rPr lang="ko-KR" altLang="en-US" sz="1400" dirty="0"/>
+              <a:t>정보가 식별되도록 합니다</a:t>
+            </a:r>
+            <a:endParaRPr lang="en-US" altLang="ko-KR" sz="1400" dirty="0"/>
+          </a:p>
+          <a:p>
+            <a:pPr marL="342900" indent="-342900">
+              <a:buFont typeface="+mj-lt"/>
+              <a:buAutoNum type="arabicPeriod"/>
+            </a:pPr>
+            <a:r>
+              <a:rPr lang="en-US" altLang="ko-KR" sz="1400" dirty="0"/>
+              <a:t>DATA</a:t>
+            </a:r>
+            <a:r>
+              <a:rPr lang="ko-KR" altLang="en-US" sz="1400" dirty="0"/>
+              <a:t> </a:t>
+            </a:r>
+            <a:r>
+              <a:rPr lang="en-US" altLang="ko-KR" sz="1400" dirty="0"/>
+              <a:t>:</a:t>
+            </a:r>
+            <a:r>
+              <a:rPr lang="ko-KR" altLang="en-US" sz="1400" dirty="0"/>
+              <a:t> 다음 내용은 메시지 내용이 올 것이라는</a:t>
+            </a:r>
+            <a:r>
+              <a:rPr lang="en-US" altLang="ko-KR" sz="1400" dirty="0"/>
+              <a:t> </a:t>
+            </a:r>
+            <a:r>
+              <a:rPr lang="ko-KR" altLang="en-US" sz="1400" dirty="0"/>
+              <a:t>예고를</a:t>
+            </a:r>
+            <a:br>
+              <a:rPr lang="en-US" altLang="ko-KR" sz="1400" dirty="0"/>
+            </a:br>
+            <a:r>
+              <a:rPr lang="ko-KR" altLang="en-US" sz="1400" dirty="0"/>
+              <a:t>하기 위해 사용됩니다</a:t>
+            </a:r>
+            <a:endParaRPr lang="en-US" altLang="ko-KR" sz="1400" dirty="0"/>
+          </a:p>
+          <a:p>
+            <a:pPr marL="342900" indent="-342900">
+              <a:buFont typeface="+mj-lt"/>
+              <a:buAutoNum type="arabicPeriod"/>
+            </a:pPr>
+            <a:r>
+              <a:rPr lang="en-US" altLang="ko-KR" sz="1400" dirty="0"/>
+              <a:t>RSET : </a:t>
+            </a:r>
+            <a:r>
+              <a:rPr lang="ko-KR" altLang="en-US" sz="1400" dirty="0"/>
+              <a:t>하던 모든 일을 다시 롤백 하여</a:t>
+            </a:r>
+            <a:br>
+              <a:rPr lang="en-US" altLang="ko-KR" sz="1400" dirty="0"/>
+            </a:br>
+            <a:r>
+              <a:rPr lang="ko-KR" altLang="en-US" sz="1400" dirty="0"/>
+              <a:t>처음부터 다시 설정하기 위해 사용됩니다</a:t>
+            </a:r>
+            <a:endParaRPr lang="en-US" altLang="ko-KR" sz="1400" dirty="0"/>
+          </a:p>
+          <a:p>
+            <a:pPr marL="342900" indent="-342900">
+              <a:buFont typeface="+mj-lt"/>
+              <a:buAutoNum type="arabicPeriod"/>
+            </a:pPr>
+            <a:r>
+              <a:rPr lang="en-US" altLang="ko-KR" sz="1400" dirty="0"/>
+              <a:t>QUIT</a:t>
+            </a:r>
+            <a:r>
+              <a:rPr lang="ko-KR" altLang="en-US" sz="1400" dirty="0"/>
+              <a:t> </a:t>
+            </a:r>
+            <a:r>
+              <a:rPr lang="en-US" altLang="ko-KR" sz="1400" dirty="0"/>
+              <a:t>:</a:t>
+            </a:r>
+            <a:r>
+              <a:rPr lang="ko-KR" altLang="en-US" sz="1400" dirty="0"/>
+              <a:t> 세션을 종료 하기 위해 사용됩니다</a:t>
+            </a:r>
+            <a:endParaRPr lang="en-US" altLang="ko-KR" sz="1400" dirty="0"/>
+          </a:p>
+          <a:p>
+            <a:endParaRPr lang="ko-KR" altLang="en-US" sz="1600" dirty="0"/>
           </a:p>
         </p:txBody>
       </p:sp>
+      <p:pic>
+        <p:nvPicPr>
+          <p:cNvPr id="5" name="그림 4">
+            <a:extLst>
+              <a:ext uri="{FF2B5EF4-FFF2-40B4-BE49-F238E27FC236}">
+                <a16:creationId xmlns:a16="http://schemas.microsoft.com/office/drawing/2014/main" id="{E63E1F0E-8160-4E12-BCD5-F5A059CD5F87}"/>
+              </a:ext>
+            </a:extLst>
+          </p:cNvPr>
+          <p:cNvPicPr>
+            <a:picLocks noChangeAspect="1"/>
+          </p:cNvPicPr>
+          <p:nvPr/>
+        </p:nvPicPr>
+        <p:blipFill rotWithShape="1">
+          <a:blip r:embed="rId2"/>
+          <a:srcRect r="33395" b="35855"/>
+          <a:stretch/>
+        </p:blipFill>
+        <p:spPr>
+          <a:xfrm>
+            <a:off x="6769294" y="2589637"/>
+            <a:ext cx="5271470" cy="4125270"/>
+          </a:xfrm>
+          <a:prstGeom prst="rect">
+            <a:avLst/>
+          </a:prstGeom>
+        </p:spPr>
+      </p:pic>
     </p:spTree>
     <p:extLst>
       <p:ext uri="{BB962C8B-B14F-4D97-AF65-F5344CB8AC3E}">
@@ -14157,7 +15230,7 @@
           <a:p>
             <a:r>
               <a:rPr lang="en-US" altLang="ko-KR" dirty="0"/>
-              <a:t>MSA, MTA, MDA</a:t>
+              <a:t>MUA, MTA, MDA</a:t>
             </a:r>
             <a:endParaRPr lang="ko-KR" altLang="en-US" dirty="0"/>
           </a:p>
@@ -14179,15 +15252,367 @@
             <p:ph idx="1"/>
           </p:nvPr>
         </p:nvSpPr>
-        <p:spPr/>
+        <p:spPr>
+          <a:xfrm>
+            <a:off x="761999" y="1765139"/>
+            <a:ext cx="10743235" cy="4898541"/>
+          </a:xfrm>
+        </p:spPr>
         <p:txBody>
           <a:bodyPr/>
           <a:lstStyle/>
           <a:p>
-            <a:endParaRPr lang="ko-KR" altLang="en-US"/>
+            <a:r>
+              <a:rPr lang="en-US" altLang="ko-KR" sz="1600" dirty="0"/>
+              <a:t>SMTP</a:t>
+            </a:r>
+            <a:r>
+              <a:rPr lang="ko-KR" altLang="en-US" sz="1600" dirty="0"/>
+              <a:t>의 메일 전송 과정은 생각보다 복잡한 단계를 거치게 되는데</a:t>
+            </a:r>
+            <a:r>
+              <a:rPr lang="en-US" altLang="ko-KR" sz="1600" dirty="0"/>
+              <a:t>,</a:t>
+            </a:r>
+            <a:r>
+              <a:rPr lang="ko-KR" altLang="en-US" sz="1600" dirty="0"/>
+              <a:t> 이는 아래 그림과 같기 때문입니다</a:t>
+            </a:r>
+            <a:endParaRPr lang="en-US" altLang="ko-KR" sz="1600" dirty="0"/>
+          </a:p>
+          <a:p>
+            <a:r>
+              <a:rPr lang="en-US" altLang="ko-KR" sz="1600" dirty="0"/>
+              <a:t>MTA(Mail Transfer Agent)</a:t>
+            </a:r>
+            <a:r>
+              <a:rPr lang="ko-KR" altLang="en-US" sz="1600" dirty="0"/>
+              <a:t>는</a:t>
+            </a:r>
+            <a:br>
+              <a:rPr lang="en-US" altLang="ko-KR" sz="1600" dirty="0"/>
+            </a:br>
+            <a:r>
+              <a:rPr lang="ko-KR" altLang="en-US" sz="1600" dirty="0"/>
+              <a:t>송신 할 때는</a:t>
+            </a:r>
+            <a:r>
+              <a:rPr lang="en-US" altLang="ko-KR" sz="1600" dirty="0"/>
+              <a:t> </a:t>
+            </a:r>
+            <a:r>
+              <a:rPr lang="ko-KR" altLang="en-US" sz="1600" dirty="0"/>
+              <a:t>사용자로부터 메일을 전달받아서 외부</a:t>
+            </a:r>
+            <a:r>
+              <a:rPr lang="en-US" altLang="ko-KR" sz="1600" dirty="0"/>
+              <a:t>(</a:t>
+            </a:r>
+            <a:r>
+              <a:rPr lang="ko-KR" altLang="en-US" sz="1600" dirty="0"/>
+              <a:t>인터넷</a:t>
+            </a:r>
+            <a:r>
+              <a:rPr lang="en-US" altLang="ko-KR" sz="1600" dirty="0"/>
+              <a:t>)</a:t>
+            </a:r>
+            <a:r>
+              <a:rPr lang="ko-KR" altLang="en-US" sz="1600" dirty="0"/>
+              <a:t>로 전달합니다</a:t>
+            </a:r>
+            <a:br>
+              <a:rPr lang="en-US" altLang="ko-KR" sz="1600" dirty="0"/>
+            </a:br>
+            <a:r>
+              <a:rPr lang="ko-KR" altLang="en-US" sz="1600" dirty="0"/>
+              <a:t>수신 할 때는</a:t>
+            </a:r>
+            <a:r>
+              <a:rPr lang="en-US" altLang="ko-KR" sz="1600" dirty="0"/>
+              <a:t> </a:t>
+            </a:r>
+            <a:r>
+              <a:rPr lang="ko-KR" altLang="en-US" sz="1600" dirty="0"/>
+              <a:t>외부로부터 </a:t>
+            </a:r>
+            <a:r>
+              <a:rPr lang="en-US" altLang="ko-KR" sz="1600" dirty="0"/>
+              <a:t>MTA</a:t>
+            </a:r>
+            <a:r>
+              <a:rPr lang="ko-KR" altLang="en-US" sz="1600" dirty="0"/>
+              <a:t>가 메일을 수신하면</a:t>
+            </a:r>
+            <a:r>
+              <a:rPr lang="en-US" altLang="ko-KR" sz="1600" dirty="0"/>
+              <a:t>, </a:t>
+            </a:r>
+            <a:r>
+              <a:rPr lang="ko-KR" altLang="en-US" sz="1600" dirty="0"/>
+              <a:t>적절한 </a:t>
+            </a:r>
+            <a:r>
+              <a:rPr lang="en-US" altLang="ko-KR" sz="1600" dirty="0"/>
+              <a:t>MDA</a:t>
+            </a:r>
+            <a:r>
+              <a:rPr lang="ko-KR" altLang="en-US" sz="1600" dirty="0"/>
+              <a:t>에게 메일을 전달합니다</a:t>
+            </a:r>
+            <a:br>
+              <a:rPr lang="en-US" altLang="ko-KR" sz="1600" dirty="0"/>
+            </a:br>
+            <a:r>
+              <a:rPr lang="ko-KR" altLang="en-US" sz="1600" dirty="0"/>
+              <a:t>대표적으로 </a:t>
+            </a:r>
+            <a:r>
+              <a:rPr lang="en-US" altLang="ko-KR" sz="1600" dirty="0" err="1"/>
+              <a:t>sendmail</a:t>
+            </a:r>
+            <a:r>
+              <a:rPr lang="en-US" altLang="ko-KR" sz="1600" dirty="0"/>
+              <a:t>, </a:t>
+            </a:r>
+            <a:r>
+              <a:rPr lang="en-US" altLang="ko-KR" sz="1600" dirty="0" err="1"/>
+              <a:t>qmail</a:t>
+            </a:r>
+            <a:r>
+              <a:rPr lang="ko-KR" altLang="en-US" sz="1600" dirty="0"/>
+              <a:t>등의 흔히 보는 이메일 서비스가 해당됩니다</a:t>
+            </a:r>
+            <a:endParaRPr lang="en-US" altLang="ko-KR" sz="1600" dirty="0"/>
+          </a:p>
+          <a:p>
+            <a:r>
+              <a:rPr lang="en-US" altLang="ko-KR" sz="1600" dirty="0"/>
+              <a:t>MDA(Mail Delivery Agent)</a:t>
+            </a:r>
+            <a:r>
+              <a:rPr lang="ko-KR" altLang="en-US" sz="1600" dirty="0"/>
+              <a:t>는</a:t>
+            </a:r>
+            <a:br>
+              <a:rPr lang="en-US" altLang="ko-KR" sz="1600" dirty="0"/>
+            </a:br>
+            <a:r>
+              <a:rPr lang="ko-KR" altLang="en-US" sz="1600" dirty="0"/>
+              <a:t>외부로부터 받은 메일을 사용자의 메일 함으로 메일을 저장하도록 중개 역할을 수행합니다</a:t>
+            </a:r>
+            <a:br>
+              <a:rPr lang="en-US" altLang="ko-KR" sz="1600" dirty="0"/>
+            </a:br>
+            <a:r>
+              <a:rPr lang="ko-KR" altLang="en-US" sz="1600" dirty="0"/>
+              <a:t>외부로부터 수신한 메일을 </a:t>
+            </a:r>
+            <a:r>
+              <a:rPr lang="en-US" altLang="ko-KR" sz="1600" dirty="0"/>
+              <a:t>MTA</a:t>
+            </a:r>
+            <a:r>
+              <a:rPr lang="ko-KR" altLang="en-US" sz="1600" dirty="0"/>
+              <a:t>가 </a:t>
+            </a:r>
+            <a:r>
+              <a:rPr lang="en-US" altLang="ko-KR" sz="1600" dirty="0"/>
+              <a:t>MDA</a:t>
+            </a:r>
+            <a:r>
+              <a:rPr lang="ko-KR" altLang="en-US" sz="1600" dirty="0"/>
+              <a:t>에게 전달해주면</a:t>
+            </a:r>
+            <a:r>
+              <a:rPr lang="en-US" altLang="ko-KR" sz="1600" dirty="0"/>
+              <a:t>, MDA</a:t>
+            </a:r>
+            <a:r>
+              <a:rPr lang="ko-KR" altLang="en-US" sz="1600" dirty="0"/>
+              <a:t>는 해당 사용자의 메일 함에다가 저장합니다</a:t>
+            </a:r>
+            <a:br>
+              <a:rPr lang="en-US" altLang="ko-KR" sz="1600" dirty="0"/>
+            </a:br>
+            <a:r>
+              <a:rPr lang="ko-KR" altLang="en-US" sz="1600" dirty="0"/>
+              <a:t>대표적으로 </a:t>
+            </a:r>
+            <a:r>
+              <a:rPr lang="en-US" altLang="ko-KR" sz="1600" dirty="0" err="1"/>
+              <a:t>procmail</a:t>
+            </a:r>
+            <a:r>
+              <a:rPr lang="ko-KR" altLang="en-US" sz="1600" dirty="0"/>
+              <a:t>이 있으며</a:t>
+            </a:r>
+            <a:r>
+              <a:rPr lang="en-US" altLang="ko-KR" sz="1600" dirty="0"/>
+              <a:t>, </a:t>
+            </a:r>
+            <a:r>
+              <a:rPr lang="en-US" altLang="ko-KR" sz="1600" dirty="0" err="1"/>
+              <a:t>procmail</a:t>
+            </a:r>
+            <a:r>
+              <a:rPr lang="ko-KR" altLang="en-US" sz="1600" dirty="0"/>
+              <a:t>은 검열기능이나</a:t>
+            </a:r>
+            <a:br>
+              <a:rPr lang="en-US" altLang="ko-KR" sz="1600" dirty="0"/>
+            </a:br>
+            <a:r>
+              <a:rPr lang="ko-KR" altLang="en-US" sz="1600" dirty="0"/>
+              <a:t>보안 검사 등의</a:t>
+            </a:r>
+            <a:r>
+              <a:rPr lang="en-US" altLang="ko-KR" sz="1600" dirty="0"/>
+              <a:t> </a:t>
+            </a:r>
+            <a:r>
+              <a:rPr lang="ko-KR" altLang="en-US" sz="1600" dirty="0"/>
+              <a:t>필터링으로 응용해서 사용됩니다</a:t>
+            </a:r>
+            <a:endParaRPr lang="en-US" altLang="ko-KR" sz="1600" dirty="0"/>
+          </a:p>
+          <a:p>
+            <a:r>
+              <a:rPr lang="en-US" altLang="ko-KR" sz="1600" dirty="0"/>
+              <a:t>MUA(Mail</a:t>
+            </a:r>
+            <a:r>
+              <a:rPr lang="ko-KR" altLang="en-US" sz="1600" dirty="0"/>
+              <a:t> </a:t>
+            </a:r>
+            <a:r>
+              <a:rPr lang="en-US" altLang="ko-KR" sz="1600" dirty="0"/>
+              <a:t>User Agent)</a:t>
+            </a:r>
+            <a:r>
+              <a:rPr lang="ko-KR" altLang="en-US" sz="1600" dirty="0"/>
+              <a:t>는</a:t>
+            </a:r>
+            <a:br>
+              <a:rPr lang="en-US" altLang="ko-KR" sz="1600" dirty="0"/>
+            </a:br>
+            <a:r>
+              <a:rPr lang="ko-KR" altLang="en-US" sz="1600" dirty="0"/>
+              <a:t>클라이언트가 메일을 송</a:t>
+            </a:r>
+            <a:r>
+              <a:rPr lang="en-US" altLang="ko-KR" sz="1600" dirty="0"/>
+              <a:t>/</a:t>
+            </a:r>
+            <a:r>
+              <a:rPr lang="ko-KR" altLang="en-US" sz="1600" dirty="0"/>
+              <a:t>수신을 위해 사용하는</a:t>
+            </a:r>
+            <a:br>
+              <a:rPr lang="en-US" altLang="ko-KR" sz="1600" dirty="0"/>
+            </a:br>
+            <a:r>
+              <a:rPr lang="ko-KR" altLang="en-US" sz="1600" dirty="0"/>
+              <a:t>메일작성</a:t>
+            </a:r>
+            <a:r>
+              <a:rPr lang="en-US" altLang="ko-KR" sz="1600" dirty="0"/>
+              <a:t>/</a:t>
+            </a:r>
+            <a:r>
+              <a:rPr lang="ko-KR" altLang="en-US" sz="1600" dirty="0"/>
+              <a:t>편집 프로그램을 말합니다</a:t>
+            </a:r>
+            <a:br>
+              <a:rPr lang="en-US" altLang="ko-KR" sz="1600" dirty="0"/>
+            </a:br>
+            <a:r>
+              <a:rPr lang="ko-KR" altLang="en-US" sz="1600" dirty="0"/>
+              <a:t>메일을 작성하거나</a:t>
+            </a:r>
+            <a:r>
+              <a:rPr lang="en-US" altLang="ko-KR" sz="1600" dirty="0"/>
+              <a:t>, </a:t>
+            </a:r>
+            <a:r>
+              <a:rPr lang="ko-KR" altLang="en-US" sz="1600" dirty="0"/>
+              <a:t>메일 함에 도착한</a:t>
+            </a:r>
+            <a:br>
+              <a:rPr lang="en-US" altLang="ko-KR" sz="1600" dirty="0"/>
+            </a:br>
+            <a:r>
+              <a:rPr lang="en-US" altLang="ko-KR" sz="1600" dirty="0"/>
+              <a:t>(MDA</a:t>
+            </a:r>
+            <a:r>
+              <a:rPr lang="ko-KR" altLang="en-US" sz="1600" dirty="0"/>
+              <a:t>로 부터 받은 저장된</a:t>
+            </a:r>
+            <a:r>
+              <a:rPr lang="en-US" altLang="ko-KR" sz="1600" dirty="0"/>
+              <a:t>) </a:t>
+            </a:r>
+            <a:r>
+              <a:rPr lang="ko-KR" altLang="en-US" sz="1600" dirty="0"/>
+              <a:t>메일을 보여주는 기능을 수행합니다</a:t>
+            </a:r>
+            <a:br>
+              <a:rPr lang="en-US" altLang="ko-KR" sz="1600" dirty="0"/>
+            </a:br>
+            <a:r>
+              <a:rPr lang="ko-KR" altLang="en-US" sz="1600" dirty="0"/>
+              <a:t>대표적으로 </a:t>
+            </a:r>
+            <a:r>
+              <a:rPr lang="en-US" altLang="ko-KR" sz="1600" dirty="0"/>
+              <a:t>Microsoft </a:t>
+            </a:r>
+            <a:r>
+              <a:rPr lang="en-US" altLang="ko-KR" sz="1600" dirty="0" err="1"/>
+              <a:t>OutLook</a:t>
+            </a:r>
+            <a:r>
+              <a:rPr lang="en-US" altLang="ko-KR" sz="1600" dirty="0"/>
+              <a:t>(express)</a:t>
+            </a:r>
+            <a:r>
+              <a:rPr lang="ko-KR" altLang="en-US" sz="1600" dirty="0"/>
+              <a:t>가 자주 사용하는 이메일 작성프로그램 입니다</a:t>
+            </a:r>
+            <a:endParaRPr lang="en-US" altLang="ko-KR" sz="1600" dirty="0"/>
           </a:p>
         </p:txBody>
       </p:sp>
+      <p:pic>
+        <p:nvPicPr>
+          <p:cNvPr id="5" name="그림 4">
+            <a:extLst>
+              <a:ext uri="{FF2B5EF4-FFF2-40B4-BE49-F238E27FC236}">
+                <a16:creationId xmlns:a16="http://schemas.microsoft.com/office/drawing/2014/main" id="{C618706D-6C7E-3522-D447-A1052A8F337C}"/>
+              </a:ext>
+            </a:extLst>
+          </p:cNvPr>
+          <p:cNvPicPr>
+            <a:picLocks noChangeAspect="1"/>
+          </p:cNvPicPr>
+          <p:nvPr/>
+        </p:nvPicPr>
+        <p:blipFill>
+          <a:blip r:embed="rId2"/>
+          <a:stretch>
+            <a:fillRect/>
+          </a:stretch>
+        </p:blipFill>
+        <p:spPr>
+          <a:xfrm>
+            <a:off x="7254706" y="4351560"/>
+            <a:ext cx="4855380" cy="1941198"/>
+          </a:xfrm>
+          <a:prstGeom prst="rect">
+            <a:avLst/>
+          </a:prstGeom>
+        </p:spPr>
+      </p:pic>
     </p:spTree>
     <p:extLst>
       <p:ext uri="{BB962C8B-B14F-4D97-AF65-F5344CB8AC3E}">
@@ -14263,15 +15688,433 @@
             <p:ph idx="1"/>
           </p:nvPr>
         </p:nvSpPr>
-        <p:spPr/>
+        <p:spPr>
+          <a:xfrm>
+            <a:off x="762000" y="1765140"/>
+            <a:ext cx="10668000" cy="5052350"/>
+          </a:xfrm>
+        </p:spPr>
         <p:txBody>
           <a:bodyPr/>
           <a:lstStyle/>
           <a:p>
-            <a:endParaRPr lang="ko-KR" altLang="en-US"/>
+            <a:r>
+              <a:rPr lang="en-US" altLang="ko-KR" sz="1600" dirty="0"/>
+              <a:t>Telnet(Tel + net)</a:t>
+            </a:r>
+            <a:r>
+              <a:rPr lang="ko-KR" altLang="en-US" sz="1600" dirty="0"/>
+              <a:t>은</a:t>
+            </a:r>
+            <a:r>
+              <a:rPr lang="en-US" altLang="ko-KR" sz="1600" dirty="0"/>
+              <a:t> </a:t>
+            </a:r>
+            <a:r>
+              <a:rPr lang="ko-KR" altLang="en-US" sz="1600" dirty="0"/>
+              <a:t>로컬 네트워크 내에서 직접 연결된 것처럼</a:t>
+            </a:r>
+            <a:br>
+              <a:rPr lang="en-US" altLang="ko-KR" sz="1600" dirty="0"/>
+            </a:br>
+            <a:r>
+              <a:rPr lang="ko-KR" altLang="en-US" sz="1600" dirty="0"/>
+              <a:t>원격이 허용 된 컴퓨터에 로그온하여 사용할 수 있도록 하는 프로토콜 입니다</a:t>
+            </a:r>
+            <a:endParaRPr lang="en-US" altLang="ko-KR" sz="1600" dirty="0"/>
+          </a:p>
+          <a:p>
+            <a:r>
+              <a:rPr lang="en-US" altLang="ko-KR" sz="1600" dirty="0"/>
+              <a:t>Telnet</a:t>
+            </a:r>
+            <a:r>
+              <a:rPr lang="ko-KR" altLang="en-US" sz="1600" dirty="0"/>
+              <a:t>을 사용하려면 </a:t>
+            </a:r>
+            <a:r>
+              <a:rPr lang="en-US" altLang="ko-KR" sz="1600" dirty="0"/>
+              <a:t>“telnet [IP] [PORT]” </a:t>
+            </a:r>
+            <a:r>
+              <a:rPr lang="ko-KR" altLang="en-US" sz="1600" dirty="0"/>
+              <a:t>순서로 기입하면 </a:t>
+            </a:r>
+            <a:r>
+              <a:rPr lang="en-US" altLang="ko-KR" sz="1600" dirty="0"/>
+              <a:t>[IP]</a:t>
+            </a:r>
+            <a:r>
+              <a:rPr lang="ko-KR" altLang="en-US" sz="1600" dirty="0"/>
+              <a:t>에 </a:t>
+            </a:r>
+            <a:r>
+              <a:rPr lang="en-US" altLang="ko-KR" sz="1600" dirty="0"/>
+              <a:t>[PORT]</a:t>
+            </a:r>
+            <a:r>
+              <a:rPr lang="ko-KR" altLang="en-US" sz="1600" dirty="0"/>
+              <a:t>로 접속 할 수 있습니다</a:t>
+            </a:r>
+            <a:br>
+              <a:rPr lang="en-US" altLang="ko-KR" sz="1600" dirty="0"/>
+            </a:br>
+            <a:r>
+              <a:rPr lang="en-US" altLang="ko-KR" sz="1600" dirty="0"/>
+              <a:t>(</a:t>
+            </a:r>
+            <a:r>
+              <a:rPr lang="ko-KR" altLang="en-US" sz="1600" dirty="0"/>
+              <a:t>윈 </a:t>
+            </a:r>
+            <a:r>
+              <a:rPr lang="en-US" altLang="ko-KR" sz="1600" dirty="0"/>
+              <a:t>10/11</a:t>
+            </a:r>
+            <a:r>
+              <a:rPr lang="ko-KR" altLang="en-US" sz="1600" dirty="0"/>
+              <a:t>은 </a:t>
+            </a:r>
+            <a:r>
+              <a:rPr lang="en-US" altLang="ko-KR" sz="1600" dirty="0"/>
+              <a:t>windows</a:t>
+            </a:r>
+            <a:r>
+              <a:rPr lang="ko-KR" altLang="en-US" sz="1600" dirty="0"/>
+              <a:t>기능</a:t>
+            </a:r>
+            <a:r>
+              <a:rPr lang="en-US" altLang="ko-KR" sz="1600" dirty="0"/>
+              <a:t> </a:t>
+            </a:r>
+            <a:r>
+              <a:rPr lang="ko-KR" altLang="en-US" sz="1600" dirty="0"/>
+              <a:t>켜기</a:t>
+            </a:r>
+            <a:r>
+              <a:rPr lang="en-US" altLang="ko-KR" sz="1600" dirty="0"/>
+              <a:t>/</a:t>
+            </a:r>
+            <a:r>
+              <a:rPr lang="ko-KR" altLang="en-US" sz="1600" dirty="0"/>
+              <a:t>끄기에서 텔넷 클라이언트를 켜면 되고</a:t>
+            </a:r>
+            <a:r>
+              <a:rPr lang="en-US" altLang="ko-KR" sz="1600" dirty="0"/>
+              <a:t>,</a:t>
+            </a:r>
+            <a:br>
+              <a:rPr lang="en-US" altLang="ko-KR" sz="1600" dirty="0"/>
+            </a:br>
+            <a:r>
+              <a:rPr lang="ko-KR" altLang="en-US" sz="1600" dirty="0"/>
+              <a:t>리눅스 우분투는 </a:t>
+            </a:r>
+            <a:r>
+              <a:rPr lang="en-US" altLang="ko-KR" sz="1600" dirty="0" err="1"/>
+              <a:t>sudo</a:t>
+            </a:r>
+            <a:r>
+              <a:rPr lang="en-US" altLang="ko-KR" sz="1600" dirty="0"/>
+              <a:t> apt install </a:t>
+            </a:r>
+            <a:r>
+              <a:rPr lang="en-US" altLang="ko-KR" sz="1600" dirty="0" err="1"/>
+              <a:t>xinetd</a:t>
+            </a:r>
+            <a:r>
+              <a:rPr lang="en-US" altLang="ko-KR" sz="1600" dirty="0"/>
+              <a:t> </a:t>
+            </a:r>
+            <a:r>
+              <a:rPr lang="en-US" altLang="ko-KR" sz="1600" dirty="0" err="1"/>
+              <a:t>telnetd</a:t>
+            </a:r>
+            <a:r>
+              <a:rPr lang="ko-KR" altLang="en-US" sz="1600" dirty="0"/>
+              <a:t>를 설치하여 작업을 하면 켤 수 있습니다</a:t>
+            </a:r>
+            <a:r>
+              <a:rPr lang="en-US" altLang="ko-KR" sz="1600" dirty="0"/>
+              <a:t>)</a:t>
+            </a:r>
+          </a:p>
+          <a:p>
+            <a:r>
+              <a:rPr lang="en-US" altLang="ko-KR" sz="1600" dirty="0"/>
+              <a:t>FTP(File </a:t>
+            </a:r>
+            <a:r>
+              <a:rPr lang="en-US" altLang="ko-KR" sz="1600" dirty="0" err="1"/>
+              <a:t>Tranfer</a:t>
+            </a:r>
+            <a:r>
+              <a:rPr lang="en-US" altLang="ko-KR" sz="1600" dirty="0"/>
+              <a:t> Protocol)</a:t>
+            </a:r>
+            <a:r>
+              <a:rPr lang="ko-KR" altLang="en-US" sz="1600" dirty="0"/>
+              <a:t>은</a:t>
+            </a:r>
+            <a:r>
+              <a:rPr lang="en-US" altLang="ko-KR" sz="1600" dirty="0"/>
+              <a:t> </a:t>
+            </a:r>
+            <a:r>
+              <a:rPr lang="ko-KR" altLang="en-US" sz="1600" dirty="0"/>
+              <a:t>서로 파일을 전송 할 수 있도록 하는 프로토콜입니다</a:t>
+            </a:r>
+            <a:br>
+              <a:rPr lang="en-US" altLang="ko-KR" sz="1600" dirty="0"/>
+            </a:br>
+            <a:r>
+              <a:rPr lang="en-US" altLang="ko-KR" sz="1600" dirty="0"/>
+              <a:t>(</a:t>
+            </a:r>
+            <a:r>
+              <a:rPr lang="ko-KR" altLang="en-US" sz="1600" dirty="0"/>
+              <a:t>리눅스 우분투에서 서버를 구축하려면 </a:t>
+            </a:r>
+            <a:r>
+              <a:rPr lang="en-US" altLang="ko-KR" sz="1600" dirty="0" err="1"/>
+              <a:t>sudo</a:t>
+            </a:r>
+            <a:r>
+              <a:rPr lang="ko-KR" altLang="en-US" sz="1600" dirty="0"/>
+              <a:t> </a:t>
+            </a:r>
+            <a:r>
+              <a:rPr lang="en-US" altLang="ko-KR" sz="1600" dirty="0"/>
+              <a:t>apt</a:t>
+            </a:r>
+            <a:r>
+              <a:rPr lang="ko-KR" altLang="en-US" sz="1600" dirty="0"/>
+              <a:t> </a:t>
+            </a:r>
+            <a:r>
+              <a:rPr lang="en-US" altLang="ko-KR" sz="1600" dirty="0"/>
+              <a:t>install</a:t>
+            </a:r>
+            <a:r>
+              <a:rPr lang="ko-KR" altLang="en-US" sz="1600" dirty="0"/>
+              <a:t> </a:t>
+            </a:r>
+            <a:r>
+              <a:rPr lang="en-US" altLang="ko-KR" sz="1600" dirty="0" err="1"/>
+              <a:t>vsftpd</a:t>
+            </a:r>
+            <a:r>
+              <a:rPr lang="ko-KR" altLang="en-US" sz="1600" dirty="0"/>
+              <a:t>를 통해 작업하면 됩니다</a:t>
+            </a:r>
+            <a:r>
+              <a:rPr lang="en-US" altLang="ko-KR" sz="1600" dirty="0"/>
+              <a:t>)</a:t>
+            </a:r>
+          </a:p>
+          <a:p>
+            <a:r>
+              <a:rPr lang="ko-KR" altLang="en-US" sz="1600" dirty="0"/>
+              <a:t>두 프로토콜은 목적에 걸맞게 각 원격 쉘</a:t>
+            </a:r>
+            <a:r>
+              <a:rPr lang="en-US" altLang="ko-KR" sz="1600" dirty="0"/>
+              <a:t>, </a:t>
+            </a:r>
+            <a:r>
+              <a:rPr lang="ko-KR" altLang="en-US" sz="1600" dirty="0"/>
+              <a:t>파일 전송에 특화 된 프로토콜로</a:t>
+            </a:r>
+            <a:br>
+              <a:rPr lang="en-US" altLang="ko-KR" sz="1600" dirty="0"/>
+            </a:br>
+            <a:r>
+              <a:rPr lang="ko-KR" altLang="en-US" sz="1600" dirty="0"/>
+              <a:t>굉장히 빠르면서 연결이 편하기 때문에</a:t>
+            </a:r>
+            <a:r>
+              <a:rPr lang="en-US" altLang="ko-KR" sz="1600" dirty="0"/>
+              <a:t>, </a:t>
+            </a:r>
+            <a:r>
+              <a:rPr lang="ko-KR" altLang="en-US" sz="1600" dirty="0"/>
+              <a:t>예전에 자주 쓰였던 프로토콜이었습니다</a:t>
+            </a:r>
+            <a:endParaRPr lang="en-US" altLang="ko-KR" sz="1600" dirty="0"/>
+          </a:p>
+          <a:p>
+            <a:r>
+              <a:rPr lang="ko-KR" altLang="en-US" sz="1600" dirty="0"/>
+              <a:t>오늘날에는 두 프로토콜은 골치 아픈 보안취약점이 너무 많아서 사용을 최대한</a:t>
+            </a:r>
+            <a:br>
+              <a:rPr lang="en-US" altLang="ko-KR" sz="1600" dirty="0"/>
+            </a:br>
+            <a:r>
+              <a:rPr lang="ko-KR" altLang="en-US" sz="1600" dirty="0"/>
+              <a:t>하지 않는 방향으로 설계하고 역사의 뒤안길로 갈 예정인 프로토콜들입니다</a:t>
+            </a:r>
+            <a:endParaRPr lang="en-US" altLang="ko-KR" sz="1600" dirty="0"/>
+          </a:p>
+          <a:p>
+            <a:r>
+              <a:rPr lang="en-US" altLang="ko-KR" sz="1600" dirty="0"/>
+              <a:t>Telnet</a:t>
+            </a:r>
+            <a:r>
+              <a:rPr lang="ko-KR" altLang="en-US" sz="1600" dirty="0"/>
+              <a:t>과 </a:t>
+            </a:r>
+            <a:r>
+              <a:rPr lang="en-US" altLang="ko-KR" sz="1600" dirty="0"/>
+              <a:t>FTP</a:t>
+            </a:r>
+            <a:r>
+              <a:rPr lang="ko-KR" altLang="en-US" sz="1600" dirty="0"/>
+              <a:t>는 상호 통신이 단순하면서도 암호화</a:t>
+            </a:r>
+            <a:r>
+              <a:rPr lang="en-US" altLang="ko-KR" sz="1600" dirty="0"/>
+              <a:t>(SL)</a:t>
+            </a:r>
+            <a:r>
+              <a:rPr lang="ko-KR" altLang="en-US" sz="1600" dirty="0"/>
+              <a:t>과정이 없어</a:t>
+            </a:r>
+            <a:r>
+              <a:rPr lang="en-US" altLang="ko-KR" sz="1600" dirty="0"/>
+              <a:t>,</a:t>
+            </a:r>
+            <a:br>
+              <a:rPr lang="en-US" altLang="ko-KR" sz="1600" dirty="0"/>
+            </a:br>
+            <a:r>
+              <a:rPr lang="en-US" altLang="ko-KR" sz="1400" dirty="0"/>
+              <a:t>1. </a:t>
+            </a:r>
+            <a:r>
+              <a:rPr lang="ko-KR" altLang="en-US" sz="1400" dirty="0"/>
+              <a:t>세션 </a:t>
+            </a:r>
+            <a:r>
+              <a:rPr lang="ko-KR" altLang="en-US" sz="1400" dirty="0" err="1"/>
+              <a:t>하이재킹</a:t>
+            </a:r>
+            <a:r>
+              <a:rPr lang="ko-KR" altLang="en-US" sz="1400" dirty="0"/>
+              <a:t> 공격</a:t>
+            </a:r>
+            <a:r>
+              <a:rPr lang="en-US" altLang="ko-KR" sz="1400" dirty="0"/>
+              <a:t>: </a:t>
+            </a:r>
+            <a:r>
+              <a:rPr lang="ko-KR" altLang="en-US" sz="1400" dirty="0"/>
+              <a:t>연결이 된 상태를 가로채서 대신 통신을 시도하는 공격</a:t>
+            </a:r>
+            <a:br>
+              <a:rPr lang="en-US" altLang="ko-KR" sz="1400" dirty="0"/>
+            </a:br>
+            <a:r>
+              <a:rPr lang="en-US" altLang="ko-KR" sz="1400" dirty="0"/>
+              <a:t>2. </a:t>
+            </a:r>
+            <a:r>
+              <a:rPr lang="ko-KR" altLang="en-US" sz="1400" dirty="0" err="1"/>
+              <a:t>스니핑</a:t>
+            </a:r>
+            <a:r>
+              <a:rPr lang="en-US" altLang="ko-KR" sz="1400" dirty="0"/>
+              <a:t>/</a:t>
+            </a:r>
+            <a:r>
+              <a:rPr lang="ko-KR" altLang="en-US" sz="1400" dirty="0" err="1"/>
+              <a:t>스푸핑</a:t>
+            </a:r>
+            <a:r>
+              <a:rPr lang="ko-KR" altLang="en-US" sz="1400" dirty="0"/>
+              <a:t> 공격</a:t>
+            </a:r>
+            <a:r>
+              <a:rPr lang="en-US" altLang="ko-KR" sz="1400" dirty="0"/>
+              <a:t>: </a:t>
+            </a:r>
+            <a:r>
+              <a:rPr lang="ko-KR" altLang="en-US" sz="1400" dirty="0"/>
+              <a:t>연결 및 통신 중에 제 </a:t>
+            </a:r>
+            <a:r>
+              <a:rPr lang="en-US" altLang="ko-KR" sz="1400" dirty="0"/>
+              <a:t>3</a:t>
+            </a:r>
+            <a:r>
+              <a:rPr lang="ko-KR" altLang="en-US" sz="1400" dirty="0"/>
+              <a:t>자가 이를 가로채거나 조작하는 공격</a:t>
+            </a:r>
+            <a:br>
+              <a:rPr lang="en-US" altLang="ko-KR" sz="1600" dirty="0"/>
+            </a:br>
+            <a:r>
+              <a:rPr lang="ko-KR" altLang="en-US" sz="1600" dirty="0"/>
+              <a:t>이 대표적인 취약점이 되었고</a:t>
+            </a:r>
+            <a:r>
+              <a:rPr lang="en-US" altLang="ko-KR" sz="1600" dirty="0"/>
+              <a:t>, </a:t>
+            </a:r>
+            <a:r>
+              <a:rPr lang="ko-KR" altLang="en-US" sz="1600" dirty="0"/>
+              <a:t>특히 </a:t>
+            </a:r>
+            <a:r>
+              <a:rPr lang="en-US" altLang="ko-KR" sz="1600" dirty="0"/>
+              <a:t>Telnet</a:t>
+            </a:r>
+            <a:r>
+              <a:rPr lang="ko-KR" altLang="en-US" sz="1600" dirty="0"/>
+              <a:t>은 리버스 쉘 공격의 위험으로</a:t>
+            </a:r>
+            <a:br>
+              <a:rPr lang="en-US" altLang="ko-KR" sz="1600" dirty="0"/>
+            </a:br>
+            <a:r>
+              <a:rPr lang="ko-KR" altLang="en-US" sz="1600" dirty="0"/>
+              <a:t>대부분의 운영체제는 기본상태를 지원하지 않음으로 두는 이유가 이 때문입니다</a:t>
+            </a:r>
+            <a:endParaRPr lang="en-US" altLang="ko-KR" sz="1600" dirty="0"/>
           </a:p>
         </p:txBody>
       </p:sp>
+      <p:pic>
+        <p:nvPicPr>
+          <p:cNvPr id="5" name="그림 4">
+            <a:extLst>
+              <a:ext uri="{FF2B5EF4-FFF2-40B4-BE49-F238E27FC236}">
+                <a16:creationId xmlns:a16="http://schemas.microsoft.com/office/drawing/2014/main" id="{9E52AF14-C155-0F21-7E7F-BF02DF57F9B7}"/>
+              </a:ext>
+            </a:extLst>
+          </p:cNvPr>
+          <p:cNvPicPr>
+            <a:picLocks noChangeAspect="1"/>
+          </p:cNvPicPr>
+          <p:nvPr/>
+        </p:nvPicPr>
+        <p:blipFill>
+          <a:blip r:embed="rId2"/>
+          <a:stretch>
+            <a:fillRect/>
+          </a:stretch>
+        </p:blipFill>
+        <p:spPr>
+          <a:xfrm>
+            <a:off x="9769033" y="4046071"/>
+            <a:ext cx="2303271" cy="2727558"/>
+          </a:xfrm>
+          <a:prstGeom prst="rect">
+            <a:avLst/>
+          </a:prstGeom>
+        </p:spPr>
+      </p:pic>
     </p:spTree>
     <p:extLst>
       <p:ext uri="{BB962C8B-B14F-4D97-AF65-F5344CB8AC3E}">
@@ -14325,7 +16168,7 @@
           <a:p>
             <a:r>
               <a:rPr lang="en-US" altLang="ko-KR" dirty="0"/>
-              <a:t>SSH, SFTP</a:t>
+              <a:t>SSH, SFTP, FTPS</a:t>
             </a:r>
             <a:endParaRPr lang="ko-KR" altLang="en-US" dirty="0"/>
           </a:p>
@@ -14347,12 +16190,537 @@
             <p:ph idx="1"/>
           </p:nvPr>
         </p:nvSpPr>
-        <p:spPr/>
+        <p:spPr>
+          <a:xfrm>
+            <a:off x="761999" y="1765139"/>
+            <a:ext cx="10720087" cy="4898541"/>
+          </a:xfrm>
+        </p:spPr>
         <p:txBody>
           <a:bodyPr/>
           <a:lstStyle/>
           <a:p>
-            <a:endParaRPr lang="ko-KR" altLang="en-US"/>
+            <a:r>
+              <a:rPr lang="en-US" altLang="ko-KR" sz="1600" dirty="0"/>
+              <a:t>SSH(Secure </a:t>
+            </a:r>
+            <a:r>
+              <a:rPr lang="en-US" altLang="ko-KR" sz="1600" dirty="0" err="1"/>
+              <a:t>SHell</a:t>
+            </a:r>
+            <a:r>
+              <a:rPr lang="en-US" altLang="ko-KR" sz="1600" dirty="0"/>
+              <a:t>)</a:t>
+            </a:r>
+            <a:r>
+              <a:rPr lang="ko-KR" altLang="en-US" sz="1600" dirty="0"/>
+              <a:t>은 기존의 </a:t>
+            </a:r>
+            <a:r>
+              <a:rPr lang="en-US" altLang="ko-KR" sz="1600" dirty="0"/>
+              <a:t>Telnet</a:t>
+            </a:r>
+            <a:r>
+              <a:rPr lang="ko-KR" altLang="en-US" sz="1600" dirty="0"/>
+              <a:t>프로토콜의 취약점을 개선할 목적으로 나온 원격 쉘 프로토콜 입니다</a:t>
+            </a:r>
+            <a:br>
+              <a:rPr lang="en-US" altLang="ko-KR" sz="1600" dirty="0"/>
+            </a:br>
+            <a:r>
+              <a:rPr lang="en-US" altLang="ko-KR" sz="1600" dirty="0"/>
+              <a:t>(</a:t>
+            </a:r>
+            <a:r>
+              <a:rPr lang="ko-KR" altLang="en-US" sz="1600" dirty="0"/>
+              <a:t>현재 윈도우와 리눅스는 </a:t>
+            </a:r>
+            <a:r>
+              <a:rPr lang="en-US" altLang="ko-KR" sz="1600" dirty="0"/>
+              <a:t>SSH Client</a:t>
+            </a:r>
+            <a:r>
+              <a:rPr lang="ko-KR" altLang="en-US" sz="1600" dirty="0"/>
+              <a:t>를 기본 탑재하고 있어 </a:t>
+            </a:r>
+            <a:r>
+              <a:rPr lang="en-US" altLang="ko-KR" sz="1600" dirty="0"/>
+              <a:t>ssh [IP] [PORT] </a:t>
+            </a:r>
+            <a:r>
+              <a:rPr lang="ko-KR" altLang="en-US" sz="1600" dirty="0"/>
+              <a:t>순서로 연결이 가능합니다</a:t>
+            </a:r>
+            <a:r>
+              <a:rPr lang="en-US" altLang="ko-KR" sz="1600" dirty="0"/>
+              <a:t>)</a:t>
+            </a:r>
+          </a:p>
+          <a:p>
+            <a:r>
+              <a:rPr lang="en-US" altLang="ko-KR" sz="1600" dirty="0"/>
+              <a:t>FTPS(FTP over TLS)</a:t>
+            </a:r>
+            <a:r>
+              <a:rPr lang="ko-KR" altLang="en-US" sz="1600" dirty="0"/>
+              <a:t>은 기존의 </a:t>
+            </a:r>
+            <a:r>
+              <a:rPr lang="en-US" altLang="ko-KR" sz="1600" dirty="0"/>
+              <a:t>FTP</a:t>
+            </a:r>
+            <a:r>
+              <a:rPr lang="ko-KR" altLang="en-US" sz="1600" dirty="0"/>
+              <a:t>프로토콜의 취약점을 개선할 목적으로 나온 파일 전송 프로토콜 입니다</a:t>
+            </a:r>
+            <a:br>
+              <a:rPr lang="en-US" altLang="ko-KR" sz="1600" dirty="0"/>
+            </a:br>
+            <a:r>
+              <a:rPr lang="en-US" altLang="ko-KR" sz="1600" dirty="0"/>
+              <a:t>FTPS</a:t>
+            </a:r>
+            <a:r>
+              <a:rPr lang="ko-KR" altLang="en-US" sz="1600" dirty="0"/>
+              <a:t>는 이름처럼 기존 </a:t>
+            </a:r>
+            <a:r>
+              <a:rPr lang="en-US" altLang="ko-KR" sz="1600" dirty="0"/>
+              <a:t>FTP</a:t>
+            </a:r>
+            <a:r>
+              <a:rPr lang="ko-KR" altLang="en-US" sz="1600" dirty="0"/>
+              <a:t>에 </a:t>
+            </a:r>
+            <a:r>
+              <a:rPr lang="en-US" altLang="ko-KR" sz="1600" dirty="0"/>
+              <a:t>TLS </a:t>
+            </a:r>
+            <a:r>
+              <a:rPr lang="ko-KR" altLang="en-US" sz="1600" dirty="0"/>
+              <a:t>레이어만 얹은 프로토콜로 </a:t>
+            </a:r>
+            <a:r>
+              <a:rPr lang="en-US" altLang="ko-KR" sz="1600" dirty="0"/>
+              <a:t>FTP</a:t>
+            </a:r>
+            <a:r>
+              <a:rPr lang="ko-KR" altLang="en-US" sz="1600" dirty="0"/>
+              <a:t>보다는 취약점이 줄어 들었지만</a:t>
+            </a:r>
+            <a:r>
+              <a:rPr lang="en-US" altLang="ko-KR" sz="1600" dirty="0"/>
+              <a:t>,</a:t>
+            </a:r>
+            <a:br>
+              <a:rPr lang="en-US" altLang="ko-KR" sz="1600" dirty="0"/>
+            </a:br>
+            <a:r>
+              <a:rPr lang="en-US" altLang="ko-KR" sz="1600" dirty="0"/>
+              <a:t>SSH</a:t>
+            </a:r>
+            <a:r>
+              <a:rPr lang="ko-KR" altLang="en-US" sz="1600" dirty="0"/>
+              <a:t>만큼 보안이 뛰어난 편은 아닐 수 있습니다</a:t>
+            </a:r>
+            <a:r>
+              <a:rPr lang="en-US" altLang="ko-KR" sz="1600" dirty="0"/>
+              <a:t>(FileZilla</a:t>
+            </a:r>
+            <a:r>
+              <a:rPr lang="ko-KR" altLang="en-US" sz="1600" dirty="0"/>
+              <a:t>는 </a:t>
+            </a:r>
+            <a:r>
+              <a:rPr lang="en-US" altLang="ko-KR" sz="1600" dirty="0"/>
+              <a:t>FTP</a:t>
+            </a:r>
+            <a:r>
+              <a:rPr lang="ko-KR" altLang="en-US" sz="1600" dirty="0"/>
+              <a:t>와 함께 </a:t>
+            </a:r>
+            <a:r>
+              <a:rPr lang="en-US" altLang="ko-KR" sz="1600" dirty="0"/>
+              <a:t>FTPS</a:t>
+            </a:r>
+            <a:r>
+              <a:rPr lang="ko-KR" altLang="en-US" sz="1600" dirty="0"/>
+              <a:t>도 탑재되어</a:t>
+            </a:r>
+            <a:r>
+              <a:rPr lang="en-US" altLang="ko-KR" sz="1600" dirty="0"/>
+              <a:t> </a:t>
+            </a:r>
+            <a:r>
+              <a:rPr lang="ko-KR" altLang="en-US" sz="1600" dirty="0"/>
+              <a:t>있습니다</a:t>
+            </a:r>
+            <a:r>
+              <a:rPr lang="en-US" altLang="ko-KR" sz="1600" dirty="0"/>
+              <a:t>)</a:t>
+            </a:r>
+          </a:p>
+          <a:p>
+            <a:r>
+              <a:rPr lang="en-US" altLang="ko-KR" sz="1600" dirty="0"/>
+              <a:t>SFTP(SSH FTP)</a:t>
+            </a:r>
+            <a:r>
+              <a:rPr lang="ko-KR" altLang="en-US" sz="1600" dirty="0"/>
+              <a:t>는 기존의 </a:t>
+            </a:r>
+            <a:r>
+              <a:rPr lang="en-US" altLang="ko-KR" sz="1600" dirty="0"/>
+              <a:t>FTP</a:t>
+            </a:r>
+            <a:r>
+              <a:rPr lang="ko-KR" altLang="en-US" sz="1600" dirty="0"/>
+              <a:t>프로토콜의 취약점을 개선할 목적으로 나온 </a:t>
+            </a:r>
+            <a:r>
+              <a:rPr lang="en-US" altLang="ko-KR" sz="1600" dirty="0"/>
+              <a:t>SSH </a:t>
+            </a:r>
+            <a:r>
+              <a:rPr lang="ko-KR" altLang="en-US" sz="1600" dirty="0"/>
+              <a:t>프로토콜의 일부 입니다</a:t>
+            </a:r>
+            <a:br>
+              <a:rPr lang="en-US" altLang="ko-KR" sz="1600" dirty="0"/>
+            </a:br>
+            <a:r>
+              <a:rPr lang="en-US" altLang="ko-KR" sz="1600" dirty="0"/>
+              <a:t>SFTP</a:t>
+            </a:r>
+            <a:r>
+              <a:rPr lang="ko-KR" altLang="en-US" sz="1600" dirty="0"/>
+              <a:t>는 </a:t>
+            </a:r>
+            <a:r>
+              <a:rPr lang="en-US" altLang="ko-KR" sz="1600" dirty="0"/>
+              <a:t>FTP</a:t>
+            </a:r>
+            <a:r>
+              <a:rPr lang="ko-KR" altLang="en-US" sz="1600" dirty="0"/>
+              <a:t>의 프로토콜 규칙과는 관련이 없이 </a:t>
+            </a:r>
+            <a:r>
+              <a:rPr lang="en-US" altLang="ko-KR" sz="1600" dirty="0"/>
+              <a:t>SSH</a:t>
+            </a:r>
+            <a:r>
+              <a:rPr lang="ko-KR" altLang="en-US" sz="1600" dirty="0"/>
+              <a:t>의 보안 방식과 프로토콜을 그대로 사용하여</a:t>
+            </a:r>
+            <a:br>
+              <a:rPr lang="en-US" altLang="ko-KR" sz="1600" dirty="0"/>
+            </a:br>
+            <a:r>
+              <a:rPr lang="ko-KR" altLang="en-US" sz="1600" dirty="0"/>
+              <a:t>같은 포트인 </a:t>
+            </a:r>
+            <a:r>
+              <a:rPr lang="en-US" altLang="ko-KR" sz="1600" dirty="0"/>
+              <a:t>22</a:t>
+            </a:r>
+            <a:r>
+              <a:rPr lang="ko-KR" altLang="en-US" sz="1600" dirty="0"/>
+              <a:t>를 사용하고</a:t>
+            </a:r>
+            <a:r>
+              <a:rPr lang="en-US" altLang="ko-KR" sz="1600" dirty="0"/>
+              <a:t>, FTPS</a:t>
+            </a:r>
+            <a:r>
+              <a:rPr lang="ko-KR" altLang="en-US" sz="1600" dirty="0"/>
+              <a:t>보다 뛰어난</a:t>
+            </a:r>
+            <a:r>
+              <a:rPr lang="en-US" altLang="ko-KR" sz="1600" dirty="0"/>
+              <a:t>(</a:t>
+            </a:r>
+            <a:r>
+              <a:rPr lang="ko-KR" altLang="en-US" sz="1600" dirty="0"/>
+              <a:t>공개암호 사용 및 보안 레이어 추가</a:t>
+            </a:r>
+            <a:r>
+              <a:rPr lang="en-US" altLang="ko-KR" sz="1600" dirty="0"/>
+              <a:t>)</a:t>
+            </a:r>
+            <a:r>
+              <a:rPr lang="ko-KR" altLang="en-US" sz="1600" dirty="0"/>
+              <a:t>보안을 사용하여</a:t>
+            </a:r>
+            <a:endParaRPr lang="en-US" altLang="ko-KR" sz="1600" dirty="0"/>
+          </a:p>
+          <a:p>
+            <a:r>
+              <a:rPr lang="ko-KR" altLang="en-US" sz="1600" dirty="0"/>
+              <a:t>오늘날 </a:t>
+            </a:r>
+            <a:r>
+              <a:rPr lang="en-US" altLang="ko-KR" sz="1600" dirty="0" err="1"/>
+              <a:t>scp</a:t>
+            </a:r>
+            <a:r>
+              <a:rPr lang="en-US" altLang="ko-KR" sz="1600" dirty="0"/>
+              <a:t> </a:t>
+            </a:r>
+            <a:r>
+              <a:rPr lang="ko-KR" altLang="en-US" sz="1600" dirty="0"/>
+              <a:t>명령</a:t>
+            </a:r>
+            <a:r>
+              <a:rPr lang="en-US" altLang="ko-KR" sz="1600" dirty="0"/>
+              <a:t>: SSH</a:t>
+            </a:r>
+            <a:r>
+              <a:rPr lang="ko-KR" altLang="en-US" sz="1600" dirty="0"/>
+              <a:t>를 사용한 파일 원격 복사 명령어</a:t>
+            </a:r>
+            <a:r>
+              <a:rPr lang="en-US" altLang="ko-KR" sz="1600" dirty="0"/>
+              <a:t>,</a:t>
+            </a:r>
+            <a:br>
+              <a:rPr lang="en-US" altLang="ko-KR" sz="1600" dirty="0"/>
+            </a:br>
+            <a:r>
+              <a:rPr lang="en-US" altLang="ko-KR" sz="1600" dirty="0"/>
+              <a:t>SSH</a:t>
+            </a:r>
+            <a:r>
+              <a:rPr lang="ko-KR" altLang="en-US" sz="1600" dirty="0"/>
+              <a:t>에서 파일 전송</a:t>
+            </a:r>
+            <a:r>
+              <a:rPr lang="en-US" altLang="ko-KR" sz="1600" dirty="0"/>
+              <a:t>(</a:t>
+            </a:r>
+            <a:r>
+              <a:rPr lang="en-US" altLang="ko-KR" sz="1600" dirty="0" err="1"/>
+              <a:t>vscode</a:t>
+            </a:r>
+            <a:r>
+              <a:rPr lang="ko-KR" altLang="en-US" sz="1600" dirty="0"/>
+              <a:t>등의 </a:t>
+            </a:r>
+            <a:r>
+              <a:rPr lang="en-US" altLang="ko-KR" sz="1600" dirty="0"/>
+              <a:t>IDE </a:t>
+            </a:r>
+            <a:r>
+              <a:rPr lang="ko-KR" altLang="en-US" sz="1600" dirty="0"/>
+              <a:t>및 </a:t>
+            </a:r>
+            <a:r>
+              <a:rPr lang="en-US" altLang="ko-KR" sz="1600" dirty="0"/>
+              <a:t>git SSH)</a:t>
+            </a:r>
+            <a:r>
+              <a:rPr lang="ko-KR" altLang="en-US" sz="1600" dirty="0"/>
+              <a:t>등은 이미 </a:t>
+            </a:r>
+            <a:r>
+              <a:rPr lang="en-US" altLang="ko-KR" sz="1600" dirty="0"/>
+              <a:t>SFTP</a:t>
+            </a:r>
+            <a:r>
+              <a:rPr lang="ko-KR" altLang="en-US" sz="1600" dirty="0"/>
+              <a:t>와 유사하거나 동일한 방법으로</a:t>
+            </a:r>
+            <a:br>
+              <a:rPr lang="en-US" altLang="ko-KR" sz="1600" dirty="0"/>
+            </a:br>
+            <a:r>
+              <a:rPr lang="ko-KR" altLang="en-US" sz="1600" dirty="0"/>
+              <a:t>파일 통신을 수행하고 있습니다</a:t>
+            </a:r>
+            <a:endParaRPr lang="en-US" altLang="ko-KR" sz="1600" dirty="0"/>
+          </a:p>
+          <a:p>
+            <a:r>
+              <a:rPr lang="ko-KR" altLang="en-US" sz="1600" dirty="0"/>
+              <a:t>리눅스에서 </a:t>
+            </a:r>
+            <a:r>
+              <a:rPr lang="en-US" altLang="ko-KR" sz="1600" dirty="0"/>
+              <a:t>SFTP</a:t>
+            </a:r>
+            <a:r>
+              <a:rPr lang="ko-KR" altLang="en-US" sz="1600" dirty="0"/>
+              <a:t>를 사용하려는 경우 </a:t>
+            </a:r>
+            <a:r>
+              <a:rPr lang="en-US" altLang="ko-KR" sz="1600" dirty="0"/>
+              <a:t>OpenSSH</a:t>
+            </a:r>
+            <a:r>
+              <a:rPr lang="ko-KR" altLang="en-US" sz="1600" dirty="0"/>
+              <a:t>가 탑재되어 있는지 보고</a:t>
+            </a:r>
+            <a:br>
+              <a:rPr lang="en-US" altLang="ko-KR" sz="1600" dirty="0"/>
+            </a:br>
+            <a:r>
+              <a:rPr lang="en-US" altLang="ko-KR" sz="1600" dirty="0"/>
+              <a:t>$vi</a:t>
+            </a:r>
+            <a:r>
+              <a:rPr lang="ko-KR" altLang="en-US" sz="1600" dirty="0"/>
+              <a:t> </a:t>
+            </a:r>
+            <a:r>
+              <a:rPr lang="en-US" altLang="ko-KR" sz="1600" dirty="0"/>
+              <a:t>/</a:t>
+            </a:r>
+            <a:r>
+              <a:rPr lang="en-US" altLang="ko-KR" sz="1600" dirty="0" err="1"/>
+              <a:t>etc</a:t>
+            </a:r>
+            <a:r>
+              <a:rPr lang="en-US" altLang="ko-KR" sz="1600" dirty="0"/>
+              <a:t>/ssh/</a:t>
+            </a:r>
+            <a:r>
+              <a:rPr lang="en-US" altLang="ko-KR" sz="1600" dirty="0" err="1"/>
+              <a:t>sshd_config</a:t>
+            </a:r>
+            <a:r>
+              <a:rPr lang="en-US" altLang="ko-KR" sz="1600" dirty="0"/>
+              <a:t> </a:t>
+            </a:r>
+            <a:r>
+              <a:rPr lang="ko-KR" altLang="en-US" sz="1600" dirty="0"/>
+              <a:t>에서 </a:t>
+            </a:r>
+            <a:r>
+              <a:rPr lang="en-US" altLang="ko-KR" sz="1600" dirty="0"/>
+              <a:t>Subsystem sftp </a:t>
+            </a:r>
+            <a:r>
+              <a:rPr lang="ko-KR" altLang="en-US" sz="1600" dirty="0"/>
+              <a:t>값을 </a:t>
+            </a:r>
+            <a:r>
+              <a:rPr lang="en-US" altLang="ko-KR" sz="1600" dirty="0"/>
+              <a:t>internal-sftp</a:t>
+            </a:r>
+            <a:r>
+              <a:rPr lang="ko-KR" altLang="en-US" sz="1600" dirty="0"/>
+              <a:t>로 변경 후</a:t>
+            </a:r>
+            <a:r>
+              <a:rPr lang="en-US" altLang="ko-KR" sz="1600" dirty="0"/>
+              <a:t>,</a:t>
+            </a:r>
+            <a:br>
+              <a:rPr lang="en-US" altLang="ko-KR" sz="1600" dirty="0"/>
+            </a:br>
+            <a:r>
+              <a:rPr lang="ko-KR" altLang="en-US" sz="1600" dirty="0"/>
+              <a:t>아래 </a:t>
+            </a:r>
+            <a:r>
+              <a:rPr lang="en-US" altLang="ko-KR" sz="1600" dirty="0"/>
+              <a:t>Match</a:t>
+            </a:r>
+            <a:r>
+              <a:rPr lang="ko-KR" altLang="en-US" sz="1600" dirty="0"/>
+              <a:t> </a:t>
+            </a:r>
+            <a:r>
+              <a:rPr lang="en-US" altLang="ko-KR" sz="1600" dirty="0"/>
+              <a:t>Group</a:t>
+            </a:r>
+            <a:r>
+              <a:rPr lang="ko-KR" altLang="en-US" sz="1600" dirty="0"/>
+              <a:t> </a:t>
+            </a:r>
+            <a:r>
+              <a:rPr lang="en-US" altLang="ko-KR" sz="1600" dirty="0" err="1"/>
+              <a:t>filetransfer</a:t>
+            </a:r>
+            <a:r>
+              <a:rPr lang="en-US" altLang="ko-KR" sz="1600" dirty="0"/>
+              <a:t> </a:t>
+            </a:r>
+            <a:r>
+              <a:rPr lang="ko-KR" altLang="en-US" sz="1600" dirty="0"/>
+              <a:t>옵션을 조건에 맞게 수정한 뒤 </a:t>
+            </a:r>
+            <a:r>
+              <a:rPr lang="en-US" altLang="ko-KR" sz="1600" dirty="0"/>
+              <a:t>ssh</a:t>
+            </a:r>
+            <a:r>
+              <a:rPr lang="ko-KR" altLang="en-US" sz="1600" dirty="0"/>
+              <a:t>를 재시작 하면</a:t>
+            </a:r>
+            <a:r>
+              <a:rPr lang="en-US" altLang="ko-KR" sz="1600" dirty="0"/>
+              <a:t> </a:t>
+            </a:r>
+            <a:r>
+              <a:rPr lang="ko-KR" altLang="en-US" sz="1600" dirty="0"/>
+              <a:t>서버가 열리게 되고</a:t>
+            </a:r>
+            <a:r>
+              <a:rPr lang="en-US" altLang="ko-KR" sz="1600" dirty="0"/>
+              <a:t>,</a:t>
+            </a:r>
+            <a:br>
+              <a:rPr lang="en-US" altLang="ko-KR" sz="1600" dirty="0"/>
+            </a:br>
+            <a:r>
+              <a:rPr lang="en-US" altLang="ko-KR" sz="1600" dirty="0"/>
+              <a:t>sftp</a:t>
+            </a:r>
+            <a:r>
+              <a:rPr lang="ko-KR" altLang="en-US" sz="1600" dirty="0"/>
+              <a:t> </a:t>
+            </a:r>
+            <a:r>
+              <a:rPr lang="en-US" altLang="ko-KR" sz="1600" dirty="0"/>
+              <a:t>–P [PORT] [</a:t>
+            </a:r>
+            <a:r>
+              <a:rPr lang="ko-KR" altLang="en-US" sz="1600" dirty="0" err="1"/>
+              <a:t>계정명</a:t>
+            </a:r>
+            <a:r>
+              <a:rPr lang="en-US" altLang="ko-KR" sz="1600" dirty="0"/>
+              <a:t>]@[</a:t>
+            </a:r>
+            <a:r>
+              <a:rPr lang="ko-KR" altLang="en-US" sz="1600" dirty="0"/>
+              <a:t>원격지</a:t>
+            </a:r>
+            <a:r>
+              <a:rPr lang="en-US" altLang="ko-KR" sz="1600" dirty="0"/>
+              <a:t>] or</a:t>
+            </a:r>
+            <a:r>
+              <a:rPr lang="ko-KR" altLang="en-US" sz="1600" dirty="0"/>
+              <a:t> </a:t>
+            </a:r>
+            <a:r>
+              <a:rPr lang="en-US" altLang="ko-KR" sz="1600" dirty="0"/>
+              <a:t>[DNS]</a:t>
+            </a:r>
+            <a:r>
+              <a:rPr lang="ko-KR" altLang="en-US" sz="1600" dirty="0"/>
+              <a:t>로 </a:t>
+            </a:r>
+            <a:r>
+              <a:rPr lang="en-US" altLang="ko-KR" sz="1600" dirty="0"/>
+              <a:t> </a:t>
+            </a:r>
+            <a:r>
+              <a:rPr lang="ko-KR" altLang="en-US" sz="1600" dirty="0"/>
+              <a:t>클라이언트 사용이 가능해집니다</a:t>
+            </a:r>
+            <a:endParaRPr lang="en-US" altLang="ko-KR" sz="1600" dirty="0"/>
           </a:p>
         </p:txBody>
       </p:sp>
@@ -14544,16 +16912,8 @@
               <a:buAutoNum type="arabicPeriod"/>
             </a:pPr>
             <a:r>
-              <a:rPr lang="ko-KR" altLang="en-US" sz="1400" dirty="0"/>
-              <a:t>“</a:t>
-            </a:r>
-            <a:r>
               <a:rPr lang="ko-KR" altLang="en-US" sz="1400" dirty="0" err="1"/>
               <a:t>유니캐스트</a:t>
-            </a:r>
-            <a:r>
-              <a:rPr lang="ko-KR" altLang="en-US" sz="1400" dirty="0"/>
-              <a:t>”</a:t>
             </a:r>
             <a:r>
               <a:rPr lang="en-US" altLang="ko-KR" sz="1400" dirty="0"/>
@@ -14618,16 +16978,8 @@
               <a:buAutoNum type="arabicPeriod"/>
             </a:pPr>
             <a:r>
-              <a:rPr lang="ko-KR" altLang="en-US" sz="1400" dirty="0"/>
-              <a:t>“</a:t>
-            </a:r>
-            <a:r>
               <a:rPr lang="ko-KR" altLang="en-US" sz="1400" dirty="0" err="1"/>
               <a:t>브로드캐스트</a:t>
-            </a:r>
-            <a:r>
-              <a:rPr lang="ko-KR" altLang="en-US" sz="1400" dirty="0"/>
-              <a:t>”</a:t>
             </a:r>
             <a:r>
               <a:rPr lang="en-US" altLang="ko-KR" sz="1400" dirty="0"/>
@@ -14684,7 +17036,7 @@
             </a:pPr>
             <a:r>
               <a:rPr lang="ko-KR" altLang="en-US" sz="1400" dirty="0"/>
-              <a:t>“멀티캐스트”</a:t>
+              <a:t>멀티캐스트</a:t>
             </a:r>
             <a:r>
               <a:rPr lang="en-US" altLang="ko-KR" sz="1400" dirty="0"/>
@@ -14732,16 +17084,8 @@
               <a:buAutoNum type="arabicPeriod"/>
             </a:pPr>
             <a:r>
-              <a:rPr lang="ko-KR" altLang="en-US" sz="1400" dirty="0"/>
-              <a:t>“</a:t>
-            </a:r>
-            <a:r>
               <a:rPr lang="ko-KR" altLang="en-US" sz="1400" dirty="0" err="1"/>
               <a:t>애니캐스트</a:t>
-            </a:r>
-            <a:r>
-              <a:rPr lang="ko-KR" altLang="en-US" sz="1400" dirty="0"/>
-              <a:t>”</a:t>
             </a:r>
             <a:r>
               <a:rPr lang="en-US" altLang="ko-KR" sz="1400" dirty="0"/>
@@ -14852,7 +17196,7 @@
           <a:p>
             <a:r>
               <a:rPr lang="ko-KR" altLang="en-US" sz="1600" dirty="0"/>
-              <a:t>“라우터”</a:t>
+              <a:t>라우터</a:t>
             </a:r>
             <a:r>
               <a:rPr lang="en-US" altLang="ko-KR" sz="1600" dirty="0"/>
@@ -14964,12 +17308,8 @@
               <a:buAutoNum type="arabicPeriod"/>
             </a:pPr>
             <a:r>
-              <a:rPr lang="ko-KR" altLang="en-US" sz="1600" dirty="0"/>
-              <a:t>“</a:t>
-            </a:r>
-            <a:r>
-              <a:rPr lang="en-US" altLang="ko-KR" sz="1600" dirty="0"/>
-              <a:t>DHCP”(Dynamic Host Configuration Protocol)</a:t>
+              <a:rPr lang="en-US" altLang="ko-KR" sz="1600" dirty="0"/>
+              <a:t>DHCP(Dynamic Host Configuration Protocol)</a:t>
             </a:r>
             <a:r>
               <a:rPr lang="ko-KR" altLang="en-US" sz="1600" dirty="0"/>
@@ -15007,12 +17347,8 @@
               <a:buAutoNum type="arabicPeriod"/>
             </a:pPr>
             <a:r>
-              <a:rPr lang="ko-KR" altLang="en-US" sz="1600" dirty="0"/>
-              <a:t>“</a:t>
-            </a:r>
-            <a:r>
-              <a:rPr lang="en-US" altLang="ko-KR" sz="1600" dirty="0"/>
-              <a:t>NAT”(Network Address Translation)</a:t>
+              <a:rPr lang="en-US" altLang="ko-KR" sz="1600" dirty="0"/>
+              <a:t>NAT(Network Address Translation)</a:t>
             </a:r>
             <a:r>
               <a:rPr lang="ko-KR" altLang="en-US" sz="1600" dirty="0"/>
@@ -15050,7 +17386,7 @@
             </a:pPr>
             <a:r>
               <a:rPr lang="en-US" altLang="ko-KR" sz="1600" dirty="0"/>
-              <a:t>“VPN”(Virtual Private Network)</a:t>
+              <a:t>VPN(Virtual Private Network)</a:t>
             </a:r>
             <a:r>
               <a:rPr lang="ko-KR" altLang="en-US" sz="1600" dirty="0"/>
@@ -15083,16 +17419,8 @@
               <a:buAutoNum type="arabicPeriod"/>
             </a:pPr>
             <a:r>
-              <a:rPr lang="en-US" altLang="ko-KR" sz="1600" dirty="0"/>
-              <a:t>“</a:t>
-            </a:r>
-            <a:r>
               <a:rPr lang="en-US" altLang="ko-KR" sz="1600" dirty="0" err="1"/>
               <a:t>FireWall</a:t>
-            </a:r>
-            <a:r>
-              <a:rPr lang="en-US" altLang="ko-KR" sz="1600" dirty="0"/>
-              <a:t>”</a:t>
             </a:r>
             <a:r>
               <a:rPr lang="ko-KR" altLang="en-US" sz="1600" dirty="0"/>

--- a/1.pptx
+++ b/1.pptx
@@ -26,21 +26,6 @@
     <p:sldId id="266" r:id="rId20"/>
     <p:sldId id="267" r:id="rId21"/>
     <p:sldId id="274" r:id="rId22"/>
-    <p:sldId id="280" r:id="rId23"/>
-    <p:sldId id="273" r:id="rId24"/>
-    <p:sldId id="275" r:id="rId25"/>
-    <p:sldId id="297" r:id="rId26"/>
-    <p:sldId id="304" r:id="rId27"/>
-    <p:sldId id="298" r:id="rId28"/>
-    <p:sldId id="299" r:id="rId29"/>
-    <p:sldId id="276" r:id="rId30"/>
-    <p:sldId id="300" r:id="rId31"/>
-    <p:sldId id="305" r:id="rId32"/>
-    <p:sldId id="301" r:id="rId33"/>
-    <p:sldId id="277" r:id="rId34"/>
-    <p:sldId id="303" r:id="rId35"/>
-    <p:sldId id="278" r:id="rId36"/>
-    <p:sldId id="302" r:id="rId37"/>
   </p:sldIdLst>
   <p:sldSz cx="12192000" cy="6858000"/>
   <p:notesSz cx="6858000" cy="9144000"/>
@@ -294,7 +279,7 @@
           <a:p>
             <a:fld id="{76969C88-B244-455D-A017-012B25B1ACDD}" type="datetimeFigureOut">
               <a:rPr lang="en-US" smtClean="0"/>
-              <a:t>1/31/2024</a:t>
+              <a:t>2/2/2024</a:t>
             </a:fld>
             <a:endParaRPr lang="en-US"/>
           </a:p>
@@ -508,7 +493,7 @@
           <a:p>
             <a:fld id="{76969C88-B244-455D-A017-012B25B1ACDD}" type="datetimeFigureOut">
               <a:rPr lang="en-US" smtClean="0"/>
-              <a:t>1/31/2024</a:t>
+              <a:t>2/2/2024</a:t>
             </a:fld>
             <a:endParaRPr lang="en-US"/>
           </a:p>
@@ -732,7 +717,7 @@
           <a:p>
             <a:fld id="{76969C88-B244-455D-A017-012B25B1ACDD}" type="datetimeFigureOut">
               <a:rPr lang="en-US" smtClean="0"/>
-              <a:t>1/31/2024</a:t>
+              <a:t>2/2/2024</a:t>
             </a:fld>
             <a:endParaRPr lang="en-US"/>
           </a:p>
@@ -972,7 +957,7 @@
           <a:p>
             <a:fld id="{76969C88-B244-455D-A017-012B25B1ACDD}" type="datetimeFigureOut">
               <a:rPr lang="en-US" smtClean="0"/>
-              <a:t>1/31/2024</a:t>
+              <a:t>2/2/2024</a:t>
             </a:fld>
             <a:endParaRPr lang="en-US" dirty="0"/>
           </a:p>
@@ -1193,7 +1178,7 @@
           <a:p>
             <a:fld id="{76969C88-B244-455D-A017-012B25B1ACDD}" type="datetimeFigureOut">
               <a:rPr lang="en-US" smtClean="0"/>
-              <a:t>1/31/2024</a:t>
+              <a:t>2/2/2024</a:t>
             </a:fld>
             <a:endParaRPr lang="en-US"/>
           </a:p>
@@ -1483,7 +1468,7 @@
           <a:p>
             <a:fld id="{76969C88-B244-455D-A017-012B25B1ACDD}" type="datetimeFigureOut">
               <a:rPr lang="en-US" smtClean="0"/>
-              <a:t>1/31/2024</a:t>
+              <a:t>2/2/2024</a:t>
             </a:fld>
             <a:endParaRPr lang="en-US"/>
           </a:p>
@@ -1841,7 +1826,7 @@
           <a:p>
             <a:fld id="{76969C88-B244-455D-A017-012B25B1ACDD}" type="datetimeFigureOut">
               <a:rPr lang="en-US" smtClean="0"/>
-              <a:t>1/31/2024</a:t>
+              <a:t>2/2/2024</a:t>
             </a:fld>
             <a:endParaRPr lang="en-US"/>
           </a:p>
@@ -2007,7 +1992,7 @@
           <a:p>
             <a:fld id="{76969C88-B244-455D-A017-012B25B1ACDD}" type="datetimeFigureOut">
               <a:rPr lang="en-US" smtClean="0"/>
-              <a:t>1/31/2024</a:t>
+              <a:t>2/2/2024</a:t>
             </a:fld>
             <a:endParaRPr lang="en-US"/>
           </a:p>
@@ -2066,7 +2051,7 @@
           <a:p>
             <a:fld id="{76969C88-B244-455D-A017-012B25B1ACDD}" type="datetimeFigureOut">
               <a:rPr lang="en-US" smtClean="0"/>
-              <a:t>1/31/2024</a:t>
+              <a:t>2/2/2024</a:t>
             </a:fld>
             <a:endParaRPr lang="en-US"/>
           </a:p>
@@ -2394,7 +2379,7 @@
           <a:p>
             <a:fld id="{76969C88-B244-455D-A017-012B25B1ACDD}" type="datetimeFigureOut">
               <a:rPr lang="en-US" smtClean="0"/>
-              <a:t>1/31/2024</a:t>
+              <a:t>2/2/2024</a:t>
             </a:fld>
             <a:endParaRPr lang="en-US"/>
           </a:p>
@@ -2701,7 +2686,7 @@
           <a:p>
             <a:fld id="{76969C88-B244-455D-A017-012B25B1ACDD}" type="datetimeFigureOut">
               <a:rPr lang="en-US" smtClean="0"/>
-              <a:t>1/31/2024</a:t>
+              <a:t>2/2/2024</a:t>
             </a:fld>
             <a:endParaRPr lang="en-US"/>
           </a:p>
@@ -3467,7 +3452,7 @@
             <a:fld id="{76969C88-B244-455D-A017-012B25B1ACDD}" type="datetimeFigureOut">
               <a:rPr lang="en-US" smtClean="0"/>
               <a:pPr/>
-              <a:t>1/31/2024</a:t>
+              <a:t>2/2/2024</a:t>
             </a:fld>
             <a:endParaRPr lang="en-US"/>
           </a:p>
@@ -9074,8 +9059,22 @@
               <a:buAutoNum type="arabicPeriod"/>
             </a:pPr>
             <a:r>
-              <a:rPr lang="en-US" altLang="ko-KR" sz="2400" dirty="0"/>
-              <a:t>End System – Router – Switch</a:t>
+              <a:rPr lang="en-US" altLang="ko-KR" sz="2800" dirty="0"/>
+              <a:t>End System</a:t>
+            </a:r>
+            <a:br>
+              <a:rPr lang="en-US" altLang="ko-KR" sz="2800" dirty="0"/>
+            </a:br>
+            <a:r>
+              <a:rPr lang="en-US" altLang="ko-KR" sz="2800" dirty="0"/>
+              <a:t>– Router</a:t>
+            </a:r>
+            <a:br>
+              <a:rPr lang="en-US" altLang="ko-KR" sz="2800" dirty="0"/>
+            </a:br>
+            <a:r>
+              <a:rPr lang="en-US" altLang="ko-KR" sz="2800" dirty="0"/>
+              <a:t>– Switch</a:t>
             </a:r>
           </a:p>
           <a:p>
@@ -9087,8 +9086,22 @@
               <a:buAutoNum type="arabicPeriod"/>
             </a:pPr>
             <a:r>
-              <a:rPr lang="en-US" altLang="ko-KR" sz="2400" dirty="0"/>
-              <a:t>DHCP – NAT – VPN</a:t>
+              <a:rPr lang="en-US" altLang="ko-KR" sz="2800" dirty="0"/>
+              <a:t>DHCP</a:t>
+            </a:r>
+            <a:br>
+              <a:rPr lang="en-US" altLang="ko-KR" sz="2800" dirty="0"/>
+            </a:br>
+            <a:r>
+              <a:rPr lang="en-US" altLang="ko-KR" sz="2800" dirty="0"/>
+              <a:t>– NAT</a:t>
+            </a:r>
+            <a:br>
+              <a:rPr lang="en-US" altLang="ko-KR" sz="2800" dirty="0"/>
+            </a:br>
+            <a:r>
+              <a:rPr lang="en-US" altLang="ko-KR" sz="2800" dirty="0"/>
+              <a:t>- VPN</a:t>
             </a:r>
           </a:p>
           <a:p>
@@ -9100,8 +9113,22 @@
               <a:buAutoNum type="arabicPeriod"/>
             </a:pPr>
             <a:r>
-              <a:rPr lang="en-US" altLang="ko-KR" sz="2400" dirty="0"/>
-              <a:t>ISP – ASN – BGP</a:t>
+              <a:rPr lang="en-US" altLang="ko-KR" sz="2800" dirty="0"/>
+              <a:t>ISP</a:t>
+            </a:r>
+            <a:br>
+              <a:rPr lang="en-US" altLang="ko-KR" sz="2800" dirty="0"/>
+            </a:br>
+            <a:r>
+              <a:rPr lang="en-US" altLang="ko-KR" sz="2800" dirty="0"/>
+              <a:t>– ASN</a:t>
+            </a:r>
+            <a:br>
+              <a:rPr lang="en-US" altLang="ko-KR" sz="2800" dirty="0"/>
+            </a:br>
+            <a:r>
+              <a:rPr lang="en-US" altLang="ko-KR" sz="2800" dirty="0"/>
+              <a:t>– BGP</a:t>
             </a:r>
           </a:p>
           <a:p>
@@ -9113,83 +9140,9 @@
               <a:buAutoNum type="arabicPeriod"/>
             </a:pPr>
             <a:r>
-              <a:rPr lang="en-US" altLang="ko-KR" sz="2400" dirty="0"/>
+              <a:rPr lang="en-US" altLang="ko-KR" sz="2800" dirty="0"/>
               <a:t>OSI 7 Layer</a:t>
             </a:r>
-          </a:p>
-          <a:p>
-            <a:pPr marL="457200" indent="-457200">
-              <a:lnSpc>
-                <a:spcPct val="102000"/>
-              </a:lnSpc>
-              <a:buFont typeface="+mj-lt"/>
-              <a:buAutoNum type="arabicPeriod"/>
-            </a:pPr>
-            <a:endParaRPr lang="en-US" altLang="ko-KR" sz="2400" dirty="0"/>
-          </a:p>
-          <a:p>
-            <a:pPr>
-              <a:lnSpc>
-                <a:spcPct val="102000"/>
-              </a:lnSpc>
-            </a:pPr>
-            <a:r>
-              <a:rPr lang="en-US" altLang="ko-KR" sz="2400" dirty="0"/>
-              <a:t>Layer 5</a:t>
-            </a:r>
-          </a:p>
-          <a:p>
-            <a:pPr marL="457200" indent="-457200">
-              <a:lnSpc>
-                <a:spcPct val="102000"/>
-              </a:lnSpc>
-              <a:buFont typeface="+mj-lt"/>
-              <a:buAutoNum type="arabicPeriod"/>
-            </a:pPr>
-            <a:r>
-              <a:rPr lang="en-US" altLang="ko-KR" sz="2400" dirty="0"/>
-              <a:t>HTTP</a:t>
-            </a:r>
-          </a:p>
-          <a:p>
-            <a:pPr marL="457200" indent="-457200">
-              <a:lnSpc>
-                <a:spcPct val="102000"/>
-              </a:lnSpc>
-              <a:buFont typeface="+mj-lt"/>
-              <a:buAutoNum type="arabicPeriod"/>
-            </a:pPr>
-            <a:r>
-              <a:rPr lang="en-US" altLang="ko-KR" sz="2400" dirty="0"/>
-              <a:t>DNS</a:t>
-            </a:r>
-          </a:p>
-          <a:p>
-            <a:pPr marL="457200" indent="-457200">
-              <a:lnSpc>
-                <a:spcPct val="102000"/>
-              </a:lnSpc>
-              <a:buFont typeface="+mj-lt"/>
-              <a:buAutoNum type="arabicPeriod"/>
-            </a:pPr>
-            <a:r>
-              <a:rPr lang="en-US" altLang="ko-KR" sz="2400" dirty="0"/>
-              <a:t>SMTP</a:t>
-            </a:r>
-          </a:p>
-          <a:p>
-            <a:pPr marL="457200" indent="-457200">
-              <a:lnSpc>
-                <a:spcPct val="102000"/>
-              </a:lnSpc>
-              <a:buFont typeface="+mj-lt"/>
-              <a:buAutoNum type="arabicPeriod"/>
-            </a:pPr>
-            <a:r>
-              <a:rPr lang="en-US" altLang="ko-KR" sz="2400" dirty="0"/>
-              <a:t>Telnet – FTP -&gt; SSH - SFTP</a:t>
-            </a:r>
-            <a:endParaRPr lang="ko-KR" altLang="en-US" sz="2400" dirty="0"/>
           </a:p>
         </p:txBody>
       </p:sp>
@@ -10103,2999 +10056,6 @@
 </p:sld>
 </file>
 
-<file path=ppt/slides/slide22.xml><?xml version="1.0" encoding="utf-8"?>
-<p:sld xmlns:a="http://schemas.openxmlformats.org/drawingml/2006/main" xmlns:r="http://schemas.openxmlformats.org/officeDocument/2006/relationships" xmlns:p="http://schemas.openxmlformats.org/presentationml/2006/main">
-  <p:cSld>
-    <p:spTree>
-      <p:nvGrpSpPr>
-        <p:cNvPr id="1" name=""/>
-        <p:cNvGrpSpPr/>
-        <p:nvPr/>
-      </p:nvGrpSpPr>
-      <p:grpSpPr>
-        <a:xfrm>
-          <a:off x="0" y="0"/>
-          <a:ext cx="0" cy="0"/>
-          <a:chOff x="0" y="0"/>
-          <a:chExt cx="0" cy="0"/>
-        </a:xfrm>
-      </p:grpSpPr>
-      <p:sp>
-        <p:nvSpPr>
-          <p:cNvPr id="6" name="제목 5">
-            <a:extLst>
-              <a:ext uri="{FF2B5EF4-FFF2-40B4-BE49-F238E27FC236}">
-                <a16:creationId xmlns:a16="http://schemas.microsoft.com/office/drawing/2014/main" id="{F826D273-7332-66DA-9DCE-2EDFAAD4D461}"/>
-              </a:ext>
-            </a:extLst>
-          </p:cNvPr>
-          <p:cNvSpPr>
-            <a:spLocks noGrp="1"/>
-          </p:cNvSpPr>
-          <p:nvPr>
-            <p:ph type="ctrTitle"/>
-          </p:nvPr>
-        </p:nvSpPr>
-        <p:spPr/>
-        <p:txBody>
-          <a:bodyPr/>
-          <a:lstStyle/>
-          <a:p>
-            <a:r>
-              <a:rPr lang="en-US" altLang="ko-KR" dirty="0"/>
-              <a:t>Layer 5 </a:t>
-            </a:r>
-            <a:endParaRPr lang="ko-KR" altLang="en-US" dirty="0"/>
-          </a:p>
-        </p:txBody>
-      </p:sp>
-      <p:sp>
-        <p:nvSpPr>
-          <p:cNvPr id="7" name="부제목 6">
-            <a:extLst>
-              <a:ext uri="{FF2B5EF4-FFF2-40B4-BE49-F238E27FC236}">
-                <a16:creationId xmlns:a16="http://schemas.microsoft.com/office/drawing/2014/main" id="{4FD3139D-811E-04AA-6A66-753832B7229B}"/>
-              </a:ext>
-            </a:extLst>
-          </p:cNvPr>
-          <p:cNvSpPr>
-            <a:spLocks noGrp="1"/>
-          </p:cNvSpPr>
-          <p:nvPr>
-            <p:ph type="subTitle" idx="1"/>
-          </p:nvPr>
-        </p:nvSpPr>
-        <p:spPr/>
-        <p:txBody>
-          <a:bodyPr/>
-          <a:lstStyle/>
-          <a:p>
-            <a:r>
-              <a:rPr lang="ko-KR" altLang="en-US" dirty="0"/>
-              <a:t>응용 계층</a:t>
-            </a:r>
-            <a:br>
-              <a:rPr lang="en-US" altLang="ko-KR" dirty="0"/>
-            </a:br>
-            <a:r>
-              <a:rPr lang="en-US" altLang="ko-KR" dirty="0"/>
-              <a:t>(Application Layer)</a:t>
-            </a:r>
-            <a:endParaRPr lang="ko-KR" altLang="en-US" dirty="0"/>
-          </a:p>
-        </p:txBody>
-      </p:sp>
-    </p:spTree>
-    <p:extLst>
-      <p:ext uri="{BB962C8B-B14F-4D97-AF65-F5344CB8AC3E}">
-        <p14:creationId xmlns:p14="http://schemas.microsoft.com/office/powerpoint/2010/main" val="3390344442"/>
-      </p:ext>
-    </p:extLst>
-  </p:cSld>
-  <p:clrMapOvr>
-    <a:masterClrMapping/>
-  </p:clrMapOvr>
-</p:sld>
-</file>
-
-<file path=ppt/slides/slide23.xml><?xml version="1.0" encoding="utf-8"?>
-<p:sld xmlns:a="http://schemas.openxmlformats.org/drawingml/2006/main" xmlns:r="http://schemas.openxmlformats.org/officeDocument/2006/relationships" xmlns:p="http://schemas.openxmlformats.org/presentationml/2006/main">
-  <p:cSld>
-    <p:spTree>
-      <p:nvGrpSpPr>
-        <p:cNvPr id="1" name=""/>
-        <p:cNvGrpSpPr/>
-        <p:nvPr/>
-      </p:nvGrpSpPr>
-      <p:grpSpPr>
-        <a:xfrm>
-          <a:off x="0" y="0"/>
-          <a:ext cx="0" cy="0"/>
-          <a:chOff x="0" y="0"/>
-          <a:chExt cx="0" cy="0"/>
-        </a:xfrm>
-      </p:grpSpPr>
-      <p:sp>
-        <p:nvSpPr>
-          <p:cNvPr id="2" name="제목 1">
-            <a:extLst>
-              <a:ext uri="{FF2B5EF4-FFF2-40B4-BE49-F238E27FC236}">
-                <a16:creationId xmlns:a16="http://schemas.microsoft.com/office/drawing/2014/main" id="{76D0ABAE-E876-D144-FA9C-E7DF0D34820A}"/>
-              </a:ext>
-            </a:extLst>
-          </p:cNvPr>
-          <p:cNvSpPr>
-            <a:spLocks noGrp="1"/>
-          </p:cNvSpPr>
-          <p:nvPr>
-            <p:ph type="title"/>
-          </p:nvPr>
-        </p:nvSpPr>
-        <p:spPr/>
-        <p:txBody>
-          <a:bodyPr/>
-          <a:lstStyle/>
-          <a:p>
-            <a:r>
-              <a:rPr lang="en-US" altLang="ko-KR" dirty="0"/>
-              <a:t>Client-Server, P2P</a:t>
-            </a:r>
-            <a:endParaRPr lang="ko-KR" altLang="en-US" dirty="0"/>
-          </a:p>
-        </p:txBody>
-      </p:sp>
-      <p:sp>
-        <p:nvSpPr>
-          <p:cNvPr id="3" name="내용 개체 틀 2">
-            <a:extLst>
-              <a:ext uri="{FF2B5EF4-FFF2-40B4-BE49-F238E27FC236}">
-                <a16:creationId xmlns:a16="http://schemas.microsoft.com/office/drawing/2014/main" id="{59AC28B8-EA4A-FDE5-94F6-DEB28A23B87D}"/>
-              </a:ext>
-            </a:extLst>
-          </p:cNvPr>
-          <p:cNvSpPr>
-            <a:spLocks noGrp="1"/>
-          </p:cNvSpPr>
-          <p:nvPr>
-            <p:ph idx="1"/>
-          </p:nvPr>
-        </p:nvSpPr>
-        <p:spPr>
-          <a:xfrm>
-            <a:off x="762000" y="1765139"/>
-            <a:ext cx="10668000" cy="4966025"/>
-          </a:xfrm>
-        </p:spPr>
-        <p:txBody>
-          <a:bodyPr/>
-          <a:lstStyle/>
-          <a:p>
-            <a:r>
-              <a:rPr lang="en-US" altLang="ko-KR" sz="1600" dirty="0"/>
-              <a:t>Client-Server</a:t>
-            </a:r>
-            <a:r>
-              <a:rPr lang="ko-KR" altLang="en-US" sz="1600" dirty="0"/>
-              <a:t>구조</a:t>
-            </a:r>
-            <a:r>
-              <a:rPr lang="en-US" altLang="ko-KR" sz="1600" dirty="0"/>
-              <a:t>: </a:t>
-            </a:r>
-            <a:r>
-              <a:rPr lang="ko-KR" altLang="en-US" sz="1600" dirty="0"/>
-              <a:t>서버 호스트는 상시 켜져 있으며</a:t>
-            </a:r>
-            <a:r>
-              <a:rPr lang="en-US" altLang="ko-KR" sz="1600" dirty="0"/>
-              <a:t>, </a:t>
-            </a:r>
-            <a:r>
-              <a:rPr lang="ko-KR" altLang="en-US" sz="1600" dirty="0"/>
-              <a:t>고정된 </a:t>
-            </a:r>
-            <a:r>
-              <a:rPr lang="en-US" altLang="ko-KR" sz="1600" dirty="0"/>
-              <a:t>IP</a:t>
-            </a:r>
-            <a:r>
-              <a:rPr lang="ko-KR" altLang="en-US" sz="1600" dirty="0"/>
-              <a:t>를 가지고 있습니다</a:t>
-            </a:r>
-            <a:br>
-              <a:rPr lang="en-US" altLang="ko-KR" sz="1600" dirty="0"/>
-            </a:br>
-            <a:r>
-              <a:rPr lang="ko-KR" altLang="en-US" sz="1600" dirty="0"/>
-              <a:t>클라이언트 호스트들은 서버에 서비스를 요청하고 서버는 서비스 요청에 응답하는 방식으로 이루어집니다</a:t>
-            </a:r>
-            <a:endParaRPr lang="en-US" altLang="ko-KR" sz="1600" dirty="0"/>
-          </a:p>
-          <a:p>
-            <a:r>
-              <a:rPr lang="en-US" altLang="ko-KR" sz="1600" dirty="0"/>
-              <a:t>P2P</a:t>
-            </a:r>
-            <a:r>
-              <a:rPr lang="ko-KR" altLang="en-US" sz="1600" dirty="0"/>
-              <a:t>구조</a:t>
-            </a:r>
-            <a:r>
-              <a:rPr lang="en-US" altLang="ko-KR" sz="1600" dirty="0"/>
-              <a:t>: </a:t>
-            </a:r>
-            <a:r>
-              <a:rPr lang="ko-KR" altLang="en-US" sz="1600" dirty="0"/>
-              <a:t>상시 켜져 있는 독립서버를 사용하기 보다는 피어</a:t>
-            </a:r>
-            <a:r>
-              <a:rPr lang="en-US" altLang="ko-KR" sz="1600" dirty="0"/>
-              <a:t>(Peer)</a:t>
-            </a:r>
-            <a:r>
-              <a:rPr lang="ko-KR" altLang="en-US" sz="1600" dirty="0"/>
-              <a:t>들 끼리 모여서</a:t>
-            </a:r>
-            <a:br>
-              <a:rPr lang="en-US" altLang="ko-KR" sz="1600" dirty="0"/>
-            </a:br>
-            <a:r>
-              <a:rPr lang="ko-KR" altLang="en-US" sz="1600" dirty="0"/>
-              <a:t>서로 직접 통신하여</a:t>
-            </a:r>
-            <a:r>
-              <a:rPr lang="en-US" altLang="ko-KR" sz="1600" dirty="0"/>
-              <a:t> </a:t>
-            </a:r>
-            <a:r>
-              <a:rPr lang="ko-KR" altLang="en-US" sz="1600" dirty="0"/>
-              <a:t>서비스를 주고 받는 방식입니다</a:t>
-            </a:r>
-            <a:endParaRPr lang="en-US" altLang="ko-KR" sz="1600" dirty="0"/>
-          </a:p>
-          <a:p>
-            <a:r>
-              <a:rPr lang="ko-KR" altLang="en-US" sz="1600" dirty="0"/>
-              <a:t>소켓 프로그래밍은 기본적으로 </a:t>
-            </a:r>
-            <a:r>
-              <a:rPr lang="en-US" altLang="ko-KR" sz="1600" dirty="0"/>
-              <a:t>Client-Server</a:t>
-            </a:r>
-            <a:r>
-              <a:rPr lang="ko-KR" altLang="en-US" sz="1600" dirty="0"/>
-              <a:t>구조를 가지기 때문에</a:t>
-            </a:r>
-            <a:r>
-              <a:rPr lang="en-US" altLang="ko-KR" sz="1600" dirty="0"/>
-              <a:t>,</a:t>
-            </a:r>
-            <a:br>
-              <a:rPr lang="en-US" altLang="ko-KR" sz="1600" dirty="0"/>
-            </a:br>
-            <a:r>
-              <a:rPr lang="en-US" altLang="ko-KR" sz="1600" dirty="0"/>
-              <a:t>P2P</a:t>
-            </a:r>
-            <a:r>
-              <a:rPr lang="ko-KR" altLang="en-US" sz="1600" dirty="0"/>
-              <a:t>는 상호가 서버이자 클라이언트로 연결을 맺는 구조로 하거나</a:t>
-            </a:r>
-            <a:r>
-              <a:rPr lang="en-US" altLang="ko-KR" sz="1600" dirty="0"/>
-              <a:t>,</a:t>
-            </a:r>
-            <a:br>
-              <a:rPr lang="en-US" altLang="ko-KR" sz="1600" dirty="0"/>
-            </a:br>
-            <a:r>
-              <a:rPr lang="ko-KR" altLang="en-US" sz="1600" dirty="0"/>
-              <a:t>순간 특정 인원이 </a:t>
-            </a:r>
-            <a:r>
-              <a:rPr lang="en-US" altLang="ko-KR" sz="1600" dirty="0"/>
-              <a:t>Listen</a:t>
-            </a:r>
-            <a:r>
-              <a:rPr lang="ko-KR" altLang="en-US" sz="1600" dirty="0"/>
-              <a:t>서버를 켜면</a:t>
-            </a:r>
-            <a:r>
-              <a:rPr lang="en-US" altLang="ko-KR" sz="1600" dirty="0"/>
-              <a:t> </a:t>
-            </a:r>
-            <a:r>
-              <a:rPr lang="ko-KR" altLang="en-US" sz="1600" dirty="0"/>
-              <a:t>불특정 다수가 클라이언트로 동작하는 구조 중에 하나를 사용합니다</a:t>
-            </a:r>
-            <a:endParaRPr lang="en-US" altLang="ko-KR" sz="1600" dirty="0"/>
-          </a:p>
-          <a:p>
-            <a:r>
-              <a:rPr lang="ko-KR" altLang="en-US" sz="1600" dirty="0"/>
-              <a:t>오늘날에는 대부분의 서비스를 </a:t>
-            </a:r>
-            <a:r>
-              <a:rPr lang="en-US" altLang="ko-KR" sz="1600" dirty="0"/>
-              <a:t>Client-Server</a:t>
-            </a:r>
-            <a:r>
-              <a:rPr lang="ko-KR" altLang="en-US" sz="1600" dirty="0"/>
-              <a:t>구조로 동작 시킵니다</a:t>
-            </a:r>
-            <a:br>
-              <a:rPr lang="en-US" altLang="ko-KR" sz="1600" dirty="0"/>
-            </a:br>
-            <a:r>
-              <a:rPr lang="ko-KR" altLang="en-US" sz="1600" dirty="0"/>
-              <a:t>웹</a:t>
-            </a:r>
-            <a:r>
-              <a:rPr lang="en-US" altLang="ko-KR" sz="1600" dirty="0"/>
-              <a:t>, </a:t>
-            </a:r>
-            <a:r>
-              <a:rPr lang="ko-KR" altLang="en-US" sz="1600" dirty="0"/>
-              <a:t>도메인서버</a:t>
-            </a:r>
-            <a:r>
-              <a:rPr lang="en-US" altLang="ko-KR" sz="1600" dirty="0"/>
-              <a:t>, </a:t>
-            </a:r>
-            <a:r>
-              <a:rPr lang="ko-KR" altLang="en-US" sz="1600" dirty="0"/>
-              <a:t>메일서버</a:t>
-            </a:r>
-            <a:r>
-              <a:rPr lang="en-US" altLang="ko-KR" sz="1600" dirty="0"/>
-              <a:t>, DHCP</a:t>
-            </a:r>
-            <a:r>
-              <a:rPr lang="ko-KR" altLang="en-US" sz="1600" dirty="0"/>
-              <a:t>서버</a:t>
-            </a:r>
-            <a:r>
-              <a:rPr lang="en-US" altLang="ko-KR" sz="1600" dirty="0"/>
-              <a:t>, </a:t>
-            </a:r>
-            <a:r>
-              <a:rPr lang="ko-KR" altLang="en-US" sz="1600" dirty="0"/>
-              <a:t>게임 </a:t>
-            </a:r>
-            <a:r>
-              <a:rPr lang="en-US" altLang="ko-KR" sz="1600" dirty="0"/>
-              <a:t>Dedicate</a:t>
-            </a:r>
-            <a:r>
-              <a:rPr lang="ko-KR" altLang="en-US" sz="1600" dirty="0"/>
-              <a:t>서버들은 대표적인 </a:t>
-            </a:r>
-            <a:r>
-              <a:rPr lang="en-US" altLang="ko-KR" sz="1600" dirty="0"/>
-              <a:t>Client-Server</a:t>
-            </a:r>
-            <a:r>
-              <a:rPr lang="ko-KR" altLang="en-US" sz="1600" dirty="0"/>
-              <a:t>구조입니다</a:t>
-            </a:r>
-            <a:endParaRPr lang="en-US" altLang="ko-KR" sz="1600" dirty="0"/>
-          </a:p>
-          <a:p>
-            <a:r>
-              <a:rPr lang="en-US" altLang="ko-KR" sz="1600" dirty="0"/>
-              <a:t>P2P</a:t>
-            </a:r>
-            <a:r>
-              <a:rPr lang="ko-KR" altLang="en-US" sz="1600" dirty="0"/>
-              <a:t>보다 부하가 많이 걸리면서도 비효율 일 것 같아 보이지만</a:t>
-            </a:r>
-            <a:r>
-              <a:rPr lang="en-US" altLang="ko-KR" sz="1600" dirty="0"/>
-              <a:t>,</a:t>
-            </a:r>
-            <a:br>
-              <a:rPr lang="en-US" altLang="ko-KR" sz="1600" dirty="0"/>
-            </a:br>
-            <a:r>
-              <a:rPr lang="ko-KR" altLang="en-US" sz="1600" dirty="0"/>
-              <a:t>그럼에도 해당 구조를 고수할 수밖에 없는 이유는 보안과 심플한 구조가 너무 중요하기 때문입니다</a:t>
-            </a:r>
-            <a:endParaRPr lang="en-US" altLang="ko-KR" sz="1600" dirty="0"/>
-          </a:p>
-          <a:p>
-            <a:r>
-              <a:rPr lang="ko-KR" altLang="en-US" sz="1600" dirty="0"/>
-              <a:t>물론 </a:t>
-            </a:r>
-            <a:r>
-              <a:rPr lang="en-US" altLang="ko-KR" sz="1600" dirty="0"/>
-              <a:t>P2P</a:t>
-            </a:r>
-            <a:r>
-              <a:rPr lang="ko-KR" altLang="en-US" sz="1600" dirty="0"/>
-              <a:t>를 전혀 안 쓰는 것은 아닙니다 </a:t>
-            </a:r>
-            <a:r>
-              <a:rPr lang="en-US" altLang="ko-KR" sz="1600" dirty="0"/>
-              <a:t>(</a:t>
-            </a:r>
-            <a:r>
-              <a:rPr lang="ko-KR" altLang="en-US" sz="1600" dirty="0"/>
-              <a:t>다만</a:t>
-            </a:r>
-            <a:r>
-              <a:rPr lang="en-US" altLang="ko-KR" sz="1600" dirty="0"/>
-              <a:t>, </a:t>
-            </a:r>
-            <a:r>
-              <a:rPr lang="ko-KR" altLang="en-US" sz="1600" dirty="0"/>
-              <a:t>이는 보안에 심각할 수 있어 주의가 필요합니다</a:t>
-            </a:r>
-            <a:r>
-              <a:rPr lang="en-US" altLang="ko-KR" sz="1600" dirty="0"/>
-              <a:t>)</a:t>
-            </a:r>
-            <a:br>
-              <a:rPr lang="en-US" altLang="ko-KR" sz="1600" dirty="0"/>
-            </a:br>
-            <a:r>
-              <a:rPr lang="en-US" altLang="ko-KR" sz="1600" dirty="0"/>
-              <a:t>uTorrent</a:t>
-            </a:r>
-            <a:r>
-              <a:rPr lang="ko-KR" altLang="en-US" sz="1600" dirty="0"/>
-              <a:t>나 </a:t>
-            </a:r>
-            <a:r>
-              <a:rPr lang="en-US" altLang="ko-KR" sz="1600" dirty="0" err="1"/>
-              <a:t>Peer_Upload</a:t>
-            </a:r>
-            <a:r>
-              <a:rPr lang="en-US" altLang="ko-KR" sz="1600" dirty="0"/>
-              <a:t> </a:t>
-            </a:r>
-            <a:r>
-              <a:rPr lang="ko-KR" altLang="en-US" sz="1600" dirty="0"/>
-              <a:t>프로그램은 복잡한 구조와 추적의 난해함을 이용하면서도</a:t>
-            </a:r>
-            <a:br>
-              <a:rPr lang="en-US" altLang="ko-KR" sz="1600" dirty="0"/>
-            </a:br>
-            <a:r>
-              <a:rPr lang="ko-KR" altLang="en-US" sz="1600" dirty="0"/>
-              <a:t>무거운 파일의 빠른 이동</a:t>
-            </a:r>
-            <a:r>
-              <a:rPr lang="en-US" altLang="ko-KR" sz="1600" dirty="0"/>
-              <a:t>(</a:t>
-            </a:r>
-            <a:r>
-              <a:rPr lang="ko-KR" altLang="en-US" sz="1600" dirty="0"/>
-              <a:t>높은 대역폭</a:t>
-            </a:r>
-            <a:r>
-              <a:rPr lang="en-US" altLang="ko-KR" sz="1600" dirty="0"/>
-              <a:t>)</a:t>
-            </a:r>
-            <a:r>
-              <a:rPr lang="ko-KR" altLang="en-US" sz="1600" dirty="0"/>
-              <a:t>을 이점으로 사용하고 있고</a:t>
-            </a:r>
-            <a:r>
-              <a:rPr lang="en-US" altLang="ko-KR" sz="1600" dirty="0"/>
-              <a:t>,</a:t>
-            </a:r>
-            <a:br>
-              <a:rPr lang="en-US" altLang="ko-KR" sz="1600" dirty="0"/>
-            </a:br>
-            <a:r>
-              <a:rPr lang="ko-KR" altLang="en-US" sz="1600" dirty="0"/>
-              <a:t>게임 </a:t>
-            </a:r>
-            <a:r>
-              <a:rPr lang="en-US" altLang="ko-KR" sz="1600" dirty="0"/>
-              <a:t>Listen</a:t>
-            </a:r>
-            <a:r>
-              <a:rPr lang="ko-KR" altLang="en-US" sz="1600" dirty="0"/>
-              <a:t>서버는 게임사에서 서버관리 자원</a:t>
-            </a:r>
-            <a:r>
-              <a:rPr lang="en-US" altLang="ko-KR" sz="1600" dirty="0"/>
-              <a:t>(</a:t>
-            </a:r>
-            <a:r>
-              <a:rPr lang="ko-KR" altLang="en-US" sz="1600" dirty="0"/>
-              <a:t>인적</a:t>
-            </a:r>
-            <a:r>
-              <a:rPr lang="en-US" altLang="ko-KR" sz="1600" dirty="0"/>
-              <a:t>, </a:t>
-            </a:r>
-            <a:r>
-              <a:rPr lang="ko-KR" altLang="en-US" sz="1600" dirty="0"/>
-              <a:t>물적</a:t>
-            </a:r>
-            <a:r>
-              <a:rPr lang="en-US" altLang="ko-KR" sz="1600" dirty="0"/>
-              <a:t>)</a:t>
-            </a:r>
-            <a:r>
-              <a:rPr lang="ko-KR" altLang="en-US" sz="1600" dirty="0"/>
-              <a:t>이 부족한 경우에 자주 사용하는 방식입니다</a:t>
-            </a:r>
-          </a:p>
-        </p:txBody>
-      </p:sp>
-    </p:spTree>
-    <p:extLst>
-      <p:ext uri="{BB962C8B-B14F-4D97-AF65-F5344CB8AC3E}">
-        <p14:creationId xmlns:p14="http://schemas.microsoft.com/office/powerpoint/2010/main" val="4247482639"/>
-      </p:ext>
-    </p:extLst>
-  </p:cSld>
-  <p:clrMapOvr>
-    <a:masterClrMapping/>
-  </p:clrMapOvr>
-</p:sld>
-</file>
-
-<file path=ppt/slides/slide24.xml><?xml version="1.0" encoding="utf-8"?>
-<p:sld xmlns:a="http://schemas.openxmlformats.org/drawingml/2006/main" xmlns:r="http://schemas.openxmlformats.org/officeDocument/2006/relationships" xmlns:p="http://schemas.openxmlformats.org/presentationml/2006/main">
-  <p:cSld>
-    <p:spTree>
-      <p:nvGrpSpPr>
-        <p:cNvPr id="1" name=""/>
-        <p:cNvGrpSpPr/>
-        <p:nvPr/>
-      </p:nvGrpSpPr>
-      <p:grpSpPr>
-        <a:xfrm>
-          <a:off x="0" y="0"/>
-          <a:ext cx="0" cy="0"/>
-          <a:chOff x="0" y="0"/>
-          <a:chExt cx="0" cy="0"/>
-        </a:xfrm>
-      </p:grpSpPr>
-      <p:sp>
-        <p:nvSpPr>
-          <p:cNvPr id="2" name="제목 1">
-            <a:extLst>
-              <a:ext uri="{FF2B5EF4-FFF2-40B4-BE49-F238E27FC236}">
-                <a16:creationId xmlns:a16="http://schemas.microsoft.com/office/drawing/2014/main" id="{B104DE48-9F10-4CE9-B75D-3C20C2E75834}"/>
-              </a:ext>
-            </a:extLst>
-          </p:cNvPr>
-          <p:cNvSpPr>
-            <a:spLocks noGrp="1"/>
-          </p:cNvSpPr>
-          <p:nvPr>
-            <p:ph type="title"/>
-          </p:nvPr>
-        </p:nvSpPr>
-        <p:spPr/>
-        <p:txBody>
-          <a:bodyPr/>
-          <a:lstStyle/>
-          <a:p>
-            <a:r>
-              <a:rPr lang="en-US" altLang="ko-KR" dirty="0"/>
-              <a:t>HTTP </a:t>
-            </a:r>
-            <a:r>
-              <a:rPr lang="ko-KR" altLang="en-US" dirty="0"/>
-              <a:t>개요</a:t>
-            </a:r>
-          </a:p>
-        </p:txBody>
-      </p:sp>
-      <p:sp>
-        <p:nvSpPr>
-          <p:cNvPr id="3" name="내용 개체 틀 2">
-            <a:extLst>
-              <a:ext uri="{FF2B5EF4-FFF2-40B4-BE49-F238E27FC236}">
-                <a16:creationId xmlns:a16="http://schemas.microsoft.com/office/drawing/2014/main" id="{854FFAD6-E0DB-65E1-60A7-19AF78357BFB}"/>
-              </a:ext>
-            </a:extLst>
-          </p:cNvPr>
-          <p:cNvSpPr>
-            <a:spLocks noGrp="1"/>
-          </p:cNvSpPr>
-          <p:nvPr>
-            <p:ph idx="1"/>
-          </p:nvPr>
-        </p:nvSpPr>
-        <p:spPr>
-          <a:xfrm>
-            <a:off x="762000" y="1765139"/>
-            <a:ext cx="10668000" cy="5048616"/>
-          </a:xfrm>
-        </p:spPr>
-        <p:txBody>
-          <a:bodyPr/>
-          <a:lstStyle/>
-          <a:p>
-            <a:r>
-              <a:rPr lang="en-US" altLang="ko-KR" sz="1600" dirty="0"/>
-              <a:t>HTTP(Hyper Text Transfer Protocol)</a:t>
-            </a:r>
-            <a:r>
-              <a:rPr lang="ko-KR" altLang="en-US" sz="1600" dirty="0"/>
-              <a:t>은 </a:t>
-            </a:r>
-            <a:r>
-              <a:rPr lang="en-US" altLang="ko-KR" sz="1600" dirty="0"/>
-              <a:t>HT(Hyper Text)</a:t>
-            </a:r>
-            <a:r>
-              <a:rPr lang="ko-KR" altLang="en-US" sz="1600" dirty="0"/>
-              <a:t>를 전송하는 프로토콜로</a:t>
-            </a:r>
-            <a:br>
-              <a:rPr lang="en-US" altLang="ko-KR" sz="1600" dirty="0"/>
-            </a:br>
-            <a:r>
-              <a:rPr lang="en-US" altLang="ko-KR" sz="1600" dirty="0"/>
-              <a:t>HTML(Hyper Text Markup Language)</a:t>
-            </a:r>
-            <a:r>
-              <a:rPr lang="ko-KR" altLang="en-US" sz="1600" dirty="0"/>
-              <a:t>는 대표적인 </a:t>
-            </a:r>
-            <a:r>
-              <a:rPr lang="ko-KR" altLang="en-US" sz="1600" dirty="0" err="1"/>
-              <a:t>하이퍼</a:t>
-            </a:r>
-            <a:r>
-              <a:rPr lang="ko-KR" altLang="en-US" sz="1600" dirty="0"/>
-              <a:t> 텍스트이기 때문에</a:t>
-            </a:r>
-            <a:r>
-              <a:rPr lang="en-US" altLang="ko-KR" sz="1600" dirty="0"/>
-              <a:t>,</a:t>
-            </a:r>
-            <a:br>
-              <a:rPr lang="en-US" altLang="ko-KR" sz="1600" dirty="0"/>
-            </a:br>
-            <a:r>
-              <a:rPr lang="ko-KR" altLang="en-US" sz="1600" dirty="0"/>
-              <a:t>모든 </a:t>
-            </a:r>
-            <a:r>
-              <a:rPr lang="en-US" altLang="ko-KR" sz="1600" dirty="0"/>
-              <a:t>HTML</a:t>
-            </a:r>
-            <a:r>
-              <a:rPr lang="ko-KR" altLang="en-US" sz="1600" dirty="0"/>
-              <a:t>웹 사이트는 </a:t>
-            </a:r>
-            <a:r>
-              <a:rPr lang="en-US" altLang="ko-KR" sz="1600" dirty="0"/>
-              <a:t>HTTP</a:t>
-            </a:r>
-            <a:r>
-              <a:rPr lang="ko-KR" altLang="en-US" sz="1600" dirty="0"/>
-              <a:t>로 통신을 주고 받습니다</a:t>
-            </a:r>
-            <a:endParaRPr lang="en-US" altLang="ko-KR" sz="1600" dirty="0"/>
-          </a:p>
-          <a:p>
-            <a:r>
-              <a:rPr lang="en-US" altLang="ko-KR" sz="1600" dirty="0"/>
-              <a:t>HTTP</a:t>
-            </a:r>
-            <a:r>
-              <a:rPr lang="ko-KR" altLang="en-US" sz="1600" dirty="0"/>
-              <a:t>는 </a:t>
-            </a:r>
-            <a:r>
-              <a:rPr lang="en-US" altLang="ko-KR" sz="1600" dirty="0"/>
-              <a:t>TCP</a:t>
-            </a:r>
-            <a:r>
-              <a:rPr lang="ko-KR" altLang="en-US" sz="1600" dirty="0"/>
-              <a:t>를 사용하여 신뢰적 전달의 혜택을 받고</a:t>
-            </a:r>
-            <a:r>
-              <a:rPr lang="en-US" altLang="ko-KR" sz="1600" dirty="0"/>
-              <a:t>,</a:t>
-            </a:r>
-            <a:br>
-              <a:rPr lang="en-US" altLang="ko-KR" sz="1600" dirty="0"/>
-            </a:br>
-            <a:r>
-              <a:rPr lang="ko-KR" altLang="en-US" sz="1600" dirty="0"/>
-              <a:t>비 상태</a:t>
-            </a:r>
-            <a:r>
-              <a:rPr lang="en-US" altLang="ko-KR" sz="1600" dirty="0"/>
-              <a:t>(Stateless) </a:t>
-            </a:r>
-            <a:r>
-              <a:rPr lang="ko-KR" altLang="en-US" sz="1600" dirty="0"/>
-              <a:t>프로토콜로써 같은 </a:t>
-            </a:r>
-            <a:r>
-              <a:rPr lang="en-US" altLang="ko-KR" sz="1600" dirty="0"/>
-              <a:t>URL</a:t>
-            </a:r>
-            <a:r>
-              <a:rPr lang="ko-KR" altLang="en-US" sz="1600" dirty="0"/>
-              <a:t>이면</a:t>
-            </a:r>
-            <a:r>
-              <a:rPr lang="en-US" altLang="ko-KR" sz="1600" dirty="0"/>
-              <a:t>, </a:t>
-            </a:r>
-            <a:r>
-              <a:rPr lang="ko-KR" altLang="en-US" sz="1600" dirty="0"/>
-              <a:t>같은 내용이 원칙인 구조를 가지고 있습니다</a:t>
-            </a:r>
-            <a:br>
-              <a:rPr lang="en-US" altLang="ko-KR" sz="1600" dirty="0"/>
-            </a:br>
-            <a:r>
-              <a:rPr lang="en-US" altLang="ko-KR" sz="1600" dirty="0"/>
-              <a:t>( URL(Uniform Resource Locator)</a:t>
-            </a:r>
-            <a:r>
-              <a:rPr lang="ko-KR" altLang="en-US" sz="1600" dirty="0"/>
-              <a:t>은 </a:t>
-            </a:r>
-            <a:r>
-              <a:rPr lang="en-US" altLang="ko-KR" sz="1600" dirty="0"/>
-              <a:t>URI(Uniform Resource Identifier)</a:t>
-            </a:r>
-            <a:r>
-              <a:rPr lang="ko-KR" altLang="en-US" sz="1600" dirty="0"/>
-              <a:t>의 하위 구조로</a:t>
-            </a:r>
-            <a:br>
-              <a:rPr lang="en-US" altLang="ko-KR" sz="1600" dirty="0"/>
-            </a:br>
-            <a:r>
-              <a:rPr lang="ko-KR" altLang="en-US" sz="1600" dirty="0"/>
-              <a:t>인터넷 자원</a:t>
-            </a:r>
-            <a:r>
-              <a:rPr lang="en-US" altLang="ko-KR" sz="1600" dirty="0"/>
-              <a:t>(URI=</a:t>
-            </a:r>
-            <a:r>
-              <a:rPr lang="ko-KR" altLang="en-US" sz="1600" dirty="0"/>
-              <a:t>식별자</a:t>
-            </a:r>
-            <a:r>
-              <a:rPr lang="en-US" altLang="ko-KR" sz="1600" dirty="0"/>
-              <a:t>)</a:t>
-            </a:r>
-            <a:r>
-              <a:rPr lang="ko-KR" altLang="en-US" sz="1600" dirty="0"/>
-              <a:t>의 일부분인 자원의 주소</a:t>
-            </a:r>
-            <a:r>
-              <a:rPr lang="en-US" altLang="ko-KR" sz="1600" dirty="0"/>
-              <a:t>(URL)</a:t>
-            </a:r>
-            <a:r>
-              <a:rPr lang="ko-KR" altLang="en-US" sz="1600" dirty="0"/>
-              <a:t>를 말합니다 </a:t>
-            </a:r>
-            <a:r>
-              <a:rPr lang="en-US" altLang="ko-KR" sz="1600" dirty="0"/>
-              <a:t>)</a:t>
-            </a:r>
-          </a:p>
-          <a:p>
-            <a:r>
-              <a:rPr lang="en-US" altLang="ko-KR" sz="1600" dirty="0"/>
-              <a:t>HTTP</a:t>
-            </a:r>
-            <a:r>
-              <a:rPr lang="ko-KR" altLang="en-US" sz="1600" dirty="0"/>
-              <a:t>는 신뢰적 전달 </a:t>
-            </a:r>
-            <a:r>
-              <a:rPr lang="en-US" altLang="ko-KR" sz="1600" dirty="0"/>
-              <a:t>+ </a:t>
-            </a:r>
-            <a:r>
-              <a:rPr lang="ko-KR" altLang="en-US" sz="1600" dirty="0"/>
-              <a:t>비상태를 사용해서 얻는 간단한 구조가 장점이 되어 상당히 많은 곳에서</a:t>
-            </a:r>
-            <a:br>
-              <a:rPr lang="en-US" altLang="ko-KR" sz="1600" dirty="0"/>
-            </a:br>
-            <a:r>
-              <a:rPr lang="ko-KR" altLang="en-US" sz="1600" dirty="0"/>
-              <a:t>편리하게 쓰이는 규약이지만</a:t>
-            </a:r>
-            <a:r>
-              <a:rPr lang="en-US" altLang="ko-KR" sz="1600" dirty="0"/>
-              <a:t>, </a:t>
-            </a:r>
-            <a:r>
-              <a:rPr lang="ko-KR" altLang="en-US" sz="1600" dirty="0"/>
-              <a:t>이는 태생적인 한계를 나타내기도 합니다</a:t>
-            </a:r>
-            <a:endParaRPr lang="en-US" altLang="ko-KR" sz="1600" dirty="0"/>
-          </a:p>
-          <a:p>
-            <a:pPr marL="342900" indent="-342900">
-              <a:buFont typeface="+mj-lt"/>
-              <a:buAutoNum type="arabicPeriod"/>
-            </a:pPr>
-            <a:r>
-              <a:rPr lang="en-US" altLang="ko-KR" sz="1600" dirty="0"/>
-              <a:t>TCP</a:t>
-            </a:r>
-            <a:r>
-              <a:rPr lang="ko-KR" altLang="en-US" sz="1600" dirty="0"/>
-              <a:t>를 고정한다는 것은 속도와 한계와 트래픽 요구량의 증가가 생긴다는 단점이 있고</a:t>
-            </a:r>
-            <a:r>
-              <a:rPr lang="en-US" altLang="ko-KR" sz="1600" dirty="0"/>
-              <a:t>,</a:t>
-            </a:r>
-          </a:p>
-          <a:p>
-            <a:pPr marL="342900" indent="-342900">
-              <a:buFont typeface="+mj-lt"/>
-              <a:buAutoNum type="arabicPeriod"/>
-            </a:pPr>
-            <a:r>
-              <a:rPr lang="ko-KR" altLang="en-US" sz="1600" dirty="0"/>
-              <a:t>비 상태를 사용한다는 것은 클라이언트에 관계없이 페이지를 보여주기 때문에</a:t>
-            </a:r>
-            <a:br>
-              <a:rPr lang="en-US" altLang="ko-KR" sz="1600" dirty="0"/>
-            </a:br>
-            <a:r>
-              <a:rPr lang="ko-KR" altLang="en-US" sz="1600" dirty="0"/>
-              <a:t>로그인 같은 커스텀 상태나 </a:t>
-            </a:r>
-            <a:r>
-              <a:rPr lang="ko-KR" altLang="en-US" sz="1600" dirty="0" err="1"/>
-              <a:t>어드민</a:t>
-            </a:r>
-            <a:r>
-              <a:rPr lang="ko-KR" altLang="en-US" sz="1600" dirty="0"/>
-              <a:t> 페이지 등의 권한 상태 등을 검증하지 못한다는 의미가 됩니다</a:t>
-            </a:r>
-            <a:endParaRPr lang="en-US" altLang="ko-KR" sz="1600" dirty="0"/>
-          </a:p>
-          <a:p>
-            <a:r>
-              <a:rPr lang="ko-KR" altLang="en-US" sz="1600" dirty="0"/>
-              <a:t>물론</a:t>
-            </a:r>
-            <a:r>
-              <a:rPr lang="en-US" altLang="ko-KR" sz="1600" dirty="0"/>
-              <a:t>, </a:t>
-            </a:r>
-            <a:r>
-              <a:rPr lang="ko-KR" altLang="en-US" sz="1600" dirty="0"/>
-              <a:t>오늘날에는 이 두 가지 문제점을 최대한 해결하기 위한 기술들이 많이 탄생하여</a:t>
-            </a:r>
-            <a:br>
-              <a:rPr lang="en-US" altLang="ko-KR" sz="1600" dirty="0"/>
-            </a:br>
-            <a:r>
-              <a:rPr lang="ko-KR" altLang="en-US" sz="1600" dirty="0"/>
-              <a:t>사용되고 있지만</a:t>
-            </a:r>
-            <a:r>
-              <a:rPr lang="en-US" altLang="ko-KR" sz="1600" dirty="0"/>
-              <a:t> </a:t>
-            </a:r>
-            <a:r>
-              <a:rPr lang="ko-KR" altLang="en-US" sz="1600" dirty="0"/>
-              <a:t>이는 태생적인 </a:t>
-            </a:r>
-            <a:r>
-              <a:rPr lang="en-US" altLang="ko-KR" sz="1600" dirty="0"/>
-              <a:t>HTTP</a:t>
-            </a:r>
-            <a:r>
-              <a:rPr lang="ko-KR" altLang="en-US" sz="1600" dirty="0"/>
-              <a:t>의 특징 때문이라는 것을 기억해야 합니다</a:t>
-            </a:r>
-            <a:endParaRPr lang="en-US" altLang="ko-KR" sz="1600" dirty="0"/>
-          </a:p>
-          <a:p>
-            <a:r>
-              <a:rPr lang="en-US" altLang="ko-KR" sz="1600" dirty="0"/>
-              <a:t>HTTP/2, HTTP/3 </a:t>
-            </a:r>
-            <a:r>
-              <a:rPr lang="ko-KR" altLang="en-US" sz="1600" dirty="0"/>
-              <a:t>은 보안을 강화하거나</a:t>
-            </a:r>
-            <a:r>
-              <a:rPr lang="en-US" altLang="ko-KR" sz="1600" dirty="0"/>
-              <a:t>,</a:t>
-            </a:r>
-            <a:r>
-              <a:rPr lang="ko-KR" altLang="en-US" sz="1600" dirty="0"/>
-              <a:t> </a:t>
-            </a:r>
-            <a:r>
-              <a:rPr lang="en-US" altLang="ko-KR" sz="1600" dirty="0"/>
-              <a:t>QUIC(Reliable UDP</a:t>
-            </a:r>
-            <a:r>
-              <a:rPr lang="ko-KR" altLang="en-US" sz="1600" dirty="0"/>
-              <a:t>기반</a:t>
-            </a:r>
-            <a:r>
-              <a:rPr lang="en-US" altLang="ko-KR" sz="1600" dirty="0"/>
-              <a:t>)</a:t>
-            </a:r>
-            <a:r>
-              <a:rPr lang="ko-KR" altLang="en-US" sz="1600" dirty="0"/>
-              <a:t>를 사용한 최신 기술들 입니다</a:t>
-            </a:r>
-            <a:endParaRPr lang="en-US" altLang="ko-KR" sz="1600" dirty="0"/>
-          </a:p>
-        </p:txBody>
-      </p:sp>
-    </p:spTree>
-    <p:extLst>
-      <p:ext uri="{BB962C8B-B14F-4D97-AF65-F5344CB8AC3E}">
-        <p14:creationId xmlns:p14="http://schemas.microsoft.com/office/powerpoint/2010/main" val="386906352"/>
-      </p:ext>
-    </p:extLst>
-  </p:cSld>
-  <p:clrMapOvr>
-    <a:masterClrMapping/>
-  </p:clrMapOvr>
-</p:sld>
-</file>
-
-<file path=ppt/slides/slide25.xml><?xml version="1.0" encoding="utf-8"?>
-<p:sld xmlns:a="http://schemas.openxmlformats.org/drawingml/2006/main" xmlns:r="http://schemas.openxmlformats.org/officeDocument/2006/relationships" xmlns:p="http://schemas.openxmlformats.org/presentationml/2006/main">
-  <p:cSld>
-    <p:spTree>
-      <p:nvGrpSpPr>
-        <p:cNvPr id="1" name=""/>
-        <p:cNvGrpSpPr/>
-        <p:nvPr/>
-      </p:nvGrpSpPr>
-      <p:grpSpPr>
-        <a:xfrm>
-          <a:off x="0" y="0"/>
-          <a:ext cx="0" cy="0"/>
-          <a:chOff x="0" y="0"/>
-          <a:chExt cx="0" cy="0"/>
-        </a:xfrm>
-      </p:grpSpPr>
-      <p:sp>
-        <p:nvSpPr>
-          <p:cNvPr id="2" name="제목 1">
-            <a:extLst>
-              <a:ext uri="{FF2B5EF4-FFF2-40B4-BE49-F238E27FC236}">
-                <a16:creationId xmlns:a16="http://schemas.microsoft.com/office/drawing/2014/main" id="{B104DE48-9F10-4CE9-B75D-3C20C2E75834}"/>
-              </a:ext>
-            </a:extLst>
-          </p:cNvPr>
-          <p:cNvSpPr>
-            <a:spLocks noGrp="1"/>
-          </p:cNvSpPr>
-          <p:nvPr>
-            <p:ph type="title"/>
-          </p:nvPr>
-        </p:nvSpPr>
-        <p:spPr/>
-        <p:txBody>
-          <a:bodyPr/>
-          <a:lstStyle/>
-          <a:p>
-            <a:r>
-              <a:rPr lang="en-US" altLang="ko-KR" dirty="0"/>
-              <a:t>HTTP Request(Format)</a:t>
-            </a:r>
-            <a:endParaRPr lang="ko-KR" altLang="en-US" dirty="0"/>
-          </a:p>
-        </p:txBody>
-      </p:sp>
-      <p:sp>
-        <p:nvSpPr>
-          <p:cNvPr id="3" name="내용 개체 틀 2">
-            <a:extLst>
-              <a:ext uri="{FF2B5EF4-FFF2-40B4-BE49-F238E27FC236}">
-                <a16:creationId xmlns:a16="http://schemas.microsoft.com/office/drawing/2014/main" id="{854FFAD6-E0DB-65E1-60A7-19AF78357BFB}"/>
-              </a:ext>
-            </a:extLst>
-          </p:cNvPr>
-          <p:cNvSpPr>
-            <a:spLocks noGrp="1"/>
-          </p:cNvSpPr>
-          <p:nvPr>
-            <p:ph idx="1"/>
-          </p:nvPr>
-        </p:nvSpPr>
-        <p:spPr/>
-        <p:txBody>
-          <a:bodyPr/>
-          <a:lstStyle/>
-          <a:p>
-            <a:r>
-              <a:rPr lang="ko-KR" altLang="en-US" sz="1600" dirty="0"/>
-              <a:t>처음 </a:t>
-            </a:r>
-            <a:r>
-              <a:rPr lang="en-US" altLang="ko-KR" sz="1600" dirty="0"/>
-              <a:t>HTTP</a:t>
-            </a:r>
-            <a:r>
-              <a:rPr lang="ko-KR" altLang="en-US" sz="1600" dirty="0"/>
-              <a:t>는 클라이언트가 먼저 </a:t>
-            </a:r>
-            <a:r>
-              <a:rPr lang="en-US" altLang="ko-KR" sz="1600" dirty="0"/>
-              <a:t>URL</a:t>
-            </a:r>
-            <a:r>
-              <a:rPr lang="ko-KR" altLang="en-US" sz="1600" dirty="0"/>
-              <a:t>로 요청을 보내야 시작이 됩니다</a:t>
-            </a:r>
-            <a:br>
-              <a:rPr lang="en-US" altLang="ko-KR" sz="1600" dirty="0"/>
-            </a:br>
-            <a:r>
-              <a:rPr lang="ko-KR" altLang="en-US" sz="1600" dirty="0"/>
-              <a:t>이때</a:t>
-            </a:r>
-            <a:r>
-              <a:rPr lang="en-US" altLang="ko-KR" sz="1600" dirty="0"/>
-              <a:t>, </a:t>
-            </a:r>
-            <a:r>
-              <a:rPr lang="ko-KR" altLang="en-US" sz="1600" dirty="0"/>
-              <a:t>웹 엔진은 사용자로 부터 </a:t>
-            </a:r>
-            <a:r>
-              <a:rPr lang="en-US" altLang="ko-KR" sz="1600" dirty="0"/>
-              <a:t>URL</a:t>
-            </a:r>
-            <a:r>
-              <a:rPr lang="ko-KR" altLang="en-US" sz="1600" dirty="0"/>
-              <a:t>를 받으면</a:t>
-            </a:r>
-            <a:r>
-              <a:rPr lang="en-US" altLang="ko-KR" sz="1600" dirty="0"/>
-              <a:t>,</a:t>
-            </a:r>
-            <a:br>
-              <a:rPr lang="en-US" altLang="ko-KR" sz="1600" dirty="0"/>
-            </a:br>
-            <a:r>
-              <a:rPr lang="en-US" altLang="ko-KR" sz="1600" dirty="0"/>
-              <a:t>URL</a:t>
-            </a:r>
-            <a:r>
-              <a:rPr lang="ko-KR" altLang="en-US" sz="1600" dirty="0"/>
-              <a:t>를 이용해서 요청라인을 작성한 뒤</a:t>
-            </a:r>
-            <a:r>
-              <a:rPr lang="en-US" altLang="ko-KR" sz="1600" dirty="0"/>
-              <a:t>(GET </a:t>
-            </a:r>
-            <a:r>
-              <a:rPr lang="ko-KR" altLang="en-US" sz="1600" dirty="0"/>
-              <a:t>고정</a:t>
-            </a:r>
-            <a:r>
-              <a:rPr lang="en-US" altLang="ko-KR" sz="1600" dirty="0"/>
-              <a:t>),</a:t>
-            </a:r>
-          </a:p>
-          <a:p>
-            <a:r>
-              <a:rPr lang="ko-KR" altLang="en-US" sz="1600" dirty="0"/>
-              <a:t>헤더라인에 도메인과 커넥션 상태</a:t>
-            </a:r>
-            <a:r>
-              <a:rPr lang="en-US" altLang="ko-KR" sz="1600" dirty="0"/>
-              <a:t>,</a:t>
-            </a:r>
-            <a:br>
-              <a:rPr lang="en-US" altLang="ko-KR" sz="1600" dirty="0"/>
-            </a:br>
-            <a:r>
-              <a:rPr lang="ko-KR" altLang="en-US" sz="1600" dirty="0"/>
-              <a:t>사용자가 사용하는 엔진과 버전</a:t>
-            </a:r>
-            <a:r>
-              <a:rPr lang="en-US" altLang="ko-KR" sz="1600" dirty="0"/>
-              <a:t>, </a:t>
-            </a:r>
-            <a:r>
-              <a:rPr lang="ko-KR" altLang="en-US" sz="1600" dirty="0"/>
-              <a:t>사용 언어 등등</a:t>
-            </a:r>
-            <a:br>
-              <a:rPr lang="en-US" altLang="ko-KR" sz="1600" dirty="0"/>
-            </a:br>
-            <a:r>
-              <a:rPr lang="ko-KR" altLang="en-US" sz="1600" dirty="0"/>
-              <a:t>다양한 내용을 기입합니다</a:t>
-            </a:r>
-            <a:endParaRPr lang="en-US" altLang="ko-KR" sz="1600" dirty="0"/>
-          </a:p>
-          <a:p>
-            <a:r>
-              <a:rPr lang="ko-KR" altLang="en-US" sz="1600" dirty="0"/>
-              <a:t>바디는 </a:t>
-            </a:r>
-            <a:r>
-              <a:rPr lang="en-US" altLang="ko-KR" sz="1600" dirty="0"/>
-              <a:t>URL</a:t>
-            </a:r>
-            <a:r>
-              <a:rPr lang="ko-KR" altLang="en-US" sz="1600" dirty="0"/>
-              <a:t>뒤에 </a:t>
-            </a:r>
-            <a:r>
-              <a:rPr lang="en-US" altLang="ko-KR" sz="1600" dirty="0"/>
-              <a:t>?</a:t>
-            </a:r>
-            <a:r>
-              <a:rPr lang="ko-KR" altLang="en-US" sz="1600" dirty="0"/>
-              <a:t>를 이용한 쿼리나 직접적인 값</a:t>
-            </a:r>
-            <a:r>
-              <a:rPr lang="en-US" altLang="ko-KR" sz="1600" dirty="0"/>
-              <a:t>(</a:t>
-            </a:r>
-            <a:r>
-              <a:rPr lang="ko-KR" altLang="en-US" sz="1600" dirty="0"/>
-              <a:t>페이로드</a:t>
-            </a:r>
-            <a:r>
-              <a:rPr lang="en-US" altLang="ko-KR" sz="1600" dirty="0"/>
-              <a:t>)</a:t>
-            </a:r>
-            <a:r>
-              <a:rPr lang="ko-KR" altLang="en-US" sz="1600" dirty="0"/>
-              <a:t>를</a:t>
-            </a:r>
-            <a:br>
-              <a:rPr lang="en-US" altLang="ko-KR" sz="1600" dirty="0"/>
-            </a:br>
-            <a:r>
-              <a:rPr lang="ko-KR" altLang="en-US" sz="1600" dirty="0"/>
-              <a:t>주면 추가적인 요청을 같이 보낼 수도 있습니다</a:t>
-            </a:r>
-            <a:endParaRPr lang="en-US" altLang="ko-KR" sz="1600" dirty="0"/>
-          </a:p>
-          <a:p>
-            <a:r>
-              <a:rPr lang="en-US" altLang="ko-KR" sz="1600" dirty="0"/>
-              <a:t>HTTP</a:t>
-            </a:r>
-            <a:r>
-              <a:rPr lang="ko-KR" altLang="en-US" sz="1600" dirty="0"/>
-              <a:t>요청은 반드시 </a:t>
-            </a:r>
-            <a:r>
-              <a:rPr lang="en-US" altLang="ko-KR" sz="1600" dirty="0"/>
-              <a:t>\r\n</a:t>
-            </a:r>
-            <a:r>
-              <a:rPr lang="ko-KR" altLang="en-US" sz="1600" dirty="0"/>
-              <a:t>을 붙여 데이터가 분리됨을</a:t>
-            </a:r>
-            <a:br>
-              <a:rPr lang="en-US" altLang="ko-KR" sz="1600" dirty="0"/>
-            </a:br>
-            <a:r>
-              <a:rPr lang="ko-KR" altLang="en-US" sz="1600" dirty="0"/>
-              <a:t>알려줘야 하고</a:t>
-            </a:r>
-            <a:r>
-              <a:rPr lang="en-US" altLang="ko-KR" sz="1600" dirty="0"/>
-              <a:t>, </a:t>
-            </a:r>
-            <a:r>
-              <a:rPr lang="ko-KR" altLang="en-US" sz="1600" dirty="0"/>
-              <a:t>마지막 라인 뒤에는 </a:t>
-            </a:r>
-            <a:r>
-              <a:rPr lang="en-US" altLang="ko-KR" sz="1600" dirty="0"/>
-              <a:t>\r\n\r\n</a:t>
-            </a:r>
-            <a:r>
-              <a:rPr lang="ko-KR" altLang="en-US" sz="1600" dirty="0"/>
-              <a:t>을 붙여</a:t>
-            </a:r>
-            <a:br>
-              <a:rPr lang="en-US" altLang="ko-KR" sz="1600" dirty="0"/>
-            </a:br>
-            <a:r>
-              <a:rPr lang="en-US" altLang="ko-KR" sz="1600" dirty="0"/>
-              <a:t>HTTP </a:t>
-            </a:r>
-            <a:r>
-              <a:rPr lang="ko-KR" altLang="en-US" sz="1600" dirty="0"/>
-              <a:t>요청 내용의 끝을 명시해야 합니다</a:t>
-            </a:r>
-            <a:endParaRPr lang="en-US" altLang="ko-KR" sz="1600" dirty="0"/>
-          </a:p>
-          <a:p>
-            <a:r>
-              <a:rPr lang="ko-KR" altLang="en-US" sz="1600" dirty="0"/>
-              <a:t>웹 엔진은 </a:t>
-            </a:r>
-            <a:r>
-              <a:rPr lang="en-US" altLang="ko-KR" sz="1600" dirty="0"/>
-              <a:t>GET</a:t>
-            </a:r>
-            <a:r>
-              <a:rPr lang="ko-KR" altLang="en-US" sz="1600" dirty="0"/>
-              <a:t>요청을 기본적으로 수행하며</a:t>
-            </a:r>
-            <a:r>
-              <a:rPr lang="en-US" altLang="ko-KR" sz="1600" dirty="0"/>
-              <a:t>,</a:t>
-            </a:r>
-            <a:br>
-              <a:rPr lang="en-US" altLang="ko-KR" sz="1600" dirty="0"/>
-            </a:br>
-            <a:r>
-              <a:rPr lang="en-US" altLang="ko-KR" sz="1600" dirty="0"/>
-              <a:t>POST, PUT, DELETE</a:t>
-            </a:r>
-            <a:r>
-              <a:rPr lang="ko-KR" altLang="en-US" sz="1600" dirty="0"/>
-              <a:t>요청을 보내려면</a:t>
-            </a:r>
-            <a:r>
-              <a:rPr lang="en-US" altLang="ko-KR" sz="1600" dirty="0"/>
-              <a:t> </a:t>
-            </a:r>
-            <a:r>
-              <a:rPr lang="ko-KR" altLang="en-US" sz="1600" dirty="0"/>
-              <a:t>개발자 도구에서 요청을 다시 보내기를 하거나</a:t>
-            </a:r>
-            <a:r>
-              <a:rPr lang="en-US" altLang="ko-KR" sz="1600" dirty="0"/>
-              <a:t>,</a:t>
-            </a:r>
-            <a:br>
-              <a:rPr lang="en-US" altLang="ko-KR" sz="1600" dirty="0"/>
-            </a:br>
-            <a:r>
-              <a:rPr lang="ko-KR" altLang="en-US" sz="1600" dirty="0"/>
-              <a:t>콘솔명령에서 </a:t>
-            </a:r>
-            <a:r>
-              <a:rPr lang="en-US" altLang="ko-KR" sz="1600" dirty="0"/>
-              <a:t>curl</a:t>
-            </a:r>
-            <a:r>
-              <a:rPr lang="ko-KR" altLang="en-US" sz="1600" dirty="0"/>
-              <a:t>를 사용하면 좀 더 세부적으로 작성 할 수 있습니다</a:t>
-            </a:r>
-            <a:endParaRPr lang="en-US" altLang="ko-KR" sz="1600" dirty="0"/>
-          </a:p>
-          <a:p>
-            <a:r>
-              <a:rPr lang="en-US" altLang="ko-KR" sz="1600" dirty="0" err="1"/>
-              <a:t>POSTMan</a:t>
-            </a:r>
-            <a:r>
-              <a:rPr lang="ko-KR" altLang="en-US" sz="1600" dirty="0"/>
-              <a:t>은 </a:t>
-            </a:r>
-            <a:r>
-              <a:rPr lang="en-US" altLang="ko-KR" sz="1600" dirty="0"/>
-              <a:t>curl</a:t>
-            </a:r>
-            <a:r>
-              <a:rPr lang="ko-KR" altLang="en-US" sz="1600" dirty="0"/>
-              <a:t>를 좀 더 사용하기 편하게 해주는 사이트로 </a:t>
-            </a:r>
-            <a:r>
-              <a:rPr lang="en-US" altLang="ko-KR" sz="1600" dirty="0"/>
-              <a:t>Dev-Ops</a:t>
-            </a:r>
-            <a:r>
-              <a:rPr lang="ko-KR" altLang="en-US" sz="1600" dirty="0"/>
-              <a:t>로도 자주 사용하는 툴사이트 입니다</a:t>
-            </a:r>
-            <a:endParaRPr lang="en-US" altLang="ko-KR" sz="1600" dirty="0"/>
-          </a:p>
-        </p:txBody>
-      </p:sp>
-      <p:pic>
-        <p:nvPicPr>
-          <p:cNvPr id="5" name="그림 4">
-            <a:extLst>
-              <a:ext uri="{FF2B5EF4-FFF2-40B4-BE49-F238E27FC236}">
-                <a16:creationId xmlns:a16="http://schemas.microsoft.com/office/drawing/2014/main" id="{7B5EC3BD-AAF3-434D-8BD6-5577BE23AE2B}"/>
-              </a:ext>
-            </a:extLst>
-          </p:cNvPr>
-          <p:cNvPicPr>
-            <a:picLocks noChangeAspect="1"/>
-          </p:cNvPicPr>
-          <p:nvPr/>
-        </p:nvPicPr>
-        <p:blipFill>
-          <a:blip r:embed="rId2"/>
-          <a:stretch>
-            <a:fillRect/>
-          </a:stretch>
-        </p:blipFill>
-        <p:spPr>
-          <a:xfrm>
-            <a:off x="6961239" y="2181708"/>
-            <a:ext cx="5211404" cy="3268894"/>
-          </a:xfrm>
-          <a:prstGeom prst="rect">
-            <a:avLst/>
-          </a:prstGeom>
-        </p:spPr>
-      </p:pic>
-    </p:spTree>
-    <p:extLst>
-      <p:ext uri="{BB962C8B-B14F-4D97-AF65-F5344CB8AC3E}">
-        <p14:creationId xmlns:p14="http://schemas.microsoft.com/office/powerpoint/2010/main" val="2703086715"/>
-      </p:ext>
-    </p:extLst>
-  </p:cSld>
-  <p:clrMapOvr>
-    <a:masterClrMapping/>
-  </p:clrMapOvr>
-</p:sld>
-</file>
-
-<file path=ppt/slides/slide26.xml><?xml version="1.0" encoding="utf-8"?>
-<p:sld xmlns:a="http://schemas.openxmlformats.org/drawingml/2006/main" xmlns:r="http://schemas.openxmlformats.org/officeDocument/2006/relationships" xmlns:p="http://schemas.openxmlformats.org/presentationml/2006/main">
-  <p:cSld>
-    <p:spTree>
-      <p:nvGrpSpPr>
-        <p:cNvPr id="1" name=""/>
-        <p:cNvGrpSpPr/>
-        <p:nvPr/>
-      </p:nvGrpSpPr>
-      <p:grpSpPr>
-        <a:xfrm>
-          <a:off x="0" y="0"/>
-          <a:ext cx="0" cy="0"/>
-          <a:chOff x="0" y="0"/>
-          <a:chExt cx="0" cy="0"/>
-        </a:xfrm>
-      </p:grpSpPr>
-      <p:sp>
-        <p:nvSpPr>
-          <p:cNvPr id="2" name="제목 1">
-            <a:extLst>
-              <a:ext uri="{FF2B5EF4-FFF2-40B4-BE49-F238E27FC236}">
-                <a16:creationId xmlns:a16="http://schemas.microsoft.com/office/drawing/2014/main" id="{B104DE48-9F10-4CE9-B75D-3C20C2E75834}"/>
-              </a:ext>
-            </a:extLst>
-          </p:cNvPr>
-          <p:cNvSpPr>
-            <a:spLocks noGrp="1"/>
-          </p:cNvSpPr>
-          <p:nvPr>
-            <p:ph type="title"/>
-          </p:nvPr>
-        </p:nvSpPr>
-        <p:spPr/>
-        <p:txBody>
-          <a:bodyPr/>
-          <a:lstStyle/>
-          <a:p>
-            <a:r>
-              <a:rPr lang="en-US" altLang="ko-KR" dirty="0"/>
-              <a:t>HTTP Response(Format)</a:t>
-            </a:r>
-            <a:endParaRPr lang="ko-KR" altLang="en-US" dirty="0"/>
-          </a:p>
-        </p:txBody>
-      </p:sp>
-      <p:sp>
-        <p:nvSpPr>
-          <p:cNvPr id="3" name="내용 개체 틀 2">
-            <a:extLst>
-              <a:ext uri="{FF2B5EF4-FFF2-40B4-BE49-F238E27FC236}">
-                <a16:creationId xmlns:a16="http://schemas.microsoft.com/office/drawing/2014/main" id="{854FFAD6-E0DB-65E1-60A7-19AF78357BFB}"/>
-              </a:ext>
-            </a:extLst>
-          </p:cNvPr>
-          <p:cNvSpPr>
-            <a:spLocks noGrp="1"/>
-          </p:cNvSpPr>
-          <p:nvPr>
-            <p:ph idx="1"/>
-          </p:nvPr>
-        </p:nvSpPr>
-        <p:spPr>
-          <a:xfrm>
-            <a:off x="762000" y="1765139"/>
-            <a:ext cx="10668000" cy="5048616"/>
-          </a:xfrm>
-        </p:spPr>
-        <p:txBody>
-          <a:bodyPr/>
-          <a:lstStyle/>
-          <a:p>
-            <a:r>
-              <a:rPr lang="ko-KR" altLang="en-US" sz="1600" dirty="0"/>
-              <a:t>서버는 클라이언트에 차별하지 않고</a:t>
-            </a:r>
-            <a:r>
-              <a:rPr lang="en-US" altLang="ko-KR" sz="1600" dirty="0"/>
-              <a:t>,</a:t>
-            </a:r>
-            <a:br>
-              <a:rPr lang="en-US" altLang="ko-KR" sz="1600" dirty="0"/>
-            </a:br>
-            <a:r>
-              <a:rPr lang="ko-KR" altLang="en-US" sz="1600" dirty="0"/>
-              <a:t>비 상태에 걸맞게</a:t>
-            </a:r>
-            <a:r>
-              <a:rPr lang="en-US" altLang="ko-KR" sz="1600" dirty="0"/>
-              <a:t> </a:t>
-            </a:r>
-            <a:r>
-              <a:rPr lang="ko-KR" altLang="en-US" sz="1600" dirty="0"/>
-              <a:t>응답을 해줘야 합니다</a:t>
-            </a:r>
-            <a:endParaRPr lang="en-US" altLang="ko-KR" sz="1600" dirty="0"/>
-          </a:p>
-          <a:p>
-            <a:r>
-              <a:rPr lang="ko-KR" altLang="en-US" sz="1600" dirty="0"/>
-              <a:t>상태라인은 응답의 결과를 넘버링으로 보여주고</a:t>
-            </a:r>
-            <a:r>
-              <a:rPr lang="en-US" altLang="ko-KR" sz="1600" dirty="0"/>
-              <a:t>,</a:t>
-            </a:r>
-            <a:br>
-              <a:rPr lang="en-US" altLang="ko-KR" sz="1600" dirty="0"/>
-            </a:br>
-            <a:r>
-              <a:rPr lang="ko-KR" altLang="en-US" sz="1600" dirty="0"/>
-              <a:t>간단한 스트링으로 세부내용을 넘겨줍니다</a:t>
-            </a:r>
-            <a:br>
-              <a:rPr lang="en-US" altLang="ko-KR" sz="1600" dirty="0"/>
-            </a:br>
-            <a:r>
-              <a:rPr lang="ko-KR" altLang="en-US" sz="1600" dirty="0"/>
-              <a:t>이를 상태코드라고 하고</a:t>
-            </a:r>
-            <a:r>
-              <a:rPr lang="en-US" altLang="ko-KR" sz="1600" dirty="0"/>
-              <a:t>,</a:t>
-            </a:r>
-            <a:br>
-              <a:rPr lang="en-US" altLang="ko-KR" sz="1600" dirty="0"/>
-            </a:br>
-            <a:r>
-              <a:rPr lang="en-US" altLang="ko-KR" sz="1600" dirty="0"/>
-              <a:t>100~109</a:t>
-            </a:r>
-            <a:r>
-              <a:rPr lang="ko-KR" altLang="en-US" sz="1600" dirty="0"/>
-              <a:t>는 메시지 정보</a:t>
-            </a:r>
-            <a:r>
-              <a:rPr lang="en-US" altLang="ko-KR" sz="1600" dirty="0"/>
-              <a:t>, 200~206</a:t>
-            </a:r>
-            <a:r>
-              <a:rPr lang="ko-KR" altLang="en-US" sz="1600" dirty="0"/>
-              <a:t>은 요청 성공</a:t>
-            </a:r>
-            <a:r>
-              <a:rPr lang="en-US" altLang="ko-KR" sz="1600" dirty="0"/>
-              <a:t>,</a:t>
-            </a:r>
-            <a:br>
-              <a:rPr lang="en-US" altLang="ko-KR" sz="1600" dirty="0"/>
-            </a:br>
-            <a:r>
-              <a:rPr lang="en-US" altLang="ko-KR" sz="1600" dirty="0"/>
-              <a:t>300~305</a:t>
-            </a:r>
-            <a:r>
-              <a:rPr lang="ko-KR" altLang="en-US" sz="1600" dirty="0"/>
-              <a:t>는 </a:t>
-            </a:r>
-            <a:r>
-              <a:rPr lang="en-US" altLang="ko-KR" sz="1600" dirty="0"/>
-              <a:t>Redirection, 400~415</a:t>
-            </a:r>
-            <a:r>
-              <a:rPr lang="ko-KR" altLang="en-US" sz="1600" dirty="0"/>
-              <a:t>는 </a:t>
-            </a:r>
-            <a:r>
-              <a:rPr lang="en-US" altLang="ko-KR" sz="1600" dirty="0" err="1"/>
-              <a:t>ClientError</a:t>
-            </a:r>
-            <a:r>
-              <a:rPr lang="en-US" altLang="ko-KR" sz="1600" dirty="0"/>
-              <a:t>,</a:t>
-            </a:r>
-            <a:br>
-              <a:rPr lang="en-US" altLang="ko-KR" sz="1600" dirty="0"/>
-            </a:br>
-            <a:r>
-              <a:rPr lang="en-US" altLang="ko-KR" sz="1600" dirty="0"/>
-              <a:t>500~505</a:t>
-            </a:r>
-            <a:r>
-              <a:rPr lang="ko-KR" altLang="en-US" sz="1600" dirty="0"/>
-              <a:t>는 </a:t>
-            </a:r>
-            <a:r>
-              <a:rPr lang="en-US" altLang="ko-KR" sz="1600" dirty="0" err="1"/>
-              <a:t>ServerError</a:t>
-            </a:r>
-            <a:r>
-              <a:rPr lang="en-US" altLang="ko-KR" sz="1600" dirty="0"/>
-              <a:t> </a:t>
-            </a:r>
-            <a:r>
-              <a:rPr lang="ko-KR" altLang="en-US" sz="1600" dirty="0"/>
-              <a:t>로 보시면 됩니다</a:t>
-            </a:r>
-            <a:endParaRPr lang="en-US" altLang="ko-KR" sz="1600" dirty="0"/>
-          </a:p>
-          <a:p>
-            <a:r>
-              <a:rPr lang="ko-KR" altLang="en-US" sz="1600" dirty="0"/>
-              <a:t>헤더라인은 요청과 비슷하게 서버정보</a:t>
-            </a:r>
-            <a:r>
-              <a:rPr lang="en-US" altLang="ko-KR" sz="1600" dirty="0"/>
-              <a:t>, </a:t>
-            </a:r>
-            <a:r>
-              <a:rPr lang="ko-KR" altLang="en-US" sz="1600" dirty="0"/>
-              <a:t>타임스탬프들과 함께</a:t>
-            </a:r>
-            <a:br>
-              <a:rPr lang="en-US" altLang="ko-KR" sz="1600" dirty="0"/>
-            </a:br>
-            <a:r>
-              <a:rPr lang="ko-KR" altLang="en-US" sz="1600" dirty="0"/>
-              <a:t>응답의 총 길이나 값의 형태를</a:t>
-            </a:r>
-            <a:r>
-              <a:rPr lang="en-US" altLang="ko-KR" sz="1600" dirty="0"/>
-              <a:t> </a:t>
-            </a:r>
-            <a:r>
-              <a:rPr lang="ko-KR" altLang="en-US" sz="1600" dirty="0"/>
-              <a:t>미리 언급하여</a:t>
-            </a:r>
-            <a:br>
-              <a:rPr lang="en-US" altLang="ko-KR" sz="1600" dirty="0"/>
-            </a:br>
-            <a:r>
-              <a:rPr lang="ko-KR" altLang="en-US" sz="1600" dirty="0"/>
-              <a:t>웹 엔진이 어떻게 파싱 하면 될 지</a:t>
-            </a:r>
-            <a:r>
-              <a:rPr lang="en-US" altLang="ko-KR" sz="1600" dirty="0"/>
-              <a:t> </a:t>
-            </a:r>
-            <a:r>
-              <a:rPr lang="ko-KR" altLang="en-US" sz="1600" dirty="0"/>
-              <a:t>알려줄 수도 있습니다</a:t>
-            </a:r>
-            <a:endParaRPr lang="en-US" altLang="ko-KR" sz="1600" dirty="0"/>
-          </a:p>
-          <a:p>
-            <a:r>
-              <a:rPr lang="ko-KR" altLang="en-US" sz="1600" dirty="0"/>
-              <a:t>공백라인은 요청과 동일하게 라인의 끝을 </a:t>
-            </a:r>
-            <a:r>
-              <a:rPr lang="en-US" altLang="ko-KR" sz="1600" dirty="0"/>
-              <a:t>\r\n</a:t>
-            </a:r>
-            <a:r>
-              <a:rPr lang="ko-KR" altLang="en-US" sz="1600" dirty="0"/>
-              <a:t>을 명시하고</a:t>
-            </a:r>
-            <a:r>
-              <a:rPr lang="en-US" altLang="ko-KR" sz="1600" dirty="0"/>
-              <a:t>,</a:t>
-            </a:r>
-            <a:br>
-              <a:rPr lang="en-US" altLang="ko-KR" sz="1600" dirty="0"/>
-            </a:br>
-            <a:r>
-              <a:rPr lang="ko-KR" altLang="en-US" sz="1600" dirty="0"/>
-              <a:t>응답의 끝에는 </a:t>
-            </a:r>
-            <a:r>
-              <a:rPr lang="en-US" altLang="ko-KR" sz="1600" dirty="0"/>
-              <a:t>\r\n\r\n</a:t>
-            </a:r>
-            <a:r>
-              <a:rPr lang="ko-KR" altLang="en-US" sz="1600" dirty="0"/>
-              <a:t>을 붙여 끝임을 명시해야 합니다</a:t>
-            </a:r>
-            <a:endParaRPr lang="en-US" altLang="ko-KR" sz="1600" dirty="0"/>
-          </a:p>
-          <a:p>
-            <a:r>
-              <a:rPr lang="ko-KR" altLang="en-US" sz="1600" dirty="0"/>
-              <a:t>요청을 받은 다음</a:t>
-            </a:r>
-            <a:r>
-              <a:rPr lang="en-US" altLang="ko-KR" sz="1600" dirty="0"/>
-              <a:t> </a:t>
-            </a:r>
-            <a:r>
-              <a:rPr lang="ko-KR" altLang="en-US" sz="1600" dirty="0"/>
-              <a:t>물리적으로 시간이 오래 지나면</a:t>
-            </a:r>
-            <a:r>
-              <a:rPr lang="en-US" altLang="ko-KR" sz="1600" dirty="0"/>
-              <a:t>, </a:t>
-            </a:r>
-            <a:r>
-              <a:rPr lang="ko-KR" altLang="en-US" sz="1600" dirty="0"/>
-              <a:t>내용을 업데이트 하기 위해 재 </a:t>
-            </a:r>
-            <a:r>
-              <a:rPr lang="en-US" altLang="ko-KR" sz="1600" dirty="0"/>
-              <a:t>GET</a:t>
-            </a:r>
-            <a:r>
-              <a:rPr lang="ko-KR" altLang="en-US" sz="1600" dirty="0"/>
-              <a:t>요청을</a:t>
-            </a:r>
-            <a:br>
-              <a:rPr lang="en-US" altLang="ko-KR" sz="1600" dirty="0"/>
-            </a:br>
-            <a:r>
-              <a:rPr lang="ko-KR" altLang="en-US" sz="1600" dirty="0"/>
-              <a:t>보낼 때가 있는데</a:t>
-            </a:r>
-            <a:r>
-              <a:rPr lang="en-US" altLang="ko-KR" sz="1600" dirty="0"/>
-              <a:t>, </a:t>
-            </a:r>
-            <a:r>
-              <a:rPr lang="ko-KR" altLang="en-US" sz="1600" dirty="0"/>
-              <a:t>이때</a:t>
-            </a:r>
-            <a:r>
-              <a:rPr lang="en-US" altLang="ko-KR" sz="1600" dirty="0"/>
-              <a:t> </a:t>
-            </a:r>
-            <a:r>
-              <a:rPr lang="ko-KR" altLang="en-US" sz="1600" dirty="0"/>
-              <a:t>여전히 바뀐 정보가 없다면</a:t>
-            </a:r>
-            <a:r>
-              <a:rPr lang="en-US" altLang="ko-KR" sz="1600" dirty="0"/>
-              <a:t>, </a:t>
-            </a:r>
-            <a:r>
-              <a:rPr lang="ko-KR" altLang="en-US" sz="1600" dirty="0"/>
-              <a:t>같은 정보를 두 번 주는 것 보다</a:t>
-            </a:r>
-            <a:br>
-              <a:rPr lang="en-US" altLang="ko-KR" sz="1600" dirty="0"/>
-            </a:br>
-            <a:r>
-              <a:rPr lang="en-US" altLang="ko-KR" sz="1600" dirty="0"/>
-              <a:t>300</a:t>
-            </a:r>
-            <a:r>
-              <a:rPr lang="ko-KR" altLang="en-US" sz="1600" dirty="0"/>
-              <a:t>계열의 </a:t>
-            </a:r>
-            <a:r>
-              <a:rPr lang="en-US" altLang="ko-KR" sz="1600" dirty="0"/>
-              <a:t>Redirection </a:t>
-            </a:r>
-            <a:r>
-              <a:rPr lang="ko-KR" altLang="en-US" sz="1600" dirty="0"/>
-              <a:t>코드를 주면</a:t>
-            </a:r>
-            <a:r>
-              <a:rPr lang="en-US" altLang="ko-KR" sz="1600" dirty="0"/>
-              <a:t> </a:t>
-            </a:r>
-            <a:r>
-              <a:rPr lang="ko-KR" altLang="en-US" sz="1600" dirty="0"/>
-              <a:t>정보를 보다 효율적으로 사용할 수 있을 것입니다</a:t>
-            </a:r>
-            <a:endParaRPr lang="en-US" altLang="ko-KR" sz="1600" dirty="0"/>
-          </a:p>
-        </p:txBody>
-      </p:sp>
-      <p:pic>
-        <p:nvPicPr>
-          <p:cNvPr id="6" name="그림 5">
-            <a:extLst>
-              <a:ext uri="{FF2B5EF4-FFF2-40B4-BE49-F238E27FC236}">
-                <a16:creationId xmlns:a16="http://schemas.microsoft.com/office/drawing/2014/main" id="{664B63F2-E55E-385E-B612-68B4F9D199DB}"/>
-              </a:ext>
-            </a:extLst>
-          </p:cNvPr>
-          <p:cNvPicPr>
-            <a:picLocks noChangeAspect="1"/>
-          </p:cNvPicPr>
-          <p:nvPr/>
-        </p:nvPicPr>
-        <p:blipFill>
-          <a:blip r:embed="rId2"/>
-          <a:stretch>
-            <a:fillRect/>
-          </a:stretch>
-        </p:blipFill>
-        <p:spPr>
-          <a:xfrm>
-            <a:off x="6933719" y="2328197"/>
-            <a:ext cx="5173394" cy="3246694"/>
-          </a:xfrm>
-          <a:prstGeom prst="rect">
-            <a:avLst/>
-          </a:prstGeom>
-        </p:spPr>
-      </p:pic>
-    </p:spTree>
-    <p:extLst>
-      <p:ext uri="{BB962C8B-B14F-4D97-AF65-F5344CB8AC3E}">
-        <p14:creationId xmlns:p14="http://schemas.microsoft.com/office/powerpoint/2010/main" val="3067711281"/>
-      </p:ext>
-    </p:extLst>
-  </p:cSld>
-  <p:clrMapOvr>
-    <a:masterClrMapping/>
-  </p:clrMapOvr>
-</p:sld>
-</file>
-
-<file path=ppt/slides/slide27.xml><?xml version="1.0" encoding="utf-8"?>
-<p:sld xmlns:a="http://schemas.openxmlformats.org/drawingml/2006/main" xmlns:r="http://schemas.openxmlformats.org/officeDocument/2006/relationships" xmlns:p="http://schemas.openxmlformats.org/presentationml/2006/main">
-  <p:cSld>
-    <p:spTree>
-      <p:nvGrpSpPr>
-        <p:cNvPr id="1" name=""/>
-        <p:cNvGrpSpPr/>
-        <p:nvPr/>
-      </p:nvGrpSpPr>
-      <p:grpSpPr>
-        <a:xfrm>
-          <a:off x="0" y="0"/>
-          <a:ext cx="0" cy="0"/>
-          <a:chOff x="0" y="0"/>
-          <a:chExt cx="0" cy="0"/>
-        </a:xfrm>
-      </p:grpSpPr>
-      <p:sp>
-        <p:nvSpPr>
-          <p:cNvPr id="2" name="제목 1">
-            <a:extLst>
-              <a:ext uri="{FF2B5EF4-FFF2-40B4-BE49-F238E27FC236}">
-                <a16:creationId xmlns:a16="http://schemas.microsoft.com/office/drawing/2014/main" id="{B104DE48-9F10-4CE9-B75D-3C20C2E75834}"/>
-              </a:ext>
-            </a:extLst>
-          </p:cNvPr>
-          <p:cNvSpPr>
-            <a:spLocks noGrp="1"/>
-          </p:cNvSpPr>
-          <p:nvPr>
-            <p:ph type="title"/>
-          </p:nvPr>
-        </p:nvSpPr>
-        <p:spPr/>
-        <p:txBody>
-          <a:bodyPr/>
-          <a:lstStyle/>
-          <a:p>
-            <a:r>
-              <a:rPr lang="en-US" altLang="ko-KR" dirty="0"/>
-              <a:t>HTTP Cookie</a:t>
-            </a:r>
-            <a:endParaRPr lang="ko-KR" altLang="en-US" dirty="0"/>
-          </a:p>
-        </p:txBody>
-      </p:sp>
-      <p:sp>
-        <p:nvSpPr>
-          <p:cNvPr id="3" name="내용 개체 틀 2">
-            <a:extLst>
-              <a:ext uri="{FF2B5EF4-FFF2-40B4-BE49-F238E27FC236}">
-                <a16:creationId xmlns:a16="http://schemas.microsoft.com/office/drawing/2014/main" id="{854FFAD6-E0DB-65E1-60A7-19AF78357BFB}"/>
-              </a:ext>
-            </a:extLst>
-          </p:cNvPr>
-          <p:cNvSpPr>
-            <a:spLocks noGrp="1"/>
-          </p:cNvSpPr>
-          <p:nvPr>
-            <p:ph idx="1"/>
-          </p:nvPr>
-        </p:nvSpPr>
-        <p:spPr>
-          <a:xfrm>
-            <a:off x="762000" y="1765139"/>
-            <a:ext cx="10668000" cy="5008489"/>
-          </a:xfrm>
-        </p:spPr>
-        <p:txBody>
-          <a:bodyPr/>
-          <a:lstStyle/>
-          <a:p>
-            <a:r>
-              <a:rPr lang="en-US" altLang="ko-KR" sz="1600" dirty="0"/>
-              <a:t>HTTP</a:t>
-            </a:r>
-            <a:r>
-              <a:rPr lang="ko-KR" altLang="en-US" sz="1600" dirty="0"/>
-              <a:t>는 비 상태 프로토콜입니다 이는 모든 클라이언트에게 무차별적으로 라우팅 된 내용을</a:t>
-            </a:r>
-            <a:br>
-              <a:rPr lang="en-US" altLang="ko-KR" sz="1600" dirty="0"/>
-            </a:br>
-            <a:r>
-              <a:rPr lang="ko-KR" altLang="en-US" sz="1600" dirty="0"/>
-              <a:t>보여줘야 한다는 뜻이 됩니다</a:t>
-            </a:r>
-            <a:endParaRPr lang="en-US" altLang="ko-KR" sz="1600" dirty="0"/>
-          </a:p>
-          <a:p>
-            <a:r>
-              <a:rPr lang="ko-KR" altLang="en-US" sz="1600" dirty="0"/>
-              <a:t>대부분의 경우는 문제가 없지만</a:t>
-            </a:r>
-            <a:r>
-              <a:rPr lang="en-US" altLang="ko-KR" sz="1600" dirty="0"/>
-              <a:t>, </a:t>
-            </a:r>
-            <a:r>
-              <a:rPr lang="ko-KR" altLang="en-US" sz="1600" dirty="0"/>
-              <a:t>로그인이나 개인정보를 저장</a:t>
-            </a:r>
-            <a:r>
-              <a:rPr lang="en-US" altLang="ko-KR" sz="1600" dirty="0"/>
-              <a:t>, </a:t>
-            </a:r>
-            <a:r>
-              <a:rPr lang="ko-KR" altLang="en-US" sz="1600" dirty="0" err="1"/>
-              <a:t>어드민</a:t>
-            </a:r>
-            <a:r>
-              <a:rPr lang="ko-KR" altLang="en-US" sz="1600" dirty="0"/>
-              <a:t> 권한의 작업을 수행하려는 경우</a:t>
-            </a:r>
-            <a:r>
-              <a:rPr lang="en-US" altLang="ko-KR" sz="1600" dirty="0"/>
-              <a:t>,</a:t>
-            </a:r>
-            <a:br>
-              <a:rPr lang="en-US" altLang="ko-KR" sz="1600" dirty="0"/>
-            </a:br>
-            <a:r>
-              <a:rPr lang="ko-KR" altLang="en-US" sz="1600" dirty="0"/>
-              <a:t>라우팅을 숨기는 방식의 보안처리를 할 수 밖에 없을 것입니다</a:t>
-            </a:r>
-            <a:endParaRPr lang="en-US" altLang="ko-KR" sz="1600" dirty="0"/>
-          </a:p>
-          <a:p>
-            <a:r>
-              <a:rPr lang="en-US" altLang="ko-KR" sz="1600" dirty="0"/>
-              <a:t>HTTP</a:t>
-            </a:r>
-            <a:r>
-              <a:rPr lang="ko-KR" altLang="en-US" sz="1600" dirty="0"/>
-              <a:t> </a:t>
-            </a:r>
-            <a:r>
-              <a:rPr lang="en-US" altLang="ko-KR" sz="1600" dirty="0"/>
-              <a:t>Cookie</a:t>
-            </a:r>
-            <a:r>
-              <a:rPr lang="ko-KR" altLang="en-US" sz="1600" dirty="0"/>
-              <a:t>는 서버로 통신하려는 클라이언트가 서버에게 특정상태임을 같이 보내는 것으로</a:t>
-            </a:r>
-            <a:br>
-              <a:rPr lang="en-US" altLang="ko-KR" sz="1600" dirty="0"/>
-            </a:br>
-            <a:r>
-              <a:rPr lang="ko-KR" altLang="en-US" sz="1600" dirty="0"/>
-              <a:t>이를 활용하면</a:t>
-            </a:r>
-            <a:r>
-              <a:rPr lang="en-US" altLang="ko-KR" sz="1600" dirty="0"/>
-              <a:t> </a:t>
-            </a:r>
-            <a:r>
-              <a:rPr lang="ko-KR" altLang="en-US" sz="1600" dirty="0"/>
-              <a:t>클라이언트의 로그인 상태를 유지하면서 웹 사이트를 사용하거나</a:t>
-            </a:r>
-            <a:r>
-              <a:rPr lang="en-US" altLang="ko-KR" sz="1600" dirty="0"/>
-              <a:t>,</a:t>
-            </a:r>
-            <a:br>
-              <a:rPr lang="en-US" altLang="ko-KR" sz="1600" dirty="0"/>
-            </a:br>
-            <a:r>
-              <a:rPr lang="ko-KR" altLang="en-US" sz="1600" dirty="0" err="1"/>
-              <a:t>어드민</a:t>
-            </a:r>
-            <a:r>
-              <a:rPr lang="ko-KR" altLang="en-US" sz="1600" dirty="0"/>
-              <a:t> 권한이 있는지 서버가 검증하여 조건부로 들여 보낼 수 있게 됩니다</a:t>
-            </a:r>
-            <a:endParaRPr lang="en-US" altLang="ko-KR" sz="1600" dirty="0"/>
-          </a:p>
-          <a:p>
-            <a:r>
-              <a:rPr lang="ko-KR" altLang="en-US" sz="1600" dirty="0"/>
-              <a:t>처음 클라이언트가 로그인을 수행한다면</a:t>
-            </a:r>
-            <a:r>
-              <a:rPr lang="en-US" altLang="ko-KR" sz="1600" dirty="0"/>
-              <a:t>, </a:t>
-            </a:r>
-            <a:r>
-              <a:rPr lang="ko-KR" altLang="en-US" sz="1600" dirty="0"/>
-              <a:t>서버는 클라이언트에게</a:t>
-            </a:r>
-            <a:br>
-              <a:rPr lang="en-US" altLang="ko-KR" sz="1600" dirty="0"/>
-            </a:br>
-            <a:r>
-              <a:rPr lang="en-US" altLang="ko-KR" sz="1600" dirty="0"/>
-              <a:t>Set-Cookie: ~~</a:t>
-            </a:r>
-            <a:r>
-              <a:rPr lang="ko-KR" altLang="en-US" sz="1600" dirty="0"/>
-              <a:t>의 내용으로 쿠키를 변경하라는 명령을</a:t>
-            </a:r>
-            <a:br>
-              <a:rPr lang="en-US" altLang="ko-KR" sz="1600" dirty="0"/>
-            </a:br>
-            <a:r>
-              <a:rPr lang="ko-KR" altLang="en-US" sz="1600" dirty="0"/>
-              <a:t>헤더로부터 받아</a:t>
-            </a:r>
-            <a:r>
-              <a:rPr lang="en-US" altLang="ko-KR" sz="1600" dirty="0"/>
-              <a:t> </a:t>
-            </a:r>
-            <a:r>
-              <a:rPr lang="ko-KR" altLang="en-US" sz="1600" dirty="0"/>
-              <a:t>처리한 뒤</a:t>
-            </a:r>
-            <a:r>
-              <a:rPr lang="en-US" altLang="ko-KR" sz="1600" dirty="0"/>
-              <a:t>(</a:t>
-            </a:r>
-            <a:r>
-              <a:rPr lang="ko-KR" altLang="en-US" sz="1600" dirty="0"/>
-              <a:t>쿠키 등록을 한 뒤</a:t>
-            </a:r>
-            <a:r>
-              <a:rPr lang="en-US" altLang="ko-KR" sz="1600" dirty="0"/>
-              <a:t>),</a:t>
-            </a:r>
-            <a:br>
-              <a:rPr lang="en-US" altLang="ko-KR" sz="1600" dirty="0"/>
-            </a:br>
-            <a:r>
-              <a:rPr lang="ko-KR" altLang="en-US" sz="1600" dirty="0"/>
-              <a:t>다음부터는 해당 쿠키를 요청 헤더에</a:t>
-            </a:r>
-            <a:br>
-              <a:rPr lang="en-US" altLang="ko-KR" sz="1600" dirty="0"/>
-            </a:br>
-            <a:r>
-              <a:rPr lang="en-US" altLang="ko-KR" sz="1600" dirty="0"/>
-              <a:t>Cookie</a:t>
-            </a:r>
-            <a:r>
-              <a:rPr lang="ko-KR" altLang="en-US" sz="1600" dirty="0"/>
-              <a:t>로 매번 보내어 로그인 과정을 건너뛰거나 페이지를 보기 위한</a:t>
-            </a:r>
-            <a:br>
-              <a:rPr lang="en-US" altLang="ko-KR" sz="1600" dirty="0"/>
-            </a:br>
-            <a:r>
-              <a:rPr lang="ko-KR" altLang="en-US" sz="1600" dirty="0"/>
-              <a:t>권한을</a:t>
-            </a:r>
-            <a:r>
-              <a:rPr lang="en-US" altLang="ko-KR" sz="1600" dirty="0"/>
-              <a:t> </a:t>
-            </a:r>
-            <a:r>
-              <a:rPr lang="ko-KR" altLang="en-US" sz="1600" dirty="0"/>
-              <a:t>획득하는 구조를 가지게 됩니다</a:t>
-            </a:r>
-            <a:endParaRPr lang="en-US" altLang="ko-KR" sz="1600" dirty="0"/>
-          </a:p>
-          <a:p>
-            <a:r>
-              <a:rPr lang="ko-KR" altLang="en-US" sz="1600" dirty="0"/>
-              <a:t>오늘날에는 단순한 쿠키 값을 사용해서는 보안의 문제가 될 수 있기 때문에</a:t>
-            </a:r>
-            <a:r>
-              <a:rPr lang="en-US" altLang="ko-KR" sz="1600" dirty="0"/>
-              <a:t>,</a:t>
-            </a:r>
-            <a:br>
-              <a:rPr lang="en-US" altLang="ko-KR" sz="1600" dirty="0"/>
-            </a:br>
-            <a:r>
-              <a:rPr lang="ko-KR" altLang="en-US" sz="1600" dirty="0"/>
-              <a:t>쿠키 값에 암호화 된 세션 값을 넣어 서버 측에서 반드시 검증해야 하는</a:t>
-            </a:r>
-            <a:br>
-              <a:rPr lang="en-US" altLang="ko-KR" sz="1600" dirty="0"/>
-            </a:br>
-            <a:r>
-              <a:rPr lang="ko-KR" altLang="en-US" sz="1600" dirty="0"/>
-              <a:t>구조로 이를 해결합니다 </a:t>
-            </a:r>
-            <a:r>
-              <a:rPr lang="en-US" altLang="ko-KR" sz="1600" dirty="0"/>
-              <a:t>(</a:t>
-            </a:r>
-            <a:r>
-              <a:rPr lang="ko-KR" altLang="en-US" sz="1600" dirty="0"/>
-              <a:t>주로 </a:t>
-            </a:r>
-            <a:r>
-              <a:rPr lang="en-US" altLang="ko-KR" sz="1600" dirty="0"/>
-              <a:t>Session</a:t>
-            </a:r>
-            <a:r>
-              <a:rPr lang="ko-KR" altLang="en-US" sz="1600" dirty="0"/>
-              <a:t>과 </a:t>
-            </a:r>
-            <a:r>
-              <a:rPr lang="en-US" altLang="ko-KR" sz="1600" dirty="0"/>
-              <a:t>Web Token</a:t>
-            </a:r>
-            <a:r>
-              <a:rPr lang="ko-KR" altLang="en-US" sz="1600" dirty="0"/>
-              <a:t>을 사용합니다</a:t>
-            </a:r>
-            <a:r>
-              <a:rPr lang="en-US" altLang="ko-KR" sz="1600" dirty="0"/>
-              <a:t>)</a:t>
-            </a:r>
-          </a:p>
-        </p:txBody>
-      </p:sp>
-      <p:pic>
-        <p:nvPicPr>
-          <p:cNvPr id="5" name="그림 4">
-            <a:extLst>
-              <a:ext uri="{FF2B5EF4-FFF2-40B4-BE49-F238E27FC236}">
-                <a16:creationId xmlns:a16="http://schemas.microsoft.com/office/drawing/2014/main" id="{412E1C03-9A20-D558-4275-5866597B35A8}"/>
-              </a:ext>
-            </a:extLst>
-          </p:cNvPr>
-          <p:cNvPicPr>
-            <a:picLocks noChangeAspect="1"/>
-          </p:cNvPicPr>
-          <p:nvPr/>
-        </p:nvPicPr>
-        <p:blipFill>
-          <a:blip r:embed="rId2"/>
-          <a:stretch>
-            <a:fillRect/>
-          </a:stretch>
-        </p:blipFill>
-        <p:spPr>
-          <a:xfrm>
-            <a:off x="8549219" y="4122638"/>
-            <a:ext cx="3550019" cy="2650990"/>
-          </a:xfrm>
-          <a:prstGeom prst="rect">
-            <a:avLst/>
-          </a:prstGeom>
-        </p:spPr>
-      </p:pic>
-    </p:spTree>
-    <p:extLst>
-      <p:ext uri="{BB962C8B-B14F-4D97-AF65-F5344CB8AC3E}">
-        <p14:creationId xmlns:p14="http://schemas.microsoft.com/office/powerpoint/2010/main" val="2287587846"/>
-      </p:ext>
-    </p:extLst>
-  </p:cSld>
-  <p:clrMapOvr>
-    <a:masterClrMapping/>
-  </p:clrMapOvr>
-</p:sld>
-</file>
-
-<file path=ppt/slides/slide28.xml><?xml version="1.0" encoding="utf-8"?>
-<p:sld xmlns:a="http://schemas.openxmlformats.org/drawingml/2006/main" xmlns:r="http://schemas.openxmlformats.org/officeDocument/2006/relationships" xmlns:p="http://schemas.openxmlformats.org/presentationml/2006/main">
-  <p:cSld>
-    <p:spTree>
-      <p:nvGrpSpPr>
-        <p:cNvPr id="1" name=""/>
-        <p:cNvGrpSpPr/>
-        <p:nvPr/>
-      </p:nvGrpSpPr>
-      <p:grpSpPr>
-        <a:xfrm>
-          <a:off x="0" y="0"/>
-          <a:ext cx="0" cy="0"/>
-          <a:chOff x="0" y="0"/>
-          <a:chExt cx="0" cy="0"/>
-        </a:xfrm>
-      </p:grpSpPr>
-      <p:sp>
-        <p:nvSpPr>
-          <p:cNvPr id="2" name="제목 1">
-            <a:extLst>
-              <a:ext uri="{FF2B5EF4-FFF2-40B4-BE49-F238E27FC236}">
-                <a16:creationId xmlns:a16="http://schemas.microsoft.com/office/drawing/2014/main" id="{B104DE48-9F10-4CE9-B75D-3C20C2E75834}"/>
-              </a:ext>
-            </a:extLst>
-          </p:cNvPr>
-          <p:cNvSpPr>
-            <a:spLocks noGrp="1"/>
-          </p:cNvSpPr>
-          <p:nvPr>
-            <p:ph type="title"/>
-          </p:nvPr>
-        </p:nvSpPr>
-        <p:spPr/>
-        <p:txBody>
-          <a:bodyPr/>
-          <a:lstStyle/>
-          <a:p>
-            <a:r>
-              <a:rPr lang="en-US" altLang="ko-KR" dirty="0"/>
-              <a:t>HTTPS</a:t>
-            </a:r>
-            <a:endParaRPr lang="ko-KR" altLang="en-US" dirty="0"/>
-          </a:p>
-        </p:txBody>
-      </p:sp>
-      <p:sp>
-        <p:nvSpPr>
-          <p:cNvPr id="3" name="내용 개체 틀 2">
-            <a:extLst>
-              <a:ext uri="{FF2B5EF4-FFF2-40B4-BE49-F238E27FC236}">
-                <a16:creationId xmlns:a16="http://schemas.microsoft.com/office/drawing/2014/main" id="{854FFAD6-E0DB-65E1-60A7-19AF78357BFB}"/>
-              </a:ext>
-            </a:extLst>
-          </p:cNvPr>
-          <p:cNvSpPr>
-            <a:spLocks noGrp="1"/>
-          </p:cNvSpPr>
-          <p:nvPr>
-            <p:ph idx="1"/>
-          </p:nvPr>
-        </p:nvSpPr>
-        <p:spPr>
-          <a:xfrm>
-            <a:off x="762000" y="1765139"/>
-            <a:ext cx="5575536" cy="4930114"/>
-          </a:xfrm>
-        </p:spPr>
-        <p:txBody>
-          <a:bodyPr/>
-          <a:lstStyle/>
-          <a:p>
-            <a:r>
-              <a:rPr lang="en-US" altLang="ko-KR" sz="1600" dirty="0"/>
-              <a:t>HTTP</a:t>
-            </a:r>
-            <a:r>
-              <a:rPr lang="ko-KR" altLang="en-US" sz="1600" dirty="0"/>
-              <a:t>는 </a:t>
-            </a:r>
-            <a:r>
-              <a:rPr lang="en-US" altLang="ko-KR" sz="1600" dirty="0"/>
-              <a:t>L5</a:t>
-            </a:r>
-            <a:r>
-              <a:rPr lang="ko-KR" altLang="en-US" sz="1600" dirty="0"/>
-              <a:t>계층의 프로토콜입니다</a:t>
-            </a:r>
-            <a:br>
-              <a:rPr lang="en-US" altLang="ko-KR" sz="1600" dirty="0"/>
-            </a:br>
-            <a:r>
-              <a:rPr lang="en-US" altLang="ko-KR" sz="1600" dirty="0"/>
-              <a:t>HTTP</a:t>
-            </a:r>
-            <a:r>
-              <a:rPr lang="ko-KR" altLang="en-US" sz="1600" dirty="0"/>
-              <a:t>의 통신내용은 패킷을 통해 분석이 가능하고</a:t>
-            </a:r>
-            <a:r>
-              <a:rPr lang="en-US" altLang="ko-KR" sz="1600" dirty="0"/>
-              <a:t>,</a:t>
-            </a:r>
-            <a:br>
-              <a:rPr lang="en-US" altLang="ko-KR" sz="1600" dirty="0"/>
-            </a:br>
-            <a:r>
-              <a:rPr lang="en-US" altLang="ko-KR" sz="1600" dirty="0"/>
-              <a:t>HTTP</a:t>
-            </a:r>
-            <a:r>
-              <a:rPr lang="ko-KR" altLang="en-US" sz="1600" dirty="0"/>
-              <a:t>는 통신의 과정에서 암호화가</a:t>
-            </a:r>
-            <a:br>
-              <a:rPr lang="en-US" altLang="ko-KR" sz="1600" dirty="0"/>
-            </a:br>
-            <a:r>
-              <a:rPr lang="ko-KR" altLang="en-US" sz="1600" dirty="0"/>
-              <a:t>전혀 진행되지 않기 때문에</a:t>
-            </a:r>
-            <a:r>
-              <a:rPr lang="en-US" altLang="ko-KR" sz="1600" dirty="0"/>
-              <a:t>,</a:t>
-            </a:r>
-            <a:br>
-              <a:rPr lang="en-US" altLang="ko-KR" sz="1600" dirty="0"/>
-            </a:br>
-            <a:r>
-              <a:rPr lang="en-US" altLang="ko-KR" sz="1600" dirty="0"/>
-              <a:t>MITM(Man In The Middle)</a:t>
-            </a:r>
-            <a:r>
-              <a:rPr lang="ko-KR" altLang="en-US" sz="1600" dirty="0"/>
-              <a:t>공격에</a:t>
-            </a:r>
-            <a:br>
-              <a:rPr lang="en-US" altLang="ko-KR" sz="1600" dirty="0"/>
-            </a:br>
-            <a:r>
-              <a:rPr lang="ko-KR" altLang="en-US" sz="1600" dirty="0"/>
-              <a:t>취약한 상태로 통신이 진행됩니다</a:t>
-            </a:r>
-            <a:endParaRPr lang="en-US" altLang="ko-KR" sz="1600" dirty="0"/>
-          </a:p>
-          <a:p>
-            <a:r>
-              <a:rPr lang="ko-KR" altLang="en-US" sz="1600" dirty="0"/>
-              <a:t>이를 막기 위해서는 </a:t>
-            </a:r>
-            <a:r>
-              <a:rPr lang="en-US" altLang="ko-KR" sz="1600" dirty="0"/>
-              <a:t>L4 </a:t>
-            </a:r>
-            <a:r>
-              <a:rPr lang="ko-KR" altLang="en-US" sz="1600" dirty="0"/>
-              <a:t>계층인 </a:t>
-            </a:r>
-            <a:r>
-              <a:rPr lang="en-US" altLang="ko-KR" sz="1600" dirty="0"/>
-              <a:t>TCP</a:t>
-            </a:r>
-            <a:r>
-              <a:rPr lang="ko-KR" altLang="en-US" sz="1600" dirty="0"/>
-              <a:t>로 가기전에</a:t>
-            </a:r>
-            <a:br>
-              <a:rPr lang="en-US" altLang="ko-KR" sz="1600" dirty="0"/>
-            </a:br>
-            <a:r>
-              <a:rPr lang="ko-KR" altLang="en-US" sz="1600" dirty="0"/>
-              <a:t>전체 문장을 암호화한 뒤</a:t>
-            </a:r>
-            <a:r>
-              <a:rPr lang="en-US" altLang="ko-KR" sz="1600" dirty="0"/>
-              <a:t> TCP</a:t>
-            </a:r>
-            <a:r>
-              <a:rPr lang="ko-KR" altLang="en-US" sz="1600" dirty="0"/>
-              <a:t>를 통해 도달 하고</a:t>
-            </a:r>
-            <a:r>
-              <a:rPr lang="en-US" altLang="ko-KR" sz="1600" dirty="0"/>
-              <a:t>,</a:t>
-            </a:r>
-            <a:br>
-              <a:rPr lang="en-US" altLang="ko-KR" sz="1600" dirty="0"/>
-            </a:br>
-            <a:r>
-              <a:rPr lang="ko-KR" altLang="en-US" sz="1600" dirty="0"/>
-              <a:t>도착지에서만 열수 있는 </a:t>
-            </a:r>
-            <a:r>
-              <a:rPr lang="ko-KR" altLang="en-US" sz="1600" dirty="0" err="1"/>
-              <a:t>복호문으로</a:t>
-            </a:r>
-            <a:r>
-              <a:rPr lang="ko-KR" altLang="en-US" sz="1600" dirty="0"/>
-              <a:t> </a:t>
-            </a:r>
-            <a:r>
-              <a:rPr lang="ko-KR" altLang="en-US" sz="1600" dirty="0" err="1"/>
-              <a:t>복호화해서</a:t>
-            </a:r>
-            <a:br>
-              <a:rPr lang="en-US" altLang="ko-KR" sz="1600" dirty="0"/>
-            </a:br>
-            <a:r>
-              <a:rPr lang="ko-KR" altLang="en-US" sz="1600" dirty="0"/>
-              <a:t>다시 원래의 </a:t>
-            </a:r>
-            <a:r>
-              <a:rPr lang="en-US" altLang="ko-KR" sz="1600" dirty="0"/>
-              <a:t>HTTP</a:t>
-            </a:r>
-            <a:r>
-              <a:rPr lang="ko-KR" altLang="en-US" sz="1600" dirty="0"/>
-              <a:t> 파일을 보는 방식을 사용합니다</a:t>
-            </a:r>
-            <a:endParaRPr lang="en-US" altLang="ko-KR" sz="1600" dirty="0"/>
-          </a:p>
-          <a:p>
-            <a:r>
-              <a:rPr lang="ko-KR" altLang="en-US" sz="1600" dirty="0"/>
-              <a:t>쉽게 </a:t>
-            </a:r>
-            <a:r>
-              <a:rPr lang="en-US" altLang="ko-KR" sz="1600" dirty="0"/>
-              <a:t>HTTP -&gt; SSL(</a:t>
-            </a:r>
-            <a:r>
-              <a:rPr lang="ko-KR" altLang="en-US" sz="1600" dirty="0"/>
-              <a:t>암호화</a:t>
-            </a:r>
-            <a:r>
-              <a:rPr lang="en-US" altLang="ko-KR" sz="1600" dirty="0"/>
-              <a:t>) -&gt; TCP -&gt; </a:t>
-            </a:r>
-            <a:r>
-              <a:rPr lang="ko-KR" altLang="en-US" sz="1600" dirty="0"/>
-              <a:t>네트워크</a:t>
-            </a:r>
-            <a:br>
-              <a:rPr lang="en-US" altLang="ko-KR" sz="1600" dirty="0"/>
-            </a:br>
-            <a:r>
-              <a:rPr lang="en-US" altLang="ko-KR" sz="1600" dirty="0"/>
-              <a:t>-&gt; TCP -&gt; SSL(</a:t>
-            </a:r>
-            <a:r>
-              <a:rPr lang="ko-KR" altLang="en-US" sz="1600" dirty="0"/>
-              <a:t>복호화</a:t>
-            </a:r>
-            <a:r>
-              <a:rPr lang="en-US" altLang="ko-KR" sz="1600" dirty="0"/>
-              <a:t>) -&gt; HTTP </a:t>
-            </a:r>
-            <a:r>
-              <a:rPr lang="ko-KR" altLang="en-US" sz="1600" dirty="0"/>
-              <a:t>순서로 진행되어</a:t>
-            </a:r>
-            <a:br>
-              <a:rPr lang="en-US" altLang="ko-KR" sz="1600" dirty="0"/>
-            </a:br>
-            <a:r>
-              <a:rPr lang="ko-KR" altLang="en-US" sz="1600" dirty="0"/>
-              <a:t>통신과정에서 가로채기 어렵게 만들 수 있습니다</a:t>
-            </a:r>
-            <a:endParaRPr lang="en-US" altLang="ko-KR" sz="1600" dirty="0"/>
-          </a:p>
-          <a:p>
-            <a:r>
-              <a:rPr lang="ko-KR" altLang="en-US" sz="1600" dirty="0"/>
-              <a:t>오늘날에는 </a:t>
-            </a:r>
-            <a:r>
-              <a:rPr lang="en-US" altLang="ko-KR" sz="1600" dirty="0"/>
-              <a:t>SSL</a:t>
-            </a:r>
-            <a:r>
-              <a:rPr lang="ko-KR" altLang="en-US" sz="1600" dirty="0"/>
-              <a:t>보다 성능이 더 뛰어난 </a:t>
-            </a:r>
-            <a:r>
-              <a:rPr lang="en-US" altLang="ko-KR" sz="1600" dirty="0"/>
-              <a:t>TLS1.x</a:t>
-            </a:r>
-            <a:r>
-              <a:rPr lang="ko-KR" altLang="en-US" sz="1600" dirty="0"/>
-              <a:t>를</a:t>
-            </a:r>
-            <a:br>
-              <a:rPr lang="en-US" altLang="ko-KR" sz="1600" dirty="0"/>
-            </a:br>
-            <a:r>
-              <a:rPr lang="ko-KR" altLang="en-US" sz="1600" dirty="0"/>
-              <a:t>사용하여 보안을 강화하고 있으며</a:t>
-            </a:r>
-            <a:r>
-              <a:rPr lang="en-US" altLang="ko-KR" sz="1600" dirty="0"/>
-              <a:t>,</a:t>
-            </a:r>
-            <a:br>
-              <a:rPr lang="en-US" altLang="ko-KR" sz="1600" dirty="0"/>
-            </a:br>
-            <a:r>
-              <a:rPr lang="en-US" altLang="ko-KR" sz="1600" dirty="0"/>
-              <a:t>SSL</a:t>
-            </a:r>
-            <a:r>
-              <a:rPr lang="ko-KR" altLang="en-US" sz="1600" dirty="0"/>
-              <a:t>의 기본 과정은 우측그림에 설명되어 있습니다</a:t>
-            </a:r>
-            <a:endParaRPr lang="en-US" altLang="ko-KR" sz="1600" dirty="0"/>
-          </a:p>
-        </p:txBody>
-      </p:sp>
-      <p:pic>
-        <p:nvPicPr>
-          <p:cNvPr id="5" name="그림 4">
-            <a:extLst>
-              <a:ext uri="{FF2B5EF4-FFF2-40B4-BE49-F238E27FC236}">
-                <a16:creationId xmlns:a16="http://schemas.microsoft.com/office/drawing/2014/main" id="{6BE0EA12-5AA4-06C8-816B-C7E5A13F52A7}"/>
-              </a:ext>
-            </a:extLst>
-          </p:cNvPr>
-          <p:cNvPicPr>
-            <a:picLocks noChangeAspect="1"/>
-          </p:cNvPicPr>
-          <p:nvPr/>
-        </p:nvPicPr>
-        <p:blipFill>
-          <a:blip r:embed="rId2"/>
-          <a:stretch>
-            <a:fillRect/>
-          </a:stretch>
-        </p:blipFill>
-        <p:spPr>
-          <a:xfrm>
-            <a:off x="6331005" y="1796712"/>
-            <a:ext cx="5692442" cy="4898541"/>
-          </a:xfrm>
-          <a:prstGeom prst="rect">
-            <a:avLst/>
-          </a:prstGeom>
-        </p:spPr>
-      </p:pic>
-    </p:spTree>
-    <p:extLst>
-      <p:ext uri="{BB962C8B-B14F-4D97-AF65-F5344CB8AC3E}">
-        <p14:creationId xmlns:p14="http://schemas.microsoft.com/office/powerpoint/2010/main" val="3062884123"/>
-      </p:ext>
-    </p:extLst>
-  </p:cSld>
-  <p:clrMapOvr>
-    <a:masterClrMapping/>
-  </p:clrMapOvr>
-</p:sld>
-</file>
-
-<file path=ppt/slides/slide29.xml><?xml version="1.0" encoding="utf-8"?>
-<p:sld xmlns:a="http://schemas.openxmlformats.org/drawingml/2006/main" xmlns:r="http://schemas.openxmlformats.org/officeDocument/2006/relationships" xmlns:p="http://schemas.openxmlformats.org/presentationml/2006/main">
-  <p:cSld>
-    <p:spTree>
-      <p:nvGrpSpPr>
-        <p:cNvPr id="1" name=""/>
-        <p:cNvGrpSpPr/>
-        <p:nvPr/>
-      </p:nvGrpSpPr>
-      <p:grpSpPr>
-        <a:xfrm>
-          <a:off x="0" y="0"/>
-          <a:ext cx="0" cy="0"/>
-          <a:chOff x="0" y="0"/>
-          <a:chExt cx="0" cy="0"/>
-        </a:xfrm>
-      </p:grpSpPr>
-      <p:sp>
-        <p:nvSpPr>
-          <p:cNvPr id="2" name="제목 1">
-            <a:extLst>
-              <a:ext uri="{FF2B5EF4-FFF2-40B4-BE49-F238E27FC236}">
-                <a16:creationId xmlns:a16="http://schemas.microsoft.com/office/drawing/2014/main" id="{47FE7501-20CB-1BEE-61B8-AC319A44F6B1}"/>
-              </a:ext>
-            </a:extLst>
-          </p:cNvPr>
-          <p:cNvSpPr>
-            <a:spLocks noGrp="1"/>
-          </p:cNvSpPr>
-          <p:nvPr>
-            <p:ph type="title"/>
-          </p:nvPr>
-        </p:nvSpPr>
-        <p:spPr/>
-        <p:txBody>
-          <a:bodyPr/>
-          <a:lstStyle/>
-          <a:p>
-            <a:r>
-              <a:rPr lang="en-US" altLang="ko-KR" dirty="0"/>
-              <a:t>DNS</a:t>
-            </a:r>
-            <a:endParaRPr lang="ko-KR" altLang="en-US" dirty="0"/>
-          </a:p>
-        </p:txBody>
-      </p:sp>
-      <p:sp>
-        <p:nvSpPr>
-          <p:cNvPr id="3" name="내용 개체 틀 2">
-            <a:extLst>
-              <a:ext uri="{FF2B5EF4-FFF2-40B4-BE49-F238E27FC236}">
-                <a16:creationId xmlns:a16="http://schemas.microsoft.com/office/drawing/2014/main" id="{3374D280-62FE-79B3-D90E-CDD9BB7121C1}"/>
-              </a:ext>
-            </a:extLst>
-          </p:cNvPr>
-          <p:cNvSpPr>
-            <a:spLocks noGrp="1"/>
-          </p:cNvSpPr>
-          <p:nvPr>
-            <p:ph idx="1"/>
-          </p:nvPr>
-        </p:nvSpPr>
-        <p:spPr>
-          <a:xfrm>
-            <a:off x="761999" y="1765139"/>
-            <a:ext cx="10729943" cy="5019119"/>
-          </a:xfrm>
-        </p:spPr>
-        <p:txBody>
-          <a:bodyPr/>
-          <a:lstStyle/>
-          <a:p>
-            <a:r>
-              <a:rPr lang="en-US" altLang="ko-KR" sz="1600" dirty="0"/>
-              <a:t>DNS(Domain Name System)</a:t>
-            </a:r>
-            <a:r>
-              <a:rPr lang="ko-KR" altLang="en-US" sz="1600" dirty="0"/>
-              <a:t>는 </a:t>
-            </a:r>
-            <a:r>
-              <a:rPr lang="en-US" altLang="ko-KR" sz="1600" dirty="0"/>
-              <a:t>IP</a:t>
-            </a:r>
-            <a:r>
-              <a:rPr lang="ko-KR" altLang="en-US" sz="1600" dirty="0"/>
-              <a:t>를 사람들이 쓰기 쉬운 이름</a:t>
-            </a:r>
-            <a:r>
-              <a:rPr lang="en-US" altLang="ko-KR" sz="1600" dirty="0"/>
-              <a:t>(</a:t>
-            </a:r>
-            <a:r>
-              <a:rPr lang="ko-KR" altLang="en-US" sz="1600" dirty="0"/>
-              <a:t>별칭</a:t>
-            </a:r>
-            <a:r>
-              <a:rPr lang="en-US" altLang="ko-KR" sz="1600" dirty="0"/>
-              <a:t>)</a:t>
-            </a:r>
-            <a:r>
-              <a:rPr lang="ko-KR" altLang="en-US" sz="1600" dirty="0"/>
-              <a:t>으로 변환하여 사용하는 시스템입니다</a:t>
-            </a:r>
-            <a:endParaRPr lang="en-US" altLang="ko-KR" sz="1600" dirty="0"/>
-          </a:p>
-          <a:p>
-            <a:r>
-              <a:rPr lang="en-US" altLang="ko-KR" sz="1600" dirty="0"/>
-              <a:t>FQDN(Fully Qualified Domain Name)</a:t>
-            </a:r>
-            <a:r>
-              <a:rPr lang="ko-KR" altLang="en-US" sz="1600" dirty="0"/>
-              <a:t>은 도메인의 </a:t>
-            </a:r>
-            <a:r>
-              <a:rPr lang="ko-KR" altLang="en-US" sz="1600" dirty="0" err="1"/>
-              <a:t>풀네임으로</a:t>
-            </a:r>
-            <a:r>
-              <a:rPr lang="en-US" altLang="ko-KR" sz="1600" dirty="0"/>
-              <a:t>,</a:t>
-            </a:r>
-            <a:br>
-              <a:rPr lang="en-US" altLang="ko-KR" sz="1600" dirty="0"/>
-            </a:br>
-            <a:r>
-              <a:rPr lang="en-US" altLang="ko-KR" sz="1600" dirty="0"/>
-              <a:t>{</a:t>
-            </a:r>
-            <a:r>
-              <a:rPr lang="ko-KR" altLang="en-US" sz="1600" dirty="0"/>
-              <a:t>호스트 네임</a:t>
-            </a:r>
-            <a:r>
-              <a:rPr lang="en-US" altLang="ko-KR" sz="1600" dirty="0"/>
-              <a:t>}.{</a:t>
-            </a:r>
-            <a:r>
-              <a:rPr lang="ko-KR" altLang="en-US" sz="1600" dirty="0"/>
-              <a:t>도메인 네임</a:t>
-            </a:r>
-            <a:r>
-              <a:rPr lang="en-US" altLang="ko-KR" sz="1600" dirty="0"/>
-              <a:t>}</a:t>
-            </a:r>
-            <a:r>
-              <a:rPr lang="ko-KR" altLang="en-US" sz="1600" dirty="0"/>
-              <a:t>으로 구성된 것을 말합니다</a:t>
-            </a:r>
-            <a:br>
-              <a:rPr lang="en-US" altLang="ko-KR" sz="1600" dirty="0"/>
-            </a:br>
-            <a:r>
-              <a:rPr lang="ko-KR" altLang="en-US" sz="1600" dirty="0"/>
-              <a:t>예를 들어 </a:t>
-            </a:r>
-            <a:r>
-              <a:rPr lang="en-US" altLang="ko-KR" sz="1600" dirty="0"/>
-              <a:t>www.minuset.com</a:t>
-            </a:r>
-            <a:r>
-              <a:rPr lang="ko-KR" altLang="en-US" sz="1600" dirty="0"/>
-              <a:t>이면</a:t>
-            </a:r>
-            <a:r>
-              <a:rPr lang="en-US" altLang="ko-KR" sz="1600" dirty="0"/>
-              <a:t>, </a:t>
-            </a:r>
-            <a:r>
-              <a:rPr lang="ko-KR" altLang="en-US" sz="1600" dirty="0"/>
-              <a:t>호스트 네임은 </a:t>
-            </a:r>
-            <a:r>
-              <a:rPr lang="en-US" altLang="ko-KR" sz="1600" dirty="0"/>
-              <a:t>www</a:t>
-            </a:r>
-            <a:r>
-              <a:rPr lang="ko-KR" altLang="en-US" sz="1600" dirty="0"/>
-              <a:t>이고</a:t>
-            </a:r>
-            <a:r>
-              <a:rPr lang="en-US" altLang="ko-KR" sz="1600" dirty="0"/>
-              <a:t>, </a:t>
-            </a:r>
-            <a:r>
-              <a:rPr lang="ko-KR" altLang="en-US" sz="1600" dirty="0"/>
-              <a:t>도메인 네임은 </a:t>
-            </a:r>
-            <a:r>
-              <a:rPr lang="en-US" altLang="ko-KR" sz="1600" dirty="0"/>
-              <a:t>minuset.com</a:t>
-            </a:r>
-            <a:r>
-              <a:rPr lang="ko-KR" altLang="en-US" sz="1600" dirty="0"/>
-              <a:t>이 됩니다</a:t>
-            </a:r>
-            <a:endParaRPr lang="en-US" altLang="ko-KR" sz="1600" dirty="0"/>
-          </a:p>
-          <a:p>
-            <a:r>
-              <a:rPr lang="ko-KR" altLang="en-US" sz="1600" dirty="0"/>
-              <a:t>도메인의 시스템은 상위 도메인일수록 </a:t>
-            </a:r>
-            <a:r>
-              <a:rPr lang="en-US" altLang="ko-KR" sz="1600" dirty="0"/>
-              <a:t>.</a:t>
-            </a:r>
-            <a:r>
-              <a:rPr lang="ko-KR" altLang="en-US" sz="1600" dirty="0"/>
-              <a:t> 의 우측으로 가는 구조이고</a:t>
-            </a:r>
-            <a:r>
-              <a:rPr lang="en-US" altLang="ko-KR" sz="1600" dirty="0"/>
-              <a:t>,</a:t>
-            </a:r>
-            <a:br>
-              <a:rPr lang="en-US" altLang="ko-KR" sz="1600" dirty="0"/>
-            </a:br>
-            <a:r>
-              <a:rPr lang="ko-KR" altLang="en-US" sz="1600" dirty="0"/>
-              <a:t>하위 도메인일수록 </a:t>
-            </a:r>
-            <a:r>
-              <a:rPr lang="en-US" altLang="ko-KR" sz="1600" dirty="0"/>
-              <a:t>. </a:t>
-            </a:r>
-            <a:r>
-              <a:rPr lang="ko-KR" altLang="en-US" sz="1600" dirty="0"/>
-              <a:t>의 좌측으로 값이 추가되는 구조를 가집니다</a:t>
-            </a:r>
-            <a:r>
-              <a:rPr lang="en-US" altLang="ko-KR" sz="1600" dirty="0"/>
-              <a:t> (</a:t>
-            </a:r>
-            <a:r>
-              <a:rPr lang="ko-KR" altLang="en-US" sz="1600" dirty="0"/>
-              <a:t>즉</a:t>
-            </a:r>
-            <a:r>
-              <a:rPr lang="en-US" altLang="ko-KR" sz="1600" dirty="0"/>
-              <a:t>, minuset.com &gt; www.minuset.com)</a:t>
-            </a:r>
-          </a:p>
-          <a:p>
-            <a:r>
-              <a:rPr lang="en-US" altLang="ko-KR" sz="1600" dirty="0"/>
-              <a:t>TLD(Top Level Domain)</a:t>
-            </a:r>
-            <a:r>
-              <a:rPr lang="ko-KR" altLang="en-US" sz="1600" dirty="0"/>
-              <a:t>는 가장 오른쪽에 적힌 최상위 도메인 네임 입니다</a:t>
-            </a:r>
-            <a:endParaRPr lang="en-US" altLang="ko-KR" sz="1600" dirty="0"/>
-          </a:p>
-          <a:p>
-            <a:r>
-              <a:rPr lang="ko-KR" altLang="en-US" sz="1600" dirty="0"/>
-              <a:t>도메인의 계층은 실제로 </a:t>
-            </a:r>
-            <a:r>
-              <a:rPr lang="en-US" altLang="ko-KR" sz="1600" dirty="0"/>
-              <a:t>IP</a:t>
-            </a:r>
-            <a:r>
-              <a:rPr lang="ko-KR" altLang="en-US" sz="1600" dirty="0"/>
-              <a:t>로 변환할 때</a:t>
-            </a:r>
-            <a:r>
-              <a:rPr lang="en-US" altLang="ko-KR" sz="1600" dirty="0"/>
-              <a:t>, </a:t>
-            </a:r>
-            <a:r>
-              <a:rPr lang="ko-KR" altLang="en-US" sz="1600" dirty="0"/>
-              <a:t>보다 더 빠르게 찾아 낼 수 있도록 하는 원리도 있습니다</a:t>
-            </a:r>
-            <a:endParaRPr lang="en-US" altLang="ko-KR" sz="1600" dirty="0"/>
-          </a:p>
-          <a:p>
-            <a:r>
-              <a:rPr lang="ko-KR" altLang="en-US" sz="1600" dirty="0"/>
-              <a:t>최상위 도메인은 해당 도메인의 가장 높은 책임을 가지기 때문에</a:t>
-            </a:r>
-            <a:r>
-              <a:rPr lang="en-US" altLang="ko-KR" sz="1600" dirty="0"/>
-              <a:t>,</a:t>
-            </a:r>
-            <a:br>
-              <a:rPr lang="en-US" altLang="ko-KR" sz="1600" dirty="0"/>
-            </a:br>
-            <a:r>
-              <a:rPr lang="ko-KR" altLang="en-US" sz="1600" dirty="0"/>
-              <a:t>가장 먼저 도달해서 </a:t>
-            </a:r>
-            <a:r>
-              <a:rPr lang="en-US" altLang="ko-KR" sz="1600" dirty="0"/>
-              <a:t>IP</a:t>
-            </a:r>
-            <a:r>
-              <a:rPr lang="ko-KR" altLang="en-US" sz="1600" dirty="0"/>
-              <a:t>를 물어보고</a:t>
-            </a:r>
-            <a:r>
-              <a:rPr lang="en-US" altLang="ko-KR" sz="1600" dirty="0"/>
-              <a:t> </a:t>
-            </a:r>
-            <a:r>
-              <a:rPr lang="ko-KR" altLang="en-US" sz="1600" dirty="0"/>
-              <a:t>다음 하위 도메인 소유지로 가서 물어보고</a:t>
-            </a:r>
-            <a:br>
-              <a:rPr lang="en-US" altLang="ko-KR" sz="1600" dirty="0"/>
-            </a:br>
-            <a:r>
-              <a:rPr lang="ko-KR" altLang="en-US" sz="1600" dirty="0"/>
-              <a:t>도메인 네임에 대해서 관할</a:t>
-            </a:r>
-            <a:r>
-              <a:rPr lang="en-US" altLang="ko-KR" sz="1600" dirty="0"/>
-              <a:t>IP</a:t>
-            </a:r>
-            <a:r>
-              <a:rPr lang="ko-KR" altLang="en-US" sz="1600" dirty="0"/>
-              <a:t>를 찾고 나면</a:t>
-            </a:r>
-            <a:r>
-              <a:rPr lang="en-US" altLang="ko-KR" sz="1600" dirty="0"/>
-              <a:t>, </a:t>
-            </a:r>
-            <a:r>
-              <a:rPr lang="ko-KR" altLang="en-US" sz="1600" dirty="0"/>
-              <a:t>호스트 네임이 어떤 </a:t>
-            </a:r>
-            <a:r>
-              <a:rPr lang="en-US" altLang="ko-KR" sz="1600" dirty="0"/>
-              <a:t>IP</a:t>
-            </a:r>
-            <a:r>
-              <a:rPr lang="ko-KR" altLang="en-US" sz="1600" dirty="0"/>
-              <a:t>로 포워딩 되어 있는지 확인하여</a:t>
-            </a:r>
-            <a:br>
-              <a:rPr lang="en-US" altLang="ko-KR" sz="1600" dirty="0"/>
-            </a:br>
-            <a:r>
-              <a:rPr lang="ko-KR" altLang="en-US" sz="1600" dirty="0"/>
-              <a:t>최종적인 </a:t>
-            </a:r>
-            <a:r>
-              <a:rPr lang="en-US" altLang="ko-KR" sz="1600" dirty="0"/>
-              <a:t>IP</a:t>
-            </a:r>
-            <a:r>
-              <a:rPr lang="ko-KR" altLang="en-US" sz="1600" dirty="0"/>
-              <a:t>를 알아내는 과정을 거칩니다</a:t>
-            </a:r>
-            <a:endParaRPr lang="en-US" altLang="ko-KR" sz="1600" dirty="0"/>
-          </a:p>
-          <a:p>
-            <a:r>
-              <a:rPr lang="en-US" altLang="ko-KR" sz="1600" dirty="0"/>
-              <a:t>TLD</a:t>
-            </a:r>
-            <a:r>
-              <a:rPr lang="ko-KR" altLang="en-US" sz="1600" dirty="0"/>
-              <a:t>네임서버는 </a:t>
-            </a:r>
-            <a:r>
-              <a:rPr lang="en-US" altLang="ko-KR" sz="1600" dirty="0"/>
-              <a:t>IANA(Internet Assigned Numbers Authority)</a:t>
-            </a:r>
-            <a:r>
-              <a:rPr lang="ko-KR" altLang="en-US" sz="1600" dirty="0"/>
-              <a:t>가 관리하는데</a:t>
-            </a:r>
-            <a:r>
-              <a:rPr lang="en-US" altLang="ko-KR" sz="1600" dirty="0"/>
-              <a:t>,</a:t>
-            </a:r>
-            <a:br>
-              <a:rPr lang="en-US" altLang="ko-KR" sz="1600" dirty="0"/>
-            </a:br>
-            <a:r>
-              <a:rPr lang="en-US" altLang="ko-KR" sz="1600" dirty="0"/>
-              <a:t>IANA</a:t>
-            </a:r>
-            <a:r>
-              <a:rPr lang="ko-KR" altLang="en-US" sz="1600" dirty="0"/>
-              <a:t>는 </a:t>
-            </a:r>
-            <a:r>
-              <a:rPr lang="en-US" altLang="ko-KR" sz="1600" dirty="0"/>
-              <a:t>TLD</a:t>
-            </a:r>
-            <a:r>
-              <a:rPr lang="ko-KR" altLang="en-US" sz="1600" dirty="0"/>
-              <a:t>를 </a:t>
-            </a:r>
-            <a:r>
-              <a:rPr lang="en-US" altLang="ko-KR" sz="1600" dirty="0"/>
-              <a:t>1. </a:t>
-            </a:r>
-            <a:r>
-              <a:rPr lang="ko-KR" altLang="en-US" sz="1600" dirty="0"/>
-              <a:t>일반 최상위 도메인</a:t>
-            </a:r>
-            <a:r>
-              <a:rPr lang="en-US" altLang="ko-KR" sz="1600" dirty="0"/>
-              <a:t>(.com,</a:t>
-            </a:r>
-            <a:r>
-              <a:rPr lang="ko-KR" altLang="en-US" sz="1600" dirty="0"/>
-              <a:t> </a:t>
-            </a:r>
-            <a:r>
-              <a:rPr lang="en-US" altLang="ko-KR" sz="1600" dirty="0" err="1"/>
-              <a:t>.net</a:t>
-            </a:r>
-            <a:r>
-              <a:rPr lang="en-US" altLang="ko-KR" sz="1600" dirty="0"/>
-              <a:t>,</a:t>
-            </a:r>
-            <a:r>
-              <a:rPr lang="ko-KR" altLang="en-US" sz="1600" dirty="0"/>
-              <a:t> </a:t>
-            </a:r>
-            <a:r>
-              <a:rPr lang="en-US" altLang="ko-KR" sz="1600" dirty="0"/>
-              <a:t>.org </a:t>
-            </a:r>
-            <a:r>
-              <a:rPr lang="ko-KR" altLang="en-US" sz="1600" dirty="0"/>
-              <a:t>등</a:t>
-            </a:r>
-            <a:r>
-              <a:rPr lang="en-US" altLang="ko-KR" sz="1600" dirty="0"/>
-              <a:t>), 2. </a:t>
-            </a:r>
-            <a:r>
-              <a:rPr lang="ko-KR" altLang="en-US" sz="1600" dirty="0"/>
-              <a:t>국가 코드 도메인</a:t>
-            </a:r>
-            <a:r>
-              <a:rPr lang="en-US" altLang="ko-KR" sz="1600" dirty="0"/>
-              <a:t>(.</a:t>
-            </a:r>
-            <a:r>
-              <a:rPr lang="en-US" altLang="ko-KR" sz="1600" dirty="0" err="1"/>
-              <a:t>kr</a:t>
-            </a:r>
-            <a:r>
-              <a:rPr lang="en-US" altLang="ko-KR" sz="1600" dirty="0"/>
-              <a:t>,</a:t>
-            </a:r>
-            <a:r>
-              <a:rPr lang="ko-KR" altLang="en-US" sz="1600" dirty="0"/>
-              <a:t> </a:t>
-            </a:r>
-            <a:r>
-              <a:rPr lang="en-US" altLang="ko-KR" sz="1600" dirty="0"/>
-              <a:t>.</a:t>
-            </a:r>
-            <a:r>
-              <a:rPr lang="en-US" altLang="ko-KR" sz="1600" dirty="0" err="1"/>
-              <a:t>uk</a:t>
-            </a:r>
-            <a:r>
-              <a:rPr lang="en-US" altLang="ko-KR" sz="1600" dirty="0"/>
-              <a:t>,.us</a:t>
-            </a:r>
-            <a:r>
-              <a:rPr lang="ko-KR" altLang="en-US" sz="1600" dirty="0"/>
-              <a:t>등</a:t>
-            </a:r>
-            <a:r>
-              <a:rPr lang="en-US" altLang="ko-KR" sz="1600" dirty="0"/>
-              <a:t>)</a:t>
-            </a:r>
-            <a:br>
-              <a:rPr lang="en-US" altLang="ko-KR" sz="1600" dirty="0"/>
-            </a:br>
-            <a:r>
-              <a:rPr lang="ko-KR" altLang="en-US" sz="1600" dirty="0"/>
-              <a:t>두 가지로 구별합니다 </a:t>
-            </a:r>
-            <a:r>
-              <a:rPr lang="en-US" altLang="ko-KR" sz="1600" dirty="0"/>
-              <a:t>(</a:t>
-            </a:r>
-            <a:r>
-              <a:rPr lang="ko-KR" altLang="en-US" sz="1600" dirty="0"/>
-              <a:t>참고로 일반은 국가에 귀속되지 않은 도메인이라 볼 수 있습니다</a:t>
-            </a:r>
-            <a:r>
-              <a:rPr lang="en-US" altLang="ko-KR" sz="1600" dirty="0"/>
-              <a:t>)</a:t>
-            </a:r>
-            <a:endParaRPr lang="ko-KR" altLang="en-US" sz="1600" dirty="0"/>
-          </a:p>
-        </p:txBody>
-      </p:sp>
-    </p:spTree>
-    <p:extLst>
-      <p:ext uri="{BB962C8B-B14F-4D97-AF65-F5344CB8AC3E}">
-        <p14:creationId xmlns:p14="http://schemas.microsoft.com/office/powerpoint/2010/main" val="1869338853"/>
-      </p:ext>
-    </p:extLst>
-  </p:cSld>
-  <p:clrMapOvr>
-    <a:masterClrMapping/>
-  </p:clrMapOvr>
-</p:sld>
-</file>
-
 <file path=ppt/slides/slide3.xml><?xml version="1.0" encoding="utf-8"?>
 <p:sld xmlns:a="http://schemas.openxmlformats.org/drawingml/2006/main" xmlns:r="http://schemas.openxmlformats.org/officeDocument/2006/relationships" xmlns:p="http://schemas.openxmlformats.org/presentationml/2006/main">
   <p:cSld>
@@ -13470,3264 +10430,6 @@
     <p:extLst>
       <p:ext uri="{BB962C8B-B14F-4D97-AF65-F5344CB8AC3E}">
         <p14:creationId xmlns:p14="http://schemas.microsoft.com/office/powerpoint/2010/main" val="762231998"/>
-      </p:ext>
-    </p:extLst>
-  </p:cSld>
-  <p:clrMapOvr>
-    <a:masterClrMapping/>
-  </p:clrMapOvr>
-</p:sld>
-</file>
-
-<file path=ppt/slides/slide30.xml><?xml version="1.0" encoding="utf-8"?>
-<p:sld xmlns:a="http://schemas.openxmlformats.org/drawingml/2006/main" xmlns:r="http://schemas.openxmlformats.org/officeDocument/2006/relationships" xmlns:p="http://schemas.openxmlformats.org/presentationml/2006/main">
-  <p:cSld>
-    <p:spTree>
-      <p:nvGrpSpPr>
-        <p:cNvPr id="1" name=""/>
-        <p:cNvGrpSpPr/>
-        <p:nvPr/>
-      </p:nvGrpSpPr>
-      <p:grpSpPr>
-        <a:xfrm>
-          <a:off x="0" y="0"/>
-          <a:ext cx="0" cy="0"/>
-          <a:chOff x="0" y="0"/>
-          <a:chExt cx="0" cy="0"/>
-        </a:xfrm>
-      </p:grpSpPr>
-      <p:sp>
-        <p:nvSpPr>
-          <p:cNvPr id="2" name="제목 1">
-            <a:extLst>
-              <a:ext uri="{FF2B5EF4-FFF2-40B4-BE49-F238E27FC236}">
-                <a16:creationId xmlns:a16="http://schemas.microsoft.com/office/drawing/2014/main" id="{95D2A2C0-F62E-C5D4-ED9E-FC2A8F02F137}"/>
-              </a:ext>
-            </a:extLst>
-          </p:cNvPr>
-          <p:cNvSpPr>
-            <a:spLocks noGrp="1"/>
-          </p:cNvSpPr>
-          <p:nvPr>
-            <p:ph type="title"/>
-          </p:nvPr>
-        </p:nvSpPr>
-        <p:spPr/>
-        <p:txBody>
-          <a:bodyPr/>
-          <a:lstStyle/>
-          <a:p>
-            <a:r>
-              <a:rPr lang="en-US" altLang="ko-KR" dirty="0"/>
-              <a:t>Name Server</a:t>
-            </a:r>
-            <a:endParaRPr lang="ko-KR" altLang="en-US" dirty="0"/>
-          </a:p>
-        </p:txBody>
-      </p:sp>
-      <p:sp>
-        <p:nvSpPr>
-          <p:cNvPr id="3" name="내용 개체 틀 2">
-            <a:extLst>
-              <a:ext uri="{FF2B5EF4-FFF2-40B4-BE49-F238E27FC236}">
-                <a16:creationId xmlns:a16="http://schemas.microsoft.com/office/drawing/2014/main" id="{16ECAB24-B364-B3A3-FFC6-38B5C243306F}"/>
-              </a:ext>
-            </a:extLst>
-          </p:cNvPr>
-          <p:cNvSpPr>
-            <a:spLocks noGrp="1"/>
-          </p:cNvSpPr>
-          <p:nvPr>
-            <p:ph idx="1"/>
-          </p:nvPr>
-        </p:nvSpPr>
-        <p:spPr>
-          <a:xfrm>
-            <a:off x="762000" y="1765139"/>
-            <a:ext cx="10668000" cy="5034078"/>
-          </a:xfrm>
-        </p:spPr>
-        <p:txBody>
-          <a:bodyPr/>
-          <a:lstStyle/>
-          <a:p>
-            <a:r>
-              <a:rPr lang="ko-KR" altLang="en-US" sz="1600" dirty="0"/>
-              <a:t>네임서버</a:t>
-            </a:r>
-            <a:r>
-              <a:rPr lang="en-US" altLang="ko-KR" sz="1600" dirty="0"/>
-              <a:t>(</a:t>
-            </a:r>
-            <a:r>
-              <a:rPr lang="en-US" altLang="ko-KR" sz="1600" dirty="0" err="1"/>
-              <a:t>NameServer</a:t>
-            </a:r>
-            <a:r>
-              <a:rPr lang="en-US" altLang="ko-KR" sz="1600" dirty="0"/>
-              <a:t>)</a:t>
-            </a:r>
-            <a:r>
-              <a:rPr lang="ko-KR" altLang="en-US" sz="1600" dirty="0"/>
-              <a:t>는 여러 </a:t>
-            </a:r>
-            <a:r>
-              <a:rPr lang="en-US" altLang="ko-KR" sz="1600" dirty="0"/>
-              <a:t>DNS</a:t>
-            </a:r>
-            <a:r>
-              <a:rPr lang="ko-KR" altLang="en-US" sz="1600" dirty="0"/>
-              <a:t>를 </a:t>
-            </a:r>
-            <a:r>
-              <a:rPr lang="en-US" altLang="ko-KR" sz="1600" dirty="0"/>
-              <a:t>IP</a:t>
-            </a:r>
-            <a:r>
-              <a:rPr lang="ko-KR" altLang="en-US" sz="1600" dirty="0"/>
-              <a:t>와 페어로 테이블의 형태로 들고 있는 서버로</a:t>
-            </a:r>
-            <a:br>
-              <a:rPr lang="en-US" altLang="ko-KR" sz="1600" dirty="0"/>
-            </a:br>
-            <a:r>
-              <a:rPr lang="en-US" altLang="ko-KR" sz="1600" dirty="0"/>
-              <a:t>UDP:53</a:t>
-            </a:r>
-            <a:r>
-              <a:rPr lang="ko-KR" altLang="en-US" sz="1600" dirty="0"/>
-              <a:t>을 사용하여 클라이언트가 원하는 도메인</a:t>
-            </a:r>
-            <a:r>
-              <a:rPr lang="en-US" altLang="ko-KR" sz="1600" dirty="0"/>
-              <a:t>, IP</a:t>
-            </a:r>
-            <a:r>
-              <a:rPr lang="ko-KR" altLang="en-US" sz="1600" dirty="0"/>
-              <a:t>주소를 자신의 테이블에서 조회하여 알려주거나</a:t>
-            </a:r>
-            <a:br>
-              <a:rPr lang="en-US" altLang="ko-KR" sz="1600" dirty="0"/>
-            </a:br>
-            <a:r>
-              <a:rPr lang="ko-KR" altLang="en-US" sz="1600" dirty="0"/>
-              <a:t>자신도 모르는 도메인이면</a:t>
-            </a:r>
-            <a:r>
-              <a:rPr lang="en-US" altLang="ko-KR" sz="1600" dirty="0"/>
-              <a:t> </a:t>
-            </a:r>
-            <a:r>
-              <a:rPr lang="ko-KR" altLang="en-US" sz="1600" dirty="0"/>
-              <a:t>수소문해주는 역할을 수행한 뒤</a:t>
-            </a:r>
-            <a:r>
-              <a:rPr lang="en-US" altLang="ko-KR" sz="1600" dirty="0"/>
-              <a:t>,</a:t>
-            </a:r>
-            <a:br>
-              <a:rPr lang="en-US" altLang="ko-KR" sz="1600" dirty="0"/>
-            </a:br>
-            <a:r>
-              <a:rPr lang="ko-KR" altLang="en-US" sz="1600" dirty="0"/>
-              <a:t>존재하는 </a:t>
-            </a:r>
-            <a:r>
-              <a:rPr lang="en-US" altLang="ko-KR" sz="1600" dirty="0"/>
-              <a:t>DNS</a:t>
-            </a:r>
-            <a:r>
-              <a:rPr lang="ko-KR" altLang="en-US" sz="1600" dirty="0"/>
-              <a:t>면 업데이트를 하면서</a:t>
-            </a:r>
-            <a:r>
-              <a:rPr lang="en-US" altLang="ko-KR" sz="1600" dirty="0"/>
-              <a:t> </a:t>
-            </a:r>
-            <a:r>
-              <a:rPr lang="ko-KR" altLang="en-US" sz="1600" dirty="0"/>
-              <a:t>알려주는 역할을 수행합니다</a:t>
-            </a:r>
-            <a:endParaRPr lang="en-US" altLang="ko-KR" sz="1600" dirty="0"/>
-          </a:p>
-          <a:p>
-            <a:r>
-              <a:rPr lang="ko-KR" altLang="en-US" sz="1600" dirty="0"/>
-              <a:t>클라이언트가 네임서버에게 물어보는 순서는</a:t>
-            </a:r>
-            <a:r>
-              <a:rPr lang="en-US" altLang="ko-KR" sz="1600" dirty="0"/>
-              <a:t> </a:t>
-            </a:r>
-            <a:r>
-              <a:rPr lang="ko-KR" altLang="en-US" sz="1600" dirty="0"/>
-              <a:t>다음과 같습니다</a:t>
-            </a:r>
-            <a:endParaRPr lang="en-US" altLang="ko-KR" sz="1600" dirty="0"/>
-          </a:p>
-          <a:p>
-            <a:pPr marL="342900" indent="-342900">
-              <a:buFont typeface="+mj-lt"/>
-              <a:buAutoNum type="arabicPeriod"/>
-            </a:pPr>
-            <a:r>
-              <a:rPr lang="ko-KR" altLang="en-US" sz="1600" dirty="0"/>
-              <a:t>클라이언트가 알고 있는 </a:t>
-            </a:r>
-            <a:r>
-              <a:rPr lang="en-US" altLang="ko-KR" sz="1600" dirty="0"/>
-              <a:t>DNS</a:t>
-            </a:r>
-            <a:r>
-              <a:rPr lang="ko-KR" altLang="en-US" sz="1600" dirty="0"/>
-              <a:t>서버에게 먼저</a:t>
-            </a:r>
-            <a:br>
-              <a:rPr lang="en-US" altLang="ko-KR" sz="1600" dirty="0"/>
-            </a:br>
-            <a:r>
-              <a:rPr lang="ko-KR" altLang="en-US" sz="1600" dirty="0"/>
-              <a:t>물어봅니다 </a:t>
-            </a:r>
-            <a:r>
-              <a:rPr lang="en-US" altLang="ko-KR" sz="1600" dirty="0"/>
-              <a:t>(Local</a:t>
-            </a:r>
-            <a:r>
-              <a:rPr lang="ko-KR" altLang="en-US" sz="1600" dirty="0"/>
-              <a:t> </a:t>
-            </a:r>
-            <a:r>
-              <a:rPr lang="en-US" altLang="ko-KR" sz="1600" dirty="0"/>
-              <a:t>DNS</a:t>
-            </a:r>
-            <a:r>
-              <a:rPr lang="ko-KR" altLang="en-US" sz="1600" dirty="0"/>
-              <a:t> </a:t>
-            </a:r>
-            <a:r>
-              <a:rPr lang="en-US" altLang="ko-KR" sz="1600" dirty="0"/>
-              <a:t>Server)</a:t>
-            </a:r>
-          </a:p>
-          <a:p>
-            <a:pPr marL="342900" indent="-342900">
-              <a:buFont typeface="+mj-lt"/>
-              <a:buAutoNum type="arabicPeriod"/>
-            </a:pPr>
-            <a:r>
-              <a:rPr lang="ko-KR" altLang="en-US" sz="1600" dirty="0"/>
-              <a:t>로컬</a:t>
-            </a:r>
-            <a:r>
-              <a:rPr lang="en-US" altLang="ko-KR" sz="1600" dirty="0"/>
-              <a:t>DNS</a:t>
-            </a:r>
-            <a:r>
-              <a:rPr lang="ko-KR" altLang="en-US" sz="1600" dirty="0"/>
-              <a:t>서버가 해당 </a:t>
-            </a:r>
-            <a:r>
-              <a:rPr lang="en-US" altLang="ko-KR" sz="1600" dirty="0"/>
-              <a:t>DNS</a:t>
-            </a:r>
-            <a:r>
-              <a:rPr lang="ko-KR" altLang="en-US" sz="1600" dirty="0"/>
-              <a:t>를 모르거나</a:t>
-            </a:r>
-            <a:r>
-              <a:rPr lang="en-US" altLang="ko-KR" sz="1600" dirty="0"/>
-              <a:t>,</a:t>
-            </a:r>
-            <a:br>
-              <a:rPr lang="en-US" altLang="ko-KR" sz="1600" dirty="0"/>
-            </a:br>
-            <a:r>
-              <a:rPr lang="ko-KR" altLang="en-US" sz="1600" dirty="0"/>
-              <a:t>장시간 물어보는 클라이언트가 없어</a:t>
-            </a:r>
-            <a:br>
-              <a:rPr lang="en-US" altLang="ko-KR" sz="1600" dirty="0"/>
-            </a:br>
-            <a:r>
-              <a:rPr lang="en-US" altLang="ko-KR" sz="1600" dirty="0"/>
-              <a:t>DNS</a:t>
-            </a:r>
-            <a:r>
-              <a:rPr lang="ko-KR" altLang="en-US" sz="1600" dirty="0"/>
-              <a:t>캐시에서 삭제가 되었으면</a:t>
-            </a:r>
-            <a:r>
-              <a:rPr lang="en-US" altLang="ko-KR" sz="1600" dirty="0"/>
-              <a:t>,</a:t>
-            </a:r>
-            <a:br>
-              <a:rPr lang="en-US" altLang="ko-KR" sz="1600" dirty="0"/>
-            </a:br>
-            <a:r>
-              <a:rPr lang="en-US" altLang="ko-KR" sz="1600" dirty="0"/>
-              <a:t>BGP(</a:t>
-            </a:r>
-            <a:r>
-              <a:rPr lang="en-US" altLang="ko-KR" sz="1600" dirty="0" err="1"/>
-              <a:t>AnyCast</a:t>
-            </a:r>
-            <a:r>
-              <a:rPr lang="en-US" altLang="ko-KR" sz="1600" dirty="0"/>
-              <a:t>)</a:t>
-            </a:r>
-            <a:r>
-              <a:rPr lang="ko-KR" altLang="en-US" sz="1600" dirty="0"/>
-              <a:t>를 통하여</a:t>
-            </a:r>
-            <a:r>
-              <a:rPr lang="en-US" altLang="ko-KR" sz="1600" dirty="0"/>
-              <a:t> </a:t>
-            </a:r>
-            <a:r>
-              <a:rPr lang="ko-KR" altLang="en-US" sz="1600" dirty="0"/>
-              <a:t>대신 </a:t>
-            </a:r>
-            <a:r>
-              <a:rPr lang="en-US" altLang="ko-KR" sz="1600" dirty="0"/>
-              <a:t>DNS</a:t>
-            </a:r>
-            <a:r>
-              <a:rPr lang="ko-KR" altLang="en-US" sz="1600" dirty="0"/>
-              <a:t>에 대한 수소문을 해줍니다</a:t>
-            </a:r>
-            <a:endParaRPr lang="en-US" altLang="ko-KR" sz="1600" dirty="0"/>
-          </a:p>
-          <a:p>
-            <a:pPr marL="342900" indent="-342900">
-              <a:buFont typeface="+mj-lt"/>
-              <a:buAutoNum type="arabicPeriod"/>
-            </a:pPr>
-            <a:r>
-              <a:rPr lang="ko-KR" altLang="en-US" sz="1600" dirty="0"/>
-              <a:t>수소문은 가장 효율적인 루트 네임 서버</a:t>
-            </a:r>
-            <a:r>
-              <a:rPr lang="en-US" altLang="ko-KR" sz="1600" dirty="0"/>
-              <a:t>(root-servers.org)</a:t>
-            </a:r>
-            <a:br>
-              <a:rPr lang="en-US" altLang="ko-KR" sz="1600" dirty="0"/>
-            </a:br>
-            <a:r>
-              <a:rPr lang="en-US" altLang="ko-KR" sz="1600" dirty="0"/>
-              <a:t>-&gt; TLD </a:t>
-            </a:r>
-            <a:r>
-              <a:rPr lang="ko-KR" altLang="en-US" sz="1600" dirty="0"/>
-              <a:t>네임 서버</a:t>
-            </a:r>
-            <a:r>
-              <a:rPr lang="en-US" altLang="ko-KR" sz="1600" dirty="0"/>
-              <a:t>(iana.org) -&gt; </a:t>
-            </a:r>
-            <a:r>
-              <a:rPr lang="ko-KR" altLang="en-US" sz="1600" dirty="0"/>
-              <a:t>책임 네임 서버</a:t>
-            </a:r>
-            <a:r>
-              <a:rPr lang="en-US" altLang="ko-KR" sz="1600" dirty="0"/>
-              <a:t>(</a:t>
-            </a:r>
-            <a:r>
-              <a:rPr lang="en-US" altLang="ko-KR" sz="1600" dirty="0" err="1"/>
-              <a:t>CloudFlare</a:t>
-            </a:r>
-            <a:r>
-              <a:rPr lang="ko-KR" altLang="en-US" sz="1600" dirty="0"/>
-              <a:t>나 </a:t>
-            </a:r>
-            <a:r>
-              <a:rPr lang="en-US" altLang="ko-KR" sz="1600" dirty="0"/>
-              <a:t>Hosting.kr, </a:t>
-            </a:r>
-            <a:r>
-              <a:rPr lang="en-US" altLang="ko-KR" sz="1600" dirty="0" err="1"/>
-              <a:t>Gabia</a:t>
-            </a:r>
-            <a:r>
-              <a:rPr lang="ko-KR" altLang="en-US" sz="1600" dirty="0"/>
-              <a:t>등</a:t>
-            </a:r>
-            <a:r>
-              <a:rPr lang="en-US" altLang="ko-KR" sz="1600" dirty="0"/>
-              <a:t>)</a:t>
-            </a:r>
-            <a:r>
-              <a:rPr lang="ko-KR" altLang="en-US" sz="1600" dirty="0"/>
-              <a:t>의 순서로</a:t>
-            </a:r>
-            <a:br>
-              <a:rPr lang="en-US" altLang="ko-KR" sz="1600" dirty="0"/>
-            </a:br>
-            <a:r>
-              <a:rPr lang="ko-KR" altLang="en-US" sz="1600" dirty="0"/>
-              <a:t>수행한 뒤 </a:t>
-            </a:r>
-            <a:r>
-              <a:rPr lang="en-US" altLang="ko-KR" sz="1600" dirty="0"/>
-              <a:t>DNS</a:t>
-            </a:r>
-            <a:r>
-              <a:rPr lang="ko-KR" altLang="en-US" sz="1600" dirty="0"/>
-              <a:t>를 찾아내면</a:t>
-            </a:r>
-            <a:r>
-              <a:rPr lang="en-US" altLang="ko-KR" sz="1600" dirty="0"/>
-              <a:t>, </a:t>
-            </a:r>
-            <a:r>
-              <a:rPr lang="ko-KR" altLang="en-US" sz="1600" dirty="0"/>
-              <a:t>연관된 모든 네임서버가 </a:t>
-            </a:r>
-            <a:r>
-              <a:rPr lang="en-US" altLang="ko-KR" sz="1600" dirty="0"/>
-              <a:t>DNS </a:t>
-            </a:r>
-            <a:r>
-              <a:rPr lang="ko-KR" altLang="en-US" sz="1600" dirty="0"/>
-              <a:t>캐시테이블에 해당 </a:t>
-            </a:r>
-            <a:r>
-              <a:rPr lang="en-US" altLang="ko-KR" sz="1600" dirty="0"/>
-              <a:t>DNS</a:t>
-            </a:r>
-            <a:r>
-              <a:rPr lang="ko-KR" altLang="en-US" sz="1600" dirty="0"/>
-              <a:t>를 추가합니다</a:t>
-            </a:r>
-            <a:endParaRPr lang="en-US" altLang="ko-KR" sz="1600" dirty="0"/>
-          </a:p>
-          <a:p>
-            <a:r>
-              <a:rPr lang="ko-KR" altLang="en-US" sz="1600" dirty="0"/>
-              <a:t>모든 네임서버의 </a:t>
-            </a:r>
-            <a:r>
-              <a:rPr lang="en-US" altLang="ko-KR" sz="1600" dirty="0"/>
-              <a:t>DNS</a:t>
-            </a:r>
-            <a:r>
-              <a:rPr lang="ko-KR" altLang="en-US" sz="1600" dirty="0"/>
-              <a:t>캐시는 일정 시간동안 호출하지 않으면 자동적으로 지워지는 특성을 가집니다</a:t>
-            </a:r>
-            <a:endParaRPr lang="en-US" altLang="ko-KR" sz="1600" dirty="0"/>
-          </a:p>
-        </p:txBody>
-      </p:sp>
-      <p:pic>
-        <p:nvPicPr>
-          <p:cNvPr id="5" name="그림 4">
-            <a:extLst>
-              <a:ext uri="{FF2B5EF4-FFF2-40B4-BE49-F238E27FC236}">
-                <a16:creationId xmlns:a16="http://schemas.microsoft.com/office/drawing/2014/main" id="{AADC6D66-F452-5AC6-AC80-8BB14E209C13}"/>
-              </a:ext>
-            </a:extLst>
-          </p:cNvPr>
-          <p:cNvPicPr>
-            <a:picLocks noChangeAspect="1"/>
-          </p:cNvPicPr>
-          <p:nvPr/>
-        </p:nvPicPr>
-        <p:blipFill rotWithShape="1">
-          <a:blip r:embed="rId2"/>
-          <a:srcRect l="1066" t="1870" r="1665" b="1499"/>
-          <a:stretch/>
-        </p:blipFill>
-        <p:spPr>
-          <a:xfrm>
-            <a:off x="7278892" y="2495005"/>
-            <a:ext cx="4849971" cy="3089366"/>
-          </a:xfrm>
-          <a:prstGeom prst="rect">
-            <a:avLst/>
-          </a:prstGeom>
-        </p:spPr>
-      </p:pic>
-    </p:spTree>
-    <p:extLst>
-      <p:ext uri="{BB962C8B-B14F-4D97-AF65-F5344CB8AC3E}">
-        <p14:creationId xmlns:p14="http://schemas.microsoft.com/office/powerpoint/2010/main" val="4231220933"/>
-      </p:ext>
-    </p:extLst>
-  </p:cSld>
-  <p:clrMapOvr>
-    <a:masterClrMapping/>
-  </p:clrMapOvr>
-</p:sld>
-</file>
-
-<file path=ppt/slides/slide31.xml><?xml version="1.0" encoding="utf-8"?>
-<p:sld xmlns:a="http://schemas.openxmlformats.org/drawingml/2006/main" xmlns:r="http://schemas.openxmlformats.org/officeDocument/2006/relationships" xmlns:p="http://schemas.openxmlformats.org/presentationml/2006/main">
-  <p:cSld>
-    <p:spTree>
-      <p:nvGrpSpPr>
-        <p:cNvPr id="1" name=""/>
-        <p:cNvGrpSpPr/>
-        <p:nvPr/>
-      </p:nvGrpSpPr>
-      <p:grpSpPr>
-        <a:xfrm>
-          <a:off x="0" y="0"/>
-          <a:ext cx="0" cy="0"/>
-          <a:chOff x="0" y="0"/>
-          <a:chExt cx="0" cy="0"/>
-        </a:xfrm>
-      </p:grpSpPr>
-      <p:sp>
-        <p:nvSpPr>
-          <p:cNvPr id="2" name="제목 1">
-            <a:extLst>
-              <a:ext uri="{FF2B5EF4-FFF2-40B4-BE49-F238E27FC236}">
-                <a16:creationId xmlns:a16="http://schemas.microsoft.com/office/drawing/2014/main" id="{95D2A2C0-F62E-C5D4-ED9E-FC2A8F02F137}"/>
-              </a:ext>
-            </a:extLst>
-          </p:cNvPr>
-          <p:cNvSpPr>
-            <a:spLocks noGrp="1"/>
-          </p:cNvSpPr>
-          <p:nvPr>
-            <p:ph type="title"/>
-          </p:nvPr>
-        </p:nvSpPr>
-        <p:spPr/>
-        <p:txBody>
-          <a:bodyPr/>
-          <a:lstStyle/>
-          <a:p>
-            <a:r>
-              <a:rPr lang="en-US" altLang="ko-KR" dirty="0"/>
-              <a:t>Name Server</a:t>
-            </a:r>
-            <a:endParaRPr lang="ko-KR" altLang="en-US" dirty="0"/>
-          </a:p>
-        </p:txBody>
-      </p:sp>
-      <p:sp>
-        <p:nvSpPr>
-          <p:cNvPr id="3" name="내용 개체 틀 2">
-            <a:extLst>
-              <a:ext uri="{FF2B5EF4-FFF2-40B4-BE49-F238E27FC236}">
-                <a16:creationId xmlns:a16="http://schemas.microsoft.com/office/drawing/2014/main" id="{16ECAB24-B364-B3A3-FFC6-38B5C243306F}"/>
-              </a:ext>
-            </a:extLst>
-          </p:cNvPr>
-          <p:cNvSpPr>
-            <a:spLocks noGrp="1"/>
-          </p:cNvSpPr>
-          <p:nvPr>
-            <p:ph idx="1"/>
-          </p:nvPr>
-        </p:nvSpPr>
-        <p:spPr>
-          <a:xfrm>
-            <a:off x="761999" y="1765139"/>
-            <a:ext cx="11154697" cy="5034078"/>
-          </a:xfrm>
-        </p:spPr>
-        <p:txBody>
-          <a:bodyPr/>
-          <a:lstStyle/>
-          <a:p>
-            <a:r>
-              <a:rPr lang="ko-KR" altLang="en-US" sz="1600" dirty="0"/>
-              <a:t>네임서버가 만약</a:t>
-            </a:r>
-            <a:r>
-              <a:rPr lang="en-US" altLang="ko-KR" sz="1600" dirty="0"/>
-              <a:t>, DNS</a:t>
-            </a:r>
-            <a:r>
-              <a:rPr lang="ko-KR" altLang="en-US" sz="1600" dirty="0"/>
-              <a:t>를 찾아낸 경우에는 </a:t>
-            </a:r>
-            <a:r>
-              <a:rPr lang="en-US" altLang="ko-KR" sz="1600" dirty="0"/>
-              <a:t>Authoritative answer</a:t>
-            </a:r>
-            <a:r>
-              <a:rPr lang="ko-KR" altLang="en-US" sz="1600" dirty="0"/>
-              <a:t>와 답</a:t>
-            </a:r>
-            <a:r>
-              <a:rPr lang="en-US" altLang="ko-KR" sz="1600" dirty="0"/>
-              <a:t>(</a:t>
-            </a:r>
-            <a:r>
-              <a:rPr lang="ko-KR" altLang="en-US" sz="1600" dirty="0"/>
-              <a:t>해당 </a:t>
-            </a:r>
-            <a:r>
-              <a:rPr lang="en-US" altLang="ko-KR" sz="1600" dirty="0"/>
-              <a:t>IP)</a:t>
-            </a:r>
-            <a:r>
-              <a:rPr lang="ko-KR" altLang="en-US" sz="1600" dirty="0"/>
-              <a:t>을 주지만</a:t>
-            </a:r>
-            <a:r>
-              <a:rPr lang="en-US" altLang="ko-KR" sz="1600" dirty="0"/>
-              <a:t>,</a:t>
-            </a:r>
-            <a:br>
-              <a:rPr lang="en-US" altLang="ko-KR" sz="1600" dirty="0"/>
-            </a:br>
-            <a:r>
-              <a:rPr lang="en-US" altLang="ko-KR" sz="1600" dirty="0" err="1"/>
-              <a:t>AnyCast</a:t>
-            </a:r>
-            <a:r>
-              <a:rPr lang="en-US" altLang="ko-KR" sz="1600" dirty="0"/>
-              <a:t>(</a:t>
-            </a:r>
-            <a:r>
-              <a:rPr lang="ko-KR" altLang="en-US" sz="1600" dirty="0"/>
-              <a:t>수소문</a:t>
-            </a:r>
-            <a:r>
-              <a:rPr lang="en-US" altLang="ko-KR" sz="1600" dirty="0"/>
-              <a:t>)</a:t>
-            </a:r>
-            <a:r>
-              <a:rPr lang="ko-KR" altLang="en-US" sz="1600" dirty="0"/>
-              <a:t>방식으로도 답을 도저히 못 찾은 경우에는</a:t>
-            </a:r>
-            <a:br>
-              <a:rPr lang="en-US" altLang="ko-KR" sz="1600" dirty="0"/>
-            </a:br>
-            <a:r>
-              <a:rPr lang="en-US" altLang="ko-KR" sz="1600" dirty="0"/>
-              <a:t>Non-authoritative answer</a:t>
-            </a:r>
-            <a:r>
-              <a:rPr lang="ko-KR" altLang="en-US" sz="1600" dirty="0"/>
-              <a:t>와</a:t>
-            </a:r>
-            <a:r>
-              <a:rPr lang="en-US" altLang="ko-KR" sz="1600" dirty="0"/>
-              <a:t> </a:t>
-            </a:r>
-            <a:r>
-              <a:rPr lang="ko-KR" altLang="en-US" sz="1600" dirty="0"/>
-              <a:t>응답 또는 실패 결과를 줍니다</a:t>
-            </a:r>
-            <a:endParaRPr lang="en-US" altLang="ko-KR" sz="1600" dirty="0"/>
-          </a:p>
-          <a:p>
-            <a:r>
-              <a:rPr lang="en-US" altLang="ko-KR" sz="1600" dirty="0"/>
-              <a:t>DNS</a:t>
-            </a:r>
-            <a:r>
-              <a:rPr lang="ko-KR" altLang="en-US" sz="1600" dirty="0"/>
-              <a:t>는 그저 </a:t>
-            </a:r>
-            <a:r>
-              <a:rPr lang="en-US" altLang="ko-KR" sz="1600" dirty="0"/>
-              <a:t>IP</a:t>
-            </a:r>
-            <a:r>
-              <a:rPr lang="ko-KR" altLang="en-US" sz="1600" dirty="0"/>
-              <a:t>를 일대일 대응하는 용도로만 쓰이지는 않습니다</a:t>
-            </a:r>
-            <a:endParaRPr lang="en-US" altLang="ko-KR" sz="1600" dirty="0"/>
-          </a:p>
-          <a:p>
-            <a:r>
-              <a:rPr lang="en-US" altLang="ko-KR" sz="1600" dirty="0"/>
-              <a:t>DNS</a:t>
-            </a:r>
-            <a:r>
-              <a:rPr lang="ko-KR" altLang="en-US" sz="1600" dirty="0"/>
-              <a:t>가 제공하는 서비스로는 다음 </a:t>
-            </a:r>
-            <a:r>
-              <a:rPr lang="en-US" altLang="ko-KR" sz="1600" dirty="0"/>
-              <a:t>4</a:t>
-            </a:r>
-            <a:r>
-              <a:rPr lang="ko-KR" altLang="en-US" sz="1600" dirty="0"/>
-              <a:t>가지가 있습니다</a:t>
-            </a:r>
-            <a:endParaRPr lang="en-US" altLang="ko-KR" sz="1600" dirty="0"/>
-          </a:p>
-          <a:p>
-            <a:pPr marL="342900" indent="-342900">
-              <a:buFont typeface="+mj-lt"/>
-              <a:buAutoNum type="arabicPeriod"/>
-            </a:pPr>
-            <a:r>
-              <a:rPr lang="en-US" altLang="ko-KR" sz="1600" dirty="0"/>
-              <a:t>Hostname to IP: </a:t>
-            </a:r>
-            <a:r>
-              <a:rPr lang="ko-KR" altLang="en-US" sz="1600" dirty="0"/>
-              <a:t>호스트 네임을 </a:t>
-            </a:r>
-            <a:r>
-              <a:rPr lang="en-US" altLang="ko-KR" sz="1600" dirty="0"/>
-              <a:t>IP</a:t>
-            </a:r>
-            <a:r>
-              <a:rPr lang="ko-KR" altLang="en-US" sz="1600" dirty="0"/>
-              <a:t>주소로 변환해줍니다</a:t>
-            </a:r>
-            <a:endParaRPr lang="en-US" altLang="ko-KR" sz="1600" dirty="0"/>
-          </a:p>
-          <a:p>
-            <a:pPr marL="342900" indent="-342900">
-              <a:buFont typeface="+mj-lt"/>
-              <a:buAutoNum type="arabicPeriod"/>
-            </a:pPr>
-            <a:r>
-              <a:rPr lang="en-US" altLang="ko-KR" sz="1600" dirty="0"/>
-              <a:t>Host aliasing: </a:t>
-            </a:r>
-            <a:r>
-              <a:rPr lang="ko-KR" altLang="en-US" sz="1600" dirty="0"/>
-              <a:t>간단한 별칭 네임으로</a:t>
-            </a:r>
-            <a:br>
-              <a:rPr lang="en-US" altLang="ko-KR" sz="1600" dirty="0"/>
-            </a:br>
-            <a:r>
-              <a:rPr lang="ko-KR" altLang="en-US" sz="1600" dirty="0"/>
-              <a:t>복잡한 호스트 네임을 갈 수 있게 해줍니다</a:t>
-            </a:r>
-            <a:r>
-              <a:rPr lang="en-US" altLang="ko-KR" sz="1600" dirty="0"/>
-              <a:t> (</a:t>
-            </a:r>
-            <a:r>
-              <a:rPr lang="ko-KR" altLang="en-US" sz="1600" dirty="0"/>
-              <a:t>즉</a:t>
-            </a:r>
-            <a:r>
-              <a:rPr lang="en-US" altLang="ko-KR" sz="1600" dirty="0"/>
-              <a:t>, </a:t>
-            </a:r>
-            <a:r>
-              <a:rPr lang="ko-KR" altLang="en-US" sz="1600" dirty="0"/>
-              <a:t>다대일 구조</a:t>
-            </a:r>
-            <a:r>
-              <a:rPr lang="en-US" altLang="ko-KR" sz="1600" dirty="0"/>
-              <a:t>)</a:t>
-            </a:r>
-          </a:p>
-          <a:p>
-            <a:pPr marL="342900" indent="-342900">
-              <a:buFont typeface="+mj-lt"/>
-              <a:buAutoNum type="arabicPeriod"/>
-            </a:pPr>
-            <a:r>
-              <a:rPr lang="en-US" altLang="ko-KR" sz="1600" dirty="0"/>
-              <a:t>Load distribution: </a:t>
-            </a:r>
-            <a:r>
-              <a:rPr lang="ko-KR" altLang="en-US" sz="1600" dirty="0"/>
-              <a:t>하나의 도메인으로</a:t>
-            </a:r>
-            <a:r>
-              <a:rPr lang="en-US" altLang="ko-KR" sz="1600" dirty="0"/>
-              <a:t> </a:t>
-            </a:r>
-            <a:r>
-              <a:rPr lang="ko-KR" altLang="en-US" sz="1600" dirty="0"/>
-              <a:t>여러 </a:t>
-            </a:r>
-            <a:r>
-              <a:rPr lang="en-US" altLang="ko-KR" sz="1600" dirty="0"/>
-              <a:t>IP</a:t>
-            </a:r>
-            <a:r>
-              <a:rPr lang="ko-KR" altLang="en-US" sz="1600" dirty="0"/>
-              <a:t>를 연결하여</a:t>
-            </a:r>
-            <a:br>
-              <a:rPr lang="en-US" altLang="ko-KR" sz="1600" dirty="0"/>
-            </a:br>
-            <a:r>
-              <a:rPr lang="ko-KR" altLang="en-US" sz="1600" dirty="0"/>
-              <a:t>분산 접속을 할 수 있게 해줍니다 </a:t>
-            </a:r>
-            <a:r>
-              <a:rPr lang="en-US" altLang="ko-KR" sz="1600" dirty="0"/>
-              <a:t>(</a:t>
-            </a:r>
-            <a:r>
-              <a:rPr lang="ko-KR" altLang="en-US" sz="1600" dirty="0"/>
-              <a:t>즉</a:t>
-            </a:r>
-            <a:r>
-              <a:rPr lang="en-US" altLang="ko-KR" sz="1600" dirty="0"/>
-              <a:t>, </a:t>
-            </a:r>
-            <a:r>
-              <a:rPr lang="ko-KR" altLang="en-US" sz="1600" dirty="0"/>
-              <a:t>일대다 구조</a:t>
-            </a:r>
-            <a:r>
-              <a:rPr lang="en-US" altLang="ko-KR" sz="1600" dirty="0"/>
-              <a:t>)</a:t>
-            </a:r>
-          </a:p>
-          <a:p>
-            <a:pPr marL="342900" indent="-342900">
-              <a:buFont typeface="+mj-lt"/>
-              <a:buAutoNum type="arabicPeriod"/>
-            </a:pPr>
-            <a:r>
-              <a:rPr lang="en-US" altLang="ko-KR" sz="1600" dirty="0"/>
-              <a:t>Mail server aliasing: </a:t>
-            </a:r>
-            <a:r>
-              <a:rPr lang="ko-KR" altLang="en-US" sz="1600" dirty="0"/>
-              <a:t>특정 메일 주소를 간단한 별칭 도메인으로 연결시켜 줍니다</a:t>
-            </a:r>
-            <a:endParaRPr lang="en-US" altLang="ko-KR" sz="1600" dirty="0"/>
-          </a:p>
-          <a:p>
-            <a:r>
-              <a:rPr lang="en-US" altLang="ko-KR" sz="1600" dirty="0"/>
-              <a:t>2</a:t>
-            </a:r>
-            <a:r>
-              <a:rPr lang="ko-KR" altLang="en-US" sz="1600" dirty="0"/>
-              <a:t>번의 경우 가상 호스팅</a:t>
-            </a:r>
-            <a:r>
-              <a:rPr lang="en-US" altLang="ko-KR" sz="1600" dirty="0"/>
-              <a:t>(virtual hosting)</a:t>
-            </a:r>
-            <a:r>
-              <a:rPr lang="ko-KR" altLang="en-US" sz="1600" dirty="0"/>
-              <a:t>을 통하여 서버 측에서 어떤 도메인으로 들어왔는지에 따라</a:t>
-            </a:r>
-            <a:br>
-              <a:rPr lang="en-US" altLang="ko-KR" sz="1600" dirty="0"/>
-            </a:br>
-            <a:r>
-              <a:rPr lang="ko-KR" altLang="en-US" sz="1600" dirty="0"/>
-              <a:t>다르게 값을 보여주도록 할 수도 있습니다 </a:t>
-            </a:r>
-            <a:r>
-              <a:rPr lang="en-US" altLang="ko-KR" sz="1600" dirty="0"/>
-              <a:t>(Nginx</a:t>
-            </a:r>
-            <a:r>
-              <a:rPr lang="ko-KR" altLang="en-US" sz="1600" dirty="0"/>
-              <a:t>등에서 </a:t>
-            </a:r>
-            <a:r>
-              <a:rPr lang="en-US" altLang="ko-KR" sz="1600" dirty="0" err="1"/>
-              <a:t>Server_name</a:t>
-            </a:r>
-            <a:r>
-              <a:rPr lang="ko-KR" altLang="en-US" sz="1600" dirty="0"/>
-              <a:t>이 해당됨</a:t>
-            </a:r>
-            <a:r>
-              <a:rPr lang="en-US" altLang="ko-KR" sz="1600" dirty="0"/>
-              <a:t>)</a:t>
-            </a:r>
-          </a:p>
-          <a:p>
-            <a:r>
-              <a:rPr lang="en-US" altLang="ko-KR" sz="1600" dirty="0"/>
-              <a:t>3</a:t>
-            </a:r>
-            <a:r>
-              <a:rPr lang="ko-KR" altLang="en-US" sz="1600" dirty="0"/>
-              <a:t>번의 경우를 </a:t>
-            </a:r>
-            <a:r>
-              <a:rPr lang="en-US" altLang="ko-KR" sz="1600" dirty="0"/>
-              <a:t>Round-robin DNS</a:t>
-            </a:r>
-            <a:r>
-              <a:rPr lang="ko-KR" altLang="en-US" sz="1600" dirty="0"/>
-              <a:t>로도 표현하며</a:t>
-            </a:r>
-            <a:r>
-              <a:rPr lang="en-US" altLang="ko-KR" sz="1600" dirty="0"/>
-              <a:t>, </a:t>
-            </a:r>
-            <a:r>
-              <a:rPr lang="ko-KR" altLang="en-US" sz="1600" dirty="0"/>
-              <a:t>부하가 많이 걸리는 곳에 </a:t>
-            </a:r>
-            <a:r>
-              <a:rPr lang="en-US" altLang="ko-KR" sz="1600" dirty="0"/>
-              <a:t>Scale Out</a:t>
-            </a:r>
-            <a:r>
-              <a:rPr lang="ko-KR" altLang="en-US" sz="1600" dirty="0"/>
-              <a:t>의 형태로 자주 사용됩니다 </a:t>
-            </a:r>
-            <a:endParaRPr lang="en-US" altLang="ko-KR" sz="1600" dirty="0"/>
-          </a:p>
-        </p:txBody>
-      </p:sp>
-      <p:pic>
-        <p:nvPicPr>
-          <p:cNvPr id="5" name="그림 4">
-            <a:extLst>
-              <a:ext uri="{FF2B5EF4-FFF2-40B4-BE49-F238E27FC236}">
-                <a16:creationId xmlns:a16="http://schemas.microsoft.com/office/drawing/2014/main" id="{AADC6D66-F452-5AC6-AC80-8BB14E209C13}"/>
-              </a:ext>
-            </a:extLst>
-          </p:cNvPr>
-          <p:cNvPicPr>
-            <a:picLocks noChangeAspect="1"/>
-          </p:cNvPicPr>
-          <p:nvPr/>
-        </p:nvPicPr>
-        <p:blipFill rotWithShape="1">
-          <a:blip r:embed="rId2"/>
-          <a:srcRect l="1066" t="1870" r="1665" b="1499"/>
-          <a:stretch/>
-        </p:blipFill>
-        <p:spPr>
-          <a:xfrm>
-            <a:off x="7263394" y="2217173"/>
-            <a:ext cx="4835971" cy="3080448"/>
-          </a:xfrm>
-          <a:prstGeom prst="rect">
-            <a:avLst/>
-          </a:prstGeom>
-        </p:spPr>
-      </p:pic>
-    </p:spTree>
-    <p:extLst>
-      <p:ext uri="{BB962C8B-B14F-4D97-AF65-F5344CB8AC3E}">
-        <p14:creationId xmlns:p14="http://schemas.microsoft.com/office/powerpoint/2010/main" val="2642415797"/>
-      </p:ext>
-    </p:extLst>
-  </p:cSld>
-  <p:clrMapOvr>
-    <a:masterClrMapping/>
-  </p:clrMapOvr>
-</p:sld>
-</file>
-
-<file path=ppt/slides/slide32.xml><?xml version="1.0" encoding="utf-8"?>
-<p:sld xmlns:a="http://schemas.openxmlformats.org/drawingml/2006/main" xmlns:r="http://schemas.openxmlformats.org/officeDocument/2006/relationships" xmlns:p="http://schemas.openxmlformats.org/presentationml/2006/main">
-  <p:cSld>
-    <p:spTree>
-      <p:nvGrpSpPr>
-        <p:cNvPr id="1" name=""/>
-        <p:cNvGrpSpPr/>
-        <p:nvPr/>
-      </p:nvGrpSpPr>
-      <p:grpSpPr>
-        <a:xfrm>
-          <a:off x="0" y="0"/>
-          <a:ext cx="0" cy="0"/>
-          <a:chOff x="0" y="0"/>
-          <a:chExt cx="0" cy="0"/>
-        </a:xfrm>
-      </p:grpSpPr>
-      <p:sp>
-        <p:nvSpPr>
-          <p:cNvPr id="2" name="제목 1">
-            <a:extLst>
-              <a:ext uri="{FF2B5EF4-FFF2-40B4-BE49-F238E27FC236}">
-                <a16:creationId xmlns:a16="http://schemas.microsoft.com/office/drawing/2014/main" id="{97A9F311-12E7-B282-8702-4C5F22B6AA96}"/>
-              </a:ext>
-            </a:extLst>
-          </p:cNvPr>
-          <p:cNvSpPr>
-            <a:spLocks noGrp="1"/>
-          </p:cNvSpPr>
-          <p:nvPr>
-            <p:ph type="title"/>
-          </p:nvPr>
-        </p:nvSpPr>
-        <p:spPr/>
-        <p:txBody>
-          <a:bodyPr/>
-          <a:lstStyle/>
-          <a:p>
-            <a:r>
-              <a:rPr lang="en-US" altLang="ko-KR" dirty="0"/>
-              <a:t>DNS Record</a:t>
-            </a:r>
-            <a:endParaRPr lang="ko-KR" altLang="en-US" dirty="0"/>
-          </a:p>
-        </p:txBody>
-      </p:sp>
-      <p:sp>
-        <p:nvSpPr>
-          <p:cNvPr id="3" name="내용 개체 틀 2">
-            <a:extLst>
-              <a:ext uri="{FF2B5EF4-FFF2-40B4-BE49-F238E27FC236}">
-                <a16:creationId xmlns:a16="http://schemas.microsoft.com/office/drawing/2014/main" id="{F121C0FD-C440-CC93-BEE6-B56968D8111D}"/>
-              </a:ext>
-            </a:extLst>
-          </p:cNvPr>
-          <p:cNvSpPr>
-            <a:spLocks noGrp="1"/>
-          </p:cNvSpPr>
-          <p:nvPr>
-            <p:ph idx="1"/>
-          </p:nvPr>
-        </p:nvSpPr>
-        <p:spPr/>
-        <p:txBody>
-          <a:bodyPr/>
-          <a:lstStyle/>
-          <a:p>
-            <a:r>
-              <a:rPr lang="en-US" altLang="ko-KR" sz="1600" dirty="0"/>
-              <a:t>DNS Name Server</a:t>
-            </a:r>
-            <a:r>
-              <a:rPr lang="ko-KR" altLang="en-US" sz="1600" dirty="0"/>
-              <a:t>는 </a:t>
-            </a:r>
-            <a:r>
-              <a:rPr lang="en-US" altLang="ko-KR" sz="1600" dirty="0"/>
-              <a:t>DNS</a:t>
-            </a:r>
-            <a:r>
-              <a:rPr lang="ko-KR" altLang="en-US" sz="1600" dirty="0"/>
-              <a:t>레코드</a:t>
-            </a:r>
-            <a:r>
-              <a:rPr lang="en-US" altLang="ko-KR" sz="1600" dirty="0"/>
-              <a:t>(DNS Record)</a:t>
-            </a:r>
-            <a:r>
-              <a:rPr lang="ko-KR" altLang="en-US" sz="1600" dirty="0"/>
-              <a:t>를 가지고</a:t>
-            </a:r>
-            <a:r>
-              <a:rPr lang="en-US" altLang="ko-KR" sz="1600" dirty="0"/>
-              <a:t>, </a:t>
-            </a:r>
-            <a:r>
-              <a:rPr lang="ko-KR" altLang="en-US" sz="1600" dirty="0"/>
-              <a:t>해당 레코드에 맞게 </a:t>
-            </a:r>
-            <a:r>
-              <a:rPr lang="en-US" altLang="ko-KR" sz="1600" dirty="0"/>
-              <a:t>IP</a:t>
-            </a:r>
-            <a:r>
-              <a:rPr lang="ko-KR" altLang="en-US" sz="1600" dirty="0"/>
-              <a:t>를 알려줍니다</a:t>
-            </a:r>
-            <a:endParaRPr lang="en-US" altLang="ko-KR" sz="1600" dirty="0"/>
-          </a:p>
-          <a:p>
-            <a:pPr marL="342900" indent="-342900">
-              <a:buFont typeface="+mj-lt"/>
-              <a:buAutoNum type="arabicPeriod"/>
-            </a:pPr>
-            <a:r>
-              <a:rPr lang="en-US" altLang="ko-KR" sz="1600" dirty="0"/>
-              <a:t>A Type: </a:t>
-            </a:r>
-            <a:r>
-              <a:rPr lang="ko-KR" altLang="en-US" sz="1600" dirty="0"/>
-              <a:t>도메인 주소를 </a:t>
-            </a:r>
-            <a:r>
-              <a:rPr lang="en-US" altLang="ko-KR" sz="1600" dirty="0"/>
-              <a:t>IPv4</a:t>
-            </a:r>
-            <a:r>
-              <a:rPr lang="ko-KR" altLang="en-US" sz="1600" dirty="0"/>
-              <a:t>로 변환하는 타입입니다</a:t>
-            </a:r>
-            <a:r>
-              <a:rPr lang="en-US" altLang="ko-KR" sz="1600" dirty="0"/>
-              <a:t>(type:1)</a:t>
-            </a:r>
-          </a:p>
-          <a:p>
-            <a:pPr marL="342900" indent="-342900">
-              <a:buFont typeface="+mj-lt"/>
-              <a:buAutoNum type="arabicPeriod"/>
-            </a:pPr>
-            <a:r>
-              <a:rPr lang="en-US" altLang="ko-KR" sz="1600" dirty="0"/>
-              <a:t>NS Type: </a:t>
-            </a:r>
-            <a:r>
-              <a:rPr lang="ko-KR" altLang="en-US" sz="1600" dirty="0"/>
-              <a:t>도메인 이름에 대한 책임 네임서버를 지정하는 타입입니다</a:t>
-            </a:r>
-            <a:r>
-              <a:rPr lang="en-US" altLang="ko-KR" sz="1600" dirty="0"/>
-              <a:t>(type:2)</a:t>
-            </a:r>
-          </a:p>
-          <a:p>
-            <a:pPr marL="342900" indent="-342900">
-              <a:buFont typeface="+mj-lt"/>
-              <a:buAutoNum type="arabicPeriod"/>
-            </a:pPr>
-            <a:r>
-              <a:rPr lang="en-US" altLang="ko-KR" sz="1600" dirty="0"/>
-              <a:t>CNAME(Canonical NAME) Type: </a:t>
-            </a:r>
-            <a:r>
-              <a:rPr lang="ko-KR" altLang="en-US" sz="1600" dirty="0"/>
-              <a:t>도메인의 별칭을 지정하는 타입입니다</a:t>
-            </a:r>
-            <a:r>
-              <a:rPr lang="en-US" altLang="ko-KR" sz="1600" dirty="0"/>
-              <a:t>(type:5)</a:t>
-            </a:r>
-          </a:p>
-          <a:p>
-            <a:pPr marL="342900" indent="-342900">
-              <a:buFont typeface="+mj-lt"/>
-              <a:buAutoNum type="arabicPeriod"/>
-            </a:pPr>
-            <a:r>
-              <a:rPr lang="en-US" altLang="ko-KR" sz="1600" dirty="0"/>
-              <a:t>SOA(Start Of Authority) Type: </a:t>
-            </a:r>
-            <a:r>
-              <a:rPr lang="ko-KR" altLang="en-US" sz="1600" dirty="0"/>
-              <a:t>도메인의 영역과 해당 영역의 대표 값을 지정하는 타입입니다</a:t>
-            </a:r>
-            <a:r>
-              <a:rPr lang="en-US" altLang="ko-KR" sz="1600" dirty="0"/>
-              <a:t>(type:6)</a:t>
-            </a:r>
-            <a:br>
-              <a:rPr lang="en-US" altLang="ko-KR" sz="1600" dirty="0"/>
-            </a:br>
-            <a:r>
-              <a:rPr lang="en-US" altLang="ko-KR" sz="1600" dirty="0"/>
-              <a:t>(SOA</a:t>
-            </a:r>
-            <a:r>
-              <a:rPr lang="ko-KR" altLang="en-US" sz="1600" dirty="0"/>
-              <a:t>를 사용하면</a:t>
-            </a:r>
-            <a:r>
-              <a:rPr lang="en-US" altLang="ko-KR" sz="1600" dirty="0"/>
-              <a:t>, </a:t>
-            </a:r>
-            <a:r>
-              <a:rPr lang="ko-KR" altLang="en-US" sz="1600" dirty="0"/>
-              <a:t>각 도메인에 대한 예외지정 없이 범위로 책임지역을 지정 할 수 있습니다</a:t>
-            </a:r>
-            <a:r>
-              <a:rPr lang="en-US" altLang="ko-KR" sz="1600" dirty="0"/>
-              <a:t>)</a:t>
-            </a:r>
-          </a:p>
-          <a:p>
-            <a:pPr marL="342900" indent="-342900">
-              <a:buFont typeface="+mj-lt"/>
-              <a:buAutoNum type="arabicPeriod"/>
-            </a:pPr>
-            <a:r>
-              <a:rPr lang="en-US" altLang="ko-KR" sz="1600" dirty="0"/>
-              <a:t>PTR(</a:t>
-            </a:r>
-            <a:r>
-              <a:rPr lang="en-US" altLang="ko-KR" sz="1600" dirty="0" err="1"/>
-              <a:t>PoinTeR</a:t>
-            </a:r>
-            <a:r>
-              <a:rPr lang="en-US" altLang="ko-KR" sz="1600" dirty="0"/>
-              <a:t>) Type: A</a:t>
-            </a:r>
-            <a:r>
-              <a:rPr lang="ko-KR" altLang="en-US" sz="1600" dirty="0"/>
-              <a:t>의 역인 </a:t>
-            </a:r>
-            <a:r>
-              <a:rPr lang="en-US" altLang="ko-KR" sz="1600" dirty="0"/>
-              <a:t>IP</a:t>
-            </a:r>
-            <a:r>
-              <a:rPr lang="ko-KR" altLang="en-US" sz="1600" dirty="0"/>
-              <a:t>를 지정하면 도메인 이름을 알려주는 타입입니다</a:t>
-            </a:r>
-            <a:r>
-              <a:rPr lang="en-US" altLang="ko-KR" sz="1600" dirty="0"/>
-              <a:t>(type:12)</a:t>
-            </a:r>
-          </a:p>
-          <a:p>
-            <a:pPr marL="342900" indent="-342900">
-              <a:buFont typeface="+mj-lt"/>
-              <a:buAutoNum type="arabicPeriod"/>
-            </a:pPr>
-            <a:r>
-              <a:rPr lang="en-US" altLang="ko-KR" sz="1600" dirty="0"/>
-              <a:t>MX(Mail </a:t>
-            </a:r>
-            <a:r>
-              <a:rPr lang="en-US" altLang="ko-KR" sz="1600" dirty="0" err="1"/>
-              <a:t>eXchanger</a:t>
-            </a:r>
-            <a:r>
-              <a:rPr lang="en-US" altLang="ko-KR" sz="1600" dirty="0"/>
-              <a:t>) Type: </a:t>
-            </a:r>
-            <a:r>
-              <a:rPr lang="ko-KR" altLang="en-US" sz="1600" dirty="0"/>
-              <a:t>도메인의 메일서버를 지정하는 타입입니다</a:t>
-            </a:r>
-            <a:r>
-              <a:rPr lang="en-US" altLang="ko-KR" sz="1600" dirty="0"/>
-              <a:t>(Type:15)</a:t>
-            </a:r>
-            <a:br>
-              <a:rPr lang="en-US" altLang="ko-KR" sz="1600" dirty="0"/>
-            </a:br>
-            <a:r>
-              <a:rPr lang="en-US" altLang="ko-KR" sz="1600" dirty="0"/>
-              <a:t>(</a:t>
-            </a:r>
-            <a:r>
-              <a:rPr lang="ko-KR" altLang="en-US" sz="1600" dirty="0"/>
-              <a:t>도메인이름으로 메일요청이 들어오면 해당 값으로 변환하여 메일서버의 </a:t>
-            </a:r>
-            <a:r>
-              <a:rPr lang="en-US" altLang="ko-KR" sz="1600" dirty="0"/>
-              <a:t>IP</a:t>
-            </a:r>
-            <a:r>
-              <a:rPr lang="ko-KR" altLang="en-US" sz="1600" dirty="0"/>
-              <a:t>주소를 알아내는 구조입니다</a:t>
-            </a:r>
-            <a:r>
-              <a:rPr lang="en-US" altLang="ko-KR" sz="1600" dirty="0"/>
-              <a:t>)</a:t>
-            </a:r>
-          </a:p>
-          <a:p>
-            <a:pPr marL="342900" indent="-342900">
-              <a:buFont typeface="+mj-lt"/>
-              <a:buAutoNum type="arabicPeriod"/>
-            </a:pPr>
-            <a:r>
-              <a:rPr lang="en-US" altLang="ko-KR" sz="1600" dirty="0"/>
-              <a:t>AAAA Type: </a:t>
-            </a:r>
-            <a:r>
-              <a:rPr lang="ko-KR" altLang="en-US" sz="1600" dirty="0"/>
-              <a:t>도메인 주소를 </a:t>
-            </a:r>
-            <a:r>
-              <a:rPr lang="en-US" altLang="ko-KR" sz="1600" dirty="0"/>
-              <a:t>IPv6</a:t>
-            </a:r>
-            <a:r>
-              <a:rPr lang="ko-KR" altLang="en-US" sz="1600" dirty="0"/>
-              <a:t>로 변환하는 타입입니다</a:t>
-            </a:r>
-            <a:r>
-              <a:rPr lang="en-US" altLang="ko-KR" sz="1600" dirty="0"/>
-              <a:t>(type:28)</a:t>
-            </a:r>
-          </a:p>
-          <a:p>
-            <a:pPr marL="342900" indent="-342900">
-              <a:buFont typeface="+mj-lt"/>
-              <a:buAutoNum type="arabicPeriod"/>
-            </a:pPr>
-            <a:r>
-              <a:rPr lang="ko-KR" altLang="en-US" sz="1600" dirty="0"/>
-              <a:t>이외에도</a:t>
-            </a:r>
-            <a:r>
-              <a:rPr lang="en-US" altLang="ko-KR" sz="1600" dirty="0"/>
-              <a:t>, SRV(</a:t>
-            </a:r>
-            <a:r>
-              <a:rPr lang="en-US" altLang="ko-KR" sz="1600" dirty="0" err="1"/>
-              <a:t>SeRVice</a:t>
-            </a:r>
-            <a:r>
-              <a:rPr lang="en-US" altLang="ko-KR" sz="1600" dirty="0"/>
-              <a:t>, 33), HTTPS(65), TXT(16), URI(256)</a:t>
-            </a:r>
-            <a:r>
-              <a:rPr lang="ko-KR" altLang="en-US" sz="1600" dirty="0"/>
-              <a:t>등의 포워딩 관련 타입과</a:t>
-            </a:r>
-            <a:br>
-              <a:rPr lang="en-US" altLang="ko-KR" sz="1600" dirty="0"/>
-            </a:br>
-            <a:r>
-              <a:rPr lang="en-US" altLang="ko-KR" sz="1600" dirty="0"/>
-              <a:t>CAA(Certification Authority Authorization, 257), CERT(37), DNSKEY(48), DS(43),</a:t>
-            </a:r>
-            <a:br>
-              <a:rPr lang="en-US" altLang="ko-KR" sz="1600" dirty="0"/>
-            </a:br>
-            <a:r>
-              <a:rPr lang="en-US" altLang="ko-KR" sz="1600" dirty="0"/>
-              <a:t>SSHFP(44), SMIMEA(53), TLSA(52) </a:t>
-            </a:r>
-            <a:r>
-              <a:rPr lang="ko-KR" altLang="en-US" sz="1600" dirty="0"/>
-              <a:t>등의 인증관련 타입도 많이 사용되고 있습니다</a:t>
-            </a:r>
-            <a:endParaRPr lang="en-US" altLang="ko-KR" sz="1600" dirty="0"/>
-          </a:p>
-        </p:txBody>
-      </p:sp>
-    </p:spTree>
-    <p:extLst>
-      <p:ext uri="{BB962C8B-B14F-4D97-AF65-F5344CB8AC3E}">
-        <p14:creationId xmlns:p14="http://schemas.microsoft.com/office/powerpoint/2010/main" val="1184660918"/>
-      </p:ext>
-    </p:extLst>
-  </p:cSld>
-  <p:clrMapOvr>
-    <a:masterClrMapping/>
-  </p:clrMapOvr>
-</p:sld>
-</file>
-
-<file path=ppt/slides/slide33.xml><?xml version="1.0" encoding="utf-8"?>
-<p:sld xmlns:a="http://schemas.openxmlformats.org/drawingml/2006/main" xmlns:r="http://schemas.openxmlformats.org/officeDocument/2006/relationships" xmlns:p="http://schemas.openxmlformats.org/presentationml/2006/main">
-  <p:cSld>
-    <p:spTree>
-      <p:nvGrpSpPr>
-        <p:cNvPr id="1" name=""/>
-        <p:cNvGrpSpPr/>
-        <p:nvPr/>
-      </p:nvGrpSpPr>
-      <p:grpSpPr>
-        <a:xfrm>
-          <a:off x="0" y="0"/>
-          <a:ext cx="0" cy="0"/>
-          <a:chOff x="0" y="0"/>
-          <a:chExt cx="0" cy="0"/>
-        </a:xfrm>
-      </p:grpSpPr>
-      <p:sp>
-        <p:nvSpPr>
-          <p:cNvPr id="2" name="제목 1">
-            <a:extLst>
-              <a:ext uri="{FF2B5EF4-FFF2-40B4-BE49-F238E27FC236}">
-                <a16:creationId xmlns:a16="http://schemas.microsoft.com/office/drawing/2014/main" id="{4E1E04E3-2E90-0985-3937-CDDF453FA418}"/>
-              </a:ext>
-            </a:extLst>
-          </p:cNvPr>
-          <p:cNvSpPr>
-            <a:spLocks noGrp="1"/>
-          </p:cNvSpPr>
-          <p:nvPr>
-            <p:ph type="title"/>
-          </p:nvPr>
-        </p:nvSpPr>
-        <p:spPr/>
-        <p:txBody>
-          <a:bodyPr/>
-          <a:lstStyle/>
-          <a:p>
-            <a:r>
-              <a:rPr lang="en-US" altLang="ko-KR" dirty="0"/>
-              <a:t>SMTP</a:t>
-            </a:r>
-            <a:endParaRPr lang="ko-KR" altLang="en-US" dirty="0"/>
-          </a:p>
-        </p:txBody>
-      </p:sp>
-      <p:sp>
-        <p:nvSpPr>
-          <p:cNvPr id="3" name="내용 개체 틀 2">
-            <a:extLst>
-              <a:ext uri="{FF2B5EF4-FFF2-40B4-BE49-F238E27FC236}">
-                <a16:creationId xmlns:a16="http://schemas.microsoft.com/office/drawing/2014/main" id="{E7980131-F03C-7E79-FA2F-6F8A3D70C722}"/>
-              </a:ext>
-            </a:extLst>
-          </p:cNvPr>
-          <p:cNvSpPr>
-            <a:spLocks noGrp="1"/>
-          </p:cNvSpPr>
-          <p:nvPr>
-            <p:ph idx="1"/>
-          </p:nvPr>
-        </p:nvSpPr>
-        <p:spPr/>
-        <p:txBody>
-          <a:bodyPr/>
-          <a:lstStyle/>
-          <a:p>
-            <a:r>
-              <a:rPr lang="en-US" altLang="ko-KR" sz="1600" dirty="0"/>
-              <a:t>SMTP(Simple Mail Transfer Protocol)</a:t>
-            </a:r>
-            <a:r>
-              <a:rPr lang="ko-KR" altLang="en-US" sz="1600" dirty="0"/>
-              <a:t>는 이메일을 보내거나 받는데 사용되는 프로토콜입니다</a:t>
-            </a:r>
-            <a:endParaRPr lang="en-US" altLang="ko-KR" sz="1600" dirty="0"/>
-          </a:p>
-          <a:p>
-            <a:r>
-              <a:rPr lang="ko-KR" altLang="en-US" sz="1600" dirty="0"/>
-              <a:t>구체적으로 다음 </a:t>
-            </a:r>
-            <a:r>
-              <a:rPr lang="en-US" altLang="ko-KR" sz="1600" dirty="0"/>
-              <a:t>7 </a:t>
-            </a:r>
-            <a:r>
-              <a:rPr lang="ko-KR" altLang="en-US" sz="1600" dirty="0"/>
-              <a:t>가지의 명령을 통해 </a:t>
-            </a:r>
-            <a:r>
-              <a:rPr lang="en-US" altLang="ko-KR" sz="1600" dirty="0"/>
-              <a:t>SMTP</a:t>
-            </a:r>
-            <a:r>
-              <a:rPr lang="ko-KR" altLang="en-US" sz="1600" dirty="0"/>
-              <a:t>를 사용하여 이메일을 보냅니다</a:t>
-            </a:r>
-            <a:endParaRPr lang="en-US" altLang="ko-KR" sz="1600" dirty="0"/>
-          </a:p>
-          <a:p>
-            <a:pPr marL="342900" indent="-342900">
-              <a:buFont typeface="+mj-lt"/>
-              <a:buAutoNum type="arabicPeriod"/>
-            </a:pPr>
-            <a:r>
-              <a:rPr lang="en-US" altLang="ko-KR" sz="1400" dirty="0"/>
-              <a:t>HELO </a:t>
-            </a:r>
-            <a:r>
-              <a:rPr lang="ko-KR" altLang="en-US" sz="1400" dirty="0"/>
-              <a:t>또는 </a:t>
-            </a:r>
-            <a:r>
-              <a:rPr lang="en-US" altLang="ko-KR" sz="1400" dirty="0"/>
-              <a:t>EHLO :</a:t>
-            </a:r>
-            <a:r>
-              <a:rPr lang="ko-KR" altLang="en-US" sz="1400" dirty="0"/>
-              <a:t> 클라이언트가 존재하는지</a:t>
-            </a:r>
-            <a:r>
-              <a:rPr lang="en-US" altLang="ko-KR" sz="1400" dirty="0"/>
-              <a:t> </a:t>
-            </a:r>
-            <a:r>
-              <a:rPr lang="ko-KR" altLang="en-US" sz="1400" dirty="0"/>
-              <a:t>확인하기 위해</a:t>
-            </a:r>
-            <a:r>
-              <a:rPr lang="en-US" altLang="ko-KR" sz="1400" dirty="0"/>
-              <a:t>,</a:t>
-            </a:r>
-            <a:br>
-              <a:rPr lang="en-US" altLang="ko-KR" sz="1400" dirty="0"/>
-            </a:br>
-            <a:r>
-              <a:rPr lang="ko-KR" altLang="en-US" sz="1400" dirty="0"/>
-              <a:t>첫 의사를 보낼 때</a:t>
-            </a:r>
-            <a:r>
-              <a:rPr lang="en-US" altLang="ko-KR" sz="1400" dirty="0"/>
-              <a:t> </a:t>
-            </a:r>
-            <a:r>
-              <a:rPr lang="ko-KR" altLang="en-US" sz="1400" dirty="0"/>
-              <a:t>사용됩니다</a:t>
-            </a:r>
-            <a:endParaRPr lang="en-US" altLang="ko-KR" sz="1400" dirty="0"/>
-          </a:p>
-          <a:p>
-            <a:pPr marL="342900" indent="-342900">
-              <a:buFont typeface="+mj-lt"/>
-              <a:buAutoNum type="arabicPeriod"/>
-            </a:pPr>
-            <a:r>
-              <a:rPr lang="en-US" altLang="ko-KR" sz="1400" dirty="0"/>
-              <a:t>MAIL FROM : </a:t>
-            </a:r>
-            <a:r>
-              <a:rPr lang="ko-KR" altLang="en-US" sz="1400" dirty="0"/>
-              <a:t>자신의 존재를 먼저 밝혀</a:t>
-            </a:r>
-            <a:r>
-              <a:rPr lang="en-US" altLang="ko-KR" sz="1400" dirty="0"/>
-              <a:t>,</a:t>
-            </a:r>
-            <a:br>
-              <a:rPr lang="en-US" altLang="ko-KR" sz="1400" dirty="0"/>
-            </a:br>
-            <a:r>
-              <a:rPr lang="ko-KR" altLang="en-US" sz="1400" dirty="0"/>
-              <a:t>보낸 사람</a:t>
-            </a:r>
-            <a:r>
-              <a:rPr lang="en-US" altLang="ko-KR" sz="1400" dirty="0"/>
-              <a:t>(</a:t>
-            </a:r>
-            <a:r>
-              <a:rPr lang="ko-KR" altLang="en-US" sz="1400" dirty="0"/>
-              <a:t>자신</a:t>
-            </a:r>
-            <a:r>
-              <a:rPr lang="en-US" altLang="ko-KR" sz="1400" dirty="0"/>
-              <a:t>)</a:t>
-            </a:r>
-            <a:r>
-              <a:rPr lang="ko-KR" altLang="en-US" sz="1400" dirty="0"/>
-              <a:t> 정보가 식별되도록 합니다</a:t>
-            </a:r>
-            <a:br>
-              <a:rPr lang="en-US" altLang="ko-KR" sz="1400" dirty="0"/>
-            </a:br>
-            <a:r>
-              <a:rPr lang="en-US" altLang="ko-KR" sz="1400" dirty="0"/>
-              <a:t>(</a:t>
-            </a:r>
-            <a:r>
-              <a:rPr lang="ko-KR" altLang="en-US" sz="1400" dirty="0"/>
-              <a:t>일반적으로 이 과정에서 </a:t>
-            </a:r>
-            <a:r>
-              <a:rPr lang="en-US" altLang="ko-KR" sz="1400" dirty="0"/>
-              <a:t>AUTH LOGIN</a:t>
-            </a:r>
-            <a:r>
-              <a:rPr lang="ko-KR" altLang="en-US" sz="1400" dirty="0"/>
-              <a:t>을 하여</a:t>
-            </a:r>
-            <a:br>
-              <a:rPr lang="en-US" altLang="ko-KR" sz="1400" dirty="0"/>
-            </a:br>
-            <a:r>
-              <a:rPr lang="ko-KR" altLang="en-US" sz="1400" dirty="0"/>
-              <a:t>자신의 이메일을 타인이 함부로 쓰지 못하도록 합니다</a:t>
-            </a:r>
-            <a:r>
-              <a:rPr lang="en-US" altLang="ko-KR" sz="1400" dirty="0"/>
-              <a:t>)</a:t>
-            </a:r>
-          </a:p>
-          <a:p>
-            <a:pPr marL="342900" indent="-342900">
-              <a:buFont typeface="+mj-lt"/>
-              <a:buAutoNum type="arabicPeriod"/>
-            </a:pPr>
-            <a:r>
-              <a:rPr lang="en-US" altLang="ko-KR" sz="1400" dirty="0"/>
-              <a:t>RCPT TO : </a:t>
-            </a:r>
-            <a:r>
-              <a:rPr lang="ko-KR" altLang="en-US" sz="1400" dirty="0"/>
-              <a:t>누구에게 보낼 지 밝혀</a:t>
-            </a:r>
-            <a:r>
-              <a:rPr lang="en-US" altLang="ko-KR" sz="1400" dirty="0"/>
-              <a:t>,</a:t>
-            </a:r>
-            <a:br>
-              <a:rPr lang="en-US" altLang="ko-KR" sz="1400" dirty="0"/>
-            </a:br>
-            <a:r>
-              <a:rPr lang="ko-KR" altLang="en-US" sz="1400" dirty="0"/>
-              <a:t>받는 사람</a:t>
-            </a:r>
-            <a:r>
-              <a:rPr lang="en-US" altLang="ko-KR" sz="1400" dirty="0"/>
-              <a:t>(</a:t>
-            </a:r>
-            <a:r>
-              <a:rPr lang="ko-KR" altLang="en-US" sz="1400" dirty="0"/>
-              <a:t>상대</a:t>
-            </a:r>
-            <a:r>
-              <a:rPr lang="en-US" altLang="ko-KR" sz="1400" dirty="0"/>
-              <a:t>) </a:t>
-            </a:r>
-            <a:r>
-              <a:rPr lang="ko-KR" altLang="en-US" sz="1400" dirty="0"/>
-              <a:t>정보가 식별되도록 합니다</a:t>
-            </a:r>
-            <a:endParaRPr lang="en-US" altLang="ko-KR" sz="1400" dirty="0"/>
-          </a:p>
-          <a:p>
-            <a:pPr marL="342900" indent="-342900">
-              <a:buFont typeface="+mj-lt"/>
-              <a:buAutoNum type="arabicPeriod"/>
-            </a:pPr>
-            <a:r>
-              <a:rPr lang="en-US" altLang="ko-KR" sz="1400" dirty="0"/>
-              <a:t>DATA</a:t>
-            </a:r>
-            <a:r>
-              <a:rPr lang="ko-KR" altLang="en-US" sz="1400" dirty="0"/>
-              <a:t> </a:t>
-            </a:r>
-            <a:r>
-              <a:rPr lang="en-US" altLang="ko-KR" sz="1400" dirty="0"/>
-              <a:t>:</a:t>
-            </a:r>
-            <a:r>
-              <a:rPr lang="ko-KR" altLang="en-US" sz="1400" dirty="0"/>
-              <a:t> 다음 내용은 메시지 내용이 올 것이라는</a:t>
-            </a:r>
-            <a:r>
-              <a:rPr lang="en-US" altLang="ko-KR" sz="1400" dirty="0"/>
-              <a:t> </a:t>
-            </a:r>
-            <a:r>
-              <a:rPr lang="ko-KR" altLang="en-US" sz="1400" dirty="0"/>
-              <a:t>예고를</a:t>
-            </a:r>
-            <a:br>
-              <a:rPr lang="en-US" altLang="ko-KR" sz="1400" dirty="0"/>
-            </a:br>
-            <a:r>
-              <a:rPr lang="ko-KR" altLang="en-US" sz="1400" dirty="0"/>
-              <a:t>하기 위해 사용됩니다</a:t>
-            </a:r>
-            <a:endParaRPr lang="en-US" altLang="ko-KR" sz="1400" dirty="0"/>
-          </a:p>
-          <a:p>
-            <a:pPr marL="342900" indent="-342900">
-              <a:buFont typeface="+mj-lt"/>
-              <a:buAutoNum type="arabicPeriod"/>
-            </a:pPr>
-            <a:r>
-              <a:rPr lang="en-US" altLang="ko-KR" sz="1400" dirty="0"/>
-              <a:t>RSET : </a:t>
-            </a:r>
-            <a:r>
-              <a:rPr lang="ko-KR" altLang="en-US" sz="1400" dirty="0"/>
-              <a:t>하던 모든 일을 다시 롤백 하여</a:t>
-            </a:r>
-            <a:br>
-              <a:rPr lang="en-US" altLang="ko-KR" sz="1400" dirty="0"/>
-            </a:br>
-            <a:r>
-              <a:rPr lang="ko-KR" altLang="en-US" sz="1400" dirty="0"/>
-              <a:t>처음부터 다시 설정하기 위해 사용됩니다</a:t>
-            </a:r>
-            <a:endParaRPr lang="en-US" altLang="ko-KR" sz="1400" dirty="0"/>
-          </a:p>
-          <a:p>
-            <a:pPr marL="342900" indent="-342900">
-              <a:buFont typeface="+mj-lt"/>
-              <a:buAutoNum type="arabicPeriod"/>
-            </a:pPr>
-            <a:r>
-              <a:rPr lang="en-US" altLang="ko-KR" sz="1400" dirty="0"/>
-              <a:t>QUIT</a:t>
-            </a:r>
-            <a:r>
-              <a:rPr lang="ko-KR" altLang="en-US" sz="1400" dirty="0"/>
-              <a:t> </a:t>
-            </a:r>
-            <a:r>
-              <a:rPr lang="en-US" altLang="ko-KR" sz="1400" dirty="0"/>
-              <a:t>:</a:t>
-            </a:r>
-            <a:r>
-              <a:rPr lang="ko-KR" altLang="en-US" sz="1400" dirty="0"/>
-              <a:t> 세션을 종료 하기 위해 사용됩니다</a:t>
-            </a:r>
-            <a:endParaRPr lang="en-US" altLang="ko-KR" sz="1400" dirty="0"/>
-          </a:p>
-          <a:p>
-            <a:endParaRPr lang="ko-KR" altLang="en-US" sz="1600" dirty="0"/>
-          </a:p>
-        </p:txBody>
-      </p:sp>
-      <p:pic>
-        <p:nvPicPr>
-          <p:cNvPr id="5" name="그림 4">
-            <a:extLst>
-              <a:ext uri="{FF2B5EF4-FFF2-40B4-BE49-F238E27FC236}">
-                <a16:creationId xmlns:a16="http://schemas.microsoft.com/office/drawing/2014/main" id="{E63E1F0E-8160-4E12-BCD5-F5A059CD5F87}"/>
-              </a:ext>
-            </a:extLst>
-          </p:cNvPr>
-          <p:cNvPicPr>
-            <a:picLocks noChangeAspect="1"/>
-          </p:cNvPicPr>
-          <p:nvPr/>
-        </p:nvPicPr>
-        <p:blipFill rotWithShape="1">
-          <a:blip r:embed="rId2"/>
-          <a:srcRect r="33395" b="35855"/>
-          <a:stretch/>
-        </p:blipFill>
-        <p:spPr>
-          <a:xfrm>
-            <a:off x="6769294" y="2589637"/>
-            <a:ext cx="5271470" cy="4125270"/>
-          </a:xfrm>
-          <a:prstGeom prst="rect">
-            <a:avLst/>
-          </a:prstGeom>
-        </p:spPr>
-      </p:pic>
-    </p:spTree>
-    <p:extLst>
-      <p:ext uri="{BB962C8B-B14F-4D97-AF65-F5344CB8AC3E}">
-        <p14:creationId xmlns:p14="http://schemas.microsoft.com/office/powerpoint/2010/main" val="2841385823"/>
-      </p:ext>
-    </p:extLst>
-  </p:cSld>
-  <p:clrMapOvr>
-    <a:masterClrMapping/>
-  </p:clrMapOvr>
-</p:sld>
-</file>
-
-<file path=ppt/slides/slide34.xml><?xml version="1.0" encoding="utf-8"?>
-<p:sld xmlns:a="http://schemas.openxmlformats.org/drawingml/2006/main" xmlns:r="http://schemas.openxmlformats.org/officeDocument/2006/relationships" xmlns:p="http://schemas.openxmlformats.org/presentationml/2006/main">
-  <p:cSld>
-    <p:spTree>
-      <p:nvGrpSpPr>
-        <p:cNvPr id="1" name=""/>
-        <p:cNvGrpSpPr/>
-        <p:nvPr/>
-      </p:nvGrpSpPr>
-      <p:grpSpPr>
-        <a:xfrm>
-          <a:off x="0" y="0"/>
-          <a:ext cx="0" cy="0"/>
-          <a:chOff x="0" y="0"/>
-          <a:chExt cx="0" cy="0"/>
-        </a:xfrm>
-      </p:grpSpPr>
-      <p:sp>
-        <p:nvSpPr>
-          <p:cNvPr id="2" name="제목 1">
-            <a:extLst>
-              <a:ext uri="{FF2B5EF4-FFF2-40B4-BE49-F238E27FC236}">
-                <a16:creationId xmlns:a16="http://schemas.microsoft.com/office/drawing/2014/main" id="{4E1E04E3-2E90-0985-3937-CDDF453FA418}"/>
-              </a:ext>
-            </a:extLst>
-          </p:cNvPr>
-          <p:cNvSpPr>
-            <a:spLocks noGrp="1"/>
-          </p:cNvSpPr>
-          <p:nvPr>
-            <p:ph type="title"/>
-          </p:nvPr>
-        </p:nvSpPr>
-        <p:spPr/>
-        <p:txBody>
-          <a:bodyPr/>
-          <a:lstStyle/>
-          <a:p>
-            <a:r>
-              <a:rPr lang="en-US" altLang="ko-KR" dirty="0"/>
-              <a:t>MUA, MTA, MDA</a:t>
-            </a:r>
-            <a:endParaRPr lang="ko-KR" altLang="en-US" dirty="0"/>
-          </a:p>
-        </p:txBody>
-      </p:sp>
-      <p:sp>
-        <p:nvSpPr>
-          <p:cNvPr id="3" name="내용 개체 틀 2">
-            <a:extLst>
-              <a:ext uri="{FF2B5EF4-FFF2-40B4-BE49-F238E27FC236}">
-                <a16:creationId xmlns:a16="http://schemas.microsoft.com/office/drawing/2014/main" id="{E7980131-F03C-7E79-FA2F-6F8A3D70C722}"/>
-              </a:ext>
-            </a:extLst>
-          </p:cNvPr>
-          <p:cNvSpPr>
-            <a:spLocks noGrp="1"/>
-          </p:cNvSpPr>
-          <p:nvPr>
-            <p:ph idx="1"/>
-          </p:nvPr>
-        </p:nvSpPr>
-        <p:spPr>
-          <a:xfrm>
-            <a:off x="761999" y="1765139"/>
-            <a:ext cx="10743235" cy="4898541"/>
-          </a:xfrm>
-        </p:spPr>
-        <p:txBody>
-          <a:bodyPr/>
-          <a:lstStyle/>
-          <a:p>
-            <a:r>
-              <a:rPr lang="en-US" altLang="ko-KR" sz="1600" dirty="0"/>
-              <a:t>SMTP</a:t>
-            </a:r>
-            <a:r>
-              <a:rPr lang="ko-KR" altLang="en-US" sz="1600" dirty="0"/>
-              <a:t>의 메일 전송 과정은 생각보다 복잡한 단계를 거치게 되는데</a:t>
-            </a:r>
-            <a:r>
-              <a:rPr lang="en-US" altLang="ko-KR" sz="1600" dirty="0"/>
-              <a:t>,</a:t>
-            </a:r>
-            <a:r>
-              <a:rPr lang="ko-KR" altLang="en-US" sz="1600" dirty="0"/>
-              <a:t> 이는 아래 그림과 같기 때문입니다</a:t>
-            </a:r>
-            <a:endParaRPr lang="en-US" altLang="ko-KR" sz="1600" dirty="0"/>
-          </a:p>
-          <a:p>
-            <a:r>
-              <a:rPr lang="en-US" altLang="ko-KR" sz="1600" dirty="0"/>
-              <a:t>MTA(Mail Transfer Agent)</a:t>
-            </a:r>
-            <a:r>
-              <a:rPr lang="ko-KR" altLang="en-US" sz="1600" dirty="0"/>
-              <a:t>는</a:t>
-            </a:r>
-            <a:br>
-              <a:rPr lang="en-US" altLang="ko-KR" sz="1600" dirty="0"/>
-            </a:br>
-            <a:r>
-              <a:rPr lang="ko-KR" altLang="en-US" sz="1600" dirty="0"/>
-              <a:t>송신 할 때는</a:t>
-            </a:r>
-            <a:r>
-              <a:rPr lang="en-US" altLang="ko-KR" sz="1600" dirty="0"/>
-              <a:t> </a:t>
-            </a:r>
-            <a:r>
-              <a:rPr lang="ko-KR" altLang="en-US" sz="1600" dirty="0"/>
-              <a:t>사용자로부터 메일을 전달받아서 외부</a:t>
-            </a:r>
-            <a:r>
-              <a:rPr lang="en-US" altLang="ko-KR" sz="1600" dirty="0"/>
-              <a:t>(</a:t>
-            </a:r>
-            <a:r>
-              <a:rPr lang="ko-KR" altLang="en-US" sz="1600" dirty="0"/>
-              <a:t>인터넷</a:t>
-            </a:r>
-            <a:r>
-              <a:rPr lang="en-US" altLang="ko-KR" sz="1600" dirty="0"/>
-              <a:t>)</a:t>
-            </a:r>
-            <a:r>
-              <a:rPr lang="ko-KR" altLang="en-US" sz="1600" dirty="0"/>
-              <a:t>로 전달합니다</a:t>
-            </a:r>
-            <a:br>
-              <a:rPr lang="en-US" altLang="ko-KR" sz="1600" dirty="0"/>
-            </a:br>
-            <a:r>
-              <a:rPr lang="ko-KR" altLang="en-US" sz="1600" dirty="0"/>
-              <a:t>수신 할 때는</a:t>
-            </a:r>
-            <a:r>
-              <a:rPr lang="en-US" altLang="ko-KR" sz="1600" dirty="0"/>
-              <a:t> </a:t>
-            </a:r>
-            <a:r>
-              <a:rPr lang="ko-KR" altLang="en-US" sz="1600" dirty="0"/>
-              <a:t>외부로부터 </a:t>
-            </a:r>
-            <a:r>
-              <a:rPr lang="en-US" altLang="ko-KR" sz="1600" dirty="0"/>
-              <a:t>MTA</a:t>
-            </a:r>
-            <a:r>
-              <a:rPr lang="ko-KR" altLang="en-US" sz="1600" dirty="0"/>
-              <a:t>가 메일을 수신하면</a:t>
-            </a:r>
-            <a:r>
-              <a:rPr lang="en-US" altLang="ko-KR" sz="1600" dirty="0"/>
-              <a:t>, </a:t>
-            </a:r>
-            <a:r>
-              <a:rPr lang="ko-KR" altLang="en-US" sz="1600" dirty="0"/>
-              <a:t>적절한 </a:t>
-            </a:r>
-            <a:r>
-              <a:rPr lang="en-US" altLang="ko-KR" sz="1600" dirty="0"/>
-              <a:t>MDA</a:t>
-            </a:r>
-            <a:r>
-              <a:rPr lang="ko-KR" altLang="en-US" sz="1600" dirty="0"/>
-              <a:t>에게 메일을 전달합니다</a:t>
-            </a:r>
-            <a:br>
-              <a:rPr lang="en-US" altLang="ko-KR" sz="1600" dirty="0"/>
-            </a:br>
-            <a:r>
-              <a:rPr lang="ko-KR" altLang="en-US" sz="1600" dirty="0"/>
-              <a:t>대표적으로 </a:t>
-            </a:r>
-            <a:r>
-              <a:rPr lang="en-US" altLang="ko-KR" sz="1600" dirty="0" err="1"/>
-              <a:t>sendmail</a:t>
-            </a:r>
-            <a:r>
-              <a:rPr lang="en-US" altLang="ko-KR" sz="1600" dirty="0"/>
-              <a:t>, </a:t>
-            </a:r>
-            <a:r>
-              <a:rPr lang="en-US" altLang="ko-KR" sz="1600" dirty="0" err="1"/>
-              <a:t>qmail</a:t>
-            </a:r>
-            <a:r>
-              <a:rPr lang="ko-KR" altLang="en-US" sz="1600" dirty="0"/>
-              <a:t>등의 흔히 보는 이메일 서비스가 해당됩니다</a:t>
-            </a:r>
-            <a:endParaRPr lang="en-US" altLang="ko-KR" sz="1600" dirty="0"/>
-          </a:p>
-          <a:p>
-            <a:r>
-              <a:rPr lang="en-US" altLang="ko-KR" sz="1600" dirty="0"/>
-              <a:t>MDA(Mail Delivery Agent)</a:t>
-            </a:r>
-            <a:r>
-              <a:rPr lang="ko-KR" altLang="en-US" sz="1600" dirty="0"/>
-              <a:t>는</a:t>
-            </a:r>
-            <a:br>
-              <a:rPr lang="en-US" altLang="ko-KR" sz="1600" dirty="0"/>
-            </a:br>
-            <a:r>
-              <a:rPr lang="ko-KR" altLang="en-US" sz="1600" dirty="0"/>
-              <a:t>외부로부터 받은 메일을 사용자의 메일 함으로 메일을 저장하도록 중개 역할을 수행합니다</a:t>
-            </a:r>
-            <a:br>
-              <a:rPr lang="en-US" altLang="ko-KR" sz="1600" dirty="0"/>
-            </a:br>
-            <a:r>
-              <a:rPr lang="ko-KR" altLang="en-US" sz="1600" dirty="0"/>
-              <a:t>외부로부터 수신한 메일을 </a:t>
-            </a:r>
-            <a:r>
-              <a:rPr lang="en-US" altLang="ko-KR" sz="1600" dirty="0"/>
-              <a:t>MTA</a:t>
-            </a:r>
-            <a:r>
-              <a:rPr lang="ko-KR" altLang="en-US" sz="1600" dirty="0"/>
-              <a:t>가 </a:t>
-            </a:r>
-            <a:r>
-              <a:rPr lang="en-US" altLang="ko-KR" sz="1600" dirty="0"/>
-              <a:t>MDA</a:t>
-            </a:r>
-            <a:r>
-              <a:rPr lang="ko-KR" altLang="en-US" sz="1600" dirty="0"/>
-              <a:t>에게 전달해주면</a:t>
-            </a:r>
-            <a:r>
-              <a:rPr lang="en-US" altLang="ko-KR" sz="1600" dirty="0"/>
-              <a:t>, MDA</a:t>
-            </a:r>
-            <a:r>
-              <a:rPr lang="ko-KR" altLang="en-US" sz="1600" dirty="0"/>
-              <a:t>는 해당 사용자의 메일 함에다가 저장합니다</a:t>
-            </a:r>
-            <a:br>
-              <a:rPr lang="en-US" altLang="ko-KR" sz="1600" dirty="0"/>
-            </a:br>
-            <a:r>
-              <a:rPr lang="ko-KR" altLang="en-US" sz="1600" dirty="0"/>
-              <a:t>대표적으로 </a:t>
-            </a:r>
-            <a:r>
-              <a:rPr lang="en-US" altLang="ko-KR" sz="1600" dirty="0" err="1"/>
-              <a:t>procmail</a:t>
-            </a:r>
-            <a:r>
-              <a:rPr lang="ko-KR" altLang="en-US" sz="1600" dirty="0"/>
-              <a:t>이 있으며</a:t>
-            </a:r>
-            <a:r>
-              <a:rPr lang="en-US" altLang="ko-KR" sz="1600" dirty="0"/>
-              <a:t>, </a:t>
-            </a:r>
-            <a:r>
-              <a:rPr lang="en-US" altLang="ko-KR" sz="1600" dirty="0" err="1"/>
-              <a:t>procmail</a:t>
-            </a:r>
-            <a:r>
-              <a:rPr lang="ko-KR" altLang="en-US" sz="1600" dirty="0"/>
-              <a:t>은 검열기능이나</a:t>
-            </a:r>
-            <a:br>
-              <a:rPr lang="en-US" altLang="ko-KR" sz="1600" dirty="0"/>
-            </a:br>
-            <a:r>
-              <a:rPr lang="ko-KR" altLang="en-US" sz="1600" dirty="0"/>
-              <a:t>보안 검사 등의</a:t>
-            </a:r>
-            <a:r>
-              <a:rPr lang="en-US" altLang="ko-KR" sz="1600" dirty="0"/>
-              <a:t> </a:t>
-            </a:r>
-            <a:r>
-              <a:rPr lang="ko-KR" altLang="en-US" sz="1600" dirty="0"/>
-              <a:t>필터링으로 응용해서 사용됩니다</a:t>
-            </a:r>
-            <a:endParaRPr lang="en-US" altLang="ko-KR" sz="1600" dirty="0"/>
-          </a:p>
-          <a:p>
-            <a:r>
-              <a:rPr lang="en-US" altLang="ko-KR" sz="1600" dirty="0"/>
-              <a:t>MUA(Mail</a:t>
-            </a:r>
-            <a:r>
-              <a:rPr lang="ko-KR" altLang="en-US" sz="1600" dirty="0"/>
-              <a:t> </a:t>
-            </a:r>
-            <a:r>
-              <a:rPr lang="en-US" altLang="ko-KR" sz="1600" dirty="0"/>
-              <a:t>User Agent)</a:t>
-            </a:r>
-            <a:r>
-              <a:rPr lang="ko-KR" altLang="en-US" sz="1600" dirty="0"/>
-              <a:t>는</a:t>
-            </a:r>
-            <a:br>
-              <a:rPr lang="en-US" altLang="ko-KR" sz="1600" dirty="0"/>
-            </a:br>
-            <a:r>
-              <a:rPr lang="ko-KR" altLang="en-US" sz="1600" dirty="0"/>
-              <a:t>클라이언트가 메일을 송</a:t>
-            </a:r>
-            <a:r>
-              <a:rPr lang="en-US" altLang="ko-KR" sz="1600" dirty="0"/>
-              <a:t>/</a:t>
-            </a:r>
-            <a:r>
-              <a:rPr lang="ko-KR" altLang="en-US" sz="1600" dirty="0"/>
-              <a:t>수신을 위해 사용하는</a:t>
-            </a:r>
-            <a:br>
-              <a:rPr lang="en-US" altLang="ko-KR" sz="1600" dirty="0"/>
-            </a:br>
-            <a:r>
-              <a:rPr lang="ko-KR" altLang="en-US" sz="1600" dirty="0"/>
-              <a:t>메일작성</a:t>
-            </a:r>
-            <a:r>
-              <a:rPr lang="en-US" altLang="ko-KR" sz="1600" dirty="0"/>
-              <a:t>/</a:t>
-            </a:r>
-            <a:r>
-              <a:rPr lang="ko-KR" altLang="en-US" sz="1600" dirty="0"/>
-              <a:t>편집 프로그램을 말합니다</a:t>
-            </a:r>
-            <a:br>
-              <a:rPr lang="en-US" altLang="ko-KR" sz="1600" dirty="0"/>
-            </a:br>
-            <a:r>
-              <a:rPr lang="ko-KR" altLang="en-US" sz="1600" dirty="0"/>
-              <a:t>메일을 작성하거나</a:t>
-            </a:r>
-            <a:r>
-              <a:rPr lang="en-US" altLang="ko-KR" sz="1600" dirty="0"/>
-              <a:t>, </a:t>
-            </a:r>
-            <a:r>
-              <a:rPr lang="ko-KR" altLang="en-US" sz="1600" dirty="0"/>
-              <a:t>메일 함에 도착한</a:t>
-            </a:r>
-            <a:br>
-              <a:rPr lang="en-US" altLang="ko-KR" sz="1600" dirty="0"/>
-            </a:br>
-            <a:r>
-              <a:rPr lang="en-US" altLang="ko-KR" sz="1600" dirty="0"/>
-              <a:t>(MDA</a:t>
-            </a:r>
-            <a:r>
-              <a:rPr lang="ko-KR" altLang="en-US" sz="1600" dirty="0"/>
-              <a:t>로 부터 받은 저장된</a:t>
-            </a:r>
-            <a:r>
-              <a:rPr lang="en-US" altLang="ko-KR" sz="1600" dirty="0"/>
-              <a:t>) </a:t>
-            </a:r>
-            <a:r>
-              <a:rPr lang="ko-KR" altLang="en-US" sz="1600" dirty="0"/>
-              <a:t>메일을 보여주는 기능을 수행합니다</a:t>
-            </a:r>
-            <a:br>
-              <a:rPr lang="en-US" altLang="ko-KR" sz="1600" dirty="0"/>
-            </a:br>
-            <a:r>
-              <a:rPr lang="ko-KR" altLang="en-US" sz="1600" dirty="0"/>
-              <a:t>대표적으로 </a:t>
-            </a:r>
-            <a:r>
-              <a:rPr lang="en-US" altLang="ko-KR" sz="1600" dirty="0"/>
-              <a:t>Microsoft </a:t>
-            </a:r>
-            <a:r>
-              <a:rPr lang="en-US" altLang="ko-KR" sz="1600" dirty="0" err="1"/>
-              <a:t>OutLook</a:t>
-            </a:r>
-            <a:r>
-              <a:rPr lang="en-US" altLang="ko-KR" sz="1600" dirty="0"/>
-              <a:t>(express)</a:t>
-            </a:r>
-            <a:r>
-              <a:rPr lang="ko-KR" altLang="en-US" sz="1600" dirty="0"/>
-              <a:t>가 자주 사용하는 이메일 작성프로그램 입니다</a:t>
-            </a:r>
-            <a:endParaRPr lang="en-US" altLang="ko-KR" sz="1600" dirty="0"/>
-          </a:p>
-        </p:txBody>
-      </p:sp>
-      <p:pic>
-        <p:nvPicPr>
-          <p:cNvPr id="5" name="그림 4">
-            <a:extLst>
-              <a:ext uri="{FF2B5EF4-FFF2-40B4-BE49-F238E27FC236}">
-                <a16:creationId xmlns:a16="http://schemas.microsoft.com/office/drawing/2014/main" id="{C618706D-6C7E-3522-D447-A1052A8F337C}"/>
-              </a:ext>
-            </a:extLst>
-          </p:cNvPr>
-          <p:cNvPicPr>
-            <a:picLocks noChangeAspect="1"/>
-          </p:cNvPicPr>
-          <p:nvPr/>
-        </p:nvPicPr>
-        <p:blipFill>
-          <a:blip r:embed="rId2"/>
-          <a:stretch>
-            <a:fillRect/>
-          </a:stretch>
-        </p:blipFill>
-        <p:spPr>
-          <a:xfrm>
-            <a:off x="7254706" y="4351560"/>
-            <a:ext cx="4855380" cy="1941198"/>
-          </a:xfrm>
-          <a:prstGeom prst="rect">
-            <a:avLst/>
-          </a:prstGeom>
-        </p:spPr>
-      </p:pic>
-    </p:spTree>
-    <p:extLst>
-      <p:ext uri="{BB962C8B-B14F-4D97-AF65-F5344CB8AC3E}">
-        <p14:creationId xmlns:p14="http://schemas.microsoft.com/office/powerpoint/2010/main" val="1075109166"/>
-      </p:ext>
-    </p:extLst>
-  </p:cSld>
-  <p:clrMapOvr>
-    <a:masterClrMapping/>
-  </p:clrMapOvr>
-</p:sld>
-</file>
-
-<file path=ppt/slides/slide35.xml><?xml version="1.0" encoding="utf-8"?>
-<p:sld xmlns:a="http://schemas.openxmlformats.org/drawingml/2006/main" xmlns:r="http://schemas.openxmlformats.org/officeDocument/2006/relationships" xmlns:p="http://schemas.openxmlformats.org/presentationml/2006/main">
-  <p:cSld>
-    <p:spTree>
-      <p:nvGrpSpPr>
-        <p:cNvPr id="1" name=""/>
-        <p:cNvGrpSpPr/>
-        <p:nvPr/>
-      </p:nvGrpSpPr>
-      <p:grpSpPr>
-        <a:xfrm>
-          <a:off x="0" y="0"/>
-          <a:ext cx="0" cy="0"/>
-          <a:chOff x="0" y="0"/>
-          <a:chExt cx="0" cy="0"/>
-        </a:xfrm>
-      </p:grpSpPr>
-      <p:sp>
-        <p:nvSpPr>
-          <p:cNvPr id="2" name="제목 1">
-            <a:extLst>
-              <a:ext uri="{FF2B5EF4-FFF2-40B4-BE49-F238E27FC236}">
-                <a16:creationId xmlns:a16="http://schemas.microsoft.com/office/drawing/2014/main" id="{EE22F5D4-DC91-153A-22B7-9F56D8759358}"/>
-              </a:ext>
-            </a:extLst>
-          </p:cNvPr>
-          <p:cNvSpPr>
-            <a:spLocks noGrp="1"/>
-          </p:cNvSpPr>
-          <p:nvPr>
-            <p:ph type="title"/>
-          </p:nvPr>
-        </p:nvSpPr>
-        <p:spPr/>
-        <p:txBody>
-          <a:bodyPr/>
-          <a:lstStyle/>
-          <a:p>
-            <a:r>
-              <a:rPr lang="en-US" altLang="ko-KR" dirty="0"/>
-              <a:t>Telnet, FTP</a:t>
-            </a:r>
-            <a:endParaRPr lang="ko-KR" altLang="en-US" dirty="0"/>
-          </a:p>
-        </p:txBody>
-      </p:sp>
-      <p:sp>
-        <p:nvSpPr>
-          <p:cNvPr id="3" name="내용 개체 틀 2">
-            <a:extLst>
-              <a:ext uri="{FF2B5EF4-FFF2-40B4-BE49-F238E27FC236}">
-                <a16:creationId xmlns:a16="http://schemas.microsoft.com/office/drawing/2014/main" id="{DA134574-9508-405A-3E78-84B298F0621C}"/>
-              </a:ext>
-            </a:extLst>
-          </p:cNvPr>
-          <p:cNvSpPr>
-            <a:spLocks noGrp="1"/>
-          </p:cNvSpPr>
-          <p:nvPr>
-            <p:ph idx="1"/>
-          </p:nvPr>
-        </p:nvSpPr>
-        <p:spPr>
-          <a:xfrm>
-            <a:off x="762000" y="1765140"/>
-            <a:ext cx="10668000" cy="5052350"/>
-          </a:xfrm>
-        </p:spPr>
-        <p:txBody>
-          <a:bodyPr/>
-          <a:lstStyle/>
-          <a:p>
-            <a:r>
-              <a:rPr lang="en-US" altLang="ko-KR" sz="1600" dirty="0"/>
-              <a:t>Telnet(Tel + net)</a:t>
-            </a:r>
-            <a:r>
-              <a:rPr lang="ko-KR" altLang="en-US" sz="1600" dirty="0"/>
-              <a:t>은</a:t>
-            </a:r>
-            <a:r>
-              <a:rPr lang="en-US" altLang="ko-KR" sz="1600" dirty="0"/>
-              <a:t> </a:t>
-            </a:r>
-            <a:r>
-              <a:rPr lang="ko-KR" altLang="en-US" sz="1600" dirty="0"/>
-              <a:t>로컬 네트워크 내에서 직접 연결된 것처럼</a:t>
-            </a:r>
-            <a:br>
-              <a:rPr lang="en-US" altLang="ko-KR" sz="1600" dirty="0"/>
-            </a:br>
-            <a:r>
-              <a:rPr lang="ko-KR" altLang="en-US" sz="1600" dirty="0"/>
-              <a:t>원격이 허용 된 컴퓨터에 로그온하여 사용할 수 있도록 하는 프로토콜 입니다</a:t>
-            </a:r>
-            <a:endParaRPr lang="en-US" altLang="ko-KR" sz="1600" dirty="0"/>
-          </a:p>
-          <a:p>
-            <a:r>
-              <a:rPr lang="en-US" altLang="ko-KR" sz="1600" dirty="0"/>
-              <a:t>Telnet</a:t>
-            </a:r>
-            <a:r>
-              <a:rPr lang="ko-KR" altLang="en-US" sz="1600" dirty="0"/>
-              <a:t>을 사용하려면 </a:t>
-            </a:r>
-            <a:r>
-              <a:rPr lang="en-US" altLang="ko-KR" sz="1600" dirty="0"/>
-              <a:t>“telnet [IP] [PORT]” </a:t>
-            </a:r>
-            <a:r>
-              <a:rPr lang="ko-KR" altLang="en-US" sz="1600" dirty="0"/>
-              <a:t>순서로 기입하면 </a:t>
-            </a:r>
-            <a:r>
-              <a:rPr lang="en-US" altLang="ko-KR" sz="1600" dirty="0"/>
-              <a:t>[IP]</a:t>
-            </a:r>
-            <a:r>
-              <a:rPr lang="ko-KR" altLang="en-US" sz="1600" dirty="0"/>
-              <a:t>에 </a:t>
-            </a:r>
-            <a:r>
-              <a:rPr lang="en-US" altLang="ko-KR" sz="1600" dirty="0"/>
-              <a:t>[PORT]</a:t>
-            </a:r>
-            <a:r>
-              <a:rPr lang="ko-KR" altLang="en-US" sz="1600" dirty="0"/>
-              <a:t>로 접속 할 수 있습니다</a:t>
-            </a:r>
-            <a:br>
-              <a:rPr lang="en-US" altLang="ko-KR" sz="1600" dirty="0"/>
-            </a:br>
-            <a:r>
-              <a:rPr lang="en-US" altLang="ko-KR" sz="1600" dirty="0"/>
-              <a:t>(</a:t>
-            </a:r>
-            <a:r>
-              <a:rPr lang="ko-KR" altLang="en-US" sz="1600" dirty="0"/>
-              <a:t>윈 </a:t>
-            </a:r>
-            <a:r>
-              <a:rPr lang="en-US" altLang="ko-KR" sz="1600" dirty="0"/>
-              <a:t>10/11</a:t>
-            </a:r>
-            <a:r>
-              <a:rPr lang="ko-KR" altLang="en-US" sz="1600" dirty="0"/>
-              <a:t>은 </a:t>
-            </a:r>
-            <a:r>
-              <a:rPr lang="en-US" altLang="ko-KR" sz="1600" dirty="0"/>
-              <a:t>windows</a:t>
-            </a:r>
-            <a:r>
-              <a:rPr lang="ko-KR" altLang="en-US" sz="1600" dirty="0"/>
-              <a:t>기능</a:t>
-            </a:r>
-            <a:r>
-              <a:rPr lang="en-US" altLang="ko-KR" sz="1600" dirty="0"/>
-              <a:t> </a:t>
-            </a:r>
-            <a:r>
-              <a:rPr lang="ko-KR" altLang="en-US" sz="1600" dirty="0"/>
-              <a:t>켜기</a:t>
-            </a:r>
-            <a:r>
-              <a:rPr lang="en-US" altLang="ko-KR" sz="1600" dirty="0"/>
-              <a:t>/</a:t>
-            </a:r>
-            <a:r>
-              <a:rPr lang="ko-KR" altLang="en-US" sz="1600" dirty="0"/>
-              <a:t>끄기에서 텔넷 클라이언트를 켜면 되고</a:t>
-            </a:r>
-            <a:r>
-              <a:rPr lang="en-US" altLang="ko-KR" sz="1600" dirty="0"/>
-              <a:t>,</a:t>
-            </a:r>
-            <a:br>
-              <a:rPr lang="en-US" altLang="ko-KR" sz="1600" dirty="0"/>
-            </a:br>
-            <a:r>
-              <a:rPr lang="ko-KR" altLang="en-US" sz="1600" dirty="0"/>
-              <a:t>리눅스 우분투는 </a:t>
-            </a:r>
-            <a:r>
-              <a:rPr lang="en-US" altLang="ko-KR" sz="1600" dirty="0" err="1"/>
-              <a:t>sudo</a:t>
-            </a:r>
-            <a:r>
-              <a:rPr lang="en-US" altLang="ko-KR" sz="1600" dirty="0"/>
-              <a:t> apt install </a:t>
-            </a:r>
-            <a:r>
-              <a:rPr lang="en-US" altLang="ko-KR" sz="1600" dirty="0" err="1"/>
-              <a:t>xinetd</a:t>
-            </a:r>
-            <a:r>
-              <a:rPr lang="en-US" altLang="ko-KR" sz="1600" dirty="0"/>
-              <a:t> </a:t>
-            </a:r>
-            <a:r>
-              <a:rPr lang="en-US" altLang="ko-KR" sz="1600" dirty="0" err="1"/>
-              <a:t>telnetd</a:t>
-            </a:r>
-            <a:r>
-              <a:rPr lang="ko-KR" altLang="en-US" sz="1600" dirty="0"/>
-              <a:t>를 설치하여 작업을 하면 켤 수 있습니다</a:t>
-            </a:r>
-            <a:r>
-              <a:rPr lang="en-US" altLang="ko-KR" sz="1600" dirty="0"/>
-              <a:t>)</a:t>
-            </a:r>
-          </a:p>
-          <a:p>
-            <a:r>
-              <a:rPr lang="en-US" altLang="ko-KR" sz="1600" dirty="0"/>
-              <a:t>FTP(File </a:t>
-            </a:r>
-            <a:r>
-              <a:rPr lang="en-US" altLang="ko-KR" sz="1600" dirty="0" err="1"/>
-              <a:t>Tranfer</a:t>
-            </a:r>
-            <a:r>
-              <a:rPr lang="en-US" altLang="ko-KR" sz="1600" dirty="0"/>
-              <a:t> Protocol)</a:t>
-            </a:r>
-            <a:r>
-              <a:rPr lang="ko-KR" altLang="en-US" sz="1600" dirty="0"/>
-              <a:t>은</a:t>
-            </a:r>
-            <a:r>
-              <a:rPr lang="en-US" altLang="ko-KR" sz="1600" dirty="0"/>
-              <a:t> </a:t>
-            </a:r>
-            <a:r>
-              <a:rPr lang="ko-KR" altLang="en-US" sz="1600" dirty="0"/>
-              <a:t>서로 파일을 전송 할 수 있도록 하는 프로토콜입니다</a:t>
-            </a:r>
-            <a:br>
-              <a:rPr lang="en-US" altLang="ko-KR" sz="1600" dirty="0"/>
-            </a:br>
-            <a:r>
-              <a:rPr lang="en-US" altLang="ko-KR" sz="1600" dirty="0"/>
-              <a:t>(</a:t>
-            </a:r>
-            <a:r>
-              <a:rPr lang="ko-KR" altLang="en-US" sz="1600" dirty="0"/>
-              <a:t>리눅스 우분투에서 서버를 구축하려면 </a:t>
-            </a:r>
-            <a:r>
-              <a:rPr lang="en-US" altLang="ko-KR" sz="1600" dirty="0" err="1"/>
-              <a:t>sudo</a:t>
-            </a:r>
-            <a:r>
-              <a:rPr lang="ko-KR" altLang="en-US" sz="1600" dirty="0"/>
-              <a:t> </a:t>
-            </a:r>
-            <a:r>
-              <a:rPr lang="en-US" altLang="ko-KR" sz="1600" dirty="0"/>
-              <a:t>apt</a:t>
-            </a:r>
-            <a:r>
-              <a:rPr lang="ko-KR" altLang="en-US" sz="1600" dirty="0"/>
-              <a:t> </a:t>
-            </a:r>
-            <a:r>
-              <a:rPr lang="en-US" altLang="ko-KR" sz="1600" dirty="0"/>
-              <a:t>install</a:t>
-            </a:r>
-            <a:r>
-              <a:rPr lang="ko-KR" altLang="en-US" sz="1600" dirty="0"/>
-              <a:t> </a:t>
-            </a:r>
-            <a:r>
-              <a:rPr lang="en-US" altLang="ko-KR" sz="1600" dirty="0" err="1"/>
-              <a:t>vsftpd</a:t>
-            </a:r>
-            <a:r>
-              <a:rPr lang="ko-KR" altLang="en-US" sz="1600" dirty="0"/>
-              <a:t>를 통해 작업하면 됩니다</a:t>
-            </a:r>
-            <a:r>
-              <a:rPr lang="en-US" altLang="ko-KR" sz="1600" dirty="0"/>
-              <a:t>)</a:t>
-            </a:r>
-          </a:p>
-          <a:p>
-            <a:r>
-              <a:rPr lang="ko-KR" altLang="en-US" sz="1600" dirty="0"/>
-              <a:t>두 프로토콜은 목적에 걸맞게 각 원격 쉘</a:t>
-            </a:r>
-            <a:r>
-              <a:rPr lang="en-US" altLang="ko-KR" sz="1600" dirty="0"/>
-              <a:t>, </a:t>
-            </a:r>
-            <a:r>
-              <a:rPr lang="ko-KR" altLang="en-US" sz="1600" dirty="0"/>
-              <a:t>파일 전송에 특화 된 프로토콜로</a:t>
-            </a:r>
-            <a:br>
-              <a:rPr lang="en-US" altLang="ko-KR" sz="1600" dirty="0"/>
-            </a:br>
-            <a:r>
-              <a:rPr lang="ko-KR" altLang="en-US" sz="1600" dirty="0"/>
-              <a:t>굉장히 빠르면서 연결이 편하기 때문에</a:t>
-            </a:r>
-            <a:r>
-              <a:rPr lang="en-US" altLang="ko-KR" sz="1600" dirty="0"/>
-              <a:t>, </a:t>
-            </a:r>
-            <a:r>
-              <a:rPr lang="ko-KR" altLang="en-US" sz="1600" dirty="0"/>
-              <a:t>예전에 자주 쓰였던 프로토콜이었습니다</a:t>
-            </a:r>
-            <a:endParaRPr lang="en-US" altLang="ko-KR" sz="1600" dirty="0"/>
-          </a:p>
-          <a:p>
-            <a:r>
-              <a:rPr lang="ko-KR" altLang="en-US" sz="1600" dirty="0"/>
-              <a:t>오늘날에는 두 프로토콜은 골치 아픈 보안취약점이 너무 많아서 사용을 최대한</a:t>
-            </a:r>
-            <a:br>
-              <a:rPr lang="en-US" altLang="ko-KR" sz="1600" dirty="0"/>
-            </a:br>
-            <a:r>
-              <a:rPr lang="ko-KR" altLang="en-US" sz="1600" dirty="0"/>
-              <a:t>하지 않는 방향으로 설계하고 역사의 뒤안길로 갈 예정인 프로토콜들입니다</a:t>
-            </a:r>
-            <a:endParaRPr lang="en-US" altLang="ko-KR" sz="1600" dirty="0"/>
-          </a:p>
-          <a:p>
-            <a:r>
-              <a:rPr lang="en-US" altLang="ko-KR" sz="1600" dirty="0"/>
-              <a:t>Telnet</a:t>
-            </a:r>
-            <a:r>
-              <a:rPr lang="ko-KR" altLang="en-US" sz="1600" dirty="0"/>
-              <a:t>과 </a:t>
-            </a:r>
-            <a:r>
-              <a:rPr lang="en-US" altLang="ko-KR" sz="1600" dirty="0"/>
-              <a:t>FTP</a:t>
-            </a:r>
-            <a:r>
-              <a:rPr lang="ko-KR" altLang="en-US" sz="1600" dirty="0"/>
-              <a:t>는 상호 통신이 단순하면서도 암호화</a:t>
-            </a:r>
-            <a:r>
-              <a:rPr lang="en-US" altLang="ko-KR" sz="1600" dirty="0"/>
-              <a:t>(SL)</a:t>
-            </a:r>
-            <a:r>
-              <a:rPr lang="ko-KR" altLang="en-US" sz="1600" dirty="0"/>
-              <a:t>과정이 없어</a:t>
-            </a:r>
-            <a:r>
-              <a:rPr lang="en-US" altLang="ko-KR" sz="1600" dirty="0"/>
-              <a:t>,</a:t>
-            </a:r>
-            <a:br>
-              <a:rPr lang="en-US" altLang="ko-KR" sz="1600" dirty="0"/>
-            </a:br>
-            <a:r>
-              <a:rPr lang="en-US" altLang="ko-KR" sz="1400" dirty="0"/>
-              <a:t>1. </a:t>
-            </a:r>
-            <a:r>
-              <a:rPr lang="ko-KR" altLang="en-US" sz="1400" dirty="0"/>
-              <a:t>세션 </a:t>
-            </a:r>
-            <a:r>
-              <a:rPr lang="ko-KR" altLang="en-US" sz="1400" dirty="0" err="1"/>
-              <a:t>하이재킹</a:t>
-            </a:r>
-            <a:r>
-              <a:rPr lang="ko-KR" altLang="en-US" sz="1400" dirty="0"/>
-              <a:t> 공격</a:t>
-            </a:r>
-            <a:r>
-              <a:rPr lang="en-US" altLang="ko-KR" sz="1400" dirty="0"/>
-              <a:t>: </a:t>
-            </a:r>
-            <a:r>
-              <a:rPr lang="ko-KR" altLang="en-US" sz="1400" dirty="0"/>
-              <a:t>연결이 된 상태를 가로채서 대신 통신을 시도하는 공격</a:t>
-            </a:r>
-            <a:br>
-              <a:rPr lang="en-US" altLang="ko-KR" sz="1400" dirty="0"/>
-            </a:br>
-            <a:r>
-              <a:rPr lang="en-US" altLang="ko-KR" sz="1400" dirty="0"/>
-              <a:t>2. </a:t>
-            </a:r>
-            <a:r>
-              <a:rPr lang="ko-KR" altLang="en-US" sz="1400" dirty="0" err="1"/>
-              <a:t>스니핑</a:t>
-            </a:r>
-            <a:r>
-              <a:rPr lang="en-US" altLang="ko-KR" sz="1400" dirty="0"/>
-              <a:t>/</a:t>
-            </a:r>
-            <a:r>
-              <a:rPr lang="ko-KR" altLang="en-US" sz="1400" dirty="0" err="1"/>
-              <a:t>스푸핑</a:t>
-            </a:r>
-            <a:r>
-              <a:rPr lang="ko-KR" altLang="en-US" sz="1400" dirty="0"/>
-              <a:t> 공격</a:t>
-            </a:r>
-            <a:r>
-              <a:rPr lang="en-US" altLang="ko-KR" sz="1400" dirty="0"/>
-              <a:t>: </a:t>
-            </a:r>
-            <a:r>
-              <a:rPr lang="ko-KR" altLang="en-US" sz="1400" dirty="0"/>
-              <a:t>연결 및 통신 중에 제 </a:t>
-            </a:r>
-            <a:r>
-              <a:rPr lang="en-US" altLang="ko-KR" sz="1400" dirty="0"/>
-              <a:t>3</a:t>
-            </a:r>
-            <a:r>
-              <a:rPr lang="ko-KR" altLang="en-US" sz="1400" dirty="0"/>
-              <a:t>자가 이를 가로채거나 조작하는 공격</a:t>
-            </a:r>
-            <a:br>
-              <a:rPr lang="en-US" altLang="ko-KR" sz="1600" dirty="0"/>
-            </a:br>
-            <a:r>
-              <a:rPr lang="ko-KR" altLang="en-US" sz="1600" dirty="0"/>
-              <a:t>이 대표적인 취약점이 되었고</a:t>
-            </a:r>
-            <a:r>
-              <a:rPr lang="en-US" altLang="ko-KR" sz="1600" dirty="0"/>
-              <a:t>, </a:t>
-            </a:r>
-            <a:r>
-              <a:rPr lang="ko-KR" altLang="en-US" sz="1600" dirty="0"/>
-              <a:t>특히 </a:t>
-            </a:r>
-            <a:r>
-              <a:rPr lang="en-US" altLang="ko-KR" sz="1600" dirty="0"/>
-              <a:t>Telnet</a:t>
-            </a:r>
-            <a:r>
-              <a:rPr lang="ko-KR" altLang="en-US" sz="1600" dirty="0"/>
-              <a:t>은 리버스 쉘 공격의 위험으로</a:t>
-            </a:r>
-            <a:br>
-              <a:rPr lang="en-US" altLang="ko-KR" sz="1600" dirty="0"/>
-            </a:br>
-            <a:r>
-              <a:rPr lang="ko-KR" altLang="en-US" sz="1600" dirty="0"/>
-              <a:t>대부분의 운영체제는 기본상태를 지원하지 않음으로 두는 이유가 이 때문입니다</a:t>
-            </a:r>
-            <a:endParaRPr lang="en-US" altLang="ko-KR" sz="1600" dirty="0"/>
-          </a:p>
-        </p:txBody>
-      </p:sp>
-      <p:pic>
-        <p:nvPicPr>
-          <p:cNvPr id="5" name="그림 4">
-            <a:extLst>
-              <a:ext uri="{FF2B5EF4-FFF2-40B4-BE49-F238E27FC236}">
-                <a16:creationId xmlns:a16="http://schemas.microsoft.com/office/drawing/2014/main" id="{9E52AF14-C155-0F21-7E7F-BF02DF57F9B7}"/>
-              </a:ext>
-            </a:extLst>
-          </p:cNvPr>
-          <p:cNvPicPr>
-            <a:picLocks noChangeAspect="1"/>
-          </p:cNvPicPr>
-          <p:nvPr/>
-        </p:nvPicPr>
-        <p:blipFill>
-          <a:blip r:embed="rId2"/>
-          <a:stretch>
-            <a:fillRect/>
-          </a:stretch>
-        </p:blipFill>
-        <p:spPr>
-          <a:xfrm>
-            <a:off x="9769033" y="4046071"/>
-            <a:ext cx="2303271" cy="2727558"/>
-          </a:xfrm>
-          <a:prstGeom prst="rect">
-            <a:avLst/>
-          </a:prstGeom>
-        </p:spPr>
-      </p:pic>
-    </p:spTree>
-    <p:extLst>
-      <p:ext uri="{BB962C8B-B14F-4D97-AF65-F5344CB8AC3E}">
-        <p14:creationId xmlns:p14="http://schemas.microsoft.com/office/powerpoint/2010/main" val="1016130752"/>
-      </p:ext>
-    </p:extLst>
-  </p:cSld>
-  <p:clrMapOvr>
-    <a:masterClrMapping/>
-  </p:clrMapOvr>
-</p:sld>
-</file>
-
-<file path=ppt/slides/slide36.xml><?xml version="1.0" encoding="utf-8"?>
-<p:sld xmlns:a="http://schemas.openxmlformats.org/drawingml/2006/main" xmlns:r="http://schemas.openxmlformats.org/officeDocument/2006/relationships" xmlns:p="http://schemas.openxmlformats.org/presentationml/2006/main">
-  <p:cSld>
-    <p:spTree>
-      <p:nvGrpSpPr>
-        <p:cNvPr id="1" name=""/>
-        <p:cNvGrpSpPr/>
-        <p:nvPr/>
-      </p:nvGrpSpPr>
-      <p:grpSpPr>
-        <a:xfrm>
-          <a:off x="0" y="0"/>
-          <a:ext cx="0" cy="0"/>
-          <a:chOff x="0" y="0"/>
-          <a:chExt cx="0" cy="0"/>
-        </a:xfrm>
-      </p:grpSpPr>
-      <p:sp>
-        <p:nvSpPr>
-          <p:cNvPr id="2" name="제목 1">
-            <a:extLst>
-              <a:ext uri="{FF2B5EF4-FFF2-40B4-BE49-F238E27FC236}">
-                <a16:creationId xmlns:a16="http://schemas.microsoft.com/office/drawing/2014/main" id="{A0627AC5-17C9-8F33-C0C8-C6141DC4D3AF}"/>
-              </a:ext>
-            </a:extLst>
-          </p:cNvPr>
-          <p:cNvSpPr>
-            <a:spLocks noGrp="1"/>
-          </p:cNvSpPr>
-          <p:nvPr>
-            <p:ph type="title"/>
-          </p:nvPr>
-        </p:nvSpPr>
-        <p:spPr/>
-        <p:txBody>
-          <a:bodyPr/>
-          <a:lstStyle/>
-          <a:p>
-            <a:r>
-              <a:rPr lang="en-US" altLang="ko-KR" dirty="0"/>
-              <a:t>SSH, SFTP, FTPS</a:t>
-            </a:r>
-            <a:endParaRPr lang="ko-KR" altLang="en-US" dirty="0"/>
-          </a:p>
-        </p:txBody>
-      </p:sp>
-      <p:sp>
-        <p:nvSpPr>
-          <p:cNvPr id="3" name="내용 개체 틀 2">
-            <a:extLst>
-              <a:ext uri="{FF2B5EF4-FFF2-40B4-BE49-F238E27FC236}">
-                <a16:creationId xmlns:a16="http://schemas.microsoft.com/office/drawing/2014/main" id="{5873E66C-D7B1-E2D3-8161-87D0ED88EEA4}"/>
-              </a:ext>
-            </a:extLst>
-          </p:cNvPr>
-          <p:cNvSpPr>
-            <a:spLocks noGrp="1"/>
-          </p:cNvSpPr>
-          <p:nvPr>
-            <p:ph idx="1"/>
-          </p:nvPr>
-        </p:nvSpPr>
-        <p:spPr>
-          <a:xfrm>
-            <a:off x="761999" y="1765139"/>
-            <a:ext cx="10720087" cy="4898541"/>
-          </a:xfrm>
-        </p:spPr>
-        <p:txBody>
-          <a:bodyPr/>
-          <a:lstStyle/>
-          <a:p>
-            <a:r>
-              <a:rPr lang="en-US" altLang="ko-KR" sz="1600" dirty="0"/>
-              <a:t>SSH(Secure </a:t>
-            </a:r>
-            <a:r>
-              <a:rPr lang="en-US" altLang="ko-KR" sz="1600" dirty="0" err="1"/>
-              <a:t>SHell</a:t>
-            </a:r>
-            <a:r>
-              <a:rPr lang="en-US" altLang="ko-KR" sz="1600" dirty="0"/>
-              <a:t>)</a:t>
-            </a:r>
-            <a:r>
-              <a:rPr lang="ko-KR" altLang="en-US" sz="1600" dirty="0"/>
-              <a:t>은 기존의 </a:t>
-            </a:r>
-            <a:r>
-              <a:rPr lang="en-US" altLang="ko-KR" sz="1600" dirty="0"/>
-              <a:t>Telnet</a:t>
-            </a:r>
-            <a:r>
-              <a:rPr lang="ko-KR" altLang="en-US" sz="1600" dirty="0"/>
-              <a:t>프로토콜의 취약점을 개선할 목적으로 나온 원격 쉘 프로토콜 입니다</a:t>
-            </a:r>
-            <a:br>
-              <a:rPr lang="en-US" altLang="ko-KR" sz="1600" dirty="0"/>
-            </a:br>
-            <a:r>
-              <a:rPr lang="en-US" altLang="ko-KR" sz="1600" dirty="0"/>
-              <a:t>(</a:t>
-            </a:r>
-            <a:r>
-              <a:rPr lang="ko-KR" altLang="en-US" sz="1600" dirty="0"/>
-              <a:t>현재 윈도우와 리눅스는 </a:t>
-            </a:r>
-            <a:r>
-              <a:rPr lang="en-US" altLang="ko-KR" sz="1600" dirty="0"/>
-              <a:t>SSH Client</a:t>
-            </a:r>
-            <a:r>
-              <a:rPr lang="ko-KR" altLang="en-US" sz="1600" dirty="0"/>
-              <a:t>를 기본 탑재하고 있어 </a:t>
-            </a:r>
-            <a:r>
-              <a:rPr lang="en-US" altLang="ko-KR" sz="1600" dirty="0"/>
-              <a:t>ssh [IP] [PORT] </a:t>
-            </a:r>
-            <a:r>
-              <a:rPr lang="ko-KR" altLang="en-US" sz="1600" dirty="0"/>
-              <a:t>순서로 연결이 가능합니다</a:t>
-            </a:r>
-            <a:r>
-              <a:rPr lang="en-US" altLang="ko-KR" sz="1600" dirty="0"/>
-              <a:t>)</a:t>
-            </a:r>
-          </a:p>
-          <a:p>
-            <a:r>
-              <a:rPr lang="en-US" altLang="ko-KR" sz="1600" dirty="0"/>
-              <a:t>FTPS(FTP over TLS)</a:t>
-            </a:r>
-            <a:r>
-              <a:rPr lang="ko-KR" altLang="en-US" sz="1600" dirty="0"/>
-              <a:t>은 기존의 </a:t>
-            </a:r>
-            <a:r>
-              <a:rPr lang="en-US" altLang="ko-KR" sz="1600" dirty="0"/>
-              <a:t>FTP</a:t>
-            </a:r>
-            <a:r>
-              <a:rPr lang="ko-KR" altLang="en-US" sz="1600" dirty="0"/>
-              <a:t>프로토콜의 취약점을 개선할 목적으로 나온 파일 전송 프로토콜 입니다</a:t>
-            </a:r>
-            <a:br>
-              <a:rPr lang="en-US" altLang="ko-KR" sz="1600" dirty="0"/>
-            </a:br>
-            <a:r>
-              <a:rPr lang="en-US" altLang="ko-KR" sz="1600" dirty="0"/>
-              <a:t>FTPS</a:t>
-            </a:r>
-            <a:r>
-              <a:rPr lang="ko-KR" altLang="en-US" sz="1600" dirty="0"/>
-              <a:t>는 이름처럼 기존 </a:t>
-            </a:r>
-            <a:r>
-              <a:rPr lang="en-US" altLang="ko-KR" sz="1600" dirty="0"/>
-              <a:t>FTP</a:t>
-            </a:r>
-            <a:r>
-              <a:rPr lang="ko-KR" altLang="en-US" sz="1600" dirty="0"/>
-              <a:t>에 </a:t>
-            </a:r>
-            <a:r>
-              <a:rPr lang="en-US" altLang="ko-KR" sz="1600" dirty="0"/>
-              <a:t>TLS </a:t>
-            </a:r>
-            <a:r>
-              <a:rPr lang="ko-KR" altLang="en-US" sz="1600" dirty="0"/>
-              <a:t>레이어만 얹은 프로토콜로 </a:t>
-            </a:r>
-            <a:r>
-              <a:rPr lang="en-US" altLang="ko-KR" sz="1600" dirty="0"/>
-              <a:t>FTP</a:t>
-            </a:r>
-            <a:r>
-              <a:rPr lang="ko-KR" altLang="en-US" sz="1600" dirty="0"/>
-              <a:t>보다는 취약점이 줄어 들었지만</a:t>
-            </a:r>
-            <a:r>
-              <a:rPr lang="en-US" altLang="ko-KR" sz="1600" dirty="0"/>
-              <a:t>,</a:t>
-            </a:r>
-            <a:br>
-              <a:rPr lang="en-US" altLang="ko-KR" sz="1600" dirty="0"/>
-            </a:br>
-            <a:r>
-              <a:rPr lang="en-US" altLang="ko-KR" sz="1600" dirty="0"/>
-              <a:t>SSH</a:t>
-            </a:r>
-            <a:r>
-              <a:rPr lang="ko-KR" altLang="en-US" sz="1600" dirty="0"/>
-              <a:t>만큼 보안이 뛰어난 편은 아닐 수 있습니다</a:t>
-            </a:r>
-            <a:r>
-              <a:rPr lang="en-US" altLang="ko-KR" sz="1600" dirty="0"/>
-              <a:t>(FileZilla</a:t>
-            </a:r>
-            <a:r>
-              <a:rPr lang="ko-KR" altLang="en-US" sz="1600" dirty="0"/>
-              <a:t>는 </a:t>
-            </a:r>
-            <a:r>
-              <a:rPr lang="en-US" altLang="ko-KR" sz="1600" dirty="0"/>
-              <a:t>FTP</a:t>
-            </a:r>
-            <a:r>
-              <a:rPr lang="ko-KR" altLang="en-US" sz="1600" dirty="0"/>
-              <a:t>와 함께 </a:t>
-            </a:r>
-            <a:r>
-              <a:rPr lang="en-US" altLang="ko-KR" sz="1600" dirty="0"/>
-              <a:t>FTPS</a:t>
-            </a:r>
-            <a:r>
-              <a:rPr lang="ko-KR" altLang="en-US" sz="1600" dirty="0"/>
-              <a:t>도 탑재되어</a:t>
-            </a:r>
-            <a:r>
-              <a:rPr lang="en-US" altLang="ko-KR" sz="1600" dirty="0"/>
-              <a:t> </a:t>
-            </a:r>
-            <a:r>
-              <a:rPr lang="ko-KR" altLang="en-US" sz="1600" dirty="0"/>
-              <a:t>있습니다</a:t>
-            </a:r>
-            <a:r>
-              <a:rPr lang="en-US" altLang="ko-KR" sz="1600" dirty="0"/>
-              <a:t>)</a:t>
-            </a:r>
-          </a:p>
-          <a:p>
-            <a:r>
-              <a:rPr lang="en-US" altLang="ko-KR" sz="1600" dirty="0"/>
-              <a:t>SFTP(SSH FTP)</a:t>
-            </a:r>
-            <a:r>
-              <a:rPr lang="ko-KR" altLang="en-US" sz="1600" dirty="0"/>
-              <a:t>는 기존의 </a:t>
-            </a:r>
-            <a:r>
-              <a:rPr lang="en-US" altLang="ko-KR" sz="1600" dirty="0"/>
-              <a:t>FTP</a:t>
-            </a:r>
-            <a:r>
-              <a:rPr lang="ko-KR" altLang="en-US" sz="1600" dirty="0"/>
-              <a:t>프로토콜의 취약점을 개선할 목적으로 나온 </a:t>
-            </a:r>
-            <a:r>
-              <a:rPr lang="en-US" altLang="ko-KR" sz="1600" dirty="0"/>
-              <a:t>SSH </a:t>
-            </a:r>
-            <a:r>
-              <a:rPr lang="ko-KR" altLang="en-US" sz="1600" dirty="0"/>
-              <a:t>프로토콜의 일부 입니다</a:t>
-            </a:r>
-            <a:br>
-              <a:rPr lang="en-US" altLang="ko-KR" sz="1600" dirty="0"/>
-            </a:br>
-            <a:r>
-              <a:rPr lang="en-US" altLang="ko-KR" sz="1600" dirty="0"/>
-              <a:t>SFTP</a:t>
-            </a:r>
-            <a:r>
-              <a:rPr lang="ko-KR" altLang="en-US" sz="1600" dirty="0"/>
-              <a:t>는 </a:t>
-            </a:r>
-            <a:r>
-              <a:rPr lang="en-US" altLang="ko-KR" sz="1600" dirty="0"/>
-              <a:t>FTP</a:t>
-            </a:r>
-            <a:r>
-              <a:rPr lang="ko-KR" altLang="en-US" sz="1600" dirty="0"/>
-              <a:t>의 프로토콜 규칙과는 관련이 없이 </a:t>
-            </a:r>
-            <a:r>
-              <a:rPr lang="en-US" altLang="ko-KR" sz="1600" dirty="0"/>
-              <a:t>SSH</a:t>
-            </a:r>
-            <a:r>
-              <a:rPr lang="ko-KR" altLang="en-US" sz="1600" dirty="0"/>
-              <a:t>의 보안 방식과 프로토콜을 그대로 사용하여</a:t>
-            </a:r>
-            <a:br>
-              <a:rPr lang="en-US" altLang="ko-KR" sz="1600" dirty="0"/>
-            </a:br>
-            <a:r>
-              <a:rPr lang="ko-KR" altLang="en-US" sz="1600" dirty="0"/>
-              <a:t>같은 포트인 </a:t>
-            </a:r>
-            <a:r>
-              <a:rPr lang="en-US" altLang="ko-KR" sz="1600" dirty="0"/>
-              <a:t>22</a:t>
-            </a:r>
-            <a:r>
-              <a:rPr lang="ko-KR" altLang="en-US" sz="1600" dirty="0"/>
-              <a:t>를 사용하고</a:t>
-            </a:r>
-            <a:r>
-              <a:rPr lang="en-US" altLang="ko-KR" sz="1600" dirty="0"/>
-              <a:t>, FTPS</a:t>
-            </a:r>
-            <a:r>
-              <a:rPr lang="ko-KR" altLang="en-US" sz="1600" dirty="0"/>
-              <a:t>보다 뛰어난</a:t>
-            </a:r>
-            <a:r>
-              <a:rPr lang="en-US" altLang="ko-KR" sz="1600" dirty="0"/>
-              <a:t>(</a:t>
-            </a:r>
-            <a:r>
-              <a:rPr lang="ko-KR" altLang="en-US" sz="1600" dirty="0"/>
-              <a:t>공개암호 사용 및 보안 레이어 추가</a:t>
-            </a:r>
-            <a:r>
-              <a:rPr lang="en-US" altLang="ko-KR" sz="1600" dirty="0"/>
-              <a:t>)</a:t>
-            </a:r>
-            <a:r>
-              <a:rPr lang="ko-KR" altLang="en-US" sz="1600" dirty="0"/>
-              <a:t>보안을 사용하여</a:t>
-            </a:r>
-            <a:endParaRPr lang="en-US" altLang="ko-KR" sz="1600" dirty="0"/>
-          </a:p>
-          <a:p>
-            <a:r>
-              <a:rPr lang="ko-KR" altLang="en-US" sz="1600" dirty="0"/>
-              <a:t>오늘날 </a:t>
-            </a:r>
-            <a:r>
-              <a:rPr lang="en-US" altLang="ko-KR" sz="1600" dirty="0" err="1"/>
-              <a:t>scp</a:t>
-            </a:r>
-            <a:r>
-              <a:rPr lang="en-US" altLang="ko-KR" sz="1600" dirty="0"/>
-              <a:t> </a:t>
-            </a:r>
-            <a:r>
-              <a:rPr lang="ko-KR" altLang="en-US" sz="1600" dirty="0"/>
-              <a:t>명령</a:t>
-            </a:r>
-            <a:r>
-              <a:rPr lang="en-US" altLang="ko-KR" sz="1600" dirty="0"/>
-              <a:t>: SSH</a:t>
-            </a:r>
-            <a:r>
-              <a:rPr lang="ko-KR" altLang="en-US" sz="1600" dirty="0"/>
-              <a:t>를 사용한 파일 원격 복사 명령어</a:t>
-            </a:r>
-            <a:r>
-              <a:rPr lang="en-US" altLang="ko-KR" sz="1600" dirty="0"/>
-              <a:t>,</a:t>
-            </a:r>
-            <a:br>
-              <a:rPr lang="en-US" altLang="ko-KR" sz="1600" dirty="0"/>
-            </a:br>
-            <a:r>
-              <a:rPr lang="en-US" altLang="ko-KR" sz="1600" dirty="0"/>
-              <a:t>SSH</a:t>
-            </a:r>
-            <a:r>
-              <a:rPr lang="ko-KR" altLang="en-US" sz="1600" dirty="0"/>
-              <a:t>에서 파일 전송</a:t>
-            </a:r>
-            <a:r>
-              <a:rPr lang="en-US" altLang="ko-KR" sz="1600" dirty="0"/>
-              <a:t>(</a:t>
-            </a:r>
-            <a:r>
-              <a:rPr lang="en-US" altLang="ko-KR" sz="1600" dirty="0" err="1"/>
-              <a:t>vscode</a:t>
-            </a:r>
-            <a:r>
-              <a:rPr lang="ko-KR" altLang="en-US" sz="1600" dirty="0"/>
-              <a:t>등의 </a:t>
-            </a:r>
-            <a:r>
-              <a:rPr lang="en-US" altLang="ko-KR" sz="1600" dirty="0"/>
-              <a:t>IDE </a:t>
-            </a:r>
-            <a:r>
-              <a:rPr lang="ko-KR" altLang="en-US" sz="1600" dirty="0"/>
-              <a:t>및 </a:t>
-            </a:r>
-            <a:r>
-              <a:rPr lang="en-US" altLang="ko-KR" sz="1600" dirty="0"/>
-              <a:t>git SSH)</a:t>
-            </a:r>
-            <a:r>
-              <a:rPr lang="ko-KR" altLang="en-US" sz="1600" dirty="0"/>
-              <a:t>등은 이미 </a:t>
-            </a:r>
-            <a:r>
-              <a:rPr lang="en-US" altLang="ko-KR" sz="1600" dirty="0"/>
-              <a:t>SFTP</a:t>
-            </a:r>
-            <a:r>
-              <a:rPr lang="ko-KR" altLang="en-US" sz="1600" dirty="0"/>
-              <a:t>와 유사하거나 동일한 방법으로</a:t>
-            </a:r>
-            <a:br>
-              <a:rPr lang="en-US" altLang="ko-KR" sz="1600" dirty="0"/>
-            </a:br>
-            <a:r>
-              <a:rPr lang="ko-KR" altLang="en-US" sz="1600" dirty="0"/>
-              <a:t>파일 통신을 수행하고 있습니다</a:t>
-            </a:r>
-            <a:endParaRPr lang="en-US" altLang="ko-KR" sz="1600" dirty="0"/>
-          </a:p>
-          <a:p>
-            <a:r>
-              <a:rPr lang="ko-KR" altLang="en-US" sz="1600" dirty="0"/>
-              <a:t>리눅스에서 </a:t>
-            </a:r>
-            <a:r>
-              <a:rPr lang="en-US" altLang="ko-KR" sz="1600" dirty="0"/>
-              <a:t>SFTP</a:t>
-            </a:r>
-            <a:r>
-              <a:rPr lang="ko-KR" altLang="en-US" sz="1600" dirty="0"/>
-              <a:t>를 사용하려는 경우 </a:t>
-            </a:r>
-            <a:r>
-              <a:rPr lang="en-US" altLang="ko-KR" sz="1600" dirty="0"/>
-              <a:t>OpenSSH</a:t>
-            </a:r>
-            <a:r>
-              <a:rPr lang="ko-KR" altLang="en-US" sz="1600" dirty="0"/>
-              <a:t>가 탑재되어 있는지 보고</a:t>
-            </a:r>
-            <a:br>
-              <a:rPr lang="en-US" altLang="ko-KR" sz="1600" dirty="0"/>
-            </a:br>
-            <a:r>
-              <a:rPr lang="en-US" altLang="ko-KR" sz="1600" dirty="0"/>
-              <a:t>$vi</a:t>
-            </a:r>
-            <a:r>
-              <a:rPr lang="ko-KR" altLang="en-US" sz="1600" dirty="0"/>
-              <a:t> </a:t>
-            </a:r>
-            <a:r>
-              <a:rPr lang="en-US" altLang="ko-KR" sz="1600" dirty="0"/>
-              <a:t>/</a:t>
-            </a:r>
-            <a:r>
-              <a:rPr lang="en-US" altLang="ko-KR" sz="1600" dirty="0" err="1"/>
-              <a:t>etc</a:t>
-            </a:r>
-            <a:r>
-              <a:rPr lang="en-US" altLang="ko-KR" sz="1600" dirty="0"/>
-              <a:t>/ssh/</a:t>
-            </a:r>
-            <a:r>
-              <a:rPr lang="en-US" altLang="ko-KR" sz="1600" dirty="0" err="1"/>
-              <a:t>sshd_config</a:t>
-            </a:r>
-            <a:r>
-              <a:rPr lang="en-US" altLang="ko-KR" sz="1600" dirty="0"/>
-              <a:t> </a:t>
-            </a:r>
-            <a:r>
-              <a:rPr lang="ko-KR" altLang="en-US" sz="1600" dirty="0"/>
-              <a:t>에서 </a:t>
-            </a:r>
-            <a:r>
-              <a:rPr lang="en-US" altLang="ko-KR" sz="1600" dirty="0"/>
-              <a:t>Subsystem sftp </a:t>
-            </a:r>
-            <a:r>
-              <a:rPr lang="ko-KR" altLang="en-US" sz="1600" dirty="0"/>
-              <a:t>값을 </a:t>
-            </a:r>
-            <a:r>
-              <a:rPr lang="en-US" altLang="ko-KR" sz="1600" dirty="0"/>
-              <a:t>internal-sftp</a:t>
-            </a:r>
-            <a:r>
-              <a:rPr lang="ko-KR" altLang="en-US" sz="1600" dirty="0"/>
-              <a:t>로 변경 후</a:t>
-            </a:r>
-            <a:r>
-              <a:rPr lang="en-US" altLang="ko-KR" sz="1600" dirty="0"/>
-              <a:t>,</a:t>
-            </a:r>
-            <a:br>
-              <a:rPr lang="en-US" altLang="ko-KR" sz="1600" dirty="0"/>
-            </a:br>
-            <a:r>
-              <a:rPr lang="ko-KR" altLang="en-US" sz="1600" dirty="0"/>
-              <a:t>아래 </a:t>
-            </a:r>
-            <a:r>
-              <a:rPr lang="en-US" altLang="ko-KR" sz="1600" dirty="0"/>
-              <a:t>Match</a:t>
-            </a:r>
-            <a:r>
-              <a:rPr lang="ko-KR" altLang="en-US" sz="1600" dirty="0"/>
-              <a:t> </a:t>
-            </a:r>
-            <a:r>
-              <a:rPr lang="en-US" altLang="ko-KR" sz="1600" dirty="0"/>
-              <a:t>Group</a:t>
-            </a:r>
-            <a:r>
-              <a:rPr lang="ko-KR" altLang="en-US" sz="1600" dirty="0"/>
-              <a:t> </a:t>
-            </a:r>
-            <a:r>
-              <a:rPr lang="en-US" altLang="ko-KR" sz="1600" dirty="0" err="1"/>
-              <a:t>filetransfer</a:t>
-            </a:r>
-            <a:r>
-              <a:rPr lang="en-US" altLang="ko-KR" sz="1600" dirty="0"/>
-              <a:t> </a:t>
-            </a:r>
-            <a:r>
-              <a:rPr lang="ko-KR" altLang="en-US" sz="1600" dirty="0"/>
-              <a:t>옵션을 조건에 맞게 수정한 뒤 </a:t>
-            </a:r>
-            <a:r>
-              <a:rPr lang="en-US" altLang="ko-KR" sz="1600" dirty="0"/>
-              <a:t>ssh</a:t>
-            </a:r>
-            <a:r>
-              <a:rPr lang="ko-KR" altLang="en-US" sz="1600" dirty="0"/>
-              <a:t>를 재시작 하면</a:t>
-            </a:r>
-            <a:r>
-              <a:rPr lang="en-US" altLang="ko-KR" sz="1600" dirty="0"/>
-              <a:t> </a:t>
-            </a:r>
-            <a:r>
-              <a:rPr lang="ko-KR" altLang="en-US" sz="1600" dirty="0"/>
-              <a:t>서버가 열리게 되고</a:t>
-            </a:r>
-            <a:r>
-              <a:rPr lang="en-US" altLang="ko-KR" sz="1600" dirty="0"/>
-              <a:t>,</a:t>
-            </a:r>
-            <a:br>
-              <a:rPr lang="en-US" altLang="ko-KR" sz="1600" dirty="0"/>
-            </a:br>
-            <a:r>
-              <a:rPr lang="en-US" altLang="ko-KR" sz="1600" dirty="0"/>
-              <a:t>sftp</a:t>
-            </a:r>
-            <a:r>
-              <a:rPr lang="ko-KR" altLang="en-US" sz="1600" dirty="0"/>
-              <a:t> </a:t>
-            </a:r>
-            <a:r>
-              <a:rPr lang="en-US" altLang="ko-KR" sz="1600" dirty="0"/>
-              <a:t>–P [PORT] [</a:t>
-            </a:r>
-            <a:r>
-              <a:rPr lang="ko-KR" altLang="en-US" sz="1600" dirty="0" err="1"/>
-              <a:t>계정명</a:t>
-            </a:r>
-            <a:r>
-              <a:rPr lang="en-US" altLang="ko-KR" sz="1600" dirty="0"/>
-              <a:t>]@[</a:t>
-            </a:r>
-            <a:r>
-              <a:rPr lang="ko-KR" altLang="en-US" sz="1600" dirty="0"/>
-              <a:t>원격지</a:t>
-            </a:r>
-            <a:r>
-              <a:rPr lang="en-US" altLang="ko-KR" sz="1600" dirty="0"/>
-              <a:t>] or</a:t>
-            </a:r>
-            <a:r>
-              <a:rPr lang="ko-KR" altLang="en-US" sz="1600" dirty="0"/>
-              <a:t> </a:t>
-            </a:r>
-            <a:r>
-              <a:rPr lang="en-US" altLang="ko-KR" sz="1600" dirty="0"/>
-              <a:t>[DNS]</a:t>
-            </a:r>
-            <a:r>
-              <a:rPr lang="ko-KR" altLang="en-US" sz="1600" dirty="0"/>
-              <a:t>로 </a:t>
-            </a:r>
-            <a:r>
-              <a:rPr lang="en-US" altLang="ko-KR" sz="1600" dirty="0"/>
-              <a:t> </a:t>
-            </a:r>
-            <a:r>
-              <a:rPr lang="ko-KR" altLang="en-US" sz="1600" dirty="0"/>
-              <a:t>클라이언트 사용이 가능해집니다</a:t>
-            </a:r>
-            <a:endParaRPr lang="en-US" altLang="ko-KR" sz="1600" dirty="0"/>
-          </a:p>
-        </p:txBody>
-      </p:sp>
-    </p:spTree>
-    <p:extLst>
-      <p:ext uri="{BB962C8B-B14F-4D97-AF65-F5344CB8AC3E}">
-        <p14:creationId xmlns:p14="http://schemas.microsoft.com/office/powerpoint/2010/main" val="2829570985"/>
       </p:ext>
     </p:extLst>
   </p:cSld>
